--- a/trunk/neuralito/ArfGen/docs/Entregas/Informe Final/presentacion/maxi.pptx
+++ b/trunk/neuralito/ArfGen/docs/Entregas/Informe Final/presentacion/maxi.pptx
@@ -5,21 +5,35 @@
     <p:sldMasterId id="2147483660" r:id="rId1"/>
   </p:sldMasterIdLst>
   <p:notesMasterIdLst>
-    <p:notesMasterId r:id="rId14"/>
+    <p:notesMasterId r:id="rId28"/>
   </p:notesMasterIdLst>
   <p:sldIdLst>
     <p:sldId id="256" r:id="rId2"/>
     <p:sldId id="257" r:id="rId3"/>
-    <p:sldId id="259" r:id="rId4"/>
-    <p:sldId id="260" r:id="rId5"/>
-    <p:sldId id="261" r:id="rId6"/>
-    <p:sldId id="262" r:id="rId7"/>
-    <p:sldId id="263" r:id="rId8"/>
-    <p:sldId id="264" r:id="rId9"/>
-    <p:sldId id="265" r:id="rId10"/>
-    <p:sldId id="266" r:id="rId11"/>
-    <p:sldId id="267" r:id="rId12"/>
-    <p:sldId id="268" r:id="rId13"/>
+    <p:sldId id="269" r:id="rId4"/>
+    <p:sldId id="259" r:id="rId5"/>
+    <p:sldId id="260" r:id="rId6"/>
+    <p:sldId id="261" r:id="rId7"/>
+    <p:sldId id="262" r:id="rId8"/>
+    <p:sldId id="263" r:id="rId9"/>
+    <p:sldId id="264" r:id="rId10"/>
+    <p:sldId id="265" r:id="rId11"/>
+    <p:sldId id="266" r:id="rId12"/>
+    <p:sldId id="267" r:id="rId13"/>
+    <p:sldId id="268" r:id="rId14"/>
+    <p:sldId id="270" r:id="rId15"/>
+    <p:sldId id="271" r:id="rId16"/>
+    <p:sldId id="272" r:id="rId17"/>
+    <p:sldId id="273" r:id="rId18"/>
+    <p:sldId id="274" r:id="rId19"/>
+    <p:sldId id="275" r:id="rId20"/>
+    <p:sldId id="276" r:id="rId21"/>
+    <p:sldId id="277" r:id="rId22"/>
+    <p:sldId id="278" r:id="rId23"/>
+    <p:sldId id="279" r:id="rId24"/>
+    <p:sldId id="280" r:id="rId25"/>
+    <p:sldId id="281" r:id="rId26"/>
+    <p:sldId id="282" r:id="rId27"/>
   </p:sldIdLst>
   <p:sldSz cx="9144000" cy="6858000" type="screen4x3"/>
   <p:notesSz cx="6858000" cy="9144000"/>
@@ -212,25 +226,25 @@
                   <c:v>0.66595893894255365</c:v>
                 </c:pt>
                 <c:pt idx="1">
-                  <c:v>0.77390980695120448</c:v>
+                  <c:v>0.77390980695120482</c:v>
                 </c:pt>
                 <c:pt idx="2">
                   <c:v>0.82116824635668784</c:v>
                 </c:pt>
                 <c:pt idx="3">
-                  <c:v>0.84278473777508156</c:v>
+                  <c:v>0.84278473777508189</c:v>
                 </c:pt>
                 <c:pt idx="4">
-                  <c:v>0.84383865537210778</c:v>
+                  <c:v>0.843838655372108</c:v>
                 </c:pt>
                 <c:pt idx="5">
                   <c:v>0.85894670929201788</c:v>
                 </c:pt>
                 <c:pt idx="6">
-                  <c:v>0.84967487574972989</c:v>
+                  <c:v>0.84967487574973011</c:v>
                 </c:pt>
                 <c:pt idx="7">
-                  <c:v>0.87199747639294778</c:v>
+                  <c:v>0.871997476392948</c:v>
                 </c:pt>
                 <c:pt idx="8">
                   <c:v>0.87308657275405044</c:v>
@@ -239,25 +253,25 @@
                   <c:v>0.88056722447997149</c:v>
                 </c:pt>
                 <c:pt idx="10">
-                  <c:v>0.88425402324804003</c:v>
+                  <c:v>0.88425402324804014</c:v>
                 </c:pt>
                 <c:pt idx="11">
-                  <c:v>0.8837899811455916</c:v>
+                  <c:v>0.88378998114559171</c:v>
                 </c:pt>
                 <c:pt idx="12">
                   <c:v>0.88710112017025256</c:v>
                 </c:pt>
                 <c:pt idx="13">
-                  <c:v>0.88859349505985441</c:v>
+                  <c:v>0.88859349505985452</c:v>
                 </c:pt>
                 <c:pt idx="14">
-                  <c:v>0.88932515639249365</c:v>
+                  <c:v>0.88932515639249388</c:v>
                 </c:pt>
                 <c:pt idx="15">
-                  <c:v>0.88979442278916665</c:v>
+                  <c:v>0.88979442278916687</c:v>
                 </c:pt>
                 <c:pt idx="16">
-                  <c:v>0.89050470137757287</c:v>
+                  <c:v>0.89050470137757298</c:v>
                 </c:pt>
                 <c:pt idx="17">
                   <c:v>0.89113877472928249</c:v>
@@ -359,10 +373,10 @@
                   <c:v>0.45195561849074034</c:v>
                 </c:pt>
                 <c:pt idx="1">
-                  <c:v>0.57215581949427696</c:v>
+                  <c:v>0.57215581949427741</c:v>
                 </c:pt>
                 <c:pt idx="2">
-                  <c:v>0.62450099068289444</c:v>
+                  <c:v>0.62450099068289466</c:v>
                 </c:pt>
                 <c:pt idx="3">
                   <c:v>0.66411572966000465</c:v>
@@ -371,7 +385,7 @@
                   <c:v>0.74483311690120912</c:v>
                 </c:pt>
                 <c:pt idx="5">
-                  <c:v>0.74913092370987411</c:v>
+                  <c:v>0.74913092370987433</c:v>
                 </c:pt>
                 <c:pt idx="6">
                   <c:v>0.7507812790712286</c:v>
@@ -380,7 +394,7 @@
                   <c:v>0.74615794410022251</c:v>
                 </c:pt>
                 <c:pt idx="8">
-                  <c:v>0.76473712742558808</c:v>
+                  <c:v>0.76473712742558853</c:v>
                 </c:pt>
                 <c:pt idx="9">
                   <c:v>0.78030975508297951</c:v>
@@ -395,7 +409,7 @@
                   <c:v>0.79454547384463925</c:v>
                 </c:pt>
                 <c:pt idx="13">
-                  <c:v>0.80275073868567826</c:v>
+                  <c:v>0.8027507386856787</c:v>
                 </c:pt>
                 <c:pt idx="14">
                   <c:v>0.8070254483799697</c:v>
@@ -404,10 +418,10 @@
                   <c:v>0.80758714251854524</c:v>
                 </c:pt>
                 <c:pt idx="16">
-                  <c:v>0.81189884836443982</c:v>
+                  <c:v>0.81189884836444004</c:v>
                 </c:pt>
                 <c:pt idx="17">
-                  <c:v>0.81267156633446258</c:v>
+                  <c:v>0.81267156633446291</c:v>
                 </c:pt>
                 <c:pt idx="18">
                   <c:v>0.81495442086601244</c:v>
@@ -499,49 +513,49 @@
                 <c:formatCode>0.00</c:formatCode>
                 <c:ptCount val="19"/>
                 <c:pt idx="0">
-                  <c:v>9.2164199211590844E-2</c:v>
+                  <c:v>9.2164199211590858E-2</c:v>
                 </c:pt>
                 <c:pt idx="1">
                   <c:v>0.10918893085792125</c:v>
                 </c:pt>
                 <c:pt idx="2">
-                  <c:v>2.206188091520149E-2</c:v>
+                  <c:v>2.2061880915201497E-2</c:v>
                 </c:pt>
                 <c:pt idx="3">
-                  <c:v>0.16744350433735841</c:v>
+                  <c:v>0.16744350433735844</c:v>
                 </c:pt>
                 <c:pt idx="4">
-                  <c:v>0.19606871899944497</c:v>
+                  <c:v>0.196068718999445</c:v>
                 </c:pt>
                 <c:pt idx="5">
-                  <c:v>0.19883932721616621</c:v>
+                  <c:v>0.19883932721616623</c:v>
                 </c:pt>
                 <c:pt idx="6">
                   <c:v>0.21852557439483689</c:v>
                 </c:pt>
                 <c:pt idx="7">
-                  <c:v>0.18963030437506226</c:v>
+                  <c:v>0.18963030437506231</c:v>
                 </c:pt>
                 <c:pt idx="8">
-                  <c:v>0.31329234492981023</c:v>
+                  <c:v>0.3132923449298104</c:v>
                 </c:pt>
                 <c:pt idx="9">
                   <c:v>0.30854195458238609</c:v>
                 </c:pt>
                 <c:pt idx="10">
-                  <c:v>0.33996429339252693</c:v>
+                  <c:v>0.33996429339252726</c:v>
                 </c:pt>
                 <c:pt idx="11">
-                  <c:v>0.39000788763685457</c:v>
+                  <c:v>0.39000788763685479</c:v>
                 </c:pt>
                 <c:pt idx="12">
-                  <c:v>0.3745227879234026</c:v>
+                  <c:v>0.37452278792340293</c:v>
                 </c:pt>
                 <c:pt idx="13">
-                  <c:v>0.3963965736557955</c:v>
+                  <c:v>0.39639657365579573</c:v>
                 </c:pt>
                 <c:pt idx="14">
-                  <c:v>0.45661986014735184</c:v>
+                  <c:v>0.45661986014735195</c:v>
                 </c:pt>
                 <c:pt idx="15">
                   <c:v>0.48000000000000032</c:v>
@@ -646,19 +660,19 @@
                 <c:formatCode>0.00</c:formatCode>
                 <c:ptCount val="18"/>
                 <c:pt idx="0">
-                  <c:v>6.3837399085048513E-2</c:v>
+                  <c:v>6.3837399085048541E-2</c:v>
                 </c:pt>
                 <c:pt idx="1">
-                  <c:v>0.10509372944250678</c:v>
+                  <c:v>0.10509372944250685</c:v>
                 </c:pt>
                 <c:pt idx="2">
                   <c:v>0.12395822380363669</c:v>
                 </c:pt>
                 <c:pt idx="3">
-                  <c:v>0.17533238646771604</c:v>
+                  <c:v>0.17533238646771612</c:v>
                 </c:pt>
                 <c:pt idx="4">
-                  <c:v>0.18994629844944977</c:v>
+                  <c:v>0.18994629844944994</c:v>
                 </c:pt>
                 <c:pt idx="5">
                   <c:v>0.22687270194889517</c:v>
@@ -667,34 +681,34 @@
                   <c:v>0.23790997736954461</c:v>
                 </c:pt>
                 <c:pt idx="7">
-                  <c:v>0.23411148955336936</c:v>
+                  <c:v>0.23411148955336944</c:v>
                 </c:pt>
                 <c:pt idx="8">
                   <c:v>0.25778608542670911</c:v>
                 </c:pt>
                 <c:pt idx="9">
-                  <c:v>0.31056299933227283</c:v>
+                  <c:v>0.31056299933227316</c:v>
                 </c:pt>
                 <c:pt idx="10">
-                  <c:v>0.33877739342409213</c:v>
+                  <c:v>0.33877739342409235</c:v>
                 </c:pt>
                 <c:pt idx="11">
                   <c:v>0.35225259726803532</c:v>
                 </c:pt>
                 <c:pt idx="12">
-                  <c:v>0.359474455651004</c:v>
+                  <c:v>0.35947445565100411</c:v>
                 </c:pt>
                 <c:pt idx="13">
-                  <c:v>0.39000000000000201</c:v>
+                  <c:v>0.39000000000000212</c:v>
                 </c:pt>
                 <c:pt idx="14">
-                  <c:v>0.39000000000000201</c:v>
+                  <c:v>0.39000000000000212</c:v>
                 </c:pt>
                 <c:pt idx="15">
                   <c:v>0.4</c:v>
                 </c:pt>
                 <c:pt idx="16">
-                  <c:v>0.40041490630404486</c:v>
+                  <c:v>0.40041490630404508</c:v>
                 </c:pt>
                 <c:pt idx="17">
                   <c:v>0.4</c:v>
@@ -786,7 +800,7 @@
                 <c:formatCode>General</c:formatCode>
                 <c:ptCount val="19"/>
                 <c:pt idx="0">
-                  <c:v>0.28931899175148657</c:v>
+                  <c:v>0.28931899175148679</c:v>
                 </c:pt>
                 <c:pt idx="1">
                   <c:v>0.30427205718078232</c:v>
@@ -795,46 +809,46 @@
                   <c:v>0.28833535935117605</c:v>
                 </c:pt>
                 <c:pt idx="3">
-                  <c:v>0.50673831628888621</c:v>
+                  <c:v>0.50673831628888666</c:v>
                 </c:pt>
                 <c:pt idx="4">
-                  <c:v>0.58986811562939123</c:v>
+                  <c:v>0.58986811562939134</c:v>
                 </c:pt>
                 <c:pt idx="5">
-                  <c:v>0.60174244358028961</c:v>
+                  <c:v>0.60174244358028983</c:v>
                 </c:pt>
                 <c:pt idx="6">
                   <c:v>0.62230234655114092</c:v>
                 </c:pt>
                 <c:pt idx="7">
-                  <c:v>0.64892172802499715</c:v>
+                  <c:v>0.64892172802499748</c:v>
                 </c:pt>
                 <c:pt idx="8">
                   <c:v>0.60213497372141267</c:v>
                 </c:pt>
                 <c:pt idx="9">
-                  <c:v>0.65929398719852372</c:v>
+                  <c:v>0.65929398719852395</c:v>
                 </c:pt>
                 <c:pt idx="10">
-                  <c:v>0.63740945216596345</c:v>
+                  <c:v>0.63740945216596379</c:v>
                 </c:pt>
                 <c:pt idx="11">
-                  <c:v>0.66496829605747643</c:v>
+                  <c:v>0.66496829605747676</c:v>
                 </c:pt>
                 <c:pt idx="12">
-                  <c:v>0.68587643695393885</c:v>
+                  <c:v>0.68587643695393907</c:v>
                 </c:pt>
                 <c:pt idx="13">
-                  <c:v>0.70280463859163589</c:v>
+                  <c:v>0.70280463859163611</c:v>
                 </c:pt>
                 <c:pt idx="14">
-                  <c:v>0.68555591749742262</c:v>
+                  <c:v>0.68555591749742273</c:v>
                 </c:pt>
                 <c:pt idx="15">
-                  <c:v>0.71798687616048673</c:v>
+                  <c:v>0.71798687616048695</c:v>
                 </c:pt>
                 <c:pt idx="16">
-                  <c:v>0.7290298860000054</c:v>
+                  <c:v>0.72902988600000573</c:v>
                 </c:pt>
                 <c:pt idx="17">
                   <c:v>0.73331457600000005</c:v>
@@ -847,11 +861,11 @@
           </c:yVal>
           <c:smooth val="1"/>
         </c:ser>
-        <c:axId val="112093056"/>
-        <c:axId val="112097920"/>
+        <c:axId val="59166720"/>
+        <c:axId val="59169024"/>
       </c:scatterChart>
       <c:valAx>
-        <c:axId val="112093056"/>
+        <c:axId val="59166720"/>
         <c:scaling>
           <c:orientation val="minMax"/>
           <c:max val="1000"/>
@@ -877,7 +891,7 @@
             <c:manualLayout>
               <c:xMode val="edge"/>
               <c:yMode val="edge"/>
-              <c:x val="0.3849459969381675"/>
+              <c:x val="0.38494599693816761"/>
               <c:y val="0.85101357098414687"/>
             </c:manualLayout>
           </c:layout>
@@ -894,12 +908,12 @@
             <a:endParaRPr lang="es-ES"/>
           </a:p>
         </c:txPr>
-        <c:crossAx val="112097920"/>
+        <c:crossAx val="59169024"/>
         <c:crosses val="autoZero"/>
         <c:crossBetween val="midCat"/>
       </c:valAx>
       <c:valAx>
-        <c:axId val="112097920"/>
+        <c:axId val="59169024"/>
         <c:scaling>
           <c:orientation val="minMax"/>
           <c:min val="0"/>
@@ -936,7 +950,7 @@
             <a:endParaRPr lang="es-ES"/>
           </a:p>
         </c:txPr>
-        <c:crossAx val="112093056"/>
+        <c:crossAx val="59166720"/>
         <c:crosses val="autoZero"/>
         <c:crossBetween val="midCat"/>
         <c:minorUnit val="0.2"/>
@@ -1078,19 +1092,19 @@
                   <c:v>1.0330390684786552</c:v>
                 </c:pt>
                 <c:pt idx="6">
-                  <c:v>1.0302429519403196</c:v>
+                  <c:v>1.0302429519403202</c:v>
                 </c:pt>
                 <c:pt idx="7">
                   <c:v>0.94738273200566459</c:v>
                 </c:pt>
                 <c:pt idx="8">
-                  <c:v>0.92793801360197592</c:v>
+                  <c:v>0.92793801360197614</c:v>
                 </c:pt>
                 <c:pt idx="9">
                   <c:v>0.92012906293872665</c:v>
                 </c:pt>
                 <c:pt idx="10">
-                  <c:v>0.88481716181109726</c:v>
+                  <c:v>0.88481716181109693</c:v>
                 </c:pt>
                 <c:pt idx="11">
                   <c:v>0.88417424754272178</c:v>
@@ -1102,7 +1116,7 @@
                   <c:v>0.85063806565684563</c:v>
                 </c:pt>
                 <c:pt idx="14">
-                  <c:v>0.84777133793555748</c:v>
+                  <c:v>0.84777133793555781</c:v>
                 </c:pt>
                 <c:pt idx="15">
                   <c:v>0.8445144923789446</c:v>
@@ -1111,7 +1125,7 @@
                   <c:v>0.83725594840038564</c:v>
                 </c:pt>
                 <c:pt idx="17">
-                  <c:v>0.8346170314191883</c:v>
+                  <c:v>0.83461703141918875</c:v>
                 </c:pt>
               </c:numCache>
             </c:numRef>
@@ -1210,7 +1224,7 @@
                   <c:v>0.9387309603633297</c:v>
                 </c:pt>
                 <c:pt idx="1">
-                  <c:v>0.89153277738271242</c:v>
+                  <c:v>0.89153277738271219</c:v>
                 </c:pt>
                 <c:pt idx="2">
                   <c:v>0.82301056544373608</c:v>
@@ -1222,22 +1236,22 @@
                   <c:v>0.75252199659024765</c:v>
                 </c:pt>
                 <c:pt idx="5">
-                  <c:v>0.74212373331281634</c:v>
+                  <c:v>0.74212373331281656</c:v>
                 </c:pt>
                 <c:pt idx="6">
                   <c:v>0.73688717786732749</c:v>
                 </c:pt>
                 <c:pt idx="7">
-                  <c:v>0.72860146352750377</c:v>
+                  <c:v>0.72860146352750421</c:v>
                 </c:pt>
                 <c:pt idx="8">
-                  <c:v>0.70577785559581141</c:v>
+                  <c:v>0.70577785559581174</c:v>
                 </c:pt>
                 <c:pt idx="9">
                   <c:v>0.69274686371956962</c:v>
                 </c:pt>
                 <c:pt idx="10">
-                  <c:v>0.6793016141404653</c:v>
+                  <c:v>0.67930161414046575</c:v>
                 </c:pt>
                 <c:pt idx="11">
                   <c:v>0.67228263477634131</c:v>
@@ -1246,22 +1260,22 @@
                   <c:v>0.68022471453120004</c:v>
                 </c:pt>
                 <c:pt idx="13">
-                  <c:v>0.66398503161852074</c:v>
+                  <c:v>0.66398503161852129</c:v>
                 </c:pt>
                 <c:pt idx="14">
                   <c:v>0.6640628299517749</c:v>
                 </c:pt>
                 <c:pt idx="15">
-                  <c:v>0.66308558009337726</c:v>
+                  <c:v>0.6630855800933777</c:v>
                 </c:pt>
                 <c:pt idx="16">
                   <c:v>0.65656511915425986</c:v>
                 </c:pt>
                 <c:pt idx="17">
-                  <c:v>0.65158141257238666</c:v>
+                  <c:v>0.65158141257238711</c:v>
                 </c:pt>
                 <c:pt idx="18">
-                  <c:v>0.65187548701494669</c:v>
+                  <c:v>0.65187548701494691</c:v>
                 </c:pt>
               </c:numCache>
             </c:numRef>
@@ -1350,7 +1364,7 @@
                 <c:formatCode>General</c:formatCode>
                 <c:ptCount val="19"/>
                 <c:pt idx="0">
-                  <c:v>0.661497320490126</c:v>
+                  <c:v>0.66149732049012622</c:v>
                 </c:pt>
                 <c:pt idx="1">
                   <c:v>0.6001326027033127</c:v>
@@ -1359,13 +1373,13 @@
                   <c:v>0.55639887771499263</c:v>
                 </c:pt>
                 <c:pt idx="3">
-                  <c:v>0.62284472485511166</c:v>
+                  <c:v>0.62284472485511189</c:v>
                 </c:pt>
                 <c:pt idx="4">
                   <c:v>0.55351605829049677</c:v>
                 </c:pt>
                 <c:pt idx="5">
-                  <c:v>0.5884609530259578</c:v>
+                  <c:v>0.58846095302595747</c:v>
                 </c:pt>
                 <c:pt idx="6">
                   <c:v>0.57298820383188065</c:v>
@@ -1377,7 +1391,7 @@
                   <c:v>0.55636349504129456</c:v>
                 </c:pt>
                 <c:pt idx="9">
-                  <c:v>0.56175580469494935</c:v>
+                  <c:v>0.56175580469494968</c:v>
                 </c:pt>
                 <c:pt idx="10">
                   <c:v>0.54619756290876298</c:v>
@@ -1497,7 +1511,7 @@
                 <c:formatCode>General</c:formatCode>
                 <c:ptCount val="18"/>
                 <c:pt idx="0">
-                  <c:v>0.63237080268503576</c:v>
+                  <c:v>0.6323708026850362</c:v>
                 </c:pt>
                 <c:pt idx="1">
                   <c:v>0.58374227027070569</c:v>
@@ -1506,7 +1520,7 @@
                   <c:v>0.59186681564330168</c:v>
                 </c:pt>
                 <c:pt idx="3">
-                  <c:v>0.56326543263149853</c:v>
+                  <c:v>0.56326543263149886</c:v>
                 </c:pt>
                 <c:pt idx="4">
                   <c:v>0.57183044589207288</c:v>
@@ -1521,7 +1535,7 @@
                   <c:v>0.53802118949602251</c:v>
                 </c:pt>
                 <c:pt idx="8">
-                  <c:v>0.53450509736819174</c:v>
+                  <c:v>0.53450509736819196</c:v>
                 </c:pt>
                 <c:pt idx="9">
                   <c:v>0.52829897414829863</c:v>
@@ -1545,7 +1559,7 @@
                   <c:v>0.50670323954628771</c:v>
                 </c:pt>
                 <c:pt idx="16">
-                  <c:v>0.50238192552660355</c:v>
+                  <c:v>0.50238192552660332</c:v>
                 </c:pt>
                 <c:pt idx="17">
                   <c:v>0.49463977381829932</c:v>
@@ -1637,31 +1651,31 @@
                 <c:formatCode>General</c:formatCode>
                 <c:ptCount val="19"/>
                 <c:pt idx="0">
-                  <c:v>0.77289983769923587</c:v>
+                  <c:v>0.77289983769923654</c:v>
                 </c:pt>
                 <c:pt idx="1">
                   <c:v>0.74632356481168916</c:v>
                 </c:pt>
                 <c:pt idx="2">
-                  <c:v>0.78634361659647389</c:v>
+                  <c:v>0.78634361659647434</c:v>
                 </c:pt>
                 <c:pt idx="3">
-                  <c:v>0.68296121733003501</c:v>
+                  <c:v>0.68296121733003523</c:v>
                 </c:pt>
                 <c:pt idx="4">
-                  <c:v>0.66450739252953694</c:v>
+                  <c:v>0.66450739252953728</c:v>
                 </c:pt>
                 <c:pt idx="5">
-                  <c:v>0.61644319255847579</c:v>
+                  <c:v>0.61644319255847624</c:v>
                 </c:pt>
                 <c:pt idx="6">
                   <c:v>0.6102724059818817</c:v>
                 </c:pt>
                 <c:pt idx="7">
-                  <c:v>0.60925823106012211</c:v>
+                  <c:v>0.60925823106012233</c:v>
                 </c:pt>
                 <c:pt idx="8">
-                  <c:v>0.62851239646725066</c:v>
+                  <c:v>0.62851239646725043</c:v>
                 </c:pt>
                 <c:pt idx="9">
                   <c:v>0.60456332932399459</c:v>
@@ -1670,10 +1684,10 @@
                   <c:v>0.59800801508451062</c:v>
                 </c:pt>
                 <c:pt idx="11">
-                  <c:v>0.59484127138609444</c:v>
+                  <c:v>0.59484127138609466</c:v>
                 </c:pt>
                 <c:pt idx="12">
-                  <c:v>0.57774424327942075</c:v>
+                  <c:v>0.57774424327942109</c:v>
                 </c:pt>
                 <c:pt idx="13">
                   <c:v>0.57412911597622418</c:v>
@@ -1688,7 +1702,7 @@
                   <c:v>0.56487792557592453</c:v>
                 </c:pt>
                 <c:pt idx="17">
-                  <c:v>0.55704303471989514</c:v>
+                  <c:v>0.55704303471989536</c:v>
                 </c:pt>
                 <c:pt idx="18">
                   <c:v>0.55532457683742076</c:v>
@@ -1698,11 +1712,11 @@
           </c:yVal>
           <c:smooth val="1"/>
         </c:ser>
-        <c:axId val="115559808"/>
-        <c:axId val="107689472"/>
+        <c:axId val="61903616"/>
+        <c:axId val="61905920"/>
       </c:scatterChart>
       <c:valAx>
-        <c:axId val="115559808"/>
+        <c:axId val="61903616"/>
         <c:scaling>
           <c:orientation val="minMax"/>
           <c:max val="1000"/>
@@ -1738,12 +1752,12 @@
             <a:endParaRPr lang="es-ES"/>
           </a:p>
         </c:txPr>
-        <c:crossAx val="107689472"/>
+        <c:crossAx val="61905920"/>
         <c:crosses val="autoZero"/>
         <c:crossBetween val="midCat"/>
       </c:valAx>
       <c:valAx>
-        <c:axId val="107689472"/>
+        <c:axId val="61905920"/>
         <c:scaling>
           <c:orientation val="minMax"/>
           <c:min val="0.4"/>
@@ -1780,7 +1794,7 @@
             <a:endParaRPr lang="es-ES"/>
           </a:p>
         </c:txPr>
-        <c:crossAx val="115559808"/>
+        <c:crossAx val="61903616"/>
         <c:crosses val="autoZero"/>
         <c:crossBetween val="midCat"/>
       </c:valAx>
@@ -1837,7 +1851,7 @@
           <c:x val="5.0128971669717623E-2"/>
           <c:y val="0.16285573489051142"/>
           <c:w val="0.91229087688864363"/>
-          <c:h val="0.42844667523762509"/>
+          <c:h val="0.42844667523762542"/>
         </c:manualLayout>
       </c:layout>
       <c:scatterChart>
@@ -2071,7 +2085,7 @@
                   <c:v>3.6579999999999999</c:v>
                 </c:pt>
                 <c:pt idx="5">
-                  <c:v>1.2189999999999865</c:v>
+                  <c:v>1.2189999999999857</c:v>
                 </c:pt>
                 <c:pt idx="6">
                   <c:v>1.829</c:v>
@@ -2089,7 +2103,7 @@
                   <c:v>4.2669999999999995</c:v>
                 </c:pt>
                 <c:pt idx="11">
-                  <c:v>1.2189999999999865</c:v>
+                  <c:v>1.2189999999999857</c:v>
                 </c:pt>
                 <c:pt idx="12">
                   <c:v>0.61000000000000065</c:v>
@@ -2122,7 +2136,7 @@
                   <c:v>1.829</c:v>
                 </c:pt>
                 <c:pt idx="22">
-                  <c:v>1.2189999999999865</c:v>
+                  <c:v>1.2189999999999857</c:v>
                 </c:pt>
                 <c:pt idx="23">
                   <c:v>4.2669999999999995</c:v>
@@ -2131,7 +2145,7 @@
                   <c:v>0.61000000000000065</c:v>
                 </c:pt>
                 <c:pt idx="25">
-                  <c:v>1.2189999999999865</c:v>
+                  <c:v>1.2189999999999857</c:v>
                 </c:pt>
                 <c:pt idx="26">
                   <c:v>4.8769999999999998</c:v>
@@ -2143,10 +2157,10 @@
                   <c:v>1.829</c:v>
                 </c:pt>
                 <c:pt idx="29">
-                  <c:v>1.2189999999999865</c:v>
+                  <c:v>1.2189999999999857</c:v>
                 </c:pt>
                 <c:pt idx="30">
-                  <c:v>1.2189999999999865</c:v>
+                  <c:v>1.2189999999999857</c:v>
                 </c:pt>
                 <c:pt idx="31">
                   <c:v>7.3149999999999755</c:v>
@@ -2167,7 +2181,7 @@
                   <c:v>2.4379999999999997</c:v>
                 </c:pt>
                 <c:pt idx="37">
-                  <c:v>1.2189999999999865</c:v>
+                  <c:v>1.2189999999999857</c:v>
                 </c:pt>
                 <c:pt idx="38">
                   <c:v>2.4379999999999997</c:v>
@@ -2182,19 +2196,19 @@
                   <c:v>0.61000000000000065</c:v>
                 </c:pt>
                 <c:pt idx="42">
-                  <c:v>1.2189999999999865</c:v>
+                  <c:v>1.2189999999999857</c:v>
                 </c:pt>
                 <c:pt idx="43">
                   <c:v>2.4379999999999997</c:v>
                 </c:pt>
                 <c:pt idx="44">
-                  <c:v>1.2189999999999865</c:v>
+                  <c:v>1.2189999999999857</c:v>
                 </c:pt>
                 <c:pt idx="45">
                   <c:v>10.973000000000004</c:v>
                 </c:pt>
                 <c:pt idx="46">
-                  <c:v>1.2189999999999865</c:v>
+                  <c:v>1.2189999999999857</c:v>
                 </c:pt>
                 <c:pt idx="47">
                   <c:v>3.048</c:v>
@@ -2521,7 +2535,7 @@
                   <c:v>3.3899999999999997</c:v>
                 </c:pt>
                 <c:pt idx="15">
-                  <c:v>1.9500000000000099</c:v>
+                  <c:v>1.9500000000000104</c:v>
                 </c:pt>
                 <c:pt idx="16">
                   <c:v>1.42</c:v>
@@ -2632,7 +2646,7 @@
                   <c:v>4.7699999999999996</c:v>
                 </c:pt>
                 <c:pt idx="52">
-                  <c:v>1.6800000000000108</c:v>
+                  <c:v>1.6800000000000113</c:v>
                 </c:pt>
                 <c:pt idx="53">
                   <c:v>2.69</c:v>
@@ -2644,7 +2658,7 @@
                   <c:v>2.98</c:v>
                 </c:pt>
                 <c:pt idx="56">
-                  <c:v>1.9800000000000111</c:v>
+                  <c:v>1.9800000000000115</c:v>
                 </c:pt>
                 <c:pt idx="57">
                   <c:v>5.79</c:v>
@@ -2671,11 +2685,11 @@
             </c:numRef>
           </c:yVal>
         </c:ser>
-        <c:axId val="107027840"/>
-        <c:axId val="107168512"/>
+        <c:axId val="71189248"/>
+        <c:axId val="71191936"/>
       </c:scatterChart>
       <c:valAx>
-        <c:axId val="107027840"/>
+        <c:axId val="71189248"/>
         <c:scaling>
           <c:orientation val="minMax"/>
         </c:scaling>
@@ -2711,13 +2725,13 @@
             <a:endParaRPr lang="es-ES"/>
           </a:p>
         </c:txPr>
-        <c:crossAx val="107168512"/>
+        <c:crossAx val="71191936"/>
         <c:crosses val="autoZero"/>
         <c:crossBetween val="midCat"/>
         <c:majorUnit val="5"/>
       </c:valAx>
       <c:valAx>
-        <c:axId val="107168512"/>
+        <c:axId val="71191936"/>
         <c:scaling>
           <c:orientation val="minMax"/>
         </c:scaling>
@@ -2761,7 +2775,7 @@
             <a:endParaRPr lang="es-ES"/>
           </a:p>
         </c:txPr>
-        <c:crossAx val="107027840"/>
+        <c:crossAx val="71189248"/>
         <c:crosses val="autoZero"/>
         <c:crossBetween val="midCat"/>
       </c:valAx>
@@ -2774,7 +2788,7 @@
           <c:yMode val="edge"/>
           <c:x val="0.74133589770230268"/>
           <c:y val="0.71233526043915962"/>
-          <c:w val="0.24201434347572581"/>
+          <c:w val="0.24201434347572595"/>
           <c:h val="0.16317756172635517"/>
         </c:manualLayout>
       </c:layout>
@@ -2827,7 +2841,7 @@
           <c:x val="5.0128971669717602E-2"/>
           <c:y val="0.16285573489051136"/>
           <c:w val="0.91229087688864363"/>
-          <c:h val="0.42844667523762509"/>
+          <c:h val="0.42844667523762542"/>
         </c:manualLayout>
       </c:layout>
       <c:scatterChart>
@@ -3061,7 +3075,7 @@
                   <c:v>3.6579999999999999</c:v>
                 </c:pt>
                 <c:pt idx="5">
-                  <c:v>1.2189999999999857</c:v>
+                  <c:v>1.2189999999999852</c:v>
                 </c:pt>
                 <c:pt idx="6">
                   <c:v>1.829</c:v>
@@ -3079,7 +3093,7 @@
                   <c:v>4.2669999999999995</c:v>
                 </c:pt>
                 <c:pt idx="11">
-                  <c:v>1.2189999999999857</c:v>
+                  <c:v>1.2189999999999852</c:v>
                 </c:pt>
                 <c:pt idx="12">
                   <c:v>0.61000000000000065</c:v>
@@ -3112,7 +3126,7 @@
                   <c:v>1.829</c:v>
                 </c:pt>
                 <c:pt idx="22">
-                  <c:v>1.2189999999999857</c:v>
+                  <c:v>1.2189999999999852</c:v>
                 </c:pt>
                 <c:pt idx="23">
                   <c:v>4.2669999999999995</c:v>
@@ -3121,7 +3135,7 @@
                   <c:v>0.61000000000000065</c:v>
                 </c:pt>
                 <c:pt idx="25">
-                  <c:v>1.2189999999999857</c:v>
+                  <c:v>1.2189999999999852</c:v>
                 </c:pt>
                 <c:pt idx="26">
                   <c:v>4.8769999999999998</c:v>
@@ -3133,10 +3147,10 @@
                   <c:v>1.829</c:v>
                 </c:pt>
                 <c:pt idx="29">
-                  <c:v>1.2189999999999857</c:v>
+                  <c:v>1.2189999999999852</c:v>
                 </c:pt>
                 <c:pt idx="30">
-                  <c:v>1.2189999999999857</c:v>
+                  <c:v>1.2189999999999852</c:v>
                 </c:pt>
                 <c:pt idx="31">
                   <c:v>7.3149999999999755</c:v>
@@ -3157,7 +3171,7 @@
                   <c:v>2.4379999999999997</c:v>
                 </c:pt>
                 <c:pt idx="37">
-                  <c:v>1.2189999999999857</c:v>
+                  <c:v>1.2189999999999852</c:v>
                 </c:pt>
                 <c:pt idx="38">
                   <c:v>2.4379999999999997</c:v>
@@ -3172,19 +3186,19 @@
                   <c:v>0.61000000000000065</c:v>
                 </c:pt>
                 <c:pt idx="42">
-                  <c:v>1.2189999999999857</c:v>
+                  <c:v>1.2189999999999852</c:v>
                 </c:pt>
                 <c:pt idx="43">
                   <c:v>2.4379999999999997</c:v>
                 </c:pt>
                 <c:pt idx="44">
-                  <c:v>1.2189999999999857</c:v>
+                  <c:v>1.2189999999999852</c:v>
                 </c:pt>
                 <c:pt idx="45">
                   <c:v>10.973000000000004</c:v>
                 </c:pt>
                 <c:pt idx="46">
-                  <c:v>1.2189999999999857</c:v>
+                  <c:v>1.2189999999999852</c:v>
                 </c:pt>
                 <c:pt idx="47">
                   <c:v>3.048</c:v>
@@ -3490,7 +3504,7 @@
                   <c:v>0.96800000000000064</c:v>
                 </c:pt>
                 <c:pt idx="8">
-                  <c:v>1.9800000000000126</c:v>
+                  <c:v>1.9800000000000131</c:v>
                 </c:pt>
                 <c:pt idx="9">
                   <c:v>0.71100000000000063</c:v>
@@ -3502,7 +3516,7 @@
                   <c:v>1.002</c:v>
                 </c:pt>
                 <c:pt idx="12">
-                  <c:v>0.75300000000000611</c:v>
+                  <c:v>0.75300000000000633</c:v>
                 </c:pt>
                 <c:pt idx="13">
                   <c:v>2.8809999999999998</c:v>
@@ -3532,7 +3546,7 @@
                   <c:v>0.68899999999999995</c:v>
                 </c:pt>
                 <c:pt idx="22">
-                  <c:v>1.0289999999999873</c:v>
+                  <c:v>1.0289999999999868</c:v>
                 </c:pt>
                 <c:pt idx="23">
                   <c:v>1.734</c:v>
@@ -3553,7 +3567,7 @@
                   <c:v>2.641</c:v>
                 </c:pt>
                 <c:pt idx="29">
-                  <c:v>1.2069999999999856</c:v>
+                  <c:v>1.2069999999999852</c:v>
                 </c:pt>
                 <c:pt idx="30">
                   <c:v>1.768</c:v>
@@ -3577,7 +3591,7 @@
                   <c:v>2.48</c:v>
                 </c:pt>
                 <c:pt idx="37">
-                  <c:v>0.77900000000000702</c:v>
+                  <c:v>0.77900000000000724</c:v>
                 </c:pt>
                 <c:pt idx="38">
                   <c:v>2.8179999999999987</c:v>
@@ -3598,13 +3612,13 @@
                   <c:v>2.3899999999999997</c:v>
                 </c:pt>
                 <c:pt idx="44">
-                  <c:v>1.2609999999999872</c:v>
+                  <c:v>1.2609999999999868</c:v>
                 </c:pt>
                 <c:pt idx="45">
                   <c:v>5.7910000000000004</c:v>
                 </c:pt>
                 <c:pt idx="46">
-                  <c:v>1.8959999999999873</c:v>
+                  <c:v>1.8959999999999868</c:v>
                 </c:pt>
                 <c:pt idx="47">
                   <c:v>3.2330000000000001</c:v>
@@ -3625,7 +3639,7 @@
                   <c:v>1.161</c:v>
                 </c:pt>
                 <c:pt idx="53">
-                  <c:v>1.6459999999999873</c:v>
+                  <c:v>1.6459999999999868</c:v>
                 </c:pt>
                 <c:pt idx="54">
                   <c:v>0.90500000000000003</c:v>
@@ -3634,7 +3648,7 @@
                   <c:v>5.6579999999999755</c:v>
                 </c:pt>
                 <c:pt idx="56">
-                  <c:v>1.1659999999999884</c:v>
+                  <c:v>1.1659999999999879</c:v>
                 </c:pt>
                 <c:pt idx="57">
                   <c:v>10.596</c:v>
@@ -3661,11 +3675,11 @@
             </c:numRef>
           </c:yVal>
         </c:ser>
-        <c:axId val="115019136"/>
-        <c:axId val="115047424"/>
+        <c:axId val="74186112"/>
+        <c:axId val="74665344"/>
       </c:scatterChart>
       <c:valAx>
-        <c:axId val="115019136"/>
+        <c:axId val="74186112"/>
         <c:scaling>
           <c:orientation val="minMax"/>
         </c:scaling>
@@ -3702,13 +3716,13 @@
             <a:endParaRPr lang="es-ES"/>
           </a:p>
         </c:txPr>
-        <c:crossAx val="115047424"/>
+        <c:crossAx val="74665344"/>
         <c:crosses val="autoZero"/>
         <c:crossBetween val="midCat"/>
         <c:majorUnit val="5"/>
       </c:valAx>
       <c:valAx>
-        <c:axId val="115047424"/>
+        <c:axId val="74665344"/>
         <c:scaling>
           <c:orientation val="minMax"/>
         </c:scaling>
@@ -3752,7 +3766,7 @@
             <a:endParaRPr lang="es-ES"/>
           </a:p>
         </c:txPr>
-        <c:crossAx val="115019136"/>
+        <c:crossAx val="74186112"/>
         <c:crosses val="autoZero"/>
         <c:crossBetween val="midCat"/>
       </c:valAx>
@@ -3765,7 +3779,7 @@
           <c:yMode val="edge"/>
           <c:x val="0.74133589770230268"/>
           <c:y val="0.71233526043915962"/>
-          <c:w val="0.24201434347572581"/>
+          <c:w val="0.24201434347572595"/>
           <c:h val="0.16317756172635517"/>
         </c:manualLayout>
       </c:layout>
@@ -3801,7 +3815,7 @@
           <c:x val="0.10048349150099888"/>
           <c:y val="4.1238940589567646E-2"/>
           <c:w val="0.87042860499284569"/>
-          <c:h val="0.75935138208448771"/>
+          <c:h val="0.75935138208448794"/>
         </c:manualLayout>
       </c:layout>
       <c:scatterChart>
@@ -3869,7 +3883,7 @@
                   <c:v>3.3899999999999997</c:v>
                 </c:pt>
                 <c:pt idx="15">
-                  <c:v>1.9500000000000108</c:v>
+                  <c:v>1.9500000000000113</c:v>
                 </c:pt>
                 <c:pt idx="16">
                   <c:v>1.42</c:v>
@@ -3980,7 +3994,7 @@
                   <c:v>4.7699999999999996</c:v>
                 </c:pt>
                 <c:pt idx="52">
-                  <c:v>1.6800000000000108</c:v>
+                  <c:v>1.6800000000000113</c:v>
                 </c:pt>
                 <c:pt idx="53">
                   <c:v>2.69</c:v>
@@ -3992,7 +4006,7 @@
                   <c:v>2.98</c:v>
                 </c:pt>
                 <c:pt idx="56">
-                  <c:v>1.9800000000000122</c:v>
+                  <c:v>1.9800000000000126</c:v>
                 </c:pt>
                 <c:pt idx="57">
                   <c:v>5.79</c:v>
@@ -4040,7 +4054,7 @@
                   <c:v>3.6579999999999999</c:v>
                 </c:pt>
                 <c:pt idx="5">
-                  <c:v>1.2189999999999865</c:v>
+                  <c:v>1.2189999999999857</c:v>
                 </c:pt>
                 <c:pt idx="6">
                   <c:v>1.829</c:v>
@@ -4058,7 +4072,7 @@
                   <c:v>4.2669999999999995</c:v>
                 </c:pt>
                 <c:pt idx="11">
-                  <c:v>1.2189999999999865</c:v>
+                  <c:v>1.2189999999999857</c:v>
                 </c:pt>
                 <c:pt idx="12">
                   <c:v>0.61000000000000065</c:v>
@@ -4091,7 +4105,7 @@
                   <c:v>1.829</c:v>
                 </c:pt>
                 <c:pt idx="22">
-                  <c:v>1.2189999999999865</c:v>
+                  <c:v>1.2189999999999857</c:v>
                 </c:pt>
                 <c:pt idx="23">
                   <c:v>4.2669999999999995</c:v>
@@ -4100,7 +4114,7 @@
                   <c:v>0.61000000000000065</c:v>
                 </c:pt>
                 <c:pt idx="25">
-                  <c:v>1.2189999999999865</c:v>
+                  <c:v>1.2189999999999857</c:v>
                 </c:pt>
                 <c:pt idx="26">
                   <c:v>4.8769999999999998</c:v>
@@ -4112,10 +4126,10 @@
                   <c:v>1.829</c:v>
                 </c:pt>
                 <c:pt idx="29">
-                  <c:v>1.2189999999999865</c:v>
+                  <c:v>1.2189999999999857</c:v>
                 </c:pt>
                 <c:pt idx="30">
-                  <c:v>1.2189999999999865</c:v>
+                  <c:v>1.2189999999999857</c:v>
                 </c:pt>
                 <c:pt idx="31">
                   <c:v>7.3149999999999755</c:v>
@@ -4136,7 +4150,7 @@
                   <c:v>2.4379999999999997</c:v>
                 </c:pt>
                 <c:pt idx="37">
-                  <c:v>1.2189999999999865</c:v>
+                  <c:v>1.2189999999999857</c:v>
                 </c:pt>
                 <c:pt idx="38">
                   <c:v>2.4379999999999997</c:v>
@@ -4151,19 +4165,19 @@
                   <c:v>0.61000000000000065</c:v>
                 </c:pt>
                 <c:pt idx="42">
-                  <c:v>1.2189999999999865</c:v>
+                  <c:v>1.2189999999999857</c:v>
                 </c:pt>
                 <c:pt idx="43">
                   <c:v>2.4379999999999997</c:v>
                 </c:pt>
                 <c:pt idx="44">
-                  <c:v>1.2189999999999865</c:v>
+                  <c:v>1.2189999999999857</c:v>
                 </c:pt>
                 <c:pt idx="45">
                   <c:v>10.973000000000004</c:v>
                 </c:pt>
                 <c:pt idx="46">
-                  <c:v>1.2189999999999865</c:v>
+                  <c:v>1.2189999999999857</c:v>
                 </c:pt>
                 <c:pt idx="47">
                   <c:v>3.048</c:v>
@@ -4327,11 +4341,11 @@
             </c:numRef>
           </c:yVal>
         </c:ser>
-        <c:axId val="112206592"/>
-        <c:axId val="112210304"/>
+        <c:axId val="89252992"/>
+        <c:axId val="89254912"/>
       </c:scatterChart>
       <c:valAx>
-        <c:axId val="112206592"/>
+        <c:axId val="89252992"/>
         <c:scaling>
           <c:orientation val="minMax"/>
           <c:max val="8"/>
@@ -4373,13 +4387,13 @@
             <a:endParaRPr lang="es-ES"/>
           </a:p>
         </c:txPr>
-        <c:crossAx val="112210304"/>
+        <c:crossAx val="89254912"/>
         <c:crosses val="autoZero"/>
         <c:crossBetween val="midCat"/>
         <c:majorUnit val="2"/>
       </c:valAx>
       <c:valAx>
-        <c:axId val="112210304"/>
+        <c:axId val="89254912"/>
         <c:scaling>
           <c:orientation val="minMax"/>
         </c:scaling>
@@ -4421,7 +4435,7 @@
             <a:endParaRPr lang="es-ES"/>
           </a:p>
         </c:txPr>
-        <c:crossAx val="112206592"/>
+        <c:crossAx val="89252992"/>
         <c:crosses val="autoZero"/>
         <c:crossBetween val="midCat"/>
       </c:valAx>
@@ -4447,7 +4461,7 @@
           <c:x val="0.10048349150099888"/>
           <c:y val="4.1238940589567646E-2"/>
           <c:w val="0.87042860499284569"/>
-          <c:h val="0.75935138208448738"/>
+          <c:h val="0.75935138208448771"/>
         </c:manualLayout>
       </c:layout>
       <c:scatterChart>
@@ -4494,7 +4508,7 @@
                   <c:v>0.96800000000000064</c:v>
                 </c:pt>
                 <c:pt idx="8">
-                  <c:v>1.9800000000000122</c:v>
+                  <c:v>1.9800000000000126</c:v>
                 </c:pt>
                 <c:pt idx="9">
                   <c:v>0.71100000000000063</c:v>
@@ -4506,7 +4520,7 @@
                   <c:v>1.002</c:v>
                 </c:pt>
                 <c:pt idx="12">
-                  <c:v>0.75300000000000589</c:v>
+                  <c:v>0.75300000000000611</c:v>
                 </c:pt>
                 <c:pt idx="13">
                   <c:v>2.8809999999999998</c:v>
@@ -4536,7 +4550,7 @@
                   <c:v>0.68899999999999995</c:v>
                 </c:pt>
                 <c:pt idx="22">
-                  <c:v>1.0289999999999877</c:v>
+                  <c:v>1.0289999999999873</c:v>
                 </c:pt>
                 <c:pt idx="23">
                   <c:v>1.734</c:v>
@@ -4557,7 +4571,7 @@
                   <c:v>2.641</c:v>
                 </c:pt>
                 <c:pt idx="29">
-                  <c:v>1.2069999999999865</c:v>
+                  <c:v>1.2069999999999856</c:v>
                 </c:pt>
                 <c:pt idx="30">
                   <c:v>1.768</c:v>
@@ -4581,7 +4595,7 @@
                   <c:v>2.48</c:v>
                 </c:pt>
                 <c:pt idx="37">
-                  <c:v>0.7790000000000068</c:v>
+                  <c:v>0.77900000000000702</c:v>
                 </c:pt>
                 <c:pt idx="38">
                   <c:v>2.8179999999999987</c:v>
@@ -4602,13 +4616,13 @@
                   <c:v>2.3899999999999997</c:v>
                 </c:pt>
                 <c:pt idx="44">
-                  <c:v>1.2609999999999877</c:v>
+                  <c:v>1.2609999999999872</c:v>
                 </c:pt>
                 <c:pt idx="45">
                   <c:v>5.7910000000000004</c:v>
                 </c:pt>
                 <c:pt idx="46">
-                  <c:v>1.8959999999999877</c:v>
+                  <c:v>1.8959999999999873</c:v>
                 </c:pt>
                 <c:pt idx="47">
                   <c:v>3.2330000000000001</c:v>
@@ -4629,7 +4643,7 @@
                   <c:v>1.161</c:v>
                 </c:pt>
                 <c:pt idx="53">
-                  <c:v>1.6459999999999877</c:v>
+                  <c:v>1.6459999999999873</c:v>
                 </c:pt>
                 <c:pt idx="54">
                   <c:v>0.90500000000000003</c:v>
@@ -4638,7 +4652,7 @@
                   <c:v>5.6579999999999755</c:v>
                 </c:pt>
                 <c:pt idx="56">
-                  <c:v>1.1659999999999888</c:v>
+                  <c:v>1.1659999999999884</c:v>
                 </c:pt>
                 <c:pt idx="57">
                   <c:v>10.596</c:v>
@@ -4686,7 +4700,7 @@
                   <c:v>3.6579999999999999</c:v>
                 </c:pt>
                 <c:pt idx="5">
-                  <c:v>1.2189999999999865</c:v>
+                  <c:v>1.2189999999999857</c:v>
                 </c:pt>
                 <c:pt idx="6">
                   <c:v>1.829</c:v>
@@ -4704,7 +4718,7 @@
                   <c:v>4.2669999999999995</c:v>
                 </c:pt>
                 <c:pt idx="11">
-                  <c:v>1.2189999999999865</c:v>
+                  <c:v>1.2189999999999857</c:v>
                 </c:pt>
                 <c:pt idx="12">
                   <c:v>0.61000000000000065</c:v>
@@ -4737,7 +4751,7 @@
                   <c:v>1.829</c:v>
                 </c:pt>
                 <c:pt idx="22">
-                  <c:v>1.2189999999999865</c:v>
+                  <c:v>1.2189999999999857</c:v>
                 </c:pt>
                 <c:pt idx="23">
                   <c:v>4.2669999999999995</c:v>
@@ -4746,7 +4760,7 @@
                   <c:v>0.61000000000000065</c:v>
                 </c:pt>
                 <c:pt idx="25">
-                  <c:v>1.2189999999999865</c:v>
+                  <c:v>1.2189999999999857</c:v>
                 </c:pt>
                 <c:pt idx="26">
                   <c:v>4.8769999999999998</c:v>
@@ -4758,10 +4772,10 @@
                   <c:v>1.829</c:v>
                 </c:pt>
                 <c:pt idx="29">
-                  <c:v>1.2189999999999865</c:v>
+                  <c:v>1.2189999999999857</c:v>
                 </c:pt>
                 <c:pt idx="30">
-                  <c:v>1.2189999999999865</c:v>
+                  <c:v>1.2189999999999857</c:v>
                 </c:pt>
                 <c:pt idx="31">
                   <c:v>7.3149999999999755</c:v>
@@ -4782,7 +4796,7 @@
                   <c:v>2.4379999999999997</c:v>
                 </c:pt>
                 <c:pt idx="37">
-                  <c:v>1.2189999999999865</c:v>
+                  <c:v>1.2189999999999857</c:v>
                 </c:pt>
                 <c:pt idx="38">
                   <c:v>2.4379999999999997</c:v>
@@ -4797,19 +4811,19 @@
                   <c:v>0.61000000000000065</c:v>
                 </c:pt>
                 <c:pt idx="42">
-                  <c:v>1.2189999999999865</c:v>
+                  <c:v>1.2189999999999857</c:v>
                 </c:pt>
                 <c:pt idx="43">
                   <c:v>2.4379999999999997</c:v>
                 </c:pt>
                 <c:pt idx="44">
-                  <c:v>1.2189999999999865</c:v>
+                  <c:v>1.2189999999999857</c:v>
                 </c:pt>
                 <c:pt idx="45">
                   <c:v>10.973000000000004</c:v>
                 </c:pt>
                 <c:pt idx="46">
-                  <c:v>1.2189999999999865</c:v>
+                  <c:v>1.2189999999999857</c:v>
                 </c:pt>
                 <c:pt idx="47">
                   <c:v>3.048</c:v>
@@ -4973,11 +4987,11 @@
             </c:numRef>
           </c:yVal>
         </c:ser>
-        <c:axId val="123916672"/>
-        <c:axId val="123918592"/>
+        <c:axId val="95868032"/>
+        <c:axId val="95869952"/>
       </c:scatterChart>
       <c:valAx>
-        <c:axId val="123916672"/>
+        <c:axId val="95868032"/>
         <c:scaling>
           <c:orientation val="minMax"/>
           <c:max val="8"/>
@@ -5023,13 +5037,13 @@
             <a:endParaRPr lang="es-ES"/>
           </a:p>
         </c:txPr>
-        <c:crossAx val="123918592"/>
+        <c:crossAx val="95869952"/>
         <c:crosses val="autoZero"/>
         <c:crossBetween val="midCat"/>
         <c:majorUnit val="2"/>
       </c:valAx>
       <c:valAx>
-        <c:axId val="123918592"/>
+        <c:axId val="95869952"/>
         <c:scaling>
           <c:orientation val="minMax"/>
         </c:scaling>
@@ -5071,7 +5085,7 @@
             <a:endParaRPr lang="es-ES"/>
           </a:p>
         </c:txPr>
-        <c:crossAx val="123916672"/>
+        <c:crossAx val="95868032"/>
         <c:crosses val="autoZero"/>
         <c:crossBetween val="midCat"/>
       </c:valAx>
@@ -5164,7 +5178,8 @@
           <a:p>
             <a:fld id="{6F7DFDAF-273A-4B14-B585-9A1EB6FB1D1C}" type="datetimeFigureOut">
               <a:rPr lang="es-ES" smtClean="0"/>
-              <a:t>07/08/2010</a:t>
+              <a:pPr/>
+              <a:t>08/08/2010</a:t>
             </a:fld>
             <a:endParaRPr lang="es-ES"/>
           </a:p>
@@ -5325,6 +5340,7 @@
           <a:p>
             <a:fld id="{705F1E1A-BC64-4D15-8F19-F9D22DF3568A}" type="slidenum">
               <a:rPr lang="es-ES" smtClean="0"/>
+              <a:pPr/>
               <a:t>‹Nº›</a:t>
             </a:fld>
             <a:endParaRPr lang="es-ES"/>
@@ -5888,7 +5904,8 @@
           <a:p>
             <a:fld id="{705F1E1A-BC64-4D15-8F19-F9D22DF3568A}" type="slidenum">
               <a:rPr lang="es-ES" smtClean="0"/>
-              <a:t>3</a:t>
+              <a:pPr/>
+              <a:t>4</a:t>
             </a:fld>
             <a:endParaRPr lang="es-ES"/>
           </a:p>
@@ -6144,7 +6161,8 @@
           <a:p>
             <a:fld id="{705F1E1A-BC64-4D15-8F19-F9D22DF3568A}" type="slidenum">
               <a:rPr lang="es-ES" smtClean="0"/>
-              <a:t>4</a:t>
+              <a:pPr/>
+              <a:t>5</a:t>
             </a:fld>
             <a:endParaRPr lang="es-ES"/>
           </a:p>
@@ -6310,7 +6328,8 @@
           <a:p>
             <a:fld id="{705F1E1A-BC64-4D15-8F19-F9D22DF3568A}" type="slidenum">
               <a:rPr lang="es-ES" smtClean="0"/>
-              <a:t>5</a:t>
+              <a:pPr/>
+              <a:t>6</a:t>
             </a:fld>
             <a:endParaRPr lang="es-ES"/>
           </a:p>
@@ -6432,7 +6451,8 @@
           <a:p>
             <a:fld id="{705F1E1A-BC64-4D15-8F19-F9D22DF3568A}" type="slidenum">
               <a:rPr lang="es-ES" smtClean="0"/>
-              <a:t>6</a:t>
+              <a:pPr/>
+              <a:t>7</a:t>
             </a:fld>
             <a:endParaRPr lang="es-ES"/>
           </a:p>
@@ -6592,7 +6612,8 @@
           <a:p>
             <a:fld id="{705F1E1A-BC64-4D15-8F19-F9D22DF3568A}" type="slidenum">
               <a:rPr lang="es-ES" smtClean="0"/>
-              <a:t>7</a:t>
+              <a:pPr/>
+              <a:t>8</a:t>
             </a:fld>
             <a:endParaRPr lang="es-ES"/>
           </a:p>
@@ -6761,7 +6782,8 @@
           <a:p>
             <a:fld id="{705F1E1A-BC64-4D15-8F19-F9D22DF3568A}" type="slidenum">
               <a:rPr lang="es-ES" smtClean="0"/>
-              <a:t>8</a:t>
+              <a:pPr/>
+              <a:t>9</a:t>
             </a:fld>
             <a:endParaRPr lang="es-ES"/>
           </a:p>
@@ -6928,11 +6950,7 @@
             </a:r>
             <a:r>
               <a:rPr lang="es-US" baseline="0" dirty="0" smtClean="0"/>
-              <a:t> las playas Ala Moana y Diamond y Makapuu , WW3Last3DaysStrategy es el optimo, mientras que en Sunset y Makaha es el segundo mejor. Como nuestro objetivo es elegir el algoritmo optimo en general para todas nuestras pruebas, con quedamos con </a:t>
-            </a:r>
-            <a:r>
-              <a:rPr lang="es-US" baseline="0" dirty="0" smtClean="0"/>
-              <a:t>WW3Last3DaysStrategy  como uno de los mas eficientes todos los casos.</a:t>
+              <a:t> las playas Ala Moana y Diamond y Makapuu , WW3Last3DaysStrategy es el optimo, mientras que en Sunset y Makaha es el segundo mejor. Como nuestro objetivo es elegir el algoritmo optimo en general para todas nuestras pruebas, con quedamos con WW3Last3DaysStrategy  como uno de los mas eficientes todos los casos.</a:t>
             </a:r>
           </a:p>
           <a:p>
@@ -7030,7 +7048,6 @@
               <a:rPr lang="es-US" baseline="0" dirty="0" smtClean="0"/>
               <a:t> en el cual la diferencia entre ambos tipos es muy notoria.</a:t>
             </a:r>
-            <a:endParaRPr lang="es-US" baseline="0" dirty="0" smtClean="0"/>
           </a:p>
         </p:txBody>
       </p:sp>
@@ -7051,7 +7068,8 @@
           <a:p>
             <a:fld id="{705F1E1A-BC64-4D15-8F19-F9D22DF3568A}" type="slidenum">
               <a:rPr lang="es-ES" smtClean="0"/>
-              <a:t>9</a:t>
+              <a:pPr/>
+              <a:t>10</a:t>
             </a:fld>
             <a:endParaRPr lang="es-ES"/>
           </a:p>
@@ -7270,7 +7288,120 @@
           <a:p>
             <a:fld id="{705F1E1A-BC64-4D15-8F19-F9D22DF3568A}" type="slidenum">
               <a:rPr lang="es-ES" smtClean="0"/>
-              <a:t>10</a:t>
+              <a:pPr/>
+              <a:t>11</a:t>
+            </a:fld>
+            <a:endParaRPr lang="es-ES"/>
+          </a:p>
+        </p:txBody>
+      </p:sp>
+    </p:spTree>
+  </p:cSld>
+  <p:clrMapOvr>
+    <a:masterClrMapping/>
+  </p:clrMapOvr>
+</p:notes>
+</file>
+
+<file path=ppt/notesSlides/notesSlide9.xml><?xml version="1.0" encoding="utf-8"?>
+<p:notes xmlns:a="http://schemas.openxmlformats.org/drawingml/2006/main" xmlns:r="http://schemas.openxmlformats.org/officeDocument/2006/relationships" xmlns:p="http://schemas.openxmlformats.org/presentationml/2006/main">
+  <p:cSld>
+    <p:spTree>
+      <p:nvGrpSpPr>
+        <p:cNvPr id="1" name=""/>
+        <p:cNvGrpSpPr/>
+        <p:nvPr/>
+      </p:nvGrpSpPr>
+      <p:grpSpPr>
+        <a:xfrm>
+          <a:off x="0" y="0"/>
+          <a:ext cx="0" cy="0"/>
+          <a:chOff x="0" y="0"/>
+          <a:chExt cx="0" cy="0"/>
+        </a:xfrm>
+      </p:grpSpPr>
+      <p:sp>
+        <p:nvSpPr>
+          <p:cNvPr id="2" name="1 Marcador de imagen de diapositiva"/>
+          <p:cNvSpPr>
+            <a:spLocks noGrp="1" noRot="1" noChangeAspect="1"/>
+          </p:cNvSpPr>
+          <p:nvPr>
+            <p:ph type="sldImg"/>
+          </p:nvPr>
+        </p:nvSpPr>
+        <p:spPr/>
+      </p:sp>
+      <p:sp>
+        <p:nvSpPr>
+          <p:cNvPr id="3" name="2 Marcador de notas"/>
+          <p:cNvSpPr>
+            <a:spLocks noGrp="1"/>
+          </p:cNvSpPr>
+          <p:nvPr>
+            <p:ph type="body" idx="1"/>
+          </p:nvPr>
+        </p:nvSpPr>
+        <p:spPr/>
+        <p:txBody>
+          <a:bodyPr>
+            <a:normAutofit/>
+          </a:bodyPr>
+          <a:lstStyle/>
+          <a:p>
+            <a:pPr marL="0" marR="0" indent="0" algn="l" defTabSz="914400" rtl="0" eaLnBrk="1" fontAlgn="auto" latinLnBrk="0" hangingPunct="1">
+              <a:lnSpc>
+                <a:spcPct val="100000"/>
+              </a:lnSpc>
+              <a:spcBef>
+                <a:spcPts val="0"/>
+              </a:spcBef>
+              <a:spcAft>
+                <a:spcPts val="0"/>
+              </a:spcAft>
+              <a:buClrTx/>
+              <a:buSzTx/>
+              <a:buFontTx/>
+              <a:buNone/>
+              <a:tabLst/>
+              <a:defRPr/>
+            </a:pPr>
+            <a:r>
+              <a:rPr lang="es-ES" sz="1200" kern="1200" dirty="0" smtClean="0">
+                <a:solidFill>
+                  <a:schemeClr val="tx1"/>
+                </a:solidFill>
+                <a:latin typeface="+mn-lt"/>
+                <a:ea typeface="+mn-ea"/>
+                <a:cs typeface="+mn-cs"/>
+              </a:rPr>
+              <a:t>Con este enfoque logramos demostrar que el uso de algoritmos de aprendizaje de maquina son una herramienta efectiva y viable para realizar pronósticos de oleaje y del comportamiento del mar, mejorando también los resultados e información ofrecidos por modelos matemáticos desarrollados para el mismo fin. Las mejoras detectadas con el uso de Maquinas de soporte vectorial para predicción sobre la utilización del modelo WAVEWATCH fueron contundentes, ofreciendo incrementos de hasta un 50% en la correlación, y una reducción del MAE de hasta un 60% del original. </a:t>
+            </a:r>
+          </a:p>
+          <a:p>
+            <a:endParaRPr lang="es-ES" dirty="0"/>
+          </a:p>
+        </p:txBody>
+      </p:sp>
+      <p:sp>
+        <p:nvSpPr>
+          <p:cNvPr id="4" name="3 Marcador de número de diapositiva"/>
+          <p:cNvSpPr>
+            <a:spLocks noGrp="1"/>
+          </p:cNvSpPr>
+          <p:nvPr>
+            <p:ph type="sldNum" sz="quarter" idx="10"/>
+          </p:nvPr>
+        </p:nvSpPr>
+        <p:spPr/>
+        <p:txBody>
+          <a:bodyPr/>
+          <a:lstStyle/>
+          <a:p>
+            <a:fld id="{705F1E1A-BC64-4D15-8F19-F9D22DF3568A}" type="slidenum">
+              <a:rPr lang="es-ES" smtClean="0"/>
+              <a:pPr/>
+              <a:t>13</a:t>
             </a:fld>
             <a:endParaRPr lang="es-ES"/>
           </a:p>
@@ -7458,7 +7589,7 @@
             <a:fld id="{3841DEE1-7CBC-4AC5-8CB0-36222882615A}" type="datetimeFigureOut">
               <a:rPr lang="es-AR" smtClean="0"/>
               <a:pPr/>
-              <a:t>07/08/2010</a:t>
+              <a:t>08/08/2010</a:t>
             </a:fld>
             <a:endParaRPr lang="es-AR"/>
           </a:p>
@@ -7625,7 +7756,7 @@
             <a:fld id="{3841DEE1-7CBC-4AC5-8CB0-36222882615A}" type="datetimeFigureOut">
               <a:rPr lang="es-AR" smtClean="0"/>
               <a:pPr/>
-              <a:t>07/08/2010</a:t>
+              <a:t>08/08/2010</a:t>
             </a:fld>
             <a:endParaRPr lang="es-AR"/>
           </a:p>
@@ -7802,7 +7933,7 @@
             <a:fld id="{3841DEE1-7CBC-4AC5-8CB0-36222882615A}" type="datetimeFigureOut">
               <a:rPr lang="es-AR" smtClean="0"/>
               <a:pPr/>
-              <a:t>07/08/2010</a:t>
+              <a:t>08/08/2010</a:t>
             </a:fld>
             <a:endParaRPr lang="es-AR"/>
           </a:p>
@@ -7969,7 +8100,7 @@
             <a:fld id="{3841DEE1-7CBC-4AC5-8CB0-36222882615A}" type="datetimeFigureOut">
               <a:rPr lang="es-AR" smtClean="0"/>
               <a:pPr/>
-              <a:t>07/08/2010</a:t>
+              <a:t>08/08/2010</a:t>
             </a:fld>
             <a:endParaRPr lang="es-AR"/>
           </a:p>
@@ -8213,7 +8344,7 @@
             <a:fld id="{3841DEE1-7CBC-4AC5-8CB0-36222882615A}" type="datetimeFigureOut">
               <a:rPr lang="es-AR" smtClean="0"/>
               <a:pPr/>
-              <a:t>07/08/2010</a:t>
+              <a:t>08/08/2010</a:t>
             </a:fld>
             <a:endParaRPr lang="es-AR"/>
           </a:p>
@@ -8479,7 +8610,7 @@
             <a:fld id="{3841DEE1-7CBC-4AC5-8CB0-36222882615A}" type="datetimeFigureOut">
               <a:rPr lang="es-AR" smtClean="0"/>
               <a:pPr/>
-              <a:t>07/08/2010</a:t>
+              <a:t>08/08/2010</a:t>
             </a:fld>
             <a:endParaRPr lang="es-AR"/>
           </a:p>
@@ -8859,7 +8990,7 @@
             <a:fld id="{3841DEE1-7CBC-4AC5-8CB0-36222882615A}" type="datetimeFigureOut">
               <a:rPr lang="es-AR" smtClean="0"/>
               <a:pPr/>
-              <a:t>07/08/2010</a:t>
+              <a:t>08/08/2010</a:t>
             </a:fld>
             <a:endParaRPr lang="es-AR"/>
           </a:p>
@@ -9011,7 +9142,7 @@
             <a:fld id="{3841DEE1-7CBC-4AC5-8CB0-36222882615A}" type="datetimeFigureOut">
               <a:rPr lang="es-AR" smtClean="0"/>
               <a:pPr/>
-              <a:t>07/08/2010</a:t>
+              <a:t>08/08/2010</a:t>
             </a:fld>
             <a:endParaRPr lang="es-AR"/>
           </a:p>
@@ -9103,7 +9234,7 @@
             <a:fld id="{3841DEE1-7CBC-4AC5-8CB0-36222882615A}" type="datetimeFigureOut">
               <a:rPr lang="es-AR" smtClean="0"/>
               <a:pPr/>
-              <a:t>07/08/2010</a:t>
+              <a:t>08/08/2010</a:t>
             </a:fld>
             <a:endParaRPr lang="es-AR"/>
           </a:p>
@@ -9366,7 +9497,7 @@
             <a:fld id="{3841DEE1-7CBC-4AC5-8CB0-36222882615A}" type="datetimeFigureOut">
               <a:rPr lang="es-AR" smtClean="0"/>
               <a:pPr/>
-              <a:t>07/08/2010</a:t>
+              <a:t>08/08/2010</a:t>
             </a:fld>
             <a:endParaRPr lang="es-AR"/>
           </a:p>
@@ -9656,7 +9787,7 @@
             <a:fld id="{3841DEE1-7CBC-4AC5-8CB0-36222882615A}" type="datetimeFigureOut">
               <a:rPr lang="es-AR" smtClean="0"/>
               <a:pPr/>
-              <a:t>07/08/2010</a:t>
+              <a:t>08/08/2010</a:t>
             </a:fld>
             <a:endParaRPr lang="es-AR"/>
           </a:p>
@@ -10429,7 +10560,7 @@
             <a:fld id="{3841DEE1-7CBC-4AC5-8CB0-36222882615A}" type="datetimeFigureOut">
               <a:rPr lang="es-AR" smtClean="0"/>
               <a:pPr/>
-              <a:t>07/08/2010</a:t>
+              <a:t>08/08/2010</a:t>
             </a:fld>
             <a:endParaRPr lang="es-AR"/>
           </a:p>
@@ -11156,6 +11287,163 @@
           <a:p>
             <a:r>
               <a:rPr lang="es-US" dirty="0" smtClean="0"/>
+              <a:t>Experimentación (7)</a:t>
+            </a:r>
+            <a:endParaRPr lang="es-ES" dirty="0"/>
+          </a:p>
+        </p:txBody>
+      </p:sp>
+      <p:sp>
+        <p:nvSpPr>
+          <p:cNvPr id="3" name="2 Marcador de contenido"/>
+          <p:cNvSpPr>
+            <a:spLocks noGrp="1"/>
+          </p:cNvSpPr>
+          <p:nvPr>
+            <p:ph idx="1"/>
+          </p:nvPr>
+        </p:nvSpPr>
+        <p:spPr/>
+        <p:txBody>
+          <a:bodyPr>
+            <a:normAutofit lnSpcReduction="10000"/>
+          </a:bodyPr>
+          <a:lstStyle/>
+          <a:p>
+            <a:r>
+              <a:rPr lang="es-US" dirty="0" smtClean="0"/>
+              <a:t>Resultados generales</a:t>
+            </a:r>
+          </a:p>
+          <a:p>
+            <a:endParaRPr lang="es-US" dirty="0" smtClean="0"/>
+          </a:p>
+          <a:p>
+            <a:endParaRPr lang="es-US" dirty="0" smtClean="0"/>
+          </a:p>
+          <a:p>
+            <a:endParaRPr lang="es-US" dirty="0" smtClean="0"/>
+          </a:p>
+          <a:p>
+            <a:endParaRPr lang="es-US" dirty="0" smtClean="0"/>
+          </a:p>
+          <a:p>
+            <a:endParaRPr lang="es-US" dirty="0" smtClean="0"/>
+          </a:p>
+          <a:p>
+            <a:endParaRPr lang="es-US" dirty="0" smtClean="0"/>
+          </a:p>
+          <a:p>
+            <a:endParaRPr lang="es-US" dirty="0" smtClean="0"/>
+          </a:p>
+          <a:p>
+            <a:endParaRPr lang="es-US" dirty="0" smtClean="0"/>
+          </a:p>
+          <a:p>
+            <a:r>
+              <a:rPr lang="es-US" dirty="0" smtClean="0"/>
+              <a:t>Optimo [SVM/WW3Last3DaysStrategy]</a:t>
+            </a:r>
+          </a:p>
+          <a:p>
+            <a:endParaRPr lang="es-US" dirty="0" smtClean="0"/>
+          </a:p>
+          <a:p>
+            <a:endParaRPr lang="es-US" dirty="0" smtClean="0"/>
+          </a:p>
+          <a:p>
+            <a:endParaRPr lang="es-US" dirty="0" smtClean="0"/>
+          </a:p>
+          <a:p>
+            <a:endParaRPr lang="es-US" dirty="0" smtClean="0"/>
+          </a:p>
+          <a:p>
+            <a:endParaRPr lang="es-US" dirty="0" smtClean="0"/>
+          </a:p>
+          <a:p>
+            <a:endParaRPr lang="es-US" dirty="0" smtClean="0"/>
+          </a:p>
+          <a:p>
+            <a:pPr>
+              <a:buNone/>
+            </a:pPr>
+            <a:endParaRPr lang="es-ES" dirty="0">
+              <a:solidFill>
+                <a:schemeClr val="accent6"/>
+              </a:solidFill>
+            </a:endParaRPr>
+          </a:p>
+        </p:txBody>
+      </p:sp>
+      <p:graphicFrame>
+        <p:nvGraphicFramePr>
+          <p:cNvPr id="22533" name="Object 5"/>
+          <p:cNvGraphicFramePr>
+            <a:graphicFrameLocks noChangeAspect="1"/>
+          </p:cNvGraphicFramePr>
+          <p:nvPr/>
+        </p:nvGraphicFramePr>
+        <p:xfrm>
+          <a:off x="571472" y="2428868"/>
+          <a:ext cx="7953618" cy="3429024"/>
+        </p:xfrm>
+        <a:graphic>
+          <a:graphicData uri="http://schemas.openxmlformats.org/presentationml/2006/ole">
+            <p:oleObj spid="_x0000_s22533" name="Hoja de cálculo" r:id="rId4" imgW="5590137" imgH="2409567" progId="Excel.Sheet.12">
+              <p:embed/>
+            </p:oleObj>
+          </a:graphicData>
+        </a:graphic>
+      </p:graphicFrame>
+    </p:spTree>
+  </p:cSld>
+  <p:clrMapOvr>
+    <a:masterClrMapping/>
+  </p:clrMapOvr>
+  <p:timing>
+    <p:tnLst>
+      <p:par>
+        <p:cTn id="1" dur="indefinite" restart="never" nodeType="tmRoot"/>
+      </p:par>
+    </p:tnLst>
+  </p:timing>
+</p:sld>
+</file>
+
+<file path=ppt/slides/slide11.xml><?xml version="1.0" encoding="utf-8"?>
+<p:sld xmlns:a="http://schemas.openxmlformats.org/drawingml/2006/main" xmlns:r="http://schemas.openxmlformats.org/officeDocument/2006/relationships" xmlns:p="http://schemas.openxmlformats.org/presentationml/2006/main">
+  <p:cSld>
+    <p:spTree>
+      <p:nvGrpSpPr>
+        <p:cNvPr id="1" name=""/>
+        <p:cNvGrpSpPr/>
+        <p:nvPr/>
+      </p:nvGrpSpPr>
+      <p:grpSpPr>
+        <a:xfrm>
+          <a:off x="0" y="0"/>
+          <a:ext cx="0" cy="0"/>
+          <a:chOff x="0" y="0"/>
+          <a:chExt cx="0" cy="0"/>
+        </a:xfrm>
+      </p:grpSpPr>
+      <p:sp>
+        <p:nvSpPr>
+          <p:cNvPr id="2" name="1 Título"/>
+          <p:cNvSpPr>
+            <a:spLocks noGrp="1"/>
+          </p:cNvSpPr>
+          <p:nvPr>
+            <p:ph type="title"/>
+          </p:nvPr>
+        </p:nvSpPr>
+        <p:spPr/>
+        <p:txBody>
+          <a:bodyPr/>
+          <a:lstStyle/>
+          <a:p>
+            <a:r>
+              <a:rPr lang="es-US" dirty="0" smtClean="0"/>
               <a:t>Experimentación (8)</a:t>
             </a:r>
             <a:endParaRPr lang="es-ES" dirty="0"/>
@@ -11856,7 +12144,7 @@
 </p:sld>
 </file>
 
-<file path=ppt/slides/slide11.xml><?xml version="1.0" encoding="utf-8"?>
+<file path=ppt/slides/slide12.xml><?xml version="1.0" encoding="utf-8"?>
 <p:sld xmlns:a="http://schemas.openxmlformats.org/drawingml/2006/main" xmlns:r="http://schemas.openxmlformats.org/officeDocument/2006/relationships" xmlns:p="http://schemas.openxmlformats.org/presentationml/2006/main">
   <p:cSld>
     <p:spTree>
@@ -11947,7 +12235,7 @@
 </p:sld>
 </file>
 
-<file path=ppt/slides/slide12.xml><?xml version="1.0" encoding="utf-8"?>
+<file path=ppt/slides/slide13.xml><?xml version="1.0" encoding="utf-8"?>
 <p:sld xmlns:a="http://schemas.openxmlformats.org/drawingml/2006/main" xmlns:r="http://schemas.openxmlformats.org/officeDocument/2006/relationships" xmlns:p="http://schemas.openxmlformats.org/presentationml/2006/main">
   <p:cSld>
     <p:spTree>
@@ -12005,7 +12293,7 @@
         </p:xfrm>
         <a:graphic>
           <a:graphicData uri="http://schemas.openxmlformats.org/drawingml/2006/chart">
-            <c:chart xmlns:c="http://schemas.openxmlformats.org/drawingml/2006/chart" xmlns:r="http://schemas.openxmlformats.org/officeDocument/2006/relationships" r:id="rId2"/>
+            <c:chart xmlns:c="http://schemas.openxmlformats.org/drawingml/2006/chart" xmlns:r="http://schemas.openxmlformats.org/officeDocument/2006/relationships" r:id="rId3"/>
           </a:graphicData>
         </a:graphic>
       </p:graphicFrame>
@@ -12021,10 +12309,811 @@
         </p:xfrm>
         <a:graphic>
           <a:graphicData uri="http://schemas.openxmlformats.org/drawingml/2006/chart">
-            <c:chart xmlns:c="http://schemas.openxmlformats.org/drawingml/2006/chart" xmlns:r="http://schemas.openxmlformats.org/officeDocument/2006/relationships" r:id="rId3"/>
+            <c:chart xmlns:c="http://schemas.openxmlformats.org/drawingml/2006/chart" xmlns:r="http://schemas.openxmlformats.org/officeDocument/2006/relationships" r:id="rId4"/>
           </a:graphicData>
         </a:graphic>
       </p:graphicFrame>
+    </p:spTree>
+  </p:cSld>
+  <p:clrMapOvr>
+    <a:masterClrMapping/>
+  </p:clrMapOvr>
+  <p:timing>
+    <p:tnLst>
+      <p:par>
+        <p:cTn id="1" dur="indefinite" restart="never" nodeType="tmRoot"/>
+      </p:par>
+    </p:tnLst>
+  </p:timing>
+</p:sld>
+</file>
+
+<file path=ppt/slides/slide14.xml><?xml version="1.0" encoding="utf-8"?>
+<p:sld xmlns:a="http://schemas.openxmlformats.org/drawingml/2006/main" xmlns:r="http://schemas.openxmlformats.org/officeDocument/2006/relationships" xmlns:p="http://schemas.openxmlformats.org/presentationml/2006/main">
+  <p:cSld>
+    <p:spTree>
+      <p:nvGrpSpPr>
+        <p:cNvPr id="1" name=""/>
+        <p:cNvGrpSpPr/>
+        <p:nvPr/>
+      </p:nvGrpSpPr>
+      <p:grpSpPr>
+        <a:xfrm>
+          <a:off x="0" y="0"/>
+          <a:ext cx="0" cy="0"/>
+          <a:chOff x="0" y="0"/>
+          <a:chExt cx="0" cy="0"/>
+        </a:xfrm>
+      </p:grpSpPr>
+      <p:sp>
+        <p:nvSpPr>
+          <p:cNvPr id="2" name="1 Título"/>
+          <p:cNvSpPr>
+            <a:spLocks noGrp="1"/>
+          </p:cNvSpPr>
+          <p:nvPr>
+            <p:ph type="title"/>
+          </p:nvPr>
+        </p:nvSpPr>
+        <p:spPr/>
+        <p:txBody>
+          <a:bodyPr/>
+          <a:lstStyle/>
+          <a:p>
+            <a:r>
+              <a:rPr lang="es-US" dirty="0" smtClean="0"/>
+              <a:t>Agenda</a:t>
+            </a:r>
+            <a:endParaRPr lang="es-ES" dirty="0"/>
+          </a:p>
+        </p:txBody>
+      </p:sp>
+      <p:sp>
+        <p:nvSpPr>
+          <p:cNvPr id="3" name="2 Marcador de contenido"/>
+          <p:cNvSpPr>
+            <a:spLocks noGrp="1"/>
+          </p:cNvSpPr>
+          <p:nvPr>
+            <p:ph idx="1"/>
+          </p:nvPr>
+        </p:nvSpPr>
+        <p:spPr/>
+        <p:txBody>
+          <a:bodyPr/>
+          <a:lstStyle/>
+          <a:p>
+            <a:r>
+              <a:rPr lang="en-US" dirty="0" err="1" smtClean="0"/>
+              <a:t>Motivación</a:t>
+            </a:r>
+            <a:r>
+              <a:rPr lang="en-US" dirty="0" smtClean="0"/>
+              <a:t> (</a:t>
+            </a:r>
+            <a:r>
+              <a:rPr lang="en-US" dirty="0" err="1" smtClean="0"/>
+              <a:t>Contexto</a:t>
+            </a:r>
+            <a:r>
+              <a:rPr lang="en-US" dirty="0" smtClean="0"/>
+              <a:t> y </a:t>
+            </a:r>
+            <a:r>
+              <a:rPr lang="en-US" dirty="0" err="1" smtClean="0"/>
+              <a:t>Desventajas</a:t>
+            </a:r>
+            <a:r>
+              <a:rPr lang="en-US" dirty="0" smtClean="0"/>
+              <a:t> de lo </a:t>
+            </a:r>
+            <a:r>
+              <a:rPr lang="en-US" dirty="0" err="1" smtClean="0"/>
+              <a:t>que</a:t>
+            </a:r>
+            <a:r>
+              <a:rPr lang="en-US" dirty="0" smtClean="0"/>
+              <a:t> </a:t>
+            </a:r>
+            <a:r>
+              <a:rPr lang="en-US" dirty="0" err="1" smtClean="0"/>
+              <a:t>existe</a:t>
+            </a:r>
+            <a:r>
+              <a:rPr lang="en-US" dirty="0" smtClean="0"/>
+              <a:t>)</a:t>
+            </a:r>
+          </a:p>
+          <a:p>
+            <a:r>
+              <a:rPr lang="en-US" dirty="0" err="1" smtClean="0"/>
+              <a:t>Propuesta</a:t>
+            </a:r>
+            <a:r>
+              <a:rPr lang="en-US" dirty="0" smtClean="0"/>
+              <a:t> (Lo </a:t>
+            </a:r>
+            <a:r>
+              <a:rPr lang="en-US" dirty="0" err="1" smtClean="0"/>
+              <a:t>que</a:t>
+            </a:r>
+            <a:r>
+              <a:rPr lang="en-US" dirty="0" smtClean="0"/>
+              <a:t> </a:t>
+            </a:r>
+            <a:r>
+              <a:rPr lang="en-US" dirty="0" err="1" smtClean="0"/>
+              <a:t>queremos</a:t>
+            </a:r>
+            <a:r>
+              <a:rPr lang="en-US" dirty="0" smtClean="0"/>
+              <a:t> </a:t>
+            </a:r>
+            <a:r>
+              <a:rPr lang="en-US" dirty="0" err="1" smtClean="0"/>
+              <a:t>hacer</a:t>
+            </a:r>
+            <a:r>
+              <a:rPr lang="en-US" dirty="0" smtClean="0"/>
+              <a:t>)</a:t>
+            </a:r>
+          </a:p>
+          <a:p>
+            <a:r>
+              <a:rPr lang="en-US" dirty="0" err="1" smtClean="0"/>
+              <a:t>Trabajos</a:t>
+            </a:r>
+            <a:r>
+              <a:rPr lang="en-US" dirty="0" smtClean="0"/>
+              <a:t> </a:t>
+            </a:r>
+            <a:r>
+              <a:rPr lang="en-US" dirty="0" err="1" smtClean="0"/>
+              <a:t>Relacionados</a:t>
+            </a:r>
+            <a:endParaRPr lang="en-US" dirty="0" smtClean="0"/>
+          </a:p>
+          <a:p>
+            <a:r>
+              <a:rPr lang="en-US" dirty="0" err="1" smtClean="0"/>
+              <a:t>Métodos</a:t>
+            </a:r>
+            <a:r>
+              <a:rPr lang="en-US" dirty="0" smtClean="0"/>
+              <a:t> de </a:t>
+            </a:r>
+            <a:r>
+              <a:rPr lang="en-US" dirty="0" err="1" smtClean="0"/>
+              <a:t>aprendizaje</a:t>
+            </a:r>
+            <a:r>
+              <a:rPr lang="en-US" dirty="0" smtClean="0"/>
+              <a:t> de </a:t>
+            </a:r>
+            <a:r>
+              <a:rPr lang="en-US" dirty="0" err="1" smtClean="0"/>
+              <a:t>máquina</a:t>
+            </a:r>
+            <a:endParaRPr lang="en-US" dirty="0" smtClean="0"/>
+          </a:p>
+          <a:p>
+            <a:r>
+              <a:rPr lang="en-US" dirty="0" err="1" smtClean="0"/>
+              <a:t>WaveWatch</a:t>
+            </a:r>
+            <a:r>
+              <a:rPr lang="en-US" dirty="0" smtClean="0"/>
+              <a:t> III</a:t>
+            </a:r>
+          </a:p>
+          <a:p>
+            <a:r>
+              <a:rPr lang="en-US" dirty="0" err="1" smtClean="0"/>
+              <a:t>Experimentacion</a:t>
+            </a:r>
+            <a:endParaRPr lang="en-US" dirty="0" smtClean="0"/>
+          </a:p>
+          <a:p>
+            <a:r>
+              <a:rPr lang="en-US" dirty="0" smtClean="0">
+                <a:solidFill>
+                  <a:schemeClr val="bg2">
+                    <a:lumMod val="25000"/>
+                  </a:schemeClr>
+                </a:solidFill>
+              </a:rPr>
+              <a:t>Surf-Forecaster</a:t>
+            </a:r>
+          </a:p>
+          <a:p>
+            <a:r>
+              <a:rPr lang="en-US" dirty="0" err="1" smtClean="0"/>
+              <a:t>Conclusiones</a:t>
+            </a:r>
+            <a:endParaRPr lang="en-US" dirty="0" smtClean="0"/>
+          </a:p>
+          <a:p>
+            <a:endParaRPr lang="es-ES" dirty="0"/>
+          </a:p>
+        </p:txBody>
+      </p:sp>
+    </p:spTree>
+  </p:cSld>
+  <p:clrMapOvr>
+    <a:masterClrMapping/>
+  </p:clrMapOvr>
+  <p:timing>
+    <p:tnLst>
+      <p:par>
+        <p:cTn id="1" dur="indefinite" restart="never" nodeType="tmRoot"/>
+      </p:par>
+    </p:tnLst>
+  </p:timing>
+</p:sld>
+</file>
+
+<file path=ppt/slides/slide15.xml><?xml version="1.0" encoding="utf-8"?>
+<p:sld xmlns:a="http://schemas.openxmlformats.org/drawingml/2006/main" xmlns:r="http://schemas.openxmlformats.org/officeDocument/2006/relationships" xmlns:p="http://schemas.openxmlformats.org/presentationml/2006/main">
+  <p:cSld>
+    <p:spTree>
+      <p:nvGrpSpPr>
+        <p:cNvPr id="1" name=""/>
+        <p:cNvGrpSpPr/>
+        <p:nvPr/>
+      </p:nvGrpSpPr>
+      <p:grpSpPr>
+        <a:xfrm>
+          <a:off x="0" y="0"/>
+          <a:ext cx="0" cy="0"/>
+          <a:chOff x="0" y="0"/>
+          <a:chExt cx="0" cy="0"/>
+        </a:xfrm>
+      </p:grpSpPr>
+      <p:sp>
+        <p:nvSpPr>
+          <p:cNvPr id="2" name="1 Título"/>
+          <p:cNvSpPr>
+            <a:spLocks noGrp="1"/>
+          </p:cNvSpPr>
+          <p:nvPr>
+            <p:ph type="title"/>
+          </p:nvPr>
+        </p:nvSpPr>
+        <p:spPr/>
+        <p:txBody>
+          <a:bodyPr/>
+          <a:lstStyle/>
+          <a:p>
+            <a:r>
+              <a:rPr lang="es-US" dirty="0" smtClean="0"/>
+              <a:t>Surf-Forecaster (1)</a:t>
+            </a:r>
+            <a:endParaRPr lang="es-ES" dirty="0"/>
+          </a:p>
+        </p:txBody>
+      </p:sp>
+      <p:sp>
+        <p:nvSpPr>
+          <p:cNvPr id="3" name="2 Marcador de contenido"/>
+          <p:cNvSpPr>
+            <a:spLocks noGrp="1"/>
+          </p:cNvSpPr>
+          <p:nvPr>
+            <p:ph idx="1"/>
+          </p:nvPr>
+        </p:nvSpPr>
+        <p:spPr/>
+        <p:txBody>
+          <a:bodyPr/>
+          <a:lstStyle/>
+          <a:p>
+            <a:r>
+              <a:rPr lang="es-US" dirty="0" smtClean="0"/>
+              <a:t>Características:</a:t>
+            </a:r>
+          </a:p>
+          <a:p>
+            <a:pPr lvl="1"/>
+            <a:r>
+              <a:rPr lang="es-US" dirty="0" smtClean="0"/>
+              <a:t>Sistema web para el pronostico de olas</a:t>
+            </a:r>
+          </a:p>
+          <a:p>
+            <a:pPr lvl="1"/>
+            <a:r>
+              <a:rPr lang="es-US" dirty="0" smtClean="0"/>
+              <a:t>Logra</a:t>
+            </a:r>
+            <a:r>
+              <a:rPr lang="es-US" dirty="0" smtClean="0"/>
+              <a:t> pronosticar olas de todo el mundo</a:t>
+            </a:r>
+          </a:p>
+          <a:p>
+            <a:pPr lvl="1"/>
+            <a:r>
+              <a:rPr lang="es-US" dirty="0" smtClean="0"/>
+              <a:t>Utiliza como entrada pronósticos de WAVEWATCH III</a:t>
+            </a:r>
+          </a:p>
+          <a:p>
+            <a:pPr lvl="1"/>
+            <a:r>
+              <a:rPr lang="es-US" dirty="0" smtClean="0"/>
+              <a:t>Ofrece un comparador de olas</a:t>
+            </a:r>
+          </a:p>
+          <a:p>
+            <a:pPr lvl="1"/>
+            <a:r>
+              <a:rPr lang="es-US" dirty="0" smtClean="0"/>
+              <a:t>Usuarios registrados pueden persistir sus propias olas</a:t>
+            </a:r>
+            <a:endParaRPr lang="es-US" dirty="0" smtClean="0"/>
+          </a:p>
+          <a:p>
+            <a:r>
+              <a:rPr lang="es-US" dirty="0" smtClean="0"/>
+              <a:t>¿Qué lo diferencia de otros pronosticadores existentes?</a:t>
+            </a:r>
+          </a:p>
+          <a:p>
+            <a:r>
+              <a:rPr lang="es-US" dirty="0" smtClean="0"/>
+              <a:t>¿Cómo logra pronosticar Surf-Forecaster?</a:t>
+            </a:r>
+          </a:p>
+        </p:txBody>
+      </p:sp>
+    </p:spTree>
+  </p:cSld>
+  <p:clrMapOvr>
+    <a:masterClrMapping/>
+  </p:clrMapOvr>
+  <p:timing>
+    <p:tnLst>
+      <p:par>
+        <p:cTn id="1" dur="indefinite" restart="never" nodeType="tmRoot"/>
+      </p:par>
+    </p:tnLst>
+  </p:timing>
+</p:sld>
+</file>
+
+<file path=ppt/slides/slide16.xml><?xml version="1.0" encoding="utf-8"?>
+<p:sld xmlns:a="http://schemas.openxmlformats.org/drawingml/2006/main" xmlns:r="http://schemas.openxmlformats.org/officeDocument/2006/relationships" xmlns:p="http://schemas.openxmlformats.org/presentationml/2006/main">
+  <p:cSld>
+    <p:spTree>
+      <p:nvGrpSpPr>
+        <p:cNvPr id="1" name=""/>
+        <p:cNvGrpSpPr/>
+        <p:nvPr/>
+      </p:nvGrpSpPr>
+      <p:grpSpPr>
+        <a:xfrm>
+          <a:off x="0" y="0"/>
+          <a:ext cx="0" cy="0"/>
+          <a:chOff x="0" y="0"/>
+          <a:chExt cx="0" cy="0"/>
+        </a:xfrm>
+      </p:grpSpPr>
+      <p:sp>
+        <p:nvSpPr>
+          <p:cNvPr id="2" name="1 Título"/>
+          <p:cNvSpPr>
+            <a:spLocks noGrp="1"/>
+          </p:cNvSpPr>
+          <p:nvPr>
+            <p:ph type="title"/>
+          </p:nvPr>
+        </p:nvSpPr>
+        <p:spPr/>
+        <p:txBody>
+          <a:bodyPr/>
+          <a:lstStyle/>
+          <a:p>
+            <a:r>
+              <a:rPr lang="es-US" dirty="0" smtClean="0"/>
+              <a:t>Surf-Forecaster (2)</a:t>
+            </a:r>
+            <a:endParaRPr lang="es-ES" dirty="0"/>
+          </a:p>
+        </p:txBody>
+      </p:sp>
+      <p:sp>
+        <p:nvSpPr>
+          <p:cNvPr id="3" name="2 Marcador de contenido"/>
+          <p:cNvSpPr>
+            <a:spLocks noGrp="1"/>
+          </p:cNvSpPr>
+          <p:nvPr>
+            <p:ph idx="1"/>
+          </p:nvPr>
+        </p:nvSpPr>
+        <p:spPr/>
+        <p:txBody>
+          <a:bodyPr/>
+          <a:lstStyle/>
+          <a:p>
+            <a:r>
+              <a:rPr lang="es-US" dirty="0" smtClean="0"/>
+              <a:t>Tipos de usuario</a:t>
+            </a:r>
+          </a:p>
+          <a:p>
+            <a:pPr lvl="1"/>
+            <a:r>
+              <a:rPr lang="es-US" dirty="0" smtClean="0"/>
+              <a:t>Usuario no registrado u anónimo</a:t>
+            </a:r>
+          </a:p>
+          <a:p>
+            <a:pPr lvl="1"/>
+            <a:r>
+              <a:rPr lang="es-US" dirty="0" smtClean="0"/>
+              <a:t>Usuario registrado</a:t>
+            </a:r>
+          </a:p>
+          <a:p>
+            <a:pPr lvl="1"/>
+            <a:r>
+              <a:rPr lang="es-US" dirty="0" smtClean="0"/>
+              <a:t>Administrador</a:t>
+            </a:r>
+          </a:p>
+          <a:p>
+            <a:pPr lvl="1"/>
+            <a:endParaRPr lang="es-US" dirty="0" smtClean="0"/>
+          </a:p>
+          <a:p>
+            <a:endParaRPr lang="es-ES" dirty="0"/>
+          </a:p>
+        </p:txBody>
+      </p:sp>
+    </p:spTree>
+  </p:cSld>
+  <p:clrMapOvr>
+    <a:masterClrMapping/>
+  </p:clrMapOvr>
+  <p:timing>
+    <p:tnLst>
+      <p:par>
+        <p:cTn id="1" dur="indefinite" restart="never" nodeType="tmRoot"/>
+      </p:par>
+    </p:tnLst>
+  </p:timing>
+</p:sld>
+</file>
+
+<file path=ppt/slides/slide17.xml><?xml version="1.0" encoding="utf-8"?>
+<p:sld xmlns:a="http://schemas.openxmlformats.org/drawingml/2006/main" xmlns:r="http://schemas.openxmlformats.org/officeDocument/2006/relationships" xmlns:p="http://schemas.openxmlformats.org/presentationml/2006/main">
+  <p:cSld>
+    <p:spTree>
+      <p:nvGrpSpPr>
+        <p:cNvPr id="1" name=""/>
+        <p:cNvGrpSpPr/>
+        <p:nvPr/>
+      </p:nvGrpSpPr>
+      <p:grpSpPr>
+        <a:xfrm>
+          <a:off x="0" y="0"/>
+          <a:ext cx="0" cy="0"/>
+          <a:chOff x="0" y="0"/>
+          <a:chExt cx="0" cy="0"/>
+        </a:xfrm>
+      </p:grpSpPr>
+      <p:sp>
+        <p:nvSpPr>
+          <p:cNvPr id="2" name="1 Título"/>
+          <p:cNvSpPr>
+            <a:spLocks noGrp="1"/>
+          </p:cNvSpPr>
+          <p:nvPr>
+            <p:ph type="title"/>
+          </p:nvPr>
+        </p:nvSpPr>
+        <p:spPr/>
+        <p:txBody>
+          <a:bodyPr>
+            <a:normAutofit/>
+          </a:bodyPr>
+          <a:lstStyle/>
+          <a:p>
+            <a:r>
+              <a:rPr lang="es-US" dirty="0" smtClean="0"/>
+              <a:t>Surf-Forecaster (3)</a:t>
+            </a:r>
+            <a:endParaRPr lang="es-ES" dirty="0"/>
+          </a:p>
+        </p:txBody>
+      </p:sp>
+      <p:sp>
+        <p:nvSpPr>
+          <p:cNvPr id="5" name="4 Marcador de contenido"/>
+          <p:cNvSpPr>
+            <a:spLocks noGrp="1"/>
+          </p:cNvSpPr>
+          <p:nvPr>
+            <p:ph idx="1"/>
+          </p:nvPr>
+        </p:nvSpPr>
+        <p:spPr/>
+        <p:txBody>
+          <a:bodyPr>
+            <a:normAutofit/>
+          </a:bodyPr>
+          <a:lstStyle/>
+          <a:p>
+            <a:r>
+              <a:rPr lang="es-US" sz="2000" dirty="0" smtClean="0"/>
+              <a:t>Página de inicio (Usuario anónimo)</a:t>
+            </a:r>
+            <a:endParaRPr lang="es-ES" sz="2000" dirty="0"/>
+          </a:p>
+        </p:txBody>
+      </p:sp>
+      <p:pic>
+        <p:nvPicPr>
+          <p:cNvPr id="55299" name="Picture 3"/>
+          <p:cNvPicPr>
+            <a:picLocks noChangeAspect="1" noChangeArrowheads="1"/>
+          </p:cNvPicPr>
+          <p:nvPr/>
+        </p:nvPicPr>
+        <p:blipFill>
+          <a:blip r:embed="rId2"/>
+          <a:srcRect/>
+          <a:stretch>
+            <a:fillRect/>
+          </a:stretch>
+        </p:blipFill>
+        <p:spPr bwMode="auto">
+          <a:xfrm>
+            <a:off x="142844" y="2571744"/>
+            <a:ext cx="8850959" cy="3571900"/>
+          </a:xfrm>
+          <a:prstGeom prst="rect">
+            <a:avLst/>
+          </a:prstGeom>
+          <a:noFill/>
+          <a:ln w="9525">
+            <a:noFill/>
+            <a:miter lim="800000"/>
+            <a:headEnd/>
+            <a:tailEnd/>
+          </a:ln>
+          <a:effectLst/>
+        </p:spPr>
+      </p:pic>
+    </p:spTree>
+  </p:cSld>
+  <p:clrMapOvr>
+    <a:masterClrMapping/>
+  </p:clrMapOvr>
+  <p:timing>
+    <p:tnLst>
+      <p:par>
+        <p:cTn id="1" dur="indefinite" restart="never" nodeType="tmRoot"/>
+      </p:par>
+    </p:tnLst>
+  </p:timing>
+</p:sld>
+</file>
+
+<file path=ppt/slides/slide18.xml><?xml version="1.0" encoding="utf-8"?>
+<p:sld xmlns:a="http://schemas.openxmlformats.org/drawingml/2006/main" xmlns:r="http://schemas.openxmlformats.org/officeDocument/2006/relationships" xmlns:p="http://schemas.openxmlformats.org/presentationml/2006/main">
+  <p:cSld>
+    <p:spTree>
+      <p:nvGrpSpPr>
+        <p:cNvPr id="1" name=""/>
+        <p:cNvGrpSpPr/>
+        <p:nvPr/>
+      </p:nvGrpSpPr>
+      <p:grpSpPr>
+        <a:xfrm>
+          <a:off x="0" y="0"/>
+          <a:ext cx="0" cy="0"/>
+          <a:chOff x="0" y="0"/>
+          <a:chExt cx="0" cy="0"/>
+        </a:xfrm>
+      </p:grpSpPr>
+      <p:sp>
+        <p:nvSpPr>
+          <p:cNvPr id="2" name="1 Título"/>
+          <p:cNvSpPr>
+            <a:spLocks noGrp="1"/>
+          </p:cNvSpPr>
+          <p:nvPr>
+            <p:ph type="title"/>
+          </p:nvPr>
+        </p:nvSpPr>
+        <p:spPr/>
+        <p:txBody>
+          <a:bodyPr/>
+          <a:lstStyle/>
+          <a:p>
+            <a:r>
+              <a:rPr lang="es-US" dirty="0" smtClean="0"/>
+              <a:t>Surf-Forecaster (4)</a:t>
+            </a:r>
+            <a:endParaRPr lang="es-ES" dirty="0"/>
+          </a:p>
+        </p:txBody>
+      </p:sp>
+      <p:sp>
+        <p:nvSpPr>
+          <p:cNvPr id="3" name="2 Marcador de contenido"/>
+          <p:cNvSpPr>
+            <a:spLocks noGrp="1"/>
+          </p:cNvSpPr>
+          <p:nvPr>
+            <p:ph idx="1"/>
+          </p:nvPr>
+        </p:nvSpPr>
+        <p:spPr/>
+        <p:txBody>
+          <a:bodyPr>
+            <a:normAutofit/>
+          </a:bodyPr>
+          <a:lstStyle/>
+          <a:p>
+            <a:r>
+              <a:rPr lang="es-US" sz="2000" dirty="0" smtClean="0"/>
+              <a:t>Página de inicio (Usuario registrado)</a:t>
+            </a:r>
+            <a:endParaRPr lang="es-ES" sz="2000" dirty="0"/>
+          </a:p>
+        </p:txBody>
+      </p:sp>
+      <p:pic>
+        <p:nvPicPr>
+          <p:cNvPr id="56322" name="Picture 2"/>
+          <p:cNvPicPr>
+            <a:picLocks noChangeAspect="1" noChangeArrowheads="1"/>
+          </p:cNvPicPr>
+          <p:nvPr/>
+        </p:nvPicPr>
+        <p:blipFill>
+          <a:blip r:embed="rId2"/>
+          <a:srcRect/>
+          <a:stretch>
+            <a:fillRect/>
+          </a:stretch>
+        </p:blipFill>
+        <p:spPr bwMode="auto">
+          <a:xfrm>
+            <a:off x="142844" y="2571744"/>
+            <a:ext cx="8839333" cy="2928958"/>
+          </a:xfrm>
+          <a:prstGeom prst="rect">
+            <a:avLst/>
+          </a:prstGeom>
+          <a:noFill/>
+          <a:ln w="9525">
+            <a:noFill/>
+            <a:miter lim="800000"/>
+            <a:headEnd/>
+            <a:tailEnd/>
+          </a:ln>
+          <a:effectLst/>
+        </p:spPr>
+      </p:pic>
+    </p:spTree>
+  </p:cSld>
+  <p:clrMapOvr>
+    <a:masterClrMapping/>
+  </p:clrMapOvr>
+  <p:timing>
+    <p:tnLst>
+      <p:par>
+        <p:cTn id="1" dur="indefinite" restart="never" nodeType="tmRoot"/>
+      </p:par>
+    </p:tnLst>
+  </p:timing>
+</p:sld>
+</file>
+
+<file path=ppt/slides/slide19.xml><?xml version="1.0" encoding="utf-8"?>
+<p:sld xmlns:a="http://schemas.openxmlformats.org/drawingml/2006/main" xmlns:r="http://schemas.openxmlformats.org/officeDocument/2006/relationships" xmlns:p="http://schemas.openxmlformats.org/presentationml/2006/main">
+  <p:cSld>
+    <p:spTree>
+      <p:nvGrpSpPr>
+        <p:cNvPr id="1" name=""/>
+        <p:cNvGrpSpPr/>
+        <p:nvPr/>
+      </p:nvGrpSpPr>
+      <p:grpSpPr>
+        <a:xfrm>
+          <a:off x="0" y="0"/>
+          <a:ext cx="0" cy="0"/>
+          <a:chOff x="0" y="0"/>
+          <a:chExt cx="0" cy="0"/>
+        </a:xfrm>
+      </p:grpSpPr>
+      <p:sp>
+        <p:nvSpPr>
+          <p:cNvPr id="2" name="1 Título"/>
+          <p:cNvSpPr>
+            <a:spLocks noGrp="1"/>
+          </p:cNvSpPr>
+          <p:nvPr>
+            <p:ph type="title"/>
+          </p:nvPr>
+        </p:nvSpPr>
+        <p:spPr/>
+        <p:txBody>
+          <a:bodyPr/>
+          <a:lstStyle/>
+          <a:p>
+            <a:r>
+              <a:rPr lang="es-US" dirty="0" smtClean="0"/>
+              <a:t>Surf-Forecaster </a:t>
+            </a:r>
+            <a:r>
+              <a:rPr lang="es-US" dirty="0" smtClean="0"/>
+              <a:t>(5)</a:t>
+            </a:r>
+            <a:endParaRPr lang="es-ES" dirty="0"/>
+          </a:p>
+        </p:txBody>
+      </p:sp>
+      <p:sp>
+        <p:nvSpPr>
+          <p:cNvPr id="3" name="2 Marcador de contenido"/>
+          <p:cNvSpPr>
+            <a:spLocks noGrp="1"/>
+          </p:cNvSpPr>
+          <p:nvPr>
+            <p:ph idx="1"/>
+          </p:nvPr>
+        </p:nvSpPr>
+        <p:spPr/>
+        <p:txBody>
+          <a:bodyPr/>
+          <a:lstStyle/>
+          <a:p>
+            <a:r>
+              <a:rPr lang="es-US" sz="2000" dirty="0" smtClean="0"/>
+              <a:t>Pronósticos</a:t>
+            </a:r>
+            <a:endParaRPr lang="es-ES" sz="2000" dirty="0"/>
+          </a:p>
+        </p:txBody>
+      </p:sp>
+      <p:pic>
+        <p:nvPicPr>
+          <p:cNvPr id="57347" name="Picture 3"/>
+          <p:cNvPicPr>
+            <a:picLocks noChangeAspect="1" noChangeArrowheads="1"/>
+          </p:cNvPicPr>
+          <p:nvPr/>
+        </p:nvPicPr>
+        <p:blipFill>
+          <a:blip r:embed="rId2"/>
+          <a:srcRect/>
+          <a:stretch>
+            <a:fillRect/>
+          </a:stretch>
+        </p:blipFill>
+        <p:spPr bwMode="auto">
+          <a:xfrm>
+            <a:off x="71406" y="2357430"/>
+            <a:ext cx="9029700" cy="4500570"/>
+          </a:xfrm>
+          <a:prstGeom prst="rect">
+            <a:avLst/>
+          </a:prstGeom>
+          <a:noFill/>
+          <a:ln w="9525">
+            <a:noFill/>
+            <a:miter lim="800000"/>
+            <a:headEnd/>
+            <a:tailEnd/>
+          </a:ln>
+          <a:effectLst/>
+        </p:spPr>
+      </p:pic>
     </p:spTree>
   </p:cSld>
   <p:clrMapOvr>
@@ -12261,6 +13350,1293 @@
 </p:sld>
 </file>
 
+<file path=ppt/slides/slide20.xml><?xml version="1.0" encoding="utf-8"?>
+<p:sld xmlns:a="http://schemas.openxmlformats.org/drawingml/2006/main" xmlns:r="http://schemas.openxmlformats.org/officeDocument/2006/relationships" xmlns:p="http://schemas.openxmlformats.org/presentationml/2006/main">
+  <p:cSld>
+    <p:spTree>
+      <p:nvGrpSpPr>
+        <p:cNvPr id="1" name=""/>
+        <p:cNvGrpSpPr/>
+        <p:nvPr/>
+      </p:nvGrpSpPr>
+      <p:grpSpPr>
+        <a:xfrm>
+          <a:off x="0" y="0"/>
+          <a:ext cx="0" cy="0"/>
+          <a:chOff x="0" y="0"/>
+          <a:chExt cx="0" cy="0"/>
+        </a:xfrm>
+      </p:grpSpPr>
+      <p:sp>
+        <p:nvSpPr>
+          <p:cNvPr id="2" name="1 Título"/>
+          <p:cNvSpPr>
+            <a:spLocks noGrp="1"/>
+          </p:cNvSpPr>
+          <p:nvPr>
+            <p:ph type="title"/>
+          </p:nvPr>
+        </p:nvSpPr>
+        <p:spPr/>
+        <p:txBody>
+          <a:bodyPr/>
+          <a:lstStyle/>
+          <a:p>
+            <a:r>
+              <a:rPr lang="es-US" dirty="0" smtClean="0"/>
+              <a:t>Surf-Forecaster </a:t>
+            </a:r>
+            <a:r>
+              <a:rPr lang="es-US" dirty="0" smtClean="0"/>
+              <a:t>(6)</a:t>
+            </a:r>
+            <a:endParaRPr lang="es-ES" dirty="0"/>
+          </a:p>
+        </p:txBody>
+      </p:sp>
+      <p:sp>
+        <p:nvSpPr>
+          <p:cNvPr id="3" name="2 Marcador de contenido"/>
+          <p:cNvSpPr>
+            <a:spLocks noGrp="1"/>
+          </p:cNvSpPr>
+          <p:nvPr>
+            <p:ph idx="1"/>
+          </p:nvPr>
+        </p:nvSpPr>
+        <p:spPr/>
+        <p:txBody>
+          <a:bodyPr>
+            <a:normAutofit/>
+          </a:bodyPr>
+          <a:lstStyle/>
+          <a:p>
+            <a:r>
+              <a:rPr lang="es-US" sz="2000" dirty="0" smtClean="0"/>
+              <a:t>Comparador  de olas (1)</a:t>
+            </a:r>
+            <a:endParaRPr lang="es-ES" sz="2000" dirty="0"/>
+          </a:p>
+        </p:txBody>
+      </p:sp>
+      <p:pic>
+        <p:nvPicPr>
+          <p:cNvPr id="58370" name="Picture 2"/>
+          <p:cNvPicPr>
+            <a:picLocks noChangeAspect="1" noChangeArrowheads="1"/>
+          </p:cNvPicPr>
+          <p:nvPr/>
+        </p:nvPicPr>
+        <p:blipFill>
+          <a:blip r:embed="rId2"/>
+          <a:srcRect/>
+          <a:stretch>
+            <a:fillRect/>
+          </a:stretch>
+        </p:blipFill>
+        <p:spPr bwMode="auto">
+          <a:xfrm>
+            <a:off x="39507" y="2305605"/>
+            <a:ext cx="9058239" cy="4552396"/>
+          </a:xfrm>
+          <a:prstGeom prst="rect">
+            <a:avLst/>
+          </a:prstGeom>
+          <a:noFill/>
+          <a:ln w="9525">
+            <a:noFill/>
+            <a:miter lim="800000"/>
+            <a:headEnd/>
+            <a:tailEnd/>
+          </a:ln>
+          <a:effectLst/>
+        </p:spPr>
+      </p:pic>
+    </p:spTree>
+  </p:cSld>
+  <p:clrMapOvr>
+    <a:masterClrMapping/>
+  </p:clrMapOvr>
+  <p:timing>
+    <p:tnLst>
+      <p:par>
+        <p:cTn id="1" dur="indefinite" restart="never" nodeType="tmRoot"/>
+      </p:par>
+    </p:tnLst>
+  </p:timing>
+</p:sld>
+</file>
+
+<file path=ppt/slides/slide21.xml><?xml version="1.0" encoding="utf-8"?>
+<p:sld xmlns:a="http://schemas.openxmlformats.org/drawingml/2006/main" xmlns:r="http://schemas.openxmlformats.org/officeDocument/2006/relationships" xmlns:p="http://schemas.openxmlformats.org/presentationml/2006/main">
+  <p:cSld>
+    <p:spTree>
+      <p:nvGrpSpPr>
+        <p:cNvPr id="1" name=""/>
+        <p:cNvGrpSpPr/>
+        <p:nvPr/>
+      </p:nvGrpSpPr>
+      <p:grpSpPr>
+        <a:xfrm>
+          <a:off x="0" y="0"/>
+          <a:ext cx="0" cy="0"/>
+          <a:chOff x="0" y="0"/>
+          <a:chExt cx="0" cy="0"/>
+        </a:xfrm>
+      </p:grpSpPr>
+      <p:sp>
+        <p:nvSpPr>
+          <p:cNvPr id="2" name="1 Título"/>
+          <p:cNvSpPr>
+            <a:spLocks noGrp="1"/>
+          </p:cNvSpPr>
+          <p:nvPr>
+            <p:ph type="title"/>
+          </p:nvPr>
+        </p:nvSpPr>
+        <p:spPr>
+          <a:xfrm>
+            <a:off x="457200" y="704088"/>
+            <a:ext cx="8229600" cy="653210"/>
+          </a:xfrm>
+        </p:spPr>
+        <p:txBody>
+          <a:bodyPr>
+            <a:normAutofit fontScale="90000"/>
+          </a:bodyPr>
+          <a:lstStyle/>
+          <a:p>
+            <a:r>
+              <a:rPr lang="es-US" dirty="0" smtClean="0"/>
+              <a:t>Surf-Forecaster </a:t>
+            </a:r>
+            <a:r>
+              <a:rPr lang="es-US" dirty="0" smtClean="0"/>
+              <a:t>(7)</a:t>
+            </a:r>
+            <a:endParaRPr lang="es-ES" dirty="0"/>
+          </a:p>
+        </p:txBody>
+      </p:sp>
+      <p:sp>
+        <p:nvSpPr>
+          <p:cNvPr id="3" name="2 Marcador de contenido"/>
+          <p:cNvSpPr>
+            <a:spLocks noGrp="1"/>
+          </p:cNvSpPr>
+          <p:nvPr>
+            <p:ph idx="1"/>
+          </p:nvPr>
+        </p:nvSpPr>
+        <p:spPr>
+          <a:xfrm>
+            <a:off x="428596" y="1428736"/>
+            <a:ext cx="8229600" cy="4389120"/>
+          </a:xfrm>
+        </p:spPr>
+        <p:txBody>
+          <a:bodyPr>
+            <a:normAutofit/>
+          </a:bodyPr>
+          <a:lstStyle/>
+          <a:p>
+            <a:r>
+              <a:rPr lang="es-US" sz="2000" dirty="0" smtClean="0"/>
+              <a:t>Comparador  de olas (2)</a:t>
+            </a:r>
+            <a:endParaRPr lang="es-ES" sz="2000" dirty="0"/>
+          </a:p>
+        </p:txBody>
+      </p:sp>
+      <p:pic>
+        <p:nvPicPr>
+          <p:cNvPr id="59395" name="Picture 3"/>
+          <p:cNvPicPr>
+            <a:picLocks noChangeAspect="1" noChangeArrowheads="1"/>
+          </p:cNvPicPr>
+          <p:nvPr/>
+        </p:nvPicPr>
+        <p:blipFill>
+          <a:blip r:embed="rId2"/>
+          <a:srcRect/>
+          <a:stretch>
+            <a:fillRect/>
+          </a:stretch>
+        </p:blipFill>
+        <p:spPr bwMode="auto">
+          <a:xfrm>
+            <a:off x="1" y="1799173"/>
+            <a:ext cx="9144000" cy="5058827"/>
+          </a:xfrm>
+          <a:prstGeom prst="rect">
+            <a:avLst/>
+          </a:prstGeom>
+          <a:noFill/>
+          <a:ln w="9525">
+            <a:noFill/>
+            <a:miter lim="800000"/>
+            <a:headEnd/>
+            <a:tailEnd/>
+          </a:ln>
+          <a:effectLst/>
+        </p:spPr>
+      </p:pic>
+    </p:spTree>
+  </p:cSld>
+  <p:clrMapOvr>
+    <a:masterClrMapping/>
+  </p:clrMapOvr>
+  <p:timing>
+    <p:tnLst>
+      <p:par>
+        <p:cTn id="1" dur="indefinite" restart="never" nodeType="tmRoot"/>
+      </p:par>
+    </p:tnLst>
+  </p:timing>
+</p:sld>
+</file>
+
+<file path=ppt/slides/slide22.xml><?xml version="1.0" encoding="utf-8"?>
+<p:sld xmlns:a="http://schemas.openxmlformats.org/drawingml/2006/main" xmlns:r="http://schemas.openxmlformats.org/officeDocument/2006/relationships" xmlns:p="http://schemas.openxmlformats.org/presentationml/2006/main">
+  <p:cSld>
+    <p:spTree>
+      <p:nvGrpSpPr>
+        <p:cNvPr id="1" name=""/>
+        <p:cNvGrpSpPr/>
+        <p:nvPr/>
+      </p:nvGrpSpPr>
+      <p:grpSpPr>
+        <a:xfrm>
+          <a:off x="0" y="0"/>
+          <a:ext cx="0" cy="0"/>
+          <a:chOff x="0" y="0"/>
+          <a:chExt cx="0" cy="0"/>
+        </a:xfrm>
+      </p:grpSpPr>
+      <p:sp>
+        <p:nvSpPr>
+          <p:cNvPr id="2" name="1 Título"/>
+          <p:cNvSpPr>
+            <a:spLocks noGrp="1"/>
+          </p:cNvSpPr>
+          <p:nvPr>
+            <p:ph type="title"/>
+          </p:nvPr>
+        </p:nvSpPr>
+        <p:spPr>
+          <a:xfrm>
+            <a:off x="457200" y="704088"/>
+            <a:ext cx="8229600" cy="653210"/>
+          </a:xfrm>
+        </p:spPr>
+        <p:txBody>
+          <a:bodyPr>
+            <a:normAutofit fontScale="90000"/>
+          </a:bodyPr>
+          <a:lstStyle/>
+          <a:p>
+            <a:r>
+              <a:rPr lang="es-US" dirty="0" smtClean="0"/>
+              <a:t>Surf-Forecaster </a:t>
+            </a:r>
+            <a:r>
+              <a:rPr lang="es-US" dirty="0" smtClean="0"/>
+              <a:t>(8)</a:t>
+            </a:r>
+            <a:endParaRPr lang="es-ES" dirty="0"/>
+          </a:p>
+        </p:txBody>
+      </p:sp>
+      <p:sp>
+        <p:nvSpPr>
+          <p:cNvPr id="3" name="2 Marcador de contenido"/>
+          <p:cNvSpPr>
+            <a:spLocks noGrp="1"/>
+          </p:cNvSpPr>
+          <p:nvPr>
+            <p:ph idx="1"/>
+          </p:nvPr>
+        </p:nvSpPr>
+        <p:spPr>
+          <a:xfrm>
+            <a:off x="428596" y="1428736"/>
+            <a:ext cx="8229600" cy="4389120"/>
+          </a:xfrm>
+        </p:spPr>
+        <p:txBody>
+          <a:bodyPr>
+            <a:normAutofit/>
+          </a:bodyPr>
+          <a:lstStyle/>
+          <a:p>
+            <a:r>
+              <a:rPr lang="es-US" sz="2000" dirty="0" smtClean="0"/>
+              <a:t>Comparador de olas (3)</a:t>
+            </a:r>
+            <a:endParaRPr lang="es-ES" sz="2000" dirty="0"/>
+          </a:p>
+        </p:txBody>
+      </p:sp>
+      <p:pic>
+        <p:nvPicPr>
+          <p:cNvPr id="60418" name="Picture 2"/>
+          <p:cNvPicPr>
+            <a:picLocks noChangeAspect="1" noChangeArrowheads="1"/>
+          </p:cNvPicPr>
+          <p:nvPr/>
+        </p:nvPicPr>
+        <p:blipFill>
+          <a:blip r:embed="rId2"/>
+          <a:srcRect/>
+          <a:stretch>
+            <a:fillRect/>
+          </a:stretch>
+        </p:blipFill>
+        <p:spPr bwMode="auto">
+          <a:xfrm>
+            <a:off x="0" y="1813785"/>
+            <a:ext cx="9144000" cy="5044216"/>
+          </a:xfrm>
+          <a:prstGeom prst="rect">
+            <a:avLst/>
+          </a:prstGeom>
+          <a:noFill/>
+          <a:ln w="9525">
+            <a:noFill/>
+            <a:miter lim="800000"/>
+            <a:headEnd/>
+            <a:tailEnd/>
+          </a:ln>
+          <a:effectLst/>
+        </p:spPr>
+      </p:pic>
+    </p:spTree>
+  </p:cSld>
+  <p:clrMapOvr>
+    <a:masterClrMapping/>
+  </p:clrMapOvr>
+  <p:timing>
+    <p:tnLst>
+      <p:par>
+        <p:cTn id="1" dur="indefinite" restart="never" nodeType="tmRoot"/>
+      </p:par>
+    </p:tnLst>
+  </p:timing>
+</p:sld>
+</file>
+
+<file path=ppt/slides/slide23.xml><?xml version="1.0" encoding="utf-8"?>
+<p:sld xmlns:a="http://schemas.openxmlformats.org/drawingml/2006/main" xmlns:r="http://schemas.openxmlformats.org/officeDocument/2006/relationships" xmlns:p="http://schemas.openxmlformats.org/presentationml/2006/main">
+  <p:cSld>
+    <p:spTree>
+      <p:nvGrpSpPr>
+        <p:cNvPr id="1" name=""/>
+        <p:cNvGrpSpPr/>
+        <p:nvPr/>
+      </p:nvGrpSpPr>
+      <p:grpSpPr>
+        <a:xfrm>
+          <a:off x="0" y="0"/>
+          <a:ext cx="0" cy="0"/>
+          <a:chOff x="0" y="0"/>
+          <a:chExt cx="0" cy="0"/>
+        </a:xfrm>
+      </p:grpSpPr>
+      <p:sp>
+        <p:nvSpPr>
+          <p:cNvPr id="2" name="1 Título"/>
+          <p:cNvSpPr>
+            <a:spLocks noGrp="1"/>
+          </p:cNvSpPr>
+          <p:nvPr>
+            <p:ph type="title"/>
+          </p:nvPr>
+        </p:nvSpPr>
+        <p:spPr>
+          <a:xfrm>
+            <a:off x="457200" y="704088"/>
+            <a:ext cx="8229600" cy="653210"/>
+          </a:xfrm>
+        </p:spPr>
+        <p:txBody>
+          <a:bodyPr>
+            <a:normAutofit fontScale="90000"/>
+          </a:bodyPr>
+          <a:lstStyle/>
+          <a:p>
+            <a:r>
+              <a:rPr lang="es-US" dirty="0" smtClean="0"/>
+              <a:t>Surf-Forecaster </a:t>
+            </a:r>
+            <a:r>
+              <a:rPr lang="es-US" dirty="0" smtClean="0"/>
+              <a:t>(9)</a:t>
+            </a:r>
+            <a:endParaRPr lang="es-ES" dirty="0"/>
+          </a:p>
+        </p:txBody>
+      </p:sp>
+      <p:sp>
+        <p:nvSpPr>
+          <p:cNvPr id="3" name="2 Marcador de contenido"/>
+          <p:cNvSpPr>
+            <a:spLocks noGrp="1"/>
+          </p:cNvSpPr>
+          <p:nvPr>
+            <p:ph idx="1"/>
+          </p:nvPr>
+        </p:nvSpPr>
+        <p:spPr>
+          <a:xfrm>
+            <a:off x="428596" y="1428736"/>
+            <a:ext cx="8229600" cy="4389120"/>
+          </a:xfrm>
+        </p:spPr>
+        <p:txBody>
+          <a:bodyPr>
+            <a:normAutofit/>
+          </a:bodyPr>
+          <a:lstStyle/>
+          <a:p>
+            <a:r>
+              <a:rPr lang="es-US" sz="2000" dirty="0" smtClean="0"/>
+              <a:t>Nueva ola (solo usuarios registrados) (1)</a:t>
+            </a:r>
+            <a:endParaRPr lang="es-ES" sz="2000" dirty="0"/>
+          </a:p>
+        </p:txBody>
+      </p:sp>
+      <p:pic>
+        <p:nvPicPr>
+          <p:cNvPr id="61442" name="Picture 2"/>
+          <p:cNvPicPr>
+            <a:picLocks noChangeAspect="1" noChangeArrowheads="1"/>
+          </p:cNvPicPr>
+          <p:nvPr/>
+        </p:nvPicPr>
+        <p:blipFill>
+          <a:blip r:embed="rId2"/>
+          <a:srcRect/>
+          <a:stretch>
+            <a:fillRect/>
+          </a:stretch>
+        </p:blipFill>
+        <p:spPr bwMode="auto">
+          <a:xfrm>
+            <a:off x="0" y="1764827"/>
+            <a:ext cx="9144000" cy="5093173"/>
+          </a:xfrm>
+          <a:prstGeom prst="rect">
+            <a:avLst/>
+          </a:prstGeom>
+          <a:noFill/>
+          <a:ln w="9525">
+            <a:noFill/>
+            <a:miter lim="800000"/>
+            <a:headEnd/>
+            <a:tailEnd/>
+          </a:ln>
+          <a:effectLst/>
+        </p:spPr>
+      </p:pic>
+    </p:spTree>
+  </p:cSld>
+  <p:clrMapOvr>
+    <a:masterClrMapping/>
+  </p:clrMapOvr>
+  <p:timing>
+    <p:tnLst>
+      <p:par>
+        <p:cTn id="1" dur="indefinite" restart="never" nodeType="tmRoot"/>
+      </p:par>
+    </p:tnLst>
+  </p:timing>
+</p:sld>
+</file>
+
+<file path=ppt/slides/slide24.xml><?xml version="1.0" encoding="utf-8"?>
+<p:sld xmlns:a="http://schemas.openxmlformats.org/drawingml/2006/main" xmlns:r="http://schemas.openxmlformats.org/officeDocument/2006/relationships" xmlns:p="http://schemas.openxmlformats.org/presentationml/2006/main">
+  <p:cSld>
+    <p:spTree>
+      <p:nvGrpSpPr>
+        <p:cNvPr id="1" name=""/>
+        <p:cNvGrpSpPr/>
+        <p:nvPr/>
+      </p:nvGrpSpPr>
+      <p:grpSpPr>
+        <a:xfrm>
+          <a:off x="0" y="0"/>
+          <a:ext cx="0" cy="0"/>
+          <a:chOff x="0" y="0"/>
+          <a:chExt cx="0" cy="0"/>
+        </a:xfrm>
+      </p:grpSpPr>
+      <p:sp>
+        <p:nvSpPr>
+          <p:cNvPr id="2" name="1 Título"/>
+          <p:cNvSpPr>
+            <a:spLocks noGrp="1"/>
+          </p:cNvSpPr>
+          <p:nvPr>
+            <p:ph type="title"/>
+          </p:nvPr>
+        </p:nvSpPr>
+        <p:spPr>
+          <a:xfrm>
+            <a:off x="457200" y="704088"/>
+            <a:ext cx="8229600" cy="653210"/>
+          </a:xfrm>
+        </p:spPr>
+        <p:txBody>
+          <a:bodyPr>
+            <a:normAutofit fontScale="90000"/>
+          </a:bodyPr>
+          <a:lstStyle/>
+          <a:p>
+            <a:r>
+              <a:rPr lang="es-US" dirty="0" smtClean="0"/>
+              <a:t>Surf-Forecaster </a:t>
+            </a:r>
+            <a:r>
+              <a:rPr lang="es-US" dirty="0" smtClean="0"/>
+              <a:t>(10)</a:t>
+            </a:r>
+            <a:endParaRPr lang="es-ES" dirty="0"/>
+          </a:p>
+        </p:txBody>
+      </p:sp>
+      <p:sp>
+        <p:nvSpPr>
+          <p:cNvPr id="3" name="2 Marcador de contenido"/>
+          <p:cNvSpPr>
+            <a:spLocks noGrp="1"/>
+          </p:cNvSpPr>
+          <p:nvPr>
+            <p:ph idx="1"/>
+          </p:nvPr>
+        </p:nvSpPr>
+        <p:spPr>
+          <a:xfrm>
+            <a:off x="428596" y="1428736"/>
+            <a:ext cx="8229600" cy="4895864"/>
+          </a:xfrm>
+        </p:spPr>
+        <p:txBody>
+          <a:bodyPr/>
+          <a:lstStyle/>
+          <a:p>
+            <a:r>
+              <a:rPr lang="es-US" sz="2000" dirty="0" smtClean="0"/>
+              <a:t>Nueva ola (solo usuarios registrados) </a:t>
+            </a:r>
+            <a:r>
+              <a:rPr lang="es-US" sz="2000" dirty="0" smtClean="0"/>
+              <a:t>(2)</a:t>
+            </a:r>
+            <a:endParaRPr lang="es-ES" sz="2000" dirty="0" smtClean="0"/>
+          </a:p>
+          <a:p>
+            <a:endParaRPr lang="es-ES" dirty="0"/>
+          </a:p>
+        </p:txBody>
+      </p:sp>
+      <p:pic>
+        <p:nvPicPr>
+          <p:cNvPr id="62467" name="Picture 3"/>
+          <p:cNvPicPr>
+            <a:picLocks noChangeAspect="1" noChangeArrowheads="1"/>
+          </p:cNvPicPr>
+          <p:nvPr/>
+        </p:nvPicPr>
+        <p:blipFill>
+          <a:blip r:embed="rId2"/>
+          <a:srcRect/>
+          <a:stretch>
+            <a:fillRect/>
+          </a:stretch>
+        </p:blipFill>
+        <p:spPr bwMode="auto">
+          <a:xfrm>
+            <a:off x="0" y="1762169"/>
+            <a:ext cx="9144000" cy="5095831"/>
+          </a:xfrm>
+          <a:prstGeom prst="rect">
+            <a:avLst/>
+          </a:prstGeom>
+          <a:noFill/>
+          <a:ln w="9525">
+            <a:noFill/>
+            <a:miter lim="800000"/>
+            <a:headEnd/>
+            <a:tailEnd/>
+          </a:ln>
+          <a:effectLst/>
+        </p:spPr>
+      </p:pic>
+      <p:pic>
+        <p:nvPicPr>
+          <p:cNvPr id="62468" name="Picture 4"/>
+          <p:cNvPicPr>
+            <a:picLocks noChangeAspect="1" noChangeArrowheads="1"/>
+          </p:cNvPicPr>
+          <p:nvPr/>
+        </p:nvPicPr>
+        <p:blipFill>
+          <a:blip r:embed="rId3"/>
+          <a:srcRect/>
+          <a:stretch>
+            <a:fillRect/>
+          </a:stretch>
+        </p:blipFill>
+        <p:spPr bwMode="auto">
+          <a:xfrm>
+            <a:off x="5214942" y="1357298"/>
+            <a:ext cx="3367093" cy="5219952"/>
+          </a:xfrm>
+          <a:prstGeom prst="rect">
+            <a:avLst/>
+          </a:prstGeom>
+          <a:noFill/>
+          <a:ln w="9525">
+            <a:noFill/>
+            <a:miter lim="800000"/>
+            <a:headEnd/>
+            <a:tailEnd/>
+          </a:ln>
+          <a:effectLst/>
+        </p:spPr>
+      </p:pic>
+    </p:spTree>
+  </p:cSld>
+  <p:clrMapOvr>
+    <a:masterClrMapping/>
+  </p:clrMapOvr>
+  <p:timing>
+    <p:tnLst>
+      <p:par>
+        <p:cTn id="1" dur="indefinite" restart="never" nodeType="tmRoot">
+          <p:childTnLst>
+            <p:seq concurrent="1" nextAc="seek">
+              <p:cTn id="2" dur="indefinite" nodeType="mainSeq">
+                <p:childTnLst>
+                  <p:par>
+                    <p:cTn id="3" fill="hold">
+                      <p:stCondLst>
+                        <p:cond delay="indefinite"/>
+                      </p:stCondLst>
+                      <p:childTnLst>
+                        <p:par>
+                          <p:cTn id="4" fill="hold">
+                            <p:stCondLst>
+                              <p:cond delay="0"/>
+                            </p:stCondLst>
+                            <p:childTnLst>
+                              <p:par>
+                                <p:cTn id="5" presetID="53" presetClass="entr" presetSubtype="0" fill="hold" nodeType="clickEffect">
+                                  <p:stCondLst>
+                                    <p:cond delay="0"/>
+                                  </p:stCondLst>
+                                  <p:childTnLst>
+                                    <p:set>
+                                      <p:cBhvr>
+                                        <p:cTn id="6" dur="1" fill="hold">
+                                          <p:stCondLst>
+                                            <p:cond delay="0"/>
+                                          </p:stCondLst>
+                                        </p:cTn>
+                                        <p:tgtEl>
+                                          <p:spTgt spid="62468"/>
+                                        </p:tgtEl>
+                                        <p:attrNameLst>
+                                          <p:attrName>style.visibility</p:attrName>
+                                        </p:attrNameLst>
+                                      </p:cBhvr>
+                                      <p:to>
+                                        <p:strVal val="visible"/>
+                                      </p:to>
+                                    </p:set>
+                                    <p:anim calcmode="lin" valueType="num">
+                                      <p:cBhvr>
+                                        <p:cTn id="7" dur="500" fill="hold"/>
+                                        <p:tgtEl>
+                                          <p:spTgt spid="62468"/>
+                                        </p:tgtEl>
+                                        <p:attrNameLst>
+                                          <p:attrName>ppt_w</p:attrName>
+                                        </p:attrNameLst>
+                                      </p:cBhvr>
+                                      <p:tavLst>
+                                        <p:tav tm="0">
+                                          <p:val>
+                                            <p:fltVal val="0"/>
+                                          </p:val>
+                                        </p:tav>
+                                        <p:tav tm="100000">
+                                          <p:val>
+                                            <p:strVal val="#ppt_w"/>
+                                          </p:val>
+                                        </p:tav>
+                                      </p:tavLst>
+                                    </p:anim>
+                                    <p:anim calcmode="lin" valueType="num">
+                                      <p:cBhvr>
+                                        <p:cTn id="8" dur="500" fill="hold"/>
+                                        <p:tgtEl>
+                                          <p:spTgt spid="62468"/>
+                                        </p:tgtEl>
+                                        <p:attrNameLst>
+                                          <p:attrName>ppt_h</p:attrName>
+                                        </p:attrNameLst>
+                                      </p:cBhvr>
+                                      <p:tavLst>
+                                        <p:tav tm="0">
+                                          <p:val>
+                                            <p:fltVal val="0"/>
+                                          </p:val>
+                                        </p:tav>
+                                        <p:tav tm="100000">
+                                          <p:val>
+                                            <p:strVal val="#ppt_h"/>
+                                          </p:val>
+                                        </p:tav>
+                                      </p:tavLst>
+                                    </p:anim>
+                                    <p:animEffect transition="in" filter="fade">
+                                      <p:cBhvr>
+                                        <p:cTn id="9" dur="500"/>
+                                        <p:tgtEl>
+                                          <p:spTgt spid="62468"/>
+                                        </p:tgtEl>
+                                      </p:cBhvr>
+                                    </p:animEffect>
+                                  </p:childTnLst>
+                                </p:cTn>
+                              </p:par>
+                            </p:childTnLst>
+                          </p:cTn>
+                        </p:par>
+                      </p:childTnLst>
+                    </p:cTn>
+                  </p:par>
+                </p:childTnLst>
+              </p:cTn>
+              <p:prevCondLst>
+                <p:cond evt="onPrev" delay="0">
+                  <p:tgtEl>
+                    <p:sldTgt/>
+                  </p:tgtEl>
+                </p:cond>
+              </p:prevCondLst>
+              <p:nextCondLst>
+                <p:cond evt="onNext" delay="0">
+                  <p:tgtEl>
+                    <p:sldTgt/>
+                  </p:tgtEl>
+                </p:cond>
+              </p:nextCondLst>
+            </p:seq>
+          </p:childTnLst>
+        </p:cTn>
+      </p:par>
+    </p:tnLst>
+  </p:timing>
+</p:sld>
+</file>
+
+<file path=ppt/slides/slide25.xml><?xml version="1.0" encoding="utf-8"?>
+<p:sld xmlns:a="http://schemas.openxmlformats.org/drawingml/2006/main" xmlns:r="http://schemas.openxmlformats.org/officeDocument/2006/relationships" xmlns:p="http://schemas.openxmlformats.org/presentationml/2006/main">
+  <p:cSld>
+    <p:spTree>
+      <p:nvGrpSpPr>
+        <p:cNvPr id="1" name=""/>
+        <p:cNvGrpSpPr/>
+        <p:nvPr/>
+      </p:nvGrpSpPr>
+      <p:grpSpPr>
+        <a:xfrm>
+          <a:off x="0" y="0"/>
+          <a:ext cx="0" cy="0"/>
+          <a:chOff x="0" y="0"/>
+          <a:chExt cx="0" cy="0"/>
+        </a:xfrm>
+      </p:grpSpPr>
+      <p:sp>
+        <p:nvSpPr>
+          <p:cNvPr id="2" name="1 Título"/>
+          <p:cNvSpPr>
+            <a:spLocks noGrp="1"/>
+          </p:cNvSpPr>
+          <p:nvPr>
+            <p:ph type="title"/>
+          </p:nvPr>
+        </p:nvSpPr>
+        <p:spPr>
+          <a:xfrm>
+            <a:off x="457200" y="704088"/>
+            <a:ext cx="8229600" cy="653210"/>
+          </a:xfrm>
+        </p:spPr>
+        <p:txBody>
+          <a:bodyPr>
+            <a:normAutofit fontScale="90000"/>
+          </a:bodyPr>
+          <a:lstStyle/>
+          <a:p>
+            <a:r>
+              <a:rPr lang="es-US" dirty="0" smtClean="0"/>
+              <a:t>Surf-Forecaster </a:t>
+            </a:r>
+            <a:r>
+              <a:rPr lang="es-US" dirty="0" smtClean="0"/>
+              <a:t>(11)</a:t>
+            </a:r>
+            <a:endParaRPr lang="es-ES" dirty="0"/>
+          </a:p>
+        </p:txBody>
+      </p:sp>
+      <p:sp>
+        <p:nvSpPr>
+          <p:cNvPr id="3" name="2 Marcador de contenido"/>
+          <p:cNvSpPr>
+            <a:spLocks noGrp="1"/>
+          </p:cNvSpPr>
+          <p:nvPr>
+            <p:ph idx="1"/>
+          </p:nvPr>
+        </p:nvSpPr>
+        <p:spPr>
+          <a:xfrm>
+            <a:off x="428596" y="1428736"/>
+            <a:ext cx="8229600" cy="4389120"/>
+          </a:xfrm>
+        </p:spPr>
+        <p:txBody>
+          <a:bodyPr>
+            <a:normAutofit/>
+          </a:bodyPr>
+          <a:lstStyle/>
+          <a:p>
+            <a:r>
+              <a:rPr lang="es-US" sz="2000" dirty="0" smtClean="0"/>
+              <a:t>Mis olas (solo usuarios registrados)</a:t>
+            </a:r>
+            <a:endParaRPr lang="es-ES" sz="2000" dirty="0"/>
+          </a:p>
+        </p:txBody>
+      </p:sp>
+      <p:pic>
+        <p:nvPicPr>
+          <p:cNvPr id="63490" name="Picture 2"/>
+          <p:cNvPicPr>
+            <a:picLocks noChangeAspect="1" noChangeArrowheads="1"/>
+          </p:cNvPicPr>
+          <p:nvPr/>
+        </p:nvPicPr>
+        <p:blipFill>
+          <a:blip r:embed="rId2"/>
+          <a:srcRect/>
+          <a:stretch>
+            <a:fillRect/>
+          </a:stretch>
+        </p:blipFill>
+        <p:spPr bwMode="auto">
+          <a:xfrm>
+            <a:off x="0" y="1739889"/>
+            <a:ext cx="9144000" cy="5118111"/>
+          </a:xfrm>
+          <a:prstGeom prst="rect">
+            <a:avLst/>
+          </a:prstGeom>
+          <a:noFill/>
+          <a:ln w="9525">
+            <a:noFill/>
+            <a:miter lim="800000"/>
+            <a:headEnd/>
+            <a:tailEnd/>
+          </a:ln>
+          <a:effectLst/>
+        </p:spPr>
+      </p:pic>
+      <p:pic>
+        <p:nvPicPr>
+          <p:cNvPr id="63492" name="Picture 4"/>
+          <p:cNvPicPr>
+            <a:picLocks noChangeAspect="1" noChangeArrowheads="1"/>
+          </p:cNvPicPr>
+          <p:nvPr/>
+        </p:nvPicPr>
+        <p:blipFill>
+          <a:blip r:embed="rId3"/>
+          <a:srcRect/>
+          <a:stretch>
+            <a:fillRect/>
+          </a:stretch>
+        </p:blipFill>
+        <p:spPr bwMode="auto">
+          <a:xfrm>
+            <a:off x="1500166" y="1785926"/>
+            <a:ext cx="7099784" cy="4871698"/>
+          </a:xfrm>
+          <a:prstGeom prst="rect">
+            <a:avLst/>
+          </a:prstGeom>
+          <a:noFill/>
+          <a:ln w="9525">
+            <a:noFill/>
+            <a:miter lim="800000"/>
+            <a:headEnd/>
+            <a:tailEnd/>
+          </a:ln>
+          <a:effectLst/>
+        </p:spPr>
+      </p:pic>
+      <p:pic>
+        <p:nvPicPr>
+          <p:cNvPr id="63493" name="Picture 5"/>
+          <p:cNvPicPr>
+            <a:picLocks noChangeAspect="1" noChangeArrowheads="1"/>
+          </p:cNvPicPr>
+          <p:nvPr/>
+        </p:nvPicPr>
+        <p:blipFill>
+          <a:blip r:embed="rId4"/>
+          <a:srcRect/>
+          <a:stretch>
+            <a:fillRect/>
+          </a:stretch>
+        </p:blipFill>
+        <p:spPr bwMode="auto">
+          <a:xfrm>
+            <a:off x="5286380" y="3357562"/>
+            <a:ext cx="3619500" cy="2419350"/>
+          </a:xfrm>
+          <a:prstGeom prst="rect">
+            <a:avLst/>
+          </a:prstGeom>
+          <a:noFill/>
+          <a:ln w="9525">
+            <a:noFill/>
+            <a:miter lim="800000"/>
+            <a:headEnd/>
+            <a:tailEnd/>
+          </a:ln>
+          <a:effectLst/>
+        </p:spPr>
+      </p:pic>
+    </p:spTree>
+  </p:cSld>
+  <p:clrMapOvr>
+    <a:masterClrMapping/>
+  </p:clrMapOvr>
+  <p:timing>
+    <p:tnLst>
+      <p:par>
+        <p:cTn id="1" dur="indefinite" restart="never" nodeType="tmRoot">
+          <p:childTnLst>
+            <p:seq concurrent="1" nextAc="seek">
+              <p:cTn id="2" dur="indefinite" nodeType="mainSeq">
+                <p:childTnLst>
+                  <p:par>
+                    <p:cTn id="3" fill="hold">
+                      <p:stCondLst>
+                        <p:cond delay="indefinite"/>
+                      </p:stCondLst>
+                      <p:childTnLst>
+                        <p:par>
+                          <p:cTn id="4" fill="hold">
+                            <p:stCondLst>
+                              <p:cond delay="0"/>
+                            </p:stCondLst>
+                            <p:childTnLst>
+                              <p:par>
+                                <p:cTn id="5" presetID="53" presetClass="entr" presetSubtype="0" fill="hold" nodeType="clickEffect">
+                                  <p:stCondLst>
+                                    <p:cond delay="0"/>
+                                  </p:stCondLst>
+                                  <p:childTnLst>
+                                    <p:set>
+                                      <p:cBhvr>
+                                        <p:cTn id="6" dur="1" fill="hold">
+                                          <p:stCondLst>
+                                            <p:cond delay="0"/>
+                                          </p:stCondLst>
+                                        </p:cTn>
+                                        <p:tgtEl>
+                                          <p:spTgt spid="63492"/>
+                                        </p:tgtEl>
+                                        <p:attrNameLst>
+                                          <p:attrName>style.visibility</p:attrName>
+                                        </p:attrNameLst>
+                                      </p:cBhvr>
+                                      <p:to>
+                                        <p:strVal val="visible"/>
+                                      </p:to>
+                                    </p:set>
+                                    <p:anim calcmode="lin" valueType="num">
+                                      <p:cBhvr>
+                                        <p:cTn id="7" dur="500" fill="hold"/>
+                                        <p:tgtEl>
+                                          <p:spTgt spid="63492"/>
+                                        </p:tgtEl>
+                                        <p:attrNameLst>
+                                          <p:attrName>ppt_w</p:attrName>
+                                        </p:attrNameLst>
+                                      </p:cBhvr>
+                                      <p:tavLst>
+                                        <p:tav tm="0">
+                                          <p:val>
+                                            <p:fltVal val="0"/>
+                                          </p:val>
+                                        </p:tav>
+                                        <p:tav tm="100000">
+                                          <p:val>
+                                            <p:strVal val="#ppt_w"/>
+                                          </p:val>
+                                        </p:tav>
+                                      </p:tavLst>
+                                    </p:anim>
+                                    <p:anim calcmode="lin" valueType="num">
+                                      <p:cBhvr>
+                                        <p:cTn id="8" dur="500" fill="hold"/>
+                                        <p:tgtEl>
+                                          <p:spTgt spid="63492"/>
+                                        </p:tgtEl>
+                                        <p:attrNameLst>
+                                          <p:attrName>ppt_h</p:attrName>
+                                        </p:attrNameLst>
+                                      </p:cBhvr>
+                                      <p:tavLst>
+                                        <p:tav tm="0">
+                                          <p:val>
+                                            <p:fltVal val="0"/>
+                                          </p:val>
+                                        </p:tav>
+                                        <p:tav tm="100000">
+                                          <p:val>
+                                            <p:strVal val="#ppt_h"/>
+                                          </p:val>
+                                        </p:tav>
+                                      </p:tavLst>
+                                    </p:anim>
+                                    <p:animEffect transition="in" filter="fade">
+                                      <p:cBhvr>
+                                        <p:cTn id="9" dur="500"/>
+                                        <p:tgtEl>
+                                          <p:spTgt spid="63492"/>
+                                        </p:tgtEl>
+                                      </p:cBhvr>
+                                    </p:animEffect>
+                                  </p:childTnLst>
+                                </p:cTn>
+                              </p:par>
+                            </p:childTnLst>
+                          </p:cTn>
+                        </p:par>
+                      </p:childTnLst>
+                    </p:cTn>
+                  </p:par>
+                  <p:par>
+                    <p:cTn id="10" fill="hold">
+                      <p:stCondLst>
+                        <p:cond delay="indefinite"/>
+                      </p:stCondLst>
+                      <p:childTnLst>
+                        <p:par>
+                          <p:cTn id="11" fill="hold">
+                            <p:stCondLst>
+                              <p:cond delay="0"/>
+                            </p:stCondLst>
+                            <p:childTnLst>
+                              <p:par>
+                                <p:cTn id="12" presetID="53" presetClass="entr" presetSubtype="0" fill="hold" nodeType="clickEffect">
+                                  <p:stCondLst>
+                                    <p:cond delay="0"/>
+                                  </p:stCondLst>
+                                  <p:childTnLst>
+                                    <p:set>
+                                      <p:cBhvr>
+                                        <p:cTn id="13" dur="1" fill="hold">
+                                          <p:stCondLst>
+                                            <p:cond delay="0"/>
+                                          </p:stCondLst>
+                                        </p:cTn>
+                                        <p:tgtEl>
+                                          <p:spTgt spid="63493"/>
+                                        </p:tgtEl>
+                                        <p:attrNameLst>
+                                          <p:attrName>style.visibility</p:attrName>
+                                        </p:attrNameLst>
+                                      </p:cBhvr>
+                                      <p:to>
+                                        <p:strVal val="visible"/>
+                                      </p:to>
+                                    </p:set>
+                                    <p:anim calcmode="lin" valueType="num">
+                                      <p:cBhvr>
+                                        <p:cTn id="14" dur="500" fill="hold"/>
+                                        <p:tgtEl>
+                                          <p:spTgt spid="63493"/>
+                                        </p:tgtEl>
+                                        <p:attrNameLst>
+                                          <p:attrName>ppt_w</p:attrName>
+                                        </p:attrNameLst>
+                                      </p:cBhvr>
+                                      <p:tavLst>
+                                        <p:tav tm="0">
+                                          <p:val>
+                                            <p:fltVal val="0"/>
+                                          </p:val>
+                                        </p:tav>
+                                        <p:tav tm="100000">
+                                          <p:val>
+                                            <p:strVal val="#ppt_w"/>
+                                          </p:val>
+                                        </p:tav>
+                                      </p:tavLst>
+                                    </p:anim>
+                                    <p:anim calcmode="lin" valueType="num">
+                                      <p:cBhvr>
+                                        <p:cTn id="15" dur="500" fill="hold"/>
+                                        <p:tgtEl>
+                                          <p:spTgt spid="63493"/>
+                                        </p:tgtEl>
+                                        <p:attrNameLst>
+                                          <p:attrName>ppt_h</p:attrName>
+                                        </p:attrNameLst>
+                                      </p:cBhvr>
+                                      <p:tavLst>
+                                        <p:tav tm="0">
+                                          <p:val>
+                                            <p:fltVal val="0"/>
+                                          </p:val>
+                                        </p:tav>
+                                        <p:tav tm="100000">
+                                          <p:val>
+                                            <p:strVal val="#ppt_h"/>
+                                          </p:val>
+                                        </p:tav>
+                                      </p:tavLst>
+                                    </p:anim>
+                                    <p:animEffect transition="in" filter="fade">
+                                      <p:cBhvr>
+                                        <p:cTn id="16" dur="500"/>
+                                        <p:tgtEl>
+                                          <p:spTgt spid="63493"/>
+                                        </p:tgtEl>
+                                      </p:cBhvr>
+                                    </p:animEffect>
+                                  </p:childTnLst>
+                                </p:cTn>
+                              </p:par>
+                            </p:childTnLst>
+                          </p:cTn>
+                        </p:par>
+                      </p:childTnLst>
+                    </p:cTn>
+                  </p:par>
+                </p:childTnLst>
+              </p:cTn>
+              <p:prevCondLst>
+                <p:cond evt="onPrev" delay="0">
+                  <p:tgtEl>
+                    <p:sldTgt/>
+                  </p:tgtEl>
+                </p:cond>
+              </p:prevCondLst>
+              <p:nextCondLst>
+                <p:cond evt="onNext" delay="0">
+                  <p:tgtEl>
+                    <p:sldTgt/>
+                  </p:tgtEl>
+                </p:cond>
+              </p:nextCondLst>
+            </p:seq>
+          </p:childTnLst>
+        </p:cTn>
+      </p:par>
+    </p:tnLst>
+  </p:timing>
+</p:sld>
+</file>
+
+<file path=ppt/slides/slide26.xml><?xml version="1.0" encoding="utf-8"?>
+<p:sld xmlns:a="http://schemas.openxmlformats.org/drawingml/2006/main" xmlns:r="http://schemas.openxmlformats.org/officeDocument/2006/relationships" xmlns:p="http://schemas.openxmlformats.org/presentationml/2006/main">
+  <p:cSld>
+    <p:spTree>
+      <p:nvGrpSpPr>
+        <p:cNvPr id="1" name=""/>
+        <p:cNvGrpSpPr/>
+        <p:nvPr/>
+      </p:nvGrpSpPr>
+      <p:grpSpPr>
+        <a:xfrm>
+          <a:off x="0" y="0"/>
+          <a:ext cx="0" cy="0"/>
+          <a:chOff x="0" y="0"/>
+          <a:chExt cx="0" cy="0"/>
+        </a:xfrm>
+      </p:grpSpPr>
+      <p:sp>
+        <p:nvSpPr>
+          <p:cNvPr id="2" name="1 Título"/>
+          <p:cNvSpPr>
+            <a:spLocks noGrp="1"/>
+          </p:cNvSpPr>
+          <p:nvPr>
+            <p:ph type="title"/>
+          </p:nvPr>
+        </p:nvSpPr>
+        <p:spPr/>
+        <p:txBody>
+          <a:bodyPr/>
+          <a:lstStyle/>
+          <a:p>
+            <a:r>
+              <a:rPr lang="es-US" dirty="0" smtClean="0"/>
+              <a:t>Surf-Forecaster </a:t>
+            </a:r>
+            <a:r>
+              <a:rPr lang="es-US" dirty="0" smtClean="0"/>
+              <a:t>(12)</a:t>
+            </a:r>
+            <a:endParaRPr lang="es-ES" dirty="0"/>
+          </a:p>
+        </p:txBody>
+      </p:sp>
+      <p:sp>
+        <p:nvSpPr>
+          <p:cNvPr id="3" name="2 Marcador de contenido"/>
+          <p:cNvSpPr>
+            <a:spLocks noGrp="1"/>
+          </p:cNvSpPr>
+          <p:nvPr>
+            <p:ph idx="1"/>
+          </p:nvPr>
+        </p:nvSpPr>
+        <p:spPr/>
+        <p:txBody>
+          <a:bodyPr/>
+          <a:lstStyle/>
+          <a:p>
+            <a:endParaRPr lang="es-ES"/>
+          </a:p>
+        </p:txBody>
+      </p:sp>
+    </p:spTree>
+  </p:cSld>
+  <p:clrMapOvr>
+    <a:masterClrMapping/>
+  </p:clrMapOvr>
+  <p:timing>
+    <p:tnLst>
+      <p:par>
+        <p:cTn id="1" dur="indefinite" restart="never" nodeType="tmRoot"/>
+      </p:par>
+    </p:tnLst>
+  </p:timing>
+</p:sld>
+</file>
+
 <file path=ppt/slides/slide3.xml><?xml version="1.0" encoding="utf-8"?>
 <p:sld xmlns:a="http://schemas.openxmlformats.org/drawingml/2006/main" xmlns:r="http://schemas.openxmlformats.org/officeDocument/2006/relationships" xmlns:p="http://schemas.openxmlformats.org/presentationml/2006/main">
   <p:cSld>
@@ -12280,7 +14656,7 @@
       </p:grpSpPr>
       <p:sp>
         <p:nvSpPr>
-          <p:cNvPr id="2" name="Title 1"/>
+          <p:cNvPr id="2" name="1 Título"/>
           <p:cNvSpPr>
             <a:spLocks noGrp="1"/>
           </p:cNvSpPr>
@@ -12294,16 +14670,16 @@
           <a:lstStyle/>
           <a:p>
             <a:r>
-              <a:rPr lang="es-AR" dirty="0" smtClean="0"/>
-              <a:t>Experimentación (1)</a:t>
-            </a:r>
-            <a:endParaRPr lang="es-AR" dirty="0"/>
+              <a:rPr lang="es-US" dirty="0" smtClean="0"/>
+              <a:t>Agenda</a:t>
+            </a:r>
+            <a:endParaRPr lang="es-ES" dirty="0"/>
           </a:p>
         </p:txBody>
       </p:sp>
       <p:sp>
         <p:nvSpPr>
-          <p:cNvPr id="3" name="Content Placeholder 2"/>
+          <p:cNvPr id="3" name="2 Marcador de contenido"/>
           <p:cNvSpPr>
             <a:spLocks noGrp="1"/>
           </p:cNvSpPr>
@@ -12317,93 +14693,162 @@
           <a:lstStyle/>
           <a:p>
             <a:r>
-              <a:rPr lang="es-AR" dirty="0" smtClean="0">
-                <a:latin typeface="+mj-lt"/>
+              <a:rPr lang="en-US" dirty="0" err="1" smtClean="0"/>
+              <a:t>Motivación</a:t>
+            </a:r>
+            <a:r>
+              <a:rPr lang="en-US" dirty="0" smtClean="0"/>
+              <a:t> (</a:t>
+            </a:r>
+            <a:r>
+              <a:rPr lang="en-US" dirty="0" err="1" smtClean="0"/>
+              <a:t>Contexto</a:t>
+            </a:r>
+            <a:r>
+              <a:rPr lang="en-US" dirty="0" smtClean="0"/>
+              <a:t> y </a:t>
+            </a:r>
+            <a:r>
+              <a:rPr lang="en-US" dirty="0" err="1" smtClean="0"/>
+              <a:t>Desventajas</a:t>
+            </a:r>
+            <a:r>
+              <a:rPr lang="en-US" dirty="0" smtClean="0"/>
+              <a:t> de lo </a:t>
+            </a:r>
+            <a:r>
+              <a:rPr lang="en-US" dirty="0" err="1" smtClean="0"/>
+              <a:t>que</a:t>
+            </a:r>
+            <a:r>
+              <a:rPr lang="en-US" dirty="0" smtClean="0"/>
+              <a:t> </a:t>
+            </a:r>
+            <a:r>
+              <a:rPr lang="en-US" dirty="0" err="1" smtClean="0"/>
+              <a:t>existe</a:t>
+            </a:r>
+            <a:r>
+              <a:rPr lang="en-US" dirty="0" smtClean="0"/>
+              <a:t>)</a:t>
+            </a:r>
+          </a:p>
+          <a:p>
+            <a:r>
+              <a:rPr lang="en-US" dirty="0" err="1" smtClean="0"/>
+              <a:t>Propuesta</a:t>
+            </a:r>
+            <a:r>
+              <a:rPr lang="en-US" dirty="0" smtClean="0"/>
+              <a:t> (Lo </a:t>
+            </a:r>
+            <a:r>
+              <a:rPr lang="en-US" dirty="0" err="1" smtClean="0"/>
+              <a:t>que</a:t>
+            </a:r>
+            <a:r>
+              <a:rPr lang="en-US" dirty="0" smtClean="0"/>
+              <a:t> </a:t>
+            </a:r>
+            <a:r>
+              <a:rPr lang="en-US" dirty="0" err="1" smtClean="0"/>
+              <a:t>queremos</a:t>
+            </a:r>
+            <a:r>
+              <a:rPr lang="en-US" dirty="0" smtClean="0"/>
+              <a:t> </a:t>
+            </a:r>
+            <a:r>
+              <a:rPr lang="en-US" dirty="0" err="1" smtClean="0"/>
+              <a:t>hacer</a:t>
+            </a:r>
+            <a:r>
+              <a:rPr lang="en-US" dirty="0" smtClean="0"/>
+              <a:t>)</a:t>
+            </a:r>
+          </a:p>
+          <a:p>
+            <a:r>
+              <a:rPr lang="en-US" dirty="0" err="1" smtClean="0"/>
+              <a:t>Trabajos</a:t>
+            </a:r>
+            <a:r>
+              <a:rPr lang="en-US" dirty="0" smtClean="0"/>
+              <a:t> </a:t>
+            </a:r>
+            <a:r>
+              <a:rPr lang="en-US" dirty="0" err="1" smtClean="0"/>
+              <a:t>Relacionados</a:t>
+            </a:r>
+            <a:endParaRPr lang="en-US" dirty="0" smtClean="0"/>
+          </a:p>
+          <a:p>
+            <a:r>
+              <a:rPr lang="en-US" dirty="0" err="1" smtClean="0"/>
+              <a:t>Métodos</a:t>
+            </a:r>
+            <a:r>
+              <a:rPr lang="en-US" dirty="0" smtClean="0"/>
+              <a:t> de </a:t>
+            </a:r>
+            <a:r>
+              <a:rPr lang="en-US" dirty="0" err="1" smtClean="0"/>
+              <a:t>aprendizaje</a:t>
+            </a:r>
+            <a:r>
+              <a:rPr lang="en-US" dirty="0" smtClean="0"/>
+              <a:t> de </a:t>
+            </a:r>
+            <a:r>
+              <a:rPr lang="en-US" dirty="0" err="1" smtClean="0"/>
+              <a:t>máquina</a:t>
+            </a:r>
+            <a:endParaRPr lang="en-US" dirty="0" smtClean="0"/>
+          </a:p>
+          <a:p>
+            <a:r>
+              <a:rPr lang="en-US" dirty="0" err="1" smtClean="0"/>
+              <a:t>WaveWatch</a:t>
+            </a:r>
+            <a:r>
+              <a:rPr lang="en-US" dirty="0" smtClean="0"/>
+              <a:t> III</a:t>
+            </a:r>
+          </a:p>
+          <a:p>
+            <a:r>
+              <a:rPr lang="en-US" dirty="0" err="1" smtClean="0">
+                <a:solidFill>
+                  <a:schemeClr val="bg2">
+                    <a:lumMod val="25000"/>
+                  </a:schemeClr>
+                </a:solidFill>
               </a:rPr>
-              <a:t>Objetivos: </a:t>
-            </a:r>
-          </a:p>
-          <a:p>
-            <a:pPr marL="880110" lvl="1" indent="-514350">
-              <a:buFont typeface="+mj-lt"/>
-              <a:buAutoNum type="arabicPeriod"/>
-            </a:pPr>
-            <a:r>
-              <a:rPr lang="es-AR" dirty="0" smtClean="0">
-                <a:latin typeface="+mj-lt"/>
-              </a:rPr>
-              <a:t>Encontrar la combinación óptima [algoritmo de aprendizaje de maquina / modelo de instancia].</a:t>
-            </a:r>
-          </a:p>
-          <a:p>
-            <a:pPr marL="880110" lvl="1" indent="-514350">
-              <a:buFont typeface="+mj-lt"/>
-              <a:buAutoNum type="arabicPeriod"/>
-            </a:pPr>
-            <a:r>
-              <a:rPr lang="es-AR" dirty="0" smtClean="0">
-                <a:latin typeface="+mj-lt"/>
-              </a:rPr>
-              <a:t>Evaluar el desempeño del clasificador .</a:t>
-            </a:r>
-            <a:endParaRPr lang="es-AR" dirty="0" smtClean="0">
-              <a:latin typeface="+mj-lt"/>
+              <a:t>Experimentacion</a:t>
+            </a:r>
+            <a:endParaRPr lang="en-US" dirty="0" smtClean="0">
+              <a:solidFill>
+                <a:schemeClr val="bg2">
+                  <a:lumMod val="25000"/>
+                </a:schemeClr>
+              </a:solidFill>
             </a:endParaRPr>
           </a:p>
           <a:p>
-            <a:endParaRPr lang="es-AR" dirty="0" smtClean="0">
-              <a:latin typeface="+mj-lt"/>
-            </a:endParaRPr>
-          </a:p>
-          <a:p>
-            <a:r>
-              <a:rPr lang="es-AR" dirty="0" smtClean="0">
-                <a:latin typeface="+mj-lt"/>
-              </a:rPr>
-              <a:t>Consideraciones  generales:</a:t>
-            </a:r>
-          </a:p>
-          <a:p>
-            <a:pPr lvl="1"/>
-            <a:r>
-              <a:rPr lang="es-AR" dirty="0" smtClean="0">
-                <a:latin typeface="+mj-lt"/>
-              </a:rPr>
-              <a:t>Utilización de la herramienta WEKA.</a:t>
-            </a:r>
-          </a:p>
-          <a:p>
-            <a:pPr lvl="1"/>
-            <a:r>
-              <a:rPr lang="es-AR" dirty="0" smtClean="0">
-                <a:latin typeface="+mj-lt"/>
-              </a:rPr>
-              <a:t>Se evaluaron 4 algoritmos de clasificación : [Reg. Lineal, SVM, Redes neuronales, Arboles Modelo]</a:t>
-            </a:r>
-          </a:p>
-          <a:p>
-            <a:pPr lvl="1"/>
-            <a:r>
-              <a:rPr lang="es-AR" dirty="0" err="1" smtClean="0">
-                <a:latin typeface="+mj-lt"/>
-              </a:rPr>
-              <a:t>Parametrizacion</a:t>
-            </a:r>
-            <a:r>
-              <a:rPr lang="es-AR" dirty="0" smtClean="0">
-                <a:latin typeface="+mj-lt"/>
-              </a:rPr>
-              <a:t> de los algoritmos</a:t>
-            </a:r>
-          </a:p>
-          <a:p>
-            <a:pPr lvl="1"/>
-            <a:endParaRPr lang="es-AR" dirty="0" smtClean="0">
-              <a:latin typeface="+mj-lt"/>
-            </a:endParaRPr>
-          </a:p>
-          <a:p>
-            <a:endParaRPr lang="es-AR" dirty="0" smtClean="0"/>
+            <a:r>
+              <a:rPr lang="en-US" dirty="0" smtClean="0"/>
+              <a:t>Surf-Forecaster</a:t>
+            </a:r>
+          </a:p>
+          <a:p>
+            <a:r>
+              <a:rPr lang="en-US" dirty="0" err="1" smtClean="0"/>
+              <a:t>Conclusiones</a:t>
+            </a:r>
+            <a:endParaRPr lang="en-US" dirty="0" smtClean="0"/>
+          </a:p>
+          <a:p>
+            <a:endParaRPr lang="es-ES" dirty="0"/>
           </a:p>
         </p:txBody>
       </p:sp>
@@ -12441,7 +14886,7 @@
       </p:grpSpPr>
       <p:sp>
         <p:nvSpPr>
-          <p:cNvPr id="2" name="1 Título"/>
+          <p:cNvPr id="2" name="Title 1"/>
           <p:cNvSpPr>
             <a:spLocks noGrp="1"/>
           </p:cNvSpPr>
@@ -12455,16 +14900,16 @@
           <a:lstStyle/>
           <a:p>
             <a:r>
-              <a:rPr lang="es-US" dirty="0" smtClean="0"/>
-              <a:t>Experimentación (2)</a:t>
-            </a:r>
-            <a:endParaRPr lang="es-ES" dirty="0"/>
+              <a:rPr lang="es-AR" dirty="0" smtClean="0"/>
+              <a:t>Experimentación (1)</a:t>
+            </a:r>
+            <a:endParaRPr lang="es-AR" dirty="0"/>
           </a:p>
         </p:txBody>
       </p:sp>
       <p:sp>
         <p:nvSpPr>
-          <p:cNvPr id="3" name="2 Marcador de contenido"/>
+          <p:cNvPr id="3" name="Content Placeholder 2"/>
           <p:cNvSpPr>
             <a:spLocks noGrp="1"/>
           </p:cNvSpPr>
@@ -12478,61 +14923,90 @@
           <a:lstStyle/>
           <a:p>
             <a:r>
-              <a:rPr lang="es-US" dirty="0" err="1" smtClean="0"/>
-              <a:t>Tecnica</a:t>
-            </a:r>
-            <a:r>
-              <a:rPr lang="es-US" dirty="0" smtClean="0"/>
-              <a:t> de </a:t>
-            </a:r>
-            <a:r>
-              <a:rPr lang="es-US" dirty="0" err="1" smtClean="0"/>
-              <a:t>validacion</a:t>
-            </a:r>
-            <a:r>
-              <a:rPr lang="es-US" dirty="0" smtClean="0"/>
-              <a:t> cruzada de 10 conjuntos</a:t>
-            </a:r>
-          </a:p>
-          <a:p>
-            <a:endParaRPr lang="es-US" dirty="0" smtClean="0"/>
-          </a:p>
-          <a:p>
-            <a:r>
-              <a:rPr lang="es-US" dirty="0" smtClean="0"/>
-              <a:t>Métricas de </a:t>
-            </a:r>
-            <a:r>
-              <a:rPr lang="es-US" dirty="0" err="1" smtClean="0"/>
-              <a:t>evaluacion</a:t>
-            </a:r>
-            <a:r>
-              <a:rPr lang="es-US" dirty="0" smtClean="0"/>
-              <a:t>:</a:t>
+              <a:rPr lang="es-AR" dirty="0" smtClean="0">
+                <a:latin typeface="+mj-lt"/>
+              </a:rPr>
+              <a:t>Objetivos: </a:t>
+            </a:r>
+          </a:p>
+          <a:p>
+            <a:pPr marL="880110" lvl="1" indent="-514350">
+              <a:buFont typeface="+mj-lt"/>
+              <a:buAutoNum type="arabicPeriod"/>
+            </a:pPr>
+            <a:r>
+              <a:rPr lang="es-AR" dirty="0" smtClean="0">
+                <a:latin typeface="+mj-lt"/>
+              </a:rPr>
+              <a:t>Encontrar la combinación óptima [algoritmo de aprendizaje de maquina / modelo de instancia].</a:t>
+            </a:r>
+          </a:p>
+          <a:p>
+            <a:pPr marL="880110" lvl="1" indent="-514350">
+              <a:buFont typeface="+mj-lt"/>
+              <a:buAutoNum type="arabicPeriod"/>
+            </a:pPr>
+            <a:r>
+              <a:rPr lang="es-AR" dirty="0" smtClean="0">
+                <a:latin typeface="+mj-lt"/>
+              </a:rPr>
+              <a:t>Evaluar el desempeño del clasificador .</a:t>
+            </a:r>
+          </a:p>
+          <a:p>
+            <a:endParaRPr lang="es-AR" dirty="0" smtClean="0">
+              <a:latin typeface="+mj-lt"/>
+            </a:endParaRPr>
+          </a:p>
+          <a:p>
+            <a:r>
+              <a:rPr lang="es-AR" dirty="0" smtClean="0">
+                <a:latin typeface="+mj-lt"/>
+              </a:rPr>
+              <a:t>Consideraciones  generales:</a:t>
             </a:r>
           </a:p>
           <a:p>
             <a:pPr lvl="1"/>
             <a:r>
-              <a:rPr lang="es-US" dirty="0" smtClean="0"/>
-              <a:t>Correlación -&gt; [-1, 1]</a:t>
+              <a:rPr lang="es-AR" dirty="0" smtClean="0">
+                <a:latin typeface="+mj-lt"/>
+              </a:rPr>
+              <a:t>Utilización de la herramienta WEKA.</a:t>
             </a:r>
           </a:p>
           <a:p>
             <a:pPr lvl="1"/>
             <a:r>
-              <a:rPr lang="es-US" dirty="0" smtClean="0"/>
-              <a:t>Error absoluto promedio (MAE) [mts.].</a:t>
-            </a:r>
-          </a:p>
-          <a:p>
-            <a:endParaRPr lang="es-US" dirty="0" smtClean="0"/>
-          </a:p>
-          <a:p>
-            <a:r>
-              <a:rPr lang="es-US" dirty="0" smtClean="0"/>
-              <a:t>Modelos de instancia</a:t>
-            </a:r>
+              <a:rPr lang="es-AR" dirty="0" smtClean="0">
+                <a:latin typeface="+mj-lt"/>
+              </a:rPr>
+              <a:t>Se evaluaron 4 algoritmos de clasificación : [Reg. Lineal, SVM, Redes neuronales, Arboles Modelo]</a:t>
+            </a:r>
+          </a:p>
+          <a:p>
+            <a:pPr lvl="1"/>
+            <a:r>
+              <a:rPr lang="es-AR" dirty="0" err="1" smtClean="0">
+                <a:latin typeface="+mj-lt"/>
+              </a:rPr>
+              <a:t>Parametrizacion</a:t>
+            </a:r>
+            <a:r>
+              <a:rPr lang="es-AR" dirty="0" smtClean="0">
+                <a:latin typeface="+mj-lt"/>
+              </a:rPr>
+              <a:t> de los algoritmos</a:t>
+            </a:r>
+          </a:p>
+          <a:p>
+            <a:pPr lvl="1"/>
+            <a:endParaRPr lang="es-AR" dirty="0" smtClean="0">
+              <a:latin typeface="+mj-lt"/>
+            </a:endParaRPr>
+          </a:p>
+          <a:p>
+            <a:endParaRPr lang="es-AR" dirty="0" smtClean="0"/>
           </a:p>
         </p:txBody>
       </p:sp>
@@ -12552,6 +15026,135 @@
 </file>
 
 <file path=ppt/slides/slide5.xml><?xml version="1.0" encoding="utf-8"?>
+<p:sld xmlns:a="http://schemas.openxmlformats.org/drawingml/2006/main" xmlns:r="http://schemas.openxmlformats.org/officeDocument/2006/relationships" xmlns:p="http://schemas.openxmlformats.org/presentationml/2006/main">
+  <p:cSld>
+    <p:spTree>
+      <p:nvGrpSpPr>
+        <p:cNvPr id="1" name=""/>
+        <p:cNvGrpSpPr/>
+        <p:nvPr/>
+      </p:nvGrpSpPr>
+      <p:grpSpPr>
+        <a:xfrm>
+          <a:off x="0" y="0"/>
+          <a:ext cx="0" cy="0"/>
+          <a:chOff x="0" y="0"/>
+          <a:chExt cx="0" cy="0"/>
+        </a:xfrm>
+      </p:grpSpPr>
+      <p:sp>
+        <p:nvSpPr>
+          <p:cNvPr id="2" name="1 Título"/>
+          <p:cNvSpPr>
+            <a:spLocks noGrp="1"/>
+          </p:cNvSpPr>
+          <p:nvPr>
+            <p:ph type="title"/>
+          </p:nvPr>
+        </p:nvSpPr>
+        <p:spPr/>
+        <p:txBody>
+          <a:bodyPr/>
+          <a:lstStyle/>
+          <a:p>
+            <a:r>
+              <a:rPr lang="es-US" dirty="0" smtClean="0"/>
+              <a:t>Experimentación (2)</a:t>
+            </a:r>
+            <a:endParaRPr lang="es-ES" dirty="0"/>
+          </a:p>
+        </p:txBody>
+      </p:sp>
+      <p:sp>
+        <p:nvSpPr>
+          <p:cNvPr id="3" name="2 Marcador de contenido"/>
+          <p:cNvSpPr>
+            <a:spLocks noGrp="1"/>
+          </p:cNvSpPr>
+          <p:nvPr>
+            <p:ph idx="1"/>
+          </p:nvPr>
+        </p:nvSpPr>
+        <p:spPr/>
+        <p:txBody>
+          <a:bodyPr/>
+          <a:lstStyle/>
+          <a:p>
+            <a:r>
+              <a:rPr lang="es-US" dirty="0" err="1" smtClean="0"/>
+              <a:t>Tecnica</a:t>
+            </a:r>
+            <a:r>
+              <a:rPr lang="es-US" dirty="0" smtClean="0"/>
+              <a:t> de </a:t>
+            </a:r>
+            <a:r>
+              <a:rPr lang="es-US" dirty="0" err="1" smtClean="0"/>
+              <a:t>validacion</a:t>
+            </a:r>
+            <a:r>
+              <a:rPr lang="es-US" dirty="0" smtClean="0"/>
+              <a:t> cruzada de 10 conjuntos</a:t>
+            </a:r>
+          </a:p>
+          <a:p>
+            <a:endParaRPr lang="es-US" dirty="0" smtClean="0"/>
+          </a:p>
+          <a:p>
+            <a:r>
+              <a:rPr lang="es-US" dirty="0" smtClean="0"/>
+              <a:t>Métricas de </a:t>
+            </a:r>
+            <a:r>
+              <a:rPr lang="es-US" dirty="0" err="1" smtClean="0"/>
+              <a:t>evaluacion</a:t>
+            </a:r>
+            <a:r>
+              <a:rPr lang="es-US" dirty="0" smtClean="0"/>
+              <a:t>:</a:t>
+            </a:r>
+          </a:p>
+          <a:p>
+            <a:pPr lvl="1"/>
+            <a:r>
+              <a:rPr lang="es-US" dirty="0" smtClean="0"/>
+              <a:t>Correlación -&gt; [-1, 1]</a:t>
+            </a:r>
+          </a:p>
+          <a:p>
+            <a:pPr lvl="1"/>
+            <a:r>
+              <a:rPr lang="es-US" dirty="0" smtClean="0"/>
+              <a:t>Error absoluto promedio (MAE) [mts.].</a:t>
+            </a:r>
+          </a:p>
+          <a:p>
+            <a:endParaRPr lang="es-US" dirty="0" smtClean="0"/>
+          </a:p>
+          <a:p>
+            <a:r>
+              <a:rPr lang="es-US" dirty="0" smtClean="0"/>
+              <a:t>Modelos de instancia</a:t>
+            </a:r>
+          </a:p>
+        </p:txBody>
+      </p:sp>
+    </p:spTree>
+  </p:cSld>
+  <p:clrMapOvr>
+    <a:masterClrMapping/>
+  </p:clrMapOvr>
+  <p:timing>
+    <p:tnLst>
+      <p:par>
+        <p:cTn id="1" dur="indefinite" restart="never" nodeType="tmRoot"/>
+      </p:par>
+    </p:tnLst>
+  </p:timing>
+</p:sld>
+</file>
+
+<file path=ppt/slides/slide6.xml><?xml version="1.0" encoding="utf-8"?>
 <p:sld xmlns:a="http://schemas.openxmlformats.org/drawingml/2006/main" xmlns:r="http://schemas.openxmlformats.org/officeDocument/2006/relationships" xmlns:p="http://schemas.openxmlformats.org/presentationml/2006/main">
   <p:cSld>
     <p:spTree>
@@ -18392,7 +20995,7 @@
 </p:sld>
 </file>
 
-<file path=ppt/slides/slide6.xml><?xml version="1.0" encoding="utf-8"?>
+<file path=ppt/slides/slide7.xml><?xml version="1.0" encoding="utf-8"?>
 <p:sld xmlns:a="http://schemas.openxmlformats.org/drawingml/2006/main" xmlns:r="http://schemas.openxmlformats.org/officeDocument/2006/relationships" xmlns:p="http://schemas.openxmlformats.org/presentationml/2006/main">
   <p:cSld>
     <p:spTree>
@@ -18490,7 +21093,7 @@
 </p:sld>
 </file>
 
-<file path=ppt/slides/slide7.xml><?xml version="1.0" encoding="utf-8"?>
+<file path=ppt/slides/slide8.xml><?xml version="1.0" encoding="utf-8"?>
 <p:sld xmlns:a="http://schemas.openxmlformats.org/drawingml/2006/main" xmlns:r="http://schemas.openxmlformats.org/officeDocument/2006/relationships" xmlns:p="http://schemas.openxmlformats.org/presentationml/2006/main">
   <p:cSld>
     <p:spTree>
@@ -18581,178 +21184,6 @@
 </p:sld>
 </file>
 
-<file path=ppt/slides/slide8.xml><?xml version="1.0" encoding="utf-8"?>
-<p:sld xmlns:a="http://schemas.openxmlformats.org/drawingml/2006/main" xmlns:r="http://schemas.openxmlformats.org/officeDocument/2006/relationships" xmlns:p="http://schemas.openxmlformats.org/presentationml/2006/main">
-  <p:cSld>
-    <p:spTree>
-      <p:nvGrpSpPr>
-        <p:cNvPr id="1" name=""/>
-        <p:cNvGrpSpPr/>
-        <p:nvPr/>
-      </p:nvGrpSpPr>
-      <p:grpSpPr>
-        <a:xfrm>
-          <a:off x="0" y="0"/>
-          <a:ext cx="0" cy="0"/>
-          <a:chOff x="0" y="0"/>
-          <a:chExt cx="0" cy="0"/>
-        </a:xfrm>
-      </p:grpSpPr>
-      <p:sp>
-        <p:nvSpPr>
-          <p:cNvPr id="2" name="1 Título"/>
-          <p:cNvSpPr>
-            <a:spLocks noGrp="1"/>
-          </p:cNvSpPr>
-          <p:nvPr>
-            <p:ph type="title"/>
-          </p:nvPr>
-        </p:nvSpPr>
-        <p:spPr/>
-        <p:txBody>
-          <a:bodyPr/>
-          <a:lstStyle/>
-          <a:p>
-            <a:r>
-              <a:rPr lang="es-US" dirty="0" smtClean="0"/>
-              <a:t>Experimentación (6)</a:t>
-            </a:r>
-            <a:endParaRPr lang="es-ES" dirty="0"/>
-          </a:p>
-        </p:txBody>
-      </p:sp>
-      <p:sp>
-        <p:nvSpPr>
-          <p:cNvPr id="3" name="2 Marcador de contenido"/>
-          <p:cNvSpPr>
-            <a:spLocks noGrp="1"/>
-          </p:cNvSpPr>
-          <p:nvPr>
-            <p:ph idx="1"/>
-          </p:nvPr>
-        </p:nvSpPr>
-        <p:spPr/>
-        <p:txBody>
-          <a:bodyPr>
-            <a:normAutofit lnSpcReduction="10000"/>
-          </a:bodyPr>
-          <a:lstStyle/>
-          <a:p>
-            <a:r>
-              <a:rPr lang="es-US" dirty="0" smtClean="0"/>
-              <a:t>Resultados generales</a:t>
-            </a:r>
-            <a:endParaRPr lang="es-ES" dirty="0" smtClean="0"/>
-          </a:p>
-          <a:p>
-            <a:pPr lvl="1"/>
-            <a:r>
-              <a:rPr lang="es-US" dirty="0" smtClean="0"/>
-              <a:t>Basados en:</a:t>
-            </a:r>
-          </a:p>
-          <a:p>
-            <a:pPr lvl="2"/>
-            <a:r>
-              <a:rPr lang="es-US" dirty="0" smtClean="0"/>
-              <a:t>Olas a estudiar (Oahu - </a:t>
-            </a:r>
-            <a:r>
-              <a:rPr lang="es-US" dirty="0" err="1" smtClean="0"/>
-              <a:t>Hawai</a:t>
-            </a:r>
-            <a:r>
-              <a:rPr lang="es-US" dirty="0" smtClean="0"/>
-              <a:t>)</a:t>
-            </a:r>
-          </a:p>
-          <a:p>
-            <a:pPr lvl="2"/>
-            <a:r>
-              <a:rPr lang="es-US" dirty="0" smtClean="0"/>
-              <a:t>Algoritmos de aprendizaje de maquina</a:t>
-            </a:r>
-          </a:p>
-          <a:p>
-            <a:pPr lvl="2"/>
-            <a:r>
-              <a:rPr lang="es-US" dirty="0" smtClean="0"/>
-              <a:t>Modelos de instancia</a:t>
-            </a:r>
-          </a:p>
-          <a:p>
-            <a:pPr lvl="2"/>
-            <a:r>
-              <a:rPr lang="es-US" dirty="0" err="1" smtClean="0"/>
-              <a:t>Metricas</a:t>
-            </a:r>
-            <a:r>
-              <a:rPr lang="es-US" dirty="0" smtClean="0"/>
-              <a:t> de </a:t>
-            </a:r>
-            <a:r>
-              <a:rPr lang="es-US" dirty="0" err="1" smtClean="0"/>
-              <a:t>evaluacion</a:t>
-            </a:r>
-            <a:r>
-              <a:rPr lang="es-US" dirty="0" smtClean="0"/>
-              <a:t> de clasificadores</a:t>
-            </a:r>
-          </a:p>
-          <a:p>
-            <a:pPr lvl="2"/>
-            <a:r>
-              <a:rPr lang="es-US" dirty="0" smtClean="0"/>
-              <a:t>GridPoint WW3 óptimo para cada ola</a:t>
-            </a:r>
-          </a:p>
-          <a:p>
-            <a:pPr lvl="2"/>
-            <a:r>
-              <a:rPr lang="es-US" dirty="0" smtClean="0"/>
-              <a:t>Tamaño de conjunto de entrenamiento óptimo</a:t>
-            </a:r>
-          </a:p>
-          <a:p>
-            <a:pPr lvl="2"/>
-            <a:endParaRPr lang="es-US" dirty="0" smtClean="0"/>
-          </a:p>
-          <a:p>
-            <a:pPr lvl="1"/>
-            <a:r>
-              <a:rPr lang="es-US" dirty="0" smtClean="0"/>
-              <a:t>Obtenemos la </a:t>
-            </a:r>
-            <a:r>
-              <a:rPr lang="es-US" dirty="0" err="1" smtClean="0"/>
-              <a:t>combinacion</a:t>
-            </a:r>
-            <a:r>
-              <a:rPr lang="es-US" dirty="0" smtClean="0"/>
-              <a:t> óptima clasificador/modelo de instancia</a:t>
-            </a:r>
-          </a:p>
-          <a:p>
-            <a:pPr lvl="2"/>
-            <a:endParaRPr lang="es-US" dirty="0" smtClean="0"/>
-          </a:p>
-        </p:txBody>
-      </p:sp>
-    </p:spTree>
-  </p:cSld>
-  <p:clrMapOvr>
-    <a:masterClrMapping/>
-  </p:clrMapOvr>
-  <p:timing>
-    <p:tnLst>
-      <p:par>
-        <p:cTn id="1" dur="indefinite" restart="never" nodeType="tmRoot"/>
-      </p:par>
-    </p:tnLst>
-  </p:timing>
-</p:sld>
-</file>
-
 <file path=ppt/slides/slide9.xml><?xml version="1.0" encoding="utf-8"?>
 <p:sld xmlns:a="http://schemas.openxmlformats.org/drawingml/2006/main" xmlns:r="http://schemas.openxmlformats.org/officeDocument/2006/relationships" xmlns:p="http://schemas.openxmlformats.org/presentationml/2006/main">
   <p:cSld>
@@ -18787,7 +21218,7 @@
           <a:p>
             <a:r>
               <a:rPr lang="es-US" dirty="0" smtClean="0"/>
-              <a:t>Experimentación (7)</a:t>
+              <a:t>Experimentación (6)</a:t>
             </a:r>
             <a:endParaRPr lang="es-ES" dirty="0"/>
           </a:p>
@@ -18814,95 +21245,102 @@
               <a:rPr lang="es-US" dirty="0" smtClean="0"/>
               <a:t>Resultados generales</a:t>
             </a:r>
-          </a:p>
-          <a:p>
+            <a:endParaRPr lang="es-ES" dirty="0" smtClean="0"/>
+          </a:p>
+          <a:p>
+            <a:pPr lvl="1"/>
+            <a:r>
+              <a:rPr lang="es-US" dirty="0" smtClean="0"/>
+              <a:t>Basados en:</a:t>
+            </a:r>
+          </a:p>
+          <a:p>
+            <a:pPr lvl="2"/>
+            <a:r>
+              <a:rPr lang="es-US" dirty="0" smtClean="0"/>
+              <a:t>Olas a estudiar (Oahu - </a:t>
+            </a:r>
+            <a:r>
+              <a:rPr lang="es-US" dirty="0" err="1" smtClean="0"/>
+              <a:t>Hawai</a:t>
+            </a:r>
+            <a:r>
+              <a:rPr lang="es-US" dirty="0" smtClean="0"/>
+              <a:t>)</a:t>
+            </a:r>
+          </a:p>
+          <a:p>
+            <a:pPr lvl="2"/>
+            <a:r>
+              <a:rPr lang="es-US" dirty="0" smtClean="0"/>
+              <a:t>Algoritmos de aprendizaje de maquina</a:t>
+            </a:r>
+          </a:p>
+          <a:p>
+            <a:pPr lvl="2"/>
+            <a:r>
+              <a:rPr lang="es-US" dirty="0" smtClean="0"/>
+              <a:t>Modelos de instancia</a:t>
+            </a:r>
+          </a:p>
+          <a:p>
+            <a:pPr lvl="2"/>
+            <a:r>
+              <a:rPr lang="es-US" dirty="0" err="1" smtClean="0"/>
+              <a:t>Metricas</a:t>
+            </a:r>
+            <a:r>
+              <a:rPr lang="es-US" dirty="0" smtClean="0"/>
+              <a:t> de </a:t>
+            </a:r>
+            <a:r>
+              <a:rPr lang="es-US" dirty="0" err="1" smtClean="0"/>
+              <a:t>evaluacion</a:t>
+            </a:r>
+            <a:r>
+              <a:rPr lang="es-US" dirty="0" smtClean="0"/>
+              <a:t> de clasificadores</a:t>
+            </a:r>
+          </a:p>
+          <a:p>
+            <a:pPr lvl="2"/>
+            <a:r>
+              <a:rPr lang="es-US" dirty="0" smtClean="0"/>
+              <a:t>GridPoint WW3 óptimo para cada ola</a:t>
+            </a:r>
+          </a:p>
+          <a:p>
+            <a:pPr lvl="2"/>
+            <a:r>
+              <a:rPr lang="es-US" dirty="0" smtClean="0"/>
+              <a:t>Tamaño de conjunto de entrenamiento óptimo</a:t>
+            </a:r>
+          </a:p>
+          <a:p>
+            <a:pPr lvl="2"/>
             <a:endParaRPr lang="es-US" dirty="0" smtClean="0"/>
           </a:p>
           <a:p>
+            <a:pPr lvl="1"/>
+            <a:r>
+              <a:rPr lang="es-US" dirty="0" smtClean="0"/>
+              <a:t>Obtenemos la </a:t>
+            </a:r>
+            <a:r>
+              <a:rPr lang="es-US" dirty="0" err="1" smtClean="0"/>
+              <a:t>combinacion</a:t>
+            </a:r>
+            <a:r>
+              <a:rPr lang="es-US" dirty="0" smtClean="0"/>
+              <a:t> óptima clasificador/modelo de instancia</a:t>
+            </a:r>
+          </a:p>
+          <a:p>
+            <a:pPr lvl="2"/>
             <a:endParaRPr lang="es-US" dirty="0" smtClean="0"/>
-          </a:p>
-          <a:p>
-            <a:endParaRPr lang="es-US" dirty="0" smtClean="0"/>
-          </a:p>
-          <a:p>
-            <a:endParaRPr lang="es-US" dirty="0" smtClean="0"/>
-          </a:p>
-          <a:p>
-            <a:endParaRPr lang="es-US" dirty="0" smtClean="0"/>
-          </a:p>
-          <a:p>
-            <a:endParaRPr lang="es-US" dirty="0" smtClean="0"/>
-          </a:p>
-          <a:p>
-            <a:endParaRPr lang="es-US" dirty="0" smtClean="0"/>
-          </a:p>
-          <a:p>
-            <a:endParaRPr lang="es-US" dirty="0" smtClean="0"/>
-          </a:p>
-          <a:p>
-            <a:r>
-              <a:rPr lang="es-US" dirty="0" smtClean="0"/>
-              <a:t>Optimo [</a:t>
-            </a:r>
-            <a:r>
-              <a:rPr lang="es-US" dirty="0" smtClean="0"/>
-              <a:t>SVM/WW3Last3DaysStrategy</a:t>
-            </a:r>
-            <a:r>
-              <a:rPr lang="es-US" dirty="0" smtClean="0"/>
-              <a:t>]</a:t>
-            </a:r>
-          </a:p>
-          <a:p>
-            <a:endParaRPr lang="es-US" dirty="0" smtClean="0"/>
-          </a:p>
-          <a:p>
-            <a:endParaRPr lang="es-US" dirty="0" smtClean="0"/>
-          </a:p>
-          <a:p>
-            <a:endParaRPr lang="es-US" dirty="0" smtClean="0"/>
-          </a:p>
-          <a:p>
-            <a:endParaRPr lang="es-US" dirty="0" smtClean="0"/>
-          </a:p>
-          <a:p>
-            <a:endParaRPr lang="es-US" dirty="0" smtClean="0"/>
-          </a:p>
-          <a:p>
-            <a:endParaRPr lang="es-US" dirty="0" smtClean="0"/>
-          </a:p>
-          <a:p>
-            <a:pPr>
-              <a:buNone/>
-            </a:pPr>
-            <a:endParaRPr lang="es-ES" dirty="0">
-              <a:solidFill>
-                <a:schemeClr val="accent6"/>
-              </a:solidFill>
-            </a:endParaRPr>
           </a:p>
         </p:txBody>
       </p:sp>
-      <p:graphicFrame>
-        <p:nvGraphicFramePr>
-          <p:cNvPr id="22533" name="Object 5"/>
-          <p:cNvGraphicFramePr>
-            <a:graphicFrameLocks noChangeAspect="1"/>
-          </p:cNvGraphicFramePr>
-          <p:nvPr/>
-        </p:nvGraphicFramePr>
-        <p:xfrm>
-          <a:off x="571472" y="2428868"/>
-          <a:ext cx="7953618" cy="3429024"/>
-        </p:xfrm>
-        <a:graphic>
-          <a:graphicData uri="http://schemas.openxmlformats.org/presentationml/2006/ole">
-            <p:oleObj spid="_x0000_s22533" name="Hoja de cálculo" r:id="rId4" imgW="5590137" imgH="2409567" progId="Excel.Sheet.12">
-              <p:embed/>
-            </p:oleObj>
-          </a:graphicData>
-        </a:graphic>
-      </p:graphicFrame>
     </p:spTree>
   </p:cSld>
   <p:clrMapOvr>

--- a/trunk/neuralito/ArfGen/docs/Entregas/Informe Final/presentacion/maxi.pptx
+++ b/trunk/neuralito/ArfGen/docs/Entregas/Informe Final/presentacion/maxi.pptx
@@ -5,7 +5,7 @@
     <p:sldMasterId id="2147483660" r:id="rId1"/>
   </p:sldMasterIdLst>
   <p:notesMasterIdLst>
-    <p:notesMasterId r:id="rId28"/>
+    <p:notesMasterId r:id="rId31"/>
   </p:notesMasterIdLst>
   <p:sldIdLst>
     <p:sldId id="256" r:id="rId2"/>
@@ -34,6 +34,9 @@
     <p:sldId id="280" r:id="rId25"/>
     <p:sldId id="281" r:id="rId26"/>
     <p:sldId id="282" r:id="rId27"/>
+    <p:sldId id="283" r:id="rId28"/>
+    <p:sldId id="284" r:id="rId29"/>
+    <p:sldId id="285" r:id="rId30"/>
   </p:sldIdLst>
   <p:sldSz cx="9144000" cy="6858000" type="screen4x3"/>
   <p:notesSz cx="6858000" cy="9144000"/>
@@ -232,49 +235,49 @@
                   <c:v>0.82116824635668784</c:v>
                 </c:pt>
                 <c:pt idx="3">
-                  <c:v>0.84278473777508189</c:v>
+                  <c:v>0.842784737775082</c:v>
                 </c:pt>
                 <c:pt idx="4">
-                  <c:v>0.843838655372108</c:v>
+                  <c:v>0.84383865537210812</c:v>
                 </c:pt>
                 <c:pt idx="5">
                   <c:v>0.85894670929201788</c:v>
                 </c:pt>
                 <c:pt idx="6">
-                  <c:v>0.84967487574973011</c:v>
+                  <c:v>0.84967487574973022</c:v>
                 </c:pt>
                 <c:pt idx="7">
-                  <c:v>0.871997476392948</c:v>
+                  <c:v>0.87199747639294811</c:v>
                 </c:pt>
                 <c:pt idx="8">
                   <c:v>0.87308657275405044</c:v>
                 </c:pt>
                 <c:pt idx="9">
-                  <c:v>0.88056722447997149</c:v>
+                  <c:v>0.8805672244799716</c:v>
                 </c:pt>
                 <c:pt idx="10">
-                  <c:v>0.88425402324804014</c:v>
+                  <c:v>0.88425402324804026</c:v>
                 </c:pt>
                 <c:pt idx="11">
-                  <c:v>0.88378998114559171</c:v>
+                  <c:v>0.88378998114559182</c:v>
                 </c:pt>
                 <c:pt idx="12">
-                  <c:v>0.88710112017025256</c:v>
+                  <c:v>0.88710112017025267</c:v>
                 </c:pt>
                 <c:pt idx="13">
-                  <c:v>0.88859349505985452</c:v>
+                  <c:v>0.88859349505985463</c:v>
                 </c:pt>
                 <c:pt idx="14">
-                  <c:v>0.88932515639249388</c:v>
+                  <c:v>0.8893251563924941</c:v>
                 </c:pt>
                 <c:pt idx="15">
-                  <c:v>0.88979442278916687</c:v>
+                  <c:v>0.88979442278916709</c:v>
                 </c:pt>
                 <c:pt idx="16">
-                  <c:v>0.89050470137757298</c:v>
+                  <c:v>0.89050470137757309</c:v>
                 </c:pt>
                 <c:pt idx="17">
-                  <c:v>0.89113877472928249</c:v>
+                  <c:v>0.8911387747292826</c:v>
                 </c:pt>
               </c:numCache>
             </c:numRef>
@@ -373,10 +376,10 @@
                   <c:v>0.45195561849074034</c:v>
                 </c:pt>
                 <c:pt idx="1">
-                  <c:v>0.57215581949427741</c:v>
+                  <c:v>0.57215581949427763</c:v>
                 </c:pt>
                 <c:pt idx="2">
-                  <c:v>0.62450099068289466</c:v>
+                  <c:v>0.62450099068289477</c:v>
                 </c:pt>
                 <c:pt idx="3">
                   <c:v>0.66411572966000465</c:v>
@@ -385,7 +388,7 @@
                   <c:v>0.74483311690120912</c:v>
                 </c:pt>
                 <c:pt idx="5">
-                  <c:v>0.74913092370987433</c:v>
+                  <c:v>0.74913092370987444</c:v>
                 </c:pt>
                 <c:pt idx="6">
                   <c:v>0.7507812790712286</c:v>
@@ -394,7 +397,7 @@
                   <c:v>0.74615794410022251</c:v>
                 </c:pt>
                 <c:pt idx="8">
-                  <c:v>0.76473712742558853</c:v>
+                  <c:v>0.76473712742558875</c:v>
                 </c:pt>
                 <c:pt idx="9">
                   <c:v>0.78030975508297951</c:v>
@@ -409,7 +412,7 @@
                   <c:v>0.79454547384463925</c:v>
                 </c:pt>
                 <c:pt idx="13">
-                  <c:v>0.8027507386856787</c:v>
+                  <c:v>0.80275073868567881</c:v>
                 </c:pt>
                 <c:pt idx="14">
                   <c:v>0.8070254483799697</c:v>
@@ -418,10 +421,10 @@
                   <c:v>0.80758714251854524</c:v>
                 </c:pt>
                 <c:pt idx="16">
-                  <c:v>0.81189884836444004</c:v>
+                  <c:v>0.81189884836444015</c:v>
                 </c:pt>
                 <c:pt idx="17">
-                  <c:v>0.81267156633446291</c:v>
+                  <c:v>0.81267156633446302</c:v>
                 </c:pt>
                 <c:pt idx="18">
                   <c:v>0.81495442086601244</c:v>
@@ -513,49 +516,49 @@
                 <c:formatCode>0.00</c:formatCode>
                 <c:ptCount val="19"/>
                 <c:pt idx="0">
-                  <c:v>9.2164199211590858E-2</c:v>
+                  <c:v>9.2164199211590872E-2</c:v>
                 </c:pt>
                 <c:pt idx="1">
                   <c:v>0.10918893085792125</c:v>
                 </c:pt>
                 <c:pt idx="2">
-                  <c:v>2.2061880915201497E-2</c:v>
+                  <c:v>2.20618809152015E-2</c:v>
                 </c:pt>
                 <c:pt idx="3">
-                  <c:v>0.16744350433735844</c:v>
+                  <c:v>0.16744350433735847</c:v>
                 </c:pt>
                 <c:pt idx="4">
-                  <c:v>0.196068718999445</c:v>
+                  <c:v>0.19606871899944503</c:v>
                 </c:pt>
                 <c:pt idx="5">
-                  <c:v>0.19883932721616623</c:v>
+                  <c:v>0.19883932721616626</c:v>
                 </c:pt>
                 <c:pt idx="6">
                   <c:v>0.21852557439483689</c:v>
                 </c:pt>
                 <c:pt idx="7">
-                  <c:v>0.18963030437506231</c:v>
+                  <c:v>0.18963030437506234</c:v>
                 </c:pt>
                 <c:pt idx="8">
-                  <c:v>0.3132923449298104</c:v>
+                  <c:v>0.31329234492981045</c:v>
                 </c:pt>
                 <c:pt idx="9">
                   <c:v>0.30854195458238609</c:v>
                 </c:pt>
                 <c:pt idx="10">
-                  <c:v>0.33996429339252726</c:v>
+                  <c:v>0.33996429339252743</c:v>
                 </c:pt>
                 <c:pt idx="11">
-                  <c:v>0.39000788763685479</c:v>
+                  <c:v>0.39000788763685496</c:v>
                 </c:pt>
                 <c:pt idx="12">
-                  <c:v>0.37452278792340293</c:v>
+                  <c:v>0.3745227879234031</c:v>
                 </c:pt>
                 <c:pt idx="13">
-                  <c:v>0.39639657365579573</c:v>
+                  <c:v>0.39639657365579589</c:v>
                 </c:pt>
                 <c:pt idx="14">
-                  <c:v>0.45661986014735195</c:v>
+                  <c:v>0.45661986014735201</c:v>
                 </c:pt>
                 <c:pt idx="15">
                   <c:v>0.48000000000000032</c:v>
@@ -660,55 +663,55 @@
                 <c:formatCode>0.00</c:formatCode>
                 <c:ptCount val="18"/>
                 <c:pt idx="0">
-                  <c:v>6.3837399085048541E-2</c:v>
+                  <c:v>6.3837399085048555E-2</c:v>
                 </c:pt>
                 <c:pt idx="1">
-                  <c:v>0.10509372944250685</c:v>
+                  <c:v>0.10509372944250689</c:v>
                 </c:pt>
                 <c:pt idx="2">
                   <c:v>0.12395822380363669</c:v>
                 </c:pt>
                 <c:pt idx="3">
-                  <c:v>0.17533238646771612</c:v>
+                  <c:v>0.17533238646771618</c:v>
                 </c:pt>
                 <c:pt idx="4">
-                  <c:v>0.18994629844944994</c:v>
+                  <c:v>0.18994629844944999</c:v>
                 </c:pt>
                 <c:pt idx="5">
-                  <c:v>0.22687270194889517</c:v>
+                  <c:v>0.22687270194889519</c:v>
                 </c:pt>
                 <c:pt idx="6">
                   <c:v>0.23790997736954461</c:v>
                 </c:pt>
                 <c:pt idx="7">
-                  <c:v>0.23411148955336944</c:v>
+                  <c:v>0.23411148955336947</c:v>
                 </c:pt>
                 <c:pt idx="8">
                   <c:v>0.25778608542670911</c:v>
                 </c:pt>
                 <c:pt idx="9">
-                  <c:v>0.31056299933227316</c:v>
+                  <c:v>0.31056299933227333</c:v>
                 </c:pt>
                 <c:pt idx="10">
-                  <c:v>0.33877739342409235</c:v>
+                  <c:v>0.33877739342409241</c:v>
                 </c:pt>
                 <c:pt idx="11">
                   <c:v>0.35225259726803532</c:v>
                 </c:pt>
                 <c:pt idx="12">
-                  <c:v>0.35947445565100411</c:v>
+                  <c:v>0.35947445565100417</c:v>
                 </c:pt>
                 <c:pt idx="13">
-                  <c:v>0.39000000000000212</c:v>
+                  <c:v>0.39000000000000218</c:v>
                 </c:pt>
                 <c:pt idx="14">
-                  <c:v>0.39000000000000212</c:v>
+                  <c:v>0.39000000000000218</c:v>
                 </c:pt>
                 <c:pt idx="15">
                   <c:v>0.4</c:v>
                 </c:pt>
                 <c:pt idx="16">
-                  <c:v>0.40041490630404508</c:v>
+                  <c:v>0.40041490630404519</c:v>
                 </c:pt>
                 <c:pt idx="17">
                   <c:v>0.4</c:v>
@@ -800,7 +803,7 @@
                 <c:formatCode>General</c:formatCode>
                 <c:ptCount val="19"/>
                 <c:pt idx="0">
-                  <c:v>0.28931899175148679</c:v>
+                  <c:v>0.28931899175148695</c:v>
                 </c:pt>
                 <c:pt idx="1">
                   <c:v>0.30427205718078232</c:v>
@@ -809,46 +812,46 @@
                   <c:v>0.28833535935117605</c:v>
                 </c:pt>
                 <c:pt idx="3">
-                  <c:v>0.50673831628888666</c:v>
+                  <c:v>0.50673831628888688</c:v>
                 </c:pt>
                 <c:pt idx="4">
-                  <c:v>0.58986811562939134</c:v>
+                  <c:v>0.58986811562939145</c:v>
                 </c:pt>
                 <c:pt idx="5">
-                  <c:v>0.60174244358028983</c:v>
+                  <c:v>0.60174244358028994</c:v>
                 </c:pt>
                 <c:pt idx="6">
                   <c:v>0.62230234655114092</c:v>
                 </c:pt>
                 <c:pt idx="7">
-                  <c:v>0.64892172802499748</c:v>
+                  <c:v>0.6489217280249977</c:v>
                 </c:pt>
                 <c:pt idx="8">
                   <c:v>0.60213497372141267</c:v>
                 </c:pt>
                 <c:pt idx="9">
-                  <c:v>0.65929398719852395</c:v>
+                  <c:v>0.65929398719852406</c:v>
                 </c:pt>
                 <c:pt idx="10">
-                  <c:v>0.63740945216596379</c:v>
+                  <c:v>0.6374094521659639</c:v>
                 </c:pt>
                 <c:pt idx="11">
-                  <c:v>0.66496829605747676</c:v>
+                  <c:v>0.66496829605747698</c:v>
                 </c:pt>
                 <c:pt idx="12">
-                  <c:v>0.68587643695393907</c:v>
+                  <c:v>0.68587643695393929</c:v>
                 </c:pt>
                 <c:pt idx="13">
-                  <c:v>0.70280463859163611</c:v>
+                  <c:v>0.70280463859163622</c:v>
                 </c:pt>
                 <c:pt idx="14">
-                  <c:v>0.68555591749742273</c:v>
+                  <c:v>0.68555591749742284</c:v>
                 </c:pt>
                 <c:pt idx="15">
-                  <c:v>0.71798687616048695</c:v>
+                  <c:v>0.71798687616048706</c:v>
                 </c:pt>
                 <c:pt idx="16">
-                  <c:v>0.72902988600000573</c:v>
+                  <c:v>0.72902988600000584</c:v>
                 </c:pt>
                 <c:pt idx="17">
                   <c:v>0.73331457600000005</c:v>
@@ -861,11 +864,11 @@
           </c:yVal>
           <c:smooth val="1"/>
         </c:ser>
-        <c:axId val="59166720"/>
-        <c:axId val="59169024"/>
+        <c:axId val="72436352"/>
+        <c:axId val="72467200"/>
       </c:scatterChart>
       <c:valAx>
-        <c:axId val="59166720"/>
+        <c:axId val="72436352"/>
         <c:scaling>
           <c:orientation val="minMax"/>
           <c:max val="1000"/>
@@ -891,7 +894,7 @@
             <c:manualLayout>
               <c:xMode val="edge"/>
               <c:yMode val="edge"/>
-              <c:x val="0.38494599693816761"/>
+              <c:x val="0.38494599693816767"/>
               <c:y val="0.85101357098414687"/>
             </c:manualLayout>
           </c:layout>
@@ -908,12 +911,12 @@
             <a:endParaRPr lang="es-ES"/>
           </a:p>
         </c:txPr>
-        <c:crossAx val="59169024"/>
+        <c:crossAx val="72467200"/>
         <c:crosses val="autoZero"/>
         <c:crossBetween val="midCat"/>
       </c:valAx>
       <c:valAx>
-        <c:axId val="59169024"/>
+        <c:axId val="72467200"/>
         <c:scaling>
           <c:orientation val="minMax"/>
           <c:min val="0"/>
@@ -950,7 +953,7 @@
             <a:endParaRPr lang="es-ES"/>
           </a:p>
         </c:txPr>
-        <c:crossAx val="59166720"/>
+        <c:crossAx val="72436352"/>
         <c:crosses val="autoZero"/>
         <c:crossBetween val="midCat"/>
         <c:minorUnit val="0.2"/>
@@ -1092,19 +1095,19 @@
                   <c:v>1.0330390684786552</c:v>
                 </c:pt>
                 <c:pt idx="6">
-                  <c:v>1.0302429519403202</c:v>
+                  <c:v>1.0302429519403205</c:v>
                 </c:pt>
                 <c:pt idx="7">
                   <c:v>0.94738273200566459</c:v>
                 </c:pt>
                 <c:pt idx="8">
-                  <c:v>0.92793801360197614</c:v>
+                  <c:v>0.92793801360197625</c:v>
                 </c:pt>
                 <c:pt idx="9">
                   <c:v>0.92012906293872665</c:v>
                 </c:pt>
                 <c:pt idx="10">
-                  <c:v>0.88481716181109693</c:v>
+                  <c:v>0.88481716181109671</c:v>
                 </c:pt>
                 <c:pt idx="11">
                   <c:v>0.88417424754272178</c:v>
@@ -1116,7 +1119,7 @@
                   <c:v>0.85063806565684563</c:v>
                 </c:pt>
                 <c:pt idx="14">
-                  <c:v>0.84777133793555781</c:v>
+                  <c:v>0.84777133793555792</c:v>
                 </c:pt>
                 <c:pt idx="15">
                   <c:v>0.8445144923789446</c:v>
@@ -1125,7 +1128,7 @@
                   <c:v>0.83725594840038564</c:v>
                 </c:pt>
                 <c:pt idx="17">
-                  <c:v>0.83461703141918875</c:v>
+                  <c:v>0.83461703141918886</c:v>
                 </c:pt>
               </c:numCache>
             </c:numRef>
@@ -1224,7 +1227,7 @@
                   <c:v>0.9387309603633297</c:v>
                 </c:pt>
                 <c:pt idx="1">
-                  <c:v>0.89153277738271219</c:v>
+                  <c:v>0.89153277738271208</c:v>
                 </c:pt>
                 <c:pt idx="2">
                   <c:v>0.82301056544373608</c:v>
@@ -1236,22 +1239,22 @@
                   <c:v>0.75252199659024765</c:v>
                 </c:pt>
                 <c:pt idx="5">
-                  <c:v>0.74212373331281656</c:v>
+                  <c:v>0.74212373331281678</c:v>
                 </c:pt>
                 <c:pt idx="6">
                   <c:v>0.73688717786732749</c:v>
                 </c:pt>
                 <c:pt idx="7">
-                  <c:v>0.72860146352750421</c:v>
+                  <c:v>0.72860146352750443</c:v>
                 </c:pt>
                 <c:pt idx="8">
-                  <c:v>0.70577785559581174</c:v>
+                  <c:v>0.70577785559581185</c:v>
                 </c:pt>
                 <c:pt idx="9">
                   <c:v>0.69274686371956962</c:v>
                 </c:pt>
                 <c:pt idx="10">
-                  <c:v>0.67930161414046575</c:v>
+                  <c:v>0.67930161414046586</c:v>
                 </c:pt>
                 <c:pt idx="11">
                   <c:v>0.67228263477634131</c:v>
@@ -1260,22 +1263,22 @@
                   <c:v>0.68022471453120004</c:v>
                 </c:pt>
                 <c:pt idx="13">
-                  <c:v>0.66398503161852129</c:v>
+                  <c:v>0.66398503161852163</c:v>
                 </c:pt>
                 <c:pt idx="14">
                   <c:v>0.6640628299517749</c:v>
                 </c:pt>
                 <c:pt idx="15">
-                  <c:v>0.6630855800933777</c:v>
+                  <c:v>0.66308558009337781</c:v>
                 </c:pt>
                 <c:pt idx="16">
                   <c:v>0.65656511915425986</c:v>
                 </c:pt>
                 <c:pt idx="17">
-                  <c:v>0.65158141257238711</c:v>
+                  <c:v>0.65158141257238733</c:v>
                 </c:pt>
                 <c:pt idx="18">
-                  <c:v>0.65187548701494691</c:v>
+                  <c:v>0.65187548701494702</c:v>
                 </c:pt>
               </c:numCache>
             </c:numRef>
@@ -1364,7 +1367,7 @@
                 <c:formatCode>General</c:formatCode>
                 <c:ptCount val="19"/>
                 <c:pt idx="0">
-                  <c:v>0.66149732049012622</c:v>
+                  <c:v>0.66149732049012633</c:v>
                 </c:pt>
                 <c:pt idx="1">
                   <c:v>0.6001326027033127</c:v>
@@ -1373,13 +1376,13 @@
                   <c:v>0.55639887771499263</c:v>
                 </c:pt>
                 <c:pt idx="3">
-                  <c:v>0.62284472485511189</c:v>
+                  <c:v>0.622844724855112</c:v>
                 </c:pt>
                 <c:pt idx="4">
                   <c:v>0.55351605829049677</c:v>
                 </c:pt>
                 <c:pt idx="5">
-                  <c:v>0.58846095302595747</c:v>
+                  <c:v>0.58846095302595736</c:v>
                 </c:pt>
                 <c:pt idx="6">
                   <c:v>0.57298820383188065</c:v>
@@ -1391,7 +1394,7 @@
                   <c:v>0.55636349504129456</c:v>
                 </c:pt>
                 <c:pt idx="9">
-                  <c:v>0.56175580469494968</c:v>
+                  <c:v>0.56175580469494979</c:v>
                 </c:pt>
                 <c:pt idx="10">
                   <c:v>0.54619756290876298</c:v>
@@ -1511,7 +1514,7 @@
                 <c:formatCode>General</c:formatCode>
                 <c:ptCount val="18"/>
                 <c:pt idx="0">
-                  <c:v>0.6323708026850362</c:v>
+                  <c:v>0.63237080268503643</c:v>
                 </c:pt>
                 <c:pt idx="1">
                   <c:v>0.58374227027070569</c:v>
@@ -1520,7 +1523,7 @@
                   <c:v>0.59186681564330168</c:v>
                 </c:pt>
                 <c:pt idx="3">
-                  <c:v>0.56326543263149886</c:v>
+                  <c:v>0.56326543263149909</c:v>
                 </c:pt>
                 <c:pt idx="4">
                   <c:v>0.57183044589207288</c:v>
@@ -1535,7 +1538,7 @@
                   <c:v>0.53802118949602251</c:v>
                 </c:pt>
                 <c:pt idx="8">
-                  <c:v>0.53450509736819196</c:v>
+                  <c:v>0.53450509736819218</c:v>
                 </c:pt>
                 <c:pt idx="9">
                   <c:v>0.52829897414829863</c:v>
@@ -1559,7 +1562,7 @@
                   <c:v>0.50670323954628771</c:v>
                 </c:pt>
                 <c:pt idx="16">
-                  <c:v>0.50238192552660332</c:v>
+                  <c:v>0.50238192552660321</c:v>
                 </c:pt>
                 <c:pt idx="17">
                   <c:v>0.49463977381829932</c:v>
@@ -1651,31 +1654,31 @@
                 <c:formatCode>General</c:formatCode>
                 <c:ptCount val="19"/>
                 <c:pt idx="0">
-                  <c:v>0.77289983769923654</c:v>
+                  <c:v>0.77289983769923687</c:v>
                 </c:pt>
                 <c:pt idx="1">
                   <c:v>0.74632356481168916</c:v>
                 </c:pt>
                 <c:pt idx="2">
-                  <c:v>0.78634361659647434</c:v>
+                  <c:v>0.78634361659647456</c:v>
                 </c:pt>
                 <c:pt idx="3">
-                  <c:v>0.68296121733003523</c:v>
+                  <c:v>0.68296121733003534</c:v>
                 </c:pt>
                 <c:pt idx="4">
-                  <c:v>0.66450739252953728</c:v>
+                  <c:v>0.6645073925295375</c:v>
                 </c:pt>
                 <c:pt idx="5">
-                  <c:v>0.61644319255847624</c:v>
+                  <c:v>0.61644319255847646</c:v>
                 </c:pt>
                 <c:pt idx="6">
                   <c:v>0.6102724059818817</c:v>
                 </c:pt>
                 <c:pt idx="7">
-                  <c:v>0.60925823106012233</c:v>
+                  <c:v>0.60925823106012245</c:v>
                 </c:pt>
                 <c:pt idx="8">
-                  <c:v>0.62851239646725043</c:v>
+                  <c:v>0.62851239646725032</c:v>
                 </c:pt>
                 <c:pt idx="9">
                   <c:v>0.60456332932399459</c:v>
@@ -1684,10 +1687,10 @@
                   <c:v>0.59800801508451062</c:v>
                 </c:pt>
                 <c:pt idx="11">
-                  <c:v>0.59484127138609466</c:v>
+                  <c:v>0.59484127138609477</c:v>
                 </c:pt>
                 <c:pt idx="12">
-                  <c:v>0.57774424327942109</c:v>
+                  <c:v>0.57774424327942131</c:v>
                 </c:pt>
                 <c:pt idx="13">
                   <c:v>0.57412911597622418</c:v>
@@ -1702,7 +1705,7 @@
                   <c:v>0.56487792557592453</c:v>
                 </c:pt>
                 <c:pt idx="17">
-                  <c:v>0.55704303471989536</c:v>
+                  <c:v>0.55704303471989558</c:v>
                 </c:pt>
                 <c:pt idx="18">
                   <c:v>0.55532457683742076</c:v>
@@ -1712,11 +1715,11 @@
           </c:yVal>
           <c:smooth val="1"/>
         </c:ser>
-        <c:axId val="61903616"/>
-        <c:axId val="61905920"/>
+        <c:axId val="72359296"/>
+        <c:axId val="72373760"/>
       </c:scatterChart>
       <c:valAx>
-        <c:axId val="61903616"/>
+        <c:axId val="72359296"/>
         <c:scaling>
           <c:orientation val="minMax"/>
           <c:max val="1000"/>
@@ -1752,12 +1755,12 @@
             <a:endParaRPr lang="es-ES"/>
           </a:p>
         </c:txPr>
-        <c:crossAx val="61905920"/>
+        <c:crossAx val="72373760"/>
         <c:crosses val="autoZero"/>
         <c:crossBetween val="midCat"/>
       </c:valAx>
       <c:valAx>
-        <c:axId val="61905920"/>
+        <c:axId val="72373760"/>
         <c:scaling>
           <c:orientation val="minMax"/>
           <c:min val="0.4"/>
@@ -1794,7 +1797,7 @@
             <a:endParaRPr lang="es-ES"/>
           </a:p>
         </c:txPr>
-        <c:crossAx val="61903616"/>
+        <c:crossAx val="72359296"/>
         <c:crosses val="autoZero"/>
         <c:crossBetween val="midCat"/>
       </c:valAx>
@@ -1851,7 +1854,7 @@
           <c:x val="5.0128971669717623E-2"/>
           <c:y val="0.16285573489051142"/>
           <c:w val="0.91229087688864363"/>
-          <c:h val="0.42844667523762542"/>
+          <c:h val="0.42844667523762553"/>
         </c:manualLayout>
       </c:layout>
       <c:scatterChart>
@@ -2085,7 +2088,7 @@
                   <c:v>3.6579999999999999</c:v>
                 </c:pt>
                 <c:pt idx="5">
-                  <c:v>1.2189999999999857</c:v>
+                  <c:v>1.2189999999999854</c:v>
                 </c:pt>
                 <c:pt idx="6">
                   <c:v>1.829</c:v>
@@ -2103,7 +2106,7 @@
                   <c:v>4.2669999999999995</c:v>
                 </c:pt>
                 <c:pt idx="11">
-                  <c:v>1.2189999999999857</c:v>
+                  <c:v>1.2189999999999854</c:v>
                 </c:pt>
                 <c:pt idx="12">
                   <c:v>0.61000000000000065</c:v>
@@ -2136,7 +2139,7 @@
                   <c:v>1.829</c:v>
                 </c:pt>
                 <c:pt idx="22">
-                  <c:v>1.2189999999999857</c:v>
+                  <c:v>1.2189999999999854</c:v>
                 </c:pt>
                 <c:pt idx="23">
                   <c:v>4.2669999999999995</c:v>
@@ -2145,7 +2148,7 @@
                   <c:v>0.61000000000000065</c:v>
                 </c:pt>
                 <c:pt idx="25">
-                  <c:v>1.2189999999999857</c:v>
+                  <c:v>1.2189999999999854</c:v>
                 </c:pt>
                 <c:pt idx="26">
                   <c:v>4.8769999999999998</c:v>
@@ -2157,10 +2160,10 @@
                   <c:v>1.829</c:v>
                 </c:pt>
                 <c:pt idx="29">
-                  <c:v>1.2189999999999857</c:v>
+                  <c:v>1.2189999999999854</c:v>
                 </c:pt>
                 <c:pt idx="30">
-                  <c:v>1.2189999999999857</c:v>
+                  <c:v>1.2189999999999854</c:v>
                 </c:pt>
                 <c:pt idx="31">
                   <c:v>7.3149999999999755</c:v>
@@ -2181,7 +2184,7 @@
                   <c:v>2.4379999999999997</c:v>
                 </c:pt>
                 <c:pt idx="37">
-                  <c:v>1.2189999999999857</c:v>
+                  <c:v>1.2189999999999854</c:v>
                 </c:pt>
                 <c:pt idx="38">
                   <c:v>2.4379999999999997</c:v>
@@ -2196,19 +2199,19 @@
                   <c:v>0.61000000000000065</c:v>
                 </c:pt>
                 <c:pt idx="42">
-                  <c:v>1.2189999999999857</c:v>
+                  <c:v>1.2189999999999854</c:v>
                 </c:pt>
                 <c:pt idx="43">
                   <c:v>2.4379999999999997</c:v>
                 </c:pt>
                 <c:pt idx="44">
-                  <c:v>1.2189999999999857</c:v>
+                  <c:v>1.2189999999999854</c:v>
                 </c:pt>
                 <c:pt idx="45">
                   <c:v>10.973000000000004</c:v>
                 </c:pt>
                 <c:pt idx="46">
-                  <c:v>1.2189999999999857</c:v>
+                  <c:v>1.2189999999999854</c:v>
                 </c:pt>
                 <c:pt idx="47">
                   <c:v>3.048</c:v>
@@ -2535,7 +2538,7 @@
                   <c:v>3.3899999999999997</c:v>
                 </c:pt>
                 <c:pt idx="15">
-                  <c:v>1.9500000000000104</c:v>
+                  <c:v>1.9500000000000106</c:v>
                 </c:pt>
                 <c:pt idx="16">
                   <c:v>1.42</c:v>
@@ -2646,7 +2649,7 @@
                   <c:v>4.7699999999999996</c:v>
                 </c:pt>
                 <c:pt idx="52">
-                  <c:v>1.6800000000000113</c:v>
+                  <c:v>1.6800000000000115</c:v>
                 </c:pt>
                 <c:pt idx="53">
                   <c:v>2.69</c:v>
@@ -2658,7 +2661,7 @@
                   <c:v>2.98</c:v>
                 </c:pt>
                 <c:pt idx="56">
-                  <c:v>1.9800000000000115</c:v>
+                  <c:v>1.9800000000000118</c:v>
                 </c:pt>
                 <c:pt idx="57">
                   <c:v>5.79</c:v>
@@ -2685,11 +2688,11 @@
             </c:numRef>
           </c:yVal>
         </c:ser>
-        <c:axId val="71189248"/>
-        <c:axId val="71191936"/>
+        <c:axId val="72407296"/>
+        <c:axId val="72757632"/>
       </c:scatterChart>
       <c:valAx>
-        <c:axId val="71189248"/>
+        <c:axId val="72407296"/>
         <c:scaling>
           <c:orientation val="minMax"/>
         </c:scaling>
@@ -2725,13 +2728,13 @@
             <a:endParaRPr lang="es-ES"/>
           </a:p>
         </c:txPr>
-        <c:crossAx val="71191936"/>
+        <c:crossAx val="72757632"/>
         <c:crosses val="autoZero"/>
         <c:crossBetween val="midCat"/>
         <c:majorUnit val="5"/>
       </c:valAx>
       <c:valAx>
-        <c:axId val="71191936"/>
+        <c:axId val="72757632"/>
         <c:scaling>
           <c:orientation val="minMax"/>
         </c:scaling>
@@ -2775,7 +2778,7 @@
             <a:endParaRPr lang="es-ES"/>
           </a:p>
         </c:txPr>
-        <c:crossAx val="71189248"/>
+        <c:crossAx val="72407296"/>
         <c:crosses val="autoZero"/>
         <c:crossBetween val="midCat"/>
       </c:valAx>
@@ -2788,7 +2791,7 @@
           <c:yMode val="edge"/>
           <c:x val="0.74133589770230268"/>
           <c:y val="0.71233526043915962"/>
-          <c:w val="0.24201434347572595"/>
+          <c:w val="0.24201434347572601"/>
           <c:h val="0.16317756172635517"/>
         </c:manualLayout>
       </c:layout>
@@ -2841,7 +2844,7 @@
           <c:x val="5.0128971669717602E-2"/>
           <c:y val="0.16285573489051136"/>
           <c:w val="0.91229087688864363"/>
-          <c:h val="0.42844667523762542"/>
+          <c:h val="0.42844667523762553"/>
         </c:manualLayout>
       </c:layout>
       <c:scatterChart>
@@ -3075,7 +3078,7 @@
                   <c:v>3.6579999999999999</c:v>
                 </c:pt>
                 <c:pt idx="5">
-                  <c:v>1.2189999999999852</c:v>
+                  <c:v>1.218999999999985</c:v>
                 </c:pt>
                 <c:pt idx="6">
                   <c:v>1.829</c:v>
@@ -3093,7 +3096,7 @@
                   <c:v>4.2669999999999995</c:v>
                 </c:pt>
                 <c:pt idx="11">
-                  <c:v>1.2189999999999852</c:v>
+                  <c:v>1.218999999999985</c:v>
                 </c:pt>
                 <c:pt idx="12">
                   <c:v>0.61000000000000065</c:v>
@@ -3126,7 +3129,7 @@
                   <c:v>1.829</c:v>
                 </c:pt>
                 <c:pt idx="22">
-                  <c:v>1.2189999999999852</c:v>
+                  <c:v>1.218999999999985</c:v>
                 </c:pt>
                 <c:pt idx="23">
                   <c:v>4.2669999999999995</c:v>
@@ -3135,7 +3138,7 @@
                   <c:v>0.61000000000000065</c:v>
                 </c:pt>
                 <c:pt idx="25">
-                  <c:v>1.2189999999999852</c:v>
+                  <c:v>1.218999999999985</c:v>
                 </c:pt>
                 <c:pt idx="26">
                   <c:v>4.8769999999999998</c:v>
@@ -3147,10 +3150,10 @@
                   <c:v>1.829</c:v>
                 </c:pt>
                 <c:pt idx="29">
-                  <c:v>1.2189999999999852</c:v>
+                  <c:v>1.218999999999985</c:v>
                 </c:pt>
                 <c:pt idx="30">
-                  <c:v>1.2189999999999852</c:v>
+                  <c:v>1.218999999999985</c:v>
                 </c:pt>
                 <c:pt idx="31">
                   <c:v>7.3149999999999755</c:v>
@@ -3171,7 +3174,7 @@
                   <c:v>2.4379999999999997</c:v>
                 </c:pt>
                 <c:pt idx="37">
-                  <c:v>1.2189999999999852</c:v>
+                  <c:v>1.218999999999985</c:v>
                 </c:pt>
                 <c:pt idx="38">
                   <c:v>2.4379999999999997</c:v>
@@ -3186,19 +3189,19 @@
                   <c:v>0.61000000000000065</c:v>
                 </c:pt>
                 <c:pt idx="42">
-                  <c:v>1.2189999999999852</c:v>
+                  <c:v>1.218999999999985</c:v>
                 </c:pt>
                 <c:pt idx="43">
                   <c:v>2.4379999999999997</c:v>
                 </c:pt>
                 <c:pt idx="44">
-                  <c:v>1.2189999999999852</c:v>
+                  <c:v>1.218999999999985</c:v>
                 </c:pt>
                 <c:pt idx="45">
                   <c:v>10.973000000000004</c:v>
                 </c:pt>
                 <c:pt idx="46">
-                  <c:v>1.2189999999999852</c:v>
+                  <c:v>1.218999999999985</c:v>
                 </c:pt>
                 <c:pt idx="47">
                   <c:v>3.048</c:v>
@@ -3486,7 +3489,7 @@
                   <c:v>3.145</c:v>
                 </c:pt>
                 <c:pt idx="2">
-                  <c:v>8.1239999999999988</c:v>
+                  <c:v>8.1240000000000006</c:v>
                 </c:pt>
                 <c:pt idx="3">
                   <c:v>1.9650000000000001</c:v>
@@ -3504,7 +3507,7 @@
                   <c:v>0.96800000000000064</c:v>
                 </c:pt>
                 <c:pt idx="8">
-                  <c:v>1.9800000000000131</c:v>
+                  <c:v>1.9800000000000133</c:v>
                 </c:pt>
                 <c:pt idx="9">
                   <c:v>0.71100000000000063</c:v>
@@ -3516,7 +3519,7 @@
                   <c:v>1.002</c:v>
                 </c:pt>
                 <c:pt idx="12">
-                  <c:v>0.75300000000000633</c:v>
+                  <c:v>0.75300000000000644</c:v>
                 </c:pt>
                 <c:pt idx="13">
                   <c:v>2.8809999999999998</c:v>
@@ -3546,7 +3549,7 @@
                   <c:v>0.68899999999999995</c:v>
                 </c:pt>
                 <c:pt idx="22">
-                  <c:v>1.0289999999999868</c:v>
+                  <c:v>1.0289999999999866</c:v>
                 </c:pt>
                 <c:pt idx="23">
                   <c:v>1.734</c:v>
@@ -3567,7 +3570,7 @@
                   <c:v>2.641</c:v>
                 </c:pt>
                 <c:pt idx="29">
-                  <c:v>1.2069999999999852</c:v>
+                  <c:v>1.206999999999985</c:v>
                 </c:pt>
                 <c:pt idx="30">
                   <c:v>1.768</c:v>
@@ -3591,7 +3594,7 @@
                   <c:v>2.48</c:v>
                 </c:pt>
                 <c:pt idx="37">
-                  <c:v>0.77900000000000724</c:v>
+                  <c:v>0.77900000000000735</c:v>
                 </c:pt>
                 <c:pt idx="38">
                   <c:v>2.8179999999999987</c:v>
@@ -3612,13 +3615,13 @@
                   <c:v>2.3899999999999997</c:v>
                 </c:pt>
                 <c:pt idx="44">
-                  <c:v>1.2609999999999868</c:v>
+                  <c:v>1.2609999999999866</c:v>
                 </c:pt>
                 <c:pt idx="45">
                   <c:v>5.7910000000000004</c:v>
                 </c:pt>
                 <c:pt idx="46">
-                  <c:v>1.8959999999999868</c:v>
+                  <c:v>1.8959999999999866</c:v>
                 </c:pt>
                 <c:pt idx="47">
                   <c:v>3.2330000000000001</c:v>
@@ -3639,7 +3642,7 @@
                   <c:v>1.161</c:v>
                 </c:pt>
                 <c:pt idx="53">
-                  <c:v>1.6459999999999868</c:v>
+                  <c:v>1.6459999999999866</c:v>
                 </c:pt>
                 <c:pt idx="54">
                   <c:v>0.90500000000000003</c:v>
@@ -3648,7 +3651,7 @@
                   <c:v>5.6579999999999755</c:v>
                 </c:pt>
                 <c:pt idx="56">
-                  <c:v>1.1659999999999879</c:v>
+                  <c:v>1.1659999999999877</c:v>
                 </c:pt>
                 <c:pt idx="57">
                   <c:v>10.596</c:v>
@@ -3675,11 +3678,11 @@
             </c:numRef>
           </c:yVal>
         </c:ser>
-        <c:axId val="74186112"/>
-        <c:axId val="74665344"/>
+        <c:axId val="72778880"/>
+        <c:axId val="72780800"/>
       </c:scatterChart>
       <c:valAx>
-        <c:axId val="74186112"/>
+        <c:axId val="72778880"/>
         <c:scaling>
           <c:orientation val="minMax"/>
         </c:scaling>
@@ -3716,13 +3719,13 @@
             <a:endParaRPr lang="es-ES"/>
           </a:p>
         </c:txPr>
-        <c:crossAx val="74665344"/>
+        <c:crossAx val="72780800"/>
         <c:crosses val="autoZero"/>
         <c:crossBetween val="midCat"/>
         <c:majorUnit val="5"/>
       </c:valAx>
       <c:valAx>
-        <c:axId val="74665344"/>
+        <c:axId val="72780800"/>
         <c:scaling>
           <c:orientation val="minMax"/>
         </c:scaling>
@@ -3766,7 +3769,7 @@
             <a:endParaRPr lang="es-ES"/>
           </a:p>
         </c:txPr>
-        <c:crossAx val="74186112"/>
+        <c:crossAx val="72778880"/>
         <c:crosses val="autoZero"/>
         <c:crossBetween val="midCat"/>
       </c:valAx>
@@ -3779,7 +3782,7 @@
           <c:yMode val="edge"/>
           <c:x val="0.74133589770230268"/>
           <c:y val="0.71233526043915962"/>
-          <c:w val="0.24201434347572595"/>
+          <c:w val="0.24201434347572601"/>
           <c:h val="0.16317756172635517"/>
         </c:manualLayout>
       </c:layout>
@@ -3815,7 +3818,7 @@
           <c:x val="0.10048349150099888"/>
           <c:y val="4.1238940589567646E-2"/>
           <c:w val="0.87042860499284569"/>
-          <c:h val="0.75935138208448794"/>
+          <c:h val="0.75935138208448805"/>
         </c:manualLayout>
       </c:layout>
       <c:scatterChart>
@@ -3883,7 +3886,7 @@
                   <c:v>3.3899999999999997</c:v>
                 </c:pt>
                 <c:pt idx="15">
-                  <c:v>1.9500000000000113</c:v>
+                  <c:v>1.9500000000000115</c:v>
                 </c:pt>
                 <c:pt idx="16">
                   <c:v>1.42</c:v>
@@ -3994,7 +3997,7 @@
                   <c:v>4.7699999999999996</c:v>
                 </c:pt>
                 <c:pt idx="52">
-                  <c:v>1.6800000000000113</c:v>
+                  <c:v>1.6800000000000115</c:v>
                 </c:pt>
                 <c:pt idx="53">
                   <c:v>2.69</c:v>
@@ -4006,7 +4009,7 @@
                   <c:v>2.98</c:v>
                 </c:pt>
                 <c:pt idx="56">
-                  <c:v>1.9800000000000126</c:v>
+                  <c:v>1.9800000000000129</c:v>
                 </c:pt>
                 <c:pt idx="57">
                   <c:v>5.79</c:v>
@@ -4054,7 +4057,7 @@
                   <c:v>3.6579999999999999</c:v>
                 </c:pt>
                 <c:pt idx="5">
-                  <c:v>1.2189999999999857</c:v>
+                  <c:v>1.2189999999999854</c:v>
                 </c:pt>
                 <c:pt idx="6">
                   <c:v>1.829</c:v>
@@ -4072,7 +4075,7 @@
                   <c:v>4.2669999999999995</c:v>
                 </c:pt>
                 <c:pt idx="11">
-                  <c:v>1.2189999999999857</c:v>
+                  <c:v>1.2189999999999854</c:v>
                 </c:pt>
                 <c:pt idx="12">
                   <c:v>0.61000000000000065</c:v>
@@ -4105,7 +4108,7 @@
                   <c:v>1.829</c:v>
                 </c:pt>
                 <c:pt idx="22">
-                  <c:v>1.2189999999999857</c:v>
+                  <c:v>1.2189999999999854</c:v>
                 </c:pt>
                 <c:pt idx="23">
                   <c:v>4.2669999999999995</c:v>
@@ -4114,7 +4117,7 @@
                   <c:v>0.61000000000000065</c:v>
                 </c:pt>
                 <c:pt idx="25">
-                  <c:v>1.2189999999999857</c:v>
+                  <c:v>1.2189999999999854</c:v>
                 </c:pt>
                 <c:pt idx="26">
                   <c:v>4.8769999999999998</c:v>
@@ -4126,10 +4129,10 @@
                   <c:v>1.829</c:v>
                 </c:pt>
                 <c:pt idx="29">
-                  <c:v>1.2189999999999857</c:v>
+                  <c:v>1.2189999999999854</c:v>
                 </c:pt>
                 <c:pt idx="30">
-                  <c:v>1.2189999999999857</c:v>
+                  <c:v>1.2189999999999854</c:v>
                 </c:pt>
                 <c:pt idx="31">
                   <c:v>7.3149999999999755</c:v>
@@ -4150,7 +4153,7 @@
                   <c:v>2.4379999999999997</c:v>
                 </c:pt>
                 <c:pt idx="37">
-                  <c:v>1.2189999999999857</c:v>
+                  <c:v>1.2189999999999854</c:v>
                 </c:pt>
                 <c:pt idx="38">
                   <c:v>2.4379999999999997</c:v>
@@ -4165,19 +4168,19 @@
                   <c:v>0.61000000000000065</c:v>
                 </c:pt>
                 <c:pt idx="42">
-                  <c:v>1.2189999999999857</c:v>
+                  <c:v>1.2189999999999854</c:v>
                 </c:pt>
                 <c:pt idx="43">
                   <c:v>2.4379999999999997</c:v>
                 </c:pt>
                 <c:pt idx="44">
-                  <c:v>1.2189999999999857</c:v>
+                  <c:v>1.2189999999999854</c:v>
                 </c:pt>
                 <c:pt idx="45">
                   <c:v>10.973000000000004</c:v>
                 </c:pt>
                 <c:pt idx="46">
-                  <c:v>1.2189999999999857</c:v>
+                  <c:v>1.2189999999999854</c:v>
                 </c:pt>
                 <c:pt idx="47">
                   <c:v>3.048</c:v>
@@ -4341,11 +4344,11 @@
             </c:numRef>
           </c:yVal>
         </c:ser>
-        <c:axId val="89252992"/>
-        <c:axId val="89254912"/>
+        <c:axId val="72803456"/>
+        <c:axId val="72805376"/>
       </c:scatterChart>
       <c:valAx>
-        <c:axId val="89252992"/>
+        <c:axId val="72803456"/>
         <c:scaling>
           <c:orientation val="minMax"/>
           <c:max val="8"/>
@@ -4387,13 +4390,13 @@
             <a:endParaRPr lang="es-ES"/>
           </a:p>
         </c:txPr>
-        <c:crossAx val="89254912"/>
+        <c:crossAx val="72805376"/>
         <c:crosses val="autoZero"/>
         <c:crossBetween val="midCat"/>
         <c:majorUnit val="2"/>
       </c:valAx>
       <c:valAx>
-        <c:axId val="89254912"/>
+        <c:axId val="72805376"/>
         <c:scaling>
           <c:orientation val="minMax"/>
         </c:scaling>
@@ -4435,7 +4438,7 @@
             <a:endParaRPr lang="es-ES"/>
           </a:p>
         </c:txPr>
-        <c:crossAx val="89252992"/>
+        <c:crossAx val="72803456"/>
         <c:crosses val="autoZero"/>
         <c:crossBetween val="midCat"/>
       </c:valAx>
@@ -4461,7 +4464,7 @@
           <c:x val="0.10048349150099888"/>
           <c:y val="4.1238940589567646E-2"/>
           <c:w val="0.87042860499284569"/>
-          <c:h val="0.75935138208448771"/>
+          <c:h val="0.75935138208448782"/>
         </c:manualLayout>
       </c:layout>
       <c:scatterChart>
@@ -4490,7 +4493,7 @@
                   <c:v>3.145</c:v>
                 </c:pt>
                 <c:pt idx="2">
-                  <c:v>8.1239999999999988</c:v>
+                  <c:v>8.1240000000000006</c:v>
                 </c:pt>
                 <c:pt idx="3">
                   <c:v>1.9650000000000001</c:v>
@@ -4508,7 +4511,7 @@
                   <c:v>0.96800000000000064</c:v>
                 </c:pt>
                 <c:pt idx="8">
-                  <c:v>1.9800000000000126</c:v>
+                  <c:v>1.9800000000000129</c:v>
                 </c:pt>
                 <c:pt idx="9">
                   <c:v>0.71100000000000063</c:v>
@@ -4520,7 +4523,7 @@
                   <c:v>1.002</c:v>
                 </c:pt>
                 <c:pt idx="12">
-                  <c:v>0.75300000000000611</c:v>
+                  <c:v>0.75300000000000622</c:v>
                 </c:pt>
                 <c:pt idx="13">
                   <c:v>2.8809999999999998</c:v>
@@ -4550,7 +4553,7 @@
                   <c:v>0.68899999999999995</c:v>
                 </c:pt>
                 <c:pt idx="22">
-                  <c:v>1.0289999999999873</c:v>
+                  <c:v>1.028999999999987</c:v>
                 </c:pt>
                 <c:pt idx="23">
                   <c:v>1.734</c:v>
@@ -4571,7 +4574,7 @@
                   <c:v>2.641</c:v>
                 </c:pt>
                 <c:pt idx="29">
-                  <c:v>1.2069999999999856</c:v>
+                  <c:v>1.2069999999999854</c:v>
                 </c:pt>
                 <c:pt idx="30">
                   <c:v>1.768</c:v>
@@ -4595,7 +4598,7 @@
                   <c:v>2.48</c:v>
                 </c:pt>
                 <c:pt idx="37">
-                  <c:v>0.77900000000000702</c:v>
+                  <c:v>0.77900000000000713</c:v>
                 </c:pt>
                 <c:pt idx="38">
                   <c:v>2.8179999999999987</c:v>
@@ -4616,13 +4619,13 @@
                   <c:v>2.3899999999999997</c:v>
                 </c:pt>
                 <c:pt idx="44">
-                  <c:v>1.2609999999999872</c:v>
+                  <c:v>1.260999999999987</c:v>
                 </c:pt>
                 <c:pt idx="45">
                   <c:v>5.7910000000000004</c:v>
                 </c:pt>
                 <c:pt idx="46">
-                  <c:v>1.8959999999999873</c:v>
+                  <c:v>1.895999999999987</c:v>
                 </c:pt>
                 <c:pt idx="47">
                   <c:v>3.2330000000000001</c:v>
@@ -4643,7 +4646,7 @@
                   <c:v>1.161</c:v>
                 </c:pt>
                 <c:pt idx="53">
-                  <c:v>1.6459999999999873</c:v>
+                  <c:v>1.645999999999987</c:v>
                 </c:pt>
                 <c:pt idx="54">
                   <c:v>0.90500000000000003</c:v>
@@ -4652,7 +4655,7 @@
                   <c:v>5.6579999999999755</c:v>
                 </c:pt>
                 <c:pt idx="56">
-                  <c:v>1.1659999999999884</c:v>
+                  <c:v>1.1659999999999882</c:v>
                 </c:pt>
                 <c:pt idx="57">
                   <c:v>10.596</c:v>
@@ -4700,7 +4703,7 @@
                   <c:v>3.6579999999999999</c:v>
                 </c:pt>
                 <c:pt idx="5">
-                  <c:v>1.2189999999999857</c:v>
+                  <c:v>1.2189999999999854</c:v>
                 </c:pt>
                 <c:pt idx="6">
                   <c:v>1.829</c:v>
@@ -4718,7 +4721,7 @@
                   <c:v>4.2669999999999995</c:v>
                 </c:pt>
                 <c:pt idx="11">
-                  <c:v>1.2189999999999857</c:v>
+                  <c:v>1.2189999999999854</c:v>
                 </c:pt>
                 <c:pt idx="12">
                   <c:v>0.61000000000000065</c:v>
@@ -4751,7 +4754,7 @@
                   <c:v>1.829</c:v>
                 </c:pt>
                 <c:pt idx="22">
-                  <c:v>1.2189999999999857</c:v>
+                  <c:v>1.2189999999999854</c:v>
                 </c:pt>
                 <c:pt idx="23">
                   <c:v>4.2669999999999995</c:v>
@@ -4760,7 +4763,7 @@
                   <c:v>0.61000000000000065</c:v>
                 </c:pt>
                 <c:pt idx="25">
-                  <c:v>1.2189999999999857</c:v>
+                  <c:v>1.2189999999999854</c:v>
                 </c:pt>
                 <c:pt idx="26">
                   <c:v>4.8769999999999998</c:v>
@@ -4772,10 +4775,10 @@
                   <c:v>1.829</c:v>
                 </c:pt>
                 <c:pt idx="29">
-                  <c:v>1.2189999999999857</c:v>
+                  <c:v>1.2189999999999854</c:v>
                 </c:pt>
                 <c:pt idx="30">
-                  <c:v>1.2189999999999857</c:v>
+                  <c:v>1.2189999999999854</c:v>
                 </c:pt>
                 <c:pt idx="31">
                   <c:v>7.3149999999999755</c:v>
@@ -4796,7 +4799,7 @@
                   <c:v>2.4379999999999997</c:v>
                 </c:pt>
                 <c:pt idx="37">
-                  <c:v>1.2189999999999857</c:v>
+                  <c:v>1.2189999999999854</c:v>
                 </c:pt>
                 <c:pt idx="38">
                   <c:v>2.4379999999999997</c:v>
@@ -4811,19 +4814,19 @@
                   <c:v>0.61000000000000065</c:v>
                 </c:pt>
                 <c:pt idx="42">
-                  <c:v>1.2189999999999857</c:v>
+                  <c:v>1.2189999999999854</c:v>
                 </c:pt>
                 <c:pt idx="43">
                   <c:v>2.4379999999999997</c:v>
                 </c:pt>
                 <c:pt idx="44">
-                  <c:v>1.2189999999999857</c:v>
+                  <c:v>1.2189999999999854</c:v>
                 </c:pt>
                 <c:pt idx="45">
                   <c:v>10.973000000000004</c:v>
                 </c:pt>
                 <c:pt idx="46">
-                  <c:v>1.2189999999999857</c:v>
+                  <c:v>1.2189999999999854</c:v>
                 </c:pt>
                 <c:pt idx="47">
                   <c:v>3.048</c:v>
@@ -4987,11 +4990,11 @@
             </c:numRef>
           </c:yVal>
         </c:ser>
-        <c:axId val="95868032"/>
-        <c:axId val="95869952"/>
+        <c:axId val="72842240"/>
+        <c:axId val="72856704"/>
       </c:scatterChart>
       <c:valAx>
-        <c:axId val="95868032"/>
+        <c:axId val="72842240"/>
         <c:scaling>
           <c:orientation val="minMax"/>
           <c:max val="8"/>
@@ -5037,13 +5040,13 @@
             <a:endParaRPr lang="es-ES"/>
           </a:p>
         </c:txPr>
-        <c:crossAx val="95869952"/>
+        <c:crossAx val="72856704"/>
         <c:crosses val="autoZero"/>
         <c:crossBetween val="midCat"/>
         <c:majorUnit val="2"/>
       </c:valAx>
       <c:valAx>
-        <c:axId val="95869952"/>
+        <c:axId val="72856704"/>
         <c:scaling>
           <c:orientation val="minMax"/>
         </c:scaling>
@@ -5085,7 +5088,7 @@
             <a:endParaRPr lang="es-ES"/>
           </a:p>
         </c:txPr>
-        <c:crossAx val="95868032"/>
+        <c:crossAx val="72842240"/>
         <c:crosses val="autoZero"/>
         <c:crossBetween val="midCat"/>
       </c:valAx>
@@ -5179,7 +5182,7 @@
             <a:fld id="{6F7DFDAF-273A-4B14-B585-9A1EB6FB1D1C}" type="datetimeFigureOut">
               <a:rPr lang="es-ES" smtClean="0"/>
               <a:pPr/>
-              <a:t>08/08/2010</a:t>
+              <a:t>09/08/2010</a:t>
             </a:fld>
             <a:endParaRPr lang="es-ES"/>
           </a:p>
@@ -7589,7 +7592,7 @@
             <a:fld id="{3841DEE1-7CBC-4AC5-8CB0-36222882615A}" type="datetimeFigureOut">
               <a:rPr lang="es-AR" smtClean="0"/>
               <a:pPr/>
-              <a:t>08/08/2010</a:t>
+              <a:t>09/08/2010</a:t>
             </a:fld>
             <a:endParaRPr lang="es-AR"/>
           </a:p>
@@ -7756,7 +7759,7 @@
             <a:fld id="{3841DEE1-7CBC-4AC5-8CB0-36222882615A}" type="datetimeFigureOut">
               <a:rPr lang="es-AR" smtClean="0"/>
               <a:pPr/>
-              <a:t>08/08/2010</a:t>
+              <a:t>09/08/2010</a:t>
             </a:fld>
             <a:endParaRPr lang="es-AR"/>
           </a:p>
@@ -7933,7 +7936,7 @@
             <a:fld id="{3841DEE1-7CBC-4AC5-8CB0-36222882615A}" type="datetimeFigureOut">
               <a:rPr lang="es-AR" smtClean="0"/>
               <a:pPr/>
-              <a:t>08/08/2010</a:t>
+              <a:t>09/08/2010</a:t>
             </a:fld>
             <a:endParaRPr lang="es-AR"/>
           </a:p>
@@ -8100,7 +8103,7 @@
             <a:fld id="{3841DEE1-7CBC-4AC5-8CB0-36222882615A}" type="datetimeFigureOut">
               <a:rPr lang="es-AR" smtClean="0"/>
               <a:pPr/>
-              <a:t>08/08/2010</a:t>
+              <a:t>09/08/2010</a:t>
             </a:fld>
             <a:endParaRPr lang="es-AR"/>
           </a:p>
@@ -8344,7 +8347,7 @@
             <a:fld id="{3841DEE1-7CBC-4AC5-8CB0-36222882615A}" type="datetimeFigureOut">
               <a:rPr lang="es-AR" smtClean="0"/>
               <a:pPr/>
-              <a:t>08/08/2010</a:t>
+              <a:t>09/08/2010</a:t>
             </a:fld>
             <a:endParaRPr lang="es-AR"/>
           </a:p>
@@ -8610,7 +8613,7 @@
             <a:fld id="{3841DEE1-7CBC-4AC5-8CB0-36222882615A}" type="datetimeFigureOut">
               <a:rPr lang="es-AR" smtClean="0"/>
               <a:pPr/>
-              <a:t>08/08/2010</a:t>
+              <a:t>09/08/2010</a:t>
             </a:fld>
             <a:endParaRPr lang="es-AR"/>
           </a:p>
@@ -8990,7 +8993,7 @@
             <a:fld id="{3841DEE1-7CBC-4AC5-8CB0-36222882615A}" type="datetimeFigureOut">
               <a:rPr lang="es-AR" smtClean="0"/>
               <a:pPr/>
-              <a:t>08/08/2010</a:t>
+              <a:t>09/08/2010</a:t>
             </a:fld>
             <a:endParaRPr lang="es-AR"/>
           </a:p>
@@ -9142,7 +9145,7 @@
             <a:fld id="{3841DEE1-7CBC-4AC5-8CB0-36222882615A}" type="datetimeFigureOut">
               <a:rPr lang="es-AR" smtClean="0"/>
               <a:pPr/>
-              <a:t>08/08/2010</a:t>
+              <a:t>09/08/2010</a:t>
             </a:fld>
             <a:endParaRPr lang="es-AR"/>
           </a:p>
@@ -9234,7 +9237,7 @@
             <a:fld id="{3841DEE1-7CBC-4AC5-8CB0-36222882615A}" type="datetimeFigureOut">
               <a:rPr lang="es-AR" smtClean="0"/>
               <a:pPr/>
-              <a:t>08/08/2010</a:t>
+              <a:t>09/08/2010</a:t>
             </a:fld>
             <a:endParaRPr lang="es-AR"/>
           </a:p>
@@ -9497,7 +9500,7 @@
             <a:fld id="{3841DEE1-7CBC-4AC5-8CB0-36222882615A}" type="datetimeFigureOut">
               <a:rPr lang="es-AR" smtClean="0"/>
               <a:pPr/>
-              <a:t>08/08/2010</a:t>
+              <a:t>09/08/2010</a:t>
             </a:fld>
             <a:endParaRPr lang="es-AR"/>
           </a:p>
@@ -9787,7 +9790,7 @@
             <a:fld id="{3841DEE1-7CBC-4AC5-8CB0-36222882615A}" type="datetimeFigureOut">
               <a:rPr lang="es-AR" smtClean="0"/>
               <a:pPr/>
-              <a:t>08/08/2010</a:t>
+              <a:t>09/08/2010</a:t>
             </a:fld>
             <a:endParaRPr lang="es-AR"/>
           </a:p>
@@ -10560,7 +10563,7 @@
             <a:fld id="{3841DEE1-7CBC-4AC5-8CB0-36222882615A}" type="datetimeFigureOut">
               <a:rPr lang="es-AR" smtClean="0"/>
               <a:pPr/>
-              <a:t>08/08/2010</a:t>
+              <a:t>09/08/2010</a:t>
             </a:fld>
             <a:endParaRPr lang="es-AR"/>
           </a:p>
@@ -12623,11 +12626,7 @@
             <a:pPr lvl="1"/>
             <a:r>
               <a:rPr lang="es-US" dirty="0" smtClean="0"/>
-              <a:t>Logra</a:t>
-            </a:r>
-            <a:r>
-              <a:rPr lang="es-US" dirty="0" smtClean="0"/>
-              <a:t> pronosticar olas de todo el mundo</a:t>
+              <a:t>Logra pronosticar olas de todo el mundo</a:t>
             </a:r>
           </a:p>
           <a:p>
@@ -12650,7 +12649,6 @@
               <a:rPr lang="es-US" dirty="0" smtClean="0"/>
               <a:t>Usuarios registrados pueden persistir sus propias olas</a:t>
             </a:r>
-            <a:endParaRPr lang="es-US" dirty="0" smtClean="0"/>
           </a:p>
           <a:p>
             <a:r>
@@ -13048,11 +13046,7 @@
           <a:p>
             <a:r>
               <a:rPr lang="es-US" dirty="0" smtClean="0"/>
-              <a:t>Surf-Forecaster </a:t>
-            </a:r>
-            <a:r>
-              <a:rPr lang="es-US" dirty="0" smtClean="0"/>
-              <a:t>(5)</a:t>
+              <a:t>Surf-Forecaster (5)</a:t>
             </a:r>
             <a:endParaRPr lang="es-ES" dirty="0"/>
           </a:p>
@@ -13384,11 +13378,7 @@
           <a:p>
             <a:r>
               <a:rPr lang="es-US" dirty="0" smtClean="0"/>
-              <a:t>Surf-Forecaster </a:t>
-            </a:r>
-            <a:r>
-              <a:rPr lang="es-US" dirty="0" smtClean="0"/>
-              <a:t>(6)</a:t>
+              <a:t>Surf-Forecaster (6)</a:t>
             </a:r>
             <a:endParaRPr lang="es-ES" dirty="0"/>
           </a:p>
@@ -13508,11 +13498,7 @@
           <a:p>
             <a:r>
               <a:rPr lang="es-US" dirty="0" smtClean="0"/>
-              <a:t>Surf-Forecaster </a:t>
-            </a:r>
-            <a:r>
-              <a:rPr lang="es-US" dirty="0" smtClean="0"/>
-              <a:t>(7)</a:t>
+              <a:t>Surf-Forecaster (7)</a:t>
             </a:r>
             <a:endParaRPr lang="es-ES" dirty="0"/>
           </a:p>
@@ -13637,11 +13623,7 @@
           <a:p>
             <a:r>
               <a:rPr lang="es-US" dirty="0" smtClean="0"/>
-              <a:t>Surf-Forecaster </a:t>
-            </a:r>
-            <a:r>
-              <a:rPr lang="es-US" dirty="0" smtClean="0"/>
-              <a:t>(8)</a:t>
+              <a:t>Surf-Forecaster (8)</a:t>
             </a:r>
             <a:endParaRPr lang="es-ES" dirty="0"/>
           </a:p>
@@ -13766,11 +13748,7 @@
           <a:p>
             <a:r>
               <a:rPr lang="es-US" dirty="0" smtClean="0"/>
-              <a:t>Surf-Forecaster </a:t>
-            </a:r>
-            <a:r>
-              <a:rPr lang="es-US" dirty="0" smtClean="0"/>
-              <a:t>(9)</a:t>
+              <a:t>Surf-Forecaster (9)</a:t>
             </a:r>
             <a:endParaRPr lang="es-ES" dirty="0"/>
           </a:p>
@@ -13895,11 +13873,7 @@
           <a:p>
             <a:r>
               <a:rPr lang="es-US" dirty="0" smtClean="0"/>
-              <a:t>Surf-Forecaster </a:t>
-            </a:r>
-            <a:r>
-              <a:rPr lang="es-US" dirty="0" smtClean="0"/>
-              <a:t>(10)</a:t>
+              <a:t>Surf-Forecaster (10)</a:t>
             </a:r>
             <a:endParaRPr lang="es-ES" dirty="0"/>
           </a:p>
@@ -13927,11 +13901,7 @@
           <a:p>
             <a:r>
               <a:rPr lang="es-US" sz="2000" dirty="0" smtClean="0"/>
-              <a:t>Nueva ola (solo usuarios registrados) </a:t>
-            </a:r>
-            <a:r>
-              <a:rPr lang="es-US" sz="2000" dirty="0" smtClean="0"/>
-              <a:t>(2)</a:t>
+              <a:t>Nueva ola (solo usuarios registrados) (2)</a:t>
             </a:r>
             <a:endParaRPr lang="es-ES" sz="2000" dirty="0" smtClean="0"/>
           </a:p>
@@ -14184,11 +14154,7 @@
           <a:p>
             <a:r>
               <a:rPr lang="es-US" dirty="0" smtClean="0"/>
-              <a:t>Surf-Forecaster </a:t>
-            </a:r>
-            <a:r>
-              <a:rPr lang="es-US" dirty="0" smtClean="0"/>
-              <a:t>(11)</a:t>
+              <a:t>Surf-Forecaster (11)</a:t>
             </a:r>
             <a:endParaRPr lang="es-ES" dirty="0"/>
           </a:p>
@@ -14593,11 +14559,7 @@
           <a:p>
             <a:r>
               <a:rPr lang="es-US" dirty="0" smtClean="0"/>
-              <a:t>Surf-Forecaster </a:t>
-            </a:r>
-            <a:r>
-              <a:rPr lang="es-US" dirty="0" smtClean="0"/>
-              <a:t>(12)</a:t>
+              <a:t>Agenda</a:t>
             </a:r>
             <a:endParaRPr lang="es-ES" dirty="0"/>
           </a:p>
@@ -14618,7 +14580,166 @@
           <a:bodyPr/>
           <a:lstStyle/>
           <a:p>
-            <a:endParaRPr lang="es-ES"/>
+            <a:r>
+              <a:rPr lang="en-US" dirty="0" err="1" smtClean="0"/>
+              <a:t>Motivación</a:t>
+            </a:r>
+            <a:r>
+              <a:rPr lang="en-US" dirty="0" smtClean="0"/>
+              <a:t> (</a:t>
+            </a:r>
+            <a:r>
+              <a:rPr lang="en-US" dirty="0" err="1" smtClean="0"/>
+              <a:t>Contexto</a:t>
+            </a:r>
+            <a:r>
+              <a:rPr lang="en-US" dirty="0" smtClean="0"/>
+              <a:t> y </a:t>
+            </a:r>
+            <a:r>
+              <a:rPr lang="en-US" dirty="0" err="1" smtClean="0"/>
+              <a:t>Desventajas</a:t>
+            </a:r>
+            <a:r>
+              <a:rPr lang="en-US" dirty="0" smtClean="0"/>
+              <a:t> de lo </a:t>
+            </a:r>
+            <a:r>
+              <a:rPr lang="en-US" dirty="0" err="1" smtClean="0"/>
+              <a:t>que</a:t>
+            </a:r>
+            <a:r>
+              <a:rPr lang="en-US" dirty="0" smtClean="0"/>
+              <a:t> </a:t>
+            </a:r>
+            <a:r>
+              <a:rPr lang="en-US" dirty="0" err="1" smtClean="0"/>
+              <a:t>existe</a:t>
+            </a:r>
+            <a:r>
+              <a:rPr lang="en-US" dirty="0" smtClean="0"/>
+              <a:t>)</a:t>
+            </a:r>
+          </a:p>
+          <a:p>
+            <a:r>
+              <a:rPr lang="en-US" dirty="0" err="1" smtClean="0"/>
+              <a:t>Propuesta</a:t>
+            </a:r>
+            <a:r>
+              <a:rPr lang="en-US" dirty="0" smtClean="0"/>
+              <a:t> (Lo </a:t>
+            </a:r>
+            <a:r>
+              <a:rPr lang="en-US" dirty="0" err="1" smtClean="0"/>
+              <a:t>que</a:t>
+            </a:r>
+            <a:r>
+              <a:rPr lang="en-US" dirty="0" smtClean="0"/>
+              <a:t> </a:t>
+            </a:r>
+            <a:r>
+              <a:rPr lang="en-US" dirty="0" err="1" smtClean="0"/>
+              <a:t>queremos</a:t>
+            </a:r>
+            <a:r>
+              <a:rPr lang="en-US" dirty="0" smtClean="0"/>
+              <a:t> </a:t>
+            </a:r>
+            <a:r>
+              <a:rPr lang="en-US" dirty="0" err="1" smtClean="0"/>
+              <a:t>hacer</a:t>
+            </a:r>
+            <a:r>
+              <a:rPr lang="en-US" dirty="0" smtClean="0"/>
+              <a:t>)</a:t>
+            </a:r>
+          </a:p>
+          <a:p>
+            <a:r>
+              <a:rPr lang="en-US" dirty="0" err="1" smtClean="0"/>
+              <a:t>Trabajos</a:t>
+            </a:r>
+            <a:r>
+              <a:rPr lang="en-US" dirty="0" smtClean="0"/>
+              <a:t> </a:t>
+            </a:r>
+            <a:r>
+              <a:rPr lang="en-US" dirty="0" err="1" smtClean="0"/>
+              <a:t>Relacionados</a:t>
+            </a:r>
+            <a:endParaRPr lang="en-US" dirty="0" smtClean="0"/>
+          </a:p>
+          <a:p>
+            <a:r>
+              <a:rPr lang="en-US" dirty="0" err="1" smtClean="0"/>
+              <a:t>Métodos</a:t>
+            </a:r>
+            <a:r>
+              <a:rPr lang="en-US" dirty="0" smtClean="0"/>
+              <a:t> de </a:t>
+            </a:r>
+            <a:r>
+              <a:rPr lang="en-US" dirty="0" err="1" smtClean="0"/>
+              <a:t>aprendizaje</a:t>
+            </a:r>
+            <a:r>
+              <a:rPr lang="en-US" dirty="0" smtClean="0"/>
+              <a:t> de </a:t>
+            </a:r>
+            <a:r>
+              <a:rPr lang="en-US" dirty="0" err="1" smtClean="0"/>
+              <a:t>máquina</a:t>
+            </a:r>
+            <a:endParaRPr lang="en-US" dirty="0" smtClean="0"/>
+          </a:p>
+          <a:p>
+            <a:r>
+              <a:rPr lang="en-US" dirty="0" err="1" smtClean="0"/>
+              <a:t>WaveWatch</a:t>
+            </a:r>
+            <a:r>
+              <a:rPr lang="en-US" dirty="0" smtClean="0"/>
+              <a:t> III</a:t>
+            </a:r>
+          </a:p>
+          <a:p>
+            <a:r>
+              <a:rPr lang="en-US" dirty="0" err="1" smtClean="0"/>
+              <a:t>Experimentacion</a:t>
+            </a:r>
+            <a:endParaRPr lang="en-US" dirty="0" smtClean="0"/>
+          </a:p>
+          <a:p>
+            <a:r>
+              <a:rPr lang="en-US" dirty="0" smtClean="0"/>
+              <a:t>Surf-Forecaster</a:t>
+            </a:r>
+          </a:p>
+          <a:p>
+            <a:r>
+              <a:rPr lang="en-US" dirty="0" err="1" smtClean="0">
+                <a:solidFill>
+                  <a:schemeClr val="bg2">
+                    <a:lumMod val="25000"/>
+                  </a:schemeClr>
+                </a:solidFill>
+              </a:rPr>
+              <a:t>Conclusiones</a:t>
+            </a:r>
+            <a:endParaRPr lang="en-US" dirty="0" smtClean="0">
+              <a:solidFill>
+                <a:schemeClr val="bg2">
+                  <a:lumMod val="25000"/>
+                </a:schemeClr>
+              </a:solidFill>
+            </a:endParaRPr>
+          </a:p>
+          <a:p>
+            <a:pPr>
+              <a:buNone/>
+            </a:pPr>
+            <a:endParaRPr lang="es-ES" dirty="0"/>
           </a:p>
         </p:txBody>
       </p:sp>
@@ -14634,6 +14755,304 @@
       </p:par>
     </p:tnLst>
   </p:timing>
+</p:sld>
+</file>
+
+<file path=ppt/slides/slide27.xml><?xml version="1.0" encoding="utf-8"?>
+<p:sld xmlns:a="http://schemas.openxmlformats.org/drawingml/2006/main" xmlns:r="http://schemas.openxmlformats.org/officeDocument/2006/relationships" xmlns:p="http://schemas.openxmlformats.org/presentationml/2006/main">
+  <p:cSld>
+    <p:spTree>
+      <p:nvGrpSpPr>
+        <p:cNvPr id="1" name=""/>
+        <p:cNvGrpSpPr/>
+        <p:nvPr/>
+      </p:nvGrpSpPr>
+      <p:grpSpPr>
+        <a:xfrm>
+          <a:off x="0" y="0"/>
+          <a:ext cx="0" cy="0"/>
+          <a:chOff x="0" y="0"/>
+          <a:chExt cx="0" cy="0"/>
+        </a:xfrm>
+      </p:grpSpPr>
+      <p:sp>
+        <p:nvSpPr>
+          <p:cNvPr id="2" name="1 Título"/>
+          <p:cNvSpPr>
+            <a:spLocks noGrp="1"/>
+          </p:cNvSpPr>
+          <p:nvPr>
+            <p:ph type="title"/>
+          </p:nvPr>
+        </p:nvSpPr>
+        <p:spPr/>
+        <p:txBody>
+          <a:bodyPr/>
+          <a:lstStyle/>
+          <a:p>
+            <a:r>
+              <a:rPr lang="es-US" dirty="0" smtClean="0"/>
+              <a:t>Conclusiones (1)</a:t>
+            </a:r>
+            <a:endParaRPr lang="es-ES" dirty="0"/>
+          </a:p>
+        </p:txBody>
+      </p:sp>
+      <p:sp>
+        <p:nvSpPr>
+          <p:cNvPr id="3" name="2 Marcador de contenido"/>
+          <p:cNvSpPr>
+            <a:spLocks noGrp="1"/>
+          </p:cNvSpPr>
+          <p:nvPr>
+            <p:ph idx="1"/>
+          </p:nvPr>
+        </p:nvSpPr>
+        <p:spPr/>
+        <p:txBody>
+          <a:bodyPr/>
+          <a:lstStyle/>
+          <a:p>
+            <a:r>
+              <a:rPr lang="es-US" dirty="0" smtClean="0"/>
+              <a:t>Ventajas del enfoque</a:t>
+            </a:r>
+          </a:p>
+          <a:p>
+            <a:pPr lvl="1"/>
+            <a:r>
+              <a:rPr lang="es-US" dirty="0" smtClean="0"/>
+              <a:t>Utiliza datos sencillos de conseguir.</a:t>
+            </a:r>
+          </a:p>
+          <a:p>
+            <a:pPr lvl="1"/>
+            <a:r>
+              <a:rPr lang="es-US" dirty="0" smtClean="0"/>
+              <a:t>No requiere conocimiento experto.</a:t>
+            </a:r>
+          </a:p>
+          <a:p>
+            <a:pPr lvl="1"/>
+            <a:r>
+              <a:rPr lang="es-US" dirty="0" smtClean="0"/>
+              <a:t>No requiere configuración adicional dependiente del lugar.</a:t>
+            </a:r>
+          </a:p>
+          <a:p>
+            <a:pPr lvl="1"/>
+            <a:r>
+              <a:rPr lang="es-US" dirty="0" smtClean="0"/>
+              <a:t>Predicción a nivel de ola.</a:t>
+            </a:r>
+          </a:p>
+          <a:p>
+            <a:pPr lvl="1"/>
+            <a:r>
+              <a:rPr lang="es-US" dirty="0" smtClean="0"/>
+              <a:t>Elimina la necesidad de recorrer largas distancias buscando mejores olas.</a:t>
+            </a:r>
+          </a:p>
+          <a:p>
+            <a:pPr lvl="1"/>
+            <a:r>
+              <a:rPr lang="es-US" dirty="0" smtClean="0"/>
+              <a:t>Pronostica olas en cualquier lugar del mundo.</a:t>
+            </a:r>
+          </a:p>
+          <a:p>
+            <a:pPr lvl="1"/>
+            <a:r>
+              <a:rPr lang="es-US" dirty="0" smtClean="0"/>
+              <a:t>Ofrece una herramienta para comparar olas.</a:t>
+            </a:r>
+          </a:p>
+          <a:p>
+            <a:pPr lvl="1"/>
+            <a:endParaRPr lang="es-ES" dirty="0"/>
+          </a:p>
+        </p:txBody>
+      </p:sp>
+    </p:spTree>
+  </p:cSld>
+  <p:clrMapOvr>
+    <a:masterClrMapping/>
+  </p:clrMapOvr>
+</p:sld>
+</file>
+
+<file path=ppt/slides/slide28.xml><?xml version="1.0" encoding="utf-8"?>
+<p:sld xmlns:a="http://schemas.openxmlformats.org/drawingml/2006/main" xmlns:r="http://schemas.openxmlformats.org/officeDocument/2006/relationships" xmlns:p="http://schemas.openxmlformats.org/presentationml/2006/main">
+  <p:cSld>
+    <p:spTree>
+      <p:nvGrpSpPr>
+        <p:cNvPr id="1" name=""/>
+        <p:cNvGrpSpPr/>
+        <p:nvPr/>
+      </p:nvGrpSpPr>
+      <p:grpSpPr>
+        <a:xfrm>
+          <a:off x="0" y="0"/>
+          <a:ext cx="0" cy="0"/>
+          <a:chOff x="0" y="0"/>
+          <a:chExt cx="0" cy="0"/>
+        </a:xfrm>
+      </p:grpSpPr>
+      <p:sp>
+        <p:nvSpPr>
+          <p:cNvPr id="2" name="1 Título"/>
+          <p:cNvSpPr>
+            <a:spLocks noGrp="1"/>
+          </p:cNvSpPr>
+          <p:nvPr>
+            <p:ph type="title"/>
+          </p:nvPr>
+        </p:nvSpPr>
+        <p:spPr/>
+        <p:txBody>
+          <a:bodyPr/>
+          <a:lstStyle/>
+          <a:p>
+            <a:r>
+              <a:rPr lang="es-US" dirty="0" smtClean="0"/>
+              <a:t>Conclusiones (2)</a:t>
+            </a:r>
+            <a:endParaRPr lang="es-ES" dirty="0"/>
+          </a:p>
+        </p:txBody>
+      </p:sp>
+      <p:sp>
+        <p:nvSpPr>
+          <p:cNvPr id="3" name="2 Marcador de contenido"/>
+          <p:cNvSpPr>
+            <a:spLocks noGrp="1"/>
+          </p:cNvSpPr>
+          <p:nvPr>
+            <p:ph idx="1"/>
+          </p:nvPr>
+        </p:nvSpPr>
+        <p:spPr/>
+        <p:txBody>
+          <a:bodyPr/>
+          <a:lstStyle/>
+          <a:p>
+            <a:r>
+              <a:rPr lang="es-US" dirty="0" smtClean="0"/>
+              <a:t>Limitaciones</a:t>
+            </a:r>
+          </a:p>
+          <a:p>
+            <a:pPr lvl="1"/>
+            <a:r>
+              <a:rPr lang="es-US" dirty="0" smtClean="0"/>
+              <a:t>Solo predice la altura de la ola deseada.</a:t>
+            </a:r>
+          </a:p>
+          <a:p>
+            <a:pPr lvl="1"/>
+            <a:r>
+              <a:rPr lang="es-US" dirty="0" smtClean="0"/>
+              <a:t>Historia de al menos 60 observaciones visuales.</a:t>
+            </a:r>
+          </a:p>
+          <a:p>
+            <a:pPr lvl="1"/>
+            <a:r>
+              <a:rPr lang="es-US" dirty="0" smtClean="0"/>
+              <a:t>En algunos casos depende de la geografía o arquitectura de la zona.</a:t>
+            </a:r>
+          </a:p>
+          <a:p>
+            <a:pPr lvl="1"/>
+            <a:r>
+              <a:rPr lang="es-US" dirty="0" smtClean="0"/>
+              <a:t>Hardware con grandes capacidades de almacenamiento.</a:t>
+            </a:r>
+            <a:endParaRPr lang="es-ES" dirty="0"/>
+          </a:p>
+        </p:txBody>
+      </p:sp>
+    </p:spTree>
+  </p:cSld>
+  <p:clrMapOvr>
+    <a:masterClrMapping/>
+  </p:clrMapOvr>
+</p:sld>
+</file>
+
+<file path=ppt/slides/slide29.xml><?xml version="1.0" encoding="utf-8"?>
+<p:sld xmlns:a="http://schemas.openxmlformats.org/drawingml/2006/main" xmlns:r="http://schemas.openxmlformats.org/officeDocument/2006/relationships" xmlns:p="http://schemas.openxmlformats.org/presentationml/2006/main">
+  <p:cSld>
+    <p:spTree>
+      <p:nvGrpSpPr>
+        <p:cNvPr id="1" name=""/>
+        <p:cNvGrpSpPr/>
+        <p:nvPr/>
+      </p:nvGrpSpPr>
+      <p:grpSpPr>
+        <a:xfrm>
+          <a:off x="0" y="0"/>
+          <a:ext cx="0" cy="0"/>
+          <a:chOff x="0" y="0"/>
+          <a:chExt cx="0" cy="0"/>
+        </a:xfrm>
+      </p:grpSpPr>
+      <p:sp>
+        <p:nvSpPr>
+          <p:cNvPr id="2" name="1 Título"/>
+          <p:cNvSpPr>
+            <a:spLocks noGrp="1"/>
+          </p:cNvSpPr>
+          <p:nvPr>
+            <p:ph type="title"/>
+          </p:nvPr>
+        </p:nvSpPr>
+        <p:spPr/>
+        <p:txBody>
+          <a:bodyPr/>
+          <a:lstStyle/>
+          <a:p>
+            <a:r>
+              <a:rPr lang="es-US" dirty="0" smtClean="0"/>
+              <a:t>Preguntas</a:t>
+            </a:r>
+            <a:endParaRPr lang="es-ES" dirty="0"/>
+          </a:p>
+        </p:txBody>
+      </p:sp>
+      <p:pic>
+        <p:nvPicPr>
+          <p:cNvPr id="4" name="Picture 4"/>
+          <p:cNvPicPr>
+            <a:picLocks noGrp="1" noChangeAspect="1" noChangeArrowheads="1"/>
+          </p:cNvPicPr>
+          <p:nvPr>
+            <p:ph idx="1"/>
+          </p:nvPr>
+        </p:nvPicPr>
+        <p:blipFill>
+          <a:blip r:embed="rId2"/>
+          <a:srcRect/>
+          <a:stretch>
+            <a:fillRect/>
+          </a:stretch>
+        </p:blipFill>
+        <p:spPr bwMode="auto">
+          <a:xfrm>
+            <a:off x="2973904" y="1935163"/>
+            <a:ext cx="3196192" cy="4389437"/>
+          </a:xfrm>
+          <a:prstGeom prst="rect">
+            <a:avLst/>
+          </a:prstGeom>
+          <a:noFill/>
+        </p:spPr>
+      </p:pic>
+    </p:spTree>
+  </p:cSld>
+  <p:clrMapOvr>
+    <a:masterClrMapping/>
+  </p:clrMapOvr>
 </p:sld>
 </file>
 

--- a/trunk/neuralito/ArfGen/docs/Entregas/Informe Final/presentacion/maxi.pptx
+++ b/trunk/neuralito/ArfGen/docs/Entregas/Informe Final/presentacion/maxi.pptx
@@ -5,7 +5,7 @@
     <p:sldMasterId id="2147483660" r:id="rId1"/>
   </p:sldMasterIdLst>
   <p:notesMasterIdLst>
-    <p:notesMasterId r:id="rId31"/>
+    <p:notesMasterId r:id="rId33"/>
   </p:notesMasterIdLst>
   <p:sldIdLst>
     <p:sldId id="256" r:id="rId2"/>
@@ -21,22 +21,24 @@
     <p:sldId id="266" r:id="rId12"/>
     <p:sldId id="267" r:id="rId13"/>
     <p:sldId id="268" r:id="rId14"/>
-    <p:sldId id="270" r:id="rId15"/>
-    <p:sldId id="271" r:id="rId16"/>
-    <p:sldId id="272" r:id="rId17"/>
-    <p:sldId id="273" r:id="rId18"/>
-    <p:sldId id="274" r:id="rId19"/>
-    <p:sldId id="275" r:id="rId20"/>
-    <p:sldId id="276" r:id="rId21"/>
-    <p:sldId id="277" r:id="rId22"/>
-    <p:sldId id="278" r:id="rId23"/>
-    <p:sldId id="279" r:id="rId24"/>
-    <p:sldId id="280" r:id="rId25"/>
-    <p:sldId id="281" r:id="rId26"/>
-    <p:sldId id="282" r:id="rId27"/>
-    <p:sldId id="283" r:id="rId28"/>
-    <p:sldId id="284" r:id="rId29"/>
-    <p:sldId id="285" r:id="rId30"/>
+    <p:sldId id="286" r:id="rId15"/>
+    <p:sldId id="270" r:id="rId16"/>
+    <p:sldId id="271" r:id="rId17"/>
+    <p:sldId id="287" r:id="rId18"/>
+    <p:sldId id="272" r:id="rId19"/>
+    <p:sldId id="273" r:id="rId20"/>
+    <p:sldId id="274" r:id="rId21"/>
+    <p:sldId id="275" r:id="rId22"/>
+    <p:sldId id="276" r:id="rId23"/>
+    <p:sldId id="277" r:id="rId24"/>
+    <p:sldId id="278" r:id="rId25"/>
+    <p:sldId id="279" r:id="rId26"/>
+    <p:sldId id="280" r:id="rId27"/>
+    <p:sldId id="281" r:id="rId28"/>
+    <p:sldId id="282" r:id="rId29"/>
+    <p:sldId id="283" r:id="rId30"/>
+    <p:sldId id="284" r:id="rId31"/>
+    <p:sldId id="285" r:id="rId32"/>
   </p:sldIdLst>
   <p:sldSz cx="9144000" cy="6858000" type="screen4x3"/>
   <p:notesSz cx="6858000" cy="9144000"/>
@@ -235,19 +237,19 @@
                   <c:v>0.82116824635668784</c:v>
                 </c:pt>
                 <c:pt idx="3">
-                  <c:v>0.842784737775082</c:v>
+                  <c:v>0.84278473777508212</c:v>
                 </c:pt>
                 <c:pt idx="4">
-                  <c:v>0.84383865537210812</c:v>
+                  <c:v>0.84383865537210823</c:v>
                 </c:pt>
                 <c:pt idx="5">
                   <c:v>0.85894670929201788</c:v>
                 </c:pt>
                 <c:pt idx="6">
-                  <c:v>0.84967487574973022</c:v>
+                  <c:v>0.84967487574973033</c:v>
                 </c:pt>
                 <c:pt idx="7">
-                  <c:v>0.87199747639294811</c:v>
+                  <c:v>0.87199747639294822</c:v>
                 </c:pt>
                 <c:pt idx="8">
                   <c:v>0.87308657275405044</c:v>
@@ -256,10 +258,10 @@
                   <c:v>0.8805672244799716</c:v>
                 </c:pt>
                 <c:pt idx="10">
-                  <c:v>0.88425402324804026</c:v>
+                  <c:v>0.88425402324804048</c:v>
                 </c:pt>
                 <c:pt idx="11">
-                  <c:v>0.88378998114559182</c:v>
+                  <c:v>0.88378998114559193</c:v>
                 </c:pt>
                 <c:pt idx="12">
                   <c:v>0.88710112017025267</c:v>
@@ -268,13 +270,13 @@
                   <c:v>0.88859349505985463</c:v>
                 </c:pt>
                 <c:pt idx="14">
-                  <c:v>0.8893251563924941</c:v>
+                  <c:v>0.88932515639249432</c:v>
                 </c:pt>
                 <c:pt idx="15">
-                  <c:v>0.88979442278916709</c:v>
+                  <c:v>0.88979442278916732</c:v>
                 </c:pt>
                 <c:pt idx="16">
-                  <c:v>0.89050470137757309</c:v>
+                  <c:v>0.8905047013775732</c:v>
                 </c:pt>
                 <c:pt idx="17">
                   <c:v>0.8911387747292826</c:v>
@@ -376,10 +378,10 @@
                   <c:v>0.45195561849074034</c:v>
                 </c:pt>
                 <c:pt idx="1">
-                  <c:v>0.57215581949427763</c:v>
+                  <c:v>0.57215581949427774</c:v>
                 </c:pt>
                 <c:pt idx="2">
-                  <c:v>0.62450099068289477</c:v>
+                  <c:v>0.62450099068289489</c:v>
                 </c:pt>
                 <c:pt idx="3">
                   <c:v>0.66411572966000465</c:v>
@@ -388,7 +390,7 @@
                   <c:v>0.74483311690120912</c:v>
                 </c:pt>
                 <c:pt idx="5">
-                  <c:v>0.74913092370987444</c:v>
+                  <c:v>0.74913092370987455</c:v>
                 </c:pt>
                 <c:pt idx="6">
                   <c:v>0.7507812790712286</c:v>
@@ -397,7 +399,7 @@
                   <c:v>0.74615794410022251</c:v>
                 </c:pt>
                 <c:pt idx="8">
-                  <c:v>0.76473712742558875</c:v>
+                  <c:v>0.76473712742558886</c:v>
                 </c:pt>
                 <c:pt idx="9">
                   <c:v>0.78030975508297951</c:v>
@@ -412,7 +414,7 @@
                   <c:v>0.79454547384463925</c:v>
                 </c:pt>
                 <c:pt idx="13">
-                  <c:v>0.80275073868567881</c:v>
+                  <c:v>0.80275073868567892</c:v>
                 </c:pt>
                 <c:pt idx="14">
                   <c:v>0.8070254483799697</c:v>
@@ -421,10 +423,10 @@
                   <c:v>0.80758714251854524</c:v>
                 </c:pt>
                 <c:pt idx="16">
-                  <c:v>0.81189884836444015</c:v>
+                  <c:v>0.81189884836444026</c:v>
                 </c:pt>
                 <c:pt idx="17">
-                  <c:v>0.81267156633446302</c:v>
+                  <c:v>0.81267156633446314</c:v>
                 </c:pt>
                 <c:pt idx="18">
                   <c:v>0.81495442086601244</c:v>
@@ -516,49 +518,49 @@
                 <c:formatCode>0.00</c:formatCode>
                 <c:ptCount val="19"/>
                 <c:pt idx="0">
-                  <c:v>9.2164199211590872E-2</c:v>
+                  <c:v>9.2164199211590886E-2</c:v>
                 </c:pt>
                 <c:pt idx="1">
                   <c:v>0.10918893085792125</c:v>
                 </c:pt>
                 <c:pt idx="2">
-                  <c:v>2.20618809152015E-2</c:v>
+                  <c:v>2.2061880915201507E-2</c:v>
                 </c:pt>
                 <c:pt idx="3">
-                  <c:v>0.16744350433735847</c:v>
+                  <c:v>0.16744350433735852</c:v>
                 </c:pt>
                 <c:pt idx="4">
-                  <c:v>0.19606871899944503</c:v>
+                  <c:v>0.19606871899944506</c:v>
                 </c:pt>
                 <c:pt idx="5">
-                  <c:v>0.19883932721616626</c:v>
+                  <c:v>0.19883932721616629</c:v>
                 </c:pt>
                 <c:pt idx="6">
                   <c:v>0.21852557439483689</c:v>
                 </c:pt>
                 <c:pt idx="7">
-                  <c:v>0.18963030437506234</c:v>
+                  <c:v>0.18963030437506237</c:v>
                 </c:pt>
                 <c:pt idx="8">
-                  <c:v>0.31329234492981045</c:v>
+                  <c:v>0.31329234492981051</c:v>
                 </c:pt>
                 <c:pt idx="9">
                   <c:v>0.30854195458238609</c:v>
                 </c:pt>
                 <c:pt idx="10">
-                  <c:v>0.33996429339252743</c:v>
+                  <c:v>0.33996429339252759</c:v>
                 </c:pt>
                 <c:pt idx="11">
-                  <c:v>0.39000788763685496</c:v>
+                  <c:v>0.39000788763685507</c:v>
                 </c:pt>
                 <c:pt idx="12">
-                  <c:v>0.3745227879234031</c:v>
+                  <c:v>0.37452278792340327</c:v>
                 </c:pt>
                 <c:pt idx="13">
-                  <c:v>0.39639657365579589</c:v>
+                  <c:v>0.396396573655796</c:v>
                 </c:pt>
                 <c:pt idx="14">
-                  <c:v>0.45661986014735201</c:v>
+                  <c:v>0.45661986014735206</c:v>
                 </c:pt>
                 <c:pt idx="15">
                   <c:v>0.48000000000000032</c:v>
@@ -663,19 +665,19 @@
                 <c:formatCode>0.00</c:formatCode>
                 <c:ptCount val="18"/>
                 <c:pt idx="0">
-                  <c:v>6.3837399085048555E-2</c:v>
+                  <c:v>6.3837399085048582E-2</c:v>
                 </c:pt>
                 <c:pt idx="1">
-                  <c:v>0.10509372944250689</c:v>
+                  <c:v>0.10509372944250692</c:v>
                 </c:pt>
                 <c:pt idx="2">
                   <c:v>0.12395822380363669</c:v>
                 </c:pt>
                 <c:pt idx="3">
-                  <c:v>0.17533238646771618</c:v>
+                  <c:v>0.17533238646771623</c:v>
                 </c:pt>
                 <c:pt idx="4">
-                  <c:v>0.18994629844944999</c:v>
+                  <c:v>0.18994629844945005</c:v>
                 </c:pt>
                 <c:pt idx="5">
                   <c:v>0.22687270194889519</c:v>
@@ -684,34 +686,34 @@
                   <c:v>0.23790997736954461</c:v>
                 </c:pt>
                 <c:pt idx="7">
-                  <c:v>0.23411148955336947</c:v>
+                  <c:v>0.23411148955336952</c:v>
                 </c:pt>
                 <c:pt idx="8">
                   <c:v>0.25778608542670911</c:v>
                 </c:pt>
                 <c:pt idx="9">
-                  <c:v>0.31056299933227333</c:v>
+                  <c:v>0.31056299933227349</c:v>
                 </c:pt>
                 <c:pt idx="10">
-                  <c:v>0.33877739342409241</c:v>
+                  <c:v>0.33877739342409247</c:v>
                 </c:pt>
                 <c:pt idx="11">
                   <c:v>0.35225259726803532</c:v>
                 </c:pt>
                 <c:pt idx="12">
-                  <c:v>0.35947445565100417</c:v>
+                  <c:v>0.35947445565100422</c:v>
                 </c:pt>
                 <c:pt idx="13">
-                  <c:v>0.39000000000000218</c:v>
+                  <c:v>0.39000000000000223</c:v>
                 </c:pt>
                 <c:pt idx="14">
-                  <c:v>0.39000000000000218</c:v>
+                  <c:v>0.39000000000000223</c:v>
                 </c:pt>
                 <c:pt idx="15">
                   <c:v>0.4</c:v>
                 </c:pt>
                 <c:pt idx="16">
-                  <c:v>0.40041490630404519</c:v>
+                  <c:v>0.40041490630404536</c:v>
                 </c:pt>
                 <c:pt idx="17">
                   <c:v>0.4</c:v>
@@ -803,7 +805,7 @@
                 <c:formatCode>General</c:formatCode>
                 <c:ptCount val="19"/>
                 <c:pt idx="0">
-                  <c:v>0.28931899175148695</c:v>
+                  <c:v>0.28931899175148706</c:v>
                 </c:pt>
                 <c:pt idx="1">
                   <c:v>0.30427205718078232</c:v>
@@ -812,46 +814,46 @@
                   <c:v>0.28833535935117605</c:v>
                 </c:pt>
                 <c:pt idx="3">
-                  <c:v>0.50673831628888688</c:v>
+                  <c:v>0.5067383162888871</c:v>
                 </c:pt>
                 <c:pt idx="4">
-                  <c:v>0.58986811562939145</c:v>
+                  <c:v>0.58986811562939157</c:v>
                 </c:pt>
                 <c:pt idx="5">
-                  <c:v>0.60174244358028994</c:v>
+                  <c:v>0.60174244358029005</c:v>
                 </c:pt>
                 <c:pt idx="6">
                   <c:v>0.62230234655114092</c:v>
                 </c:pt>
                 <c:pt idx="7">
-                  <c:v>0.6489217280249977</c:v>
+                  <c:v>0.64892172802499781</c:v>
                 </c:pt>
                 <c:pt idx="8">
                   <c:v>0.60213497372141267</c:v>
                 </c:pt>
                 <c:pt idx="9">
-                  <c:v>0.65929398719852406</c:v>
+                  <c:v>0.65929398719852428</c:v>
                 </c:pt>
                 <c:pt idx="10">
-                  <c:v>0.6374094521659639</c:v>
+                  <c:v>0.63740945216596401</c:v>
                 </c:pt>
                 <c:pt idx="11">
-                  <c:v>0.66496829605747698</c:v>
+                  <c:v>0.6649682960574772</c:v>
                 </c:pt>
                 <c:pt idx="12">
-                  <c:v>0.68587643695393929</c:v>
+                  <c:v>0.68587643695393952</c:v>
                 </c:pt>
                 <c:pt idx="13">
-                  <c:v>0.70280463859163622</c:v>
+                  <c:v>0.70280463859163633</c:v>
                 </c:pt>
                 <c:pt idx="14">
-                  <c:v>0.68555591749742284</c:v>
+                  <c:v>0.68555591749742295</c:v>
                 </c:pt>
                 <c:pt idx="15">
-                  <c:v>0.71798687616048706</c:v>
+                  <c:v>0.71798687616048729</c:v>
                 </c:pt>
                 <c:pt idx="16">
-                  <c:v>0.72902988600000584</c:v>
+                  <c:v>0.72902988600000596</c:v>
                 </c:pt>
                 <c:pt idx="17">
                   <c:v>0.73331457600000005</c:v>
@@ -864,11 +866,11 @@
           </c:yVal>
           <c:smooth val="1"/>
         </c:ser>
-        <c:axId val="72436352"/>
-        <c:axId val="72467200"/>
+        <c:axId val="62872192"/>
+        <c:axId val="62903040"/>
       </c:scatterChart>
       <c:valAx>
-        <c:axId val="72436352"/>
+        <c:axId val="62872192"/>
         <c:scaling>
           <c:orientation val="minMax"/>
           <c:max val="1000"/>
@@ -894,7 +896,7 @@
             <c:manualLayout>
               <c:xMode val="edge"/>
               <c:yMode val="edge"/>
-              <c:x val="0.38494599693816767"/>
+              <c:x val="0.38494599693816772"/>
               <c:y val="0.85101357098414687"/>
             </c:manualLayout>
           </c:layout>
@@ -911,12 +913,12 @@
             <a:endParaRPr lang="es-ES"/>
           </a:p>
         </c:txPr>
-        <c:crossAx val="72467200"/>
+        <c:crossAx val="62903040"/>
         <c:crosses val="autoZero"/>
         <c:crossBetween val="midCat"/>
       </c:valAx>
       <c:valAx>
-        <c:axId val="72467200"/>
+        <c:axId val="62903040"/>
         <c:scaling>
           <c:orientation val="minMax"/>
           <c:min val="0"/>
@@ -953,7 +955,7 @@
             <a:endParaRPr lang="es-ES"/>
           </a:p>
         </c:txPr>
-        <c:crossAx val="72436352"/>
+        <c:crossAx val="62872192"/>
         <c:crosses val="autoZero"/>
         <c:crossBetween val="midCat"/>
         <c:minorUnit val="0.2"/>
@@ -1095,19 +1097,19 @@
                   <c:v>1.0330390684786552</c:v>
                 </c:pt>
                 <c:pt idx="6">
-                  <c:v>1.0302429519403205</c:v>
+                  <c:v>1.0302429519403207</c:v>
                 </c:pt>
                 <c:pt idx="7">
                   <c:v>0.94738273200566459</c:v>
                 </c:pt>
                 <c:pt idx="8">
-                  <c:v>0.92793801360197625</c:v>
+                  <c:v>0.92793801360197636</c:v>
                 </c:pt>
                 <c:pt idx="9">
                   <c:v>0.92012906293872665</c:v>
                 </c:pt>
                 <c:pt idx="10">
-                  <c:v>0.88481716181109671</c:v>
+                  <c:v>0.88481716181109649</c:v>
                 </c:pt>
                 <c:pt idx="11">
                   <c:v>0.88417424754272178</c:v>
@@ -1119,7 +1121,7 @@
                   <c:v>0.85063806565684563</c:v>
                 </c:pt>
                 <c:pt idx="14">
-                  <c:v>0.84777133793555792</c:v>
+                  <c:v>0.84777133793555803</c:v>
                 </c:pt>
                 <c:pt idx="15">
                   <c:v>0.8445144923789446</c:v>
@@ -1128,7 +1130,7 @@
                   <c:v>0.83725594840038564</c:v>
                 </c:pt>
                 <c:pt idx="17">
-                  <c:v>0.83461703141918886</c:v>
+                  <c:v>0.83461703141918908</c:v>
                 </c:pt>
               </c:numCache>
             </c:numRef>
@@ -1227,7 +1229,7 @@
                   <c:v>0.9387309603633297</c:v>
                 </c:pt>
                 <c:pt idx="1">
-                  <c:v>0.89153277738271208</c:v>
+                  <c:v>0.89153277738271197</c:v>
                 </c:pt>
                 <c:pt idx="2">
                   <c:v>0.82301056544373608</c:v>
@@ -1239,22 +1241,22 @@
                   <c:v>0.75252199659024765</c:v>
                 </c:pt>
                 <c:pt idx="5">
-                  <c:v>0.74212373331281678</c:v>
+                  <c:v>0.74212373331281689</c:v>
                 </c:pt>
                 <c:pt idx="6">
                   <c:v>0.73688717786732749</c:v>
                 </c:pt>
                 <c:pt idx="7">
-                  <c:v>0.72860146352750443</c:v>
+                  <c:v>0.72860146352750466</c:v>
                 </c:pt>
                 <c:pt idx="8">
-                  <c:v>0.70577785559581185</c:v>
+                  <c:v>0.70577785559581196</c:v>
                 </c:pt>
                 <c:pt idx="9">
                   <c:v>0.69274686371956962</c:v>
                 </c:pt>
                 <c:pt idx="10">
-                  <c:v>0.67930161414046586</c:v>
+                  <c:v>0.67930161414046608</c:v>
                 </c:pt>
                 <c:pt idx="11">
                   <c:v>0.67228263477634131</c:v>
@@ -1263,22 +1265,22 @@
                   <c:v>0.68022471453120004</c:v>
                 </c:pt>
                 <c:pt idx="13">
-                  <c:v>0.66398503161852163</c:v>
+                  <c:v>0.66398503161852185</c:v>
                 </c:pt>
                 <c:pt idx="14">
                   <c:v>0.6640628299517749</c:v>
                 </c:pt>
                 <c:pt idx="15">
-                  <c:v>0.66308558009337781</c:v>
+                  <c:v>0.66308558009337792</c:v>
                 </c:pt>
                 <c:pt idx="16">
                   <c:v>0.65656511915425986</c:v>
                 </c:pt>
                 <c:pt idx="17">
-                  <c:v>0.65158141257238733</c:v>
+                  <c:v>0.65158141257238755</c:v>
                 </c:pt>
                 <c:pt idx="18">
-                  <c:v>0.65187548701494702</c:v>
+                  <c:v>0.65187548701494713</c:v>
                 </c:pt>
               </c:numCache>
             </c:numRef>
@@ -1367,7 +1369,7 @@
                 <c:formatCode>General</c:formatCode>
                 <c:ptCount val="19"/>
                 <c:pt idx="0">
-                  <c:v>0.66149732049012633</c:v>
+                  <c:v>0.66149732049012644</c:v>
                 </c:pt>
                 <c:pt idx="1">
                   <c:v>0.6001326027033127</c:v>
@@ -1376,13 +1378,13 @@
                   <c:v>0.55639887771499263</c:v>
                 </c:pt>
                 <c:pt idx="3">
-                  <c:v>0.622844724855112</c:v>
+                  <c:v>0.62284472485511211</c:v>
                 </c:pt>
                 <c:pt idx="4">
                   <c:v>0.55351605829049677</c:v>
                 </c:pt>
                 <c:pt idx="5">
-                  <c:v>0.58846095302595736</c:v>
+                  <c:v>0.58846095302595725</c:v>
                 </c:pt>
                 <c:pt idx="6">
                   <c:v>0.57298820383188065</c:v>
@@ -1394,7 +1396,7 @@
                   <c:v>0.55636349504129456</c:v>
                 </c:pt>
                 <c:pt idx="9">
-                  <c:v>0.56175580469494979</c:v>
+                  <c:v>0.5617558046949499</c:v>
                 </c:pt>
                 <c:pt idx="10">
                   <c:v>0.54619756290876298</c:v>
@@ -1514,7 +1516,7 @@
                 <c:formatCode>General</c:formatCode>
                 <c:ptCount val="18"/>
                 <c:pt idx="0">
-                  <c:v>0.63237080268503643</c:v>
+                  <c:v>0.63237080268503665</c:v>
                 </c:pt>
                 <c:pt idx="1">
                   <c:v>0.58374227027070569</c:v>
@@ -1523,7 +1525,7 @@
                   <c:v>0.59186681564330168</c:v>
                 </c:pt>
                 <c:pt idx="3">
-                  <c:v>0.56326543263149909</c:v>
+                  <c:v>0.56326543263149931</c:v>
                 </c:pt>
                 <c:pt idx="4">
                   <c:v>0.57183044589207288</c:v>
@@ -1538,7 +1540,7 @@
                   <c:v>0.53802118949602251</c:v>
                 </c:pt>
                 <c:pt idx="8">
-                  <c:v>0.53450509736819218</c:v>
+                  <c:v>0.53450509736819241</c:v>
                 </c:pt>
                 <c:pt idx="9">
                   <c:v>0.52829897414829863</c:v>
@@ -1562,7 +1564,7 @@
                   <c:v>0.50670323954628771</c:v>
                 </c:pt>
                 <c:pt idx="16">
-                  <c:v>0.50238192552660321</c:v>
+                  <c:v>0.5023819255266031</c:v>
                 </c:pt>
                 <c:pt idx="17">
                   <c:v>0.49463977381829932</c:v>
@@ -1654,31 +1656,31 @@
                 <c:formatCode>General</c:formatCode>
                 <c:ptCount val="19"/>
                 <c:pt idx="0">
-                  <c:v>0.77289983769923687</c:v>
+                  <c:v>0.7728998376992372</c:v>
                 </c:pt>
                 <c:pt idx="1">
                   <c:v>0.74632356481168916</c:v>
                 </c:pt>
                 <c:pt idx="2">
-                  <c:v>0.78634361659647456</c:v>
+                  <c:v>0.78634361659647489</c:v>
                 </c:pt>
                 <c:pt idx="3">
-                  <c:v>0.68296121733003534</c:v>
+                  <c:v>0.68296121733003545</c:v>
                 </c:pt>
                 <c:pt idx="4">
-                  <c:v>0.6645073925295375</c:v>
+                  <c:v>0.66450739252953772</c:v>
                 </c:pt>
                 <c:pt idx="5">
-                  <c:v>0.61644319255847646</c:v>
+                  <c:v>0.61644319255847679</c:v>
                 </c:pt>
                 <c:pt idx="6">
                   <c:v>0.6102724059818817</c:v>
                 </c:pt>
                 <c:pt idx="7">
-                  <c:v>0.60925823106012245</c:v>
+                  <c:v>0.60925823106012256</c:v>
                 </c:pt>
                 <c:pt idx="8">
-                  <c:v>0.62851239646725032</c:v>
+                  <c:v>0.62851239646725021</c:v>
                 </c:pt>
                 <c:pt idx="9">
                   <c:v>0.60456332932399459</c:v>
@@ -1687,10 +1689,10 @@
                   <c:v>0.59800801508451062</c:v>
                 </c:pt>
                 <c:pt idx="11">
-                  <c:v>0.59484127138609477</c:v>
+                  <c:v>0.59484127138609488</c:v>
                 </c:pt>
                 <c:pt idx="12">
-                  <c:v>0.57774424327942131</c:v>
+                  <c:v>0.57774424327942153</c:v>
                 </c:pt>
                 <c:pt idx="13">
                   <c:v>0.57412911597622418</c:v>
@@ -1705,7 +1707,7 @@
                   <c:v>0.56487792557592453</c:v>
                 </c:pt>
                 <c:pt idx="17">
-                  <c:v>0.55704303471989558</c:v>
+                  <c:v>0.5570430347198958</c:v>
                 </c:pt>
                 <c:pt idx="18">
                   <c:v>0.55532457683742076</c:v>
@@ -1715,11 +1717,11 @@
           </c:yVal>
           <c:smooth val="1"/>
         </c:ser>
-        <c:axId val="72359296"/>
-        <c:axId val="72373760"/>
+        <c:axId val="62803328"/>
+        <c:axId val="62817792"/>
       </c:scatterChart>
       <c:valAx>
-        <c:axId val="72359296"/>
+        <c:axId val="62803328"/>
         <c:scaling>
           <c:orientation val="minMax"/>
           <c:max val="1000"/>
@@ -1755,12 +1757,12 @@
             <a:endParaRPr lang="es-ES"/>
           </a:p>
         </c:txPr>
-        <c:crossAx val="72373760"/>
+        <c:crossAx val="62817792"/>
         <c:crosses val="autoZero"/>
         <c:crossBetween val="midCat"/>
       </c:valAx>
       <c:valAx>
-        <c:axId val="72373760"/>
+        <c:axId val="62817792"/>
         <c:scaling>
           <c:orientation val="minMax"/>
           <c:min val="0.4"/>
@@ -1797,7 +1799,7 @@
             <a:endParaRPr lang="es-ES"/>
           </a:p>
         </c:txPr>
-        <c:crossAx val="72359296"/>
+        <c:crossAx val="62803328"/>
         <c:crosses val="autoZero"/>
         <c:crossBetween val="midCat"/>
       </c:valAx>
@@ -1838,7 +1840,7 @@
             </a:pPr>
             <a:r>
               <a:rPr lang="es-AR" sz="1200" b="0" i="0" baseline="0"/>
-              <a:t>Sunset- Observacion Visual / Wave Watch III</a:t>
+              <a:t>Makaha - Observación Visual/ Wave Watch III</a:t>
             </a:r>
           </a:p>
         </c:rich>
@@ -1851,10 +1853,10 @@
           <c:layoutTarget val="inner"/>
           <c:xMode val="edge"/>
           <c:yMode val="edge"/>
-          <c:x val="5.0128971669717623E-2"/>
-          <c:y val="0.16285573489051142"/>
+          <c:x val="5.0128971669717602E-2"/>
+          <c:y val="0.16285573489051136"/>
           <c:w val="0.91229087688864363"/>
-          <c:h val="0.42844667523762553"/>
+          <c:h val="0.42844667523762453"/>
         </c:manualLayout>
       </c:layout>
       <c:scatterChart>
@@ -1866,403 +1868,402 @@
             <c:v>Observacion Visual</c:v>
           </c:tx>
           <c:xVal>
+            <c:strRef>
+              <c:f>Sheet1!$A$1:$A$64</c:f>
+              <c:strCache>
+                <c:ptCount val="64"/>
+                <c:pt idx="0">
+                  <c:v>inst#,</c:v>
+                </c:pt>
+                <c:pt idx="1">
+                  <c:v>1</c:v>
+                </c:pt>
+                <c:pt idx="2">
+                  <c:v>2</c:v>
+                </c:pt>
+                <c:pt idx="3">
+                  <c:v>3</c:v>
+                </c:pt>
+                <c:pt idx="4">
+                  <c:v>4</c:v>
+                </c:pt>
+                <c:pt idx="5">
+                  <c:v>5</c:v>
+                </c:pt>
+                <c:pt idx="6">
+                  <c:v>6</c:v>
+                </c:pt>
+                <c:pt idx="7">
+                  <c:v>7</c:v>
+                </c:pt>
+                <c:pt idx="8">
+                  <c:v>8</c:v>
+                </c:pt>
+                <c:pt idx="9">
+                  <c:v>9</c:v>
+                </c:pt>
+                <c:pt idx="10">
+                  <c:v>10</c:v>
+                </c:pt>
+                <c:pt idx="11">
+                  <c:v>11</c:v>
+                </c:pt>
+                <c:pt idx="12">
+                  <c:v>12</c:v>
+                </c:pt>
+                <c:pt idx="13">
+                  <c:v>13</c:v>
+                </c:pt>
+                <c:pt idx="14">
+                  <c:v>14</c:v>
+                </c:pt>
+                <c:pt idx="15">
+                  <c:v>15</c:v>
+                </c:pt>
+                <c:pt idx="16">
+                  <c:v>16</c:v>
+                </c:pt>
+                <c:pt idx="17">
+                  <c:v>17</c:v>
+                </c:pt>
+                <c:pt idx="18">
+                  <c:v>18</c:v>
+                </c:pt>
+                <c:pt idx="19">
+                  <c:v>19</c:v>
+                </c:pt>
+                <c:pt idx="20">
+                  <c:v>20</c:v>
+                </c:pt>
+                <c:pt idx="21">
+                  <c:v>21</c:v>
+                </c:pt>
+                <c:pt idx="22">
+                  <c:v>22</c:v>
+                </c:pt>
+                <c:pt idx="23">
+                  <c:v>23</c:v>
+                </c:pt>
+                <c:pt idx="24">
+                  <c:v>24</c:v>
+                </c:pt>
+                <c:pt idx="25">
+                  <c:v>25</c:v>
+                </c:pt>
+                <c:pt idx="26">
+                  <c:v>26</c:v>
+                </c:pt>
+                <c:pt idx="27">
+                  <c:v>27</c:v>
+                </c:pt>
+                <c:pt idx="28">
+                  <c:v>28</c:v>
+                </c:pt>
+                <c:pt idx="29">
+                  <c:v>29</c:v>
+                </c:pt>
+                <c:pt idx="30">
+                  <c:v>30</c:v>
+                </c:pt>
+                <c:pt idx="31">
+                  <c:v>31</c:v>
+                </c:pt>
+                <c:pt idx="32">
+                  <c:v>32</c:v>
+                </c:pt>
+                <c:pt idx="33">
+                  <c:v>33</c:v>
+                </c:pt>
+                <c:pt idx="34">
+                  <c:v>34</c:v>
+                </c:pt>
+                <c:pt idx="35">
+                  <c:v>35</c:v>
+                </c:pt>
+                <c:pt idx="36">
+                  <c:v>36</c:v>
+                </c:pt>
+                <c:pt idx="37">
+                  <c:v>37</c:v>
+                </c:pt>
+                <c:pt idx="38">
+                  <c:v>38</c:v>
+                </c:pt>
+                <c:pt idx="39">
+                  <c:v>39</c:v>
+                </c:pt>
+                <c:pt idx="40">
+                  <c:v>40</c:v>
+                </c:pt>
+                <c:pt idx="41">
+                  <c:v>41</c:v>
+                </c:pt>
+                <c:pt idx="42">
+                  <c:v>42</c:v>
+                </c:pt>
+                <c:pt idx="43">
+                  <c:v>43</c:v>
+                </c:pt>
+                <c:pt idx="44">
+                  <c:v>44</c:v>
+                </c:pt>
+                <c:pt idx="45">
+                  <c:v>45</c:v>
+                </c:pt>
+                <c:pt idx="46">
+                  <c:v>46</c:v>
+                </c:pt>
+                <c:pt idx="47">
+                  <c:v>47</c:v>
+                </c:pt>
+                <c:pt idx="48">
+                  <c:v>48</c:v>
+                </c:pt>
+                <c:pt idx="49">
+                  <c:v>49</c:v>
+                </c:pt>
+                <c:pt idx="50">
+                  <c:v>50</c:v>
+                </c:pt>
+                <c:pt idx="51">
+                  <c:v>51</c:v>
+                </c:pt>
+                <c:pt idx="52">
+                  <c:v>52</c:v>
+                </c:pt>
+                <c:pt idx="53">
+                  <c:v>53</c:v>
+                </c:pt>
+                <c:pt idx="54">
+                  <c:v>54</c:v>
+                </c:pt>
+                <c:pt idx="55">
+                  <c:v>55</c:v>
+                </c:pt>
+                <c:pt idx="56">
+                  <c:v>56</c:v>
+                </c:pt>
+                <c:pt idx="57">
+                  <c:v>57</c:v>
+                </c:pt>
+                <c:pt idx="58">
+                  <c:v>58</c:v>
+                </c:pt>
+                <c:pt idx="59">
+                  <c:v>59</c:v>
+                </c:pt>
+                <c:pt idx="60">
+                  <c:v>60</c:v>
+                </c:pt>
+                <c:pt idx="61">
+                  <c:v>61</c:v>
+                </c:pt>
+                <c:pt idx="62">
+                  <c:v>62</c:v>
+                </c:pt>
+                <c:pt idx="63">
+                  <c:v>63</c:v>
+                </c:pt>
+              </c:strCache>
+            </c:strRef>
+          </c:xVal>
+          <c:yVal>
             <c:numRef>
-              <c:f>Sheet1!$A$2:$A$65</c:f>
+              <c:f>Sheet1!$B$1:$B$64</c:f>
               <c:numCache>
                 <c:formatCode>General</c:formatCode>
                 <c:ptCount val="64"/>
                 <c:pt idx="0">
-                  <c:v>1</c:v>
+                  <c:v>0</c:v>
                 </c:pt>
                 <c:pt idx="1">
-                  <c:v>2</c:v>
+                  <c:v>1.2189999999999905</c:v>
                 </c:pt>
                 <c:pt idx="2">
-                  <c:v>3</c:v>
+                  <c:v>2.4379999999999997</c:v>
                 </c:pt>
                 <c:pt idx="3">
-                  <c:v>4</c:v>
+                  <c:v>3.6579999999999999</c:v>
                 </c:pt>
                 <c:pt idx="4">
-                  <c:v>5</c:v>
+                  <c:v>1.829</c:v>
                 </c:pt>
                 <c:pt idx="5">
-                  <c:v>6</c:v>
+                  <c:v>1.2189999999999905</c:v>
                 </c:pt>
                 <c:pt idx="6">
-                  <c:v>7</c:v>
+                  <c:v>1.2189999999999905</c:v>
                 </c:pt>
                 <c:pt idx="7">
-                  <c:v>8</c:v>
-                </c:pt>
-                <c:pt idx="8">
-                  <c:v>9</c:v>
-                </c:pt>
-                <c:pt idx="9">
-                  <c:v>10</c:v>
-                </c:pt>
-                <c:pt idx="10">
-                  <c:v>11</c:v>
-                </c:pt>
-                <c:pt idx="11">
-                  <c:v>12</c:v>
-                </c:pt>
-                <c:pt idx="12">
-                  <c:v>13</c:v>
-                </c:pt>
-                <c:pt idx="13">
-                  <c:v>14</c:v>
-                </c:pt>
-                <c:pt idx="14">
-                  <c:v>15</c:v>
-                </c:pt>
-                <c:pt idx="15">
-                  <c:v>16</c:v>
-                </c:pt>
-                <c:pt idx="16">
-                  <c:v>17</c:v>
-                </c:pt>
-                <c:pt idx="17">
-                  <c:v>18</c:v>
-                </c:pt>
-                <c:pt idx="18">
-                  <c:v>19</c:v>
-                </c:pt>
-                <c:pt idx="19">
-                  <c:v>20</c:v>
-                </c:pt>
-                <c:pt idx="20">
-                  <c:v>21</c:v>
-                </c:pt>
-                <c:pt idx="21">
-                  <c:v>22</c:v>
-                </c:pt>
-                <c:pt idx="22">
-                  <c:v>23</c:v>
-                </c:pt>
-                <c:pt idx="23">
-                  <c:v>24</c:v>
-                </c:pt>
-                <c:pt idx="24">
-                  <c:v>25</c:v>
-                </c:pt>
-                <c:pt idx="25">
-                  <c:v>26</c:v>
-                </c:pt>
-                <c:pt idx="26">
-                  <c:v>27</c:v>
-                </c:pt>
-                <c:pt idx="27">
-                  <c:v>28</c:v>
-                </c:pt>
-                <c:pt idx="28">
-                  <c:v>29</c:v>
-                </c:pt>
-                <c:pt idx="29">
-                  <c:v>30</c:v>
-                </c:pt>
-                <c:pt idx="30">
-                  <c:v>31</c:v>
-                </c:pt>
-                <c:pt idx="31">
-                  <c:v>32</c:v>
-                </c:pt>
-                <c:pt idx="32">
-                  <c:v>33</c:v>
-                </c:pt>
-                <c:pt idx="33">
-                  <c:v>34</c:v>
-                </c:pt>
-                <c:pt idx="34">
-                  <c:v>35</c:v>
-                </c:pt>
-                <c:pt idx="35">
-                  <c:v>36</c:v>
-                </c:pt>
-                <c:pt idx="36">
-                  <c:v>37</c:v>
-                </c:pt>
-                <c:pt idx="37">
-                  <c:v>38</c:v>
-                </c:pt>
-                <c:pt idx="38">
-                  <c:v>39</c:v>
-                </c:pt>
-                <c:pt idx="39">
-                  <c:v>40</c:v>
-                </c:pt>
-                <c:pt idx="40">
-                  <c:v>41</c:v>
-                </c:pt>
-                <c:pt idx="41">
-                  <c:v>42</c:v>
-                </c:pt>
-                <c:pt idx="42">
-                  <c:v>43</c:v>
-                </c:pt>
-                <c:pt idx="43">
-                  <c:v>44</c:v>
-                </c:pt>
-                <c:pt idx="44">
-                  <c:v>45</c:v>
-                </c:pt>
-                <c:pt idx="45">
-                  <c:v>46</c:v>
-                </c:pt>
-                <c:pt idx="46">
-                  <c:v>47</c:v>
-                </c:pt>
-                <c:pt idx="47">
-                  <c:v>48</c:v>
-                </c:pt>
-                <c:pt idx="48">
-                  <c:v>49</c:v>
-                </c:pt>
-                <c:pt idx="49">
-                  <c:v>50</c:v>
-                </c:pt>
-                <c:pt idx="50">
-                  <c:v>51</c:v>
-                </c:pt>
-                <c:pt idx="51">
-                  <c:v>52</c:v>
-                </c:pt>
-                <c:pt idx="52">
-                  <c:v>53</c:v>
-                </c:pt>
-                <c:pt idx="53">
-                  <c:v>54</c:v>
-                </c:pt>
-                <c:pt idx="54">
-                  <c:v>55</c:v>
-                </c:pt>
-                <c:pt idx="55">
-                  <c:v>56</c:v>
-                </c:pt>
-                <c:pt idx="56">
-                  <c:v>57</c:v>
-                </c:pt>
-                <c:pt idx="57">
-                  <c:v>58</c:v>
-                </c:pt>
-                <c:pt idx="58">
-                  <c:v>59</c:v>
-                </c:pt>
-                <c:pt idx="59">
-                  <c:v>60</c:v>
-                </c:pt>
-                <c:pt idx="60">
-                  <c:v>61</c:v>
-                </c:pt>
-                <c:pt idx="61">
-                  <c:v>62</c:v>
-                </c:pt>
-                <c:pt idx="62">
-                  <c:v>63</c:v>
-                </c:pt>
-                <c:pt idx="63">
-                  <c:v>64</c:v>
-                </c:pt>
-              </c:numCache>
-            </c:numRef>
-          </c:xVal>
-          <c:yVal>
-            <c:numRef>
-              <c:f>Sheet1!$B$2:$B$65</c:f>
-              <c:numCache>
-                <c:formatCode>General</c:formatCode>
-                <c:ptCount val="64"/>
-                <c:pt idx="0">
-                  <c:v>1.829</c:v>
-                </c:pt>
-                <c:pt idx="1">
-                  <c:v>3.6579999999999999</c:v>
-                </c:pt>
-                <c:pt idx="2">
-                  <c:v>5.4859999999999998</c:v>
-                </c:pt>
-                <c:pt idx="3">
-                  <c:v>3.048</c:v>
-                </c:pt>
-                <c:pt idx="4">
-                  <c:v>3.6579999999999999</c:v>
-                </c:pt>
-                <c:pt idx="5">
-                  <c:v>1.2189999999999854</c:v>
-                </c:pt>
-                <c:pt idx="6">
-                  <c:v>1.829</c:v>
-                </c:pt>
-                <c:pt idx="7">
-                  <c:v>1.829</c:v>
+                  <c:v>1.2189999999999905</c:v>
                 </c:pt>
                 <c:pt idx="8">
                   <c:v>2.4379999999999997</c:v>
                 </c:pt>
                 <c:pt idx="9">
+                  <c:v>1.2189999999999905</c:v>
+                </c:pt>
+                <c:pt idx="10">
                   <c:v>0.61000000000000065</c:v>
                 </c:pt>
-                <c:pt idx="10">
-                  <c:v>4.2669999999999995</c:v>
-                </c:pt>
                 <c:pt idx="11">
-                  <c:v>1.2189999999999854</c:v>
+                  <c:v>3.048</c:v>
                 </c:pt>
                 <c:pt idx="12">
+                  <c:v>1.2189999999999905</c:v>
+                </c:pt>
+                <c:pt idx="13">
                   <c:v>0.61000000000000065</c:v>
                 </c:pt>
-                <c:pt idx="13">
-                  <c:v>3.048</c:v>
-                </c:pt>
                 <c:pt idx="14">
-                  <c:v>4.8769999999999998</c:v>
+                  <c:v>1.2189999999999905</c:v>
                 </c:pt>
                 <c:pt idx="15">
-                  <c:v>0.61000000000000065</c:v>
+                  <c:v>2.4379999999999997</c:v>
                 </c:pt>
                 <c:pt idx="16">
-                  <c:v>0.61000000000000065</c:v>
+                  <c:v>1.2189999999999905</c:v>
                 </c:pt>
                 <c:pt idx="17">
-                  <c:v>0.61000000000000065</c:v>
+                  <c:v>1.2189999999999905</c:v>
                 </c:pt>
                 <c:pt idx="18">
                   <c:v>0.61000000000000065</c:v>
                 </c:pt>
                 <c:pt idx="19">
+                  <c:v>0.61000000000000065</c:v>
+                </c:pt>
+                <c:pt idx="20">
+                  <c:v>1.829</c:v>
+                </c:pt>
+                <c:pt idx="21">
                   <c:v>3.048</c:v>
                 </c:pt>
-                <c:pt idx="20">
-                  <c:v>5.4859999999999998</c:v>
-                </c:pt>
-                <c:pt idx="21">
+                <c:pt idx="22">
+                  <c:v>3.048</c:v>
+                </c:pt>
+                <c:pt idx="23">
+                  <c:v>1.2189999999999905</c:v>
+                </c:pt>
+                <c:pt idx="24">
                   <c:v>1.829</c:v>
                 </c:pt>
-                <c:pt idx="22">
-                  <c:v>1.2189999999999854</c:v>
-                </c:pt>
-                <c:pt idx="23">
-                  <c:v>4.2669999999999995</c:v>
-                </c:pt>
-                <c:pt idx="24">
+                <c:pt idx="25">
                   <c:v>0.61000000000000065</c:v>
                 </c:pt>
-                <c:pt idx="25">
-                  <c:v>1.2189999999999854</c:v>
-                </c:pt>
                 <c:pt idx="26">
-                  <c:v>4.8769999999999998</c:v>
+                  <c:v>1.829</c:v>
                 </c:pt>
                 <c:pt idx="27">
                   <c:v>2.4379999999999997</c:v>
                 </c:pt>
                 <c:pt idx="28">
+                  <c:v>0.61000000000000065</c:v>
+                </c:pt>
+                <c:pt idx="29">
+                  <c:v>0.61000000000000065</c:v>
+                </c:pt>
+                <c:pt idx="30">
+                  <c:v>0.61000000000000065</c:v>
+                </c:pt>
+                <c:pt idx="31">
+                  <c:v>1.2189999999999905</c:v>
+                </c:pt>
+                <c:pt idx="32">
+                  <c:v>1.2189999999999905</c:v>
+                </c:pt>
+                <c:pt idx="33">
+                  <c:v>1.2189999999999905</c:v>
+                </c:pt>
+                <c:pt idx="34">
+                  <c:v>1.2189999999999905</c:v>
+                </c:pt>
+                <c:pt idx="35">
+                  <c:v>1.2189999999999905</c:v>
+                </c:pt>
+                <c:pt idx="36">
+                  <c:v>3.048</c:v>
+                </c:pt>
+                <c:pt idx="37">
+                  <c:v>1.2189999999999905</c:v>
+                </c:pt>
+                <c:pt idx="38">
+                  <c:v>0.61000000000000065</c:v>
+                </c:pt>
+                <c:pt idx="39">
+                  <c:v>1.2189999999999905</c:v>
+                </c:pt>
+                <c:pt idx="40">
+                  <c:v>1.2189999999999905</c:v>
+                </c:pt>
+                <c:pt idx="41">
+                  <c:v>2.4379999999999997</c:v>
+                </c:pt>
+                <c:pt idx="42">
                   <c:v>1.829</c:v>
                 </c:pt>
-                <c:pt idx="29">
-                  <c:v>1.2189999999999854</c:v>
-                </c:pt>
-                <c:pt idx="30">
-                  <c:v>1.2189999999999854</c:v>
-                </c:pt>
-                <c:pt idx="31">
+                <c:pt idx="43">
+                  <c:v>1.829</c:v>
+                </c:pt>
+                <c:pt idx="44">
+                  <c:v>0.61000000000000065</c:v>
+                </c:pt>
+                <c:pt idx="45">
+                  <c:v>1.2189999999999905</c:v>
+                </c:pt>
+                <c:pt idx="46">
+                  <c:v>4.8769999999999998</c:v>
+                </c:pt>
+                <c:pt idx="47">
+                  <c:v>0.61000000000000065</c:v>
+                </c:pt>
+                <c:pt idx="48">
+                  <c:v>1.2189999999999905</c:v>
+                </c:pt>
+                <c:pt idx="49">
                   <c:v>7.3149999999999755</c:v>
                 </c:pt>
-                <c:pt idx="32">
-                  <c:v>3.048</c:v>
-                </c:pt>
-                <c:pt idx="33">
-                  <c:v>2.4379999999999997</c:v>
-                </c:pt>
-                <c:pt idx="34">
-                  <c:v>2.4379999999999997</c:v>
-                </c:pt>
-                <c:pt idx="35">
-                  <c:v>4.8769999999999998</c:v>
-                </c:pt>
-                <c:pt idx="36">
-                  <c:v>2.4379999999999997</c:v>
-                </c:pt>
-                <c:pt idx="37">
-                  <c:v>1.2189999999999854</c:v>
-                </c:pt>
-                <c:pt idx="38">
-                  <c:v>2.4379999999999997</c:v>
-                </c:pt>
-                <c:pt idx="39">
-                  <c:v>0.61000000000000065</c:v>
-                </c:pt>
-                <c:pt idx="40">
-                  <c:v>4.8769999999999998</c:v>
-                </c:pt>
-                <c:pt idx="41">
-                  <c:v>0.61000000000000065</c:v>
-                </c:pt>
-                <c:pt idx="42">
-                  <c:v>1.2189999999999854</c:v>
-                </c:pt>
-                <c:pt idx="43">
-                  <c:v>2.4379999999999997</c:v>
-                </c:pt>
-                <c:pt idx="44">
-                  <c:v>1.2189999999999854</c:v>
-                </c:pt>
-                <c:pt idx="45">
-                  <c:v>10.973000000000004</c:v>
-                </c:pt>
-                <c:pt idx="46">
-                  <c:v>1.2189999999999854</c:v>
-                </c:pt>
-                <c:pt idx="47">
-                  <c:v>3.048</c:v>
-                </c:pt>
-                <c:pt idx="48">
-                  <c:v>10.973000000000004</c:v>
-                </c:pt>
-                <c:pt idx="49">
-                  <c:v>2.4379999999999997</c:v>
-                </c:pt>
                 <c:pt idx="50">
-                  <c:v>4.8769999999999998</c:v>
+                  <c:v>1.2189999999999905</c:v>
                 </c:pt>
                 <c:pt idx="51">
-                  <c:v>4.2669999999999995</c:v>
+                  <c:v>1.2189999999999905</c:v>
                 </c:pt>
                 <c:pt idx="52">
                   <c:v>0.61000000000000065</c:v>
                 </c:pt>
                 <c:pt idx="53">
-                  <c:v>2.4379999999999997</c:v>
+                  <c:v>1.2189999999999905</c:v>
                 </c:pt>
                 <c:pt idx="54">
-                  <c:v>0.61000000000000065</c:v>
+                  <c:v>1.2189999999999905</c:v>
                 </c:pt>
                 <c:pt idx="55">
-                  <c:v>4.2669999999999995</c:v>
+                  <c:v>1.2189999999999905</c:v>
                 </c:pt>
                 <c:pt idx="56">
                   <c:v>2.4379999999999997</c:v>
                 </c:pt>
                 <c:pt idx="57">
-                  <c:v>10.363000000000024</c:v>
+                  <c:v>1.2189999999999905</c:v>
                 </c:pt>
                 <c:pt idx="58">
-                  <c:v>4.2669999999999995</c:v>
+                  <c:v>4.8769999999999998</c:v>
                 </c:pt>
                 <c:pt idx="59">
-                  <c:v>4.2669999999999995</c:v>
+                  <c:v>1.829</c:v>
                 </c:pt>
                 <c:pt idx="60">
+                  <c:v>2.4379999999999997</c:v>
+                </c:pt>
+                <c:pt idx="61">
+                  <c:v>1.2189999999999905</c:v>
+                </c:pt>
+                <c:pt idx="62">
                   <c:v>0.61000000000000065</c:v>
                 </c:pt>
-                <c:pt idx="61">
-                  <c:v>0.61000000000000065</c:v>
-                </c:pt>
-                <c:pt idx="62">
-                  <c:v>6.0960000000000001</c:v>
-                </c:pt>
                 <c:pt idx="63">
-                  <c:v>0.61000000000000065</c:v>
+                  <c:v>3.048</c:v>
                 </c:pt>
               </c:numCache>
             </c:numRef>
@@ -2277,7 +2278,7 @@
           <c:spPr>
             <a:ln w="22225">
               <a:solidFill>
-                <a:srgbClr val="C00000"/>
+                <a:srgbClr val="FF0000"/>
               </a:solidFill>
             </a:ln>
           </c:spPr>
@@ -2286,413 +2287,412 @@
             <c:size val="4"/>
           </c:marker>
           <c:xVal>
+            <c:strRef>
+              <c:f>Sheet1!$A$1:$A$64</c:f>
+              <c:strCache>
+                <c:ptCount val="64"/>
+                <c:pt idx="0">
+                  <c:v>inst#,</c:v>
+                </c:pt>
+                <c:pt idx="1">
+                  <c:v>1</c:v>
+                </c:pt>
+                <c:pt idx="2">
+                  <c:v>2</c:v>
+                </c:pt>
+                <c:pt idx="3">
+                  <c:v>3</c:v>
+                </c:pt>
+                <c:pt idx="4">
+                  <c:v>4</c:v>
+                </c:pt>
+                <c:pt idx="5">
+                  <c:v>5</c:v>
+                </c:pt>
+                <c:pt idx="6">
+                  <c:v>6</c:v>
+                </c:pt>
+                <c:pt idx="7">
+                  <c:v>7</c:v>
+                </c:pt>
+                <c:pt idx="8">
+                  <c:v>8</c:v>
+                </c:pt>
+                <c:pt idx="9">
+                  <c:v>9</c:v>
+                </c:pt>
+                <c:pt idx="10">
+                  <c:v>10</c:v>
+                </c:pt>
+                <c:pt idx="11">
+                  <c:v>11</c:v>
+                </c:pt>
+                <c:pt idx="12">
+                  <c:v>12</c:v>
+                </c:pt>
+                <c:pt idx="13">
+                  <c:v>13</c:v>
+                </c:pt>
+                <c:pt idx="14">
+                  <c:v>14</c:v>
+                </c:pt>
+                <c:pt idx="15">
+                  <c:v>15</c:v>
+                </c:pt>
+                <c:pt idx="16">
+                  <c:v>16</c:v>
+                </c:pt>
+                <c:pt idx="17">
+                  <c:v>17</c:v>
+                </c:pt>
+                <c:pt idx="18">
+                  <c:v>18</c:v>
+                </c:pt>
+                <c:pt idx="19">
+                  <c:v>19</c:v>
+                </c:pt>
+                <c:pt idx="20">
+                  <c:v>20</c:v>
+                </c:pt>
+                <c:pt idx="21">
+                  <c:v>21</c:v>
+                </c:pt>
+                <c:pt idx="22">
+                  <c:v>22</c:v>
+                </c:pt>
+                <c:pt idx="23">
+                  <c:v>23</c:v>
+                </c:pt>
+                <c:pt idx="24">
+                  <c:v>24</c:v>
+                </c:pt>
+                <c:pt idx="25">
+                  <c:v>25</c:v>
+                </c:pt>
+                <c:pt idx="26">
+                  <c:v>26</c:v>
+                </c:pt>
+                <c:pt idx="27">
+                  <c:v>27</c:v>
+                </c:pt>
+                <c:pt idx="28">
+                  <c:v>28</c:v>
+                </c:pt>
+                <c:pt idx="29">
+                  <c:v>29</c:v>
+                </c:pt>
+                <c:pt idx="30">
+                  <c:v>30</c:v>
+                </c:pt>
+                <c:pt idx="31">
+                  <c:v>31</c:v>
+                </c:pt>
+                <c:pt idx="32">
+                  <c:v>32</c:v>
+                </c:pt>
+                <c:pt idx="33">
+                  <c:v>33</c:v>
+                </c:pt>
+                <c:pt idx="34">
+                  <c:v>34</c:v>
+                </c:pt>
+                <c:pt idx="35">
+                  <c:v>35</c:v>
+                </c:pt>
+                <c:pt idx="36">
+                  <c:v>36</c:v>
+                </c:pt>
+                <c:pt idx="37">
+                  <c:v>37</c:v>
+                </c:pt>
+                <c:pt idx="38">
+                  <c:v>38</c:v>
+                </c:pt>
+                <c:pt idx="39">
+                  <c:v>39</c:v>
+                </c:pt>
+                <c:pt idx="40">
+                  <c:v>40</c:v>
+                </c:pt>
+                <c:pt idx="41">
+                  <c:v>41</c:v>
+                </c:pt>
+                <c:pt idx="42">
+                  <c:v>42</c:v>
+                </c:pt>
+                <c:pt idx="43">
+                  <c:v>43</c:v>
+                </c:pt>
+                <c:pt idx="44">
+                  <c:v>44</c:v>
+                </c:pt>
+                <c:pt idx="45">
+                  <c:v>45</c:v>
+                </c:pt>
+                <c:pt idx="46">
+                  <c:v>46</c:v>
+                </c:pt>
+                <c:pt idx="47">
+                  <c:v>47</c:v>
+                </c:pt>
+                <c:pt idx="48">
+                  <c:v>48</c:v>
+                </c:pt>
+                <c:pt idx="49">
+                  <c:v>49</c:v>
+                </c:pt>
+                <c:pt idx="50">
+                  <c:v>50</c:v>
+                </c:pt>
+                <c:pt idx="51">
+                  <c:v>51</c:v>
+                </c:pt>
+                <c:pt idx="52">
+                  <c:v>52</c:v>
+                </c:pt>
+                <c:pt idx="53">
+                  <c:v>53</c:v>
+                </c:pt>
+                <c:pt idx="54">
+                  <c:v>54</c:v>
+                </c:pt>
+                <c:pt idx="55">
+                  <c:v>55</c:v>
+                </c:pt>
+                <c:pt idx="56">
+                  <c:v>56</c:v>
+                </c:pt>
+                <c:pt idx="57">
+                  <c:v>57</c:v>
+                </c:pt>
+                <c:pt idx="58">
+                  <c:v>58</c:v>
+                </c:pt>
+                <c:pt idx="59">
+                  <c:v>59</c:v>
+                </c:pt>
+                <c:pt idx="60">
+                  <c:v>60</c:v>
+                </c:pt>
+                <c:pt idx="61">
+                  <c:v>61</c:v>
+                </c:pt>
+                <c:pt idx="62">
+                  <c:v>62</c:v>
+                </c:pt>
+                <c:pt idx="63">
+                  <c:v>63</c:v>
+                </c:pt>
+              </c:strCache>
+            </c:strRef>
+          </c:xVal>
+          <c:yVal>
             <c:numRef>
-              <c:f>Sheet1!$A$2:$A$65</c:f>
+              <c:f>Sheet1!$E$1:$E$64</c:f>
               <c:numCache>
                 <c:formatCode>General</c:formatCode>
                 <c:ptCount val="64"/>
                 <c:pt idx="0">
-                  <c:v>1</c:v>
+                  <c:v>0</c:v>
                 </c:pt>
                 <c:pt idx="1">
+                  <c:v>1.8</c:v>
+                </c:pt>
+                <c:pt idx="2">
+                  <c:v>3.2600000000000002</c:v>
+                </c:pt>
+                <c:pt idx="3">
+                  <c:v>4.5</c:v>
+                </c:pt>
+                <c:pt idx="4">
+                  <c:v>2.13</c:v>
+                </c:pt>
+                <c:pt idx="5">
+                  <c:v>2.2200000000000002</c:v>
+                </c:pt>
+                <c:pt idx="6">
+                  <c:v>1.61</c:v>
+                </c:pt>
+                <c:pt idx="7">
+                  <c:v>1.87</c:v>
+                </c:pt>
+                <c:pt idx="8">
+                  <c:v>1.9500000000000077</c:v>
+                </c:pt>
+                <c:pt idx="9">
+                  <c:v>2.4899999999999998</c:v>
+                </c:pt>
+                <c:pt idx="10">
+                  <c:v>1.6800000000000077</c:v>
+                </c:pt>
+                <c:pt idx="11">
+                  <c:v>2.98</c:v>
+                </c:pt>
+                <c:pt idx="12">
+                  <c:v>1.4</c:v>
+                </c:pt>
+                <c:pt idx="13">
+                  <c:v>1.6400000000000001</c:v>
+                </c:pt>
+                <c:pt idx="14">
+                  <c:v>2.2799999999999998</c:v>
+                </c:pt>
+                <c:pt idx="15">
+                  <c:v>3.3099999999999987</c:v>
+                </c:pt>
+                <c:pt idx="16">
+                  <c:v>1.9500000000000077</c:v>
+                </c:pt>
+                <c:pt idx="17">
+                  <c:v>1.4</c:v>
+                </c:pt>
+                <c:pt idx="18">
+                  <c:v>1.72</c:v>
+                </c:pt>
+                <c:pt idx="19">
+                  <c:v>1.28</c:v>
+                </c:pt>
+                <c:pt idx="20">
+                  <c:v>3.02</c:v>
+                </c:pt>
+                <c:pt idx="21">
+                  <c:v>3.08</c:v>
+                </c:pt>
+                <c:pt idx="22">
+                  <c:v>1.86</c:v>
+                </c:pt>
+                <c:pt idx="23">
+                  <c:v>1.5</c:v>
+                </c:pt>
+                <c:pt idx="24">
+                  <c:v>2.69</c:v>
+                </c:pt>
+                <c:pt idx="25">
+                  <c:v>1.45</c:v>
+                </c:pt>
+                <c:pt idx="26">
+                  <c:v>1.9900000000000087</c:v>
+                </c:pt>
+                <c:pt idx="27">
+                  <c:v>3</c:v>
+                </c:pt>
+                <c:pt idx="28">
+                  <c:v>2.1</c:v>
+                </c:pt>
+                <c:pt idx="29">
+                  <c:v>2.52</c:v>
+                </c:pt>
+                <c:pt idx="30">
+                  <c:v>2.12</c:v>
+                </c:pt>
+                <c:pt idx="31">
+                  <c:v>1.47</c:v>
+                </c:pt>
+                <c:pt idx="32">
+                  <c:v>5.53</c:v>
+                </c:pt>
+                <c:pt idx="33">
+                  <c:v>2.82</c:v>
+                </c:pt>
+                <c:pt idx="34">
+                  <c:v>3.13</c:v>
+                </c:pt>
+                <c:pt idx="35">
+                  <c:v>2.56</c:v>
+                </c:pt>
+                <c:pt idx="36">
+                  <c:v>2.11</c:v>
+                </c:pt>
+                <c:pt idx="37">
+                  <c:v>2.25</c:v>
+                </c:pt>
+                <c:pt idx="38">
+                  <c:v>1.73</c:v>
+                </c:pt>
+                <c:pt idx="39">
+                  <c:v>2.04</c:v>
+                </c:pt>
+                <c:pt idx="40">
+                  <c:v>1.9600000000000077</c:v>
+                </c:pt>
+                <c:pt idx="41">
+                  <c:v>3.09</c:v>
+                </c:pt>
+                <c:pt idx="42">
+                  <c:v>1.76</c:v>
+                </c:pt>
+                <c:pt idx="43">
+                  <c:v>2.0099999999999998</c:v>
+                </c:pt>
+                <c:pt idx="44">
+                  <c:v>1.54</c:v>
+                </c:pt>
+                <c:pt idx="45">
+                  <c:v>1.9000000000000001</c:v>
+                </c:pt>
+                <c:pt idx="46">
+                  <c:v>4.24</c:v>
+                </c:pt>
+                <c:pt idx="47">
+                  <c:v>1.56</c:v>
+                </c:pt>
+                <c:pt idx="48">
+                  <c:v>1.8800000000000001</c:v>
+                </c:pt>
+                <c:pt idx="49">
+                  <c:v>5.63</c:v>
+                </c:pt>
+                <c:pt idx="50">
+                  <c:v>2.27</c:v>
+                </c:pt>
+                <c:pt idx="51">
+                  <c:v>3.16</c:v>
+                </c:pt>
+                <c:pt idx="52">
+                  <c:v>4.5999999999999996</c:v>
+                </c:pt>
+                <c:pt idx="53">
+                  <c:v>1.6500000000000001</c:v>
+                </c:pt>
+                <c:pt idx="54">
+                  <c:v>2.3699999999999997</c:v>
+                </c:pt>
+                <c:pt idx="55">
+                  <c:v>1.8</c:v>
+                </c:pt>
+                <c:pt idx="56">
+                  <c:v>2.82</c:v>
+                </c:pt>
+                <c:pt idx="57">
                   <c:v>2</c:v>
                 </c:pt>
-                <c:pt idx="2">
-                  <c:v>3</c:v>
-                </c:pt>
-                <c:pt idx="3">
-                  <c:v>4</c:v>
-                </c:pt>
-                <c:pt idx="4">
-                  <c:v>5</c:v>
-                </c:pt>
-                <c:pt idx="5">
-                  <c:v>6</c:v>
-                </c:pt>
-                <c:pt idx="6">
-                  <c:v>7</c:v>
-                </c:pt>
-                <c:pt idx="7">
-                  <c:v>8</c:v>
-                </c:pt>
-                <c:pt idx="8">
-                  <c:v>9</c:v>
-                </c:pt>
-                <c:pt idx="9">
-                  <c:v>10</c:v>
-                </c:pt>
-                <c:pt idx="10">
-                  <c:v>11</c:v>
-                </c:pt>
-                <c:pt idx="11">
-                  <c:v>12</c:v>
-                </c:pt>
-                <c:pt idx="12">
-                  <c:v>13</c:v>
-                </c:pt>
-                <c:pt idx="13">
-                  <c:v>14</c:v>
-                </c:pt>
-                <c:pt idx="14">
-                  <c:v>15</c:v>
-                </c:pt>
-                <c:pt idx="15">
-                  <c:v>16</c:v>
-                </c:pt>
-                <c:pt idx="16">
-                  <c:v>17</c:v>
-                </c:pt>
-                <c:pt idx="17">
-                  <c:v>18</c:v>
-                </c:pt>
-                <c:pt idx="18">
-                  <c:v>19</c:v>
-                </c:pt>
-                <c:pt idx="19">
-                  <c:v>20</c:v>
-                </c:pt>
-                <c:pt idx="20">
-                  <c:v>21</c:v>
-                </c:pt>
-                <c:pt idx="21">
-                  <c:v>22</c:v>
-                </c:pt>
-                <c:pt idx="22">
-                  <c:v>23</c:v>
-                </c:pt>
-                <c:pt idx="23">
-                  <c:v>24</c:v>
-                </c:pt>
-                <c:pt idx="24">
-                  <c:v>25</c:v>
-                </c:pt>
-                <c:pt idx="25">
-                  <c:v>26</c:v>
-                </c:pt>
-                <c:pt idx="26">
-                  <c:v>27</c:v>
-                </c:pt>
-                <c:pt idx="27">
-                  <c:v>28</c:v>
-                </c:pt>
-                <c:pt idx="28">
-                  <c:v>29</c:v>
-                </c:pt>
-                <c:pt idx="29">
-                  <c:v>30</c:v>
-                </c:pt>
-                <c:pt idx="30">
-                  <c:v>31</c:v>
-                </c:pt>
-                <c:pt idx="31">
-                  <c:v>32</c:v>
-                </c:pt>
-                <c:pt idx="32">
-                  <c:v>33</c:v>
-                </c:pt>
-                <c:pt idx="33">
-                  <c:v>34</c:v>
-                </c:pt>
-                <c:pt idx="34">
-                  <c:v>35</c:v>
-                </c:pt>
-                <c:pt idx="35">
-                  <c:v>36</c:v>
-                </c:pt>
-                <c:pt idx="36">
-                  <c:v>37</c:v>
-                </c:pt>
-                <c:pt idx="37">
-                  <c:v>38</c:v>
-                </c:pt>
-                <c:pt idx="38">
-                  <c:v>39</c:v>
-                </c:pt>
-                <c:pt idx="39">
-                  <c:v>40</c:v>
-                </c:pt>
-                <c:pt idx="40">
-                  <c:v>41</c:v>
-                </c:pt>
-                <c:pt idx="41">
-                  <c:v>42</c:v>
-                </c:pt>
-                <c:pt idx="42">
-                  <c:v>43</c:v>
-                </c:pt>
-                <c:pt idx="43">
-                  <c:v>44</c:v>
-                </c:pt>
-                <c:pt idx="44">
-                  <c:v>45</c:v>
-                </c:pt>
-                <c:pt idx="45">
-                  <c:v>46</c:v>
-                </c:pt>
-                <c:pt idx="46">
-                  <c:v>47</c:v>
-                </c:pt>
-                <c:pt idx="47">
-                  <c:v>48</c:v>
-                </c:pt>
-                <c:pt idx="48">
-                  <c:v>49</c:v>
-                </c:pt>
-                <c:pt idx="49">
-                  <c:v>50</c:v>
-                </c:pt>
-                <c:pt idx="50">
-                  <c:v>51</c:v>
-                </c:pt>
-                <c:pt idx="51">
-                  <c:v>52</c:v>
-                </c:pt>
-                <c:pt idx="52">
-                  <c:v>53</c:v>
-                </c:pt>
-                <c:pt idx="53">
-                  <c:v>54</c:v>
-                </c:pt>
-                <c:pt idx="54">
-                  <c:v>55</c:v>
-                </c:pt>
-                <c:pt idx="55">
-                  <c:v>56</c:v>
-                </c:pt>
-                <c:pt idx="56">
-                  <c:v>57</c:v>
-                </c:pt>
-                <c:pt idx="57">
-                  <c:v>58</c:v>
-                </c:pt>
                 <c:pt idx="58">
-                  <c:v>59</c:v>
+                  <c:v>5.48</c:v>
                 </c:pt>
                 <c:pt idx="59">
-                  <c:v>60</c:v>
+                  <c:v>3.57</c:v>
                 </c:pt>
                 <c:pt idx="60">
-                  <c:v>61</c:v>
+                  <c:v>2.56</c:v>
                 </c:pt>
                 <c:pt idx="61">
-                  <c:v>62</c:v>
+                  <c:v>2.4</c:v>
                 </c:pt>
                 <c:pt idx="62">
-                  <c:v>63</c:v>
+                  <c:v>1.82</c:v>
                 </c:pt>
                 <c:pt idx="63">
-                  <c:v>64</c:v>
-                </c:pt>
-              </c:numCache>
-            </c:numRef>
-          </c:xVal>
-          <c:yVal>
-            <c:numRef>
-              <c:f>Sheet1!$E$2:$E$65</c:f>
-              <c:numCache>
-                <c:formatCode>General</c:formatCode>
-                <c:ptCount val="64"/>
-                <c:pt idx="0">
-                  <c:v>1.7900000000000009</c:v>
-                </c:pt>
-                <c:pt idx="1">
-                  <c:v>3.3099999999999987</c:v>
-                </c:pt>
-                <c:pt idx="2">
-                  <c:v>4.3599999999999985</c:v>
-                </c:pt>
-                <c:pt idx="3">
-                  <c:v>2.2000000000000002</c:v>
-                </c:pt>
-                <c:pt idx="4">
-                  <c:v>2.23</c:v>
-                </c:pt>
-                <c:pt idx="5">
-                  <c:v>1.6300000000000001</c:v>
-                </c:pt>
-                <c:pt idx="6">
-                  <c:v>1.9200000000000021</c:v>
-                </c:pt>
-                <c:pt idx="7">
-                  <c:v>2.0299999999999998</c:v>
-                </c:pt>
-                <c:pt idx="8">
-                  <c:v>2.8099999999999987</c:v>
-                </c:pt>
-                <c:pt idx="9">
-                  <c:v>1.7100000000000009</c:v>
-                </c:pt>
-                <c:pt idx="10">
-                  <c:v>2.9699999999999998</c:v>
-                </c:pt>
-                <c:pt idx="11">
-                  <c:v>1.47</c:v>
-                </c:pt>
-                <c:pt idx="12">
-                  <c:v>1.8800000000000001</c:v>
-                </c:pt>
-                <c:pt idx="13">
-                  <c:v>2.3299999999999987</c:v>
-                </c:pt>
-                <c:pt idx="14">
-                  <c:v>3.3899999999999997</c:v>
-                </c:pt>
-                <c:pt idx="15">
-                  <c:v>1.9500000000000106</c:v>
-                </c:pt>
-                <c:pt idx="16">
-                  <c:v>1.42</c:v>
-                </c:pt>
-                <c:pt idx="17">
-                  <c:v>1.7300000000000009</c:v>
-                </c:pt>
-                <c:pt idx="18">
-                  <c:v>1.33</c:v>
-                </c:pt>
-                <c:pt idx="19">
-                  <c:v>3.03</c:v>
-                </c:pt>
-                <c:pt idx="20">
-                  <c:v>3.15</c:v>
-                </c:pt>
-                <c:pt idx="21">
-                  <c:v>1.7800000000000009</c:v>
-                </c:pt>
-                <c:pt idx="22">
-                  <c:v>1.59</c:v>
-                </c:pt>
-                <c:pt idx="23">
-                  <c:v>2.71</c:v>
-                </c:pt>
-                <c:pt idx="24">
-                  <c:v>1.57</c:v>
-                </c:pt>
-                <c:pt idx="25">
-                  <c:v>2.02</c:v>
-                </c:pt>
-                <c:pt idx="26">
-                  <c:v>3.6</c:v>
-                </c:pt>
-                <c:pt idx="27">
-                  <c:v>2.19</c:v>
-                </c:pt>
-                <c:pt idx="28">
-                  <c:v>2.61</c:v>
-                </c:pt>
-                <c:pt idx="29">
-                  <c:v>2.2200000000000002</c:v>
-                </c:pt>
-                <c:pt idx="30">
-                  <c:v>1.47</c:v>
-                </c:pt>
-                <c:pt idx="31">
-                  <c:v>5.79</c:v>
-                </c:pt>
-                <c:pt idx="32">
-                  <c:v>2.8699999999999997</c:v>
-                </c:pt>
-                <c:pt idx="33">
-                  <c:v>3.09</c:v>
-                </c:pt>
-                <c:pt idx="34">
-                  <c:v>2.63</c:v>
-                </c:pt>
-                <c:pt idx="35">
-                  <c:v>2.48</c:v>
-                </c:pt>
-                <c:pt idx="36">
-                  <c:v>2.46</c:v>
-                </c:pt>
-                <c:pt idx="37">
-                  <c:v>1.6300000000000001</c:v>
-                </c:pt>
-                <c:pt idx="38">
-                  <c:v>2.13</c:v>
-                </c:pt>
-                <c:pt idx="39">
-                  <c:v>2.11</c:v>
-                </c:pt>
-                <c:pt idx="40">
-                  <c:v>3.15</c:v>
-                </c:pt>
-                <c:pt idx="41">
-                  <c:v>1.83</c:v>
-                </c:pt>
-                <c:pt idx="42">
-                  <c:v>2.1800000000000002</c:v>
-                </c:pt>
-                <c:pt idx="43">
-                  <c:v>1.54</c:v>
-                </c:pt>
-                <c:pt idx="44">
-                  <c:v>2.04</c:v>
-                </c:pt>
-                <c:pt idx="45">
-                  <c:v>4.0199999999999996</c:v>
-                </c:pt>
-                <c:pt idx="46">
-                  <c:v>1.55</c:v>
-                </c:pt>
-                <c:pt idx="47">
-                  <c:v>1.9000000000000001</c:v>
-                </c:pt>
-                <c:pt idx="48">
-                  <c:v>5.6</c:v>
-                </c:pt>
-                <c:pt idx="49">
-                  <c:v>2.13</c:v>
-                </c:pt>
-                <c:pt idx="50">
-                  <c:v>3.3499999999999988</c:v>
-                </c:pt>
-                <c:pt idx="51">
-                  <c:v>4.7699999999999996</c:v>
-                </c:pt>
-                <c:pt idx="52">
-                  <c:v>1.6800000000000115</c:v>
-                </c:pt>
-                <c:pt idx="53">
-                  <c:v>2.69</c:v>
-                </c:pt>
-                <c:pt idx="54">
-                  <c:v>1.9000000000000001</c:v>
-                </c:pt>
-                <c:pt idx="55">
-                  <c:v>2.98</c:v>
-                </c:pt>
-                <c:pt idx="56">
-                  <c:v>1.9800000000000118</c:v>
-                </c:pt>
-                <c:pt idx="57">
-                  <c:v>5.79</c:v>
-                </c:pt>
-                <c:pt idx="58">
-                  <c:v>3.94</c:v>
-                </c:pt>
-                <c:pt idx="59">
-                  <c:v>2.63</c:v>
-                </c:pt>
-                <c:pt idx="60">
-                  <c:v>2.5</c:v>
-                </c:pt>
-                <c:pt idx="61">
-                  <c:v>2.0299999999999998</c:v>
-                </c:pt>
-                <c:pt idx="62">
-                  <c:v>3.16</c:v>
-                </c:pt>
-                <c:pt idx="63">
-                  <c:v>2.19</c:v>
+                  <c:v>3.06</c:v>
                 </c:pt>
               </c:numCache>
             </c:numRef>
           </c:yVal>
         </c:ser>
-        <c:axId val="72407296"/>
-        <c:axId val="72757632"/>
+        <c:axId val="64952576"/>
+        <c:axId val="65476096"/>
       </c:scatterChart>
       <c:valAx>
-        <c:axId val="72407296"/>
+        <c:axId val="64952576"/>
         <c:scaling>
           <c:orientation val="minMax"/>
         </c:scaling>
@@ -2728,13 +2728,13 @@
             <a:endParaRPr lang="es-ES"/>
           </a:p>
         </c:txPr>
-        <c:crossAx val="72757632"/>
+        <c:crossAx val="65476096"/>
         <c:crosses val="autoZero"/>
         <c:crossBetween val="midCat"/>
         <c:majorUnit val="5"/>
       </c:valAx>
       <c:valAx>
-        <c:axId val="72757632"/>
+        <c:axId val="65476096"/>
         <c:scaling>
           <c:orientation val="minMax"/>
         </c:scaling>
@@ -2778,7 +2778,7 @@
             <a:endParaRPr lang="es-ES"/>
           </a:p>
         </c:txPr>
-        <c:crossAx val="72407296"/>
+        <c:crossAx val="64952576"/>
         <c:crosses val="autoZero"/>
         <c:crossBetween val="midCat"/>
       </c:valAx>
@@ -2791,7 +2791,7 @@
           <c:yMode val="edge"/>
           <c:x val="0.74133589770230268"/>
           <c:y val="0.71233526043915962"/>
-          <c:w val="0.24201434347572601"/>
+          <c:w val="0.24201434347572556"/>
           <c:h val="0.16317756172635517"/>
         </c:manualLayout>
       </c:layout>
@@ -2828,7 +2828,7 @@
             </a:pPr>
             <a:r>
               <a:rPr lang="es-AR" sz="1200" b="0" i="0" baseline="0"/>
-              <a:t>Sunset- Observacion Visual / Máquina de Soporte Vectorial</a:t>
+              <a:t>Makaha - Observación Visual/ Máquina de Soporte Vectorial</a:t>
             </a:r>
           </a:p>
         </c:rich>
@@ -2844,7 +2844,7 @@
           <c:x val="5.0128971669717602E-2"/>
           <c:y val="0.16285573489051136"/>
           <c:w val="0.91229087688864363"/>
-          <c:h val="0.42844667523762553"/>
+          <c:h val="0.42844667523762425"/>
         </c:manualLayout>
       </c:layout>
       <c:scatterChart>
@@ -2856,403 +2856,402 @@
             <c:v>Observacion Visual</c:v>
           </c:tx>
           <c:xVal>
+            <c:strRef>
+              <c:f>Sheet1!$A$1:$A$64</c:f>
+              <c:strCache>
+                <c:ptCount val="64"/>
+                <c:pt idx="0">
+                  <c:v>inst#,</c:v>
+                </c:pt>
+                <c:pt idx="1">
+                  <c:v>1</c:v>
+                </c:pt>
+                <c:pt idx="2">
+                  <c:v>2</c:v>
+                </c:pt>
+                <c:pt idx="3">
+                  <c:v>3</c:v>
+                </c:pt>
+                <c:pt idx="4">
+                  <c:v>4</c:v>
+                </c:pt>
+                <c:pt idx="5">
+                  <c:v>5</c:v>
+                </c:pt>
+                <c:pt idx="6">
+                  <c:v>6</c:v>
+                </c:pt>
+                <c:pt idx="7">
+                  <c:v>7</c:v>
+                </c:pt>
+                <c:pt idx="8">
+                  <c:v>8</c:v>
+                </c:pt>
+                <c:pt idx="9">
+                  <c:v>9</c:v>
+                </c:pt>
+                <c:pt idx="10">
+                  <c:v>10</c:v>
+                </c:pt>
+                <c:pt idx="11">
+                  <c:v>11</c:v>
+                </c:pt>
+                <c:pt idx="12">
+                  <c:v>12</c:v>
+                </c:pt>
+                <c:pt idx="13">
+                  <c:v>13</c:v>
+                </c:pt>
+                <c:pt idx="14">
+                  <c:v>14</c:v>
+                </c:pt>
+                <c:pt idx="15">
+                  <c:v>15</c:v>
+                </c:pt>
+                <c:pt idx="16">
+                  <c:v>16</c:v>
+                </c:pt>
+                <c:pt idx="17">
+                  <c:v>17</c:v>
+                </c:pt>
+                <c:pt idx="18">
+                  <c:v>18</c:v>
+                </c:pt>
+                <c:pt idx="19">
+                  <c:v>19</c:v>
+                </c:pt>
+                <c:pt idx="20">
+                  <c:v>20</c:v>
+                </c:pt>
+                <c:pt idx="21">
+                  <c:v>21</c:v>
+                </c:pt>
+                <c:pt idx="22">
+                  <c:v>22</c:v>
+                </c:pt>
+                <c:pt idx="23">
+                  <c:v>23</c:v>
+                </c:pt>
+                <c:pt idx="24">
+                  <c:v>24</c:v>
+                </c:pt>
+                <c:pt idx="25">
+                  <c:v>25</c:v>
+                </c:pt>
+                <c:pt idx="26">
+                  <c:v>26</c:v>
+                </c:pt>
+                <c:pt idx="27">
+                  <c:v>27</c:v>
+                </c:pt>
+                <c:pt idx="28">
+                  <c:v>28</c:v>
+                </c:pt>
+                <c:pt idx="29">
+                  <c:v>29</c:v>
+                </c:pt>
+                <c:pt idx="30">
+                  <c:v>30</c:v>
+                </c:pt>
+                <c:pt idx="31">
+                  <c:v>31</c:v>
+                </c:pt>
+                <c:pt idx="32">
+                  <c:v>32</c:v>
+                </c:pt>
+                <c:pt idx="33">
+                  <c:v>33</c:v>
+                </c:pt>
+                <c:pt idx="34">
+                  <c:v>34</c:v>
+                </c:pt>
+                <c:pt idx="35">
+                  <c:v>35</c:v>
+                </c:pt>
+                <c:pt idx="36">
+                  <c:v>36</c:v>
+                </c:pt>
+                <c:pt idx="37">
+                  <c:v>37</c:v>
+                </c:pt>
+                <c:pt idx="38">
+                  <c:v>38</c:v>
+                </c:pt>
+                <c:pt idx="39">
+                  <c:v>39</c:v>
+                </c:pt>
+                <c:pt idx="40">
+                  <c:v>40</c:v>
+                </c:pt>
+                <c:pt idx="41">
+                  <c:v>41</c:v>
+                </c:pt>
+                <c:pt idx="42">
+                  <c:v>42</c:v>
+                </c:pt>
+                <c:pt idx="43">
+                  <c:v>43</c:v>
+                </c:pt>
+                <c:pt idx="44">
+                  <c:v>44</c:v>
+                </c:pt>
+                <c:pt idx="45">
+                  <c:v>45</c:v>
+                </c:pt>
+                <c:pt idx="46">
+                  <c:v>46</c:v>
+                </c:pt>
+                <c:pt idx="47">
+                  <c:v>47</c:v>
+                </c:pt>
+                <c:pt idx="48">
+                  <c:v>48</c:v>
+                </c:pt>
+                <c:pt idx="49">
+                  <c:v>49</c:v>
+                </c:pt>
+                <c:pt idx="50">
+                  <c:v>50</c:v>
+                </c:pt>
+                <c:pt idx="51">
+                  <c:v>51</c:v>
+                </c:pt>
+                <c:pt idx="52">
+                  <c:v>52</c:v>
+                </c:pt>
+                <c:pt idx="53">
+                  <c:v>53</c:v>
+                </c:pt>
+                <c:pt idx="54">
+                  <c:v>54</c:v>
+                </c:pt>
+                <c:pt idx="55">
+                  <c:v>55</c:v>
+                </c:pt>
+                <c:pt idx="56">
+                  <c:v>56</c:v>
+                </c:pt>
+                <c:pt idx="57">
+                  <c:v>57</c:v>
+                </c:pt>
+                <c:pt idx="58">
+                  <c:v>58</c:v>
+                </c:pt>
+                <c:pt idx="59">
+                  <c:v>59</c:v>
+                </c:pt>
+                <c:pt idx="60">
+                  <c:v>60</c:v>
+                </c:pt>
+                <c:pt idx="61">
+                  <c:v>61</c:v>
+                </c:pt>
+                <c:pt idx="62">
+                  <c:v>62</c:v>
+                </c:pt>
+                <c:pt idx="63">
+                  <c:v>63</c:v>
+                </c:pt>
+              </c:strCache>
+            </c:strRef>
+          </c:xVal>
+          <c:yVal>
             <c:numRef>
-              <c:f>Sheet1!$A$2:$A$65</c:f>
+              <c:f>Sheet1!$B$1:$B$64</c:f>
               <c:numCache>
                 <c:formatCode>General</c:formatCode>
                 <c:ptCount val="64"/>
                 <c:pt idx="0">
-                  <c:v>1</c:v>
+                  <c:v>0</c:v>
                 </c:pt>
                 <c:pt idx="1">
-                  <c:v>2</c:v>
+                  <c:v>1.2189999999999905</c:v>
                 </c:pt>
                 <c:pt idx="2">
-                  <c:v>3</c:v>
+                  <c:v>2.4379999999999997</c:v>
                 </c:pt>
                 <c:pt idx="3">
-                  <c:v>4</c:v>
+                  <c:v>3.6579999999999999</c:v>
                 </c:pt>
                 <c:pt idx="4">
-                  <c:v>5</c:v>
+                  <c:v>1.829</c:v>
                 </c:pt>
                 <c:pt idx="5">
-                  <c:v>6</c:v>
+                  <c:v>1.2189999999999905</c:v>
                 </c:pt>
                 <c:pt idx="6">
-                  <c:v>7</c:v>
+                  <c:v>1.2189999999999905</c:v>
                 </c:pt>
                 <c:pt idx="7">
-                  <c:v>8</c:v>
-                </c:pt>
-                <c:pt idx="8">
-                  <c:v>9</c:v>
-                </c:pt>
-                <c:pt idx="9">
-                  <c:v>10</c:v>
-                </c:pt>
-                <c:pt idx="10">
-                  <c:v>11</c:v>
-                </c:pt>
-                <c:pt idx="11">
-                  <c:v>12</c:v>
-                </c:pt>
-                <c:pt idx="12">
-                  <c:v>13</c:v>
-                </c:pt>
-                <c:pt idx="13">
-                  <c:v>14</c:v>
-                </c:pt>
-                <c:pt idx="14">
-                  <c:v>15</c:v>
-                </c:pt>
-                <c:pt idx="15">
-                  <c:v>16</c:v>
-                </c:pt>
-                <c:pt idx="16">
-                  <c:v>17</c:v>
-                </c:pt>
-                <c:pt idx="17">
-                  <c:v>18</c:v>
-                </c:pt>
-                <c:pt idx="18">
-                  <c:v>19</c:v>
-                </c:pt>
-                <c:pt idx="19">
-                  <c:v>20</c:v>
-                </c:pt>
-                <c:pt idx="20">
-                  <c:v>21</c:v>
-                </c:pt>
-                <c:pt idx="21">
-                  <c:v>22</c:v>
-                </c:pt>
-                <c:pt idx="22">
-                  <c:v>23</c:v>
-                </c:pt>
-                <c:pt idx="23">
-                  <c:v>24</c:v>
-                </c:pt>
-                <c:pt idx="24">
-                  <c:v>25</c:v>
-                </c:pt>
-                <c:pt idx="25">
-                  <c:v>26</c:v>
-                </c:pt>
-                <c:pt idx="26">
-                  <c:v>27</c:v>
-                </c:pt>
-                <c:pt idx="27">
-                  <c:v>28</c:v>
-                </c:pt>
-                <c:pt idx="28">
-                  <c:v>29</c:v>
-                </c:pt>
-                <c:pt idx="29">
-                  <c:v>30</c:v>
-                </c:pt>
-                <c:pt idx="30">
-                  <c:v>31</c:v>
-                </c:pt>
-                <c:pt idx="31">
-                  <c:v>32</c:v>
-                </c:pt>
-                <c:pt idx="32">
-                  <c:v>33</c:v>
-                </c:pt>
-                <c:pt idx="33">
-                  <c:v>34</c:v>
-                </c:pt>
-                <c:pt idx="34">
-                  <c:v>35</c:v>
-                </c:pt>
-                <c:pt idx="35">
-                  <c:v>36</c:v>
-                </c:pt>
-                <c:pt idx="36">
-                  <c:v>37</c:v>
-                </c:pt>
-                <c:pt idx="37">
-                  <c:v>38</c:v>
-                </c:pt>
-                <c:pt idx="38">
-                  <c:v>39</c:v>
-                </c:pt>
-                <c:pt idx="39">
-                  <c:v>40</c:v>
-                </c:pt>
-                <c:pt idx="40">
-                  <c:v>41</c:v>
-                </c:pt>
-                <c:pt idx="41">
-                  <c:v>42</c:v>
-                </c:pt>
-                <c:pt idx="42">
-                  <c:v>43</c:v>
-                </c:pt>
-                <c:pt idx="43">
-                  <c:v>44</c:v>
-                </c:pt>
-                <c:pt idx="44">
-                  <c:v>45</c:v>
-                </c:pt>
-                <c:pt idx="45">
-                  <c:v>46</c:v>
-                </c:pt>
-                <c:pt idx="46">
-                  <c:v>47</c:v>
-                </c:pt>
-                <c:pt idx="47">
-                  <c:v>48</c:v>
-                </c:pt>
-                <c:pt idx="48">
-                  <c:v>49</c:v>
-                </c:pt>
-                <c:pt idx="49">
-                  <c:v>50</c:v>
-                </c:pt>
-                <c:pt idx="50">
-                  <c:v>51</c:v>
-                </c:pt>
-                <c:pt idx="51">
-                  <c:v>52</c:v>
-                </c:pt>
-                <c:pt idx="52">
-                  <c:v>53</c:v>
-                </c:pt>
-                <c:pt idx="53">
-                  <c:v>54</c:v>
-                </c:pt>
-                <c:pt idx="54">
-                  <c:v>55</c:v>
-                </c:pt>
-                <c:pt idx="55">
-                  <c:v>56</c:v>
-                </c:pt>
-                <c:pt idx="56">
-                  <c:v>57</c:v>
-                </c:pt>
-                <c:pt idx="57">
-                  <c:v>58</c:v>
-                </c:pt>
-                <c:pt idx="58">
-                  <c:v>59</c:v>
-                </c:pt>
-                <c:pt idx="59">
-                  <c:v>60</c:v>
-                </c:pt>
-                <c:pt idx="60">
-                  <c:v>61</c:v>
-                </c:pt>
-                <c:pt idx="61">
-                  <c:v>62</c:v>
-                </c:pt>
-                <c:pt idx="62">
-                  <c:v>63</c:v>
-                </c:pt>
-                <c:pt idx="63">
-                  <c:v>64</c:v>
-                </c:pt>
-              </c:numCache>
-            </c:numRef>
-          </c:xVal>
-          <c:yVal>
-            <c:numRef>
-              <c:f>Sheet1!$B$2:$B$65</c:f>
-              <c:numCache>
-                <c:formatCode>General</c:formatCode>
-                <c:ptCount val="64"/>
-                <c:pt idx="0">
-                  <c:v>1.829</c:v>
-                </c:pt>
-                <c:pt idx="1">
-                  <c:v>3.6579999999999999</c:v>
-                </c:pt>
-                <c:pt idx="2">
-                  <c:v>5.4859999999999998</c:v>
-                </c:pt>
-                <c:pt idx="3">
-                  <c:v>3.048</c:v>
-                </c:pt>
-                <c:pt idx="4">
-                  <c:v>3.6579999999999999</c:v>
-                </c:pt>
-                <c:pt idx="5">
-                  <c:v>1.218999999999985</c:v>
-                </c:pt>
-                <c:pt idx="6">
-                  <c:v>1.829</c:v>
-                </c:pt>
-                <c:pt idx="7">
-                  <c:v>1.829</c:v>
+                  <c:v>1.2189999999999905</c:v>
                 </c:pt>
                 <c:pt idx="8">
                   <c:v>2.4379999999999997</c:v>
                 </c:pt>
                 <c:pt idx="9">
+                  <c:v>1.2189999999999905</c:v>
+                </c:pt>
+                <c:pt idx="10">
                   <c:v>0.61000000000000065</c:v>
                 </c:pt>
-                <c:pt idx="10">
-                  <c:v>4.2669999999999995</c:v>
-                </c:pt>
                 <c:pt idx="11">
-                  <c:v>1.218999999999985</c:v>
+                  <c:v>3.048</c:v>
                 </c:pt>
                 <c:pt idx="12">
+                  <c:v>1.2189999999999905</c:v>
+                </c:pt>
+                <c:pt idx="13">
                   <c:v>0.61000000000000065</c:v>
                 </c:pt>
-                <c:pt idx="13">
-                  <c:v>3.048</c:v>
-                </c:pt>
                 <c:pt idx="14">
-                  <c:v>4.8769999999999998</c:v>
+                  <c:v>1.2189999999999905</c:v>
                 </c:pt>
                 <c:pt idx="15">
-                  <c:v>0.61000000000000065</c:v>
+                  <c:v>2.4379999999999997</c:v>
                 </c:pt>
                 <c:pt idx="16">
-                  <c:v>0.61000000000000065</c:v>
+                  <c:v>1.2189999999999905</c:v>
                 </c:pt>
                 <c:pt idx="17">
-                  <c:v>0.61000000000000065</c:v>
+                  <c:v>1.2189999999999905</c:v>
                 </c:pt>
                 <c:pt idx="18">
                   <c:v>0.61000000000000065</c:v>
                 </c:pt>
                 <c:pt idx="19">
+                  <c:v>0.61000000000000065</c:v>
+                </c:pt>
+                <c:pt idx="20">
+                  <c:v>1.829</c:v>
+                </c:pt>
+                <c:pt idx="21">
                   <c:v>3.048</c:v>
                 </c:pt>
-                <c:pt idx="20">
-                  <c:v>5.4859999999999998</c:v>
-                </c:pt>
-                <c:pt idx="21">
+                <c:pt idx="22">
+                  <c:v>3.048</c:v>
+                </c:pt>
+                <c:pt idx="23">
+                  <c:v>1.2189999999999905</c:v>
+                </c:pt>
+                <c:pt idx="24">
                   <c:v>1.829</c:v>
                 </c:pt>
-                <c:pt idx="22">
-                  <c:v>1.218999999999985</c:v>
-                </c:pt>
-                <c:pt idx="23">
-                  <c:v>4.2669999999999995</c:v>
-                </c:pt>
-                <c:pt idx="24">
+                <c:pt idx="25">
                   <c:v>0.61000000000000065</c:v>
                 </c:pt>
-                <c:pt idx="25">
-                  <c:v>1.218999999999985</c:v>
-                </c:pt>
                 <c:pt idx="26">
-                  <c:v>4.8769999999999998</c:v>
+                  <c:v>1.829</c:v>
                 </c:pt>
                 <c:pt idx="27">
                   <c:v>2.4379999999999997</c:v>
                 </c:pt>
                 <c:pt idx="28">
+                  <c:v>0.61000000000000065</c:v>
+                </c:pt>
+                <c:pt idx="29">
+                  <c:v>0.61000000000000065</c:v>
+                </c:pt>
+                <c:pt idx="30">
+                  <c:v>0.61000000000000065</c:v>
+                </c:pt>
+                <c:pt idx="31">
+                  <c:v>1.2189999999999905</c:v>
+                </c:pt>
+                <c:pt idx="32">
+                  <c:v>1.2189999999999905</c:v>
+                </c:pt>
+                <c:pt idx="33">
+                  <c:v>1.2189999999999905</c:v>
+                </c:pt>
+                <c:pt idx="34">
+                  <c:v>1.2189999999999905</c:v>
+                </c:pt>
+                <c:pt idx="35">
+                  <c:v>1.2189999999999905</c:v>
+                </c:pt>
+                <c:pt idx="36">
+                  <c:v>3.048</c:v>
+                </c:pt>
+                <c:pt idx="37">
+                  <c:v>1.2189999999999905</c:v>
+                </c:pt>
+                <c:pt idx="38">
+                  <c:v>0.61000000000000065</c:v>
+                </c:pt>
+                <c:pt idx="39">
+                  <c:v>1.2189999999999905</c:v>
+                </c:pt>
+                <c:pt idx="40">
+                  <c:v>1.2189999999999905</c:v>
+                </c:pt>
+                <c:pt idx="41">
+                  <c:v>2.4379999999999997</c:v>
+                </c:pt>
+                <c:pt idx="42">
                   <c:v>1.829</c:v>
                 </c:pt>
-                <c:pt idx="29">
-                  <c:v>1.218999999999985</c:v>
-                </c:pt>
-                <c:pt idx="30">
-                  <c:v>1.218999999999985</c:v>
-                </c:pt>
-                <c:pt idx="31">
+                <c:pt idx="43">
+                  <c:v>1.829</c:v>
+                </c:pt>
+                <c:pt idx="44">
+                  <c:v>0.61000000000000065</c:v>
+                </c:pt>
+                <c:pt idx="45">
+                  <c:v>1.2189999999999905</c:v>
+                </c:pt>
+                <c:pt idx="46">
+                  <c:v>4.8769999999999998</c:v>
+                </c:pt>
+                <c:pt idx="47">
+                  <c:v>0.61000000000000065</c:v>
+                </c:pt>
+                <c:pt idx="48">
+                  <c:v>1.2189999999999905</c:v>
+                </c:pt>
+                <c:pt idx="49">
                   <c:v>7.3149999999999755</c:v>
                 </c:pt>
-                <c:pt idx="32">
-                  <c:v>3.048</c:v>
-                </c:pt>
-                <c:pt idx="33">
-                  <c:v>2.4379999999999997</c:v>
-                </c:pt>
-                <c:pt idx="34">
-                  <c:v>2.4379999999999997</c:v>
-                </c:pt>
-                <c:pt idx="35">
-                  <c:v>4.8769999999999998</c:v>
-                </c:pt>
-                <c:pt idx="36">
-                  <c:v>2.4379999999999997</c:v>
-                </c:pt>
-                <c:pt idx="37">
-                  <c:v>1.218999999999985</c:v>
-                </c:pt>
-                <c:pt idx="38">
-                  <c:v>2.4379999999999997</c:v>
-                </c:pt>
-                <c:pt idx="39">
-                  <c:v>0.61000000000000065</c:v>
-                </c:pt>
-                <c:pt idx="40">
-                  <c:v>4.8769999999999998</c:v>
-                </c:pt>
-                <c:pt idx="41">
-                  <c:v>0.61000000000000065</c:v>
-                </c:pt>
-                <c:pt idx="42">
-                  <c:v>1.218999999999985</c:v>
-                </c:pt>
-                <c:pt idx="43">
-                  <c:v>2.4379999999999997</c:v>
-                </c:pt>
-                <c:pt idx="44">
-                  <c:v>1.218999999999985</c:v>
-                </c:pt>
-                <c:pt idx="45">
-                  <c:v>10.973000000000004</c:v>
-                </c:pt>
-                <c:pt idx="46">
-                  <c:v>1.218999999999985</c:v>
-                </c:pt>
-                <c:pt idx="47">
-                  <c:v>3.048</c:v>
-                </c:pt>
-                <c:pt idx="48">
-                  <c:v>10.973000000000004</c:v>
-                </c:pt>
-                <c:pt idx="49">
-                  <c:v>2.4379999999999997</c:v>
-                </c:pt>
                 <c:pt idx="50">
-                  <c:v>4.8769999999999998</c:v>
+                  <c:v>1.2189999999999905</c:v>
                 </c:pt>
                 <c:pt idx="51">
-                  <c:v>4.2669999999999995</c:v>
+                  <c:v>1.2189999999999905</c:v>
                 </c:pt>
                 <c:pt idx="52">
                   <c:v>0.61000000000000065</c:v>
                 </c:pt>
                 <c:pt idx="53">
-                  <c:v>2.4379999999999997</c:v>
+                  <c:v>1.2189999999999905</c:v>
                 </c:pt>
                 <c:pt idx="54">
-                  <c:v>0.61000000000000065</c:v>
+                  <c:v>1.2189999999999905</c:v>
                 </c:pt>
                 <c:pt idx="55">
-                  <c:v>4.2669999999999995</c:v>
+                  <c:v>1.2189999999999905</c:v>
                 </c:pt>
                 <c:pt idx="56">
                   <c:v>2.4379999999999997</c:v>
                 </c:pt>
                 <c:pt idx="57">
-                  <c:v>10.363000000000024</c:v>
+                  <c:v>1.2189999999999905</c:v>
                 </c:pt>
                 <c:pt idx="58">
-                  <c:v>4.2669999999999995</c:v>
+                  <c:v>4.8769999999999998</c:v>
                 </c:pt>
                 <c:pt idx="59">
-                  <c:v>4.2669999999999995</c:v>
+                  <c:v>1.829</c:v>
                 </c:pt>
                 <c:pt idx="60">
+                  <c:v>2.4379999999999997</c:v>
+                </c:pt>
+                <c:pt idx="61">
+                  <c:v>1.2189999999999905</c:v>
+                </c:pt>
+                <c:pt idx="62">
                   <c:v>0.61000000000000065</c:v>
                 </c:pt>
-                <c:pt idx="61">
-                  <c:v>0.61000000000000065</c:v>
-                </c:pt>
-                <c:pt idx="62">
-                  <c:v>6.0960000000000001</c:v>
-                </c:pt>
                 <c:pt idx="63">
-                  <c:v>0.61000000000000065</c:v>
+                  <c:v>3.048</c:v>
                 </c:pt>
               </c:numCache>
             </c:numRef>
@@ -3267,7 +3266,7 @@
           <c:spPr>
             <a:ln w="22225">
               <a:solidFill>
-                <a:srgbClr val="C00000"/>
+                <a:srgbClr val="FF0000"/>
               </a:solidFill>
             </a:ln>
           </c:spPr>
@@ -3276,413 +3275,412 @@
             <c:size val="4"/>
           </c:marker>
           <c:xVal>
+            <c:strRef>
+              <c:f>Sheet1!$A$1:$A$64</c:f>
+              <c:strCache>
+                <c:ptCount val="64"/>
+                <c:pt idx="0">
+                  <c:v>inst#,</c:v>
+                </c:pt>
+                <c:pt idx="1">
+                  <c:v>1</c:v>
+                </c:pt>
+                <c:pt idx="2">
+                  <c:v>2</c:v>
+                </c:pt>
+                <c:pt idx="3">
+                  <c:v>3</c:v>
+                </c:pt>
+                <c:pt idx="4">
+                  <c:v>4</c:v>
+                </c:pt>
+                <c:pt idx="5">
+                  <c:v>5</c:v>
+                </c:pt>
+                <c:pt idx="6">
+                  <c:v>6</c:v>
+                </c:pt>
+                <c:pt idx="7">
+                  <c:v>7</c:v>
+                </c:pt>
+                <c:pt idx="8">
+                  <c:v>8</c:v>
+                </c:pt>
+                <c:pt idx="9">
+                  <c:v>9</c:v>
+                </c:pt>
+                <c:pt idx="10">
+                  <c:v>10</c:v>
+                </c:pt>
+                <c:pt idx="11">
+                  <c:v>11</c:v>
+                </c:pt>
+                <c:pt idx="12">
+                  <c:v>12</c:v>
+                </c:pt>
+                <c:pt idx="13">
+                  <c:v>13</c:v>
+                </c:pt>
+                <c:pt idx="14">
+                  <c:v>14</c:v>
+                </c:pt>
+                <c:pt idx="15">
+                  <c:v>15</c:v>
+                </c:pt>
+                <c:pt idx="16">
+                  <c:v>16</c:v>
+                </c:pt>
+                <c:pt idx="17">
+                  <c:v>17</c:v>
+                </c:pt>
+                <c:pt idx="18">
+                  <c:v>18</c:v>
+                </c:pt>
+                <c:pt idx="19">
+                  <c:v>19</c:v>
+                </c:pt>
+                <c:pt idx="20">
+                  <c:v>20</c:v>
+                </c:pt>
+                <c:pt idx="21">
+                  <c:v>21</c:v>
+                </c:pt>
+                <c:pt idx="22">
+                  <c:v>22</c:v>
+                </c:pt>
+                <c:pt idx="23">
+                  <c:v>23</c:v>
+                </c:pt>
+                <c:pt idx="24">
+                  <c:v>24</c:v>
+                </c:pt>
+                <c:pt idx="25">
+                  <c:v>25</c:v>
+                </c:pt>
+                <c:pt idx="26">
+                  <c:v>26</c:v>
+                </c:pt>
+                <c:pt idx="27">
+                  <c:v>27</c:v>
+                </c:pt>
+                <c:pt idx="28">
+                  <c:v>28</c:v>
+                </c:pt>
+                <c:pt idx="29">
+                  <c:v>29</c:v>
+                </c:pt>
+                <c:pt idx="30">
+                  <c:v>30</c:v>
+                </c:pt>
+                <c:pt idx="31">
+                  <c:v>31</c:v>
+                </c:pt>
+                <c:pt idx="32">
+                  <c:v>32</c:v>
+                </c:pt>
+                <c:pt idx="33">
+                  <c:v>33</c:v>
+                </c:pt>
+                <c:pt idx="34">
+                  <c:v>34</c:v>
+                </c:pt>
+                <c:pt idx="35">
+                  <c:v>35</c:v>
+                </c:pt>
+                <c:pt idx="36">
+                  <c:v>36</c:v>
+                </c:pt>
+                <c:pt idx="37">
+                  <c:v>37</c:v>
+                </c:pt>
+                <c:pt idx="38">
+                  <c:v>38</c:v>
+                </c:pt>
+                <c:pt idx="39">
+                  <c:v>39</c:v>
+                </c:pt>
+                <c:pt idx="40">
+                  <c:v>40</c:v>
+                </c:pt>
+                <c:pt idx="41">
+                  <c:v>41</c:v>
+                </c:pt>
+                <c:pt idx="42">
+                  <c:v>42</c:v>
+                </c:pt>
+                <c:pt idx="43">
+                  <c:v>43</c:v>
+                </c:pt>
+                <c:pt idx="44">
+                  <c:v>44</c:v>
+                </c:pt>
+                <c:pt idx="45">
+                  <c:v>45</c:v>
+                </c:pt>
+                <c:pt idx="46">
+                  <c:v>46</c:v>
+                </c:pt>
+                <c:pt idx="47">
+                  <c:v>47</c:v>
+                </c:pt>
+                <c:pt idx="48">
+                  <c:v>48</c:v>
+                </c:pt>
+                <c:pt idx="49">
+                  <c:v>49</c:v>
+                </c:pt>
+                <c:pt idx="50">
+                  <c:v>50</c:v>
+                </c:pt>
+                <c:pt idx="51">
+                  <c:v>51</c:v>
+                </c:pt>
+                <c:pt idx="52">
+                  <c:v>52</c:v>
+                </c:pt>
+                <c:pt idx="53">
+                  <c:v>53</c:v>
+                </c:pt>
+                <c:pt idx="54">
+                  <c:v>54</c:v>
+                </c:pt>
+                <c:pt idx="55">
+                  <c:v>55</c:v>
+                </c:pt>
+                <c:pt idx="56">
+                  <c:v>56</c:v>
+                </c:pt>
+                <c:pt idx="57">
+                  <c:v>57</c:v>
+                </c:pt>
+                <c:pt idx="58">
+                  <c:v>58</c:v>
+                </c:pt>
+                <c:pt idx="59">
+                  <c:v>59</c:v>
+                </c:pt>
+                <c:pt idx="60">
+                  <c:v>60</c:v>
+                </c:pt>
+                <c:pt idx="61">
+                  <c:v>61</c:v>
+                </c:pt>
+                <c:pt idx="62">
+                  <c:v>62</c:v>
+                </c:pt>
+                <c:pt idx="63">
+                  <c:v>63</c:v>
+                </c:pt>
+              </c:strCache>
+            </c:strRef>
+          </c:xVal>
+          <c:yVal>
             <c:numRef>
-              <c:f>Sheet1!$A$2:$A$65</c:f>
+              <c:f>Sheet1!$C$1:$C$64</c:f>
               <c:numCache>
                 <c:formatCode>General</c:formatCode>
                 <c:ptCount val="64"/>
                 <c:pt idx="0">
-                  <c:v>1</c:v>
+                  <c:v>0</c:v>
                 </c:pt>
                 <c:pt idx="1">
-                  <c:v>2</c:v>
+                  <c:v>1.103</c:v>
                 </c:pt>
                 <c:pt idx="2">
-                  <c:v>3</c:v>
+                  <c:v>1.3580000000000001</c:v>
                 </c:pt>
                 <c:pt idx="3">
-                  <c:v>4</c:v>
+                  <c:v>4.9340000000000002</c:v>
                 </c:pt>
                 <c:pt idx="4">
-                  <c:v>5</c:v>
+                  <c:v>1.02</c:v>
                 </c:pt>
                 <c:pt idx="5">
-                  <c:v>6</c:v>
+                  <c:v>0.97700000000000065</c:v>
                 </c:pt>
                 <c:pt idx="6">
-                  <c:v>7</c:v>
+                  <c:v>1.03</c:v>
                 </c:pt>
                 <c:pt idx="7">
-                  <c:v>8</c:v>
+                  <c:v>0.97700000000000065</c:v>
                 </c:pt>
                 <c:pt idx="8">
-                  <c:v>9</c:v>
+                  <c:v>1.153</c:v>
                 </c:pt>
                 <c:pt idx="9">
-                  <c:v>10</c:v>
+                  <c:v>1.3560000000000001</c:v>
                 </c:pt>
                 <c:pt idx="10">
-                  <c:v>11</c:v>
+                  <c:v>1.121</c:v>
                 </c:pt>
                 <c:pt idx="11">
-                  <c:v>12</c:v>
+                  <c:v>2.9569999999999967</c:v>
                 </c:pt>
                 <c:pt idx="12">
-                  <c:v>13</c:v>
+                  <c:v>2.2909999999999999</c:v>
                 </c:pt>
                 <c:pt idx="13">
-                  <c:v>14</c:v>
+                  <c:v>0.96900000000000064</c:v>
                 </c:pt>
                 <c:pt idx="14">
-                  <c:v>15</c:v>
+                  <c:v>1.2769999999999913</c:v>
                 </c:pt>
                 <c:pt idx="15">
-                  <c:v>16</c:v>
+                  <c:v>3.0789999999999997</c:v>
                 </c:pt>
                 <c:pt idx="16">
-                  <c:v>17</c:v>
+                  <c:v>1.137</c:v>
                 </c:pt>
                 <c:pt idx="17">
-                  <c:v>18</c:v>
+                  <c:v>1.1990000000000001</c:v>
                 </c:pt>
                 <c:pt idx="18">
-                  <c:v>19</c:v>
+                  <c:v>1.0249999999999913</c:v>
                 </c:pt>
                 <c:pt idx="19">
-                  <c:v>20</c:v>
+                  <c:v>1.0409999999999919</c:v>
                 </c:pt>
                 <c:pt idx="20">
-                  <c:v>21</c:v>
+                  <c:v>1.9940000000000087</c:v>
                 </c:pt>
                 <c:pt idx="21">
-                  <c:v>22</c:v>
+                  <c:v>2.6759999999999997</c:v>
                 </c:pt>
                 <c:pt idx="22">
-                  <c:v>23</c:v>
+                  <c:v>2.258</c:v>
                 </c:pt>
                 <c:pt idx="23">
-                  <c:v>24</c:v>
+                  <c:v>0.93799999999999994</c:v>
                 </c:pt>
                 <c:pt idx="24">
-                  <c:v>25</c:v>
+                  <c:v>1.159</c:v>
                 </c:pt>
                 <c:pt idx="25">
-                  <c:v>26</c:v>
+                  <c:v>0.89300000000000002</c:v>
                 </c:pt>
                 <c:pt idx="26">
-                  <c:v>27</c:v>
+                  <c:v>1.0580000000000001</c:v>
                 </c:pt>
                 <c:pt idx="27">
-                  <c:v>28</c:v>
+                  <c:v>1.657</c:v>
                 </c:pt>
                 <c:pt idx="28">
-                  <c:v>29</c:v>
+                  <c:v>1.367</c:v>
                 </c:pt>
                 <c:pt idx="29">
-                  <c:v>30</c:v>
+                  <c:v>1.32</c:v>
                 </c:pt>
                 <c:pt idx="30">
-                  <c:v>31</c:v>
+                  <c:v>1.127</c:v>
                 </c:pt>
                 <c:pt idx="31">
-                  <c:v>32</c:v>
+                  <c:v>1.1619999999999915</c:v>
                 </c:pt>
                 <c:pt idx="32">
-                  <c:v>33</c:v>
+                  <c:v>1.175</c:v>
                 </c:pt>
                 <c:pt idx="33">
-                  <c:v>34</c:v>
+                  <c:v>1.635</c:v>
                 </c:pt>
                 <c:pt idx="34">
-                  <c:v>35</c:v>
+                  <c:v>2.3759999999999977</c:v>
                 </c:pt>
                 <c:pt idx="35">
-                  <c:v>36</c:v>
+                  <c:v>2.0880000000000001</c:v>
                 </c:pt>
                 <c:pt idx="36">
-                  <c:v>37</c:v>
+                  <c:v>1.9540000000000077</c:v>
                 </c:pt>
                 <c:pt idx="37">
-                  <c:v>38</c:v>
+                  <c:v>1.073</c:v>
                 </c:pt>
                 <c:pt idx="38">
-                  <c:v>39</c:v>
+                  <c:v>0.93200000000000005</c:v>
                 </c:pt>
                 <c:pt idx="39">
-                  <c:v>40</c:v>
+                  <c:v>1.2209999999999905</c:v>
                 </c:pt>
                 <c:pt idx="40">
-                  <c:v>41</c:v>
+                  <c:v>1.081</c:v>
                 </c:pt>
                 <c:pt idx="41">
-                  <c:v>42</c:v>
+                  <c:v>3.5019999999999998</c:v>
                 </c:pt>
                 <c:pt idx="42">
-                  <c:v>43</c:v>
+                  <c:v>1.052</c:v>
                 </c:pt>
                 <c:pt idx="43">
-                  <c:v>44</c:v>
+                  <c:v>1.538</c:v>
                 </c:pt>
                 <c:pt idx="44">
-                  <c:v>45</c:v>
+                  <c:v>1.0569999999999922</c:v>
                 </c:pt>
                 <c:pt idx="45">
-                  <c:v>46</c:v>
+                  <c:v>1.028</c:v>
                 </c:pt>
                 <c:pt idx="46">
-                  <c:v>47</c:v>
+                  <c:v>3.6629999999999998</c:v>
                 </c:pt>
                 <c:pt idx="47">
-                  <c:v>48</c:v>
+                  <c:v>0.96500000000000064</c:v>
                 </c:pt>
                 <c:pt idx="48">
-                  <c:v>49</c:v>
+                  <c:v>1.595</c:v>
                 </c:pt>
                 <c:pt idx="49">
-                  <c:v>50</c:v>
+                  <c:v>6.8039999999999985</c:v>
                 </c:pt>
                 <c:pt idx="50">
-                  <c:v>51</c:v>
+                  <c:v>1.0489999999999922</c:v>
                 </c:pt>
                 <c:pt idx="51">
-                  <c:v>52</c:v>
+                  <c:v>1.4489999999999903</c:v>
                 </c:pt>
                 <c:pt idx="52">
-                  <c:v>53</c:v>
+                  <c:v>0.91600000000000004</c:v>
                 </c:pt>
                 <c:pt idx="53">
-                  <c:v>54</c:v>
+                  <c:v>0.91700000000000004</c:v>
                 </c:pt>
                 <c:pt idx="54">
-                  <c:v>55</c:v>
+                  <c:v>0.99299999999999999</c:v>
                 </c:pt>
                 <c:pt idx="55">
-                  <c:v>56</c:v>
+                  <c:v>1.165</c:v>
                 </c:pt>
                 <c:pt idx="56">
-                  <c:v>57</c:v>
+                  <c:v>2.363</c:v>
                 </c:pt>
                 <c:pt idx="57">
-                  <c:v>58</c:v>
+                  <c:v>1.0580000000000001</c:v>
                 </c:pt>
                 <c:pt idx="58">
-                  <c:v>59</c:v>
+                  <c:v>5.9459999999999997</c:v>
                 </c:pt>
                 <c:pt idx="59">
-                  <c:v>60</c:v>
+                  <c:v>1.5940000000000001</c:v>
                 </c:pt>
                 <c:pt idx="60">
-                  <c:v>61</c:v>
+                  <c:v>1.599</c:v>
                 </c:pt>
                 <c:pt idx="61">
-                  <c:v>62</c:v>
+                  <c:v>1.5629999999999922</c:v>
                 </c:pt>
                 <c:pt idx="62">
-                  <c:v>63</c:v>
+                  <c:v>0.99199999999999999</c:v>
                 </c:pt>
                 <c:pt idx="63">
-                  <c:v>64</c:v>
-                </c:pt>
-              </c:numCache>
-            </c:numRef>
-          </c:xVal>
-          <c:yVal>
-            <c:numRef>
-              <c:f>Sheet1!$C$2:$C$65</c:f>
-              <c:numCache>
-                <c:formatCode>General</c:formatCode>
-                <c:ptCount val="64"/>
-                <c:pt idx="0">
-                  <c:v>0.80600000000000005</c:v>
-                </c:pt>
-                <c:pt idx="1">
-                  <c:v>3.145</c:v>
-                </c:pt>
-                <c:pt idx="2">
-                  <c:v>8.1240000000000006</c:v>
-                </c:pt>
-                <c:pt idx="3">
-                  <c:v>1.9650000000000001</c:v>
-                </c:pt>
-                <c:pt idx="4">
-                  <c:v>2.887</c:v>
-                </c:pt>
-                <c:pt idx="5">
-                  <c:v>1.165</c:v>
-                </c:pt>
-                <c:pt idx="6">
-                  <c:v>0.82000000000000062</c:v>
-                </c:pt>
-                <c:pt idx="7">
-                  <c:v>0.96800000000000064</c:v>
-                </c:pt>
-                <c:pt idx="8">
-                  <c:v>1.9800000000000133</c:v>
-                </c:pt>
-                <c:pt idx="9">
-                  <c:v>0.71100000000000063</c:v>
-                </c:pt>
-                <c:pt idx="10">
-                  <c:v>4.758</c:v>
-                </c:pt>
-                <c:pt idx="11">
-                  <c:v>1.002</c:v>
-                </c:pt>
-                <c:pt idx="12">
-                  <c:v>0.75300000000000644</c:v>
-                </c:pt>
-                <c:pt idx="13">
-                  <c:v>2.8809999999999998</c:v>
-                </c:pt>
-                <c:pt idx="14">
-                  <c:v>5.4390000000000134</c:v>
-                </c:pt>
-                <c:pt idx="15">
-                  <c:v>0.82399999999999995</c:v>
-                </c:pt>
-                <c:pt idx="16">
-                  <c:v>1.0680000000000001</c:v>
-                </c:pt>
-                <c:pt idx="17">
-                  <c:v>0.89200000000000002</c:v>
-                </c:pt>
-                <c:pt idx="18">
-                  <c:v>0.54100000000000004</c:v>
-                </c:pt>
-                <c:pt idx="19">
-                  <c:v>3.7669999999999999</c:v>
-                </c:pt>
-                <c:pt idx="20">
-                  <c:v>4.9700000000000024</c:v>
-                </c:pt>
-                <c:pt idx="21">
-                  <c:v>0.68899999999999995</c:v>
-                </c:pt>
-                <c:pt idx="22">
-                  <c:v>1.0289999999999866</c:v>
-                </c:pt>
-                <c:pt idx="23">
-                  <c:v>1.734</c:v>
-                </c:pt>
-                <c:pt idx="24">
-                  <c:v>0.84400000000000064</c:v>
-                </c:pt>
-                <c:pt idx="25">
-                  <c:v>0.88100000000000001</c:v>
-                </c:pt>
-                <c:pt idx="26">
-                  <c:v>4.4809999999999999</c:v>
-                </c:pt>
-                <c:pt idx="27">
-                  <c:v>2.403</c:v>
-                </c:pt>
-                <c:pt idx="28">
-                  <c:v>2.641</c:v>
-                </c:pt>
-                <c:pt idx="29">
-                  <c:v>1.206999999999985</c:v>
-                </c:pt>
-                <c:pt idx="30">
-                  <c:v>1.768</c:v>
-                </c:pt>
-                <c:pt idx="31">
-                  <c:v>8.9940000000000015</c:v>
-                </c:pt>
-                <c:pt idx="32">
-                  <c:v>3.6269999999999998</c:v>
-                </c:pt>
-                <c:pt idx="33">
-                  <c:v>4.08</c:v>
-                </c:pt>
-                <c:pt idx="34">
-                  <c:v>3.4659999999999997</c:v>
-                </c:pt>
-                <c:pt idx="35">
-                  <c:v>3.694</c:v>
-                </c:pt>
-                <c:pt idx="36">
-                  <c:v>2.48</c:v>
-                </c:pt>
-                <c:pt idx="37">
-                  <c:v>0.77900000000000735</c:v>
-                </c:pt>
-                <c:pt idx="38">
-                  <c:v>2.8179999999999987</c:v>
-                </c:pt>
-                <c:pt idx="39">
-                  <c:v>1.585</c:v>
-                </c:pt>
-                <c:pt idx="40">
-                  <c:v>5.8039999999999985</c:v>
-                </c:pt>
-                <c:pt idx="41">
-                  <c:v>0.90200000000000002</c:v>
-                </c:pt>
-                <c:pt idx="42">
-                  <c:v>1.339</c:v>
-                </c:pt>
-                <c:pt idx="43">
-                  <c:v>2.3899999999999997</c:v>
-                </c:pt>
-                <c:pt idx="44">
-                  <c:v>1.2609999999999866</c:v>
-                </c:pt>
-                <c:pt idx="45">
-                  <c:v>5.7910000000000004</c:v>
-                </c:pt>
-                <c:pt idx="46">
-                  <c:v>1.8959999999999866</c:v>
-                </c:pt>
-                <c:pt idx="47">
-                  <c:v>3.2330000000000001</c:v>
-                </c:pt>
-                <c:pt idx="48">
-                  <c:v>11.099</c:v>
-                </c:pt>
-                <c:pt idx="49">
-                  <c:v>2.8249999999999997</c:v>
-                </c:pt>
-                <c:pt idx="50">
-                  <c:v>3.1739999999999999</c:v>
-                </c:pt>
-                <c:pt idx="51">
-                  <c:v>6.8</c:v>
-                </c:pt>
-                <c:pt idx="52">
-                  <c:v>1.161</c:v>
-                </c:pt>
-                <c:pt idx="53">
-                  <c:v>1.6459999999999866</c:v>
-                </c:pt>
-                <c:pt idx="54">
-                  <c:v>0.90500000000000003</c:v>
-                </c:pt>
-                <c:pt idx="55">
-                  <c:v>5.6579999999999755</c:v>
-                </c:pt>
-                <c:pt idx="56">
-                  <c:v>1.1659999999999877</c:v>
-                </c:pt>
-                <c:pt idx="57">
-                  <c:v>10.596</c:v>
-                </c:pt>
-                <c:pt idx="58">
-                  <c:v>5.2460000000000004</c:v>
-                </c:pt>
-                <c:pt idx="59">
-                  <c:v>2.8699999999999997</c:v>
-                </c:pt>
-                <c:pt idx="60">
-                  <c:v>1.712</c:v>
-                </c:pt>
-                <c:pt idx="61">
-                  <c:v>1.095</c:v>
-                </c:pt>
-                <c:pt idx="62">
-                  <c:v>5.4690000000000003</c:v>
-                </c:pt>
-                <c:pt idx="63">
-                  <c:v>0.92800000000000005</c:v>
+                  <c:v>2.8779999999999997</c:v>
                 </c:pt>
               </c:numCache>
             </c:numRef>
           </c:yVal>
         </c:ser>
-        <c:axId val="72778880"/>
-        <c:axId val="72780800"/>
+        <c:axId val="67409792"/>
+        <c:axId val="67641344"/>
       </c:scatterChart>
       <c:valAx>
-        <c:axId val="72778880"/>
+        <c:axId val="67409792"/>
         <c:scaling>
           <c:orientation val="minMax"/>
         </c:scaling>
@@ -3697,10 +3695,9 @@
                   <a:defRPr lang="es-AR"/>
                 </a:pPr>
                 <a:r>
-                  <a:rPr lang="es-AR" sz="1000" b="1" i="0" u="none" strike="noStrike" baseline="0"/>
+                  <a:rPr lang="es-AR"/>
                   <a:t>Día de observación</a:t>
                 </a:r>
-                <a:endParaRPr lang="es-AR"/>
               </a:p>
             </c:rich>
           </c:tx>
@@ -3719,13 +3716,13 @@
             <a:endParaRPr lang="es-ES"/>
           </a:p>
         </c:txPr>
-        <c:crossAx val="72780800"/>
+        <c:crossAx val="67641344"/>
         <c:crosses val="autoZero"/>
         <c:crossBetween val="midCat"/>
         <c:majorUnit val="5"/>
       </c:valAx>
       <c:valAx>
-        <c:axId val="72780800"/>
+        <c:axId val="67641344"/>
         <c:scaling>
           <c:orientation val="minMax"/>
         </c:scaling>
@@ -3769,7 +3766,7 @@
             <a:endParaRPr lang="es-ES"/>
           </a:p>
         </c:txPr>
-        <c:crossAx val="72778880"/>
+        <c:crossAx val="67409792"/>
         <c:crosses val="autoZero"/>
         <c:crossBetween val="midCat"/>
       </c:valAx>
@@ -3782,7 +3779,7 @@
           <c:yMode val="edge"/>
           <c:x val="0.74133589770230268"/>
           <c:y val="0.71233526043915962"/>
-          <c:w val="0.24201434347572601"/>
+          <c:w val="0.24201434347572545"/>
           <c:h val="0.16317756172635517"/>
         </c:manualLayout>
       </c:layout>
@@ -3818,7 +3815,7 @@
           <c:x val="0.10048349150099888"/>
           <c:y val="4.1238940589567646E-2"/>
           <c:w val="0.87042860499284569"/>
-          <c:h val="0.75935138208448805"/>
+          <c:h val="0.75935138208448705"/>
         </c:manualLayout>
       </c:layout>
       <c:scatterChart>
@@ -3841,196 +3838,196 @@
                 <c:formatCode>General</c:formatCode>
                 <c:ptCount val="64"/>
                 <c:pt idx="0">
-                  <c:v>1.79</c:v>
+                  <c:v>1.8</c:v>
                 </c:pt>
                 <c:pt idx="1">
+                  <c:v>3.2600000000000002</c:v>
+                </c:pt>
+                <c:pt idx="2">
+                  <c:v>4.5</c:v>
+                </c:pt>
+                <c:pt idx="3">
+                  <c:v>2.13</c:v>
+                </c:pt>
+                <c:pt idx="4">
+                  <c:v>2.2200000000000002</c:v>
+                </c:pt>
+                <c:pt idx="5">
+                  <c:v>1.61</c:v>
+                </c:pt>
+                <c:pt idx="6">
+                  <c:v>1.87</c:v>
+                </c:pt>
+                <c:pt idx="7">
+                  <c:v>1.9500000000000077</c:v>
+                </c:pt>
+                <c:pt idx="8">
+                  <c:v>2.4899999999999998</c:v>
+                </c:pt>
+                <c:pt idx="9">
+                  <c:v>1.6800000000000077</c:v>
+                </c:pt>
+                <c:pt idx="10">
+                  <c:v>2.98</c:v>
+                </c:pt>
+                <c:pt idx="11">
+                  <c:v>1.4</c:v>
+                </c:pt>
+                <c:pt idx="12">
+                  <c:v>1.6400000000000001</c:v>
+                </c:pt>
+                <c:pt idx="13">
+                  <c:v>2.2799999999999998</c:v>
+                </c:pt>
+                <c:pt idx="14">
                   <c:v>3.3099999999999987</c:v>
                 </c:pt>
-                <c:pt idx="2">
-                  <c:v>4.3599999999999985</c:v>
-                </c:pt>
-                <c:pt idx="3">
-                  <c:v>2.2000000000000002</c:v>
-                </c:pt>
-                <c:pt idx="4">
-                  <c:v>2.23</c:v>
-                </c:pt>
-                <c:pt idx="5">
-                  <c:v>1.6300000000000001</c:v>
-                </c:pt>
-                <c:pt idx="6">
-                  <c:v>1.9200000000000021</c:v>
-                </c:pt>
-                <c:pt idx="7">
-                  <c:v>2.0299999999999998</c:v>
-                </c:pt>
-                <c:pt idx="8">
-                  <c:v>2.8099999999999987</c:v>
-                </c:pt>
-                <c:pt idx="9">
-                  <c:v>1.71</c:v>
-                </c:pt>
-                <c:pt idx="10">
-                  <c:v>2.9699999999999998</c:v>
-                </c:pt>
-                <c:pt idx="11">
-                  <c:v>1.47</c:v>
-                </c:pt>
-                <c:pt idx="12">
-                  <c:v>1.8800000000000001</c:v>
-                </c:pt>
-                <c:pt idx="13">
-                  <c:v>2.3299999999999987</c:v>
-                </c:pt>
-                <c:pt idx="14">
-                  <c:v>3.3899999999999997</c:v>
-                </c:pt>
                 <c:pt idx="15">
-                  <c:v>1.9500000000000115</c:v>
+                  <c:v>1.9500000000000077</c:v>
                 </c:pt>
                 <c:pt idx="16">
-                  <c:v>1.42</c:v>
+                  <c:v>1.4</c:v>
                 </c:pt>
                 <c:pt idx="17">
-                  <c:v>1.73</c:v>
+                  <c:v>1.72</c:v>
                 </c:pt>
                 <c:pt idx="18">
-                  <c:v>1.33</c:v>
+                  <c:v>1.28</c:v>
                 </c:pt>
                 <c:pt idx="19">
-                  <c:v>3.03</c:v>
+                  <c:v>3.02</c:v>
                 </c:pt>
                 <c:pt idx="20">
-                  <c:v>3.15</c:v>
+                  <c:v>3.08</c:v>
                 </c:pt>
                 <c:pt idx="21">
-                  <c:v>1.78</c:v>
+                  <c:v>1.86</c:v>
                 </c:pt>
                 <c:pt idx="22">
-                  <c:v>1.59</c:v>
+                  <c:v>1.5</c:v>
                 </c:pt>
                 <c:pt idx="23">
-                  <c:v>2.71</c:v>
+                  <c:v>2.69</c:v>
                 </c:pt>
                 <c:pt idx="24">
-                  <c:v>1.57</c:v>
+                  <c:v>1.45</c:v>
                 </c:pt>
                 <c:pt idx="25">
-                  <c:v>2.02</c:v>
+                  <c:v>1.9900000000000087</c:v>
                 </c:pt>
                 <c:pt idx="26">
-                  <c:v>3.6</c:v>
+                  <c:v>3</c:v>
                 </c:pt>
                 <c:pt idx="27">
-                  <c:v>2.19</c:v>
+                  <c:v>2.1</c:v>
                 </c:pt>
                 <c:pt idx="28">
-                  <c:v>2.61</c:v>
+                  <c:v>2.52</c:v>
                 </c:pt>
                 <c:pt idx="29">
-                  <c:v>2.2200000000000002</c:v>
+                  <c:v>2.12</c:v>
                 </c:pt>
                 <c:pt idx="30">
                   <c:v>1.47</c:v>
                 </c:pt>
                 <c:pt idx="31">
-                  <c:v>5.79</c:v>
+                  <c:v>5.53</c:v>
                 </c:pt>
                 <c:pt idx="32">
-                  <c:v>2.8699999999999997</c:v>
+                  <c:v>2.82</c:v>
                 </c:pt>
                 <c:pt idx="33">
+                  <c:v>3.13</c:v>
+                </c:pt>
+                <c:pt idx="34">
+                  <c:v>2.56</c:v>
+                </c:pt>
+                <c:pt idx="35">
+                  <c:v>2.11</c:v>
+                </c:pt>
+                <c:pt idx="36">
+                  <c:v>2.25</c:v>
+                </c:pt>
+                <c:pt idx="37">
+                  <c:v>1.73</c:v>
+                </c:pt>
+                <c:pt idx="38">
+                  <c:v>2.04</c:v>
+                </c:pt>
+                <c:pt idx="39">
+                  <c:v>1.9600000000000077</c:v>
+                </c:pt>
+                <c:pt idx="40">
                   <c:v>3.09</c:v>
                 </c:pt>
-                <c:pt idx="34">
-                  <c:v>2.63</c:v>
-                </c:pt>
-                <c:pt idx="35">
-                  <c:v>2.48</c:v>
-                </c:pt>
-                <c:pt idx="36">
-                  <c:v>2.46</c:v>
-                </c:pt>
-                <c:pt idx="37">
-                  <c:v>1.6300000000000001</c:v>
-                </c:pt>
-                <c:pt idx="38">
-                  <c:v>2.13</c:v>
-                </c:pt>
-                <c:pt idx="39">
-                  <c:v>2.11</c:v>
-                </c:pt>
-                <c:pt idx="40">
-                  <c:v>3.15</c:v>
-                </c:pt>
                 <c:pt idx="41">
-                  <c:v>1.83</c:v>
+                  <c:v>1.76</c:v>
                 </c:pt>
                 <c:pt idx="42">
-                  <c:v>2.1800000000000002</c:v>
+                  <c:v>2.0099999999999998</c:v>
                 </c:pt>
                 <c:pt idx="43">
                   <c:v>1.54</c:v>
                 </c:pt>
                 <c:pt idx="44">
-                  <c:v>2.04</c:v>
+                  <c:v>1.9000000000000001</c:v>
                 </c:pt>
                 <c:pt idx="45">
-                  <c:v>4.0199999999999996</c:v>
+                  <c:v>4.24</c:v>
                 </c:pt>
                 <c:pt idx="46">
-                  <c:v>1.55</c:v>
+                  <c:v>1.56</c:v>
                 </c:pt>
                 <c:pt idx="47">
-                  <c:v>1.9000000000000001</c:v>
+                  <c:v>1.8800000000000001</c:v>
                 </c:pt>
                 <c:pt idx="48">
-                  <c:v>5.6</c:v>
+                  <c:v>5.63</c:v>
                 </c:pt>
                 <c:pt idx="49">
-                  <c:v>2.13</c:v>
+                  <c:v>2.27</c:v>
                 </c:pt>
                 <c:pt idx="50">
-                  <c:v>3.3499999999999988</c:v>
+                  <c:v>3.16</c:v>
                 </c:pt>
                 <c:pt idx="51">
-                  <c:v>4.7699999999999996</c:v>
+                  <c:v>4.5999999999999996</c:v>
                 </c:pt>
                 <c:pt idx="52">
-                  <c:v>1.6800000000000115</c:v>
+                  <c:v>1.6500000000000001</c:v>
                 </c:pt>
                 <c:pt idx="53">
-                  <c:v>2.69</c:v>
+                  <c:v>2.3699999999999997</c:v>
                 </c:pt>
                 <c:pt idx="54">
-                  <c:v>1.9000000000000001</c:v>
+                  <c:v>1.8</c:v>
                 </c:pt>
                 <c:pt idx="55">
-                  <c:v>2.98</c:v>
+                  <c:v>2.82</c:v>
                 </c:pt>
                 <c:pt idx="56">
-                  <c:v>1.9800000000000129</c:v>
+                  <c:v>2</c:v>
                 </c:pt>
                 <c:pt idx="57">
-                  <c:v>5.79</c:v>
+                  <c:v>5.48</c:v>
                 </c:pt>
                 <c:pt idx="58">
-                  <c:v>3.94</c:v>
+                  <c:v>3.57</c:v>
                 </c:pt>
                 <c:pt idx="59">
-                  <c:v>2.63</c:v>
+                  <c:v>2.56</c:v>
                 </c:pt>
                 <c:pt idx="60">
-                  <c:v>2.5</c:v>
+                  <c:v>2.4</c:v>
                 </c:pt>
                 <c:pt idx="61">
-                  <c:v>2.0299999999999998</c:v>
+                  <c:v>1.82</c:v>
                 </c:pt>
                 <c:pt idx="62">
-                  <c:v>3.16</c:v>
+                  <c:v>3.06</c:v>
                 </c:pt>
                 <c:pt idx="63">
-                  <c:v>2.19</c:v>
+                  <c:v>2.0099999999999998</c:v>
                 </c:pt>
               </c:numCache>
             </c:numRef>
@@ -4042,55 +4039,55 @@
                 <c:formatCode>General</c:formatCode>
                 <c:ptCount val="64"/>
                 <c:pt idx="0">
+                  <c:v>1.2189999999999905</c:v>
+                </c:pt>
+                <c:pt idx="1">
+                  <c:v>2.4379999999999997</c:v>
+                </c:pt>
+                <c:pt idx="2">
+                  <c:v>3.6579999999999999</c:v>
+                </c:pt>
+                <c:pt idx="3">
                   <c:v>1.829</c:v>
                 </c:pt>
-                <c:pt idx="1">
-                  <c:v>3.6579999999999999</c:v>
-                </c:pt>
-                <c:pt idx="2">
-                  <c:v>5.4859999999999998</c:v>
-                </c:pt>
-                <c:pt idx="3">
-                  <c:v>3.048</c:v>
-                </c:pt>
                 <c:pt idx="4">
-                  <c:v>3.6579999999999999</c:v>
+                  <c:v>1.2189999999999905</c:v>
                 </c:pt>
                 <c:pt idx="5">
-                  <c:v>1.2189999999999854</c:v>
+                  <c:v>1.2189999999999905</c:v>
                 </c:pt>
                 <c:pt idx="6">
-                  <c:v>1.829</c:v>
+                  <c:v>1.2189999999999905</c:v>
                 </c:pt>
                 <c:pt idx="7">
-                  <c:v>1.829</c:v>
+                  <c:v>2.4379999999999997</c:v>
                 </c:pt>
                 <c:pt idx="8">
-                  <c:v>2.4379999999999997</c:v>
+                  <c:v>1.2189999999999905</c:v>
                 </c:pt>
                 <c:pt idx="9">
                   <c:v>0.61000000000000065</c:v>
                 </c:pt>
                 <c:pt idx="10">
-                  <c:v>4.2669999999999995</c:v>
+                  <c:v>3.048</c:v>
                 </c:pt>
                 <c:pt idx="11">
-                  <c:v>1.2189999999999854</c:v>
+                  <c:v>1.2189999999999905</c:v>
                 </c:pt>
                 <c:pt idx="12">
                   <c:v>0.61000000000000065</c:v>
                 </c:pt>
                 <c:pt idx="13">
-                  <c:v>3.048</c:v>
+                  <c:v>1.2189999999999905</c:v>
                 </c:pt>
                 <c:pt idx="14">
-                  <c:v>4.8769999999999998</c:v>
+                  <c:v>2.4379999999999997</c:v>
                 </c:pt>
                 <c:pt idx="15">
-                  <c:v>0.61000000000000065</c:v>
+                  <c:v>1.2189999999999905</c:v>
                 </c:pt>
                 <c:pt idx="16">
-                  <c:v>0.61000000000000065</c:v>
+                  <c:v>1.2189999999999905</c:v>
                 </c:pt>
                 <c:pt idx="17">
                   <c:v>0.61000000000000065</c:v>
@@ -4099,139 +4096,139 @@
                   <c:v>0.61000000000000065</c:v>
                 </c:pt>
                 <c:pt idx="19">
+                  <c:v>1.829</c:v>
+                </c:pt>
+                <c:pt idx="20">
                   <c:v>3.048</c:v>
                 </c:pt>
-                <c:pt idx="20">
-                  <c:v>5.4859999999999998</c:v>
-                </c:pt>
                 <c:pt idx="21">
+                  <c:v>3.048</c:v>
+                </c:pt>
+                <c:pt idx="22">
+                  <c:v>1.2189999999999905</c:v>
+                </c:pt>
+                <c:pt idx="23">
                   <c:v>1.829</c:v>
-                </c:pt>
-                <c:pt idx="22">
-                  <c:v>1.2189999999999854</c:v>
-                </c:pt>
-                <c:pt idx="23">
-                  <c:v>4.2669999999999995</c:v>
                 </c:pt>
                 <c:pt idx="24">
                   <c:v>0.61000000000000065</c:v>
                 </c:pt>
                 <c:pt idx="25">
-                  <c:v>1.2189999999999854</c:v>
+                  <c:v>1.829</c:v>
                 </c:pt>
                 <c:pt idx="26">
+                  <c:v>2.4379999999999997</c:v>
+                </c:pt>
+                <c:pt idx="27">
+                  <c:v>0.61000000000000065</c:v>
+                </c:pt>
+                <c:pt idx="28">
+                  <c:v>0.61000000000000065</c:v>
+                </c:pt>
+                <c:pt idx="29">
+                  <c:v>0.61000000000000065</c:v>
+                </c:pt>
+                <c:pt idx="30">
+                  <c:v>1.2189999999999905</c:v>
+                </c:pt>
+                <c:pt idx="31">
+                  <c:v>1.2189999999999905</c:v>
+                </c:pt>
+                <c:pt idx="32">
+                  <c:v>1.2189999999999905</c:v>
+                </c:pt>
+                <c:pt idx="33">
+                  <c:v>1.2189999999999905</c:v>
+                </c:pt>
+                <c:pt idx="34">
+                  <c:v>1.2189999999999905</c:v>
+                </c:pt>
+                <c:pt idx="35">
+                  <c:v>3.048</c:v>
+                </c:pt>
+                <c:pt idx="36">
+                  <c:v>1.2189999999999905</c:v>
+                </c:pt>
+                <c:pt idx="37">
+                  <c:v>0.61000000000000065</c:v>
+                </c:pt>
+                <c:pt idx="38">
+                  <c:v>1.2189999999999905</c:v>
+                </c:pt>
+                <c:pt idx="39">
+                  <c:v>1.2189999999999905</c:v>
+                </c:pt>
+                <c:pt idx="40">
+                  <c:v>2.4379999999999997</c:v>
+                </c:pt>
+                <c:pt idx="41">
+                  <c:v>1.829</c:v>
+                </c:pt>
+                <c:pt idx="42">
+                  <c:v>1.829</c:v>
+                </c:pt>
+                <c:pt idx="43">
+                  <c:v>0.61000000000000065</c:v>
+                </c:pt>
+                <c:pt idx="44">
+                  <c:v>1.2189999999999905</c:v>
+                </c:pt>
+                <c:pt idx="45">
                   <c:v>4.8769999999999998</c:v>
                 </c:pt>
-                <c:pt idx="27">
+                <c:pt idx="46">
+                  <c:v>0.61000000000000065</c:v>
+                </c:pt>
+                <c:pt idx="47">
+                  <c:v>1.2189999999999905</c:v>
+                </c:pt>
+                <c:pt idx="48">
+                  <c:v>7.3149999999999755</c:v>
+                </c:pt>
+                <c:pt idx="49">
+                  <c:v>1.2189999999999905</c:v>
+                </c:pt>
+                <c:pt idx="50">
+                  <c:v>1.2189999999999905</c:v>
+                </c:pt>
+                <c:pt idx="51">
+                  <c:v>0.61000000000000065</c:v>
+                </c:pt>
+                <c:pt idx="52">
+                  <c:v>1.2189999999999905</c:v>
+                </c:pt>
+                <c:pt idx="53">
+                  <c:v>1.2189999999999905</c:v>
+                </c:pt>
+                <c:pt idx="54">
+                  <c:v>1.2189999999999905</c:v>
+                </c:pt>
+                <c:pt idx="55">
                   <c:v>2.4379999999999997</c:v>
                 </c:pt>
-                <c:pt idx="28">
+                <c:pt idx="56">
+                  <c:v>1.2189999999999905</c:v>
+                </c:pt>
+                <c:pt idx="57">
+                  <c:v>4.8769999999999998</c:v>
+                </c:pt>
+                <c:pt idx="58">
                   <c:v>1.829</c:v>
                 </c:pt>
-                <c:pt idx="29">
-                  <c:v>1.2189999999999854</c:v>
-                </c:pt>
-                <c:pt idx="30">
-                  <c:v>1.2189999999999854</c:v>
-                </c:pt>
-                <c:pt idx="31">
-                  <c:v>7.3149999999999755</c:v>
-                </c:pt>
-                <c:pt idx="32">
-                  <c:v>3.048</c:v>
-                </c:pt>
-                <c:pt idx="33">
+                <c:pt idx="59">
                   <c:v>2.4379999999999997</c:v>
                 </c:pt>
-                <c:pt idx="34">
-                  <c:v>2.4379999999999997</c:v>
-                </c:pt>
-                <c:pt idx="35">
-                  <c:v>4.8769999999999998</c:v>
-                </c:pt>
-                <c:pt idx="36">
-                  <c:v>2.4379999999999997</c:v>
-                </c:pt>
-                <c:pt idx="37">
-                  <c:v>1.2189999999999854</c:v>
-                </c:pt>
-                <c:pt idx="38">
-                  <c:v>2.4379999999999997</c:v>
-                </c:pt>
-                <c:pt idx="39">
-                  <c:v>0.61000000000000065</c:v>
-                </c:pt>
-                <c:pt idx="40">
-                  <c:v>4.8769999999999998</c:v>
-                </c:pt>
-                <c:pt idx="41">
-                  <c:v>0.61000000000000065</c:v>
-                </c:pt>
-                <c:pt idx="42">
-                  <c:v>1.2189999999999854</c:v>
-                </c:pt>
-                <c:pt idx="43">
-                  <c:v>2.4379999999999997</c:v>
-                </c:pt>
-                <c:pt idx="44">
-                  <c:v>1.2189999999999854</c:v>
-                </c:pt>
-                <c:pt idx="45">
-                  <c:v>10.973000000000004</c:v>
-                </c:pt>
-                <c:pt idx="46">
-                  <c:v>1.2189999999999854</c:v>
-                </c:pt>
-                <c:pt idx="47">
-                  <c:v>3.048</c:v>
-                </c:pt>
-                <c:pt idx="48">
-                  <c:v>10.973000000000004</c:v>
-                </c:pt>
-                <c:pt idx="49">
-                  <c:v>2.4379999999999997</c:v>
-                </c:pt>
-                <c:pt idx="50">
-                  <c:v>4.8769999999999998</c:v>
-                </c:pt>
-                <c:pt idx="51">
-                  <c:v>4.2669999999999995</c:v>
-                </c:pt>
-                <c:pt idx="52">
-                  <c:v>0.61000000000000065</c:v>
-                </c:pt>
-                <c:pt idx="53">
-                  <c:v>2.4379999999999997</c:v>
-                </c:pt>
-                <c:pt idx="54">
-                  <c:v>0.61000000000000065</c:v>
-                </c:pt>
-                <c:pt idx="55">
-                  <c:v>4.2669999999999995</c:v>
-                </c:pt>
-                <c:pt idx="56">
-                  <c:v>2.4379999999999997</c:v>
-                </c:pt>
-                <c:pt idx="57">
-                  <c:v>10.363000000000024</c:v>
-                </c:pt>
-                <c:pt idx="58">
-                  <c:v>4.2669999999999995</c:v>
-                </c:pt>
-                <c:pt idx="59">
-                  <c:v>4.2669999999999995</c:v>
-                </c:pt>
                 <c:pt idx="60">
-                  <c:v>0.61000000000000065</c:v>
+                  <c:v>1.2189999999999905</c:v>
                 </c:pt>
                 <c:pt idx="61">
                   <c:v>0.61000000000000065</c:v>
                 </c:pt>
                 <c:pt idx="62">
-                  <c:v>6.0960000000000001</c:v>
+                  <c:v>3.048</c:v>
                 </c:pt>
                 <c:pt idx="63">
-                  <c:v>0.61000000000000065</c:v>
+                  <c:v>1.2189999999999905</c:v>
                 </c:pt>
               </c:numCache>
             </c:numRef>
@@ -4255,100 +4252,94 @@
           </c:marker>
           <c:xVal>
             <c:numRef>
-              <c:f>Sheet1!$Z$157:$Z$178</c:f>
+              <c:f>Sheet1!$O$4:$O$14</c:f>
               <c:numCache>
                 <c:formatCode>General</c:formatCode>
-                <c:ptCount val="22"/>
+                <c:ptCount val="11"/>
                 <c:pt idx="0">
+                  <c:v>0</c:v>
+                </c:pt>
+                <c:pt idx="1">
                   <c:v>1</c:v>
                 </c:pt>
-                <c:pt idx="1">
+                <c:pt idx="2">
                   <c:v>2</c:v>
                 </c:pt>
-                <c:pt idx="2">
+                <c:pt idx="3">
                   <c:v>3</c:v>
                 </c:pt>
-                <c:pt idx="3">
+                <c:pt idx="4">
                   <c:v>4</c:v>
                 </c:pt>
-                <c:pt idx="4">
+                <c:pt idx="5">
                   <c:v>5</c:v>
                 </c:pt>
-                <c:pt idx="5">
+                <c:pt idx="6">
                   <c:v>6</c:v>
                 </c:pt>
-                <c:pt idx="6">
+                <c:pt idx="7">
                   <c:v>7</c:v>
                 </c:pt>
-                <c:pt idx="7">
+                <c:pt idx="8">
                   <c:v>8</c:v>
                 </c:pt>
-                <c:pt idx="8">
+                <c:pt idx="9">
                   <c:v>9</c:v>
                 </c:pt>
-                <c:pt idx="9">
+                <c:pt idx="10">
                   <c:v>10</c:v>
-                </c:pt>
-                <c:pt idx="10">
-                  <c:v>11</c:v>
-                </c:pt>
-                <c:pt idx="11">
-                  <c:v>0</c:v>
                 </c:pt>
               </c:numCache>
             </c:numRef>
           </c:xVal>
           <c:yVal>
             <c:numRef>
-              <c:f>Sheet1!$Z$157:$Z$178</c:f>
+              <c:f>Sheet1!$O$4:$O$14</c:f>
               <c:numCache>
                 <c:formatCode>General</c:formatCode>
-                <c:ptCount val="22"/>
+                <c:ptCount val="11"/>
                 <c:pt idx="0">
+                  <c:v>0</c:v>
+                </c:pt>
+                <c:pt idx="1">
                   <c:v>1</c:v>
                 </c:pt>
-                <c:pt idx="1">
+                <c:pt idx="2">
                   <c:v>2</c:v>
                 </c:pt>
-                <c:pt idx="2">
+                <c:pt idx="3">
                   <c:v>3</c:v>
                 </c:pt>
-                <c:pt idx="3">
+                <c:pt idx="4">
                   <c:v>4</c:v>
                 </c:pt>
-                <c:pt idx="4">
+                <c:pt idx="5">
                   <c:v>5</c:v>
                 </c:pt>
-                <c:pt idx="5">
+                <c:pt idx="6">
                   <c:v>6</c:v>
                 </c:pt>
-                <c:pt idx="6">
+                <c:pt idx="7">
                   <c:v>7</c:v>
                 </c:pt>
-                <c:pt idx="7">
+                <c:pt idx="8">
                   <c:v>8</c:v>
                 </c:pt>
-                <c:pt idx="8">
+                <c:pt idx="9">
                   <c:v>9</c:v>
                 </c:pt>
-                <c:pt idx="9">
+                <c:pt idx="10">
                   <c:v>10</c:v>
-                </c:pt>
-                <c:pt idx="10">
-                  <c:v>11</c:v>
-                </c:pt>
-                <c:pt idx="11">
-                  <c:v>0</c:v>
                 </c:pt>
               </c:numCache>
             </c:numRef>
           </c:yVal>
         </c:ser>
-        <c:axId val="72803456"/>
-        <c:axId val="72805376"/>
+        <c:axId val="76147712"/>
+        <c:axId val="104592128"/>
       </c:scatterChart>
       <c:valAx>
-        <c:axId val="72803456"/>
+        <c:axId val="76147712"/>
         <c:scaling>
           <c:orientation val="minMax"/>
           <c:max val="8"/>
@@ -4390,13 +4381,13 @@
             <a:endParaRPr lang="es-ES"/>
           </a:p>
         </c:txPr>
-        <c:crossAx val="72805376"/>
+        <c:crossAx val="104592128"/>
         <c:crosses val="autoZero"/>
         <c:crossBetween val="midCat"/>
         <c:majorUnit val="2"/>
       </c:valAx>
       <c:valAx>
-        <c:axId val="72805376"/>
+        <c:axId val="104592128"/>
         <c:scaling>
           <c:orientation val="minMax"/>
         </c:scaling>
@@ -4414,13 +4405,16 @@
                 </a:pPr>
                 <a:r>
                   <a:rPr lang="es-AR"/>
-                  <a:t>Observacion Visual</a:t>
+                  <a:t>Observación Visual (Altura</a:t>
                 </a:r>
                 <a:r>
-                  <a:rPr lang="es-AR" sz="1000" b="1" i="0" u="none" strike="noStrike" baseline="0"/>
-                  <a:t> (Altura en mts.)</a:t>
+                  <a:rPr lang="es-AR" baseline="0"/>
+                  <a:t> en </a:t>
                 </a:r>
-                <a:endParaRPr lang="es-AR"/>
+                <a:r>
+                  <a:rPr lang="es-AR"/>
+                  <a:t>mts.)</a:t>
+                </a:r>
               </a:p>
             </c:rich>
           </c:tx>
@@ -4438,7 +4432,7 @@
             <a:endParaRPr lang="es-ES"/>
           </a:p>
         </c:txPr>
-        <c:crossAx val="72803456"/>
+        <c:crossAx val="76147712"/>
         <c:crosses val="autoZero"/>
         <c:crossBetween val="midCat"/>
       </c:valAx>
@@ -4464,7 +4458,7 @@
           <c:x val="0.10048349150099888"/>
           <c:y val="4.1238940589567646E-2"/>
           <c:w val="0.87042860499284569"/>
-          <c:h val="0.75935138208448782"/>
+          <c:h val="0.75935138208448683"/>
         </c:manualLayout>
       </c:layout>
       <c:scatterChart>
@@ -4487,196 +4481,196 @@
                 <c:formatCode>General</c:formatCode>
                 <c:ptCount val="64"/>
                 <c:pt idx="0">
-                  <c:v>0.80600000000000005</c:v>
+                  <c:v>1.103</c:v>
                 </c:pt>
                 <c:pt idx="1">
-                  <c:v>3.145</c:v>
+                  <c:v>1.3580000000000001</c:v>
                 </c:pt>
                 <c:pt idx="2">
-                  <c:v>8.1240000000000006</c:v>
+                  <c:v>4.9340000000000002</c:v>
                 </c:pt>
                 <c:pt idx="3">
-                  <c:v>1.9650000000000001</c:v>
+                  <c:v>1.02</c:v>
                 </c:pt>
                 <c:pt idx="4">
-                  <c:v>2.887</c:v>
+                  <c:v>0.97700000000000065</c:v>
                 </c:pt>
                 <c:pt idx="5">
+                  <c:v>1.03</c:v>
+                </c:pt>
+                <c:pt idx="6">
+                  <c:v>0.97700000000000065</c:v>
+                </c:pt>
+                <c:pt idx="7">
+                  <c:v>1.153</c:v>
+                </c:pt>
+                <c:pt idx="8">
+                  <c:v>1.3560000000000001</c:v>
+                </c:pt>
+                <c:pt idx="9">
+                  <c:v>1.121</c:v>
+                </c:pt>
+                <c:pt idx="10">
+                  <c:v>2.9569999999999967</c:v>
+                </c:pt>
+                <c:pt idx="11">
+                  <c:v>2.2909999999999999</c:v>
+                </c:pt>
+                <c:pt idx="12">
+                  <c:v>0.96900000000000064</c:v>
+                </c:pt>
+                <c:pt idx="13">
+                  <c:v>1.2769999999999913</c:v>
+                </c:pt>
+                <c:pt idx="14">
+                  <c:v>3.0789999999999997</c:v>
+                </c:pt>
+                <c:pt idx="15">
+                  <c:v>1.137</c:v>
+                </c:pt>
+                <c:pt idx="16">
+                  <c:v>1.1990000000000001</c:v>
+                </c:pt>
+                <c:pt idx="17">
+                  <c:v>1.0249999999999913</c:v>
+                </c:pt>
+                <c:pt idx="18">
+                  <c:v>1.0409999999999919</c:v>
+                </c:pt>
+                <c:pt idx="19">
+                  <c:v>1.9940000000000087</c:v>
+                </c:pt>
+                <c:pt idx="20">
+                  <c:v>2.6759999999999997</c:v>
+                </c:pt>
+                <c:pt idx="21">
+                  <c:v>2.258</c:v>
+                </c:pt>
+                <c:pt idx="22">
+                  <c:v>0.93799999999999994</c:v>
+                </c:pt>
+                <c:pt idx="23">
+                  <c:v>1.159</c:v>
+                </c:pt>
+                <c:pt idx="24">
+                  <c:v>0.89300000000000002</c:v>
+                </c:pt>
+                <c:pt idx="25">
+                  <c:v>1.0580000000000001</c:v>
+                </c:pt>
+                <c:pt idx="26">
+                  <c:v>1.657</c:v>
+                </c:pt>
+                <c:pt idx="27">
+                  <c:v>1.367</c:v>
+                </c:pt>
+                <c:pt idx="28">
+                  <c:v>1.32</c:v>
+                </c:pt>
+                <c:pt idx="29">
+                  <c:v>1.127</c:v>
+                </c:pt>
+                <c:pt idx="30">
+                  <c:v>1.1619999999999915</c:v>
+                </c:pt>
+                <c:pt idx="31">
+                  <c:v>1.175</c:v>
+                </c:pt>
+                <c:pt idx="32">
+                  <c:v>1.635</c:v>
+                </c:pt>
+                <c:pt idx="33">
+                  <c:v>2.3759999999999977</c:v>
+                </c:pt>
+                <c:pt idx="34">
+                  <c:v>2.0880000000000001</c:v>
+                </c:pt>
+                <c:pt idx="35">
+                  <c:v>1.9540000000000077</c:v>
+                </c:pt>
+                <c:pt idx="36">
+                  <c:v>1.073</c:v>
+                </c:pt>
+                <c:pt idx="37">
+                  <c:v>0.93200000000000005</c:v>
+                </c:pt>
+                <c:pt idx="38">
+                  <c:v>1.2209999999999905</c:v>
+                </c:pt>
+                <c:pt idx="39">
+                  <c:v>1.081</c:v>
+                </c:pt>
+                <c:pt idx="40">
+                  <c:v>3.5019999999999998</c:v>
+                </c:pt>
+                <c:pt idx="41">
+                  <c:v>1.052</c:v>
+                </c:pt>
+                <c:pt idx="42">
+                  <c:v>1.538</c:v>
+                </c:pt>
+                <c:pt idx="43">
+                  <c:v>1.0569999999999922</c:v>
+                </c:pt>
+                <c:pt idx="44">
+                  <c:v>1.028</c:v>
+                </c:pt>
+                <c:pt idx="45">
+                  <c:v>3.6629999999999998</c:v>
+                </c:pt>
+                <c:pt idx="46">
+                  <c:v>0.96500000000000064</c:v>
+                </c:pt>
+                <c:pt idx="47">
+                  <c:v>1.595</c:v>
+                </c:pt>
+                <c:pt idx="48">
+                  <c:v>6.8039999999999985</c:v>
+                </c:pt>
+                <c:pt idx="49">
+                  <c:v>1.0489999999999922</c:v>
+                </c:pt>
+                <c:pt idx="50">
+                  <c:v>1.4489999999999903</c:v>
+                </c:pt>
+                <c:pt idx="51">
+                  <c:v>0.91600000000000004</c:v>
+                </c:pt>
+                <c:pt idx="52">
+                  <c:v>0.91700000000000004</c:v>
+                </c:pt>
+                <c:pt idx="53">
+                  <c:v>0.99299999999999999</c:v>
+                </c:pt>
+                <c:pt idx="54">
                   <c:v>1.165</c:v>
                 </c:pt>
-                <c:pt idx="6">
-                  <c:v>0.82000000000000062</c:v>
-                </c:pt>
-                <c:pt idx="7">
-                  <c:v>0.96800000000000064</c:v>
-                </c:pt>
-                <c:pt idx="8">
-                  <c:v>1.9800000000000129</c:v>
-                </c:pt>
-                <c:pt idx="9">
-                  <c:v>0.71100000000000063</c:v>
-                </c:pt>
-                <c:pt idx="10">
-                  <c:v>4.758</c:v>
-                </c:pt>
-                <c:pt idx="11">
-                  <c:v>1.002</c:v>
-                </c:pt>
-                <c:pt idx="12">
-                  <c:v>0.75300000000000622</c:v>
-                </c:pt>
-                <c:pt idx="13">
-                  <c:v>2.8809999999999998</c:v>
-                </c:pt>
-                <c:pt idx="14">
-                  <c:v>5.4390000000000134</c:v>
-                </c:pt>
-                <c:pt idx="15">
-                  <c:v>0.82399999999999995</c:v>
-                </c:pt>
-                <c:pt idx="16">
-                  <c:v>1.0680000000000001</c:v>
-                </c:pt>
-                <c:pt idx="17">
-                  <c:v>0.89200000000000002</c:v>
-                </c:pt>
-                <c:pt idx="18">
-                  <c:v>0.54100000000000004</c:v>
-                </c:pt>
-                <c:pt idx="19">
-                  <c:v>3.7669999999999999</c:v>
-                </c:pt>
-                <c:pt idx="20">
-                  <c:v>4.9700000000000024</c:v>
-                </c:pt>
-                <c:pt idx="21">
-                  <c:v>0.68899999999999995</c:v>
-                </c:pt>
-                <c:pt idx="22">
-                  <c:v>1.028999999999987</c:v>
-                </c:pt>
-                <c:pt idx="23">
-                  <c:v>1.734</c:v>
-                </c:pt>
-                <c:pt idx="24">
-                  <c:v>0.84400000000000064</c:v>
-                </c:pt>
-                <c:pt idx="25">
-                  <c:v>0.88100000000000001</c:v>
-                </c:pt>
-                <c:pt idx="26">
-                  <c:v>4.4809999999999999</c:v>
-                </c:pt>
-                <c:pt idx="27">
-                  <c:v>2.403</c:v>
-                </c:pt>
-                <c:pt idx="28">
-                  <c:v>2.641</c:v>
-                </c:pt>
-                <c:pt idx="29">
-                  <c:v>1.2069999999999854</c:v>
-                </c:pt>
-                <c:pt idx="30">
-                  <c:v>1.768</c:v>
-                </c:pt>
-                <c:pt idx="31">
-                  <c:v>8.9940000000000015</c:v>
-                </c:pt>
-                <c:pt idx="32">
-                  <c:v>3.6269999999999998</c:v>
-                </c:pt>
-                <c:pt idx="33">
-                  <c:v>4.08</c:v>
-                </c:pt>
-                <c:pt idx="34">
-                  <c:v>3.4659999999999997</c:v>
-                </c:pt>
-                <c:pt idx="35">
-                  <c:v>3.694</c:v>
-                </c:pt>
-                <c:pt idx="36">
-                  <c:v>2.48</c:v>
-                </c:pt>
-                <c:pt idx="37">
-                  <c:v>0.77900000000000713</c:v>
-                </c:pt>
-                <c:pt idx="38">
-                  <c:v>2.8179999999999987</c:v>
-                </c:pt>
-                <c:pt idx="39">
-                  <c:v>1.585</c:v>
-                </c:pt>
-                <c:pt idx="40">
-                  <c:v>5.8039999999999985</c:v>
-                </c:pt>
-                <c:pt idx="41">
-                  <c:v>0.90200000000000002</c:v>
-                </c:pt>
-                <c:pt idx="42">
-                  <c:v>1.339</c:v>
-                </c:pt>
-                <c:pt idx="43">
-                  <c:v>2.3899999999999997</c:v>
-                </c:pt>
-                <c:pt idx="44">
-                  <c:v>1.260999999999987</c:v>
-                </c:pt>
-                <c:pt idx="45">
-                  <c:v>5.7910000000000004</c:v>
-                </c:pt>
-                <c:pt idx="46">
-                  <c:v>1.895999999999987</c:v>
-                </c:pt>
-                <c:pt idx="47">
-                  <c:v>3.2330000000000001</c:v>
-                </c:pt>
-                <c:pt idx="48">
-                  <c:v>11.099</c:v>
-                </c:pt>
-                <c:pt idx="49">
-                  <c:v>2.8249999999999997</c:v>
-                </c:pt>
-                <c:pt idx="50">
-                  <c:v>3.1739999999999999</c:v>
-                </c:pt>
-                <c:pt idx="51">
-                  <c:v>6.8</c:v>
-                </c:pt>
-                <c:pt idx="52">
-                  <c:v>1.161</c:v>
-                </c:pt>
-                <c:pt idx="53">
-                  <c:v>1.645999999999987</c:v>
-                </c:pt>
-                <c:pt idx="54">
-                  <c:v>0.90500000000000003</c:v>
-                </c:pt>
                 <c:pt idx="55">
-                  <c:v>5.6579999999999755</c:v>
+                  <c:v>2.363</c:v>
                 </c:pt>
                 <c:pt idx="56">
-                  <c:v>1.1659999999999882</c:v>
+                  <c:v>1.0580000000000001</c:v>
                 </c:pt>
                 <c:pt idx="57">
-                  <c:v>10.596</c:v>
+                  <c:v>5.9459999999999997</c:v>
                 </c:pt>
                 <c:pt idx="58">
-                  <c:v>5.2460000000000004</c:v>
+                  <c:v>1.5940000000000001</c:v>
                 </c:pt>
                 <c:pt idx="59">
-                  <c:v>2.8699999999999997</c:v>
+                  <c:v>1.599</c:v>
                 </c:pt>
                 <c:pt idx="60">
-                  <c:v>1.712</c:v>
+                  <c:v>1.5629999999999922</c:v>
                 </c:pt>
                 <c:pt idx="61">
-                  <c:v>1.095</c:v>
+                  <c:v>0.99199999999999999</c:v>
                 </c:pt>
                 <c:pt idx="62">
-                  <c:v>5.4690000000000003</c:v>
+                  <c:v>2.8779999999999997</c:v>
                 </c:pt>
                 <c:pt idx="63">
-                  <c:v>0.92800000000000005</c:v>
+                  <c:v>1.109</c:v>
                 </c:pt>
               </c:numCache>
             </c:numRef>
@@ -4688,55 +4682,55 @@
                 <c:formatCode>General</c:formatCode>
                 <c:ptCount val="64"/>
                 <c:pt idx="0">
+                  <c:v>1.2189999999999905</c:v>
+                </c:pt>
+                <c:pt idx="1">
+                  <c:v>2.4379999999999997</c:v>
+                </c:pt>
+                <c:pt idx="2">
+                  <c:v>3.6579999999999999</c:v>
+                </c:pt>
+                <c:pt idx="3">
                   <c:v>1.829</c:v>
                 </c:pt>
-                <c:pt idx="1">
-                  <c:v>3.6579999999999999</c:v>
-                </c:pt>
-                <c:pt idx="2">
-                  <c:v>5.4859999999999998</c:v>
-                </c:pt>
-                <c:pt idx="3">
-                  <c:v>3.048</c:v>
-                </c:pt>
                 <c:pt idx="4">
-                  <c:v>3.6579999999999999</c:v>
+                  <c:v>1.2189999999999905</c:v>
                 </c:pt>
                 <c:pt idx="5">
-                  <c:v>1.2189999999999854</c:v>
+                  <c:v>1.2189999999999905</c:v>
                 </c:pt>
                 <c:pt idx="6">
-                  <c:v>1.829</c:v>
+                  <c:v>1.2189999999999905</c:v>
                 </c:pt>
                 <c:pt idx="7">
-                  <c:v>1.829</c:v>
+                  <c:v>2.4379999999999997</c:v>
                 </c:pt>
                 <c:pt idx="8">
-                  <c:v>2.4379999999999997</c:v>
+                  <c:v>1.2189999999999905</c:v>
                 </c:pt>
                 <c:pt idx="9">
                   <c:v>0.61000000000000065</c:v>
                 </c:pt>
                 <c:pt idx="10">
-                  <c:v>4.2669999999999995</c:v>
+                  <c:v>3.048</c:v>
                 </c:pt>
                 <c:pt idx="11">
-                  <c:v>1.2189999999999854</c:v>
+                  <c:v>1.2189999999999905</c:v>
                 </c:pt>
                 <c:pt idx="12">
                   <c:v>0.61000000000000065</c:v>
                 </c:pt>
                 <c:pt idx="13">
-                  <c:v>3.048</c:v>
+                  <c:v>1.2189999999999905</c:v>
                 </c:pt>
                 <c:pt idx="14">
-                  <c:v>4.8769999999999998</c:v>
+                  <c:v>2.4379999999999997</c:v>
                 </c:pt>
                 <c:pt idx="15">
-                  <c:v>0.61000000000000065</c:v>
+                  <c:v>1.2189999999999905</c:v>
                 </c:pt>
                 <c:pt idx="16">
-                  <c:v>0.61000000000000065</c:v>
+                  <c:v>1.2189999999999905</c:v>
                 </c:pt>
                 <c:pt idx="17">
                   <c:v>0.61000000000000065</c:v>
@@ -4745,139 +4739,139 @@
                   <c:v>0.61000000000000065</c:v>
                 </c:pt>
                 <c:pt idx="19">
+                  <c:v>1.829</c:v>
+                </c:pt>
+                <c:pt idx="20">
                   <c:v>3.048</c:v>
                 </c:pt>
-                <c:pt idx="20">
-                  <c:v>5.4859999999999998</c:v>
-                </c:pt>
                 <c:pt idx="21">
+                  <c:v>3.048</c:v>
+                </c:pt>
+                <c:pt idx="22">
+                  <c:v>1.2189999999999905</c:v>
+                </c:pt>
+                <c:pt idx="23">
                   <c:v>1.829</c:v>
-                </c:pt>
-                <c:pt idx="22">
-                  <c:v>1.2189999999999854</c:v>
-                </c:pt>
-                <c:pt idx="23">
-                  <c:v>4.2669999999999995</c:v>
                 </c:pt>
                 <c:pt idx="24">
                   <c:v>0.61000000000000065</c:v>
                 </c:pt>
                 <c:pt idx="25">
-                  <c:v>1.2189999999999854</c:v>
+                  <c:v>1.829</c:v>
                 </c:pt>
                 <c:pt idx="26">
+                  <c:v>2.4379999999999997</c:v>
+                </c:pt>
+                <c:pt idx="27">
+                  <c:v>0.61000000000000065</c:v>
+                </c:pt>
+                <c:pt idx="28">
+                  <c:v>0.61000000000000065</c:v>
+                </c:pt>
+                <c:pt idx="29">
+                  <c:v>0.61000000000000065</c:v>
+                </c:pt>
+                <c:pt idx="30">
+                  <c:v>1.2189999999999905</c:v>
+                </c:pt>
+                <c:pt idx="31">
+                  <c:v>1.2189999999999905</c:v>
+                </c:pt>
+                <c:pt idx="32">
+                  <c:v>1.2189999999999905</c:v>
+                </c:pt>
+                <c:pt idx="33">
+                  <c:v>1.2189999999999905</c:v>
+                </c:pt>
+                <c:pt idx="34">
+                  <c:v>1.2189999999999905</c:v>
+                </c:pt>
+                <c:pt idx="35">
+                  <c:v>3.048</c:v>
+                </c:pt>
+                <c:pt idx="36">
+                  <c:v>1.2189999999999905</c:v>
+                </c:pt>
+                <c:pt idx="37">
+                  <c:v>0.61000000000000065</c:v>
+                </c:pt>
+                <c:pt idx="38">
+                  <c:v>1.2189999999999905</c:v>
+                </c:pt>
+                <c:pt idx="39">
+                  <c:v>1.2189999999999905</c:v>
+                </c:pt>
+                <c:pt idx="40">
+                  <c:v>2.4379999999999997</c:v>
+                </c:pt>
+                <c:pt idx="41">
+                  <c:v>1.829</c:v>
+                </c:pt>
+                <c:pt idx="42">
+                  <c:v>1.829</c:v>
+                </c:pt>
+                <c:pt idx="43">
+                  <c:v>0.61000000000000065</c:v>
+                </c:pt>
+                <c:pt idx="44">
+                  <c:v>1.2189999999999905</c:v>
+                </c:pt>
+                <c:pt idx="45">
                   <c:v>4.8769999999999998</c:v>
                 </c:pt>
-                <c:pt idx="27">
+                <c:pt idx="46">
+                  <c:v>0.61000000000000065</c:v>
+                </c:pt>
+                <c:pt idx="47">
+                  <c:v>1.2189999999999905</c:v>
+                </c:pt>
+                <c:pt idx="48">
+                  <c:v>7.3149999999999755</c:v>
+                </c:pt>
+                <c:pt idx="49">
+                  <c:v>1.2189999999999905</c:v>
+                </c:pt>
+                <c:pt idx="50">
+                  <c:v>1.2189999999999905</c:v>
+                </c:pt>
+                <c:pt idx="51">
+                  <c:v>0.61000000000000065</c:v>
+                </c:pt>
+                <c:pt idx="52">
+                  <c:v>1.2189999999999905</c:v>
+                </c:pt>
+                <c:pt idx="53">
+                  <c:v>1.2189999999999905</c:v>
+                </c:pt>
+                <c:pt idx="54">
+                  <c:v>1.2189999999999905</c:v>
+                </c:pt>
+                <c:pt idx="55">
                   <c:v>2.4379999999999997</c:v>
                 </c:pt>
-                <c:pt idx="28">
+                <c:pt idx="56">
+                  <c:v>1.2189999999999905</c:v>
+                </c:pt>
+                <c:pt idx="57">
+                  <c:v>4.8769999999999998</c:v>
+                </c:pt>
+                <c:pt idx="58">
                   <c:v>1.829</c:v>
                 </c:pt>
-                <c:pt idx="29">
-                  <c:v>1.2189999999999854</c:v>
-                </c:pt>
-                <c:pt idx="30">
-                  <c:v>1.2189999999999854</c:v>
-                </c:pt>
-                <c:pt idx="31">
-                  <c:v>7.3149999999999755</c:v>
-                </c:pt>
-                <c:pt idx="32">
-                  <c:v>3.048</c:v>
-                </c:pt>
-                <c:pt idx="33">
+                <c:pt idx="59">
                   <c:v>2.4379999999999997</c:v>
                 </c:pt>
-                <c:pt idx="34">
-                  <c:v>2.4379999999999997</c:v>
-                </c:pt>
-                <c:pt idx="35">
-                  <c:v>4.8769999999999998</c:v>
-                </c:pt>
-                <c:pt idx="36">
-                  <c:v>2.4379999999999997</c:v>
-                </c:pt>
-                <c:pt idx="37">
-                  <c:v>1.2189999999999854</c:v>
-                </c:pt>
-                <c:pt idx="38">
-                  <c:v>2.4379999999999997</c:v>
-                </c:pt>
-                <c:pt idx="39">
-                  <c:v>0.61000000000000065</c:v>
-                </c:pt>
-                <c:pt idx="40">
-                  <c:v>4.8769999999999998</c:v>
-                </c:pt>
-                <c:pt idx="41">
-                  <c:v>0.61000000000000065</c:v>
-                </c:pt>
-                <c:pt idx="42">
-                  <c:v>1.2189999999999854</c:v>
-                </c:pt>
-                <c:pt idx="43">
-                  <c:v>2.4379999999999997</c:v>
-                </c:pt>
-                <c:pt idx="44">
-                  <c:v>1.2189999999999854</c:v>
-                </c:pt>
-                <c:pt idx="45">
-                  <c:v>10.973000000000004</c:v>
-                </c:pt>
-                <c:pt idx="46">
-                  <c:v>1.2189999999999854</c:v>
-                </c:pt>
-                <c:pt idx="47">
-                  <c:v>3.048</c:v>
-                </c:pt>
-                <c:pt idx="48">
-                  <c:v>10.973000000000004</c:v>
-                </c:pt>
-                <c:pt idx="49">
-                  <c:v>2.4379999999999997</c:v>
-                </c:pt>
-                <c:pt idx="50">
-                  <c:v>4.8769999999999998</c:v>
-                </c:pt>
-                <c:pt idx="51">
-                  <c:v>4.2669999999999995</c:v>
-                </c:pt>
-                <c:pt idx="52">
-                  <c:v>0.61000000000000065</c:v>
-                </c:pt>
-                <c:pt idx="53">
-                  <c:v>2.4379999999999997</c:v>
-                </c:pt>
-                <c:pt idx="54">
-                  <c:v>0.61000000000000065</c:v>
-                </c:pt>
-                <c:pt idx="55">
-                  <c:v>4.2669999999999995</c:v>
-                </c:pt>
-                <c:pt idx="56">
-                  <c:v>2.4379999999999997</c:v>
-                </c:pt>
-                <c:pt idx="57">
-                  <c:v>10.363000000000024</c:v>
-                </c:pt>
-                <c:pt idx="58">
-                  <c:v>4.2669999999999995</c:v>
-                </c:pt>
-                <c:pt idx="59">
-                  <c:v>4.2669999999999995</c:v>
-                </c:pt>
                 <c:pt idx="60">
-                  <c:v>0.61000000000000065</c:v>
+                  <c:v>1.2189999999999905</c:v>
                 </c:pt>
                 <c:pt idx="61">
                   <c:v>0.61000000000000065</c:v>
                 </c:pt>
                 <c:pt idx="62">
-                  <c:v>6.0960000000000001</c:v>
+                  <c:v>3.048</c:v>
                 </c:pt>
                 <c:pt idx="63">
-                  <c:v>0.61000000000000065</c:v>
+                  <c:v>1.2189999999999905</c:v>
                 </c:pt>
               </c:numCache>
             </c:numRef>
@@ -4901,100 +4895,94 @@
           </c:marker>
           <c:xVal>
             <c:numRef>
-              <c:f>Sheet1!$Z$157:$Z$178</c:f>
+              <c:f>Sheet1!$O$4:$O$14</c:f>
               <c:numCache>
                 <c:formatCode>General</c:formatCode>
-                <c:ptCount val="22"/>
+                <c:ptCount val="11"/>
                 <c:pt idx="0">
+                  <c:v>0</c:v>
+                </c:pt>
+                <c:pt idx="1">
                   <c:v>1</c:v>
                 </c:pt>
-                <c:pt idx="1">
+                <c:pt idx="2">
                   <c:v>2</c:v>
                 </c:pt>
-                <c:pt idx="2">
+                <c:pt idx="3">
                   <c:v>3</c:v>
                 </c:pt>
-                <c:pt idx="3">
+                <c:pt idx="4">
                   <c:v>4</c:v>
                 </c:pt>
-                <c:pt idx="4">
+                <c:pt idx="5">
                   <c:v>5</c:v>
                 </c:pt>
-                <c:pt idx="5">
+                <c:pt idx="6">
                   <c:v>6</c:v>
                 </c:pt>
-                <c:pt idx="6">
+                <c:pt idx="7">
                   <c:v>7</c:v>
                 </c:pt>
-                <c:pt idx="7">
+                <c:pt idx="8">
                   <c:v>8</c:v>
                 </c:pt>
-                <c:pt idx="8">
+                <c:pt idx="9">
                   <c:v>9</c:v>
                 </c:pt>
-                <c:pt idx="9">
+                <c:pt idx="10">
                   <c:v>10</c:v>
-                </c:pt>
-                <c:pt idx="10">
-                  <c:v>11</c:v>
-                </c:pt>
-                <c:pt idx="11">
-                  <c:v>0</c:v>
                 </c:pt>
               </c:numCache>
             </c:numRef>
           </c:xVal>
           <c:yVal>
             <c:numRef>
-              <c:f>Sheet1!$Z$157:$Z$178</c:f>
+              <c:f>Sheet1!$O$4:$O$14</c:f>
               <c:numCache>
                 <c:formatCode>General</c:formatCode>
-                <c:ptCount val="22"/>
+                <c:ptCount val="11"/>
                 <c:pt idx="0">
+                  <c:v>0</c:v>
+                </c:pt>
+                <c:pt idx="1">
                   <c:v>1</c:v>
                 </c:pt>
-                <c:pt idx="1">
+                <c:pt idx="2">
                   <c:v>2</c:v>
                 </c:pt>
-                <c:pt idx="2">
+                <c:pt idx="3">
                   <c:v>3</c:v>
                 </c:pt>
-                <c:pt idx="3">
+                <c:pt idx="4">
                   <c:v>4</c:v>
                 </c:pt>
-                <c:pt idx="4">
+                <c:pt idx="5">
                   <c:v>5</c:v>
                 </c:pt>
-                <c:pt idx="5">
+                <c:pt idx="6">
                   <c:v>6</c:v>
                 </c:pt>
-                <c:pt idx="6">
+                <c:pt idx="7">
                   <c:v>7</c:v>
                 </c:pt>
-                <c:pt idx="7">
+                <c:pt idx="8">
                   <c:v>8</c:v>
                 </c:pt>
-                <c:pt idx="8">
+                <c:pt idx="9">
                   <c:v>9</c:v>
                 </c:pt>
-                <c:pt idx="9">
+                <c:pt idx="10">
                   <c:v>10</c:v>
-                </c:pt>
-                <c:pt idx="10">
-                  <c:v>11</c:v>
-                </c:pt>
-                <c:pt idx="11">
-                  <c:v>0</c:v>
                 </c:pt>
               </c:numCache>
             </c:numRef>
           </c:yVal>
         </c:ser>
-        <c:axId val="72842240"/>
-        <c:axId val="72856704"/>
+        <c:axId val="75750784"/>
+        <c:axId val="76088832"/>
       </c:scatterChart>
       <c:valAx>
-        <c:axId val="72842240"/>
+        <c:axId val="75750784"/>
         <c:scaling>
           <c:orientation val="minMax"/>
           <c:max val="8"/>
@@ -5016,13 +5004,8 @@
                 </a:r>
                 <a:r>
                   <a:rPr lang="es-AR" baseline="0"/>
-                  <a:t> SVM </a:t>
+                  <a:t> SVM (Altura en mts.)</a:t>
                 </a:r>
-                <a:r>
-                  <a:rPr lang="es-AR" sz="1000" b="1" i="0" u="none" strike="noStrike" baseline="0"/>
-                  <a:t>(Altura en mts.)</a:t>
-                </a:r>
-                <a:endParaRPr lang="es-AR" baseline="0"/>
               </a:p>
             </c:rich>
           </c:tx>
@@ -5040,13 +5023,13 @@
             <a:endParaRPr lang="es-ES"/>
           </a:p>
         </c:txPr>
-        <c:crossAx val="72856704"/>
+        <c:crossAx val="76088832"/>
         <c:crosses val="autoZero"/>
         <c:crossBetween val="midCat"/>
         <c:majorUnit val="2"/>
       </c:valAx>
       <c:valAx>
-        <c:axId val="72856704"/>
+        <c:axId val="76088832"/>
         <c:scaling>
           <c:orientation val="minMax"/>
         </c:scaling>
@@ -5064,13 +5047,8 @@
                 </a:pPr>
                 <a:r>
                   <a:rPr lang="es-AR"/>
-                  <a:t>Observacion Visual</a:t>
+                  <a:t>Observacion Visual (Altura en mts.)</a:t>
                 </a:r>
-                <a:r>
-                  <a:rPr lang="es-AR" sz="1000" b="1" i="0" u="none" strike="noStrike" baseline="0"/>
-                  <a:t> (Altura en mts.)</a:t>
-                </a:r>
-                <a:endParaRPr lang="es-AR"/>
               </a:p>
             </c:rich>
           </c:tx>
@@ -5088,11 +5066,377 @@
             <a:endParaRPr lang="es-ES"/>
           </a:p>
         </c:txPr>
-        <c:crossAx val="72842240"/>
+        <c:crossAx val="75750784"/>
         <c:crosses val="autoZero"/>
         <c:crossBetween val="midCat"/>
       </c:valAx>
     </c:plotArea>
+    <c:plotVisOnly val="1"/>
+  </c:chart>
+  <c:externalData r:id="rId1"/>
+</c:chartSpace>
+</file>
+
+<file path=ppt/charts/chart7.xml><?xml version="1.0" encoding="utf-8"?>
+<c:chartSpace xmlns:c="http://schemas.openxmlformats.org/drawingml/2006/chart" xmlns:a="http://schemas.openxmlformats.org/drawingml/2006/main" xmlns:r="http://schemas.openxmlformats.org/officeDocument/2006/relationships">
+  <c:lang val="es-ES"/>
+  <c:chart>
+    <c:view3D>
+      <c:rAngAx val="1"/>
+    </c:view3D>
+    <c:plotArea>
+      <c:layout/>
+      <c:bar3DChart>
+        <c:barDir val="col"/>
+        <c:grouping val="clustered"/>
+        <c:ser>
+          <c:idx val="0"/>
+          <c:order val="0"/>
+          <c:tx>
+            <c:strRef>
+              <c:f>Hoja1!$B$1</c:f>
+              <c:strCache>
+                <c:ptCount val="1"/>
+                <c:pt idx="0">
+                  <c:v>Correlación WW3 / Obs. Visual</c:v>
+                </c:pt>
+              </c:strCache>
+            </c:strRef>
+          </c:tx>
+          <c:cat>
+            <c:strRef>
+              <c:f>Hoja1!$A$2:$A$6</c:f>
+              <c:strCache>
+                <c:ptCount val="5"/>
+                <c:pt idx="0">
+                  <c:v>Makaha</c:v>
+                </c:pt>
+                <c:pt idx="1">
+                  <c:v>Sunset</c:v>
+                </c:pt>
+                <c:pt idx="2">
+                  <c:v>Ala Moana</c:v>
+                </c:pt>
+                <c:pt idx="3">
+                  <c:v>Diamond Head</c:v>
+                </c:pt>
+                <c:pt idx="4">
+                  <c:v>Makapuu</c:v>
+                </c:pt>
+              </c:strCache>
+            </c:strRef>
+          </c:cat>
+          <c:val>
+            <c:numRef>
+              <c:f>Hoja1!$B$2:$B$6</c:f>
+              <c:numCache>
+                <c:formatCode>0%</c:formatCode>
+                <c:ptCount val="5"/>
+                <c:pt idx="0">
+                  <c:v>0.66</c:v>
+                </c:pt>
+                <c:pt idx="1">
+                  <c:v>0.82</c:v>
+                </c:pt>
+                <c:pt idx="2">
+                  <c:v>0</c:v>
+                </c:pt>
+                <c:pt idx="3">
+                  <c:v>0</c:v>
+                </c:pt>
+                <c:pt idx="4">
+                  <c:v>0.4</c:v>
+                </c:pt>
+              </c:numCache>
+            </c:numRef>
+          </c:val>
+        </c:ser>
+        <c:ser>
+          <c:idx val="1"/>
+          <c:order val="1"/>
+          <c:tx>
+            <c:strRef>
+              <c:f>Hoja1!$C$1</c:f>
+              <c:strCache>
+                <c:ptCount val="1"/>
+                <c:pt idx="0">
+                  <c:v>Correlación SVM / Obs. Visual</c:v>
+                </c:pt>
+              </c:strCache>
+            </c:strRef>
+          </c:tx>
+          <c:spPr>
+            <a:solidFill>
+              <a:srgbClr val="FF0000"/>
+            </a:solidFill>
+          </c:spPr>
+          <c:cat>
+            <c:strRef>
+              <c:f>Hoja1!$A$2:$A$6</c:f>
+              <c:strCache>
+                <c:ptCount val="5"/>
+                <c:pt idx="0">
+                  <c:v>Makaha</c:v>
+                </c:pt>
+                <c:pt idx="1">
+                  <c:v>Sunset</c:v>
+                </c:pt>
+                <c:pt idx="2">
+                  <c:v>Ala Moana</c:v>
+                </c:pt>
+                <c:pt idx="3">
+                  <c:v>Diamond Head</c:v>
+                </c:pt>
+                <c:pt idx="4">
+                  <c:v>Makapuu</c:v>
+                </c:pt>
+              </c:strCache>
+            </c:strRef>
+          </c:cat>
+          <c:val>
+            <c:numRef>
+              <c:f>Hoja1!$C$2:$C$6</c:f>
+              <c:numCache>
+                <c:formatCode>0%</c:formatCode>
+                <c:ptCount val="5"/>
+                <c:pt idx="0">
+                  <c:v>0.82</c:v>
+                </c:pt>
+                <c:pt idx="1">
+                  <c:v>0.89</c:v>
+                </c:pt>
+                <c:pt idx="2">
+                  <c:v>0.5</c:v>
+                </c:pt>
+                <c:pt idx="3">
+                  <c:v>0.48</c:v>
+                </c:pt>
+                <c:pt idx="4">
+                  <c:v>0.79</c:v>
+                </c:pt>
+              </c:numCache>
+            </c:numRef>
+          </c:val>
+        </c:ser>
+        <c:shape val="box"/>
+        <c:axId val="62823424"/>
+        <c:axId val="62906368"/>
+        <c:axId val="0"/>
+      </c:bar3DChart>
+      <c:catAx>
+        <c:axId val="62823424"/>
+        <c:scaling>
+          <c:orientation val="minMax"/>
+        </c:scaling>
+        <c:axPos val="b"/>
+        <c:tickLblPos val="nextTo"/>
+        <c:crossAx val="62906368"/>
+        <c:crosses val="autoZero"/>
+        <c:auto val="1"/>
+        <c:lblAlgn val="ctr"/>
+        <c:lblOffset val="100"/>
+      </c:catAx>
+      <c:valAx>
+        <c:axId val="62906368"/>
+        <c:scaling>
+          <c:orientation val="minMax"/>
+        </c:scaling>
+        <c:axPos val="l"/>
+        <c:majorGridlines/>
+        <c:numFmt formatCode="0%" sourceLinked="1"/>
+        <c:tickLblPos val="nextTo"/>
+        <c:crossAx val="62823424"/>
+        <c:crosses val="autoZero"/>
+        <c:crossBetween val="between"/>
+      </c:valAx>
+    </c:plotArea>
+    <c:legend>
+      <c:legendPos val="r"/>
+      <c:layout/>
+    </c:legend>
+    <c:plotVisOnly val="1"/>
+  </c:chart>
+  <c:externalData r:id="rId1"/>
+</c:chartSpace>
+</file>
+
+<file path=ppt/charts/chart8.xml><?xml version="1.0" encoding="utf-8"?>
+<c:chartSpace xmlns:c="http://schemas.openxmlformats.org/drawingml/2006/chart" xmlns:a="http://schemas.openxmlformats.org/drawingml/2006/main" xmlns:r="http://schemas.openxmlformats.org/officeDocument/2006/relationships">
+  <c:lang val="es-ES"/>
+  <c:chart>
+    <c:view3D>
+      <c:rAngAx val="1"/>
+    </c:view3D>
+    <c:plotArea>
+      <c:layout/>
+      <c:bar3DChart>
+        <c:barDir val="col"/>
+        <c:grouping val="clustered"/>
+        <c:ser>
+          <c:idx val="0"/>
+          <c:order val="0"/>
+          <c:tx>
+            <c:strRef>
+              <c:f>Hoja1!$B$25</c:f>
+              <c:strCache>
+                <c:ptCount val="1"/>
+                <c:pt idx="0">
+                  <c:v>MAE WW3 / Obs. Visual [mts.]</c:v>
+                </c:pt>
+              </c:strCache>
+            </c:strRef>
+          </c:tx>
+          <c:cat>
+            <c:strRef>
+              <c:f>Hoja1!$A$26:$A$30</c:f>
+              <c:strCache>
+                <c:ptCount val="5"/>
+                <c:pt idx="0">
+                  <c:v>Makaha</c:v>
+                </c:pt>
+                <c:pt idx="1">
+                  <c:v>Sunset</c:v>
+                </c:pt>
+                <c:pt idx="2">
+                  <c:v>Ala Moana</c:v>
+                </c:pt>
+                <c:pt idx="3">
+                  <c:v>Diamond Head</c:v>
+                </c:pt>
+                <c:pt idx="4">
+                  <c:v>Makapuu</c:v>
+                </c:pt>
+              </c:strCache>
+            </c:strRef>
+          </c:cat>
+          <c:val>
+            <c:numRef>
+              <c:f>Hoja1!$B$26:$B$30</c:f>
+              <c:numCache>
+                <c:formatCode>General</c:formatCode>
+                <c:ptCount val="5"/>
+                <c:pt idx="0">
+                  <c:v>0.96</c:v>
+                </c:pt>
+                <c:pt idx="1">
+                  <c:v>1.35</c:v>
+                </c:pt>
+                <c:pt idx="2">
+                  <c:v>1.18</c:v>
+                </c:pt>
+                <c:pt idx="3">
+                  <c:v>0.99</c:v>
+                </c:pt>
+                <c:pt idx="4">
+                  <c:v>0.9</c:v>
+                </c:pt>
+              </c:numCache>
+            </c:numRef>
+          </c:val>
+        </c:ser>
+        <c:ser>
+          <c:idx val="1"/>
+          <c:order val="1"/>
+          <c:tx>
+            <c:strRef>
+              <c:f>Hoja1!$C$25</c:f>
+              <c:strCache>
+                <c:ptCount val="1"/>
+                <c:pt idx="0">
+                  <c:v>MAE SVM / Obs. Visual [mts.]</c:v>
+                </c:pt>
+              </c:strCache>
+            </c:strRef>
+          </c:tx>
+          <c:spPr>
+            <a:solidFill>
+              <a:srgbClr val="FF0000"/>
+            </a:solidFill>
+          </c:spPr>
+          <c:cat>
+            <c:strRef>
+              <c:f>Hoja1!$A$26:$A$30</c:f>
+              <c:strCache>
+                <c:ptCount val="5"/>
+                <c:pt idx="0">
+                  <c:v>Makaha</c:v>
+                </c:pt>
+                <c:pt idx="1">
+                  <c:v>Sunset</c:v>
+                </c:pt>
+                <c:pt idx="2">
+                  <c:v>Ala Moana</c:v>
+                </c:pt>
+                <c:pt idx="3">
+                  <c:v>Diamond Head</c:v>
+                </c:pt>
+                <c:pt idx="4">
+                  <c:v>Makapuu</c:v>
+                </c:pt>
+              </c:strCache>
+            </c:strRef>
+          </c:cat>
+          <c:val>
+            <c:numRef>
+              <c:f>Hoja1!$C$26:$C$30</c:f>
+              <c:numCache>
+                <c:formatCode>General</c:formatCode>
+                <c:ptCount val="5"/>
+                <c:pt idx="0">
+                  <c:v>0.61</c:v>
+                </c:pt>
+                <c:pt idx="1">
+                  <c:v>0.82</c:v>
+                </c:pt>
+                <c:pt idx="2">
+                  <c:v>0.46</c:v>
+                </c:pt>
+                <c:pt idx="3">
+                  <c:v>0.47</c:v>
+                </c:pt>
+                <c:pt idx="4">
+                  <c:v>0.47</c:v>
+                </c:pt>
+              </c:numCache>
+            </c:numRef>
+          </c:val>
+        </c:ser>
+        <c:shape val="cylinder"/>
+        <c:axId val="67332352"/>
+        <c:axId val="67433216"/>
+        <c:axId val="0"/>
+      </c:bar3DChart>
+      <c:catAx>
+        <c:axId val="67332352"/>
+        <c:scaling>
+          <c:orientation val="minMax"/>
+        </c:scaling>
+        <c:axPos val="b"/>
+        <c:tickLblPos val="nextTo"/>
+        <c:crossAx val="67433216"/>
+        <c:crosses val="autoZero"/>
+        <c:auto val="1"/>
+        <c:lblAlgn val="ctr"/>
+        <c:lblOffset val="100"/>
+      </c:catAx>
+      <c:valAx>
+        <c:axId val="67433216"/>
+        <c:scaling>
+          <c:orientation val="minMax"/>
+        </c:scaling>
+        <c:axPos val="l"/>
+        <c:majorGridlines/>
+        <c:numFmt formatCode="General" sourceLinked="1"/>
+        <c:tickLblPos val="nextTo"/>
+        <c:crossAx val="67332352"/>
+        <c:crosses val="autoZero"/>
+        <c:crossBetween val="between"/>
+      </c:valAx>
+    </c:plotArea>
+    <c:legend>
+      <c:legendPos val="r"/>
+      <c:layout/>
+    </c:legend>
     <c:plotVisOnly val="1"/>
   </c:chart>
   <c:externalData r:id="rId1"/>
@@ -5182,7 +5526,7 @@
             <a:fld id="{6F7DFDAF-273A-4B14-B585-9A1EB6FB1D1C}" type="datetimeFigureOut">
               <a:rPr lang="es-ES" smtClean="0"/>
               <a:pPr/>
-              <a:t>09/08/2010</a:t>
+              <a:t>16/08/2010</a:t>
             </a:fld>
             <a:endParaRPr lang="es-ES"/>
           </a:p>
@@ -7592,7 +7936,7 @@
             <a:fld id="{3841DEE1-7CBC-4AC5-8CB0-36222882615A}" type="datetimeFigureOut">
               <a:rPr lang="es-AR" smtClean="0"/>
               <a:pPr/>
-              <a:t>09/08/2010</a:t>
+              <a:t>16/08/2010</a:t>
             </a:fld>
             <a:endParaRPr lang="es-AR"/>
           </a:p>
@@ -7759,7 +8103,7 @@
             <a:fld id="{3841DEE1-7CBC-4AC5-8CB0-36222882615A}" type="datetimeFigureOut">
               <a:rPr lang="es-AR" smtClean="0"/>
               <a:pPr/>
-              <a:t>09/08/2010</a:t>
+              <a:t>16/08/2010</a:t>
             </a:fld>
             <a:endParaRPr lang="es-AR"/>
           </a:p>
@@ -7936,7 +8280,7 @@
             <a:fld id="{3841DEE1-7CBC-4AC5-8CB0-36222882615A}" type="datetimeFigureOut">
               <a:rPr lang="es-AR" smtClean="0"/>
               <a:pPr/>
-              <a:t>09/08/2010</a:t>
+              <a:t>16/08/2010</a:t>
             </a:fld>
             <a:endParaRPr lang="es-AR"/>
           </a:p>
@@ -8103,7 +8447,7 @@
             <a:fld id="{3841DEE1-7CBC-4AC5-8CB0-36222882615A}" type="datetimeFigureOut">
               <a:rPr lang="es-AR" smtClean="0"/>
               <a:pPr/>
-              <a:t>09/08/2010</a:t>
+              <a:t>16/08/2010</a:t>
             </a:fld>
             <a:endParaRPr lang="es-AR"/>
           </a:p>
@@ -8347,7 +8691,7 @@
             <a:fld id="{3841DEE1-7CBC-4AC5-8CB0-36222882615A}" type="datetimeFigureOut">
               <a:rPr lang="es-AR" smtClean="0"/>
               <a:pPr/>
-              <a:t>09/08/2010</a:t>
+              <a:t>16/08/2010</a:t>
             </a:fld>
             <a:endParaRPr lang="es-AR"/>
           </a:p>
@@ -8613,7 +8957,7 @@
             <a:fld id="{3841DEE1-7CBC-4AC5-8CB0-36222882615A}" type="datetimeFigureOut">
               <a:rPr lang="es-AR" smtClean="0"/>
               <a:pPr/>
-              <a:t>09/08/2010</a:t>
+              <a:t>16/08/2010</a:t>
             </a:fld>
             <a:endParaRPr lang="es-AR"/>
           </a:p>
@@ -8993,7 +9337,7 @@
             <a:fld id="{3841DEE1-7CBC-4AC5-8CB0-36222882615A}" type="datetimeFigureOut">
               <a:rPr lang="es-AR" smtClean="0"/>
               <a:pPr/>
-              <a:t>09/08/2010</a:t>
+              <a:t>16/08/2010</a:t>
             </a:fld>
             <a:endParaRPr lang="es-AR"/>
           </a:p>
@@ -9145,7 +9489,7 @@
             <a:fld id="{3841DEE1-7CBC-4AC5-8CB0-36222882615A}" type="datetimeFigureOut">
               <a:rPr lang="es-AR" smtClean="0"/>
               <a:pPr/>
-              <a:t>09/08/2010</a:t>
+              <a:t>16/08/2010</a:t>
             </a:fld>
             <a:endParaRPr lang="es-AR"/>
           </a:p>
@@ -9237,7 +9581,7 @@
             <a:fld id="{3841DEE1-7CBC-4AC5-8CB0-36222882615A}" type="datetimeFigureOut">
               <a:rPr lang="es-AR" smtClean="0"/>
               <a:pPr/>
-              <a:t>09/08/2010</a:t>
+              <a:t>16/08/2010</a:t>
             </a:fld>
             <a:endParaRPr lang="es-AR"/>
           </a:p>
@@ -9500,7 +9844,7 @@
             <a:fld id="{3841DEE1-7CBC-4AC5-8CB0-36222882615A}" type="datetimeFigureOut">
               <a:rPr lang="es-AR" smtClean="0"/>
               <a:pPr/>
-              <a:t>09/08/2010</a:t>
+              <a:t>16/08/2010</a:t>
             </a:fld>
             <a:endParaRPr lang="es-AR"/>
           </a:p>
@@ -9790,7 +10134,7 @@
             <a:fld id="{3841DEE1-7CBC-4AC5-8CB0-36222882615A}" type="datetimeFigureOut">
               <a:rPr lang="es-AR" smtClean="0"/>
               <a:pPr/>
-              <a:t>09/08/2010</a:t>
+              <a:t>16/08/2010</a:t>
             </a:fld>
             <a:endParaRPr lang="es-AR"/>
           </a:p>
@@ -10563,7 +10907,7 @@
             <a:fld id="{3841DEE1-7CBC-4AC5-8CB0-36222882615A}" type="datetimeFigureOut">
               <a:rPr lang="es-AR" smtClean="0"/>
               <a:pPr/>
-              <a:t>09/08/2010</a:t>
+              <a:t>16/08/2010</a:t>
             </a:fld>
             <a:endParaRPr lang="es-AR"/>
           </a:p>
@@ -11387,7 +11731,7 @@
           <p:nvPr/>
         </p:nvGraphicFramePr>
         <p:xfrm>
-          <a:off x="571472" y="2428868"/>
+          <a:off x="571472" y="2377112"/>
           <a:ext cx="7953618" cy="3429024"/>
         </p:xfrm>
         <a:graphic>
@@ -11398,6 +11742,39 @@
           </a:graphicData>
         </a:graphic>
       </p:graphicFrame>
+      <p:pic>
+        <p:nvPicPr>
+          <p:cNvPr id="22534" name="Picture 6"/>
+          <p:cNvPicPr>
+            <a:picLocks noChangeAspect="1" noChangeArrowheads="1"/>
+          </p:cNvPicPr>
+          <p:nvPr/>
+        </p:nvPicPr>
+        <p:blipFill>
+          <a:blip r:embed="rId5"/>
+          <a:srcRect/>
+          <a:stretch>
+            <a:fillRect/>
+          </a:stretch>
+        </p:blipFill>
+        <p:spPr bwMode="auto">
+          <a:xfrm>
+            <a:off x="874476" y="5568277"/>
+            <a:ext cx="85725" cy="66675"/>
+          </a:xfrm>
+          <a:prstGeom prst="rect">
+            <a:avLst/>
+          </a:prstGeom>
+          <a:noFill/>
+          <a:ln w="9525">
+            <a:noFill/>
+            <a:miter lim="800000"/>
+            <a:headEnd/>
+            <a:tailEnd/>
+          </a:ln>
+          <a:effectLst/>
+        </p:spPr>
+      </p:pic>
     </p:spTree>
   </p:cSld>
   <p:clrMapOvr>
@@ -11470,44 +11847,19 @@
           <a:p>
             <a:r>
               <a:rPr lang="es-US" dirty="0" smtClean="0"/>
-              <a:t>Resultados detallados para la ola Sunset</a:t>
-            </a:r>
+              <a:t>Resultados detallados </a:t>
+            </a:r>
+            <a:r>
+              <a:rPr lang="es-US" dirty="0" smtClean="0"/>
+              <a:t>para la ola “Makaha”</a:t>
+            </a:r>
+            <a:endParaRPr lang="es-US" dirty="0" smtClean="0"/>
           </a:p>
           <a:p>
             <a:endParaRPr lang="es-ES" dirty="0"/>
           </a:p>
         </p:txBody>
       </p:sp>
-      <p:pic>
-        <p:nvPicPr>
-          <p:cNvPr id="4" name="3 Imagen"/>
-          <p:cNvPicPr/>
-          <p:nvPr/>
-        </p:nvPicPr>
-        <p:blipFill>
-          <a:blip r:embed="rId3" cstate="print"/>
-          <a:srcRect/>
-          <a:stretch>
-            <a:fillRect/>
-          </a:stretch>
-        </p:blipFill>
-        <p:spPr bwMode="auto">
-          <a:xfrm>
-            <a:off x="4714876" y="3000372"/>
-            <a:ext cx="4296763" cy="2882189"/>
-          </a:xfrm>
-          <a:prstGeom prst="rect">
-            <a:avLst/>
-          </a:prstGeom>
-          <a:noFill/>
-          <a:ln w="9525">
-            <a:noFill/>
-            <a:miter lim="800000"/>
-            <a:headEnd/>
-            <a:tailEnd/>
-          </a:ln>
-        </p:spPr>
-      </p:pic>
       <p:graphicFrame>
         <p:nvGraphicFramePr>
           <p:cNvPr id="6" name="5 Tabla"/>
@@ -11540,7 +11892,7 @@
                         </a:spcAft>
                       </a:pPr>
                       <a:r>
-                        <a:rPr lang="es-ES" sz="1600" b="1">
+                        <a:rPr lang="es-ES" sz="1600" b="1" dirty="0">
                           <a:solidFill>
                             <a:srgbClr val="000000"/>
                           </a:solidFill>
@@ -11550,7 +11902,7 @@
                         </a:rPr>
                         <a:t>Correlación WW3 / Obs. Visual</a:t>
                       </a:r>
-                      <a:endParaRPr lang="es-ES" sz="1600">
+                      <a:endParaRPr lang="es-ES" sz="1600" dirty="0">
                         <a:latin typeface="Times New Roman"/>
                         <a:ea typeface="Times New Roman"/>
                         <a:cs typeface="Times New Roman"/>
@@ -11692,7 +12044,7 @@
                         </a:spcAft>
                       </a:pPr>
                       <a:r>
-                        <a:rPr lang="es-ES" sz="1600">
+                        <a:rPr lang="es-ES" sz="1600" dirty="0" smtClean="0">
                           <a:solidFill>
                             <a:srgbClr val="000000"/>
                           </a:solidFill>
@@ -11700,9 +12052,9 @@
                           <a:ea typeface="Times New Roman"/>
                           <a:cs typeface="Times New Roman"/>
                         </a:rPr>
-                        <a:t>82%</a:t>
+                        <a:t>66%</a:t>
                       </a:r>
-                      <a:endParaRPr lang="es-ES" sz="1600">
+                      <a:endParaRPr lang="es-ES" sz="1600" dirty="0">
                         <a:latin typeface="Times New Roman"/>
                         <a:ea typeface="Times New Roman"/>
                         <a:cs typeface="Times New Roman"/>
@@ -11759,7 +12111,7 @@
                         </a:spcAft>
                       </a:pPr>
                       <a:r>
-                        <a:rPr lang="es-ES" sz="1600" dirty="0">
+                        <a:rPr lang="es-ES" sz="1600" dirty="0" smtClean="0">
                           <a:solidFill>
                             <a:srgbClr val="000000"/>
                           </a:solidFill>
@@ -11767,7 +12119,7 @@
                           <a:ea typeface="Times New Roman"/>
                           <a:cs typeface="Times New Roman"/>
                         </a:rPr>
-                        <a:t>89%</a:t>
+                        <a:t>82%</a:t>
                       </a:r>
                       <a:endParaRPr lang="es-ES" sz="1600" dirty="0">
                         <a:latin typeface="Times New Roman"/>
@@ -12004,6 +12356,17 @@
                         </a:spcAft>
                       </a:pPr>
                       <a:r>
+                        <a:rPr lang="es-ES" sz="1600" dirty="0" smtClean="0">
+                          <a:solidFill>
+                            <a:srgbClr val="000000"/>
+                          </a:solidFill>
+                          <a:latin typeface="Calibri"/>
+                          <a:ea typeface="Times New Roman"/>
+                          <a:cs typeface="Times New Roman"/>
+                        </a:rPr>
+                        <a:t>0.96 </a:t>
+                      </a:r>
+                      <a:r>
                         <a:rPr lang="es-ES" sz="1600" dirty="0">
                           <a:solidFill>
                             <a:srgbClr val="000000"/>
@@ -12012,7 +12375,7 @@
                           <a:ea typeface="Times New Roman"/>
                           <a:cs typeface="Times New Roman"/>
                         </a:rPr>
-                        <a:t>1.35 mts</a:t>
+                        <a:t>mts</a:t>
                       </a:r>
                       <a:endParaRPr lang="es-ES" sz="1600" dirty="0">
                         <a:latin typeface="Times New Roman"/>
@@ -12071,7 +12434,7 @@
                         </a:spcAft>
                       </a:pPr>
                       <a:r>
-                        <a:rPr lang="es-ES" sz="1600" dirty="0">
+                        <a:rPr lang="es-ES" sz="1600" dirty="0" smtClean="0">
                           <a:solidFill>
                             <a:srgbClr val="000000"/>
                           </a:solidFill>
@@ -12079,7 +12442,7 @@
                           <a:ea typeface="Times New Roman"/>
                           <a:cs typeface="Times New Roman"/>
                         </a:rPr>
-                        <a:t>0.82 mts</a:t>
+                        <a:t>0.61mts</a:t>
                       </a:r>
                       <a:endParaRPr lang="es-ES" sz="1600" dirty="0">
                         <a:latin typeface="Times New Roman"/>
@@ -12132,6 +12495,36 @@
           </a:graphicData>
         </a:graphic>
       </p:graphicFrame>
+      <p:pic>
+        <p:nvPicPr>
+          <p:cNvPr id="8" name="7 Imagen"/>
+          <p:cNvPicPr/>
+          <p:nvPr/>
+        </p:nvPicPr>
+        <p:blipFill>
+          <a:blip r:embed="rId3" cstate="print"/>
+          <a:srcRect/>
+          <a:stretch>
+            <a:fillRect/>
+          </a:stretch>
+        </p:blipFill>
+        <p:spPr bwMode="auto">
+          <a:xfrm>
+            <a:off x="4695488" y="3000372"/>
+            <a:ext cx="4448512" cy="2990850"/>
+          </a:xfrm>
+          <a:prstGeom prst="rect">
+            <a:avLst/>
+          </a:prstGeom>
+          <a:noFill/>
+          <a:ln w="9525">
+            <a:noFill/>
+            <a:miter lim="800000"/>
+            <a:headEnd/>
+            <a:tailEnd/>
+          </a:ln>
+        </p:spPr>
+      </p:pic>
     </p:spTree>
   </p:cSld>
   <p:clrMapOvr>
@@ -12189,17 +12582,13 @@
       </p:sp>
       <p:graphicFrame>
         <p:nvGraphicFramePr>
-          <p:cNvPr id="4" name="Chart 4"/>
-          <p:cNvGraphicFramePr>
-            <a:graphicFrameLocks noGrp="1"/>
-          </p:cNvGraphicFramePr>
-          <p:nvPr>
-            <p:ph idx="1"/>
-          </p:nvPr>
+          <p:cNvPr id="8" name="Chart 6"/>
+          <p:cNvGraphicFramePr/>
+          <p:nvPr/>
         </p:nvGraphicFramePr>
         <p:xfrm>
-          <a:off x="457200" y="1935163"/>
-          <a:ext cx="8229600" cy="2565407"/>
+          <a:off x="142844" y="1857364"/>
+          <a:ext cx="8858312" cy="2357454"/>
         </p:xfrm>
         <a:graphic>
           <a:graphicData uri="http://schemas.openxmlformats.org/drawingml/2006/chart">
@@ -12209,13 +12598,13 @@
       </p:graphicFrame>
       <p:graphicFrame>
         <p:nvGraphicFramePr>
-          <p:cNvPr id="5" name="Chart 6"/>
+          <p:cNvPr id="9" name="Chart 8"/>
           <p:cNvGraphicFramePr/>
           <p:nvPr/>
         </p:nvGraphicFramePr>
         <p:xfrm>
-          <a:off x="428596" y="4286256"/>
-          <a:ext cx="8238948" cy="2415253"/>
+          <a:off x="142844" y="4214818"/>
+          <a:ext cx="8858312" cy="2490791"/>
         </p:xfrm>
         <a:graphic>
           <a:graphicData uri="http://schemas.openxmlformats.org/drawingml/2006/chart">
@@ -12223,6 +12612,39 @@
           </a:graphicData>
         </a:graphic>
       </p:graphicFrame>
+      <p:pic>
+        <p:nvPicPr>
+          <p:cNvPr id="38914" name="Picture 2"/>
+          <p:cNvPicPr>
+            <a:picLocks noChangeAspect="1" noChangeArrowheads="1"/>
+          </p:cNvPicPr>
+          <p:nvPr/>
+        </p:nvPicPr>
+        <p:blipFill>
+          <a:blip r:embed="rId4"/>
+          <a:srcRect/>
+          <a:stretch>
+            <a:fillRect/>
+          </a:stretch>
+        </p:blipFill>
+        <p:spPr bwMode="auto">
+          <a:xfrm>
+            <a:off x="5729522" y="4519176"/>
+            <a:ext cx="2305050" cy="1238250"/>
+          </a:xfrm>
+          <a:prstGeom prst="rect">
+            <a:avLst/>
+          </a:prstGeom>
+          <a:noFill/>
+          <a:ln w="9525">
+            <a:noFill/>
+            <a:miter lim="800000"/>
+            <a:headEnd/>
+            <a:tailEnd/>
+          </a:ln>
+          <a:effectLst/>
+        </p:spPr>
+      </p:pic>
     </p:spTree>
   </p:cSld>
   <p:clrMapOvr>
@@ -12231,7 +12653,111 @@
   <p:timing>
     <p:tnLst>
       <p:par>
-        <p:cTn id="1" dur="indefinite" restart="never" nodeType="tmRoot"/>
+        <p:cTn id="1" dur="indefinite" restart="never" nodeType="tmRoot">
+          <p:childTnLst>
+            <p:seq concurrent="1" nextAc="seek">
+              <p:cTn id="2" dur="indefinite" nodeType="mainSeq">
+                <p:childTnLst>
+                  <p:par>
+                    <p:cTn id="3" fill="hold">
+                      <p:stCondLst>
+                        <p:cond delay="indefinite"/>
+                      </p:stCondLst>
+                      <p:childTnLst>
+                        <p:par>
+                          <p:cTn id="4" fill="hold">
+                            <p:stCondLst>
+                              <p:cond delay="0"/>
+                            </p:stCondLst>
+                            <p:childTnLst>
+                              <p:par>
+                                <p:cTn id="5" presetID="1" presetClass="entr" presetSubtype="0" fill="hold" nodeType="clickEffect">
+                                  <p:stCondLst>
+                                    <p:cond delay="0"/>
+                                  </p:stCondLst>
+                                  <p:childTnLst>
+                                    <p:set>
+                                      <p:cBhvr>
+                                        <p:cTn id="6" dur="1" fill="hold">
+                                          <p:stCondLst>
+                                            <p:cond delay="0"/>
+                                          </p:stCondLst>
+                                        </p:cTn>
+                                        <p:tgtEl>
+                                          <p:spTgt spid="38914"/>
+                                        </p:tgtEl>
+                                        <p:attrNameLst>
+                                          <p:attrName>style.visibility</p:attrName>
+                                        </p:attrNameLst>
+                                      </p:cBhvr>
+                                      <p:to>
+                                        <p:strVal val="visible"/>
+                                      </p:to>
+                                    </p:set>
+                                  </p:childTnLst>
+                                </p:cTn>
+                              </p:par>
+                            </p:childTnLst>
+                          </p:cTn>
+                        </p:par>
+                      </p:childTnLst>
+                    </p:cTn>
+                  </p:par>
+                  <p:par>
+                    <p:cTn id="7" fill="hold">
+                      <p:stCondLst>
+                        <p:cond delay="indefinite"/>
+                      </p:stCondLst>
+                      <p:childTnLst>
+                        <p:par>
+                          <p:cTn id="8" fill="hold">
+                            <p:stCondLst>
+                              <p:cond delay="0"/>
+                            </p:stCondLst>
+                            <p:childTnLst>
+                              <p:par>
+                                <p:cTn id="9" presetID="6" presetClass="emph" presetSubtype="0" fill="hold" nodeType="clickEffect">
+                                  <p:stCondLst>
+                                    <p:cond delay="0"/>
+                                  </p:stCondLst>
+                                  <p:childTnLst>
+                                    <p:animScale>
+                                      <p:cBhvr>
+                                        <p:cTn id="10" dur="2000" fill="hold"/>
+                                        <p:tgtEl>
+                                          <p:spTgt spid="38914"/>
+                                        </p:tgtEl>
+                                      </p:cBhvr>
+                                      <p:by x="150000" y="150000"/>
+                                    </p:animScale>
+                                  </p:childTnLst>
+                                </p:cTn>
+                              </p:par>
+                            </p:childTnLst>
+                          </p:cTn>
+                        </p:par>
+                      </p:childTnLst>
+                    </p:cTn>
+                  </p:par>
+                </p:childTnLst>
+              </p:cTn>
+              <p:prevCondLst>
+                <p:cond evt="onPrev" delay="0">
+                  <p:tgtEl>
+                    <p:sldTgt/>
+                  </p:tgtEl>
+                </p:cond>
+              </p:prevCondLst>
+              <p:nextCondLst>
+                <p:cond evt="onNext" delay="0">
+                  <p:tgtEl>
+                    <p:sldTgt/>
+                  </p:tgtEl>
+                </p:cond>
+              </p:nextCondLst>
+            </p:seq>
+          </p:childTnLst>
+        </p:cTn>
       </p:par>
     </p:tnLst>
   </p:timing>
@@ -12282,17 +12808,13 @@
       </p:sp>
       <p:graphicFrame>
         <p:nvGraphicFramePr>
-          <p:cNvPr id="4" name="Chart 10"/>
-          <p:cNvGraphicFramePr>
-            <a:graphicFrameLocks noGrp="1"/>
-          </p:cNvGraphicFramePr>
-          <p:nvPr>
-            <p:ph idx="1"/>
-          </p:nvPr>
+          <p:cNvPr id="7" name="Chart 13"/>
+          <p:cNvGraphicFramePr/>
+          <p:nvPr/>
         </p:nvGraphicFramePr>
         <p:xfrm>
-          <a:off x="0" y="1785902"/>
-          <a:ext cx="4572000" cy="5072098"/>
+          <a:off x="1" y="1785926"/>
+          <a:ext cx="4572000" cy="5072074"/>
         </p:xfrm>
         <a:graphic>
           <a:graphicData uri="http://schemas.openxmlformats.org/drawingml/2006/chart">
@@ -12302,13 +12824,13 @@
       </p:graphicFrame>
       <p:graphicFrame>
         <p:nvGraphicFramePr>
-          <p:cNvPr id="5" name="Chart 11"/>
+          <p:cNvPr id="8" name="Chart 12"/>
           <p:cNvGraphicFramePr/>
           <p:nvPr/>
         </p:nvGraphicFramePr>
         <p:xfrm>
-          <a:off x="4571968" y="1785902"/>
-          <a:ext cx="4572032" cy="5072098"/>
+          <a:off x="4500562" y="1785926"/>
+          <a:ext cx="4643438" cy="5072074"/>
         </p:xfrm>
         <a:graphic>
           <a:graphicData uri="http://schemas.openxmlformats.org/drawingml/2006/chart">
@@ -12365,7 +12887,7 @@
           <a:p>
             <a:r>
               <a:rPr lang="es-US" dirty="0" smtClean="0"/>
-              <a:t>Agenda</a:t>
+              <a:t>Experimentación (11)</a:t>
             </a:r>
             <a:endParaRPr lang="es-ES" dirty="0"/>
           </a:p>
@@ -12381,161 +12903,112 @@
             <p:ph idx="1"/>
           </p:nvPr>
         </p:nvSpPr>
-        <p:spPr/>
+        <p:spPr>
+          <a:xfrm>
+            <a:off x="457200" y="1935480"/>
+            <a:ext cx="8229600" cy="493388"/>
+          </a:xfrm>
+        </p:spPr>
         <p:txBody>
           <a:bodyPr/>
           <a:lstStyle/>
           <a:p>
             <a:r>
-              <a:rPr lang="en-US" dirty="0" err="1" smtClean="0"/>
-              <a:t>Motivación</a:t>
-            </a:r>
-            <a:r>
-              <a:rPr lang="en-US" dirty="0" smtClean="0"/>
-              <a:t> (</a:t>
-            </a:r>
-            <a:r>
-              <a:rPr lang="en-US" dirty="0" err="1" smtClean="0"/>
-              <a:t>Contexto</a:t>
-            </a:r>
-            <a:r>
-              <a:rPr lang="en-US" dirty="0" smtClean="0"/>
-              <a:t> y </a:t>
-            </a:r>
-            <a:r>
-              <a:rPr lang="en-US" dirty="0" err="1" smtClean="0"/>
-              <a:t>Desventajas</a:t>
-            </a:r>
-            <a:r>
-              <a:rPr lang="en-US" dirty="0" smtClean="0"/>
-              <a:t> de lo </a:t>
-            </a:r>
-            <a:r>
-              <a:rPr lang="en-US" dirty="0" err="1" smtClean="0"/>
-              <a:t>que</a:t>
-            </a:r>
-            <a:r>
-              <a:rPr lang="en-US" dirty="0" smtClean="0"/>
-              <a:t> </a:t>
-            </a:r>
-            <a:r>
-              <a:rPr lang="en-US" dirty="0" err="1" smtClean="0"/>
-              <a:t>existe</a:t>
-            </a:r>
-            <a:r>
-              <a:rPr lang="en-US" dirty="0" smtClean="0"/>
-              <a:t>)</a:t>
-            </a:r>
-          </a:p>
-          <a:p>
-            <a:r>
-              <a:rPr lang="en-US" dirty="0" err="1" smtClean="0"/>
-              <a:t>Propuesta</a:t>
-            </a:r>
-            <a:r>
-              <a:rPr lang="en-US" dirty="0" smtClean="0"/>
-              <a:t> (Lo </a:t>
-            </a:r>
-            <a:r>
-              <a:rPr lang="en-US" dirty="0" err="1" smtClean="0"/>
-              <a:t>que</a:t>
-            </a:r>
-            <a:r>
-              <a:rPr lang="en-US" dirty="0" smtClean="0"/>
-              <a:t> </a:t>
-            </a:r>
-            <a:r>
-              <a:rPr lang="en-US" dirty="0" err="1" smtClean="0"/>
-              <a:t>queremos</a:t>
-            </a:r>
-            <a:r>
-              <a:rPr lang="en-US" dirty="0" smtClean="0"/>
-              <a:t> </a:t>
-            </a:r>
-            <a:r>
-              <a:rPr lang="en-US" dirty="0" err="1" smtClean="0"/>
-              <a:t>hacer</a:t>
-            </a:r>
-            <a:r>
-              <a:rPr lang="en-US" dirty="0" smtClean="0"/>
-              <a:t>)</a:t>
-            </a:r>
-          </a:p>
-          <a:p>
-            <a:r>
-              <a:rPr lang="en-US" dirty="0" err="1" smtClean="0"/>
-              <a:t>Trabajos</a:t>
-            </a:r>
-            <a:r>
-              <a:rPr lang="en-US" dirty="0" smtClean="0"/>
-              <a:t> </a:t>
-            </a:r>
-            <a:r>
-              <a:rPr lang="en-US" dirty="0" err="1" smtClean="0"/>
-              <a:t>Relacionados</a:t>
-            </a:r>
-            <a:endParaRPr lang="en-US" dirty="0" smtClean="0"/>
-          </a:p>
-          <a:p>
-            <a:r>
-              <a:rPr lang="en-US" dirty="0" err="1" smtClean="0"/>
-              <a:t>Métodos</a:t>
-            </a:r>
-            <a:r>
-              <a:rPr lang="en-US" dirty="0" smtClean="0"/>
-              <a:t> de </a:t>
-            </a:r>
-            <a:r>
-              <a:rPr lang="en-US" dirty="0" err="1" smtClean="0"/>
-              <a:t>aprendizaje</a:t>
-            </a:r>
-            <a:r>
-              <a:rPr lang="en-US" dirty="0" smtClean="0"/>
-              <a:t> de </a:t>
-            </a:r>
-            <a:r>
-              <a:rPr lang="en-US" dirty="0" err="1" smtClean="0"/>
-              <a:t>máquina</a:t>
-            </a:r>
-            <a:endParaRPr lang="en-US" dirty="0" smtClean="0"/>
-          </a:p>
-          <a:p>
-            <a:r>
-              <a:rPr lang="en-US" dirty="0" err="1" smtClean="0"/>
-              <a:t>WaveWatch</a:t>
-            </a:r>
-            <a:r>
-              <a:rPr lang="en-US" dirty="0" smtClean="0"/>
-              <a:t> III</a:t>
-            </a:r>
-          </a:p>
-          <a:p>
-            <a:r>
-              <a:rPr lang="en-US" dirty="0" err="1" smtClean="0"/>
-              <a:t>Experimentacion</a:t>
-            </a:r>
-            <a:endParaRPr lang="en-US" dirty="0" smtClean="0"/>
-          </a:p>
-          <a:p>
-            <a:r>
-              <a:rPr lang="en-US" dirty="0" smtClean="0">
-                <a:solidFill>
-                  <a:schemeClr val="bg2">
-                    <a:lumMod val="25000"/>
-                  </a:schemeClr>
-                </a:solidFill>
-              </a:rPr>
-              <a:t>Surf-Forecaster</a:t>
-            </a:r>
-          </a:p>
-          <a:p>
-            <a:r>
-              <a:rPr lang="en-US" dirty="0" err="1" smtClean="0"/>
-              <a:t>Conclusiones</a:t>
-            </a:r>
-            <a:endParaRPr lang="en-US" dirty="0" smtClean="0"/>
-          </a:p>
-          <a:p>
+              <a:rPr lang="es-US" dirty="0" smtClean="0"/>
+              <a:t>Resultados detallados para todas las pruebas</a:t>
+            </a:r>
+            <a:endParaRPr lang="es-ES" dirty="0"/>
+          </a:p>
+        </p:txBody>
+      </p:sp>
+      <p:graphicFrame>
+        <p:nvGraphicFramePr>
+          <p:cNvPr id="4" name="1 Gráfico"/>
+          <p:cNvGraphicFramePr/>
+          <p:nvPr/>
+        </p:nvGraphicFramePr>
+        <p:xfrm>
+          <a:off x="142844" y="2928934"/>
+          <a:ext cx="4357718" cy="3286148"/>
+        </p:xfrm>
+        <a:graphic>
+          <a:graphicData uri="http://schemas.openxmlformats.org/drawingml/2006/chart">
+            <c:chart xmlns:c="http://schemas.openxmlformats.org/drawingml/2006/chart" xmlns:r="http://schemas.openxmlformats.org/officeDocument/2006/relationships" r:id="rId2"/>
+          </a:graphicData>
+        </a:graphic>
+      </p:graphicFrame>
+      <p:graphicFrame>
+        <p:nvGraphicFramePr>
+          <p:cNvPr id="5" name="6 Gráfico"/>
+          <p:cNvGraphicFramePr/>
+          <p:nvPr/>
+        </p:nvGraphicFramePr>
+        <p:xfrm>
+          <a:off x="4786314" y="2928934"/>
+          <a:ext cx="4214842" cy="3286148"/>
+        </p:xfrm>
+        <a:graphic>
+          <a:graphicData uri="http://schemas.openxmlformats.org/drawingml/2006/chart">
+            <c:chart xmlns:c="http://schemas.openxmlformats.org/drawingml/2006/chart" xmlns:r="http://schemas.openxmlformats.org/officeDocument/2006/relationships" r:id="rId3"/>
+          </a:graphicData>
+        </a:graphic>
+      </p:graphicFrame>
+      <p:sp>
+        <p:nvSpPr>
+          <p:cNvPr id="7" name="6 CuadroTexto"/>
+          <p:cNvSpPr txBox="1"/>
+          <p:nvPr/>
+        </p:nvSpPr>
+        <p:spPr>
+          <a:xfrm>
+            <a:off x="1714480" y="2571744"/>
+            <a:ext cx="1347035" cy="369332"/>
+          </a:xfrm>
+          <a:prstGeom prst="rect">
+            <a:avLst/>
+          </a:prstGeom>
+          <a:noFill/>
+        </p:spPr>
+        <p:txBody>
+          <a:bodyPr wrap="none" rtlCol="0">
+            <a:spAutoFit/>
+          </a:bodyPr>
+          <a:lstStyle/>
+          <a:p>
+            <a:r>
+              <a:rPr lang="es-US" dirty="0" smtClean="0"/>
+              <a:t>Correlación</a:t>
+            </a:r>
+            <a:endParaRPr lang="es-ES" dirty="0"/>
+          </a:p>
+        </p:txBody>
+      </p:sp>
+      <p:sp>
+        <p:nvSpPr>
+          <p:cNvPr id="9" name="8 CuadroTexto"/>
+          <p:cNvSpPr txBox="1"/>
+          <p:nvPr/>
+        </p:nvSpPr>
+        <p:spPr>
+          <a:xfrm>
+            <a:off x="5429256" y="2571744"/>
+            <a:ext cx="3011209" cy="369332"/>
+          </a:xfrm>
+          <a:prstGeom prst="rect">
+            <a:avLst/>
+          </a:prstGeom>
+          <a:noFill/>
+        </p:spPr>
+        <p:txBody>
+          <a:bodyPr wrap="none" rtlCol="0">
+            <a:spAutoFit/>
+          </a:bodyPr>
+          <a:lstStyle/>
+          <a:p>
+            <a:r>
+              <a:rPr lang="es-US" dirty="0" smtClean="0"/>
+              <a:t>Error absoluto medio (MAE)</a:t>
+            </a:r>
             <a:endParaRPr lang="es-ES" dirty="0"/>
           </a:p>
         </p:txBody>
@@ -12589,7 +13062,7 @@
           <a:p>
             <a:r>
               <a:rPr lang="es-US" dirty="0" smtClean="0"/>
-              <a:t>Surf-Forecaster (1)</a:t>
+              <a:t>Agenda</a:t>
             </a:r>
             <a:endParaRPr lang="es-ES" dirty="0"/>
           </a:p>
@@ -12611,59 +13084,192 @@
           <a:lstStyle/>
           <a:p>
             <a:r>
-              <a:rPr lang="es-US" dirty="0" smtClean="0"/>
-              <a:t>Características:</a:t>
-            </a:r>
-          </a:p>
-          <a:p>
-            <a:pPr lvl="1"/>
-            <a:r>
-              <a:rPr lang="es-US" dirty="0" smtClean="0"/>
-              <a:t>Sistema web para el pronostico de olas</a:t>
-            </a:r>
-          </a:p>
-          <a:p>
-            <a:pPr lvl="1"/>
-            <a:r>
-              <a:rPr lang="es-US" dirty="0" smtClean="0"/>
-              <a:t>Logra pronosticar olas de todo el mundo</a:t>
-            </a:r>
-          </a:p>
-          <a:p>
-            <a:pPr lvl="1"/>
-            <a:r>
-              <a:rPr lang="es-US" dirty="0" smtClean="0"/>
-              <a:t>Utiliza como entrada pronósticos de WAVEWATCH III</a:t>
-            </a:r>
-          </a:p>
-          <a:p>
-            <a:pPr lvl="1"/>
-            <a:r>
-              <a:rPr lang="es-US" dirty="0" smtClean="0"/>
-              <a:t>Ofrece un comparador de olas</a:t>
-            </a:r>
-          </a:p>
-          <a:p>
-            <a:pPr lvl="1"/>
-            <a:r>
-              <a:rPr lang="es-US" dirty="0" smtClean="0"/>
-              <a:t>Usuarios registrados pueden persistir sus propias olas</a:t>
-            </a:r>
-          </a:p>
-          <a:p>
-            <a:r>
-              <a:rPr lang="es-US" dirty="0" smtClean="0"/>
-              <a:t>¿Qué lo diferencia de otros pronosticadores existentes?</a:t>
-            </a:r>
-          </a:p>
-          <a:p>
-            <a:r>
-              <a:rPr lang="es-US" dirty="0" smtClean="0"/>
-              <a:t>¿Cómo logra pronosticar Surf-Forecaster?</a:t>
-            </a:r>
+              <a:rPr lang="en-US" dirty="0" err="1" smtClean="0"/>
+              <a:t>Motivación</a:t>
+            </a:r>
+            <a:r>
+              <a:rPr lang="en-US" dirty="0" smtClean="0"/>
+              <a:t> (</a:t>
+            </a:r>
+            <a:r>
+              <a:rPr lang="en-US" dirty="0" err="1" smtClean="0"/>
+              <a:t>Contexto</a:t>
+            </a:r>
+            <a:r>
+              <a:rPr lang="en-US" dirty="0" smtClean="0"/>
+              <a:t> y </a:t>
+            </a:r>
+            <a:r>
+              <a:rPr lang="en-US" dirty="0" err="1" smtClean="0"/>
+              <a:t>Desventajas</a:t>
+            </a:r>
+            <a:r>
+              <a:rPr lang="en-US" dirty="0" smtClean="0"/>
+              <a:t> de lo </a:t>
+            </a:r>
+            <a:r>
+              <a:rPr lang="en-US" dirty="0" err="1" smtClean="0"/>
+              <a:t>que</a:t>
+            </a:r>
+            <a:r>
+              <a:rPr lang="en-US" dirty="0" smtClean="0"/>
+              <a:t> </a:t>
+            </a:r>
+            <a:r>
+              <a:rPr lang="en-US" dirty="0" err="1" smtClean="0"/>
+              <a:t>existe</a:t>
+            </a:r>
+            <a:r>
+              <a:rPr lang="en-US" dirty="0" smtClean="0"/>
+              <a:t>)</a:t>
+            </a:r>
+          </a:p>
+          <a:p>
+            <a:r>
+              <a:rPr lang="en-US" dirty="0" err="1" smtClean="0"/>
+              <a:t>Propuesta</a:t>
+            </a:r>
+            <a:r>
+              <a:rPr lang="en-US" dirty="0" smtClean="0"/>
+              <a:t> (Lo </a:t>
+            </a:r>
+            <a:r>
+              <a:rPr lang="en-US" dirty="0" err="1" smtClean="0"/>
+              <a:t>que</a:t>
+            </a:r>
+            <a:r>
+              <a:rPr lang="en-US" dirty="0" smtClean="0"/>
+              <a:t> </a:t>
+            </a:r>
+            <a:r>
+              <a:rPr lang="en-US" dirty="0" err="1" smtClean="0"/>
+              <a:t>queremos</a:t>
+            </a:r>
+            <a:r>
+              <a:rPr lang="en-US" dirty="0" smtClean="0"/>
+              <a:t> </a:t>
+            </a:r>
+            <a:r>
+              <a:rPr lang="en-US" dirty="0" err="1" smtClean="0"/>
+              <a:t>hacer</a:t>
+            </a:r>
+            <a:r>
+              <a:rPr lang="en-US" dirty="0" smtClean="0"/>
+              <a:t>)</a:t>
+            </a:r>
+          </a:p>
+          <a:p>
+            <a:r>
+              <a:rPr lang="en-US" dirty="0" err="1" smtClean="0"/>
+              <a:t>Trabajos</a:t>
+            </a:r>
+            <a:r>
+              <a:rPr lang="en-US" dirty="0" smtClean="0"/>
+              <a:t> </a:t>
+            </a:r>
+            <a:r>
+              <a:rPr lang="en-US" dirty="0" err="1" smtClean="0"/>
+              <a:t>Relacionados</a:t>
+            </a:r>
+            <a:endParaRPr lang="en-US" dirty="0" smtClean="0"/>
+          </a:p>
+          <a:p>
+            <a:r>
+              <a:rPr lang="en-US" dirty="0" err="1" smtClean="0"/>
+              <a:t>Métodos</a:t>
+            </a:r>
+            <a:r>
+              <a:rPr lang="en-US" dirty="0" smtClean="0"/>
+              <a:t> de </a:t>
+            </a:r>
+            <a:r>
+              <a:rPr lang="en-US" dirty="0" err="1" smtClean="0"/>
+              <a:t>aprendizaje</a:t>
+            </a:r>
+            <a:r>
+              <a:rPr lang="en-US" dirty="0" smtClean="0"/>
+              <a:t> de </a:t>
+            </a:r>
+            <a:r>
+              <a:rPr lang="en-US" dirty="0" err="1" smtClean="0"/>
+              <a:t>máquina</a:t>
+            </a:r>
+            <a:endParaRPr lang="en-US" dirty="0" smtClean="0"/>
+          </a:p>
+          <a:p>
+            <a:r>
+              <a:rPr lang="en-US" dirty="0" err="1" smtClean="0"/>
+              <a:t>WaveWatch</a:t>
+            </a:r>
+            <a:r>
+              <a:rPr lang="en-US" dirty="0" smtClean="0"/>
+              <a:t> III</a:t>
+            </a:r>
+          </a:p>
+          <a:p>
+            <a:r>
+              <a:rPr lang="en-US" dirty="0" err="1" smtClean="0"/>
+              <a:t>Experimentacion</a:t>
+            </a:r>
+            <a:endParaRPr lang="en-US" dirty="0" smtClean="0"/>
+          </a:p>
+          <a:p>
+            <a:r>
+              <a:rPr lang="en-US" dirty="0" smtClean="0">
+                <a:solidFill>
+                  <a:schemeClr val="bg2">
+                    <a:lumMod val="25000"/>
+                  </a:schemeClr>
+                </a:solidFill>
+              </a:rPr>
+              <a:t>Surf-Forecaster</a:t>
+            </a:r>
+          </a:p>
+          <a:p>
+            <a:r>
+              <a:rPr lang="en-US" dirty="0" err="1" smtClean="0"/>
+              <a:t>Conclusiones</a:t>
+            </a:r>
+            <a:endParaRPr lang="en-US" dirty="0" smtClean="0"/>
+          </a:p>
+          <a:p>
+            <a:endParaRPr lang="es-ES" dirty="0"/>
           </a:p>
         </p:txBody>
       </p:sp>
+      <p:pic>
+        <p:nvPicPr>
+          <p:cNvPr id="4" name="Picture 1"/>
+          <p:cNvPicPr>
+            <a:picLocks noChangeAspect="1" noChangeArrowheads="1"/>
+          </p:cNvPicPr>
+          <p:nvPr/>
+        </p:nvPicPr>
+        <p:blipFill>
+          <a:blip r:embed="rId2"/>
+          <a:srcRect/>
+          <a:stretch>
+            <a:fillRect/>
+          </a:stretch>
+        </p:blipFill>
+        <p:spPr bwMode="auto">
+          <a:xfrm>
+            <a:off x="7810500" y="4772025"/>
+            <a:ext cx="1333500" cy="2085975"/>
+          </a:xfrm>
+          <a:prstGeom prst="rect">
+            <a:avLst/>
+          </a:prstGeom>
+          <a:noFill/>
+          <a:ln w="9525">
+            <a:noFill/>
+            <a:miter lim="800000"/>
+            <a:headEnd/>
+            <a:tailEnd/>
+          </a:ln>
+          <a:effectLst/>
+        </p:spPr>
+      </p:pic>
     </p:spTree>
   </p:cSld>
   <p:clrMapOvr>
@@ -12713,7 +13319,7 @@
           <a:p>
             <a:r>
               <a:rPr lang="es-US" dirty="0" smtClean="0"/>
-              <a:t>Surf-Forecaster (2)</a:t>
+              <a:t>Surf-Forecaster (1)</a:t>
             </a:r>
             <a:endParaRPr lang="es-ES" dirty="0"/>
           </a:p>
@@ -12736,39 +13342,91 @@
           <a:p>
             <a:r>
               <a:rPr lang="es-US" dirty="0" smtClean="0"/>
-              <a:t>Tipos de usuario</a:t>
+              <a:t>Características:</a:t>
             </a:r>
           </a:p>
           <a:p>
             <a:pPr lvl="1"/>
             <a:r>
               <a:rPr lang="es-US" dirty="0" smtClean="0"/>
-              <a:t>Usuario no registrado u anónimo</a:t>
+              <a:t>Sistema web para el pronostico de olas</a:t>
             </a:r>
           </a:p>
           <a:p>
             <a:pPr lvl="1"/>
             <a:r>
               <a:rPr lang="es-US" dirty="0" smtClean="0"/>
-              <a:t>Usuario registrado</a:t>
+              <a:t>Logra pronosticar olas de todo el mundo</a:t>
             </a:r>
           </a:p>
           <a:p>
             <a:pPr lvl="1"/>
             <a:r>
               <a:rPr lang="es-US" dirty="0" smtClean="0"/>
-              <a:t>Administrador</a:t>
+              <a:t>Utiliza como entrada pronósticos de WAVEWATCH III</a:t>
             </a:r>
           </a:p>
           <a:p>
             <a:pPr lvl="1"/>
-            <a:endParaRPr lang="es-US" dirty="0" smtClean="0"/>
-          </a:p>
-          <a:p>
-            <a:endParaRPr lang="es-ES" dirty="0"/>
+            <a:r>
+              <a:rPr lang="es-US" dirty="0" smtClean="0"/>
+              <a:t>Ofrece un comparador de olas</a:t>
+            </a:r>
+          </a:p>
+          <a:p>
+            <a:pPr lvl="1"/>
+            <a:r>
+              <a:rPr lang="es-US" dirty="0" smtClean="0"/>
+              <a:t>Usuarios registrados pueden persistir sus propias olas</a:t>
+            </a:r>
+          </a:p>
+          <a:p>
+            <a:r>
+              <a:rPr lang="es-US" dirty="0" smtClean="0"/>
+              <a:t>¿Qué lo diferencia de otros pronosticadores existentes?</a:t>
+            </a:r>
+          </a:p>
+          <a:p>
+            <a:r>
+              <a:rPr lang="es-US" dirty="0" smtClean="0"/>
+              <a:t>¿Cómo logra pronosticar Surf-Forecaster?</a:t>
+            </a:r>
           </a:p>
         </p:txBody>
       </p:sp>
+      <p:pic>
+        <p:nvPicPr>
+          <p:cNvPr id="57346" name="Picture 2"/>
+          <p:cNvPicPr>
+            <a:picLocks noChangeAspect="1" noChangeArrowheads="1"/>
+          </p:cNvPicPr>
+          <p:nvPr/>
+        </p:nvPicPr>
+        <p:blipFill>
+          <a:blip r:embed="rId2"/>
+          <a:srcRect/>
+          <a:stretch>
+            <a:fillRect/>
+          </a:stretch>
+        </p:blipFill>
+        <p:spPr bwMode="auto">
+          <a:xfrm>
+            <a:off x="6786578" y="1714488"/>
+            <a:ext cx="2033577" cy="1600192"/>
+          </a:xfrm>
+          <a:prstGeom prst="rect">
+            <a:avLst/>
+          </a:prstGeom>
+          <a:noFill/>
+          <a:ln w="9525">
+            <a:noFill/>
+            <a:miter lim="800000"/>
+            <a:headEnd/>
+            <a:tailEnd/>
+          </a:ln>
+          <a:effectLst/>
+        </p:spPr>
+      </p:pic>
     </p:spTree>
   </p:cSld>
   <p:clrMapOvr>
@@ -12813,14 +13471,12 @@
         </p:nvSpPr>
         <p:spPr/>
         <p:txBody>
-          <a:bodyPr>
-            <a:normAutofit/>
-          </a:bodyPr>
+          <a:bodyPr/>
           <a:lstStyle/>
           <a:p>
             <a:r>
               <a:rPr lang="es-US" dirty="0" smtClean="0"/>
-              <a:t>Surf-Forecaster (3)</a:t>
+              <a:t>Surf-Forecaster(2)</a:t>
             </a:r>
             <a:endParaRPr lang="es-ES" dirty="0"/>
           </a:p>
@@ -12828,7 +13484,7 @@
       </p:sp>
       <p:sp>
         <p:nvSpPr>
-          <p:cNvPr id="5" name="4 Marcador de contenido"/>
+          <p:cNvPr id="3" name="2 Marcador de contenido"/>
           <p:cNvSpPr>
             <a:spLocks noGrp="1"/>
           </p:cNvSpPr>
@@ -12836,24 +13492,27 @@
             <p:ph idx="1"/>
           </p:nvPr>
         </p:nvSpPr>
-        <p:spPr/>
+        <p:spPr>
+          <a:xfrm>
+            <a:off x="457200" y="1935480"/>
+            <a:ext cx="8258204" cy="707702"/>
+          </a:xfrm>
+        </p:spPr>
         <p:txBody>
-          <a:bodyPr>
-            <a:normAutofit/>
-          </a:bodyPr>
+          <a:bodyPr/>
           <a:lstStyle/>
           <a:p>
             <a:r>
-              <a:rPr lang="es-US" sz="2000" dirty="0" smtClean="0"/>
-              <a:t>Página de inicio (Usuario anónimo)</a:t>
-            </a:r>
-            <a:endParaRPr lang="es-ES" sz="2000" dirty="0"/>
+              <a:rPr lang="es-US" dirty="0" smtClean="0"/>
+              <a:t>Arquitectura del sistema</a:t>
+            </a:r>
+            <a:endParaRPr lang="es-ES" dirty="0"/>
           </a:p>
         </p:txBody>
       </p:sp>
       <p:pic>
         <p:nvPicPr>
-          <p:cNvPr id="55299" name="Picture 3"/>
+          <p:cNvPr id="55309" name="Picture 13"/>
           <p:cNvPicPr>
             <a:picLocks noChangeAspect="1" noChangeArrowheads="1"/>
           </p:cNvPicPr>
@@ -12868,8 +13527,8 @@
         </p:blipFill>
         <p:spPr bwMode="auto">
           <a:xfrm>
-            <a:off x="142844" y="2571744"/>
-            <a:ext cx="8850959" cy="3571900"/>
+            <a:off x="700097" y="2500306"/>
+            <a:ext cx="2266950" cy="1524000"/>
           </a:xfrm>
           <a:prstGeom prst="rect">
             <a:avLst/>
@@ -12884,6 +13543,208 @@
           <a:effectLst/>
         </p:spPr>
       </p:pic>
+      <p:pic>
+        <p:nvPicPr>
+          <p:cNvPr id="55310" name="Picture 14"/>
+          <p:cNvPicPr>
+            <a:picLocks noChangeAspect="1" noChangeArrowheads="1"/>
+          </p:cNvPicPr>
+          <p:nvPr/>
+        </p:nvPicPr>
+        <p:blipFill>
+          <a:blip r:embed="rId3"/>
+          <a:srcRect/>
+          <a:stretch>
+            <a:fillRect/>
+          </a:stretch>
+        </p:blipFill>
+        <p:spPr bwMode="auto">
+          <a:xfrm>
+            <a:off x="695098" y="2500306"/>
+            <a:ext cx="2266950" cy="4086225"/>
+          </a:xfrm>
+          <a:prstGeom prst="rect">
+            <a:avLst/>
+          </a:prstGeom>
+          <a:noFill/>
+          <a:ln w="9525">
+            <a:noFill/>
+            <a:miter lim="800000"/>
+            <a:headEnd/>
+            <a:tailEnd/>
+          </a:ln>
+          <a:effectLst/>
+        </p:spPr>
+      </p:pic>
+      <p:pic>
+        <p:nvPicPr>
+          <p:cNvPr id="55311" name="Picture 15"/>
+          <p:cNvPicPr>
+            <a:picLocks noChangeAspect="1" noChangeArrowheads="1"/>
+          </p:cNvPicPr>
+          <p:nvPr/>
+        </p:nvPicPr>
+        <p:blipFill>
+          <a:blip r:embed="rId4"/>
+          <a:srcRect/>
+          <a:stretch>
+            <a:fillRect/>
+          </a:stretch>
+        </p:blipFill>
+        <p:spPr bwMode="auto">
+          <a:xfrm>
+            <a:off x="1914543" y="2500306"/>
+            <a:ext cx="5229225" cy="4086225"/>
+          </a:xfrm>
+          <a:prstGeom prst="rect">
+            <a:avLst/>
+          </a:prstGeom>
+          <a:noFill/>
+          <a:ln w="9525">
+            <a:noFill/>
+            <a:miter lim="800000"/>
+            <a:headEnd/>
+            <a:tailEnd/>
+          </a:ln>
+          <a:effectLst/>
+        </p:spPr>
+      </p:pic>
+      <p:cxnSp>
+        <p:nvCxnSpPr>
+          <p:cNvPr id="27" name="26 Conector recto de flecha"/>
+          <p:cNvCxnSpPr/>
+          <p:nvPr/>
+        </p:nvCxnSpPr>
+        <p:spPr>
+          <a:xfrm>
+            <a:off x="2714612" y="3357562"/>
+            <a:ext cx="857256" cy="214314"/>
+          </a:xfrm>
+          <a:prstGeom prst="straightConnector1">
+            <a:avLst/>
+          </a:prstGeom>
+          <a:ln w="28575">
+            <a:headEnd type="triangle" w="med" len="med"/>
+            <a:tailEnd type="triangle" w="med" len="med"/>
+          </a:ln>
+        </p:spPr>
+        <p:style>
+          <a:lnRef idx="1">
+            <a:schemeClr val="dk1"/>
+          </a:lnRef>
+          <a:fillRef idx="0">
+            <a:schemeClr val="dk1"/>
+          </a:fillRef>
+          <a:effectRef idx="0">
+            <a:schemeClr val="dk1"/>
+          </a:effectRef>
+          <a:fontRef idx="minor">
+            <a:schemeClr val="tx1"/>
+          </a:fontRef>
+        </p:style>
+      </p:cxnSp>
+      <p:cxnSp>
+        <p:nvCxnSpPr>
+          <p:cNvPr id="32" name="31 Conector recto de flecha"/>
+          <p:cNvCxnSpPr/>
+          <p:nvPr/>
+        </p:nvCxnSpPr>
+        <p:spPr>
+          <a:xfrm>
+            <a:off x="2714612" y="4572008"/>
+            <a:ext cx="857256" cy="1588"/>
+          </a:xfrm>
+          <a:prstGeom prst="straightConnector1">
+            <a:avLst/>
+          </a:prstGeom>
+          <a:ln w="28575">
+            <a:headEnd type="triangle" w="med" len="med"/>
+            <a:tailEnd type="triangle" w="med" len="med"/>
+          </a:ln>
+        </p:spPr>
+        <p:style>
+          <a:lnRef idx="1">
+            <a:schemeClr val="dk1"/>
+          </a:lnRef>
+          <a:fillRef idx="0">
+            <a:schemeClr val="dk1"/>
+          </a:fillRef>
+          <a:effectRef idx="0">
+            <a:schemeClr val="dk1"/>
+          </a:effectRef>
+          <a:fontRef idx="minor">
+            <a:schemeClr val="tx1"/>
+          </a:fontRef>
+        </p:style>
+      </p:cxnSp>
+      <p:cxnSp>
+        <p:nvCxnSpPr>
+          <p:cNvPr id="33" name="32 Conector recto de flecha"/>
+          <p:cNvCxnSpPr/>
+          <p:nvPr/>
+        </p:nvCxnSpPr>
+        <p:spPr>
+          <a:xfrm>
+            <a:off x="2714612" y="3357562"/>
+            <a:ext cx="857256" cy="214314"/>
+          </a:xfrm>
+          <a:prstGeom prst="straightConnector1">
+            <a:avLst/>
+          </a:prstGeom>
+          <a:ln w="28575">
+            <a:headEnd type="triangle" w="med" len="med"/>
+            <a:tailEnd type="triangle" w="med" len="med"/>
+          </a:ln>
+        </p:spPr>
+        <p:style>
+          <a:lnRef idx="1">
+            <a:schemeClr val="dk1"/>
+          </a:lnRef>
+          <a:fillRef idx="0">
+            <a:schemeClr val="dk1"/>
+          </a:fillRef>
+          <a:effectRef idx="0">
+            <a:schemeClr val="dk1"/>
+          </a:effectRef>
+          <a:fontRef idx="minor">
+            <a:schemeClr val="tx1"/>
+          </a:fontRef>
+        </p:style>
+      </p:cxnSp>
+      <p:cxnSp>
+        <p:nvCxnSpPr>
+          <p:cNvPr id="34" name="33 Conector recto de flecha"/>
+          <p:cNvCxnSpPr/>
+          <p:nvPr/>
+        </p:nvCxnSpPr>
+        <p:spPr>
+          <a:xfrm flipV="1">
+            <a:off x="2714612" y="5429264"/>
+            <a:ext cx="857256" cy="285752"/>
+          </a:xfrm>
+          <a:prstGeom prst="straightConnector1">
+            <a:avLst/>
+          </a:prstGeom>
+          <a:ln w="28575">
+            <a:headEnd type="triangle" w="med" len="med"/>
+            <a:tailEnd type="triangle" w="med" len="med"/>
+          </a:ln>
+        </p:spPr>
+        <p:style>
+          <a:lnRef idx="1">
+            <a:schemeClr val="dk1"/>
+          </a:lnRef>
+          <a:fillRef idx="0">
+            <a:schemeClr val="dk1"/>
+          </a:fillRef>
+          <a:effectRef idx="0">
+            <a:schemeClr val="dk1"/>
+          </a:effectRef>
+          <a:fontRef idx="minor">
+            <a:schemeClr val="tx1"/>
+          </a:fontRef>
+        </p:style>
+      </p:cxnSp>
     </p:spTree>
   </p:cSld>
   <p:clrMapOvr>
@@ -12892,7 +13753,316 @@
   <p:timing>
     <p:tnLst>
       <p:par>
-        <p:cTn id="1" dur="indefinite" restart="never" nodeType="tmRoot"/>
+        <p:cTn id="1" dur="indefinite" restart="never" nodeType="tmRoot">
+          <p:childTnLst>
+            <p:seq concurrent="1" nextAc="seek">
+              <p:cTn id="2" dur="indefinite" nodeType="mainSeq">
+                <p:childTnLst>
+                  <p:par>
+                    <p:cTn id="3" fill="hold">
+                      <p:stCondLst>
+                        <p:cond delay="indefinite"/>
+                        <p:cond evt="onBegin" delay="0">
+                          <p:tn val="2"/>
+                        </p:cond>
+                      </p:stCondLst>
+                      <p:childTnLst>
+                        <p:par>
+                          <p:cTn id="4" fill="hold">
+                            <p:stCondLst>
+                              <p:cond delay="0"/>
+                            </p:stCondLst>
+                            <p:childTnLst>
+                              <p:par>
+                                <p:cTn id="5" presetID="1" presetClass="entr" presetSubtype="0" fill="hold" nodeType="withEffect">
+                                  <p:stCondLst>
+                                    <p:cond delay="0"/>
+                                  </p:stCondLst>
+                                  <p:childTnLst>
+                                    <p:set>
+                                      <p:cBhvr>
+                                        <p:cTn id="6" dur="1" fill="hold">
+                                          <p:stCondLst>
+                                            <p:cond delay="0"/>
+                                          </p:stCondLst>
+                                        </p:cTn>
+                                        <p:tgtEl>
+                                          <p:spTgt spid="55311"/>
+                                        </p:tgtEl>
+                                        <p:attrNameLst>
+                                          <p:attrName>style.visibility</p:attrName>
+                                        </p:attrNameLst>
+                                      </p:cBhvr>
+                                      <p:to>
+                                        <p:strVal val="visible"/>
+                                      </p:to>
+                                    </p:set>
+                                  </p:childTnLst>
+                                </p:cTn>
+                              </p:par>
+                            </p:childTnLst>
+                          </p:cTn>
+                        </p:par>
+                      </p:childTnLst>
+                    </p:cTn>
+                  </p:par>
+                  <p:par>
+                    <p:cTn id="7" fill="hold">
+                      <p:stCondLst>
+                        <p:cond delay="indefinite"/>
+                      </p:stCondLst>
+                      <p:childTnLst>
+                        <p:par>
+                          <p:cTn id="8" fill="hold">
+                            <p:stCondLst>
+                              <p:cond delay="0"/>
+                            </p:stCondLst>
+                            <p:childTnLst>
+                              <p:par>
+                                <p:cTn id="9" presetID="63" presetClass="path" presetSubtype="0" accel="50000" decel="50000" fill="hold" nodeType="clickEffect">
+                                  <p:stCondLst>
+                                    <p:cond delay="0"/>
+                                  </p:stCondLst>
+                                  <p:childTnLst>
+                                    <p:animMotion origin="layout" path="M 0 -1.1913E-6 L 0.13385 -1.1913E-6 " pathEditMode="relative" rAng="0" ptsTypes="AA">
+                                      <p:cBhvr>
+                                        <p:cTn id="10" dur="500" fill="hold"/>
+                                        <p:tgtEl>
+                                          <p:spTgt spid="55311"/>
+                                        </p:tgtEl>
+                                        <p:attrNameLst>
+                                          <p:attrName>ppt_x</p:attrName>
+                                          <p:attrName>ppt_y</p:attrName>
+                                        </p:attrNameLst>
+                                      </p:cBhvr>
+                                      <p:rCtr x="67" y="0"/>
+                                    </p:animMotion>
+                                  </p:childTnLst>
+                                </p:cTn>
+                              </p:par>
+                            </p:childTnLst>
+                          </p:cTn>
+                        </p:par>
+                        <p:par>
+                          <p:cTn id="11" fill="hold">
+                            <p:stCondLst>
+                              <p:cond delay="500"/>
+                            </p:stCondLst>
+                            <p:childTnLst>
+                              <p:par>
+                                <p:cTn id="12" presetID="1" presetClass="entr" presetSubtype="0" fill="hold" nodeType="afterEffect">
+                                  <p:stCondLst>
+                                    <p:cond delay="0"/>
+                                  </p:stCondLst>
+                                  <p:childTnLst>
+                                    <p:set>
+                                      <p:cBhvr>
+                                        <p:cTn id="13" dur="1" fill="hold">
+                                          <p:stCondLst>
+                                            <p:cond delay="0"/>
+                                          </p:stCondLst>
+                                        </p:cTn>
+                                        <p:tgtEl>
+                                          <p:spTgt spid="27"/>
+                                        </p:tgtEl>
+                                        <p:attrNameLst>
+                                          <p:attrName>style.visibility</p:attrName>
+                                        </p:attrNameLst>
+                                      </p:cBhvr>
+                                      <p:to>
+                                        <p:strVal val="visible"/>
+                                      </p:to>
+                                    </p:set>
+                                  </p:childTnLst>
+                                </p:cTn>
+                              </p:par>
+                            </p:childTnLst>
+                          </p:cTn>
+                        </p:par>
+                        <p:par>
+                          <p:cTn id="14" fill="hold">
+                            <p:stCondLst>
+                              <p:cond delay="500"/>
+                            </p:stCondLst>
+                            <p:childTnLst>
+                              <p:par>
+                                <p:cTn id="15" presetID="1" presetClass="entr" presetSubtype="0" fill="hold" nodeType="afterEffect">
+                                  <p:stCondLst>
+                                    <p:cond delay="0"/>
+                                  </p:stCondLst>
+                                  <p:childTnLst>
+                                    <p:set>
+                                      <p:cBhvr>
+                                        <p:cTn id="16" dur="1" fill="hold">
+                                          <p:stCondLst>
+                                            <p:cond delay="0"/>
+                                          </p:stCondLst>
+                                        </p:cTn>
+                                        <p:tgtEl>
+                                          <p:spTgt spid="55309"/>
+                                        </p:tgtEl>
+                                        <p:attrNameLst>
+                                          <p:attrName>style.visibility</p:attrName>
+                                        </p:attrNameLst>
+                                      </p:cBhvr>
+                                      <p:to>
+                                        <p:strVal val="visible"/>
+                                      </p:to>
+                                    </p:set>
+                                  </p:childTnLst>
+                                </p:cTn>
+                              </p:par>
+                            </p:childTnLst>
+                          </p:cTn>
+                        </p:par>
+                      </p:childTnLst>
+                    </p:cTn>
+                  </p:par>
+                  <p:par>
+                    <p:cTn id="17" fill="hold">
+                      <p:stCondLst>
+                        <p:cond delay="indefinite"/>
+                      </p:stCondLst>
+                      <p:childTnLst>
+                        <p:par>
+                          <p:cTn id="18" fill="hold">
+                            <p:stCondLst>
+                              <p:cond delay="0"/>
+                            </p:stCondLst>
+                            <p:childTnLst>
+                              <p:par>
+                                <p:cTn id="19" presetID="1" presetClass="entr" presetSubtype="0" fill="hold" nodeType="clickEffect">
+                                  <p:stCondLst>
+                                    <p:cond delay="0"/>
+                                  </p:stCondLst>
+                                  <p:childTnLst>
+                                    <p:set>
+                                      <p:cBhvr>
+                                        <p:cTn id="20" dur="1" fill="hold">
+                                          <p:stCondLst>
+                                            <p:cond delay="0"/>
+                                          </p:stCondLst>
+                                        </p:cTn>
+                                        <p:tgtEl>
+                                          <p:spTgt spid="32"/>
+                                        </p:tgtEl>
+                                        <p:attrNameLst>
+                                          <p:attrName>style.visibility</p:attrName>
+                                        </p:attrNameLst>
+                                      </p:cBhvr>
+                                      <p:to>
+                                        <p:strVal val="visible"/>
+                                      </p:to>
+                                    </p:set>
+                                  </p:childTnLst>
+                                </p:cTn>
+                              </p:par>
+                              <p:par>
+                                <p:cTn id="21" presetID="1" presetClass="entr" presetSubtype="0" fill="hold" nodeType="withEffect">
+                                  <p:stCondLst>
+                                    <p:cond delay="0"/>
+                                  </p:stCondLst>
+                                  <p:childTnLst>
+                                    <p:set>
+                                      <p:cBhvr>
+                                        <p:cTn id="22" dur="1" fill="hold">
+                                          <p:stCondLst>
+                                            <p:cond delay="0"/>
+                                          </p:stCondLst>
+                                        </p:cTn>
+                                        <p:tgtEl>
+                                          <p:spTgt spid="33"/>
+                                        </p:tgtEl>
+                                        <p:attrNameLst>
+                                          <p:attrName>style.visibility</p:attrName>
+                                        </p:attrNameLst>
+                                      </p:cBhvr>
+                                      <p:to>
+                                        <p:strVal val="visible"/>
+                                      </p:to>
+                                    </p:set>
+                                  </p:childTnLst>
+                                </p:cTn>
+                              </p:par>
+                              <p:par>
+                                <p:cTn id="23" presetID="1" presetClass="entr" presetSubtype="0" fill="hold" nodeType="withEffect">
+                                  <p:stCondLst>
+                                    <p:cond delay="0"/>
+                                  </p:stCondLst>
+                                  <p:childTnLst>
+                                    <p:set>
+                                      <p:cBhvr>
+                                        <p:cTn id="24" dur="1" fill="hold">
+                                          <p:stCondLst>
+                                            <p:cond delay="0"/>
+                                          </p:stCondLst>
+                                        </p:cTn>
+                                        <p:tgtEl>
+                                          <p:spTgt spid="34"/>
+                                        </p:tgtEl>
+                                        <p:attrNameLst>
+                                          <p:attrName>style.visibility</p:attrName>
+                                        </p:attrNameLst>
+                                      </p:cBhvr>
+                                      <p:to>
+                                        <p:strVal val="visible"/>
+                                      </p:to>
+                                    </p:set>
+                                  </p:childTnLst>
+                                </p:cTn>
+                              </p:par>
+                              <p:par>
+                                <p:cTn id="25" presetID="1" presetClass="entr" presetSubtype="0" fill="hold" nodeType="withEffect">
+                                  <p:stCondLst>
+                                    <p:cond delay="0"/>
+                                  </p:stCondLst>
+                                  <p:childTnLst>
+                                    <p:set>
+                                      <p:cBhvr>
+                                        <p:cTn id="26" dur="1" fill="hold">
+                                          <p:stCondLst>
+                                            <p:cond delay="0"/>
+                                          </p:stCondLst>
+                                        </p:cTn>
+                                        <p:tgtEl>
+                                          <p:spTgt spid="55310"/>
+                                        </p:tgtEl>
+                                        <p:attrNameLst>
+                                          <p:attrName>style.visibility</p:attrName>
+                                        </p:attrNameLst>
+                                      </p:cBhvr>
+                                      <p:to>
+                                        <p:strVal val="visible"/>
+                                      </p:to>
+                                    </p:set>
+                                  </p:childTnLst>
+                                </p:cTn>
+                              </p:par>
+                            </p:childTnLst>
+                          </p:cTn>
+                        </p:par>
+                      </p:childTnLst>
+                    </p:cTn>
+                  </p:par>
+                </p:childTnLst>
+              </p:cTn>
+              <p:prevCondLst>
+                <p:cond evt="onPrev" delay="0">
+                  <p:tgtEl>
+                    <p:sldTgt/>
+                  </p:tgtEl>
+                </p:cond>
+              </p:prevCondLst>
+              <p:nextCondLst>
+                <p:cond evt="onNext" delay="0">
+                  <p:tgtEl>
+                    <p:sldTgt/>
+                  </p:tgtEl>
+                </p:cond>
+              </p:nextCondLst>
+            </p:seq>
+          </p:childTnLst>
+        </p:cTn>
       </p:par>
     </p:tnLst>
   </p:timing>
@@ -12933,7 +14103,11 @@
           <a:p>
             <a:r>
               <a:rPr lang="es-US" dirty="0" smtClean="0"/>
-              <a:t>Surf-Forecaster (4)</a:t>
+              <a:t>Surf-Forecaster </a:t>
+            </a:r>
+            <a:r>
+              <a:rPr lang="es-US" dirty="0" smtClean="0"/>
+              <a:t>(3)</a:t>
             </a:r>
             <a:endParaRPr lang="es-ES" dirty="0"/>
           </a:p>
@@ -12951,22 +14125,47 @@
         </p:nvSpPr>
         <p:spPr/>
         <p:txBody>
-          <a:bodyPr>
-            <a:normAutofit/>
-          </a:bodyPr>
+          <a:bodyPr/>
           <a:lstStyle/>
           <a:p>
             <a:r>
-              <a:rPr lang="es-US" sz="2000" dirty="0" smtClean="0"/>
-              <a:t>Página de inicio (Usuario registrado)</a:t>
-            </a:r>
-            <a:endParaRPr lang="es-ES" sz="2000" dirty="0"/>
+              <a:rPr lang="es-US" dirty="0" smtClean="0"/>
+              <a:t>Tipos de usuario</a:t>
+            </a:r>
+          </a:p>
+          <a:p>
+            <a:pPr lvl="1"/>
+            <a:r>
+              <a:rPr lang="es-US" dirty="0" smtClean="0"/>
+              <a:t>Usuario no registrado u anónimo</a:t>
+            </a:r>
+          </a:p>
+          <a:p>
+            <a:pPr lvl="1"/>
+            <a:r>
+              <a:rPr lang="es-US" dirty="0" smtClean="0"/>
+              <a:t>Usuario registrado</a:t>
+            </a:r>
+          </a:p>
+          <a:p>
+            <a:pPr lvl="1"/>
+            <a:r>
+              <a:rPr lang="es-US" dirty="0" smtClean="0"/>
+              <a:t>Administrador</a:t>
+            </a:r>
+          </a:p>
+          <a:p>
+            <a:pPr lvl="1"/>
+            <a:endParaRPr lang="es-US" dirty="0" smtClean="0"/>
+          </a:p>
+          <a:p>
+            <a:endParaRPr lang="es-ES" dirty="0"/>
           </a:p>
         </p:txBody>
       </p:sp>
       <p:pic>
         <p:nvPicPr>
-          <p:cNvPr id="56322" name="Picture 2"/>
+          <p:cNvPr id="56326" name="Picture 6"/>
           <p:cNvPicPr>
             <a:picLocks noChangeAspect="1" noChangeArrowheads="1"/>
           </p:cNvPicPr>
@@ -12981,8 +14180,8 @@
         </p:blipFill>
         <p:spPr bwMode="auto">
           <a:xfrm>
-            <a:off x="142844" y="2571744"/>
-            <a:ext cx="8839333" cy="2928958"/>
+            <a:off x="6429388" y="4214818"/>
+            <a:ext cx="2428892" cy="2421893"/>
           </a:xfrm>
           <a:prstGeom prst="rect">
             <a:avLst/>
@@ -13041,12 +14240,18 @@
         </p:nvSpPr>
         <p:spPr/>
         <p:txBody>
-          <a:bodyPr/>
+          <a:bodyPr>
+            <a:normAutofit/>
+          </a:bodyPr>
           <a:lstStyle/>
           <a:p>
             <a:r>
               <a:rPr lang="es-US" dirty="0" smtClean="0"/>
-              <a:t>Surf-Forecaster (5)</a:t>
+              <a:t>Surf-Forecaster </a:t>
+            </a:r>
+            <a:r>
+              <a:rPr lang="es-US" dirty="0" smtClean="0"/>
+              <a:t>(4)</a:t>
             </a:r>
             <a:endParaRPr lang="es-ES" dirty="0"/>
           </a:p>
@@ -13054,7 +14259,7 @@
       </p:sp>
       <p:sp>
         <p:nvSpPr>
-          <p:cNvPr id="3" name="2 Marcador de contenido"/>
+          <p:cNvPr id="5" name="4 Marcador de contenido"/>
           <p:cNvSpPr>
             <a:spLocks noGrp="1"/>
           </p:cNvSpPr>
@@ -13064,12 +14269,14 @@
         </p:nvSpPr>
         <p:spPr/>
         <p:txBody>
-          <a:bodyPr/>
+          <a:bodyPr>
+            <a:normAutofit/>
+          </a:bodyPr>
           <a:lstStyle/>
           <a:p>
             <a:r>
               <a:rPr lang="es-US" sz="2000" dirty="0" smtClean="0"/>
-              <a:t>Pronósticos</a:t>
+              <a:t>Página de inicio (Usuario anónimo)</a:t>
             </a:r>
             <a:endParaRPr lang="es-ES" sz="2000" dirty="0"/>
           </a:p>
@@ -13077,7 +14284,7 @@
       </p:sp>
       <p:pic>
         <p:nvPicPr>
-          <p:cNvPr id="57347" name="Picture 3"/>
+          <p:cNvPr id="55299" name="Picture 3"/>
           <p:cNvPicPr>
             <a:picLocks noChangeAspect="1" noChangeArrowheads="1"/>
           </p:cNvPicPr>
@@ -13092,8 +14299,8 @@
         </p:blipFill>
         <p:spPr bwMode="auto">
           <a:xfrm>
-            <a:off x="71406" y="2357430"/>
-            <a:ext cx="9029700" cy="4500570"/>
+            <a:off x="142844" y="2571744"/>
+            <a:ext cx="8850959" cy="3571900"/>
           </a:xfrm>
           <a:prstGeom prst="rect">
             <a:avLst/>
@@ -13329,6 +14536,39 @@
           </a:p>
         </p:txBody>
       </p:sp>
+      <p:pic>
+        <p:nvPicPr>
+          <p:cNvPr id="34817" name="Picture 1"/>
+          <p:cNvPicPr>
+            <a:picLocks noChangeAspect="1" noChangeArrowheads="1"/>
+          </p:cNvPicPr>
+          <p:nvPr/>
+        </p:nvPicPr>
+        <p:blipFill>
+          <a:blip r:embed="rId2"/>
+          <a:srcRect/>
+          <a:stretch>
+            <a:fillRect/>
+          </a:stretch>
+        </p:blipFill>
+        <p:spPr bwMode="auto">
+          <a:xfrm>
+            <a:off x="7810500" y="4772025"/>
+            <a:ext cx="1333500" cy="2085975"/>
+          </a:xfrm>
+          <a:prstGeom prst="rect">
+            <a:avLst/>
+          </a:prstGeom>
+          <a:noFill/>
+          <a:ln w="9525">
+            <a:noFill/>
+            <a:miter lim="800000"/>
+            <a:headEnd/>
+            <a:tailEnd/>
+          </a:ln>
+          <a:effectLst/>
+        </p:spPr>
+      </p:pic>
     </p:spTree>
   </p:cSld>
   <p:clrMapOvr>
@@ -13378,7 +14618,11 @@
           <a:p>
             <a:r>
               <a:rPr lang="es-US" dirty="0" smtClean="0"/>
-              <a:t>Surf-Forecaster (6)</a:t>
+              <a:t>Surf-Forecaster </a:t>
+            </a:r>
+            <a:r>
+              <a:rPr lang="es-US" dirty="0" smtClean="0"/>
+              <a:t>(5)</a:t>
             </a:r>
             <a:endParaRPr lang="es-ES" dirty="0"/>
           </a:p>
@@ -13403,7 +14647,7 @@
           <a:p>
             <a:r>
               <a:rPr lang="es-US" sz="2000" dirty="0" smtClean="0"/>
-              <a:t>Comparador  de olas (1)</a:t>
+              <a:t>Página de inicio (Usuario registrado)</a:t>
             </a:r>
             <a:endParaRPr lang="es-ES" sz="2000" dirty="0"/>
           </a:p>
@@ -13411,7 +14655,7 @@
       </p:sp>
       <p:pic>
         <p:nvPicPr>
-          <p:cNvPr id="58370" name="Picture 2"/>
+          <p:cNvPr id="56322" name="Picture 2"/>
           <p:cNvPicPr>
             <a:picLocks noChangeAspect="1" noChangeArrowheads="1"/>
           </p:cNvPicPr>
@@ -13426,8 +14670,8 @@
         </p:blipFill>
         <p:spPr bwMode="auto">
           <a:xfrm>
-            <a:off x="39507" y="2305605"/>
-            <a:ext cx="9058239" cy="4552396"/>
+            <a:off x="142844" y="2571744"/>
+            <a:ext cx="8839333" cy="2928958"/>
           </a:xfrm>
           <a:prstGeom prst="rect">
             <a:avLst/>
@@ -13484,21 +14728,18 @@
             <p:ph type="title"/>
           </p:nvPr>
         </p:nvSpPr>
-        <p:spPr>
-          <a:xfrm>
-            <a:off x="457200" y="704088"/>
-            <a:ext cx="8229600" cy="653210"/>
-          </a:xfrm>
-        </p:spPr>
+        <p:spPr/>
         <p:txBody>
-          <a:bodyPr>
-            <a:normAutofit fontScale="90000"/>
-          </a:bodyPr>
+          <a:bodyPr/>
           <a:lstStyle/>
           <a:p>
             <a:r>
               <a:rPr lang="es-US" dirty="0" smtClean="0"/>
-              <a:t>Surf-Forecaster (7)</a:t>
+              <a:t>Surf-Forecaster </a:t>
+            </a:r>
+            <a:r>
+              <a:rPr lang="es-US" dirty="0" smtClean="0"/>
+              <a:t>(6)</a:t>
             </a:r>
             <a:endParaRPr lang="es-ES" dirty="0"/>
           </a:p>
@@ -13514,21 +14755,14 @@
             <p:ph idx="1"/>
           </p:nvPr>
         </p:nvSpPr>
-        <p:spPr>
-          <a:xfrm>
-            <a:off x="428596" y="1428736"/>
-            <a:ext cx="8229600" cy="4389120"/>
-          </a:xfrm>
-        </p:spPr>
+        <p:spPr/>
         <p:txBody>
-          <a:bodyPr>
-            <a:normAutofit/>
-          </a:bodyPr>
+          <a:bodyPr/>
           <a:lstStyle/>
           <a:p>
             <a:r>
               <a:rPr lang="es-US" sz="2000" dirty="0" smtClean="0"/>
-              <a:t>Comparador  de olas (2)</a:t>
+              <a:t>Pronósticos</a:t>
             </a:r>
             <a:endParaRPr lang="es-ES" sz="2000" dirty="0"/>
           </a:p>
@@ -13536,7 +14770,7 @@
       </p:sp>
       <p:pic>
         <p:nvPicPr>
-          <p:cNvPr id="59395" name="Picture 3"/>
+          <p:cNvPr id="57347" name="Picture 3"/>
           <p:cNvPicPr>
             <a:picLocks noChangeAspect="1" noChangeArrowheads="1"/>
           </p:cNvPicPr>
@@ -13551,8 +14785,8 @@
         </p:blipFill>
         <p:spPr bwMode="auto">
           <a:xfrm>
-            <a:off x="1" y="1799173"/>
-            <a:ext cx="9144000" cy="5058827"/>
+            <a:off x="71406" y="2357430"/>
+            <a:ext cx="9029700" cy="4500570"/>
           </a:xfrm>
           <a:prstGeom prst="rect">
             <a:avLst/>
@@ -13609,21 +14843,18 @@
             <p:ph type="title"/>
           </p:nvPr>
         </p:nvSpPr>
-        <p:spPr>
-          <a:xfrm>
-            <a:off x="457200" y="704088"/>
-            <a:ext cx="8229600" cy="653210"/>
-          </a:xfrm>
-        </p:spPr>
+        <p:spPr/>
         <p:txBody>
-          <a:bodyPr>
-            <a:normAutofit fontScale="90000"/>
-          </a:bodyPr>
+          <a:bodyPr/>
           <a:lstStyle/>
           <a:p>
             <a:r>
               <a:rPr lang="es-US" dirty="0" smtClean="0"/>
-              <a:t>Surf-Forecaster (8)</a:t>
+              <a:t>Surf-Forecaster </a:t>
+            </a:r>
+            <a:r>
+              <a:rPr lang="es-US" dirty="0" smtClean="0"/>
+              <a:t>(7)</a:t>
             </a:r>
             <a:endParaRPr lang="es-ES" dirty="0"/>
           </a:p>
@@ -13639,12 +14870,7 @@
             <p:ph idx="1"/>
           </p:nvPr>
         </p:nvSpPr>
-        <p:spPr>
-          <a:xfrm>
-            <a:off x="428596" y="1428736"/>
-            <a:ext cx="8229600" cy="4389120"/>
-          </a:xfrm>
-        </p:spPr>
+        <p:spPr/>
         <p:txBody>
           <a:bodyPr>
             <a:normAutofit/>
@@ -13653,7 +14879,7 @@
           <a:p>
             <a:r>
               <a:rPr lang="es-US" sz="2000" dirty="0" smtClean="0"/>
-              <a:t>Comparador de olas (3)</a:t>
+              <a:t>Comparador  de olas (1)</a:t>
             </a:r>
             <a:endParaRPr lang="es-ES" sz="2000" dirty="0"/>
           </a:p>
@@ -13661,7 +14887,7 @@
       </p:sp>
       <p:pic>
         <p:nvPicPr>
-          <p:cNvPr id="60418" name="Picture 2"/>
+          <p:cNvPr id="58370" name="Picture 2"/>
           <p:cNvPicPr>
             <a:picLocks noChangeAspect="1" noChangeArrowheads="1"/>
           </p:cNvPicPr>
@@ -13676,8 +14902,8 @@
         </p:blipFill>
         <p:spPr bwMode="auto">
           <a:xfrm>
-            <a:off x="0" y="1813785"/>
-            <a:ext cx="9144000" cy="5044216"/>
+            <a:off x="39507" y="2305605"/>
+            <a:ext cx="9058239" cy="4552396"/>
           </a:xfrm>
           <a:prstGeom prst="rect">
             <a:avLst/>
@@ -13748,7 +14974,11 @@
           <a:p>
             <a:r>
               <a:rPr lang="es-US" dirty="0" smtClean="0"/>
-              <a:t>Surf-Forecaster (9)</a:t>
+              <a:t>Surf-Forecaster </a:t>
+            </a:r>
+            <a:r>
+              <a:rPr lang="es-US" dirty="0" smtClean="0"/>
+              <a:t>(8)</a:t>
             </a:r>
             <a:endParaRPr lang="es-ES" dirty="0"/>
           </a:p>
@@ -13778,7 +15008,7 @@
           <a:p>
             <a:r>
               <a:rPr lang="es-US" sz="2000" dirty="0" smtClean="0"/>
-              <a:t>Nueva ola (solo usuarios registrados) (1)</a:t>
+              <a:t>Comparador  de olas (2)</a:t>
             </a:r>
             <a:endParaRPr lang="es-ES" sz="2000" dirty="0"/>
           </a:p>
@@ -13786,7 +15016,7 @@
       </p:sp>
       <p:pic>
         <p:nvPicPr>
-          <p:cNvPr id="61442" name="Picture 2"/>
+          <p:cNvPr id="59395" name="Picture 3"/>
           <p:cNvPicPr>
             <a:picLocks noChangeAspect="1" noChangeArrowheads="1"/>
           </p:cNvPicPr>
@@ -13801,8 +15031,8 @@
         </p:blipFill>
         <p:spPr bwMode="auto">
           <a:xfrm>
-            <a:off x="0" y="1764827"/>
-            <a:ext cx="9144000" cy="5093173"/>
+            <a:off x="1" y="1799173"/>
+            <a:ext cx="9144000" cy="5058827"/>
           </a:xfrm>
           <a:prstGeom prst="rect">
             <a:avLst/>
@@ -13873,7 +15103,269 @@
           <a:p>
             <a:r>
               <a:rPr lang="es-US" dirty="0" smtClean="0"/>
-              <a:t>Surf-Forecaster (10)</a:t>
+              <a:t>Surf-Forecaster </a:t>
+            </a:r>
+            <a:r>
+              <a:rPr lang="es-US" dirty="0" smtClean="0"/>
+              <a:t>(9)</a:t>
+            </a:r>
+            <a:endParaRPr lang="es-ES" dirty="0"/>
+          </a:p>
+        </p:txBody>
+      </p:sp>
+      <p:sp>
+        <p:nvSpPr>
+          <p:cNvPr id="3" name="2 Marcador de contenido"/>
+          <p:cNvSpPr>
+            <a:spLocks noGrp="1"/>
+          </p:cNvSpPr>
+          <p:nvPr>
+            <p:ph idx="1"/>
+          </p:nvPr>
+        </p:nvSpPr>
+        <p:spPr>
+          <a:xfrm>
+            <a:off x="428596" y="1428736"/>
+            <a:ext cx="8229600" cy="4389120"/>
+          </a:xfrm>
+        </p:spPr>
+        <p:txBody>
+          <a:bodyPr>
+            <a:normAutofit/>
+          </a:bodyPr>
+          <a:lstStyle/>
+          <a:p>
+            <a:r>
+              <a:rPr lang="es-US" sz="2000" dirty="0" smtClean="0"/>
+              <a:t>Comparador de olas (3)</a:t>
+            </a:r>
+            <a:endParaRPr lang="es-ES" sz="2000" dirty="0"/>
+          </a:p>
+        </p:txBody>
+      </p:sp>
+      <p:pic>
+        <p:nvPicPr>
+          <p:cNvPr id="60418" name="Picture 2"/>
+          <p:cNvPicPr>
+            <a:picLocks noChangeAspect="1" noChangeArrowheads="1"/>
+          </p:cNvPicPr>
+          <p:nvPr/>
+        </p:nvPicPr>
+        <p:blipFill>
+          <a:blip r:embed="rId2"/>
+          <a:srcRect/>
+          <a:stretch>
+            <a:fillRect/>
+          </a:stretch>
+        </p:blipFill>
+        <p:spPr bwMode="auto">
+          <a:xfrm>
+            <a:off x="0" y="1813785"/>
+            <a:ext cx="9144000" cy="5044216"/>
+          </a:xfrm>
+          <a:prstGeom prst="rect">
+            <a:avLst/>
+          </a:prstGeom>
+          <a:noFill/>
+          <a:ln w="9525">
+            <a:noFill/>
+            <a:miter lim="800000"/>
+            <a:headEnd/>
+            <a:tailEnd/>
+          </a:ln>
+          <a:effectLst/>
+        </p:spPr>
+      </p:pic>
+    </p:spTree>
+  </p:cSld>
+  <p:clrMapOvr>
+    <a:masterClrMapping/>
+  </p:clrMapOvr>
+  <p:timing>
+    <p:tnLst>
+      <p:par>
+        <p:cTn id="1" dur="indefinite" restart="never" nodeType="tmRoot"/>
+      </p:par>
+    </p:tnLst>
+  </p:timing>
+</p:sld>
+</file>
+
+<file path=ppt/slides/slide25.xml><?xml version="1.0" encoding="utf-8"?>
+<p:sld xmlns:a="http://schemas.openxmlformats.org/drawingml/2006/main" xmlns:r="http://schemas.openxmlformats.org/officeDocument/2006/relationships" xmlns:p="http://schemas.openxmlformats.org/presentationml/2006/main">
+  <p:cSld>
+    <p:spTree>
+      <p:nvGrpSpPr>
+        <p:cNvPr id="1" name=""/>
+        <p:cNvGrpSpPr/>
+        <p:nvPr/>
+      </p:nvGrpSpPr>
+      <p:grpSpPr>
+        <a:xfrm>
+          <a:off x="0" y="0"/>
+          <a:ext cx="0" cy="0"/>
+          <a:chOff x="0" y="0"/>
+          <a:chExt cx="0" cy="0"/>
+        </a:xfrm>
+      </p:grpSpPr>
+      <p:sp>
+        <p:nvSpPr>
+          <p:cNvPr id="2" name="1 Título"/>
+          <p:cNvSpPr>
+            <a:spLocks noGrp="1"/>
+          </p:cNvSpPr>
+          <p:nvPr>
+            <p:ph type="title"/>
+          </p:nvPr>
+        </p:nvSpPr>
+        <p:spPr>
+          <a:xfrm>
+            <a:off x="457200" y="704088"/>
+            <a:ext cx="8229600" cy="653210"/>
+          </a:xfrm>
+        </p:spPr>
+        <p:txBody>
+          <a:bodyPr>
+            <a:normAutofit fontScale="90000"/>
+          </a:bodyPr>
+          <a:lstStyle/>
+          <a:p>
+            <a:r>
+              <a:rPr lang="es-US" dirty="0" smtClean="0"/>
+              <a:t>Surf-Forecaster </a:t>
+            </a:r>
+            <a:r>
+              <a:rPr lang="es-US" dirty="0" smtClean="0"/>
+              <a:t>(10)</a:t>
+            </a:r>
+            <a:endParaRPr lang="es-ES" dirty="0"/>
+          </a:p>
+        </p:txBody>
+      </p:sp>
+      <p:sp>
+        <p:nvSpPr>
+          <p:cNvPr id="3" name="2 Marcador de contenido"/>
+          <p:cNvSpPr>
+            <a:spLocks noGrp="1"/>
+          </p:cNvSpPr>
+          <p:nvPr>
+            <p:ph idx="1"/>
+          </p:nvPr>
+        </p:nvSpPr>
+        <p:spPr>
+          <a:xfrm>
+            <a:off x="428596" y="1428736"/>
+            <a:ext cx="8229600" cy="4389120"/>
+          </a:xfrm>
+        </p:spPr>
+        <p:txBody>
+          <a:bodyPr>
+            <a:normAutofit/>
+          </a:bodyPr>
+          <a:lstStyle/>
+          <a:p>
+            <a:r>
+              <a:rPr lang="es-US" sz="2000" dirty="0" smtClean="0"/>
+              <a:t>Nueva ola (solo usuarios registrados) (1)</a:t>
+            </a:r>
+            <a:endParaRPr lang="es-ES" sz="2000" dirty="0"/>
+          </a:p>
+        </p:txBody>
+      </p:sp>
+      <p:pic>
+        <p:nvPicPr>
+          <p:cNvPr id="61442" name="Picture 2"/>
+          <p:cNvPicPr>
+            <a:picLocks noChangeAspect="1" noChangeArrowheads="1"/>
+          </p:cNvPicPr>
+          <p:nvPr/>
+        </p:nvPicPr>
+        <p:blipFill>
+          <a:blip r:embed="rId2"/>
+          <a:srcRect/>
+          <a:stretch>
+            <a:fillRect/>
+          </a:stretch>
+        </p:blipFill>
+        <p:spPr bwMode="auto">
+          <a:xfrm>
+            <a:off x="0" y="1764827"/>
+            <a:ext cx="9144000" cy="5093173"/>
+          </a:xfrm>
+          <a:prstGeom prst="rect">
+            <a:avLst/>
+          </a:prstGeom>
+          <a:noFill/>
+          <a:ln w="9525">
+            <a:noFill/>
+            <a:miter lim="800000"/>
+            <a:headEnd/>
+            <a:tailEnd/>
+          </a:ln>
+          <a:effectLst/>
+        </p:spPr>
+      </p:pic>
+    </p:spTree>
+  </p:cSld>
+  <p:clrMapOvr>
+    <a:masterClrMapping/>
+  </p:clrMapOvr>
+  <p:timing>
+    <p:tnLst>
+      <p:par>
+        <p:cTn id="1" dur="indefinite" restart="never" nodeType="tmRoot"/>
+      </p:par>
+    </p:tnLst>
+  </p:timing>
+</p:sld>
+</file>
+
+<file path=ppt/slides/slide26.xml><?xml version="1.0" encoding="utf-8"?>
+<p:sld xmlns:a="http://schemas.openxmlformats.org/drawingml/2006/main" xmlns:r="http://schemas.openxmlformats.org/officeDocument/2006/relationships" xmlns:p="http://schemas.openxmlformats.org/presentationml/2006/main">
+  <p:cSld>
+    <p:spTree>
+      <p:nvGrpSpPr>
+        <p:cNvPr id="1" name=""/>
+        <p:cNvGrpSpPr/>
+        <p:nvPr/>
+      </p:nvGrpSpPr>
+      <p:grpSpPr>
+        <a:xfrm>
+          <a:off x="0" y="0"/>
+          <a:ext cx="0" cy="0"/>
+          <a:chOff x="0" y="0"/>
+          <a:chExt cx="0" cy="0"/>
+        </a:xfrm>
+      </p:grpSpPr>
+      <p:sp>
+        <p:nvSpPr>
+          <p:cNvPr id="2" name="1 Título"/>
+          <p:cNvSpPr>
+            <a:spLocks noGrp="1"/>
+          </p:cNvSpPr>
+          <p:nvPr>
+            <p:ph type="title"/>
+          </p:nvPr>
+        </p:nvSpPr>
+        <p:spPr>
+          <a:xfrm>
+            <a:off x="457200" y="704088"/>
+            <a:ext cx="8229600" cy="653210"/>
+          </a:xfrm>
+        </p:spPr>
+        <p:txBody>
+          <a:bodyPr>
+            <a:normAutofit fontScale="90000"/>
+          </a:bodyPr>
+          <a:lstStyle/>
+          <a:p>
+            <a:r>
+              <a:rPr lang="es-US" dirty="0" smtClean="0"/>
+              <a:t>Surf-Forecaster </a:t>
+            </a:r>
+            <a:r>
+              <a:rPr lang="es-US" dirty="0" smtClean="0"/>
+              <a:t>(11)</a:t>
             </a:r>
             <a:endParaRPr lang="es-ES" dirty="0"/>
           </a:p>
@@ -14113,7 +15605,7 @@
 </p:sld>
 </file>
 
-<file path=ppt/slides/slide25.xml><?xml version="1.0" encoding="utf-8"?>
+<file path=ppt/slides/slide27.xml><?xml version="1.0" encoding="utf-8"?>
 <p:sld xmlns:a="http://schemas.openxmlformats.org/drawingml/2006/main" xmlns:r="http://schemas.openxmlformats.org/officeDocument/2006/relationships" xmlns:p="http://schemas.openxmlformats.org/presentationml/2006/main">
   <p:cSld>
     <p:spTree>
@@ -14154,7 +15646,11 @@
           <a:p>
             <a:r>
               <a:rPr lang="es-US" dirty="0" smtClean="0"/>
-              <a:t>Surf-Forecaster (11)</a:t>
+              <a:t>Surf-Forecaster </a:t>
+            </a:r>
+            <a:r>
+              <a:rPr lang="es-US" dirty="0" smtClean="0"/>
+              <a:t>(12)</a:t>
             </a:r>
             <a:endParaRPr lang="es-ES" dirty="0"/>
           </a:p>
@@ -14525,362 +16021,6 @@
 </p:sld>
 </file>
 
-<file path=ppt/slides/slide26.xml><?xml version="1.0" encoding="utf-8"?>
-<p:sld xmlns:a="http://schemas.openxmlformats.org/drawingml/2006/main" xmlns:r="http://schemas.openxmlformats.org/officeDocument/2006/relationships" xmlns:p="http://schemas.openxmlformats.org/presentationml/2006/main">
-  <p:cSld>
-    <p:spTree>
-      <p:nvGrpSpPr>
-        <p:cNvPr id="1" name=""/>
-        <p:cNvGrpSpPr/>
-        <p:nvPr/>
-      </p:nvGrpSpPr>
-      <p:grpSpPr>
-        <a:xfrm>
-          <a:off x="0" y="0"/>
-          <a:ext cx="0" cy="0"/>
-          <a:chOff x="0" y="0"/>
-          <a:chExt cx="0" cy="0"/>
-        </a:xfrm>
-      </p:grpSpPr>
-      <p:sp>
-        <p:nvSpPr>
-          <p:cNvPr id="2" name="1 Título"/>
-          <p:cNvSpPr>
-            <a:spLocks noGrp="1"/>
-          </p:cNvSpPr>
-          <p:nvPr>
-            <p:ph type="title"/>
-          </p:nvPr>
-        </p:nvSpPr>
-        <p:spPr/>
-        <p:txBody>
-          <a:bodyPr/>
-          <a:lstStyle/>
-          <a:p>
-            <a:r>
-              <a:rPr lang="es-US" dirty="0" smtClean="0"/>
-              <a:t>Agenda</a:t>
-            </a:r>
-            <a:endParaRPr lang="es-ES" dirty="0"/>
-          </a:p>
-        </p:txBody>
-      </p:sp>
-      <p:sp>
-        <p:nvSpPr>
-          <p:cNvPr id="3" name="2 Marcador de contenido"/>
-          <p:cNvSpPr>
-            <a:spLocks noGrp="1"/>
-          </p:cNvSpPr>
-          <p:nvPr>
-            <p:ph idx="1"/>
-          </p:nvPr>
-        </p:nvSpPr>
-        <p:spPr/>
-        <p:txBody>
-          <a:bodyPr/>
-          <a:lstStyle/>
-          <a:p>
-            <a:r>
-              <a:rPr lang="en-US" dirty="0" err="1" smtClean="0"/>
-              <a:t>Motivación</a:t>
-            </a:r>
-            <a:r>
-              <a:rPr lang="en-US" dirty="0" smtClean="0"/>
-              <a:t> (</a:t>
-            </a:r>
-            <a:r>
-              <a:rPr lang="en-US" dirty="0" err="1" smtClean="0"/>
-              <a:t>Contexto</a:t>
-            </a:r>
-            <a:r>
-              <a:rPr lang="en-US" dirty="0" smtClean="0"/>
-              <a:t> y </a:t>
-            </a:r>
-            <a:r>
-              <a:rPr lang="en-US" dirty="0" err="1" smtClean="0"/>
-              <a:t>Desventajas</a:t>
-            </a:r>
-            <a:r>
-              <a:rPr lang="en-US" dirty="0" smtClean="0"/>
-              <a:t> de lo </a:t>
-            </a:r>
-            <a:r>
-              <a:rPr lang="en-US" dirty="0" err="1" smtClean="0"/>
-              <a:t>que</a:t>
-            </a:r>
-            <a:r>
-              <a:rPr lang="en-US" dirty="0" smtClean="0"/>
-              <a:t> </a:t>
-            </a:r>
-            <a:r>
-              <a:rPr lang="en-US" dirty="0" err="1" smtClean="0"/>
-              <a:t>existe</a:t>
-            </a:r>
-            <a:r>
-              <a:rPr lang="en-US" dirty="0" smtClean="0"/>
-              <a:t>)</a:t>
-            </a:r>
-          </a:p>
-          <a:p>
-            <a:r>
-              <a:rPr lang="en-US" dirty="0" err="1" smtClean="0"/>
-              <a:t>Propuesta</a:t>
-            </a:r>
-            <a:r>
-              <a:rPr lang="en-US" dirty="0" smtClean="0"/>
-              <a:t> (Lo </a:t>
-            </a:r>
-            <a:r>
-              <a:rPr lang="en-US" dirty="0" err="1" smtClean="0"/>
-              <a:t>que</a:t>
-            </a:r>
-            <a:r>
-              <a:rPr lang="en-US" dirty="0" smtClean="0"/>
-              <a:t> </a:t>
-            </a:r>
-            <a:r>
-              <a:rPr lang="en-US" dirty="0" err="1" smtClean="0"/>
-              <a:t>queremos</a:t>
-            </a:r>
-            <a:r>
-              <a:rPr lang="en-US" dirty="0" smtClean="0"/>
-              <a:t> </a:t>
-            </a:r>
-            <a:r>
-              <a:rPr lang="en-US" dirty="0" err="1" smtClean="0"/>
-              <a:t>hacer</a:t>
-            </a:r>
-            <a:r>
-              <a:rPr lang="en-US" dirty="0" smtClean="0"/>
-              <a:t>)</a:t>
-            </a:r>
-          </a:p>
-          <a:p>
-            <a:r>
-              <a:rPr lang="en-US" dirty="0" err="1" smtClean="0"/>
-              <a:t>Trabajos</a:t>
-            </a:r>
-            <a:r>
-              <a:rPr lang="en-US" dirty="0" smtClean="0"/>
-              <a:t> </a:t>
-            </a:r>
-            <a:r>
-              <a:rPr lang="en-US" dirty="0" err="1" smtClean="0"/>
-              <a:t>Relacionados</a:t>
-            </a:r>
-            <a:endParaRPr lang="en-US" dirty="0" smtClean="0"/>
-          </a:p>
-          <a:p>
-            <a:r>
-              <a:rPr lang="en-US" dirty="0" err="1" smtClean="0"/>
-              <a:t>Métodos</a:t>
-            </a:r>
-            <a:r>
-              <a:rPr lang="en-US" dirty="0" smtClean="0"/>
-              <a:t> de </a:t>
-            </a:r>
-            <a:r>
-              <a:rPr lang="en-US" dirty="0" err="1" smtClean="0"/>
-              <a:t>aprendizaje</a:t>
-            </a:r>
-            <a:r>
-              <a:rPr lang="en-US" dirty="0" smtClean="0"/>
-              <a:t> de </a:t>
-            </a:r>
-            <a:r>
-              <a:rPr lang="en-US" dirty="0" err="1" smtClean="0"/>
-              <a:t>máquina</a:t>
-            </a:r>
-            <a:endParaRPr lang="en-US" dirty="0" smtClean="0"/>
-          </a:p>
-          <a:p>
-            <a:r>
-              <a:rPr lang="en-US" dirty="0" err="1" smtClean="0"/>
-              <a:t>WaveWatch</a:t>
-            </a:r>
-            <a:r>
-              <a:rPr lang="en-US" dirty="0" smtClean="0"/>
-              <a:t> III</a:t>
-            </a:r>
-          </a:p>
-          <a:p>
-            <a:r>
-              <a:rPr lang="en-US" dirty="0" err="1" smtClean="0"/>
-              <a:t>Experimentacion</a:t>
-            </a:r>
-            <a:endParaRPr lang="en-US" dirty="0" smtClean="0"/>
-          </a:p>
-          <a:p>
-            <a:r>
-              <a:rPr lang="en-US" dirty="0" smtClean="0"/>
-              <a:t>Surf-Forecaster</a:t>
-            </a:r>
-          </a:p>
-          <a:p>
-            <a:r>
-              <a:rPr lang="en-US" dirty="0" err="1" smtClean="0">
-                <a:solidFill>
-                  <a:schemeClr val="bg2">
-                    <a:lumMod val="25000"/>
-                  </a:schemeClr>
-                </a:solidFill>
-              </a:rPr>
-              <a:t>Conclusiones</a:t>
-            </a:r>
-            <a:endParaRPr lang="en-US" dirty="0" smtClean="0">
-              <a:solidFill>
-                <a:schemeClr val="bg2">
-                  <a:lumMod val="25000"/>
-                </a:schemeClr>
-              </a:solidFill>
-            </a:endParaRPr>
-          </a:p>
-          <a:p>
-            <a:pPr>
-              <a:buNone/>
-            </a:pPr>
-            <a:endParaRPr lang="es-ES" dirty="0"/>
-          </a:p>
-        </p:txBody>
-      </p:sp>
-    </p:spTree>
-  </p:cSld>
-  <p:clrMapOvr>
-    <a:masterClrMapping/>
-  </p:clrMapOvr>
-  <p:timing>
-    <p:tnLst>
-      <p:par>
-        <p:cTn id="1" dur="indefinite" restart="never" nodeType="tmRoot"/>
-      </p:par>
-    </p:tnLst>
-  </p:timing>
-</p:sld>
-</file>
-
-<file path=ppt/slides/slide27.xml><?xml version="1.0" encoding="utf-8"?>
-<p:sld xmlns:a="http://schemas.openxmlformats.org/drawingml/2006/main" xmlns:r="http://schemas.openxmlformats.org/officeDocument/2006/relationships" xmlns:p="http://schemas.openxmlformats.org/presentationml/2006/main">
-  <p:cSld>
-    <p:spTree>
-      <p:nvGrpSpPr>
-        <p:cNvPr id="1" name=""/>
-        <p:cNvGrpSpPr/>
-        <p:nvPr/>
-      </p:nvGrpSpPr>
-      <p:grpSpPr>
-        <a:xfrm>
-          <a:off x="0" y="0"/>
-          <a:ext cx="0" cy="0"/>
-          <a:chOff x="0" y="0"/>
-          <a:chExt cx="0" cy="0"/>
-        </a:xfrm>
-      </p:grpSpPr>
-      <p:sp>
-        <p:nvSpPr>
-          <p:cNvPr id="2" name="1 Título"/>
-          <p:cNvSpPr>
-            <a:spLocks noGrp="1"/>
-          </p:cNvSpPr>
-          <p:nvPr>
-            <p:ph type="title"/>
-          </p:nvPr>
-        </p:nvSpPr>
-        <p:spPr/>
-        <p:txBody>
-          <a:bodyPr/>
-          <a:lstStyle/>
-          <a:p>
-            <a:r>
-              <a:rPr lang="es-US" dirty="0" smtClean="0"/>
-              <a:t>Conclusiones (1)</a:t>
-            </a:r>
-            <a:endParaRPr lang="es-ES" dirty="0"/>
-          </a:p>
-        </p:txBody>
-      </p:sp>
-      <p:sp>
-        <p:nvSpPr>
-          <p:cNvPr id="3" name="2 Marcador de contenido"/>
-          <p:cNvSpPr>
-            <a:spLocks noGrp="1"/>
-          </p:cNvSpPr>
-          <p:nvPr>
-            <p:ph idx="1"/>
-          </p:nvPr>
-        </p:nvSpPr>
-        <p:spPr/>
-        <p:txBody>
-          <a:bodyPr/>
-          <a:lstStyle/>
-          <a:p>
-            <a:r>
-              <a:rPr lang="es-US" dirty="0" smtClean="0"/>
-              <a:t>Ventajas del enfoque</a:t>
-            </a:r>
-          </a:p>
-          <a:p>
-            <a:pPr lvl="1"/>
-            <a:r>
-              <a:rPr lang="es-US" dirty="0" smtClean="0"/>
-              <a:t>Utiliza datos sencillos de conseguir.</a:t>
-            </a:r>
-          </a:p>
-          <a:p>
-            <a:pPr lvl="1"/>
-            <a:r>
-              <a:rPr lang="es-US" dirty="0" smtClean="0"/>
-              <a:t>No requiere conocimiento experto.</a:t>
-            </a:r>
-          </a:p>
-          <a:p>
-            <a:pPr lvl="1"/>
-            <a:r>
-              <a:rPr lang="es-US" dirty="0" smtClean="0"/>
-              <a:t>No requiere configuración adicional dependiente del lugar.</a:t>
-            </a:r>
-          </a:p>
-          <a:p>
-            <a:pPr lvl="1"/>
-            <a:r>
-              <a:rPr lang="es-US" dirty="0" smtClean="0"/>
-              <a:t>Predicción a nivel de ola.</a:t>
-            </a:r>
-          </a:p>
-          <a:p>
-            <a:pPr lvl="1"/>
-            <a:r>
-              <a:rPr lang="es-US" dirty="0" smtClean="0"/>
-              <a:t>Elimina la necesidad de recorrer largas distancias buscando mejores olas.</a:t>
-            </a:r>
-          </a:p>
-          <a:p>
-            <a:pPr lvl="1"/>
-            <a:r>
-              <a:rPr lang="es-US" dirty="0" smtClean="0"/>
-              <a:t>Pronostica olas en cualquier lugar del mundo.</a:t>
-            </a:r>
-          </a:p>
-          <a:p>
-            <a:pPr lvl="1"/>
-            <a:r>
-              <a:rPr lang="es-US" dirty="0" smtClean="0"/>
-              <a:t>Ofrece una herramienta para comparar olas.</a:t>
-            </a:r>
-          </a:p>
-          <a:p>
-            <a:pPr lvl="1"/>
-            <a:endParaRPr lang="es-ES" dirty="0"/>
-          </a:p>
-        </p:txBody>
-      </p:sp>
-    </p:spTree>
-  </p:cSld>
-  <p:clrMapOvr>
-    <a:masterClrMapping/>
-  </p:clrMapOvr>
-</p:sld>
-</file>
-
 <file path=ppt/slides/slide28.xml><?xml version="1.0" encoding="utf-8"?>
 <p:sld xmlns:a="http://schemas.openxmlformats.org/drawingml/2006/main" xmlns:r="http://schemas.openxmlformats.org/officeDocument/2006/relationships" xmlns:p="http://schemas.openxmlformats.org/presentationml/2006/main">
   <p:cSld>
@@ -14915,7 +16055,7 @@
           <a:p>
             <a:r>
               <a:rPr lang="es-US" dirty="0" smtClean="0"/>
-              <a:t>Conclusiones (2)</a:t>
+              <a:t>Agenda</a:t>
             </a:r>
             <a:endParaRPr lang="es-ES" dirty="0"/>
           </a:p>
@@ -14937,46 +16077,213 @@
           <a:lstStyle/>
           <a:p>
             <a:r>
-              <a:rPr lang="es-US" dirty="0" smtClean="0"/>
-              <a:t>Limitaciones</a:t>
-            </a:r>
-          </a:p>
-          <a:p>
-            <a:pPr lvl="1"/>
-            <a:r>
-              <a:rPr lang="es-US" dirty="0" smtClean="0"/>
-              <a:t>Solo predice la altura de la ola deseada.</a:t>
-            </a:r>
-          </a:p>
-          <a:p>
-            <a:pPr lvl="1"/>
-            <a:r>
-              <a:rPr lang="es-US" dirty="0" smtClean="0"/>
-              <a:t>Historia de al menos 60 observaciones visuales.</a:t>
-            </a:r>
-          </a:p>
-          <a:p>
-            <a:pPr lvl="1"/>
-            <a:r>
-              <a:rPr lang="es-US" dirty="0" smtClean="0"/>
-              <a:t>En algunos casos depende de la geografía o arquitectura de la zona.</a:t>
-            </a:r>
-          </a:p>
-          <a:p>
-            <a:pPr lvl="1"/>
-            <a:r>
-              <a:rPr lang="es-US" dirty="0" smtClean="0"/>
-              <a:t>Hardware con grandes capacidades de almacenamiento.</a:t>
-            </a:r>
+              <a:rPr lang="en-US" dirty="0" err="1" smtClean="0"/>
+              <a:t>Motivación</a:t>
+            </a:r>
+            <a:r>
+              <a:rPr lang="en-US" dirty="0" smtClean="0"/>
+              <a:t> (</a:t>
+            </a:r>
+            <a:r>
+              <a:rPr lang="en-US" dirty="0" err="1" smtClean="0"/>
+              <a:t>Contexto</a:t>
+            </a:r>
+            <a:r>
+              <a:rPr lang="en-US" dirty="0" smtClean="0"/>
+              <a:t> y </a:t>
+            </a:r>
+            <a:r>
+              <a:rPr lang="en-US" dirty="0" err="1" smtClean="0"/>
+              <a:t>Desventajas</a:t>
+            </a:r>
+            <a:r>
+              <a:rPr lang="en-US" dirty="0" smtClean="0"/>
+              <a:t> de lo </a:t>
+            </a:r>
+            <a:r>
+              <a:rPr lang="en-US" dirty="0" err="1" smtClean="0"/>
+              <a:t>que</a:t>
+            </a:r>
+            <a:r>
+              <a:rPr lang="en-US" dirty="0" smtClean="0"/>
+              <a:t> </a:t>
+            </a:r>
+            <a:r>
+              <a:rPr lang="en-US" dirty="0" err="1" smtClean="0"/>
+              <a:t>existe</a:t>
+            </a:r>
+            <a:r>
+              <a:rPr lang="en-US" dirty="0" smtClean="0"/>
+              <a:t>)</a:t>
+            </a:r>
+          </a:p>
+          <a:p>
+            <a:r>
+              <a:rPr lang="en-US" dirty="0" err="1" smtClean="0"/>
+              <a:t>Propuesta</a:t>
+            </a:r>
+            <a:r>
+              <a:rPr lang="en-US" dirty="0" smtClean="0"/>
+              <a:t> (Lo </a:t>
+            </a:r>
+            <a:r>
+              <a:rPr lang="en-US" dirty="0" err="1" smtClean="0"/>
+              <a:t>que</a:t>
+            </a:r>
+            <a:r>
+              <a:rPr lang="en-US" dirty="0" smtClean="0"/>
+              <a:t> </a:t>
+            </a:r>
+            <a:r>
+              <a:rPr lang="en-US" dirty="0" err="1" smtClean="0"/>
+              <a:t>queremos</a:t>
+            </a:r>
+            <a:r>
+              <a:rPr lang="en-US" dirty="0" smtClean="0"/>
+              <a:t> </a:t>
+            </a:r>
+            <a:r>
+              <a:rPr lang="en-US" dirty="0" err="1" smtClean="0"/>
+              <a:t>hacer</a:t>
+            </a:r>
+            <a:r>
+              <a:rPr lang="en-US" dirty="0" smtClean="0"/>
+              <a:t>)</a:t>
+            </a:r>
+          </a:p>
+          <a:p>
+            <a:r>
+              <a:rPr lang="en-US" dirty="0" err="1" smtClean="0"/>
+              <a:t>Trabajos</a:t>
+            </a:r>
+            <a:r>
+              <a:rPr lang="en-US" dirty="0" smtClean="0"/>
+              <a:t> </a:t>
+            </a:r>
+            <a:r>
+              <a:rPr lang="en-US" dirty="0" err="1" smtClean="0"/>
+              <a:t>Relacionados</a:t>
+            </a:r>
+            <a:endParaRPr lang="en-US" dirty="0" smtClean="0"/>
+          </a:p>
+          <a:p>
+            <a:r>
+              <a:rPr lang="en-US" dirty="0" err="1" smtClean="0"/>
+              <a:t>Métodos</a:t>
+            </a:r>
+            <a:r>
+              <a:rPr lang="en-US" dirty="0" smtClean="0"/>
+              <a:t> de </a:t>
+            </a:r>
+            <a:r>
+              <a:rPr lang="en-US" dirty="0" err="1" smtClean="0"/>
+              <a:t>aprendizaje</a:t>
+            </a:r>
+            <a:r>
+              <a:rPr lang="en-US" dirty="0" smtClean="0"/>
+              <a:t> de </a:t>
+            </a:r>
+            <a:r>
+              <a:rPr lang="en-US" dirty="0" err="1" smtClean="0"/>
+              <a:t>máquina</a:t>
+            </a:r>
+            <a:endParaRPr lang="en-US" dirty="0" smtClean="0"/>
+          </a:p>
+          <a:p>
+            <a:r>
+              <a:rPr lang="en-US" dirty="0" err="1" smtClean="0"/>
+              <a:t>WaveWatch</a:t>
+            </a:r>
+            <a:r>
+              <a:rPr lang="en-US" dirty="0" smtClean="0"/>
+              <a:t> III</a:t>
+            </a:r>
+          </a:p>
+          <a:p>
+            <a:r>
+              <a:rPr lang="en-US" dirty="0" err="1" smtClean="0"/>
+              <a:t>Experimentacion</a:t>
+            </a:r>
+            <a:endParaRPr lang="en-US" dirty="0" smtClean="0"/>
+          </a:p>
+          <a:p>
+            <a:r>
+              <a:rPr lang="en-US" dirty="0" smtClean="0"/>
+              <a:t>Surf-Forecaster</a:t>
+            </a:r>
+          </a:p>
+          <a:p>
+            <a:r>
+              <a:rPr lang="en-US" dirty="0" err="1" smtClean="0">
+                <a:solidFill>
+                  <a:schemeClr val="bg2">
+                    <a:lumMod val="25000"/>
+                  </a:schemeClr>
+                </a:solidFill>
+              </a:rPr>
+              <a:t>Conclusiones</a:t>
+            </a:r>
+            <a:endParaRPr lang="en-US" dirty="0" smtClean="0">
+              <a:solidFill>
+                <a:schemeClr val="bg2">
+                  <a:lumMod val="25000"/>
+                </a:schemeClr>
+              </a:solidFill>
+            </a:endParaRPr>
+          </a:p>
+          <a:p>
+            <a:pPr>
+              <a:buNone/>
+            </a:pPr>
             <a:endParaRPr lang="es-ES" dirty="0"/>
           </a:p>
         </p:txBody>
       </p:sp>
+      <p:pic>
+        <p:nvPicPr>
+          <p:cNvPr id="4" name="Picture 1"/>
+          <p:cNvPicPr>
+            <a:picLocks noChangeAspect="1" noChangeArrowheads="1"/>
+          </p:cNvPicPr>
+          <p:nvPr/>
+        </p:nvPicPr>
+        <p:blipFill>
+          <a:blip r:embed="rId2"/>
+          <a:srcRect/>
+          <a:stretch>
+            <a:fillRect/>
+          </a:stretch>
+        </p:blipFill>
+        <p:spPr bwMode="auto">
+          <a:xfrm>
+            <a:off x="7810500" y="4772025"/>
+            <a:ext cx="1333500" cy="2085975"/>
+          </a:xfrm>
+          <a:prstGeom prst="rect">
+            <a:avLst/>
+          </a:prstGeom>
+          <a:noFill/>
+          <a:ln w="9525">
+            <a:noFill/>
+            <a:miter lim="800000"/>
+            <a:headEnd/>
+            <a:tailEnd/>
+          </a:ln>
+          <a:effectLst/>
+        </p:spPr>
+      </p:pic>
     </p:spTree>
   </p:cSld>
   <p:clrMapOvr>
     <a:masterClrMapping/>
   </p:clrMapOvr>
+  <p:timing>
+    <p:tnLst>
+      <p:par>
+        <p:cTn id="1" dur="indefinite" restart="never" nodeType="tmRoot"/>
+      </p:par>
+    </p:tnLst>
+  </p:timing>
 </p:sld>
 </file>
 
@@ -15014,45 +16321,99 @@
           <a:p>
             <a:r>
               <a:rPr lang="es-US" dirty="0" smtClean="0"/>
-              <a:t>Preguntas</a:t>
+              <a:t>Conclusiones (1)</a:t>
             </a:r>
             <a:endParaRPr lang="es-ES" dirty="0"/>
           </a:p>
         </p:txBody>
       </p:sp>
-      <p:pic>
-        <p:nvPicPr>
-          <p:cNvPr id="4" name="Picture 4"/>
-          <p:cNvPicPr>
-            <a:picLocks noGrp="1" noChangeAspect="1" noChangeArrowheads="1"/>
-          </p:cNvPicPr>
+      <p:sp>
+        <p:nvSpPr>
+          <p:cNvPr id="3" name="2 Marcador de contenido"/>
+          <p:cNvSpPr>
+            <a:spLocks noGrp="1"/>
+          </p:cNvSpPr>
           <p:nvPr>
             <p:ph idx="1"/>
           </p:nvPr>
-        </p:nvPicPr>
-        <p:blipFill>
-          <a:blip r:embed="rId2"/>
-          <a:srcRect/>
-          <a:stretch>
-            <a:fillRect/>
-          </a:stretch>
-        </p:blipFill>
-        <p:spPr bwMode="auto">
-          <a:xfrm>
-            <a:off x="2973904" y="1935163"/>
-            <a:ext cx="3196192" cy="4389437"/>
-          </a:xfrm>
-          <a:prstGeom prst="rect">
-            <a:avLst/>
-          </a:prstGeom>
-          <a:noFill/>
-        </p:spPr>
-      </p:pic>
+        </p:nvSpPr>
+        <p:spPr/>
+        <p:txBody>
+          <a:bodyPr/>
+          <a:lstStyle/>
+          <a:p>
+            <a:r>
+              <a:rPr lang="es-US" dirty="0" smtClean="0"/>
+              <a:t>Ventajas del enfoque</a:t>
+            </a:r>
+          </a:p>
+          <a:p>
+            <a:pPr lvl="1"/>
+            <a:r>
+              <a:rPr lang="es-US" dirty="0" smtClean="0"/>
+              <a:t>Utiliza datos sencillos de conseguir.</a:t>
+            </a:r>
+          </a:p>
+          <a:p>
+            <a:pPr lvl="1"/>
+            <a:r>
+              <a:rPr lang="es-US" dirty="0" smtClean="0"/>
+              <a:t>No requiere conocimiento experto.</a:t>
+            </a:r>
+          </a:p>
+          <a:p>
+            <a:pPr lvl="1"/>
+            <a:r>
+              <a:rPr lang="es-US" dirty="0" smtClean="0"/>
+              <a:t>No requiere configuración adicional dependiente del lugar.</a:t>
+            </a:r>
+          </a:p>
+          <a:p>
+            <a:pPr lvl="1"/>
+            <a:r>
+              <a:rPr lang="es-US" dirty="0" smtClean="0"/>
+              <a:t>Predicción a nivel de ola.</a:t>
+            </a:r>
+          </a:p>
+          <a:p>
+            <a:pPr lvl="1"/>
+            <a:r>
+              <a:rPr lang="es-US" dirty="0" smtClean="0"/>
+              <a:t>Elimina la necesidad de recorrer largas distancias buscando mejores olas.</a:t>
+            </a:r>
+          </a:p>
+          <a:p>
+            <a:pPr lvl="1"/>
+            <a:r>
+              <a:rPr lang="es-US" dirty="0" smtClean="0"/>
+              <a:t>Pronostica olas en cualquier lugar del mundo.</a:t>
+            </a:r>
+          </a:p>
+          <a:p>
+            <a:pPr lvl="1"/>
+            <a:r>
+              <a:rPr lang="es-US" dirty="0" smtClean="0"/>
+              <a:t>Ofrece una herramienta para comparar olas.</a:t>
+            </a:r>
+          </a:p>
+          <a:p>
+            <a:pPr lvl="1"/>
+            <a:endParaRPr lang="es-ES" dirty="0"/>
+          </a:p>
+        </p:txBody>
+      </p:sp>
     </p:spTree>
   </p:cSld>
   <p:clrMapOvr>
     <a:masterClrMapping/>
   </p:clrMapOvr>
+  <p:timing>
+    <p:tnLst>
+      <p:par>
+        <p:cTn id="1" dur="indefinite" restart="never" nodeType="tmRoot"/>
+      </p:par>
+    </p:tnLst>
+  </p:timing>
 </p:sld>
 </file>
 
@@ -15271,6 +16632,228 @@
           </a:p>
         </p:txBody>
       </p:sp>
+      <p:pic>
+        <p:nvPicPr>
+          <p:cNvPr id="4" name="Picture 1"/>
+          <p:cNvPicPr>
+            <a:picLocks noChangeAspect="1" noChangeArrowheads="1"/>
+          </p:cNvPicPr>
+          <p:nvPr/>
+        </p:nvPicPr>
+        <p:blipFill>
+          <a:blip r:embed="rId2"/>
+          <a:srcRect/>
+          <a:stretch>
+            <a:fillRect/>
+          </a:stretch>
+        </p:blipFill>
+        <p:spPr bwMode="auto">
+          <a:xfrm>
+            <a:off x="7810500" y="4772025"/>
+            <a:ext cx="1333500" cy="2085975"/>
+          </a:xfrm>
+          <a:prstGeom prst="rect">
+            <a:avLst/>
+          </a:prstGeom>
+          <a:noFill/>
+          <a:ln w="9525">
+            <a:noFill/>
+            <a:miter lim="800000"/>
+            <a:headEnd/>
+            <a:tailEnd/>
+          </a:ln>
+          <a:effectLst/>
+        </p:spPr>
+      </p:pic>
+    </p:spTree>
+  </p:cSld>
+  <p:clrMapOvr>
+    <a:masterClrMapping/>
+  </p:clrMapOvr>
+  <p:timing>
+    <p:tnLst>
+      <p:par>
+        <p:cTn id="1" dur="indefinite" restart="never" nodeType="tmRoot"/>
+      </p:par>
+    </p:tnLst>
+  </p:timing>
+</p:sld>
+</file>
+
+<file path=ppt/slides/slide30.xml><?xml version="1.0" encoding="utf-8"?>
+<p:sld xmlns:a="http://schemas.openxmlformats.org/drawingml/2006/main" xmlns:r="http://schemas.openxmlformats.org/officeDocument/2006/relationships" xmlns:p="http://schemas.openxmlformats.org/presentationml/2006/main">
+  <p:cSld>
+    <p:spTree>
+      <p:nvGrpSpPr>
+        <p:cNvPr id="1" name=""/>
+        <p:cNvGrpSpPr/>
+        <p:nvPr/>
+      </p:nvGrpSpPr>
+      <p:grpSpPr>
+        <a:xfrm>
+          <a:off x="0" y="0"/>
+          <a:ext cx="0" cy="0"/>
+          <a:chOff x="0" y="0"/>
+          <a:chExt cx="0" cy="0"/>
+        </a:xfrm>
+      </p:grpSpPr>
+      <p:sp>
+        <p:nvSpPr>
+          <p:cNvPr id="2" name="1 Título"/>
+          <p:cNvSpPr>
+            <a:spLocks noGrp="1"/>
+          </p:cNvSpPr>
+          <p:nvPr>
+            <p:ph type="title"/>
+          </p:nvPr>
+        </p:nvSpPr>
+        <p:spPr/>
+        <p:txBody>
+          <a:bodyPr/>
+          <a:lstStyle/>
+          <a:p>
+            <a:r>
+              <a:rPr lang="es-US" dirty="0" smtClean="0"/>
+              <a:t>Conclusiones (2)</a:t>
+            </a:r>
+            <a:endParaRPr lang="es-ES" dirty="0"/>
+          </a:p>
+        </p:txBody>
+      </p:sp>
+      <p:sp>
+        <p:nvSpPr>
+          <p:cNvPr id="3" name="2 Marcador de contenido"/>
+          <p:cNvSpPr>
+            <a:spLocks noGrp="1"/>
+          </p:cNvSpPr>
+          <p:nvPr>
+            <p:ph idx="1"/>
+          </p:nvPr>
+        </p:nvSpPr>
+        <p:spPr/>
+        <p:txBody>
+          <a:bodyPr/>
+          <a:lstStyle/>
+          <a:p>
+            <a:r>
+              <a:rPr lang="es-US" dirty="0" smtClean="0"/>
+              <a:t>Limitaciones</a:t>
+            </a:r>
+          </a:p>
+          <a:p>
+            <a:pPr lvl="1"/>
+            <a:r>
+              <a:rPr lang="es-US" dirty="0" smtClean="0"/>
+              <a:t>Solo predice la altura de la ola deseada.</a:t>
+            </a:r>
+          </a:p>
+          <a:p>
+            <a:pPr lvl="1"/>
+            <a:r>
+              <a:rPr lang="es-US" dirty="0" smtClean="0"/>
+              <a:t>Historia de al menos 60 observaciones visuales.</a:t>
+            </a:r>
+          </a:p>
+          <a:p>
+            <a:pPr lvl="1"/>
+            <a:r>
+              <a:rPr lang="es-US" dirty="0" smtClean="0"/>
+              <a:t>En algunos casos depende de la geografía o arquitectura de la zona.</a:t>
+            </a:r>
+          </a:p>
+          <a:p>
+            <a:pPr lvl="1"/>
+            <a:r>
+              <a:rPr lang="es-US" dirty="0" smtClean="0"/>
+              <a:t>Hardware con grandes capacidades de almacenamiento.</a:t>
+            </a:r>
+            <a:endParaRPr lang="es-ES" dirty="0"/>
+          </a:p>
+        </p:txBody>
+      </p:sp>
+    </p:spTree>
+  </p:cSld>
+  <p:clrMapOvr>
+    <a:masterClrMapping/>
+  </p:clrMapOvr>
+  <p:timing>
+    <p:tnLst>
+      <p:par>
+        <p:cTn id="1" dur="indefinite" restart="never" nodeType="tmRoot"/>
+      </p:par>
+    </p:tnLst>
+  </p:timing>
+</p:sld>
+</file>
+
+<file path=ppt/slides/slide31.xml><?xml version="1.0" encoding="utf-8"?>
+<p:sld xmlns:a="http://schemas.openxmlformats.org/drawingml/2006/main" xmlns:r="http://schemas.openxmlformats.org/officeDocument/2006/relationships" xmlns:p="http://schemas.openxmlformats.org/presentationml/2006/main">
+  <p:cSld>
+    <p:spTree>
+      <p:nvGrpSpPr>
+        <p:cNvPr id="1" name=""/>
+        <p:cNvGrpSpPr/>
+        <p:nvPr/>
+      </p:nvGrpSpPr>
+      <p:grpSpPr>
+        <a:xfrm>
+          <a:off x="0" y="0"/>
+          <a:ext cx="0" cy="0"/>
+          <a:chOff x="0" y="0"/>
+          <a:chExt cx="0" cy="0"/>
+        </a:xfrm>
+      </p:grpSpPr>
+      <p:sp>
+        <p:nvSpPr>
+          <p:cNvPr id="2" name="1 Título"/>
+          <p:cNvSpPr>
+            <a:spLocks noGrp="1"/>
+          </p:cNvSpPr>
+          <p:nvPr>
+            <p:ph type="title"/>
+          </p:nvPr>
+        </p:nvSpPr>
+        <p:spPr/>
+        <p:txBody>
+          <a:bodyPr/>
+          <a:lstStyle/>
+          <a:p>
+            <a:r>
+              <a:rPr lang="es-US" dirty="0" smtClean="0"/>
+              <a:t>Preguntas</a:t>
+            </a:r>
+            <a:endParaRPr lang="es-ES" dirty="0"/>
+          </a:p>
+        </p:txBody>
+      </p:sp>
+      <p:pic>
+        <p:nvPicPr>
+          <p:cNvPr id="4" name="Picture 4"/>
+          <p:cNvPicPr>
+            <a:picLocks noGrp="1" noChangeAspect="1" noChangeArrowheads="1"/>
+          </p:cNvPicPr>
+          <p:nvPr>
+            <p:ph idx="1"/>
+          </p:nvPr>
+        </p:nvPicPr>
+        <p:blipFill>
+          <a:blip r:embed="rId2"/>
+          <a:srcRect/>
+          <a:stretch>
+            <a:fillRect/>
+          </a:stretch>
+        </p:blipFill>
+        <p:spPr bwMode="auto">
+          <a:xfrm>
+            <a:off x="2973904" y="1935163"/>
+            <a:ext cx="3196192" cy="4389437"/>
+          </a:xfrm>
+          <a:prstGeom prst="rect">
+            <a:avLst/>
+          </a:prstGeom>
+          <a:noFill/>
+        </p:spPr>
+      </p:pic>
     </p:spTree>
   </p:cSld>
   <p:clrMapOvr>
@@ -15369,8 +16952,17 @@
               <a:rPr lang="es-AR" dirty="0" smtClean="0">
                 <a:latin typeface="+mj-lt"/>
               </a:rPr>
-              <a:t>Evaluar el desempeño del clasificador .</a:t>
-            </a:r>
+              <a:t>Evaluar el desempeño del clasificador </a:t>
+            </a:r>
+            <a:r>
+              <a:rPr lang="es-AR" dirty="0" smtClean="0">
+                <a:latin typeface="+mj-lt"/>
+              </a:rPr>
+              <a:t> resultante.</a:t>
+            </a:r>
+            <a:endParaRPr lang="es-AR" dirty="0" smtClean="0">
+              <a:latin typeface="+mj-lt"/>
+            </a:endParaRPr>
           </a:p>
           <a:p>
             <a:endParaRPr lang="es-AR" dirty="0" smtClean="0">
@@ -15429,6 +17021,39 @@
           </a:p>
         </p:txBody>
       </p:sp>
+      <p:pic>
+        <p:nvPicPr>
+          <p:cNvPr id="32769" name="Picture 1"/>
+          <p:cNvPicPr>
+            <a:picLocks noChangeAspect="1" noChangeArrowheads="1"/>
+          </p:cNvPicPr>
+          <p:nvPr/>
+        </p:nvPicPr>
+        <p:blipFill>
+          <a:blip r:embed="rId3"/>
+          <a:srcRect/>
+          <a:stretch>
+            <a:fillRect/>
+          </a:stretch>
+        </p:blipFill>
+        <p:spPr bwMode="auto">
+          <a:xfrm>
+            <a:off x="7143768" y="3571876"/>
+            <a:ext cx="1714512" cy="1714512"/>
+          </a:xfrm>
+          <a:prstGeom prst="rect">
+            <a:avLst/>
+          </a:prstGeom>
+          <a:noFill/>
+          <a:ln w="9525">
+            <a:noFill/>
+            <a:miter lim="800000"/>
+            <a:headEnd/>
+            <a:tailEnd/>
+          </a:ln>
+          <a:effectLst/>
+        </p:spPr>
+      </p:pic>
     </p:spTree>
   </p:cSld>
   <p:clrMapOvr>
@@ -15544,8 +17169,13 @@
             <a:pPr lvl="1"/>
             <a:r>
               <a:rPr lang="es-US" dirty="0" smtClean="0"/>
-              <a:t>Error absoluto promedio (MAE) [mts.].</a:t>
-            </a:r>
+              <a:t>Error absoluto promedio (MAE) [mts</a:t>
+            </a:r>
+            <a:r>
+              <a:rPr lang="es-US" dirty="0" smtClean="0"/>
+              <a:t>.]</a:t>
+            </a:r>
+            <a:endParaRPr lang="es-US" dirty="0" smtClean="0"/>
           </a:p>
           <a:p>
             <a:endParaRPr lang="es-US" dirty="0" smtClean="0"/>
@@ -15558,6 +17188,39 @@
           </a:p>
         </p:txBody>
       </p:sp>
+      <p:pic>
+        <p:nvPicPr>
+          <p:cNvPr id="30723" name="Picture 3"/>
+          <p:cNvPicPr>
+            <a:picLocks noChangeAspect="1" noChangeArrowheads="1"/>
+          </p:cNvPicPr>
+          <p:nvPr/>
+        </p:nvPicPr>
+        <p:blipFill>
+          <a:blip r:embed="rId3"/>
+          <a:srcRect/>
+          <a:stretch>
+            <a:fillRect/>
+          </a:stretch>
+        </p:blipFill>
+        <p:spPr bwMode="auto">
+          <a:xfrm>
+            <a:off x="7000875" y="4572008"/>
+            <a:ext cx="2143125" cy="2133600"/>
+          </a:xfrm>
+          <a:prstGeom prst="rect">
+            <a:avLst/>
+          </a:prstGeom>
+          <a:noFill/>
+          <a:ln w="9525">
+            <a:noFill/>
+            <a:miter lim="800000"/>
+            <a:headEnd/>
+            <a:tailEnd/>
+          </a:ln>
+          <a:effectLst/>
+        </p:spPr>
+      </p:pic>
     </p:spTree>
   </p:cSld>
   <p:clrMapOvr>

--- a/trunk/neuralito/ArfGen/docs/Entregas/Informe Final/presentacion/maxi.pptx
+++ b/trunk/neuralito/ArfGen/docs/Entregas/Informe Final/presentacion/maxi.pptx
@@ -237,19 +237,19 @@
                   <c:v>0.82116824635668784</c:v>
                 </c:pt>
                 <c:pt idx="3">
-                  <c:v>0.84278473777508212</c:v>
+                  <c:v>0.84278473777508223</c:v>
                 </c:pt>
                 <c:pt idx="4">
-                  <c:v>0.84383865537210823</c:v>
+                  <c:v>0.84383865537210834</c:v>
                 </c:pt>
                 <c:pt idx="5">
                   <c:v>0.85894670929201788</c:v>
                 </c:pt>
                 <c:pt idx="6">
-                  <c:v>0.84967487574973033</c:v>
+                  <c:v>0.84967487574973044</c:v>
                 </c:pt>
                 <c:pt idx="7">
-                  <c:v>0.87199747639294822</c:v>
+                  <c:v>0.87199747639294833</c:v>
                 </c:pt>
                 <c:pt idx="8">
                   <c:v>0.87308657275405044</c:v>
@@ -258,10 +258,10 @@
                   <c:v>0.8805672244799716</c:v>
                 </c:pt>
                 <c:pt idx="10">
-                  <c:v>0.88425402324804048</c:v>
+                  <c:v>0.8842540232480407</c:v>
                 </c:pt>
                 <c:pt idx="11">
-                  <c:v>0.88378998114559193</c:v>
+                  <c:v>0.88378998114559204</c:v>
                 </c:pt>
                 <c:pt idx="12">
                   <c:v>0.88710112017025267</c:v>
@@ -270,13 +270,13 @@
                   <c:v>0.88859349505985463</c:v>
                 </c:pt>
                 <c:pt idx="14">
-                  <c:v>0.88932515639249432</c:v>
+                  <c:v>0.88932515639249454</c:v>
                 </c:pt>
                 <c:pt idx="15">
-                  <c:v>0.88979442278916732</c:v>
+                  <c:v>0.88979442278916754</c:v>
                 </c:pt>
                 <c:pt idx="16">
-                  <c:v>0.8905047013775732</c:v>
+                  <c:v>0.89050470137757332</c:v>
                 </c:pt>
                 <c:pt idx="17">
                   <c:v>0.8911387747292826</c:v>
@@ -378,10 +378,10 @@
                   <c:v>0.45195561849074034</c:v>
                 </c:pt>
                 <c:pt idx="1">
-                  <c:v>0.57215581949427774</c:v>
+                  <c:v>0.57215581949427785</c:v>
                 </c:pt>
                 <c:pt idx="2">
-                  <c:v>0.62450099068289489</c:v>
+                  <c:v>0.624500990682895</c:v>
                 </c:pt>
                 <c:pt idx="3">
                   <c:v>0.66411572966000465</c:v>
@@ -390,7 +390,7 @@
                   <c:v>0.74483311690120912</c:v>
                 </c:pt>
                 <c:pt idx="5">
-                  <c:v>0.74913092370987455</c:v>
+                  <c:v>0.74913092370987466</c:v>
                 </c:pt>
                 <c:pt idx="6">
                   <c:v>0.7507812790712286</c:v>
@@ -399,7 +399,7 @@
                   <c:v>0.74615794410022251</c:v>
                 </c:pt>
                 <c:pt idx="8">
-                  <c:v>0.76473712742558886</c:v>
+                  <c:v>0.76473712742558908</c:v>
                 </c:pt>
                 <c:pt idx="9">
                   <c:v>0.78030975508297951</c:v>
@@ -414,7 +414,7 @@
                   <c:v>0.79454547384463925</c:v>
                 </c:pt>
                 <c:pt idx="13">
-                  <c:v>0.80275073868567892</c:v>
+                  <c:v>0.80275073868567903</c:v>
                 </c:pt>
                 <c:pt idx="14">
                   <c:v>0.8070254483799697</c:v>
@@ -423,10 +423,10 @@
                   <c:v>0.80758714251854524</c:v>
                 </c:pt>
                 <c:pt idx="16">
-                  <c:v>0.81189884836444026</c:v>
+                  <c:v>0.81189884836444048</c:v>
                 </c:pt>
                 <c:pt idx="17">
-                  <c:v>0.81267156633446314</c:v>
+                  <c:v>0.81267156633446325</c:v>
                 </c:pt>
                 <c:pt idx="18">
                   <c:v>0.81495442086601244</c:v>
@@ -518,49 +518,49 @@
                 <c:formatCode>0.00</c:formatCode>
                 <c:ptCount val="19"/>
                 <c:pt idx="0">
-                  <c:v>9.2164199211590886E-2</c:v>
+                  <c:v>9.21641992115909E-2</c:v>
                 </c:pt>
                 <c:pt idx="1">
                   <c:v>0.10918893085792125</c:v>
                 </c:pt>
                 <c:pt idx="2">
-                  <c:v>2.2061880915201507E-2</c:v>
+                  <c:v>2.2061880915201514E-2</c:v>
                 </c:pt>
                 <c:pt idx="3">
-                  <c:v>0.16744350433735852</c:v>
+                  <c:v>0.16744350433735858</c:v>
                 </c:pt>
                 <c:pt idx="4">
-                  <c:v>0.19606871899944506</c:v>
+                  <c:v>0.19606871899944509</c:v>
                 </c:pt>
                 <c:pt idx="5">
-                  <c:v>0.19883932721616629</c:v>
+                  <c:v>0.19883932721616632</c:v>
                 </c:pt>
                 <c:pt idx="6">
                   <c:v>0.21852557439483689</c:v>
                 </c:pt>
                 <c:pt idx="7">
-                  <c:v>0.18963030437506237</c:v>
+                  <c:v>0.18963030437506243</c:v>
                 </c:pt>
                 <c:pt idx="8">
-                  <c:v>0.31329234492981051</c:v>
+                  <c:v>0.31329234492981056</c:v>
                 </c:pt>
                 <c:pt idx="9">
                   <c:v>0.30854195458238609</c:v>
                 </c:pt>
                 <c:pt idx="10">
-                  <c:v>0.33996429339252759</c:v>
+                  <c:v>0.33996429339252776</c:v>
                 </c:pt>
                 <c:pt idx="11">
-                  <c:v>0.39000788763685507</c:v>
+                  <c:v>0.39000788763685518</c:v>
                 </c:pt>
                 <c:pt idx="12">
-                  <c:v>0.37452278792340327</c:v>
+                  <c:v>0.37452278792340343</c:v>
                 </c:pt>
                 <c:pt idx="13">
-                  <c:v>0.396396573655796</c:v>
+                  <c:v>0.39639657365579611</c:v>
                 </c:pt>
                 <c:pt idx="14">
-                  <c:v>0.45661986014735206</c:v>
+                  <c:v>0.45661986014735212</c:v>
                 </c:pt>
                 <c:pt idx="15">
                   <c:v>0.48000000000000032</c:v>
@@ -665,19 +665,19 @@
                 <c:formatCode>0.00</c:formatCode>
                 <c:ptCount val="18"/>
                 <c:pt idx="0">
-                  <c:v>6.3837399085048582E-2</c:v>
+                  <c:v>6.3837399085048596E-2</c:v>
                 </c:pt>
                 <c:pt idx="1">
-                  <c:v>0.10509372944250692</c:v>
+                  <c:v>0.10509372944250694</c:v>
                 </c:pt>
                 <c:pt idx="2">
                   <c:v>0.12395822380363669</c:v>
                 </c:pt>
                 <c:pt idx="3">
-                  <c:v>0.17533238646771623</c:v>
+                  <c:v>0.17533238646771626</c:v>
                 </c:pt>
                 <c:pt idx="4">
-                  <c:v>0.18994629844945005</c:v>
+                  <c:v>0.18994629844945013</c:v>
                 </c:pt>
                 <c:pt idx="5">
                   <c:v>0.22687270194889519</c:v>
@@ -686,34 +686,34 @@
                   <c:v>0.23790997736954461</c:v>
                 </c:pt>
                 <c:pt idx="7">
-                  <c:v>0.23411148955336952</c:v>
+                  <c:v>0.23411148955336958</c:v>
                 </c:pt>
                 <c:pt idx="8">
                   <c:v>0.25778608542670911</c:v>
                 </c:pt>
                 <c:pt idx="9">
-                  <c:v>0.31056299933227349</c:v>
+                  <c:v>0.31056299933227366</c:v>
                 </c:pt>
                 <c:pt idx="10">
-                  <c:v>0.33877739342409247</c:v>
+                  <c:v>0.33877739342409252</c:v>
                 </c:pt>
                 <c:pt idx="11">
                   <c:v>0.35225259726803532</c:v>
                 </c:pt>
                 <c:pt idx="12">
-                  <c:v>0.35947445565100422</c:v>
+                  <c:v>0.35947445565100428</c:v>
                 </c:pt>
                 <c:pt idx="13">
-                  <c:v>0.39000000000000223</c:v>
+                  <c:v>0.39000000000000234</c:v>
                 </c:pt>
                 <c:pt idx="14">
-                  <c:v>0.39000000000000223</c:v>
+                  <c:v>0.39000000000000234</c:v>
                 </c:pt>
                 <c:pt idx="15">
                   <c:v>0.4</c:v>
                 </c:pt>
                 <c:pt idx="16">
-                  <c:v>0.40041490630404536</c:v>
+                  <c:v>0.40041490630404547</c:v>
                 </c:pt>
                 <c:pt idx="17">
                   <c:v>0.4</c:v>
@@ -805,7 +805,7 @@
                 <c:formatCode>General</c:formatCode>
                 <c:ptCount val="19"/>
                 <c:pt idx="0">
-                  <c:v>0.28931899175148706</c:v>
+                  <c:v>0.28931899175148718</c:v>
                 </c:pt>
                 <c:pt idx="1">
                   <c:v>0.30427205718078232</c:v>
@@ -814,46 +814,46 @@
                   <c:v>0.28833535935117605</c:v>
                 </c:pt>
                 <c:pt idx="3">
-                  <c:v>0.5067383162888871</c:v>
+                  <c:v>0.50673831628888732</c:v>
                 </c:pt>
                 <c:pt idx="4">
-                  <c:v>0.58986811562939157</c:v>
+                  <c:v>0.58986811562939179</c:v>
                 </c:pt>
                 <c:pt idx="5">
-                  <c:v>0.60174244358029005</c:v>
+                  <c:v>0.60174244358029016</c:v>
                 </c:pt>
                 <c:pt idx="6">
                   <c:v>0.62230234655114092</c:v>
                 </c:pt>
                 <c:pt idx="7">
-                  <c:v>0.64892172802499781</c:v>
+                  <c:v>0.64892172802499792</c:v>
                 </c:pt>
                 <c:pt idx="8">
                   <c:v>0.60213497372141267</c:v>
                 </c:pt>
                 <c:pt idx="9">
-                  <c:v>0.65929398719852428</c:v>
+                  <c:v>0.6592939871985245</c:v>
                 </c:pt>
                 <c:pt idx="10">
-                  <c:v>0.63740945216596401</c:v>
+                  <c:v>0.63740945216596412</c:v>
                 </c:pt>
                 <c:pt idx="11">
-                  <c:v>0.6649682960574772</c:v>
+                  <c:v>0.66496829605747743</c:v>
                 </c:pt>
                 <c:pt idx="12">
-                  <c:v>0.68587643695393952</c:v>
+                  <c:v>0.68587643695393974</c:v>
                 </c:pt>
                 <c:pt idx="13">
-                  <c:v>0.70280463859163633</c:v>
+                  <c:v>0.70280463859163644</c:v>
                 </c:pt>
                 <c:pt idx="14">
-                  <c:v>0.68555591749742295</c:v>
+                  <c:v>0.68555591749742306</c:v>
                 </c:pt>
                 <c:pt idx="15">
-                  <c:v>0.71798687616048729</c:v>
+                  <c:v>0.71798687616048751</c:v>
                 </c:pt>
                 <c:pt idx="16">
-                  <c:v>0.72902988600000596</c:v>
+                  <c:v>0.72902988600000618</c:v>
                 </c:pt>
                 <c:pt idx="17">
                   <c:v>0.73331457600000005</c:v>
@@ -866,11 +866,11 @@
           </c:yVal>
           <c:smooth val="1"/>
         </c:ser>
-        <c:axId val="62872192"/>
-        <c:axId val="62903040"/>
+        <c:axId val="60275328"/>
+        <c:axId val="63308544"/>
       </c:scatterChart>
       <c:valAx>
-        <c:axId val="62872192"/>
+        <c:axId val="60275328"/>
         <c:scaling>
           <c:orientation val="minMax"/>
           <c:max val="1000"/>
@@ -896,7 +896,7 @@
             <c:manualLayout>
               <c:xMode val="edge"/>
               <c:yMode val="edge"/>
-              <c:x val="0.38494599693816772"/>
+              <c:x val="0.38494599693816778"/>
               <c:y val="0.85101357098414687"/>
             </c:manualLayout>
           </c:layout>
@@ -913,12 +913,12 @@
             <a:endParaRPr lang="es-ES"/>
           </a:p>
         </c:txPr>
-        <c:crossAx val="62903040"/>
+        <c:crossAx val="63308544"/>
         <c:crosses val="autoZero"/>
         <c:crossBetween val="midCat"/>
       </c:valAx>
       <c:valAx>
-        <c:axId val="62903040"/>
+        <c:axId val="63308544"/>
         <c:scaling>
           <c:orientation val="minMax"/>
           <c:min val="0"/>
@@ -955,7 +955,7 @@
             <a:endParaRPr lang="es-ES"/>
           </a:p>
         </c:txPr>
-        <c:crossAx val="62872192"/>
+        <c:crossAx val="60275328"/>
         <c:crosses val="autoZero"/>
         <c:crossBetween val="midCat"/>
         <c:minorUnit val="0.2"/>
@@ -1097,19 +1097,19 @@
                   <c:v>1.0330390684786552</c:v>
                 </c:pt>
                 <c:pt idx="6">
-                  <c:v>1.0302429519403207</c:v>
+                  <c:v>1.0302429519403209</c:v>
                 </c:pt>
                 <c:pt idx="7">
                   <c:v>0.94738273200566459</c:v>
                 </c:pt>
                 <c:pt idx="8">
-                  <c:v>0.92793801360197636</c:v>
+                  <c:v>0.92793801360197659</c:v>
                 </c:pt>
                 <c:pt idx="9">
                   <c:v>0.92012906293872665</c:v>
                 </c:pt>
                 <c:pt idx="10">
-                  <c:v>0.88481716181109649</c:v>
+                  <c:v>0.88481716181109638</c:v>
                 </c:pt>
                 <c:pt idx="11">
                   <c:v>0.88417424754272178</c:v>
@@ -1121,7 +1121,7 @@
                   <c:v>0.85063806565684563</c:v>
                 </c:pt>
                 <c:pt idx="14">
-                  <c:v>0.84777133793555803</c:v>
+                  <c:v>0.84777133793555814</c:v>
                 </c:pt>
                 <c:pt idx="15">
                   <c:v>0.8445144923789446</c:v>
@@ -1130,7 +1130,7 @@
                   <c:v>0.83725594840038564</c:v>
                 </c:pt>
                 <c:pt idx="17">
-                  <c:v>0.83461703141918908</c:v>
+                  <c:v>0.8346170314191893</c:v>
                 </c:pt>
               </c:numCache>
             </c:numRef>
@@ -1229,7 +1229,7 @@
                   <c:v>0.9387309603633297</c:v>
                 </c:pt>
                 <c:pt idx="1">
-                  <c:v>0.89153277738271197</c:v>
+                  <c:v>0.89153277738271186</c:v>
                 </c:pt>
                 <c:pt idx="2">
                   <c:v>0.82301056544373608</c:v>
@@ -1241,22 +1241,22 @@
                   <c:v>0.75252199659024765</c:v>
                 </c:pt>
                 <c:pt idx="5">
-                  <c:v>0.74212373331281689</c:v>
+                  <c:v>0.742123733312817</c:v>
                 </c:pt>
                 <c:pt idx="6">
                   <c:v>0.73688717786732749</c:v>
                 </c:pt>
                 <c:pt idx="7">
-                  <c:v>0.72860146352750466</c:v>
+                  <c:v>0.72860146352750488</c:v>
                 </c:pt>
                 <c:pt idx="8">
-                  <c:v>0.70577785559581196</c:v>
+                  <c:v>0.70577785559581219</c:v>
                 </c:pt>
                 <c:pt idx="9">
                   <c:v>0.69274686371956962</c:v>
                 </c:pt>
                 <c:pt idx="10">
-                  <c:v>0.67930161414046608</c:v>
+                  <c:v>0.6793016141404663</c:v>
                 </c:pt>
                 <c:pt idx="11">
                   <c:v>0.67228263477634131</c:v>
@@ -1265,22 +1265,22 @@
                   <c:v>0.68022471453120004</c:v>
                 </c:pt>
                 <c:pt idx="13">
-                  <c:v>0.66398503161852185</c:v>
+                  <c:v>0.66398503161852207</c:v>
                 </c:pt>
                 <c:pt idx="14">
                   <c:v>0.6640628299517749</c:v>
                 </c:pt>
                 <c:pt idx="15">
-                  <c:v>0.66308558009337792</c:v>
+                  <c:v>0.66308558009337804</c:v>
                 </c:pt>
                 <c:pt idx="16">
                   <c:v>0.65656511915425986</c:v>
                 </c:pt>
                 <c:pt idx="17">
-                  <c:v>0.65158141257238755</c:v>
+                  <c:v>0.65158141257238777</c:v>
                 </c:pt>
                 <c:pt idx="18">
-                  <c:v>0.65187548701494713</c:v>
+                  <c:v>0.65187548701494724</c:v>
                 </c:pt>
               </c:numCache>
             </c:numRef>
@@ -1369,7 +1369,7 @@
                 <c:formatCode>General</c:formatCode>
                 <c:ptCount val="19"/>
                 <c:pt idx="0">
-                  <c:v>0.66149732049012644</c:v>
+                  <c:v>0.66149732049012655</c:v>
                 </c:pt>
                 <c:pt idx="1">
                   <c:v>0.6001326027033127</c:v>
@@ -1378,13 +1378,13 @@
                   <c:v>0.55639887771499263</c:v>
                 </c:pt>
                 <c:pt idx="3">
-                  <c:v>0.62284472485511211</c:v>
+                  <c:v>0.62284472485511222</c:v>
                 </c:pt>
                 <c:pt idx="4">
                   <c:v>0.55351605829049677</c:v>
                 </c:pt>
                 <c:pt idx="5">
-                  <c:v>0.58846095302595725</c:v>
+                  <c:v>0.58846095302595702</c:v>
                 </c:pt>
                 <c:pt idx="6">
                   <c:v>0.57298820383188065</c:v>
@@ -1396,7 +1396,7 @@
                   <c:v>0.55636349504129456</c:v>
                 </c:pt>
                 <c:pt idx="9">
-                  <c:v>0.5617558046949499</c:v>
+                  <c:v>0.56175580469495001</c:v>
                 </c:pt>
                 <c:pt idx="10">
                   <c:v>0.54619756290876298</c:v>
@@ -1516,7 +1516,7 @@
                 <c:formatCode>General</c:formatCode>
                 <c:ptCount val="18"/>
                 <c:pt idx="0">
-                  <c:v>0.63237080268503665</c:v>
+                  <c:v>0.63237080268503676</c:v>
                 </c:pt>
                 <c:pt idx="1">
                   <c:v>0.58374227027070569</c:v>
@@ -1525,7 +1525,7 @@
                   <c:v>0.59186681564330168</c:v>
                 </c:pt>
                 <c:pt idx="3">
-                  <c:v>0.56326543263149931</c:v>
+                  <c:v>0.56326543263149953</c:v>
                 </c:pt>
                 <c:pt idx="4">
                   <c:v>0.57183044589207288</c:v>
@@ -1540,7 +1540,7 @@
                   <c:v>0.53802118949602251</c:v>
                 </c:pt>
                 <c:pt idx="8">
-                  <c:v>0.53450509736819241</c:v>
+                  <c:v>0.53450509736819263</c:v>
                 </c:pt>
                 <c:pt idx="9">
                   <c:v>0.52829897414829863</c:v>
@@ -1564,7 +1564,7 @@
                   <c:v>0.50670323954628771</c:v>
                 </c:pt>
                 <c:pt idx="16">
-                  <c:v>0.5023819255266031</c:v>
+                  <c:v>0.50238192552660299</c:v>
                 </c:pt>
                 <c:pt idx="17">
                   <c:v>0.49463977381829932</c:v>
@@ -1656,31 +1656,31 @@
                 <c:formatCode>General</c:formatCode>
                 <c:ptCount val="19"/>
                 <c:pt idx="0">
-                  <c:v>0.7728998376992372</c:v>
+                  <c:v>0.77289983769923754</c:v>
                 </c:pt>
                 <c:pt idx="1">
                   <c:v>0.74632356481168916</c:v>
                 </c:pt>
                 <c:pt idx="2">
-                  <c:v>0.78634361659647489</c:v>
+                  <c:v>0.78634361659647511</c:v>
                 </c:pt>
                 <c:pt idx="3">
-                  <c:v>0.68296121733003545</c:v>
+                  <c:v>0.68296121733003556</c:v>
                 </c:pt>
                 <c:pt idx="4">
-                  <c:v>0.66450739252953772</c:v>
+                  <c:v>0.66450739252953783</c:v>
                 </c:pt>
                 <c:pt idx="5">
-                  <c:v>0.61644319255847679</c:v>
+                  <c:v>0.61644319255847702</c:v>
                 </c:pt>
                 <c:pt idx="6">
                   <c:v>0.6102724059818817</c:v>
                 </c:pt>
                 <c:pt idx="7">
-                  <c:v>0.60925823106012256</c:v>
+                  <c:v>0.60925823106012278</c:v>
                 </c:pt>
                 <c:pt idx="8">
-                  <c:v>0.62851239646725021</c:v>
+                  <c:v>0.6285123964672501</c:v>
                 </c:pt>
                 <c:pt idx="9">
                   <c:v>0.60456332932399459</c:v>
@@ -1689,10 +1689,10 @@
                   <c:v>0.59800801508451062</c:v>
                 </c:pt>
                 <c:pt idx="11">
-                  <c:v>0.59484127138609488</c:v>
+                  <c:v>0.59484127138609499</c:v>
                 </c:pt>
                 <c:pt idx="12">
-                  <c:v>0.57774424327942153</c:v>
+                  <c:v>0.57774424327942175</c:v>
                 </c:pt>
                 <c:pt idx="13">
                   <c:v>0.57412911597622418</c:v>
@@ -1707,7 +1707,7 @@
                   <c:v>0.56487792557592453</c:v>
                 </c:pt>
                 <c:pt idx="17">
-                  <c:v>0.5570430347198958</c:v>
+                  <c:v>0.55704303471989591</c:v>
                 </c:pt>
                 <c:pt idx="18">
                   <c:v>0.55532457683742076</c:v>
@@ -1717,11 +1717,11 @@
           </c:yVal>
           <c:smooth val="1"/>
         </c:ser>
-        <c:axId val="62803328"/>
-        <c:axId val="62817792"/>
+        <c:axId val="63348096"/>
+        <c:axId val="63354368"/>
       </c:scatterChart>
       <c:valAx>
-        <c:axId val="62803328"/>
+        <c:axId val="63348096"/>
         <c:scaling>
           <c:orientation val="minMax"/>
           <c:max val="1000"/>
@@ -1757,12 +1757,12 @@
             <a:endParaRPr lang="es-ES"/>
           </a:p>
         </c:txPr>
-        <c:crossAx val="62817792"/>
+        <c:crossAx val="63354368"/>
         <c:crosses val="autoZero"/>
         <c:crossBetween val="midCat"/>
       </c:valAx>
       <c:valAx>
-        <c:axId val="62817792"/>
+        <c:axId val="63354368"/>
         <c:scaling>
           <c:orientation val="minMax"/>
           <c:min val="0.4"/>
@@ -1799,7 +1799,7 @@
             <a:endParaRPr lang="es-ES"/>
           </a:p>
         </c:txPr>
-        <c:crossAx val="62803328"/>
+        <c:crossAx val="63348096"/>
         <c:crosses val="autoZero"/>
         <c:crossBetween val="midCat"/>
       </c:valAx>
@@ -1839,8 +1839,28 @@
               <a:defRPr lang="es-AR"/>
             </a:pPr>
             <a:r>
-              <a:rPr lang="es-AR" sz="1200" b="0" i="0" baseline="0"/>
-              <a:t>Makaha - Observación Visual/ Wave Watch III</a:t>
+              <a:rPr lang="es-AR" sz="1200" b="0" i="0" baseline="0" dirty="0">
+                <a:latin typeface="+mj-lt"/>
+              </a:rPr>
+              <a:t>Makaha - Observación Visual/ </a:t>
+            </a:r>
+            <a:r>
+              <a:rPr lang="es-AR" sz="1200" b="0" i="0" baseline="0" dirty="0" err="1" smtClean="0">
+                <a:latin typeface="+mj-lt"/>
+              </a:rPr>
+              <a:t>WaveWatch</a:t>
+            </a:r>
+            <a:r>
+              <a:rPr lang="es-AR" sz="1200" b="0" i="0" baseline="0" dirty="0" smtClean="0">
+                <a:latin typeface="+mj-lt"/>
+              </a:rPr>
+              <a:t> </a:t>
+            </a:r>
+            <a:r>
+              <a:rPr lang="es-AR" sz="1200" b="0" i="0" baseline="0" dirty="0">
+                <a:latin typeface="+mj-lt"/>
+              </a:rPr>
+              <a:t>III</a:t>
             </a:r>
           </a:p>
         </c:rich>
@@ -1856,7 +1876,7 @@
           <c:x val="5.0128971669717602E-2"/>
           <c:y val="0.16285573489051136"/>
           <c:w val="0.91229087688864363"/>
-          <c:h val="0.42844667523762453"/>
+          <c:h val="0.4284466752376247"/>
         </c:manualLayout>
       </c:layout>
       <c:scatterChart>
@@ -2077,7 +2097,7 @@
                   <c:v>0</c:v>
                 </c:pt>
                 <c:pt idx="1">
-                  <c:v>1.2189999999999905</c:v>
+                  <c:v>1.2189999999999901</c:v>
                 </c:pt>
                 <c:pt idx="2">
                   <c:v>2.4379999999999997</c:v>
@@ -2089,19 +2109,19 @@
                   <c:v>1.829</c:v>
                 </c:pt>
                 <c:pt idx="5">
-                  <c:v>1.2189999999999905</c:v>
+                  <c:v>1.2189999999999901</c:v>
                 </c:pt>
                 <c:pt idx="6">
-                  <c:v>1.2189999999999905</c:v>
+                  <c:v>1.2189999999999901</c:v>
                 </c:pt>
                 <c:pt idx="7">
-                  <c:v>1.2189999999999905</c:v>
+                  <c:v>1.2189999999999901</c:v>
                 </c:pt>
                 <c:pt idx="8">
                   <c:v>2.4379999999999997</c:v>
                 </c:pt>
                 <c:pt idx="9">
-                  <c:v>1.2189999999999905</c:v>
+                  <c:v>1.2189999999999901</c:v>
                 </c:pt>
                 <c:pt idx="10">
                   <c:v>0.61000000000000065</c:v>
@@ -2110,22 +2130,22 @@
                   <c:v>3.048</c:v>
                 </c:pt>
                 <c:pt idx="12">
-                  <c:v>1.2189999999999905</c:v>
+                  <c:v>1.2189999999999901</c:v>
                 </c:pt>
                 <c:pt idx="13">
                   <c:v>0.61000000000000065</c:v>
                 </c:pt>
                 <c:pt idx="14">
-                  <c:v>1.2189999999999905</c:v>
+                  <c:v>1.2189999999999901</c:v>
                 </c:pt>
                 <c:pt idx="15">
                   <c:v>2.4379999999999997</c:v>
                 </c:pt>
                 <c:pt idx="16">
-                  <c:v>1.2189999999999905</c:v>
+                  <c:v>1.2189999999999901</c:v>
                 </c:pt>
                 <c:pt idx="17">
-                  <c:v>1.2189999999999905</c:v>
+                  <c:v>1.2189999999999901</c:v>
                 </c:pt>
                 <c:pt idx="18">
                   <c:v>0.61000000000000065</c:v>
@@ -2143,7 +2163,7 @@
                   <c:v>3.048</c:v>
                 </c:pt>
                 <c:pt idx="23">
-                  <c:v>1.2189999999999905</c:v>
+                  <c:v>1.2189999999999901</c:v>
                 </c:pt>
                 <c:pt idx="24">
                   <c:v>1.829</c:v>
@@ -2167,34 +2187,34 @@
                   <c:v>0.61000000000000065</c:v>
                 </c:pt>
                 <c:pt idx="31">
-                  <c:v>1.2189999999999905</c:v>
+                  <c:v>1.2189999999999901</c:v>
                 </c:pt>
                 <c:pt idx="32">
-                  <c:v>1.2189999999999905</c:v>
+                  <c:v>1.2189999999999901</c:v>
                 </c:pt>
                 <c:pt idx="33">
-                  <c:v>1.2189999999999905</c:v>
+                  <c:v>1.2189999999999901</c:v>
                 </c:pt>
                 <c:pt idx="34">
-                  <c:v>1.2189999999999905</c:v>
+                  <c:v>1.2189999999999901</c:v>
                 </c:pt>
                 <c:pt idx="35">
-                  <c:v>1.2189999999999905</c:v>
+                  <c:v>1.2189999999999901</c:v>
                 </c:pt>
                 <c:pt idx="36">
                   <c:v>3.048</c:v>
                 </c:pt>
                 <c:pt idx="37">
-                  <c:v>1.2189999999999905</c:v>
+                  <c:v>1.2189999999999901</c:v>
                 </c:pt>
                 <c:pt idx="38">
                   <c:v>0.61000000000000065</c:v>
                 </c:pt>
                 <c:pt idx="39">
-                  <c:v>1.2189999999999905</c:v>
+                  <c:v>1.2189999999999901</c:v>
                 </c:pt>
                 <c:pt idx="40">
-                  <c:v>1.2189999999999905</c:v>
+                  <c:v>1.2189999999999901</c:v>
                 </c:pt>
                 <c:pt idx="41">
                   <c:v>2.4379999999999997</c:v>
@@ -2209,7 +2229,7 @@
                   <c:v>0.61000000000000065</c:v>
                 </c:pt>
                 <c:pt idx="45">
-                  <c:v>1.2189999999999905</c:v>
+                  <c:v>1.2189999999999901</c:v>
                 </c:pt>
                 <c:pt idx="46">
                   <c:v>4.8769999999999998</c:v>
@@ -2218,34 +2238,34 @@
                   <c:v>0.61000000000000065</c:v>
                 </c:pt>
                 <c:pt idx="48">
-                  <c:v>1.2189999999999905</c:v>
+                  <c:v>1.2189999999999901</c:v>
                 </c:pt>
                 <c:pt idx="49">
                   <c:v>7.3149999999999755</c:v>
                 </c:pt>
                 <c:pt idx="50">
-                  <c:v>1.2189999999999905</c:v>
+                  <c:v>1.2189999999999901</c:v>
                 </c:pt>
                 <c:pt idx="51">
-                  <c:v>1.2189999999999905</c:v>
+                  <c:v>1.2189999999999901</c:v>
                 </c:pt>
                 <c:pt idx="52">
                   <c:v>0.61000000000000065</c:v>
                 </c:pt>
                 <c:pt idx="53">
-                  <c:v>1.2189999999999905</c:v>
+                  <c:v>1.2189999999999901</c:v>
                 </c:pt>
                 <c:pt idx="54">
-                  <c:v>1.2189999999999905</c:v>
+                  <c:v>1.2189999999999901</c:v>
                 </c:pt>
                 <c:pt idx="55">
-                  <c:v>1.2189999999999905</c:v>
+                  <c:v>1.2189999999999901</c:v>
                 </c:pt>
                 <c:pt idx="56">
                   <c:v>2.4379999999999997</c:v>
                 </c:pt>
                 <c:pt idx="57">
-                  <c:v>1.2189999999999905</c:v>
+                  <c:v>1.2189999999999901</c:v>
                 </c:pt>
                 <c:pt idx="58">
                   <c:v>4.8769999999999998</c:v>
@@ -2257,7 +2277,7 @@
                   <c:v>2.4379999999999997</c:v>
                 </c:pt>
                 <c:pt idx="61">
-                  <c:v>1.2189999999999905</c:v>
+                  <c:v>1.2189999999999901</c:v>
                 </c:pt>
                 <c:pt idx="62">
                   <c:v>0.61000000000000065</c:v>
@@ -2517,13 +2537,13 @@
                   <c:v>1.87</c:v>
                 </c:pt>
                 <c:pt idx="8">
-                  <c:v>1.9500000000000077</c:v>
+                  <c:v>1.9500000000000079</c:v>
                 </c:pt>
                 <c:pt idx="9">
                   <c:v>2.4899999999999998</c:v>
                 </c:pt>
                 <c:pt idx="10">
-                  <c:v>1.6800000000000077</c:v>
+                  <c:v>1.6800000000000079</c:v>
                 </c:pt>
                 <c:pt idx="11">
                   <c:v>2.98</c:v>
@@ -2541,7 +2561,7 @@
                   <c:v>3.3099999999999987</c:v>
                 </c:pt>
                 <c:pt idx="16">
-                  <c:v>1.9500000000000077</c:v>
+                  <c:v>1.9500000000000079</c:v>
                 </c:pt>
                 <c:pt idx="17">
                   <c:v>1.4</c:v>
@@ -2571,7 +2591,7 @@
                   <c:v>1.45</c:v>
                 </c:pt>
                 <c:pt idx="26">
-                  <c:v>1.9900000000000087</c:v>
+                  <c:v>1.9900000000000089</c:v>
                 </c:pt>
                 <c:pt idx="27">
                   <c:v>3</c:v>
@@ -2613,7 +2633,7 @@
                   <c:v>2.04</c:v>
                 </c:pt>
                 <c:pt idx="40">
-                  <c:v>1.9600000000000077</c:v>
+                  <c:v>1.960000000000008</c:v>
                 </c:pt>
                 <c:pt idx="41">
                   <c:v>3.09</c:v>
@@ -2688,11 +2708,11 @@
             </c:numRef>
           </c:yVal>
         </c:ser>
-        <c:axId val="64952576"/>
-        <c:axId val="65476096"/>
+        <c:axId val="64817408"/>
+        <c:axId val="64852352"/>
       </c:scatterChart>
       <c:valAx>
-        <c:axId val="64952576"/>
+        <c:axId val="64817408"/>
         <c:scaling>
           <c:orientation val="minMax"/>
         </c:scaling>
@@ -2728,13 +2748,13 @@
             <a:endParaRPr lang="es-ES"/>
           </a:p>
         </c:txPr>
-        <c:crossAx val="65476096"/>
+        <c:crossAx val="64852352"/>
         <c:crosses val="autoZero"/>
         <c:crossBetween val="midCat"/>
         <c:majorUnit val="5"/>
       </c:valAx>
       <c:valAx>
-        <c:axId val="65476096"/>
+        <c:axId val="64852352"/>
         <c:scaling>
           <c:orientation val="minMax"/>
         </c:scaling>
@@ -2778,7 +2798,7 @@
             <a:endParaRPr lang="es-ES"/>
           </a:p>
         </c:txPr>
-        <c:crossAx val="64952576"/>
+        <c:crossAx val="64817408"/>
         <c:crosses val="autoZero"/>
         <c:crossBetween val="midCat"/>
       </c:valAx>
@@ -2791,7 +2811,7 @@
           <c:yMode val="edge"/>
           <c:x val="0.74133589770230268"/>
           <c:y val="0.71233526043915962"/>
-          <c:w val="0.24201434347572556"/>
+          <c:w val="0.24201434347572562"/>
           <c:h val="0.16317756172635517"/>
         </c:manualLayout>
       </c:layout>
@@ -2827,7 +2847,9 @@
               <a:defRPr lang="es-AR"/>
             </a:pPr>
             <a:r>
-              <a:rPr lang="es-AR" sz="1200" b="0" i="0" baseline="0"/>
+              <a:rPr lang="es-AR" sz="1200" b="0" i="0" baseline="0" dirty="0">
+                <a:latin typeface="+mj-lt"/>
+              </a:rPr>
               <a:t>Makaha - Observación Visual/ Máquina de Soporte Vectorial</a:t>
             </a:r>
           </a:p>
@@ -2844,7 +2866,7 @@
           <c:x val="5.0128971669717602E-2"/>
           <c:y val="0.16285573489051136"/>
           <c:w val="0.91229087688864363"/>
-          <c:h val="0.42844667523762425"/>
+          <c:h val="0.42844667523762442"/>
         </c:manualLayout>
       </c:layout>
       <c:scatterChart>
@@ -3065,7 +3087,7 @@
                   <c:v>0</c:v>
                 </c:pt>
                 <c:pt idx="1">
-                  <c:v>1.2189999999999905</c:v>
+                  <c:v>1.2189999999999901</c:v>
                 </c:pt>
                 <c:pt idx="2">
                   <c:v>2.4379999999999997</c:v>
@@ -3077,19 +3099,19 @@
                   <c:v>1.829</c:v>
                 </c:pt>
                 <c:pt idx="5">
-                  <c:v>1.2189999999999905</c:v>
+                  <c:v>1.2189999999999901</c:v>
                 </c:pt>
                 <c:pt idx="6">
-                  <c:v>1.2189999999999905</c:v>
+                  <c:v>1.2189999999999901</c:v>
                 </c:pt>
                 <c:pt idx="7">
-                  <c:v>1.2189999999999905</c:v>
+                  <c:v>1.2189999999999901</c:v>
                 </c:pt>
                 <c:pt idx="8">
                   <c:v>2.4379999999999997</c:v>
                 </c:pt>
                 <c:pt idx="9">
-                  <c:v>1.2189999999999905</c:v>
+                  <c:v>1.2189999999999901</c:v>
                 </c:pt>
                 <c:pt idx="10">
                   <c:v>0.61000000000000065</c:v>
@@ -3098,22 +3120,22 @@
                   <c:v>3.048</c:v>
                 </c:pt>
                 <c:pt idx="12">
-                  <c:v>1.2189999999999905</c:v>
+                  <c:v>1.2189999999999901</c:v>
                 </c:pt>
                 <c:pt idx="13">
                   <c:v>0.61000000000000065</c:v>
                 </c:pt>
                 <c:pt idx="14">
-                  <c:v>1.2189999999999905</c:v>
+                  <c:v>1.2189999999999901</c:v>
                 </c:pt>
                 <c:pt idx="15">
                   <c:v>2.4379999999999997</c:v>
                 </c:pt>
                 <c:pt idx="16">
-                  <c:v>1.2189999999999905</c:v>
+                  <c:v>1.2189999999999901</c:v>
                 </c:pt>
                 <c:pt idx="17">
-                  <c:v>1.2189999999999905</c:v>
+                  <c:v>1.2189999999999901</c:v>
                 </c:pt>
                 <c:pt idx="18">
                   <c:v>0.61000000000000065</c:v>
@@ -3131,7 +3153,7 @@
                   <c:v>3.048</c:v>
                 </c:pt>
                 <c:pt idx="23">
-                  <c:v>1.2189999999999905</c:v>
+                  <c:v>1.2189999999999901</c:v>
                 </c:pt>
                 <c:pt idx="24">
                   <c:v>1.829</c:v>
@@ -3155,34 +3177,34 @@
                   <c:v>0.61000000000000065</c:v>
                 </c:pt>
                 <c:pt idx="31">
-                  <c:v>1.2189999999999905</c:v>
+                  <c:v>1.2189999999999901</c:v>
                 </c:pt>
                 <c:pt idx="32">
-                  <c:v>1.2189999999999905</c:v>
+                  <c:v>1.2189999999999901</c:v>
                 </c:pt>
                 <c:pt idx="33">
-                  <c:v>1.2189999999999905</c:v>
+                  <c:v>1.2189999999999901</c:v>
                 </c:pt>
                 <c:pt idx="34">
-                  <c:v>1.2189999999999905</c:v>
+                  <c:v>1.2189999999999901</c:v>
                 </c:pt>
                 <c:pt idx="35">
-                  <c:v>1.2189999999999905</c:v>
+                  <c:v>1.2189999999999901</c:v>
                 </c:pt>
                 <c:pt idx="36">
                   <c:v>3.048</c:v>
                 </c:pt>
                 <c:pt idx="37">
-                  <c:v>1.2189999999999905</c:v>
+                  <c:v>1.2189999999999901</c:v>
                 </c:pt>
                 <c:pt idx="38">
                   <c:v>0.61000000000000065</c:v>
                 </c:pt>
                 <c:pt idx="39">
-                  <c:v>1.2189999999999905</c:v>
+                  <c:v>1.2189999999999901</c:v>
                 </c:pt>
                 <c:pt idx="40">
-                  <c:v>1.2189999999999905</c:v>
+                  <c:v>1.2189999999999901</c:v>
                 </c:pt>
                 <c:pt idx="41">
                   <c:v>2.4379999999999997</c:v>
@@ -3197,7 +3219,7 @@
                   <c:v>0.61000000000000065</c:v>
                 </c:pt>
                 <c:pt idx="45">
-                  <c:v>1.2189999999999905</c:v>
+                  <c:v>1.2189999999999901</c:v>
                 </c:pt>
                 <c:pt idx="46">
                   <c:v>4.8769999999999998</c:v>
@@ -3206,34 +3228,34 @@
                   <c:v>0.61000000000000065</c:v>
                 </c:pt>
                 <c:pt idx="48">
-                  <c:v>1.2189999999999905</c:v>
+                  <c:v>1.2189999999999901</c:v>
                 </c:pt>
                 <c:pt idx="49">
                   <c:v>7.3149999999999755</c:v>
                 </c:pt>
                 <c:pt idx="50">
-                  <c:v>1.2189999999999905</c:v>
+                  <c:v>1.2189999999999901</c:v>
                 </c:pt>
                 <c:pt idx="51">
-                  <c:v>1.2189999999999905</c:v>
+                  <c:v>1.2189999999999901</c:v>
                 </c:pt>
                 <c:pt idx="52">
                   <c:v>0.61000000000000065</c:v>
                 </c:pt>
                 <c:pt idx="53">
-                  <c:v>1.2189999999999905</c:v>
+                  <c:v>1.2189999999999901</c:v>
                 </c:pt>
                 <c:pt idx="54">
-                  <c:v>1.2189999999999905</c:v>
+                  <c:v>1.2189999999999901</c:v>
                 </c:pt>
                 <c:pt idx="55">
-                  <c:v>1.2189999999999905</c:v>
+                  <c:v>1.2189999999999901</c:v>
                 </c:pt>
                 <c:pt idx="56">
                   <c:v>2.4379999999999997</c:v>
                 </c:pt>
                 <c:pt idx="57">
-                  <c:v>1.2189999999999905</c:v>
+                  <c:v>1.2189999999999901</c:v>
                 </c:pt>
                 <c:pt idx="58">
                   <c:v>4.8769999999999998</c:v>
@@ -3245,7 +3267,7 @@
                   <c:v>2.4379999999999997</c:v>
                 </c:pt>
                 <c:pt idx="61">
-                  <c:v>1.2189999999999905</c:v>
+                  <c:v>1.2189999999999901</c:v>
                 </c:pt>
                 <c:pt idx="62">
                   <c:v>0.61000000000000065</c:v>
@@ -3523,7 +3545,7 @@
                   <c:v>0.96900000000000064</c:v>
                 </c:pt>
                 <c:pt idx="14">
-                  <c:v>1.2769999999999913</c:v>
+                  <c:v>1.276999999999991</c:v>
                 </c:pt>
                 <c:pt idx="15">
                   <c:v>3.0789999999999997</c:v>
@@ -3535,13 +3557,13 @@
                   <c:v>1.1990000000000001</c:v>
                 </c:pt>
                 <c:pt idx="18">
-                  <c:v>1.0249999999999913</c:v>
+                  <c:v>1.024999999999991</c:v>
                 </c:pt>
                 <c:pt idx="19">
-                  <c:v>1.0409999999999919</c:v>
+                  <c:v>1.0409999999999917</c:v>
                 </c:pt>
                 <c:pt idx="20">
-                  <c:v>1.9940000000000087</c:v>
+                  <c:v>1.9940000000000089</c:v>
                 </c:pt>
                 <c:pt idx="21">
                   <c:v>2.6759999999999997</c:v>
@@ -3574,7 +3596,7 @@
                   <c:v>1.127</c:v>
                 </c:pt>
                 <c:pt idx="31">
-                  <c:v>1.1619999999999915</c:v>
+                  <c:v>1.1619999999999913</c:v>
                 </c:pt>
                 <c:pt idx="32">
                   <c:v>1.175</c:v>
@@ -3589,7 +3611,7 @@
                   <c:v>2.0880000000000001</c:v>
                 </c:pt>
                 <c:pt idx="36">
-                  <c:v>1.9540000000000077</c:v>
+                  <c:v>1.954000000000008</c:v>
                 </c:pt>
                 <c:pt idx="37">
                   <c:v>1.073</c:v>
@@ -3598,7 +3620,7 @@
                   <c:v>0.93200000000000005</c:v>
                 </c:pt>
                 <c:pt idx="39">
-                  <c:v>1.2209999999999905</c:v>
+                  <c:v>1.2209999999999901</c:v>
                 </c:pt>
                 <c:pt idx="40">
                   <c:v>1.081</c:v>
@@ -3613,7 +3635,7 @@
                   <c:v>1.538</c:v>
                 </c:pt>
                 <c:pt idx="44">
-                  <c:v>1.0569999999999922</c:v>
+                  <c:v>1.0569999999999919</c:v>
                 </c:pt>
                 <c:pt idx="45">
                   <c:v>1.028</c:v>
@@ -3631,10 +3653,10 @@
                   <c:v>6.8039999999999985</c:v>
                 </c:pt>
                 <c:pt idx="50">
-                  <c:v>1.0489999999999922</c:v>
+                  <c:v>1.0489999999999919</c:v>
                 </c:pt>
                 <c:pt idx="51">
-                  <c:v>1.4489999999999903</c:v>
+                  <c:v>1.4489999999999899</c:v>
                 </c:pt>
                 <c:pt idx="52">
                   <c:v>0.91600000000000004</c:v>
@@ -3664,7 +3686,7 @@
                   <c:v>1.599</c:v>
                 </c:pt>
                 <c:pt idx="61">
-                  <c:v>1.5629999999999922</c:v>
+                  <c:v>1.562999999999992</c:v>
                 </c:pt>
                 <c:pt idx="62">
                   <c:v>0.99199999999999999</c:v>
@@ -3676,11 +3698,11 @@
             </c:numRef>
           </c:yVal>
         </c:ser>
-        <c:axId val="67409792"/>
-        <c:axId val="67641344"/>
+        <c:axId val="64869504"/>
+        <c:axId val="64871424"/>
       </c:scatterChart>
       <c:valAx>
-        <c:axId val="67409792"/>
+        <c:axId val="64869504"/>
         <c:scaling>
           <c:orientation val="minMax"/>
         </c:scaling>
@@ -3716,13 +3738,13 @@
             <a:endParaRPr lang="es-ES"/>
           </a:p>
         </c:txPr>
-        <c:crossAx val="67641344"/>
+        <c:crossAx val="64871424"/>
         <c:crosses val="autoZero"/>
         <c:crossBetween val="midCat"/>
         <c:majorUnit val="5"/>
       </c:valAx>
       <c:valAx>
-        <c:axId val="67641344"/>
+        <c:axId val="64871424"/>
         <c:scaling>
           <c:orientation val="minMax"/>
         </c:scaling>
@@ -3766,7 +3788,7 @@
             <a:endParaRPr lang="es-ES"/>
           </a:p>
         </c:txPr>
-        <c:crossAx val="67409792"/>
+        <c:crossAx val="64869504"/>
         <c:crosses val="autoZero"/>
         <c:crossBetween val="midCat"/>
       </c:valAx>
@@ -3779,7 +3801,7 @@
           <c:yMode val="edge"/>
           <c:x val="0.74133589770230268"/>
           <c:y val="0.71233526043915962"/>
-          <c:w val="0.24201434347572545"/>
+          <c:w val="0.24201434347572551"/>
           <c:h val="0.16317756172635517"/>
         </c:manualLayout>
       </c:layout>
@@ -3815,7 +3837,7 @@
           <c:x val="0.10048349150099888"/>
           <c:y val="4.1238940589567646E-2"/>
           <c:w val="0.87042860499284569"/>
-          <c:h val="0.75935138208448705"/>
+          <c:h val="0.75935138208448716"/>
         </c:manualLayout>
       </c:layout>
       <c:scatterChart>
@@ -3859,13 +3881,13 @@
                   <c:v>1.87</c:v>
                 </c:pt>
                 <c:pt idx="7">
-                  <c:v>1.9500000000000077</c:v>
+                  <c:v>1.9500000000000079</c:v>
                 </c:pt>
                 <c:pt idx="8">
                   <c:v>2.4899999999999998</c:v>
                 </c:pt>
                 <c:pt idx="9">
-                  <c:v>1.6800000000000077</c:v>
+                  <c:v>1.6800000000000079</c:v>
                 </c:pt>
                 <c:pt idx="10">
                   <c:v>2.98</c:v>
@@ -3883,7 +3905,7 @@
                   <c:v>3.3099999999999987</c:v>
                 </c:pt>
                 <c:pt idx="15">
-                  <c:v>1.9500000000000077</c:v>
+                  <c:v>1.9500000000000079</c:v>
                 </c:pt>
                 <c:pt idx="16">
                   <c:v>1.4</c:v>
@@ -3913,7 +3935,7 @@
                   <c:v>1.45</c:v>
                 </c:pt>
                 <c:pt idx="25">
-                  <c:v>1.9900000000000087</c:v>
+                  <c:v>1.9900000000000089</c:v>
                 </c:pt>
                 <c:pt idx="26">
                   <c:v>3</c:v>
@@ -3955,7 +3977,7 @@
                   <c:v>2.04</c:v>
                 </c:pt>
                 <c:pt idx="39">
-                  <c:v>1.9600000000000077</c:v>
+                  <c:v>1.960000000000008</c:v>
                 </c:pt>
                 <c:pt idx="40">
                   <c:v>3.09</c:v>
@@ -4039,7 +4061,7 @@
                 <c:formatCode>General</c:formatCode>
                 <c:ptCount val="64"/>
                 <c:pt idx="0">
-                  <c:v>1.2189999999999905</c:v>
+                  <c:v>1.2189999999999901</c:v>
                 </c:pt>
                 <c:pt idx="1">
                   <c:v>2.4379999999999997</c:v>
@@ -4051,19 +4073,19 @@
                   <c:v>1.829</c:v>
                 </c:pt>
                 <c:pt idx="4">
-                  <c:v>1.2189999999999905</c:v>
+                  <c:v>1.2189999999999901</c:v>
                 </c:pt>
                 <c:pt idx="5">
-                  <c:v>1.2189999999999905</c:v>
+                  <c:v>1.2189999999999901</c:v>
                 </c:pt>
                 <c:pt idx="6">
-                  <c:v>1.2189999999999905</c:v>
+                  <c:v>1.2189999999999901</c:v>
                 </c:pt>
                 <c:pt idx="7">
                   <c:v>2.4379999999999997</c:v>
                 </c:pt>
                 <c:pt idx="8">
-                  <c:v>1.2189999999999905</c:v>
+                  <c:v>1.2189999999999901</c:v>
                 </c:pt>
                 <c:pt idx="9">
                   <c:v>0.61000000000000065</c:v>
@@ -4072,22 +4094,22 @@
                   <c:v>3.048</c:v>
                 </c:pt>
                 <c:pt idx="11">
-                  <c:v>1.2189999999999905</c:v>
+                  <c:v>1.2189999999999901</c:v>
                 </c:pt>
                 <c:pt idx="12">
                   <c:v>0.61000000000000065</c:v>
                 </c:pt>
                 <c:pt idx="13">
-                  <c:v>1.2189999999999905</c:v>
+                  <c:v>1.2189999999999901</c:v>
                 </c:pt>
                 <c:pt idx="14">
                   <c:v>2.4379999999999997</c:v>
                 </c:pt>
                 <c:pt idx="15">
-                  <c:v>1.2189999999999905</c:v>
+                  <c:v>1.2189999999999901</c:v>
                 </c:pt>
                 <c:pt idx="16">
-                  <c:v>1.2189999999999905</c:v>
+                  <c:v>1.2189999999999901</c:v>
                 </c:pt>
                 <c:pt idx="17">
                   <c:v>0.61000000000000065</c:v>
@@ -4105,7 +4127,7 @@
                   <c:v>3.048</c:v>
                 </c:pt>
                 <c:pt idx="22">
-                  <c:v>1.2189999999999905</c:v>
+                  <c:v>1.2189999999999901</c:v>
                 </c:pt>
                 <c:pt idx="23">
                   <c:v>1.829</c:v>
@@ -4129,34 +4151,34 @@
                   <c:v>0.61000000000000065</c:v>
                 </c:pt>
                 <c:pt idx="30">
-                  <c:v>1.2189999999999905</c:v>
+                  <c:v>1.2189999999999901</c:v>
                 </c:pt>
                 <c:pt idx="31">
-                  <c:v>1.2189999999999905</c:v>
+                  <c:v>1.2189999999999901</c:v>
                 </c:pt>
                 <c:pt idx="32">
-                  <c:v>1.2189999999999905</c:v>
+                  <c:v>1.2189999999999901</c:v>
                 </c:pt>
                 <c:pt idx="33">
-                  <c:v>1.2189999999999905</c:v>
+                  <c:v>1.2189999999999901</c:v>
                 </c:pt>
                 <c:pt idx="34">
-                  <c:v>1.2189999999999905</c:v>
+                  <c:v>1.2189999999999901</c:v>
                 </c:pt>
                 <c:pt idx="35">
                   <c:v>3.048</c:v>
                 </c:pt>
                 <c:pt idx="36">
-                  <c:v>1.2189999999999905</c:v>
+                  <c:v>1.2189999999999901</c:v>
                 </c:pt>
                 <c:pt idx="37">
                   <c:v>0.61000000000000065</c:v>
                 </c:pt>
                 <c:pt idx="38">
-                  <c:v>1.2189999999999905</c:v>
+                  <c:v>1.2189999999999901</c:v>
                 </c:pt>
                 <c:pt idx="39">
-                  <c:v>1.2189999999999905</c:v>
+                  <c:v>1.2189999999999901</c:v>
                 </c:pt>
                 <c:pt idx="40">
                   <c:v>2.4379999999999997</c:v>
@@ -4171,7 +4193,7 @@
                   <c:v>0.61000000000000065</c:v>
                 </c:pt>
                 <c:pt idx="44">
-                  <c:v>1.2189999999999905</c:v>
+                  <c:v>1.2189999999999901</c:v>
                 </c:pt>
                 <c:pt idx="45">
                   <c:v>4.8769999999999998</c:v>
@@ -4180,34 +4202,34 @@
                   <c:v>0.61000000000000065</c:v>
                 </c:pt>
                 <c:pt idx="47">
-                  <c:v>1.2189999999999905</c:v>
+                  <c:v>1.2189999999999901</c:v>
                 </c:pt>
                 <c:pt idx="48">
                   <c:v>7.3149999999999755</c:v>
                 </c:pt>
                 <c:pt idx="49">
-                  <c:v>1.2189999999999905</c:v>
+                  <c:v>1.2189999999999901</c:v>
                 </c:pt>
                 <c:pt idx="50">
-                  <c:v>1.2189999999999905</c:v>
+                  <c:v>1.2189999999999901</c:v>
                 </c:pt>
                 <c:pt idx="51">
                   <c:v>0.61000000000000065</c:v>
                 </c:pt>
                 <c:pt idx="52">
-                  <c:v>1.2189999999999905</c:v>
+                  <c:v>1.2189999999999901</c:v>
                 </c:pt>
                 <c:pt idx="53">
-                  <c:v>1.2189999999999905</c:v>
+                  <c:v>1.2189999999999901</c:v>
                 </c:pt>
                 <c:pt idx="54">
-                  <c:v>1.2189999999999905</c:v>
+                  <c:v>1.2189999999999901</c:v>
                 </c:pt>
                 <c:pt idx="55">
                   <c:v>2.4379999999999997</c:v>
                 </c:pt>
                 <c:pt idx="56">
-                  <c:v>1.2189999999999905</c:v>
+                  <c:v>1.2189999999999901</c:v>
                 </c:pt>
                 <c:pt idx="57">
                   <c:v>4.8769999999999998</c:v>
@@ -4219,7 +4241,7 @@
                   <c:v>2.4379999999999997</c:v>
                 </c:pt>
                 <c:pt idx="60">
-                  <c:v>1.2189999999999905</c:v>
+                  <c:v>1.2189999999999901</c:v>
                 </c:pt>
                 <c:pt idx="61">
                   <c:v>0.61000000000000065</c:v>
@@ -4228,7 +4250,7 @@
                   <c:v>3.048</c:v>
                 </c:pt>
                 <c:pt idx="63">
-                  <c:v>1.2189999999999905</c:v>
+                  <c:v>1.2189999999999901</c:v>
                 </c:pt>
               </c:numCache>
             </c:numRef>
@@ -4335,11 +4357,11 @@
             </c:numRef>
           </c:yVal>
         </c:ser>
-        <c:axId val="76147712"/>
-        <c:axId val="104592128"/>
+        <c:axId val="63730432"/>
+        <c:axId val="63732352"/>
       </c:scatterChart>
       <c:valAx>
-        <c:axId val="76147712"/>
+        <c:axId val="63730432"/>
         <c:scaling>
           <c:orientation val="minMax"/>
           <c:max val="8"/>
@@ -4381,13 +4403,13 @@
             <a:endParaRPr lang="es-ES"/>
           </a:p>
         </c:txPr>
-        <c:crossAx val="104592128"/>
+        <c:crossAx val="63732352"/>
         <c:crosses val="autoZero"/>
         <c:crossBetween val="midCat"/>
         <c:majorUnit val="2"/>
       </c:valAx>
       <c:valAx>
-        <c:axId val="104592128"/>
+        <c:axId val="63732352"/>
         <c:scaling>
           <c:orientation val="minMax"/>
         </c:scaling>
@@ -4432,7 +4454,7 @@
             <a:endParaRPr lang="es-ES"/>
           </a:p>
         </c:txPr>
-        <c:crossAx val="76147712"/>
+        <c:crossAx val="63730432"/>
         <c:crosses val="autoZero"/>
         <c:crossBetween val="midCat"/>
       </c:valAx>
@@ -4458,7 +4480,7 @@
           <c:x val="0.10048349150099888"/>
           <c:y val="4.1238940589567646E-2"/>
           <c:w val="0.87042860499284569"/>
-          <c:h val="0.75935138208448683"/>
+          <c:h val="0.75935138208448694"/>
         </c:manualLayout>
       </c:layout>
       <c:scatterChart>
@@ -4520,7 +4542,7 @@
                   <c:v>0.96900000000000064</c:v>
                 </c:pt>
                 <c:pt idx="13">
-                  <c:v>1.2769999999999913</c:v>
+                  <c:v>1.276999999999991</c:v>
                 </c:pt>
                 <c:pt idx="14">
                   <c:v>3.0789999999999997</c:v>
@@ -4532,13 +4554,13 @@
                   <c:v>1.1990000000000001</c:v>
                 </c:pt>
                 <c:pt idx="17">
-                  <c:v>1.0249999999999913</c:v>
+                  <c:v>1.024999999999991</c:v>
                 </c:pt>
                 <c:pt idx="18">
-                  <c:v>1.0409999999999919</c:v>
+                  <c:v>1.0409999999999917</c:v>
                 </c:pt>
                 <c:pt idx="19">
-                  <c:v>1.9940000000000087</c:v>
+                  <c:v>1.9940000000000089</c:v>
                 </c:pt>
                 <c:pt idx="20">
                   <c:v>2.6759999999999997</c:v>
@@ -4571,7 +4593,7 @@
                   <c:v>1.127</c:v>
                 </c:pt>
                 <c:pt idx="30">
-                  <c:v>1.1619999999999915</c:v>
+                  <c:v>1.1619999999999913</c:v>
                 </c:pt>
                 <c:pt idx="31">
                   <c:v>1.175</c:v>
@@ -4586,7 +4608,7 @@
                   <c:v>2.0880000000000001</c:v>
                 </c:pt>
                 <c:pt idx="35">
-                  <c:v>1.9540000000000077</c:v>
+                  <c:v>1.954000000000008</c:v>
                 </c:pt>
                 <c:pt idx="36">
                   <c:v>1.073</c:v>
@@ -4595,7 +4617,7 @@
                   <c:v>0.93200000000000005</c:v>
                 </c:pt>
                 <c:pt idx="38">
-                  <c:v>1.2209999999999905</c:v>
+                  <c:v>1.2209999999999901</c:v>
                 </c:pt>
                 <c:pt idx="39">
                   <c:v>1.081</c:v>
@@ -4610,7 +4632,7 @@
                   <c:v>1.538</c:v>
                 </c:pt>
                 <c:pt idx="43">
-                  <c:v>1.0569999999999922</c:v>
+                  <c:v>1.0569999999999919</c:v>
                 </c:pt>
                 <c:pt idx="44">
                   <c:v>1.028</c:v>
@@ -4628,10 +4650,10 @@
                   <c:v>6.8039999999999985</c:v>
                 </c:pt>
                 <c:pt idx="49">
-                  <c:v>1.0489999999999922</c:v>
+                  <c:v>1.0489999999999919</c:v>
                 </c:pt>
                 <c:pt idx="50">
-                  <c:v>1.4489999999999903</c:v>
+                  <c:v>1.4489999999999899</c:v>
                 </c:pt>
                 <c:pt idx="51">
                   <c:v>0.91600000000000004</c:v>
@@ -4661,7 +4683,7 @@
                   <c:v>1.599</c:v>
                 </c:pt>
                 <c:pt idx="60">
-                  <c:v>1.5629999999999922</c:v>
+                  <c:v>1.562999999999992</c:v>
                 </c:pt>
                 <c:pt idx="61">
                   <c:v>0.99199999999999999</c:v>
@@ -4682,7 +4704,7 @@
                 <c:formatCode>General</c:formatCode>
                 <c:ptCount val="64"/>
                 <c:pt idx="0">
-                  <c:v>1.2189999999999905</c:v>
+                  <c:v>1.2189999999999901</c:v>
                 </c:pt>
                 <c:pt idx="1">
                   <c:v>2.4379999999999997</c:v>
@@ -4694,19 +4716,19 @@
                   <c:v>1.829</c:v>
                 </c:pt>
                 <c:pt idx="4">
-                  <c:v>1.2189999999999905</c:v>
+                  <c:v>1.2189999999999901</c:v>
                 </c:pt>
                 <c:pt idx="5">
-                  <c:v>1.2189999999999905</c:v>
+                  <c:v>1.2189999999999901</c:v>
                 </c:pt>
                 <c:pt idx="6">
-                  <c:v>1.2189999999999905</c:v>
+                  <c:v>1.2189999999999901</c:v>
                 </c:pt>
                 <c:pt idx="7">
                   <c:v>2.4379999999999997</c:v>
                 </c:pt>
                 <c:pt idx="8">
-                  <c:v>1.2189999999999905</c:v>
+                  <c:v>1.2189999999999901</c:v>
                 </c:pt>
                 <c:pt idx="9">
                   <c:v>0.61000000000000065</c:v>
@@ -4715,22 +4737,22 @@
                   <c:v>3.048</c:v>
                 </c:pt>
                 <c:pt idx="11">
-                  <c:v>1.2189999999999905</c:v>
+                  <c:v>1.2189999999999901</c:v>
                 </c:pt>
                 <c:pt idx="12">
                   <c:v>0.61000000000000065</c:v>
                 </c:pt>
                 <c:pt idx="13">
-                  <c:v>1.2189999999999905</c:v>
+                  <c:v>1.2189999999999901</c:v>
                 </c:pt>
                 <c:pt idx="14">
                   <c:v>2.4379999999999997</c:v>
                 </c:pt>
                 <c:pt idx="15">
-                  <c:v>1.2189999999999905</c:v>
+                  <c:v>1.2189999999999901</c:v>
                 </c:pt>
                 <c:pt idx="16">
-                  <c:v>1.2189999999999905</c:v>
+                  <c:v>1.2189999999999901</c:v>
                 </c:pt>
                 <c:pt idx="17">
                   <c:v>0.61000000000000065</c:v>
@@ -4748,7 +4770,7 @@
                   <c:v>3.048</c:v>
                 </c:pt>
                 <c:pt idx="22">
-                  <c:v>1.2189999999999905</c:v>
+                  <c:v>1.2189999999999901</c:v>
                 </c:pt>
                 <c:pt idx="23">
                   <c:v>1.829</c:v>
@@ -4772,34 +4794,34 @@
                   <c:v>0.61000000000000065</c:v>
                 </c:pt>
                 <c:pt idx="30">
-                  <c:v>1.2189999999999905</c:v>
+                  <c:v>1.2189999999999901</c:v>
                 </c:pt>
                 <c:pt idx="31">
-                  <c:v>1.2189999999999905</c:v>
+                  <c:v>1.2189999999999901</c:v>
                 </c:pt>
                 <c:pt idx="32">
-                  <c:v>1.2189999999999905</c:v>
+                  <c:v>1.2189999999999901</c:v>
                 </c:pt>
                 <c:pt idx="33">
-                  <c:v>1.2189999999999905</c:v>
+                  <c:v>1.2189999999999901</c:v>
                 </c:pt>
                 <c:pt idx="34">
-                  <c:v>1.2189999999999905</c:v>
+                  <c:v>1.2189999999999901</c:v>
                 </c:pt>
                 <c:pt idx="35">
                   <c:v>3.048</c:v>
                 </c:pt>
                 <c:pt idx="36">
-                  <c:v>1.2189999999999905</c:v>
+                  <c:v>1.2189999999999901</c:v>
                 </c:pt>
                 <c:pt idx="37">
                   <c:v>0.61000000000000065</c:v>
                 </c:pt>
                 <c:pt idx="38">
-                  <c:v>1.2189999999999905</c:v>
+                  <c:v>1.2189999999999901</c:v>
                 </c:pt>
                 <c:pt idx="39">
-                  <c:v>1.2189999999999905</c:v>
+                  <c:v>1.2189999999999901</c:v>
                 </c:pt>
                 <c:pt idx="40">
                   <c:v>2.4379999999999997</c:v>
@@ -4814,7 +4836,7 @@
                   <c:v>0.61000000000000065</c:v>
                 </c:pt>
                 <c:pt idx="44">
-                  <c:v>1.2189999999999905</c:v>
+                  <c:v>1.2189999999999901</c:v>
                 </c:pt>
                 <c:pt idx="45">
                   <c:v>4.8769999999999998</c:v>
@@ -4823,34 +4845,34 @@
                   <c:v>0.61000000000000065</c:v>
                 </c:pt>
                 <c:pt idx="47">
-                  <c:v>1.2189999999999905</c:v>
+                  <c:v>1.2189999999999901</c:v>
                 </c:pt>
                 <c:pt idx="48">
                   <c:v>7.3149999999999755</c:v>
                 </c:pt>
                 <c:pt idx="49">
-                  <c:v>1.2189999999999905</c:v>
+                  <c:v>1.2189999999999901</c:v>
                 </c:pt>
                 <c:pt idx="50">
-                  <c:v>1.2189999999999905</c:v>
+                  <c:v>1.2189999999999901</c:v>
                 </c:pt>
                 <c:pt idx="51">
                   <c:v>0.61000000000000065</c:v>
                 </c:pt>
                 <c:pt idx="52">
-                  <c:v>1.2189999999999905</c:v>
+                  <c:v>1.2189999999999901</c:v>
                 </c:pt>
                 <c:pt idx="53">
-                  <c:v>1.2189999999999905</c:v>
+                  <c:v>1.2189999999999901</c:v>
                 </c:pt>
                 <c:pt idx="54">
-                  <c:v>1.2189999999999905</c:v>
+                  <c:v>1.2189999999999901</c:v>
                 </c:pt>
                 <c:pt idx="55">
                   <c:v>2.4379999999999997</c:v>
                 </c:pt>
                 <c:pt idx="56">
-                  <c:v>1.2189999999999905</c:v>
+                  <c:v>1.2189999999999901</c:v>
                 </c:pt>
                 <c:pt idx="57">
                   <c:v>4.8769999999999998</c:v>
@@ -4862,7 +4884,7 @@
                   <c:v>2.4379999999999997</c:v>
                 </c:pt>
                 <c:pt idx="60">
-                  <c:v>1.2189999999999905</c:v>
+                  <c:v>1.2189999999999901</c:v>
                 </c:pt>
                 <c:pt idx="61">
                   <c:v>0.61000000000000065</c:v>
@@ -4871,7 +4893,7 @@
                   <c:v>3.048</c:v>
                 </c:pt>
                 <c:pt idx="63">
-                  <c:v>1.2189999999999905</c:v>
+                  <c:v>1.2189999999999901</c:v>
                 </c:pt>
               </c:numCache>
             </c:numRef>
@@ -4978,11 +5000,11 @@
             </c:numRef>
           </c:yVal>
         </c:ser>
-        <c:axId val="75750784"/>
-        <c:axId val="76088832"/>
+        <c:axId val="63765120"/>
+        <c:axId val="64885504"/>
       </c:scatterChart>
       <c:valAx>
-        <c:axId val="75750784"/>
+        <c:axId val="63765120"/>
         <c:scaling>
           <c:orientation val="minMax"/>
           <c:max val="8"/>
@@ -5023,13 +5045,13 @@
             <a:endParaRPr lang="es-ES"/>
           </a:p>
         </c:txPr>
-        <c:crossAx val="76088832"/>
+        <c:crossAx val="64885504"/>
         <c:crosses val="autoZero"/>
         <c:crossBetween val="midCat"/>
         <c:majorUnit val="2"/>
       </c:valAx>
       <c:valAx>
-        <c:axId val="76088832"/>
+        <c:axId val="64885504"/>
         <c:scaling>
           <c:orientation val="minMax"/>
         </c:scaling>
@@ -5066,7 +5088,7 @@
             <a:endParaRPr lang="es-ES"/>
           </a:p>
         </c:txPr>
-        <c:crossAx val="75750784"/>
+        <c:crossAx val="63765120"/>
         <c:crosses val="autoZero"/>
         <c:crossBetween val="midCat"/>
       </c:valAx>
@@ -5133,10 +5155,10 @@
                 <c:formatCode>0%</c:formatCode>
                 <c:ptCount val="5"/>
                 <c:pt idx="0">
-                  <c:v>0.66</c:v>
+                  <c:v>0.66000000000000014</c:v>
                 </c:pt>
                 <c:pt idx="1">
-                  <c:v>0.82</c:v>
+                  <c:v>0.82000000000000006</c:v>
                 </c:pt>
                 <c:pt idx="2">
                   <c:v>0</c:v>
@@ -5200,7 +5222,7 @@
                 <c:formatCode>0%</c:formatCode>
                 <c:ptCount val="5"/>
                 <c:pt idx="0">
-                  <c:v>0.82</c:v>
+                  <c:v>0.82000000000000006</c:v>
                 </c:pt>
                 <c:pt idx="1">
                   <c:v>0.89</c:v>
@@ -5209,7 +5231,7 @@
                   <c:v>0.5</c:v>
                 </c:pt>
                 <c:pt idx="3">
-                  <c:v>0.48</c:v>
+                  <c:v>0.48000000000000004</c:v>
                 </c:pt>
                 <c:pt idx="4">
                   <c:v>0.79</c:v>
@@ -5219,25 +5241,25 @@
           </c:val>
         </c:ser>
         <c:shape val="box"/>
-        <c:axId val="62823424"/>
-        <c:axId val="62906368"/>
+        <c:axId val="64913792"/>
+        <c:axId val="64915328"/>
         <c:axId val="0"/>
       </c:bar3DChart>
       <c:catAx>
-        <c:axId val="62823424"/>
+        <c:axId val="64913792"/>
         <c:scaling>
           <c:orientation val="minMax"/>
         </c:scaling>
         <c:axPos val="b"/>
         <c:tickLblPos val="nextTo"/>
-        <c:crossAx val="62906368"/>
+        <c:crossAx val="64915328"/>
         <c:crosses val="autoZero"/>
         <c:auto val="1"/>
         <c:lblAlgn val="ctr"/>
         <c:lblOffset val="100"/>
       </c:catAx>
       <c:valAx>
-        <c:axId val="62906368"/>
+        <c:axId val="64915328"/>
         <c:scaling>
           <c:orientation val="minMax"/>
         </c:scaling>
@@ -5245,7 +5267,7 @@
         <c:majorGridlines/>
         <c:numFmt formatCode="0%" sourceLinked="1"/>
         <c:tickLblPos val="nextTo"/>
-        <c:crossAx val="62823424"/>
+        <c:crossAx val="64913792"/>
         <c:crosses val="autoZero"/>
         <c:crossBetween val="between"/>
       </c:valAx>
@@ -5262,6 +5284,7 @@
 
 <file path=ppt/charts/chart8.xml><?xml version="1.0" encoding="utf-8"?>
 <c:chartSpace xmlns:c="http://schemas.openxmlformats.org/drawingml/2006/chart" xmlns:a="http://schemas.openxmlformats.org/drawingml/2006/main" xmlns:r="http://schemas.openxmlformats.org/officeDocument/2006/relationships">
+  <c:date1904 val="1"/>
   <c:lang val="es-ES"/>
   <c:chart>
     <c:view3D>
@@ -5316,13 +5339,13 @@
                 <c:formatCode>General</c:formatCode>
                 <c:ptCount val="5"/>
                 <c:pt idx="0">
-                  <c:v>0.96</c:v>
+                  <c:v>0.96000000000000008</c:v>
                 </c:pt>
                 <c:pt idx="1">
                   <c:v>1.35</c:v>
                 </c:pt>
                 <c:pt idx="2">
-                  <c:v>1.18</c:v>
+                  <c:v>1.1800000000000002</c:v>
                 </c:pt>
                 <c:pt idx="3">
                   <c:v>0.99</c:v>
@@ -5383,44 +5406,44 @@
                 <c:formatCode>General</c:formatCode>
                 <c:ptCount val="5"/>
                 <c:pt idx="0">
-                  <c:v>0.61</c:v>
+                  <c:v>0.6100000000000001</c:v>
                 </c:pt>
                 <c:pt idx="1">
-                  <c:v>0.82</c:v>
+                  <c:v>0.82000000000000006</c:v>
                 </c:pt>
                 <c:pt idx="2">
                   <c:v>0.46</c:v>
                 </c:pt>
                 <c:pt idx="3">
-                  <c:v>0.47</c:v>
+                  <c:v>0.47000000000000003</c:v>
                 </c:pt>
                 <c:pt idx="4">
-                  <c:v>0.47</c:v>
+                  <c:v>0.47000000000000003</c:v>
                 </c:pt>
               </c:numCache>
             </c:numRef>
           </c:val>
         </c:ser>
         <c:shape val="cylinder"/>
-        <c:axId val="67332352"/>
-        <c:axId val="67433216"/>
+        <c:axId val="64944384"/>
+        <c:axId val="63639552"/>
         <c:axId val="0"/>
       </c:bar3DChart>
       <c:catAx>
-        <c:axId val="67332352"/>
+        <c:axId val="64944384"/>
         <c:scaling>
           <c:orientation val="minMax"/>
         </c:scaling>
         <c:axPos val="b"/>
         <c:tickLblPos val="nextTo"/>
-        <c:crossAx val="67433216"/>
+        <c:crossAx val="63639552"/>
         <c:crosses val="autoZero"/>
         <c:auto val="1"/>
         <c:lblAlgn val="ctr"/>
         <c:lblOffset val="100"/>
       </c:catAx>
       <c:valAx>
-        <c:axId val="67433216"/>
+        <c:axId val="63639552"/>
         <c:scaling>
           <c:orientation val="minMax"/>
         </c:scaling>
@@ -5428,7 +5451,7 @@
         <c:majorGridlines/>
         <c:numFmt formatCode="General" sourceLinked="1"/>
         <c:tickLblPos val="nextTo"/>
-        <c:crossAx val="67332352"/>
+        <c:crossAx val="64944384"/>
         <c:crosses val="autoZero"/>
         <c:crossBetween val="between"/>
       </c:valAx>
@@ -5526,7 +5549,7 @@
             <a:fld id="{6F7DFDAF-273A-4B14-B585-9A1EB6FB1D1C}" type="datetimeFigureOut">
               <a:rPr lang="es-ES" smtClean="0"/>
               <a:pPr/>
-              <a:t>16/08/2010</a:t>
+              <a:t>18/08/2010</a:t>
             </a:fld>
             <a:endParaRPr lang="es-ES"/>
           </a:p>
@@ -7936,7 +7959,7 @@
             <a:fld id="{3841DEE1-7CBC-4AC5-8CB0-36222882615A}" type="datetimeFigureOut">
               <a:rPr lang="es-AR" smtClean="0"/>
               <a:pPr/>
-              <a:t>16/08/2010</a:t>
+              <a:t>18/08/2010</a:t>
             </a:fld>
             <a:endParaRPr lang="es-AR"/>
           </a:p>
@@ -8103,7 +8126,7 @@
             <a:fld id="{3841DEE1-7CBC-4AC5-8CB0-36222882615A}" type="datetimeFigureOut">
               <a:rPr lang="es-AR" smtClean="0"/>
               <a:pPr/>
-              <a:t>16/08/2010</a:t>
+              <a:t>18/08/2010</a:t>
             </a:fld>
             <a:endParaRPr lang="es-AR"/>
           </a:p>
@@ -8280,7 +8303,7 @@
             <a:fld id="{3841DEE1-7CBC-4AC5-8CB0-36222882615A}" type="datetimeFigureOut">
               <a:rPr lang="es-AR" smtClean="0"/>
               <a:pPr/>
-              <a:t>16/08/2010</a:t>
+              <a:t>18/08/2010</a:t>
             </a:fld>
             <a:endParaRPr lang="es-AR"/>
           </a:p>
@@ -8447,7 +8470,7 @@
             <a:fld id="{3841DEE1-7CBC-4AC5-8CB0-36222882615A}" type="datetimeFigureOut">
               <a:rPr lang="es-AR" smtClean="0"/>
               <a:pPr/>
-              <a:t>16/08/2010</a:t>
+              <a:t>18/08/2010</a:t>
             </a:fld>
             <a:endParaRPr lang="es-AR"/>
           </a:p>
@@ -8691,7 +8714,7 @@
             <a:fld id="{3841DEE1-7CBC-4AC5-8CB0-36222882615A}" type="datetimeFigureOut">
               <a:rPr lang="es-AR" smtClean="0"/>
               <a:pPr/>
-              <a:t>16/08/2010</a:t>
+              <a:t>18/08/2010</a:t>
             </a:fld>
             <a:endParaRPr lang="es-AR"/>
           </a:p>
@@ -8957,7 +8980,7 @@
             <a:fld id="{3841DEE1-7CBC-4AC5-8CB0-36222882615A}" type="datetimeFigureOut">
               <a:rPr lang="es-AR" smtClean="0"/>
               <a:pPr/>
-              <a:t>16/08/2010</a:t>
+              <a:t>18/08/2010</a:t>
             </a:fld>
             <a:endParaRPr lang="es-AR"/>
           </a:p>
@@ -9337,7 +9360,7 @@
             <a:fld id="{3841DEE1-7CBC-4AC5-8CB0-36222882615A}" type="datetimeFigureOut">
               <a:rPr lang="es-AR" smtClean="0"/>
               <a:pPr/>
-              <a:t>16/08/2010</a:t>
+              <a:t>18/08/2010</a:t>
             </a:fld>
             <a:endParaRPr lang="es-AR"/>
           </a:p>
@@ -9489,7 +9512,7 @@
             <a:fld id="{3841DEE1-7CBC-4AC5-8CB0-36222882615A}" type="datetimeFigureOut">
               <a:rPr lang="es-AR" smtClean="0"/>
               <a:pPr/>
-              <a:t>16/08/2010</a:t>
+              <a:t>18/08/2010</a:t>
             </a:fld>
             <a:endParaRPr lang="es-AR"/>
           </a:p>
@@ -9581,7 +9604,7 @@
             <a:fld id="{3841DEE1-7CBC-4AC5-8CB0-36222882615A}" type="datetimeFigureOut">
               <a:rPr lang="es-AR" smtClean="0"/>
               <a:pPr/>
-              <a:t>16/08/2010</a:t>
+              <a:t>18/08/2010</a:t>
             </a:fld>
             <a:endParaRPr lang="es-AR"/>
           </a:p>
@@ -9844,7 +9867,7 @@
             <a:fld id="{3841DEE1-7CBC-4AC5-8CB0-36222882615A}" type="datetimeFigureOut">
               <a:rPr lang="es-AR" smtClean="0"/>
               <a:pPr/>
-              <a:t>16/08/2010</a:t>
+              <a:t>18/08/2010</a:t>
             </a:fld>
             <a:endParaRPr lang="es-AR"/>
           </a:p>
@@ -10134,7 +10157,7 @@
             <a:fld id="{3841DEE1-7CBC-4AC5-8CB0-36222882615A}" type="datetimeFigureOut">
               <a:rPr lang="es-AR" smtClean="0"/>
               <a:pPr/>
-              <a:t>16/08/2010</a:t>
+              <a:t>18/08/2010</a:t>
             </a:fld>
             <a:endParaRPr lang="es-AR"/>
           </a:p>
@@ -10907,7 +10930,7 @@
             <a:fld id="{3841DEE1-7CBC-4AC5-8CB0-36222882615A}" type="datetimeFigureOut">
               <a:rPr lang="es-AR" smtClean="0"/>
               <a:pPr/>
-              <a:t>16/08/2010</a:t>
+              <a:t>18/08/2010</a:t>
             </a:fld>
             <a:endParaRPr lang="es-AR"/>
           </a:p>
@@ -11562,26 +11585,37 @@
         <p:spPr/>
         <p:txBody>
           <a:bodyPr>
-            <a:normAutofit lnSpcReduction="10000"/>
+            <a:normAutofit/>
           </a:bodyPr>
           <a:lstStyle/>
           <a:p>
             <a:r>
-              <a:rPr lang="en-US" dirty="0" smtClean="0"/>
+              <a:rPr lang="en-US" dirty="0" smtClean="0">
+                <a:latin typeface="+mj-lt"/>
+              </a:rPr>
               <a:t>“</a:t>
             </a:r>
             <a:r>
-              <a:rPr lang="es-ES_tradnl" dirty="0" smtClean="0"/>
-              <a:t>Un enfoque para predicción del oleaje basado en análisis de regresión con técnicas de aprendizaje supervisado</a:t>
-            </a:r>
-            <a:endParaRPr lang="es-AR" dirty="0" smtClean="0"/>
-          </a:p>
-          <a:p>
-            <a:r>
-              <a:rPr lang="en-US" dirty="0" smtClean="0"/>
+              <a:rPr lang="es-ES_tradnl" dirty="0" smtClean="0">
+                <a:latin typeface="+mj-lt"/>
+              </a:rPr>
+              <a:t>Un enfoque para predicción del oleaje basado en análisis de regresión con técnicas de aprendizaje </a:t>
+            </a:r>
+            <a:r>
+              <a:rPr lang="es-ES_tradnl" dirty="0" smtClean="0">
+                <a:latin typeface="+mj-lt"/>
+              </a:rPr>
+              <a:t>supervisado</a:t>
+            </a:r>
+            <a:r>
+              <a:rPr lang="en-US" dirty="0" smtClean="0">
+                <a:latin typeface="+mj-lt"/>
+              </a:rPr>
               <a:t>”</a:t>
             </a:r>
-            <a:endParaRPr lang="es-AR" dirty="0"/>
+            <a:endParaRPr lang="es-AR" dirty="0">
+              <a:latin typeface="+mj-lt"/>
+            </a:endParaRPr>
           </a:p>
         </p:txBody>
       </p:sp>
@@ -11658,37 +11692,57 @@
           <a:lstStyle/>
           <a:p>
             <a:r>
-              <a:rPr lang="es-US" dirty="0" smtClean="0"/>
+              <a:rPr lang="es-US" dirty="0" smtClean="0">
+                <a:latin typeface="+mj-lt"/>
+              </a:rPr>
               <a:t>Resultados generales</a:t>
             </a:r>
           </a:p>
           <a:p>
-            <a:endParaRPr lang="es-US" dirty="0" smtClean="0"/>
-          </a:p>
-          <a:p>
-            <a:endParaRPr lang="es-US" dirty="0" smtClean="0"/>
-          </a:p>
-          <a:p>
-            <a:endParaRPr lang="es-US" dirty="0" smtClean="0"/>
-          </a:p>
-          <a:p>
-            <a:endParaRPr lang="es-US" dirty="0" smtClean="0"/>
-          </a:p>
-          <a:p>
-            <a:endParaRPr lang="es-US" dirty="0" smtClean="0"/>
-          </a:p>
-          <a:p>
-            <a:endParaRPr lang="es-US" dirty="0" smtClean="0"/>
-          </a:p>
-          <a:p>
-            <a:endParaRPr lang="es-US" dirty="0" smtClean="0"/>
-          </a:p>
-          <a:p>
-            <a:endParaRPr lang="es-US" dirty="0" smtClean="0"/>
-          </a:p>
-          <a:p>
-            <a:r>
-              <a:rPr lang="es-US" dirty="0" smtClean="0"/>
+            <a:endParaRPr lang="es-US" dirty="0" smtClean="0">
+              <a:latin typeface="+mj-lt"/>
+            </a:endParaRPr>
+          </a:p>
+          <a:p>
+            <a:endParaRPr lang="es-US" dirty="0" smtClean="0">
+              <a:latin typeface="+mj-lt"/>
+            </a:endParaRPr>
+          </a:p>
+          <a:p>
+            <a:endParaRPr lang="es-US" dirty="0" smtClean="0">
+              <a:latin typeface="+mj-lt"/>
+            </a:endParaRPr>
+          </a:p>
+          <a:p>
+            <a:endParaRPr lang="es-US" dirty="0" smtClean="0">
+              <a:latin typeface="+mj-lt"/>
+            </a:endParaRPr>
+          </a:p>
+          <a:p>
+            <a:endParaRPr lang="es-US" dirty="0" smtClean="0">
+              <a:latin typeface="+mj-lt"/>
+            </a:endParaRPr>
+          </a:p>
+          <a:p>
+            <a:endParaRPr lang="es-US" dirty="0" smtClean="0">
+              <a:latin typeface="+mj-lt"/>
+            </a:endParaRPr>
+          </a:p>
+          <a:p>
+            <a:endParaRPr lang="es-US" dirty="0" smtClean="0">
+              <a:latin typeface="+mj-lt"/>
+            </a:endParaRPr>
+          </a:p>
+          <a:p>
+            <a:endParaRPr lang="es-US" dirty="0" smtClean="0">
+              <a:latin typeface="+mj-lt"/>
+            </a:endParaRPr>
+          </a:p>
+          <a:p>
+            <a:r>
+              <a:rPr lang="es-US" dirty="0" smtClean="0">
+                <a:latin typeface="+mj-lt"/>
+              </a:rPr>
               <a:t>Optimo [SVM/WW3Last3DaysStrategy]</a:t>
             </a:r>
           </a:p>
@@ -11846,17 +11900,20 @@
           <a:lstStyle/>
           <a:p>
             <a:r>
-              <a:rPr lang="es-US" dirty="0" smtClean="0"/>
-              <a:t>Resultados detallados </a:t>
-            </a:r>
-            <a:r>
-              <a:rPr lang="es-US" dirty="0" smtClean="0"/>
-              <a:t>para la ola “Makaha”</a:t>
-            </a:r>
-            <a:endParaRPr lang="es-US" dirty="0" smtClean="0"/>
-          </a:p>
-          <a:p>
-            <a:endParaRPr lang="es-ES" dirty="0"/>
+              <a:rPr lang="es-US" dirty="0" smtClean="0">
+                <a:latin typeface="+mj-lt"/>
+              </a:rPr>
+              <a:t>Resultados detallados para la ola “Makaha</a:t>
+            </a:r>
+            <a:r>
+              <a:rPr lang="es-US" dirty="0" smtClean="0">
+                <a:latin typeface="+mj-lt"/>
+              </a:rPr>
+              <a:t>”</a:t>
+            </a:r>
+            <a:endParaRPr lang="es-US" dirty="0" smtClean="0">
+              <a:latin typeface="+mj-lt"/>
+            </a:endParaRPr>
           </a:p>
         </p:txBody>
       </p:sp>
@@ -12914,10 +12971,14 @@
           <a:lstStyle/>
           <a:p>
             <a:r>
-              <a:rPr lang="es-US" dirty="0" smtClean="0"/>
+              <a:rPr lang="es-US" dirty="0" smtClean="0">
+                <a:latin typeface="+mj-lt"/>
+              </a:rPr>
               <a:t>Resultados detallados para todas las pruebas</a:t>
             </a:r>
-            <a:endParaRPr lang="es-ES" dirty="0"/>
+            <a:endParaRPr lang="es-ES" dirty="0">
+              <a:latin typeface="+mj-lt"/>
+            </a:endParaRPr>
           </a:p>
         </p:txBody>
       </p:sp>
@@ -12962,7 +13023,7 @@
         <p:spPr>
           <a:xfrm>
             <a:off x="1714480" y="2571744"/>
-            <a:ext cx="1347035" cy="369332"/>
+            <a:ext cx="1260473" cy="369332"/>
           </a:xfrm>
           <a:prstGeom prst="rect">
             <a:avLst/>
@@ -12976,10 +13037,14 @@
           <a:lstStyle/>
           <a:p>
             <a:r>
-              <a:rPr lang="es-US" dirty="0" smtClean="0"/>
+              <a:rPr lang="es-US" dirty="0" smtClean="0">
+                <a:latin typeface="+mj-lt"/>
+              </a:rPr>
               <a:t>Correlación</a:t>
             </a:r>
-            <a:endParaRPr lang="es-ES" dirty="0"/>
+            <a:endParaRPr lang="es-ES" dirty="0">
+              <a:latin typeface="+mj-lt"/>
+            </a:endParaRPr>
           </a:p>
         </p:txBody>
       </p:sp>
@@ -12992,7 +13057,7 @@
         <p:spPr>
           <a:xfrm>
             <a:off x="5429256" y="2571744"/>
-            <a:ext cx="3011209" cy="369332"/>
+            <a:ext cx="2808076" cy="369332"/>
           </a:xfrm>
           <a:prstGeom prst="rect">
             <a:avLst/>
@@ -13006,10 +13071,14 @@
           <a:lstStyle/>
           <a:p>
             <a:r>
-              <a:rPr lang="es-US" dirty="0" smtClean="0"/>
+              <a:rPr lang="es-US" dirty="0" smtClean="0">
+                <a:latin typeface="+mj-lt"/>
+              </a:rPr>
               <a:t>Error absoluto medio (MAE)</a:t>
             </a:r>
-            <a:endParaRPr lang="es-ES" dirty="0"/>
+            <a:endParaRPr lang="es-ES" dirty="0">
+              <a:latin typeface="+mj-lt"/>
+            </a:endParaRPr>
           </a:p>
         </p:txBody>
       </p:sp>
@@ -13084,134 +13153,198 @@
           <a:lstStyle/>
           <a:p>
             <a:r>
-              <a:rPr lang="en-US" dirty="0" err="1" smtClean="0"/>
+              <a:rPr lang="en-US" dirty="0" err="1" smtClean="0">
+                <a:latin typeface="+mj-lt"/>
+              </a:rPr>
               <a:t>Motivación</a:t>
             </a:r>
             <a:r>
-              <a:rPr lang="en-US" dirty="0" smtClean="0"/>
+              <a:rPr lang="en-US" dirty="0" smtClean="0">
+                <a:latin typeface="+mj-lt"/>
+              </a:rPr>
               <a:t> (</a:t>
             </a:r>
             <a:r>
-              <a:rPr lang="en-US" dirty="0" err="1" smtClean="0"/>
+              <a:rPr lang="en-US" dirty="0" err="1" smtClean="0">
+                <a:latin typeface="+mj-lt"/>
+              </a:rPr>
               <a:t>Contexto</a:t>
             </a:r>
             <a:r>
-              <a:rPr lang="en-US" dirty="0" smtClean="0"/>
+              <a:rPr lang="en-US" dirty="0" smtClean="0">
+                <a:latin typeface="+mj-lt"/>
+              </a:rPr>
               <a:t> y </a:t>
             </a:r>
             <a:r>
-              <a:rPr lang="en-US" dirty="0" err="1" smtClean="0"/>
+              <a:rPr lang="en-US" dirty="0" err="1" smtClean="0">
+                <a:latin typeface="+mj-lt"/>
+              </a:rPr>
               <a:t>Desventajas</a:t>
             </a:r>
             <a:r>
-              <a:rPr lang="en-US" dirty="0" smtClean="0"/>
+              <a:rPr lang="en-US" dirty="0" smtClean="0">
+                <a:latin typeface="+mj-lt"/>
+              </a:rPr>
               <a:t> de lo </a:t>
             </a:r>
             <a:r>
-              <a:rPr lang="en-US" dirty="0" err="1" smtClean="0"/>
+              <a:rPr lang="en-US" dirty="0" err="1" smtClean="0">
+                <a:latin typeface="+mj-lt"/>
+              </a:rPr>
               <a:t>que</a:t>
             </a:r>
             <a:r>
-              <a:rPr lang="en-US" dirty="0" smtClean="0"/>
+              <a:rPr lang="en-US" dirty="0" smtClean="0">
+                <a:latin typeface="+mj-lt"/>
+              </a:rPr>
               <a:t> </a:t>
             </a:r>
             <a:r>
-              <a:rPr lang="en-US" dirty="0" err="1" smtClean="0"/>
+              <a:rPr lang="en-US" dirty="0" err="1" smtClean="0">
+                <a:latin typeface="+mj-lt"/>
+              </a:rPr>
               <a:t>existe</a:t>
             </a:r>
             <a:r>
-              <a:rPr lang="en-US" dirty="0" smtClean="0"/>
+              <a:rPr lang="en-US" dirty="0" smtClean="0">
+                <a:latin typeface="+mj-lt"/>
+              </a:rPr>
               <a:t>)</a:t>
             </a:r>
           </a:p>
           <a:p>
             <a:r>
-              <a:rPr lang="en-US" dirty="0" err="1" smtClean="0"/>
+              <a:rPr lang="en-US" dirty="0" err="1" smtClean="0">
+                <a:latin typeface="+mj-lt"/>
+              </a:rPr>
               <a:t>Propuesta</a:t>
             </a:r>
             <a:r>
-              <a:rPr lang="en-US" dirty="0" smtClean="0"/>
+              <a:rPr lang="en-US" dirty="0" smtClean="0">
+                <a:latin typeface="+mj-lt"/>
+              </a:rPr>
               <a:t> (Lo </a:t>
             </a:r>
             <a:r>
-              <a:rPr lang="en-US" dirty="0" err="1" smtClean="0"/>
+              <a:rPr lang="en-US" dirty="0" err="1" smtClean="0">
+                <a:latin typeface="+mj-lt"/>
+              </a:rPr>
               <a:t>que</a:t>
             </a:r>
             <a:r>
-              <a:rPr lang="en-US" dirty="0" smtClean="0"/>
+              <a:rPr lang="en-US" dirty="0" smtClean="0">
+                <a:latin typeface="+mj-lt"/>
+              </a:rPr>
               <a:t> </a:t>
             </a:r>
             <a:r>
-              <a:rPr lang="en-US" dirty="0" err="1" smtClean="0"/>
+              <a:rPr lang="en-US" dirty="0" err="1" smtClean="0">
+                <a:latin typeface="+mj-lt"/>
+              </a:rPr>
               <a:t>queremos</a:t>
             </a:r>
             <a:r>
-              <a:rPr lang="en-US" dirty="0" smtClean="0"/>
+              <a:rPr lang="en-US" dirty="0" smtClean="0">
+                <a:latin typeface="+mj-lt"/>
+              </a:rPr>
               <a:t> </a:t>
             </a:r>
             <a:r>
-              <a:rPr lang="en-US" dirty="0" err="1" smtClean="0"/>
+              <a:rPr lang="en-US" dirty="0" err="1" smtClean="0">
+                <a:latin typeface="+mj-lt"/>
+              </a:rPr>
               <a:t>hacer</a:t>
             </a:r>
             <a:r>
-              <a:rPr lang="en-US" dirty="0" smtClean="0"/>
+              <a:rPr lang="en-US" dirty="0" smtClean="0">
+                <a:latin typeface="+mj-lt"/>
+              </a:rPr>
               <a:t>)</a:t>
             </a:r>
           </a:p>
           <a:p>
             <a:r>
-              <a:rPr lang="en-US" dirty="0" err="1" smtClean="0"/>
+              <a:rPr lang="en-US" dirty="0" err="1" smtClean="0">
+                <a:latin typeface="+mj-lt"/>
+              </a:rPr>
               <a:t>Trabajos</a:t>
             </a:r>
             <a:r>
-              <a:rPr lang="en-US" dirty="0" smtClean="0"/>
+              <a:rPr lang="en-US" dirty="0" smtClean="0">
+                <a:latin typeface="+mj-lt"/>
+              </a:rPr>
               <a:t> </a:t>
             </a:r>
             <a:r>
-              <a:rPr lang="en-US" dirty="0" err="1" smtClean="0"/>
+              <a:rPr lang="en-US" dirty="0" err="1" smtClean="0">
+                <a:latin typeface="+mj-lt"/>
+              </a:rPr>
               <a:t>Relacionados</a:t>
             </a:r>
-            <a:endParaRPr lang="en-US" dirty="0" smtClean="0"/>
-          </a:p>
-          <a:p>
-            <a:r>
-              <a:rPr lang="en-US" dirty="0" err="1" smtClean="0"/>
+            <a:endParaRPr lang="en-US" dirty="0" smtClean="0">
+              <a:latin typeface="+mj-lt"/>
+            </a:endParaRPr>
+          </a:p>
+          <a:p>
+            <a:r>
+              <a:rPr lang="en-US" dirty="0" err="1" smtClean="0">
+                <a:latin typeface="+mj-lt"/>
+              </a:rPr>
               <a:t>Métodos</a:t>
             </a:r>
             <a:r>
-              <a:rPr lang="en-US" dirty="0" smtClean="0"/>
+              <a:rPr lang="en-US" dirty="0" smtClean="0">
+                <a:latin typeface="+mj-lt"/>
+              </a:rPr>
               <a:t> de </a:t>
             </a:r>
             <a:r>
-              <a:rPr lang="en-US" dirty="0" err="1" smtClean="0"/>
+              <a:rPr lang="en-US" dirty="0" err="1" smtClean="0">
+                <a:latin typeface="+mj-lt"/>
+              </a:rPr>
               <a:t>aprendizaje</a:t>
             </a:r>
             <a:r>
-              <a:rPr lang="en-US" dirty="0" smtClean="0"/>
+              <a:rPr lang="en-US" dirty="0" smtClean="0">
+                <a:latin typeface="+mj-lt"/>
+              </a:rPr>
               <a:t> de </a:t>
             </a:r>
             <a:r>
-              <a:rPr lang="en-US" dirty="0" err="1" smtClean="0"/>
+              <a:rPr lang="en-US" dirty="0" err="1" smtClean="0">
+                <a:latin typeface="+mj-lt"/>
+              </a:rPr>
               <a:t>máquina</a:t>
             </a:r>
-            <a:endParaRPr lang="en-US" dirty="0" smtClean="0"/>
-          </a:p>
-          <a:p>
-            <a:r>
-              <a:rPr lang="en-US" dirty="0" err="1" smtClean="0"/>
+            <a:endParaRPr lang="en-US" dirty="0" smtClean="0">
+              <a:latin typeface="+mj-lt"/>
+            </a:endParaRPr>
+          </a:p>
+          <a:p>
+            <a:r>
+              <a:rPr lang="en-US" dirty="0" err="1" smtClean="0">
+                <a:latin typeface="+mj-lt"/>
+              </a:rPr>
               <a:t>WaveWatch</a:t>
             </a:r>
             <a:r>
-              <a:rPr lang="en-US" dirty="0" smtClean="0"/>
+              <a:rPr lang="en-US" dirty="0" smtClean="0">
+                <a:latin typeface="+mj-lt"/>
+              </a:rPr>
               <a:t> III</a:t>
             </a:r>
           </a:p>
           <a:p>
             <a:r>
-              <a:rPr lang="en-US" dirty="0" err="1" smtClean="0"/>
-              <a:t>Experimentacion</a:t>
-            </a:r>
-            <a:endParaRPr lang="en-US" dirty="0" smtClean="0"/>
+              <a:rPr lang="en-US" dirty="0" err="1" smtClean="0">
+                <a:latin typeface="+mj-lt"/>
+              </a:rPr>
+              <a:t>Experimentación</a:t>
+            </a:r>
+            <a:endParaRPr lang="en-US" dirty="0" smtClean="0">
+              <a:latin typeface="+mj-lt"/>
+            </a:endParaRPr>
           </a:p>
           <a:p>
             <a:r>
@@ -13221,16 +13354,21 @@
                     <a:lumMod val="25000"/>
                   </a:schemeClr>
                 </a:solidFill>
+                <a:latin typeface="+mj-lt"/>
               </a:rPr>
               <a:t>Surf-Forecaster</a:t>
             </a:r>
           </a:p>
           <a:p>
             <a:r>
-              <a:rPr lang="en-US" dirty="0" err="1" smtClean="0"/>
+              <a:rPr lang="en-US" dirty="0" err="1" smtClean="0">
+                <a:latin typeface="+mj-lt"/>
+              </a:rPr>
               <a:t>Conclusiones</a:t>
             </a:r>
-            <a:endParaRPr lang="en-US" dirty="0" smtClean="0"/>
+            <a:endParaRPr lang="en-US" dirty="0" smtClean="0">
+              <a:latin typeface="+mj-lt"/>
+            </a:endParaRPr>
           </a:p>
           <a:p>
             <a:endParaRPr lang="es-ES" dirty="0"/>
@@ -13341,54 +13479,150 @@
           <a:lstStyle/>
           <a:p>
             <a:r>
-              <a:rPr lang="es-US" dirty="0" smtClean="0"/>
+              <a:rPr lang="es-US" dirty="0" smtClean="0">
+                <a:latin typeface="+mj-lt"/>
+              </a:rPr>
               <a:t>Características:</a:t>
             </a:r>
           </a:p>
           <a:p>
             <a:pPr lvl="1"/>
             <a:r>
-              <a:rPr lang="es-US" dirty="0" smtClean="0"/>
-              <a:t>Sistema web para el pronostico de olas</a:t>
-            </a:r>
+              <a:rPr lang="es-US" dirty="0" smtClean="0">
+                <a:latin typeface="+mj-lt"/>
+              </a:rPr>
+              <a:t>Sistema web para el </a:t>
+            </a:r>
+            <a:r>
+              <a:rPr lang="es-US" dirty="0" smtClean="0">
+                <a:latin typeface="+mj-lt"/>
+              </a:rPr>
+              <a:t>pronóstico </a:t>
+            </a:r>
+            <a:r>
+              <a:rPr lang="es-US" dirty="0" smtClean="0">
+                <a:latin typeface="+mj-lt"/>
+              </a:rPr>
+              <a:t>de </a:t>
+            </a:r>
+            <a:r>
+              <a:rPr lang="es-US" dirty="0" smtClean="0">
+                <a:latin typeface="+mj-lt"/>
+              </a:rPr>
+              <a:t>olas.</a:t>
+            </a:r>
+            <a:endParaRPr lang="es-US" dirty="0" smtClean="0">
+              <a:latin typeface="+mj-lt"/>
+            </a:endParaRPr>
           </a:p>
           <a:p>
             <a:pPr lvl="1"/>
             <a:r>
-              <a:rPr lang="es-US" dirty="0" smtClean="0"/>
-              <a:t>Logra pronosticar olas de todo el mundo</a:t>
-            </a:r>
+              <a:rPr lang="es-US" dirty="0" smtClean="0">
+                <a:latin typeface="+mj-lt"/>
+              </a:rPr>
+              <a:t>Logra pronosticar olas de todo el </a:t>
+            </a:r>
+            <a:r>
+              <a:rPr lang="es-US" dirty="0" smtClean="0">
+                <a:latin typeface="+mj-lt"/>
+              </a:rPr>
+              <a:t>mundo.</a:t>
+            </a:r>
+            <a:endParaRPr lang="es-US" dirty="0" smtClean="0">
+              <a:latin typeface="+mj-lt"/>
+            </a:endParaRPr>
           </a:p>
           <a:p>
             <a:pPr lvl="1"/>
             <a:r>
-              <a:rPr lang="es-US" dirty="0" smtClean="0"/>
-              <a:t>Utiliza como entrada pronósticos de WAVEWATCH III</a:t>
-            </a:r>
+              <a:rPr lang="es-US" dirty="0" smtClean="0">
+                <a:latin typeface="+mj-lt"/>
+              </a:rPr>
+              <a:t>Utiliza como entrada </a:t>
+            </a:r>
+            <a:r>
+              <a:rPr lang="es-US" dirty="0" smtClean="0">
+                <a:latin typeface="+mj-lt"/>
+              </a:rPr>
+              <a:t>pronósticos </a:t>
+            </a:r>
+            <a:r>
+              <a:rPr lang="es-US" dirty="0" smtClean="0">
+                <a:latin typeface="+mj-lt"/>
+              </a:rPr>
+              <a:t>de WAVEWATCH </a:t>
+            </a:r>
+            <a:r>
+              <a:rPr lang="es-US" dirty="0" smtClean="0">
+                <a:latin typeface="+mj-lt"/>
+              </a:rPr>
+              <a:t>III.</a:t>
+            </a:r>
+            <a:endParaRPr lang="es-US" dirty="0" smtClean="0">
+              <a:latin typeface="+mj-lt"/>
+            </a:endParaRPr>
           </a:p>
           <a:p>
             <a:pPr lvl="1"/>
             <a:r>
-              <a:rPr lang="es-US" dirty="0" smtClean="0"/>
-              <a:t>Ofrece un comparador de olas</a:t>
-            </a:r>
+              <a:rPr lang="es-US" dirty="0" smtClean="0">
+                <a:latin typeface="+mj-lt"/>
+              </a:rPr>
+              <a:t>Ofrece un comparador de </a:t>
+            </a:r>
+            <a:r>
+              <a:rPr lang="es-US" dirty="0" smtClean="0">
+                <a:latin typeface="+mj-lt"/>
+              </a:rPr>
+              <a:t>olas.</a:t>
+            </a:r>
+            <a:endParaRPr lang="es-US" dirty="0" smtClean="0">
+              <a:latin typeface="+mj-lt"/>
+            </a:endParaRPr>
           </a:p>
           <a:p>
             <a:pPr lvl="1"/>
             <a:r>
-              <a:rPr lang="es-US" dirty="0" smtClean="0"/>
-              <a:t>Usuarios registrados pueden persistir sus propias olas</a:t>
-            </a:r>
-          </a:p>
-          <a:p>
-            <a:r>
-              <a:rPr lang="es-US" dirty="0" smtClean="0"/>
-              <a:t>¿Qué lo diferencia de otros pronosticadores existentes?</a:t>
-            </a:r>
-          </a:p>
-          <a:p>
-            <a:r>
-              <a:rPr lang="es-US" dirty="0" smtClean="0"/>
+              <a:rPr lang="es-US" dirty="0" smtClean="0">
+                <a:latin typeface="+mj-lt"/>
+              </a:rPr>
+              <a:t>Usuarios registrados pueden persistir sus propias </a:t>
+            </a:r>
+            <a:r>
+              <a:rPr lang="es-US" dirty="0" smtClean="0">
+                <a:latin typeface="+mj-lt"/>
+              </a:rPr>
+              <a:t>olas.</a:t>
+            </a:r>
+            <a:endParaRPr lang="es-US" dirty="0" smtClean="0">
+              <a:latin typeface="+mj-lt"/>
+            </a:endParaRPr>
+          </a:p>
+          <a:p>
+            <a:endParaRPr lang="es-US" dirty="0" smtClean="0">
+              <a:latin typeface="+mj-lt"/>
+            </a:endParaRPr>
+          </a:p>
+          <a:p>
+            <a:r>
+              <a:rPr lang="es-US" dirty="0" smtClean="0">
+                <a:latin typeface="+mj-lt"/>
+              </a:rPr>
+              <a:t>¿</a:t>
+            </a:r>
+            <a:r>
+              <a:rPr lang="es-US" dirty="0" smtClean="0">
+                <a:latin typeface="+mj-lt"/>
+              </a:rPr>
+              <a:t>Qué lo diferencia de otros pronosticadores existentes?</a:t>
+            </a:r>
+          </a:p>
+          <a:p>
+            <a:r>
+              <a:rPr lang="es-US" dirty="0" smtClean="0">
+                <a:latin typeface="+mj-lt"/>
+              </a:rPr>
               <a:t>¿Cómo logra pronosticar Surf-Forecaster?</a:t>
             </a:r>
           </a:p>
@@ -13503,10 +13737,14 @@
           <a:lstStyle/>
           <a:p>
             <a:r>
-              <a:rPr lang="es-US" dirty="0" smtClean="0"/>
+              <a:rPr lang="es-US" dirty="0" smtClean="0">
+                <a:latin typeface="+mj-lt"/>
+              </a:rPr>
               <a:t>Arquitectura del sistema</a:t>
             </a:r>
-            <a:endParaRPr lang="es-ES" dirty="0"/>
+            <a:endParaRPr lang="es-ES" dirty="0">
+              <a:latin typeface="+mj-lt"/>
+            </a:endParaRPr>
           </a:p>
         </p:txBody>
       </p:sp>
@@ -14103,11 +14341,7 @@
           <a:p>
             <a:r>
               <a:rPr lang="es-US" dirty="0" smtClean="0"/>
-              <a:t>Surf-Forecaster </a:t>
-            </a:r>
-            <a:r>
-              <a:rPr lang="es-US" dirty="0" smtClean="0"/>
-              <a:t>(3)</a:t>
+              <a:t>Surf-Forecaster (3)</a:t>
             </a:r>
             <a:endParaRPr lang="es-ES" dirty="0"/>
           </a:p>
@@ -14129,30 +14363,59 @@
           <a:lstStyle/>
           <a:p>
             <a:r>
-              <a:rPr lang="es-US" dirty="0" smtClean="0"/>
+              <a:rPr lang="es-US" dirty="0" smtClean="0">
+                <a:latin typeface="+mj-lt"/>
+              </a:rPr>
               <a:t>Tipos de usuario</a:t>
             </a:r>
           </a:p>
           <a:p>
             <a:pPr lvl="1"/>
             <a:r>
-              <a:rPr lang="es-US" dirty="0" smtClean="0"/>
-              <a:t>Usuario no registrado u anónimo</a:t>
-            </a:r>
+              <a:rPr lang="es-US" dirty="0" smtClean="0">
+                <a:latin typeface="+mj-lt"/>
+              </a:rPr>
+              <a:t>Usuario no registrado u </a:t>
+            </a:r>
+            <a:r>
+              <a:rPr lang="es-US" dirty="0" smtClean="0">
+                <a:latin typeface="+mj-lt"/>
+              </a:rPr>
+              <a:t>anónimo.</a:t>
+            </a:r>
+            <a:endParaRPr lang="es-US" dirty="0" smtClean="0">
+              <a:latin typeface="+mj-lt"/>
+            </a:endParaRPr>
           </a:p>
           <a:p>
             <a:pPr lvl="1"/>
             <a:r>
-              <a:rPr lang="es-US" dirty="0" smtClean="0"/>
-              <a:t>Usuario registrado</a:t>
-            </a:r>
+              <a:rPr lang="es-US" dirty="0" smtClean="0">
+                <a:latin typeface="+mj-lt"/>
+              </a:rPr>
+              <a:t>Usuario </a:t>
+            </a:r>
+            <a:r>
+              <a:rPr lang="es-US" dirty="0" smtClean="0">
+                <a:latin typeface="+mj-lt"/>
+              </a:rPr>
+              <a:t>registrado.</a:t>
+            </a:r>
+            <a:endParaRPr lang="es-US" dirty="0" smtClean="0">
+              <a:latin typeface="+mj-lt"/>
+            </a:endParaRPr>
           </a:p>
           <a:p>
             <a:pPr lvl="1"/>
             <a:r>
-              <a:rPr lang="es-US" dirty="0" smtClean="0"/>
-              <a:t>Administrador</a:t>
-            </a:r>
+              <a:rPr lang="es-US" dirty="0" smtClean="0">
+                <a:latin typeface="+mj-lt"/>
+              </a:rPr>
+              <a:t>Administrador.</a:t>
+            </a:r>
+            <a:endParaRPr lang="es-US" dirty="0" smtClean="0">
+              <a:latin typeface="+mj-lt"/>
+            </a:endParaRPr>
           </a:p>
           <a:p>
             <a:pPr lvl="1"/>
@@ -14247,11 +14510,7 @@
           <a:p>
             <a:r>
               <a:rPr lang="es-US" dirty="0" smtClean="0"/>
-              <a:t>Surf-Forecaster </a:t>
-            </a:r>
-            <a:r>
-              <a:rPr lang="es-US" dirty="0" smtClean="0"/>
-              <a:t>(4)</a:t>
+              <a:t>Surf-Forecaster (4)</a:t>
             </a:r>
             <a:endParaRPr lang="es-ES" dirty="0"/>
           </a:p>
@@ -14275,10 +14534,14 @@
           <a:lstStyle/>
           <a:p>
             <a:r>
-              <a:rPr lang="es-US" sz="2000" dirty="0" smtClean="0"/>
+              <a:rPr lang="es-US" sz="2000" dirty="0" smtClean="0">
+                <a:latin typeface="+mj-lt"/>
+              </a:rPr>
               <a:t>Página de inicio (Usuario anónimo)</a:t>
             </a:r>
-            <a:endParaRPr lang="es-ES" sz="2000" dirty="0"/>
+            <a:endParaRPr lang="es-ES" sz="2000" dirty="0">
+              <a:latin typeface="+mj-lt"/>
+            </a:endParaRPr>
           </a:p>
         </p:txBody>
       </p:sp>
@@ -14386,147 +14649,217 @@
           <a:lstStyle/>
           <a:p>
             <a:r>
-              <a:rPr lang="en-US" dirty="0" err="1" smtClean="0"/>
+              <a:rPr lang="en-US" dirty="0" err="1" smtClean="0">
+                <a:latin typeface="+mj-lt"/>
+              </a:rPr>
               <a:t>Motivación</a:t>
             </a:r>
             <a:r>
-              <a:rPr lang="en-US" dirty="0" smtClean="0"/>
+              <a:rPr lang="en-US" dirty="0" smtClean="0">
+                <a:latin typeface="+mj-lt"/>
+              </a:rPr>
               <a:t> (</a:t>
             </a:r>
             <a:r>
-              <a:rPr lang="en-US" dirty="0" err="1" smtClean="0"/>
+              <a:rPr lang="en-US" dirty="0" err="1" smtClean="0">
+                <a:latin typeface="+mj-lt"/>
+              </a:rPr>
               <a:t>Contexto</a:t>
             </a:r>
             <a:r>
-              <a:rPr lang="en-US" dirty="0" smtClean="0"/>
+              <a:rPr lang="en-US" dirty="0" smtClean="0">
+                <a:latin typeface="+mj-lt"/>
+              </a:rPr>
               <a:t> y </a:t>
             </a:r>
             <a:r>
-              <a:rPr lang="en-US" dirty="0" err="1" smtClean="0"/>
+              <a:rPr lang="en-US" dirty="0" err="1" smtClean="0">
+                <a:latin typeface="+mj-lt"/>
+              </a:rPr>
               <a:t>Desventajas</a:t>
             </a:r>
             <a:r>
-              <a:rPr lang="en-US" dirty="0" smtClean="0"/>
+              <a:rPr lang="en-US" dirty="0" smtClean="0">
+                <a:latin typeface="+mj-lt"/>
+              </a:rPr>
               <a:t> de lo </a:t>
             </a:r>
             <a:r>
-              <a:rPr lang="en-US" dirty="0" err="1" smtClean="0"/>
+              <a:rPr lang="en-US" dirty="0" err="1" smtClean="0">
+                <a:latin typeface="+mj-lt"/>
+              </a:rPr>
               <a:t>que</a:t>
             </a:r>
             <a:r>
-              <a:rPr lang="en-US" dirty="0" smtClean="0"/>
+              <a:rPr lang="en-US" dirty="0" smtClean="0">
+                <a:latin typeface="+mj-lt"/>
+              </a:rPr>
               <a:t> </a:t>
             </a:r>
             <a:r>
-              <a:rPr lang="en-US" dirty="0" err="1" smtClean="0"/>
+              <a:rPr lang="en-US" dirty="0" err="1" smtClean="0">
+                <a:latin typeface="+mj-lt"/>
+              </a:rPr>
               <a:t>existe</a:t>
             </a:r>
             <a:r>
-              <a:rPr lang="en-US" dirty="0" smtClean="0"/>
+              <a:rPr lang="en-US" dirty="0" smtClean="0">
+                <a:latin typeface="+mj-lt"/>
+              </a:rPr>
               <a:t>)</a:t>
             </a:r>
           </a:p>
           <a:p>
             <a:r>
-              <a:rPr lang="en-US" dirty="0" err="1" smtClean="0"/>
+              <a:rPr lang="en-US" dirty="0" err="1" smtClean="0">
+                <a:latin typeface="+mj-lt"/>
+              </a:rPr>
               <a:t>Propuesta</a:t>
             </a:r>
             <a:r>
-              <a:rPr lang="en-US" dirty="0" smtClean="0"/>
+              <a:rPr lang="en-US" dirty="0" smtClean="0">
+                <a:latin typeface="+mj-lt"/>
+              </a:rPr>
               <a:t> (Lo </a:t>
             </a:r>
             <a:r>
-              <a:rPr lang="en-US" dirty="0" err="1" smtClean="0"/>
+              <a:rPr lang="en-US" dirty="0" err="1" smtClean="0">
+                <a:latin typeface="+mj-lt"/>
+              </a:rPr>
               <a:t>que</a:t>
             </a:r>
             <a:r>
-              <a:rPr lang="en-US" dirty="0" smtClean="0"/>
+              <a:rPr lang="en-US" dirty="0" smtClean="0">
+                <a:latin typeface="+mj-lt"/>
+              </a:rPr>
               <a:t> </a:t>
             </a:r>
             <a:r>
-              <a:rPr lang="en-US" dirty="0" err="1" smtClean="0"/>
+              <a:rPr lang="en-US" dirty="0" err="1" smtClean="0">
+                <a:latin typeface="+mj-lt"/>
+              </a:rPr>
               <a:t>queremos</a:t>
             </a:r>
             <a:r>
-              <a:rPr lang="en-US" dirty="0" smtClean="0"/>
+              <a:rPr lang="en-US" dirty="0" smtClean="0">
+                <a:latin typeface="+mj-lt"/>
+              </a:rPr>
               <a:t> </a:t>
             </a:r>
             <a:r>
-              <a:rPr lang="en-US" dirty="0" err="1" smtClean="0"/>
+              <a:rPr lang="en-US" dirty="0" err="1" smtClean="0">
+                <a:latin typeface="+mj-lt"/>
+              </a:rPr>
               <a:t>hacer</a:t>
             </a:r>
             <a:r>
-              <a:rPr lang="en-US" dirty="0" smtClean="0"/>
+              <a:rPr lang="en-US" dirty="0" smtClean="0">
+                <a:latin typeface="+mj-lt"/>
+              </a:rPr>
               <a:t>)</a:t>
             </a:r>
           </a:p>
           <a:p>
             <a:r>
-              <a:rPr lang="en-US" dirty="0" err="1" smtClean="0"/>
+              <a:rPr lang="en-US" dirty="0" err="1" smtClean="0">
+                <a:latin typeface="+mj-lt"/>
+              </a:rPr>
               <a:t>Trabajos</a:t>
             </a:r>
             <a:r>
-              <a:rPr lang="en-US" dirty="0" smtClean="0"/>
+              <a:rPr lang="en-US" dirty="0" smtClean="0">
+                <a:latin typeface="+mj-lt"/>
+              </a:rPr>
               <a:t> </a:t>
             </a:r>
             <a:r>
-              <a:rPr lang="en-US" dirty="0" err="1" smtClean="0"/>
+              <a:rPr lang="en-US" dirty="0" err="1" smtClean="0">
+                <a:latin typeface="+mj-lt"/>
+              </a:rPr>
               <a:t>Relacionados</a:t>
             </a:r>
-            <a:endParaRPr lang="en-US" dirty="0" smtClean="0"/>
-          </a:p>
-          <a:p>
-            <a:r>
-              <a:rPr lang="en-US" dirty="0" err="1" smtClean="0"/>
+            <a:endParaRPr lang="en-US" dirty="0" smtClean="0">
+              <a:latin typeface="+mj-lt"/>
+            </a:endParaRPr>
+          </a:p>
+          <a:p>
+            <a:r>
+              <a:rPr lang="en-US" dirty="0" err="1" smtClean="0">
+                <a:latin typeface="+mj-lt"/>
+              </a:rPr>
               <a:t>Métodos</a:t>
             </a:r>
             <a:r>
-              <a:rPr lang="en-US" dirty="0" smtClean="0"/>
+              <a:rPr lang="en-US" dirty="0" smtClean="0">
+                <a:latin typeface="+mj-lt"/>
+              </a:rPr>
               <a:t> de </a:t>
             </a:r>
             <a:r>
-              <a:rPr lang="en-US" dirty="0" err="1" smtClean="0"/>
+              <a:rPr lang="en-US" dirty="0" err="1" smtClean="0">
+                <a:latin typeface="+mj-lt"/>
+              </a:rPr>
               <a:t>aprendizaje</a:t>
             </a:r>
             <a:r>
-              <a:rPr lang="en-US" dirty="0" smtClean="0"/>
+              <a:rPr lang="en-US" dirty="0" smtClean="0">
+                <a:latin typeface="+mj-lt"/>
+              </a:rPr>
               <a:t> de </a:t>
             </a:r>
             <a:r>
-              <a:rPr lang="en-US" dirty="0" err="1" smtClean="0"/>
+              <a:rPr lang="en-US" dirty="0" err="1" smtClean="0">
+                <a:latin typeface="+mj-lt"/>
+              </a:rPr>
               <a:t>máquina</a:t>
             </a:r>
-            <a:endParaRPr lang="en-US" dirty="0" smtClean="0"/>
-          </a:p>
-          <a:p>
-            <a:r>
-              <a:rPr lang="en-US" dirty="0" err="1" smtClean="0"/>
+            <a:endParaRPr lang="en-US" dirty="0" smtClean="0">
+              <a:latin typeface="+mj-lt"/>
+            </a:endParaRPr>
+          </a:p>
+          <a:p>
+            <a:r>
+              <a:rPr lang="en-US" dirty="0" err="1" smtClean="0">
+                <a:latin typeface="+mj-lt"/>
+              </a:rPr>
               <a:t>WaveWatch</a:t>
             </a:r>
             <a:r>
-              <a:rPr lang="en-US" dirty="0" smtClean="0"/>
+              <a:rPr lang="en-US" dirty="0" smtClean="0">
+                <a:latin typeface="+mj-lt"/>
+              </a:rPr>
               <a:t> III</a:t>
             </a:r>
           </a:p>
           <a:p>
             <a:r>
-              <a:rPr lang="en-US" dirty="0" err="1" smtClean="0"/>
-              <a:t>Experimentacion</a:t>
-            </a:r>
-            <a:endParaRPr lang="en-US" dirty="0" smtClean="0"/>
-          </a:p>
-          <a:p>
-            <a:r>
-              <a:rPr lang="en-US" dirty="0" smtClean="0"/>
+              <a:rPr lang="en-US" dirty="0" err="1" smtClean="0">
+                <a:latin typeface="+mj-lt"/>
+              </a:rPr>
+              <a:t>Experimentación</a:t>
+            </a:r>
+            <a:endParaRPr lang="en-US" dirty="0" smtClean="0">
+              <a:latin typeface="+mj-lt"/>
+            </a:endParaRPr>
+          </a:p>
+          <a:p>
+            <a:r>
+              <a:rPr lang="en-US" dirty="0" smtClean="0">
+                <a:latin typeface="+mj-lt"/>
+              </a:rPr>
               <a:t>Surf-Forecaster</a:t>
             </a:r>
           </a:p>
           <a:p>
             <a:r>
-              <a:rPr lang="en-US" dirty="0" err="1" smtClean="0"/>
+              <a:rPr lang="en-US" dirty="0" err="1" smtClean="0">
+                <a:latin typeface="+mj-lt"/>
+              </a:rPr>
               <a:t>Conclusiones</a:t>
             </a:r>
-            <a:endParaRPr lang="en-US" dirty="0" smtClean="0"/>
+            <a:endParaRPr lang="en-US" dirty="0" smtClean="0">
+              <a:latin typeface="+mj-lt"/>
+            </a:endParaRPr>
           </a:p>
           <a:p>
             <a:endParaRPr lang="en-US" dirty="0" smtClean="0"/>
@@ -14618,11 +14951,7 @@
           <a:p>
             <a:r>
               <a:rPr lang="es-US" dirty="0" smtClean="0"/>
-              <a:t>Surf-Forecaster </a:t>
-            </a:r>
-            <a:r>
-              <a:rPr lang="es-US" dirty="0" smtClean="0"/>
-              <a:t>(5)</a:t>
+              <a:t>Surf-Forecaster (5)</a:t>
             </a:r>
             <a:endParaRPr lang="es-ES" dirty="0"/>
           </a:p>
@@ -14646,10 +14975,14 @@
           <a:lstStyle/>
           <a:p>
             <a:r>
-              <a:rPr lang="es-US" sz="2000" dirty="0" smtClean="0"/>
+              <a:rPr lang="es-US" sz="2000" dirty="0" smtClean="0">
+                <a:latin typeface="+mj-lt"/>
+              </a:rPr>
               <a:t>Página de inicio (Usuario registrado)</a:t>
             </a:r>
-            <a:endParaRPr lang="es-ES" sz="2000" dirty="0"/>
+            <a:endParaRPr lang="es-ES" sz="2000" dirty="0">
+              <a:latin typeface="+mj-lt"/>
+            </a:endParaRPr>
           </a:p>
         </p:txBody>
       </p:sp>
@@ -14735,11 +15068,7 @@
           <a:p>
             <a:r>
               <a:rPr lang="es-US" dirty="0" smtClean="0"/>
-              <a:t>Surf-Forecaster </a:t>
-            </a:r>
-            <a:r>
-              <a:rPr lang="es-US" dirty="0" smtClean="0"/>
-              <a:t>(6)</a:t>
+              <a:t>Surf-Forecaster (6)</a:t>
             </a:r>
             <a:endParaRPr lang="es-ES" dirty="0"/>
           </a:p>
@@ -14761,10 +15090,14 @@
           <a:lstStyle/>
           <a:p>
             <a:r>
-              <a:rPr lang="es-US" sz="2000" dirty="0" smtClean="0"/>
+              <a:rPr lang="es-US" sz="2000" dirty="0" smtClean="0">
+                <a:latin typeface="+mj-lt"/>
+              </a:rPr>
               <a:t>Pronósticos</a:t>
             </a:r>
-            <a:endParaRPr lang="es-ES" sz="2000" dirty="0"/>
+            <a:endParaRPr lang="es-ES" sz="2000" dirty="0">
+              <a:latin typeface="+mj-lt"/>
+            </a:endParaRPr>
           </a:p>
         </p:txBody>
       </p:sp>
@@ -14850,11 +15183,7 @@
           <a:p>
             <a:r>
               <a:rPr lang="es-US" dirty="0" smtClean="0"/>
-              <a:t>Surf-Forecaster </a:t>
-            </a:r>
-            <a:r>
-              <a:rPr lang="es-US" dirty="0" smtClean="0"/>
-              <a:t>(7)</a:t>
+              <a:t>Surf-Forecaster (7)</a:t>
             </a:r>
             <a:endParaRPr lang="es-ES" dirty="0"/>
           </a:p>
@@ -14878,10 +15207,14 @@
           <a:lstStyle/>
           <a:p>
             <a:r>
-              <a:rPr lang="es-US" sz="2000" dirty="0" smtClean="0"/>
+              <a:rPr lang="es-US" sz="2000" dirty="0" smtClean="0">
+                <a:latin typeface="+mj-lt"/>
+              </a:rPr>
               <a:t>Comparador  de olas (1)</a:t>
             </a:r>
-            <a:endParaRPr lang="es-ES" sz="2000" dirty="0"/>
+            <a:endParaRPr lang="es-ES" sz="2000" dirty="0">
+              <a:latin typeface="+mj-lt"/>
+            </a:endParaRPr>
           </a:p>
         </p:txBody>
       </p:sp>
@@ -14974,11 +15307,7 @@
           <a:p>
             <a:r>
               <a:rPr lang="es-US" dirty="0" smtClean="0"/>
-              <a:t>Surf-Forecaster </a:t>
-            </a:r>
-            <a:r>
-              <a:rPr lang="es-US" dirty="0" smtClean="0"/>
-              <a:t>(8)</a:t>
+              <a:t>Surf-Forecaster (8)</a:t>
             </a:r>
             <a:endParaRPr lang="es-ES" dirty="0"/>
           </a:p>
@@ -15007,10 +15336,14 @@
           <a:lstStyle/>
           <a:p>
             <a:r>
-              <a:rPr lang="es-US" sz="2000" dirty="0" smtClean="0"/>
+              <a:rPr lang="es-US" sz="2000" dirty="0" smtClean="0">
+                <a:latin typeface="+mj-lt"/>
+              </a:rPr>
               <a:t>Comparador  de olas (2)</a:t>
             </a:r>
-            <a:endParaRPr lang="es-ES" sz="2000" dirty="0"/>
+            <a:endParaRPr lang="es-ES" sz="2000" dirty="0">
+              <a:latin typeface="+mj-lt"/>
+            </a:endParaRPr>
           </a:p>
         </p:txBody>
       </p:sp>
@@ -15103,11 +15436,7 @@
           <a:p>
             <a:r>
               <a:rPr lang="es-US" dirty="0" smtClean="0"/>
-              <a:t>Surf-Forecaster </a:t>
-            </a:r>
-            <a:r>
-              <a:rPr lang="es-US" dirty="0" smtClean="0"/>
-              <a:t>(9)</a:t>
+              <a:t>Surf-Forecaster (9)</a:t>
             </a:r>
             <a:endParaRPr lang="es-ES" dirty="0"/>
           </a:p>
@@ -15136,10 +15465,14 @@
           <a:lstStyle/>
           <a:p>
             <a:r>
-              <a:rPr lang="es-US" sz="2000" dirty="0" smtClean="0"/>
+              <a:rPr lang="es-US" sz="2000" dirty="0" smtClean="0">
+                <a:latin typeface="+mj-lt"/>
+              </a:rPr>
               <a:t>Comparador de olas (3)</a:t>
             </a:r>
-            <a:endParaRPr lang="es-ES" sz="2000" dirty="0"/>
+            <a:endParaRPr lang="es-ES" sz="2000" dirty="0">
+              <a:latin typeface="+mj-lt"/>
+            </a:endParaRPr>
           </a:p>
         </p:txBody>
       </p:sp>
@@ -15232,11 +15565,7 @@
           <a:p>
             <a:r>
               <a:rPr lang="es-US" dirty="0" smtClean="0"/>
-              <a:t>Surf-Forecaster </a:t>
-            </a:r>
-            <a:r>
-              <a:rPr lang="es-US" dirty="0" smtClean="0"/>
-              <a:t>(10)</a:t>
+              <a:t>Surf-Forecaster (10)</a:t>
             </a:r>
             <a:endParaRPr lang="es-ES" dirty="0"/>
           </a:p>
@@ -15265,10 +15594,14 @@
           <a:lstStyle/>
           <a:p>
             <a:r>
-              <a:rPr lang="es-US" sz="2000" dirty="0" smtClean="0"/>
+              <a:rPr lang="es-US" sz="2000" dirty="0" smtClean="0">
+                <a:latin typeface="+mj-lt"/>
+              </a:rPr>
               <a:t>Nueva ola (solo usuarios registrados) (1)</a:t>
             </a:r>
-            <a:endParaRPr lang="es-ES" sz="2000" dirty="0"/>
+            <a:endParaRPr lang="es-ES" sz="2000" dirty="0">
+              <a:latin typeface="+mj-lt"/>
+            </a:endParaRPr>
           </a:p>
         </p:txBody>
       </p:sp>
@@ -15361,11 +15694,7 @@
           <a:p>
             <a:r>
               <a:rPr lang="es-US" dirty="0" smtClean="0"/>
-              <a:t>Surf-Forecaster </a:t>
-            </a:r>
-            <a:r>
-              <a:rPr lang="es-US" dirty="0" smtClean="0"/>
-              <a:t>(11)</a:t>
+              <a:t>Surf-Forecaster (11)</a:t>
             </a:r>
             <a:endParaRPr lang="es-ES" dirty="0"/>
           </a:p>
@@ -15392,10 +15721,14 @@
           <a:lstStyle/>
           <a:p>
             <a:r>
-              <a:rPr lang="es-US" sz="2000" dirty="0" smtClean="0"/>
+              <a:rPr lang="es-US" sz="2000" dirty="0" smtClean="0">
+                <a:latin typeface="+mj-lt"/>
+              </a:rPr>
               <a:t>Nueva ola (solo usuarios registrados) (2)</a:t>
             </a:r>
-            <a:endParaRPr lang="es-ES" sz="2000" dirty="0" smtClean="0"/>
+            <a:endParaRPr lang="es-ES" sz="2000" dirty="0" smtClean="0">
+              <a:latin typeface="+mj-lt"/>
+            </a:endParaRPr>
           </a:p>
           <a:p>
             <a:endParaRPr lang="es-ES" dirty="0"/>
@@ -15646,11 +15979,7 @@
           <a:p>
             <a:r>
               <a:rPr lang="es-US" dirty="0" smtClean="0"/>
-              <a:t>Surf-Forecaster </a:t>
-            </a:r>
-            <a:r>
-              <a:rPr lang="es-US" dirty="0" smtClean="0"/>
-              <a:t>(12)</a:t>
+              <a:t>Surf-Forecaster (12)</a:t>
             </a:r>
             <a:endParaRPr lang="es-ES" dirty="0"/>
           </a:p>
@@ -15679,10 +16008,14 @@
           <a:lstStyle/>
           <a:p>
             <a:r>
-              <a:rPr lang="es-US" sz="2000" dirty="0" smtClean="0"/>
+              <a:rPr lang="es-US" sz="2000" dirty="0" smtClean="0">
+                <a:latin typeface="+mj-lt"/>
+              </a:rPr>
               <a:t>Mis olas (solo usuarios registrados)</a:t>
             </a:r>
-            <a:endParaRPr lang="es-ES" sz="2000" dirty="0"/>
+            <a:endParaRPr lang="es-ES" sz="2000" dirty="0">
+              <a:latin typeface="+mj-lt"/>
+            </a:endParaRPr>
           </a:p>
         </p:txBody>
       </p:sp>
@@ -16077,138 +16410,204 @@
           <a:lstStyle/>
           <a:p>
             <a:r>
-              <a:rPr lang="en-US" dirty="0" err="1" smtClean="0"/>
+              <a:rPr lang="en-US" dirty="0" err="1" smtClean="0">
+                <a:latin typeface="+mj-lt"/>
+              </a:rPr>
               <a:t>Motivación</a:t>
             </a:r>
             <a:r>
-              <a:rPr lang="en-US" dirty="0" smtClean="0"/>
+              <a:rPr lang="en-US" dirty="0" smtClean="0">
+                <a:latin typeface="+mj-lt"/>
+              </a:rPr>
               <a:t> (</a:t>
             </a:r>
             <a:r>
-              <a:rPr lang="en-US" dirty="0" err="1" smtClean="0"/>
+              <a:rPr lang="en-US" dirty="0" err="1" smtClean="0">
+                <a:latin typeface="+mj-lt"/>
+              </a:rPr>
               <a:t>Contexto</a:t>
             </a:r>
             <a:r>
-              <a:rPr lang="en-US" dirty="0" smtClean="0"/>
+              <a:rPr lang="en-US" dirty="0" smtClean="0">
+                <a:latin typeface="+mj-lt"/>
+              </a:rPr>
               <a:t> y </a:t>
             </a:r>
             <a:r>
-              <a:rPr lang="en-US" dirty="0" err="1" smtClean="0"/>
+              <a:rPr lang="en-US" dirty="0" err="1" smtClean="0">
+                <a:latin typeface="+mj-lt"/>
+              </a:rPr>
               <a:t>Desventajas</a:t>
             </a:r>
             <a:r>
-              <a:rPr lang="en-US" dirty="0" smtClean="0"/>
+              <a:rPr lang="en-US" dirty="0" smtClean="0">
+                <a:latin typeface="+mj-lt"/>
+              </a:rPr>
               <a:t> de lo </a:t>
             </a:r>
             <a:r>
-              <a:rPr lang="en-US" dirty="0" err="1" smtClean="0"/>
+              <a:rPr lang="en-US" dirty="0" err="1" smtClean="0">
+                <a:latin typeface="+mj-lt"/>
+              </a:rPr>
               <a:t>que</a:t>
             </a:r>
             <a:r>
-              <a:rPr lang="en-US" dirty="0" smtClean="0"/>
+              <a:rPr lang="en-US" dirty="0" smtClean="0">
+                <a:latin typeface="+mj-lt"/>
+              </a:rPr>
               <a:t> </a:t>
             </a:r>
             <a:r>
-              <a:rPr lang="en-US" dirty="0" err="1" smtClean="0"/>
+              <a:rPr lang="en-US" dirty="0" err="1" smtClean="0">
+                <a:latin typeface="+mj-lt"/>
+              </a:rPr>
               <a:t>existe</a:t>
             </a:r>
             <a:r>
-              <a:rPr lang="en-US" dirty="0" smtClean="0"/>
+              <a:rPr lang="en-US" dirty="0" smtClean="0">
+                <a:latin typeface="+mj-lt"/>
+              </a:rPr>
               <a:t>)</a:t>
             </a:r>
           </a:p>
           <a:p>
             <a:r>
-              <a:rPr lang="en-US" dirty="0" err="1" smtClean="0"/>
+              <a:rPr lang="en-US" dirty="0" err="1" smtClean="0">
+                <a:latin typeface="+mj-lt"/>
+              </a:rPr>
               <a:t>Propuesta</a:t>
             </a:r>
             <a:r>
-              <a:rPr lang="en-US" dirty="0" smtClean="0"/>
+              <a:rPr lang="en-US" dirty="0" smtClean="0">
+                <a:latin typeface="+mj-lt"/>
+              </a:rPr>
               <a:t> (Lo </a:t>
             </a:r>
             <a:r>
-              <a:rPr lang="en-US" dirty="0" err="1" smtClean="0"/>
+              <a:rPr lang="en-US" dirty="0" err="1" smtClean="0">
+                <a:latin typeface="+mj-lt"/>
+              </a:rPr>
               <a:t>que</a:t>
             </a:r>
             <a:r>
-              <a:rPr lang="en-US" dirty="0" smtClean="0"/>
+              <a:rPr lang="en-US" dirty="0" smtClean="0">
+                <a:latin typeface="+mj-lt"/>
+              </a:rPr>
               <a:t> </a:t>
             </a:r>
             <a:r>
-              <a:rPr lang="en-US" dirty="0" err="1" smtClean="0"/>
+              <a:rPr lang="en-US" dirty="0" err="1" smtClean="0">
+                <a:latin typeface="+mj-lt"/>
+              </a:rPr>
               <a:t>queremos</a:t>
             </a:r>
             <a:r>
-              <a:rPr lang="en-US" dirty="0" smtClean="0"/>
+              <a:rPr lang="en-US" dirty="0" smtClean="0">
+                <a:latin typeface="+mj-lt"/>
+              </a:rPr>
               <a:t> </a:t>
             </a:r>
             <a:r>
-              <a:rPr lang="en-US" dirty="0" err="1" smtClean="0"/>
+              <a:rPr lang="en-US" dirty="0" err="1" smtClean="0">
+                <a:latin typeface="+mj-lt"/>
+              </a:rPr>
               <a:t>hacer</a:t>
             </a:r>
             <a:r>
-              <a:rPr lang="en-US" dirty="0" smtClean="0"/>
+              <a:rPr lang="en-US" dirty="0" smtClean="0">
+                <a:latin typeface="+mj-lt"/>
+              </a:rPr>
               <a:t>)</a:t>
             </a:r>
           </a:p>
           <a:p>
             <a:r>
-              <a:rPr lang="en-US" dirty="0" err="1" smtClean="0"/>
+              <a:rPr lang="en-US" dirty="0" err="1" smtClean="0">
+                <a:latin typeface="+mj-lt"/>
+              </a:rPr>
               <a:t>Trabajos</a:t>
             </a:r>
             <a:r>
-              <a:rPr lang="en-US" dirty="0" smtClean="0"/>
+              <a:rPr lang="en-US" dirty="0" smtClean="0">
+                <a:latin typeface="+mj-lt"/>
+              </a:rPr>
               <a:t> </a:t>
             </a:r>
             <a:r>
-              <a:rPr lang="en-US" dirty="0" err="1" smtClean="0"/>
+              <a:rPr lang="en-US" dirty="0" err="1" smtClean="0">
+                <a:latin typeface="+mj-lt"/>
+              </a:rPr>
               <a:t>Relacionados</a:t>
             </a:r>
-            <a:endParaRPr lang="en-US" dirty="0" smtClean="0"/>
-          </a:p>
-          <a:p>
-            <a:r>
-              <a:rPr lang="en-US" dirty="0" err="1" smtClean="0"/>
+            <a:endParaRPr lang="en-US" dirty="0" smtClean="0">
+              <a:latin typeface="+mj-lt"/>
+            </a:endParaRPr>
+          </a:p>
+          <a:p>
+            <a:r>
+              <a:rPr lang="en-US" dirty="0" err="1" smtClean="0">
+                <a:latin typeface="+mj-lt"/>
+              </a:rPr>
               <a:t>Métodos</a:t>
             </a:r>
             <a:r>
-              <a:rPr lang="en-US" dirty="0" smtClean="0"/>
+              <a:rPr lang="en-US" dirty="0" smtClean="0">
+                <a:latin typeface="+mj-lt"/>
+              </a:rPr>
               <a:t> de </a:t>
             </a:r>
             <a:r>
-              <a:rPr lang="en-US" dirty="0" err="1" smtClean="0"/>
+              <a:rPr lang="en-US" dirty="0" err="1" smtClean="0">
+                <a:latin typeface="+mj-lt"/>
+              </a:rPr>
               <a:t>aprendizaje</a:t>
             </a:r>
             <a:r>
-              <a:rPr lang="en-US" dirty="0" smtClean="0"/>
+              <a:rPr lang="en-US" dirty="0" smtClean="0">
+                <a:latin typeface="+mj-lt"/>
+              </a:rPr>
               <a:t> de </a:t>
             </a:r>
             <a:r>
-              <a:rPr lang="en-US" dirty="0" err="1" smtClean="0"/>
+              <a:rPr lang="en-US" dirty="0" err="1" smtClean="0">
+                <a:latin typeface="+mj-lt"/>
+              </a:rPr>
               <a:t>máquina</a:t>
             </a:r>
-            <a:endParaRPr lang="en-US" dirty="0" smtClean="0"/>
-          </a:p>
-          <a:p>
-            <a:r>
-              <a:rPr lang="en-US" dirty="0" err="1" smtClean="0"/>
+            <a:endParaRPr lang="en-US" dirty="0" smtClean="0">
+              <a:latin typeface="+mj-lt"/>
+            </a:endParaRPr>
+          </a:p>
+          <a:p>
+            <a:r>
+              <a:rPr lang="en-US" dirty="0" err="1" smtClean="0">
+                <a:latin typeface="+mj-lt"/>
+              </a:rPr>
               <a:t>WaveWatch</a:t>
             </a:r>
             <a:r>
-              <a:rPr lang="en-US" dirty="0" smtClean="0"/>
+              <a:rPr lang="en-US" dirty="0" smtClean="0">
+                <a:latin typeface="+mj-lt"/>
+              </a:rPr>
               <a:t> III</a:t>
             </a:r>
           </a:p>
           <a:p>
             <a:r>
-              <a:rPr lang="en-US" dirty="0" err="1" smtClean="0"/>
-              <a:t>Experimentacion</a:t>
-            </a:r>
-            <a:endParaRPr lang="en-US" dirty="0" smtClean="0"/>
-          </a:p>
-          <a:p>
-            <a:r>
-              <a:rPr lang="en-US" dirty="0" smtClean="0"/>
+              <a:rPr lang="en-US" dirty="0" err="1" smtClean="0">
+                <a:latin typeface="+mj-lt"/>
+              </a:rPr>
+              <a:t>Experimentación</a:t>
+            </a:r>
+            <a:endParaRPr lang="en-US" dirty="0" smtClean="0">
+              <a:latin typeface="+mj-lt"/>
+            </a:endParaRPr>
+          </a:p>
+          <a:p>
+            <a:r>
+              <a:rPr lang="en-US" dirty="0" smtClean="0">
+                <a:latin typeface="+mj-lt"/>
+              </a:rPr>
               <a:t>Surf-Forecaster</a:t>
             </a:r>
           </a:p>
@@ -16220,6 +16619,7 @@
                     <a:lumMod val="25000"/>
                   </a:schemeClr>
                 </a:solidFill>
+                <a:latin typeface="+mj-lt"/>
               </a:rPr>
               <a:t>Conclusiones</a:t>
             </a:r>
@@ -16229,6 +16629,7 @@
                   <a:lumMod val="25000"/>
                 </a:schemeClr>
               </a:solidFill>
+              <a:latin typeface="+mj-lt"/>
             </a:endParaRPr>
           </a:p>
           <a:p>
@@ -16343,56 +16744,72 @@
           <a:lstStyle/>
           <a:p>
             <a:r>
-              <a:rPr lang="es-US" dirty="0" smtClean="0"/>
+              <a:rPr lang="es-US" dirty="0" smtClean="0">
+                <a:latin typeface="+mj-lt"/>
+              </a:rPr>
               <a:t>Ventajas del enfoque</a:t>
             </a:r>
           </a:p>
           <a:p>
             <a:pPr lvl="1"/>
             <a:r>
-              <a:rPr lang="es-US" dirty="0" smtClean="0"/>
+              <a:rPr lang="es-US" dirty="0" smtClean="0">
+                <a:latin typeface="+mj-lt"/>
+              </a:rPr>
               <a:t>Utiliza datos sencillos de conseguir.</a:t>
             </a:r>
           </a:p>
           <a:p>
             <a:pPr lvl="1"/>
             <a:r>
-              <a:rPr lang="es-US" dirty="0" smtClean="0"/>
+              <a:rPr lang="es-US" dirty="0" smtClean="0">
+                <a:latin typeface="+mj-lt"/>
+              </a:rPr>
               <a:t>No requiere conocimiento experto.</a:t>
             </a:r>
           </a:p>
           <a:p>
             <a:pPr lvl="1"/>
             <a:r>
-              <a:rPr lang="es-US" dirty="0" smtClean="0"/>
+              <a:rPr lang="es-US" dirty="0" smtClean="0">
+                <a:latin typeface="+mj-lt"/>
+              </a:rPr>
               <a:t>No requiere configuración adicional dependiente del lugar.</a:t>
             </a:r>
           </a:p>
           <a:p>
             <a:pPr lvl="1"/>
             <a:r>
-              <a:rPr lang="es-US" dirty="0" smtClean="0"/>
+              <a:rPr lang="es-US" dirty="0" smtClean="0">
+                <a:latin typeface="+mj-lt"/>
+              </a:rPr>
               <a:t>Predicción a nivel de ola.</a:t>
             </a:r>
           </a:p>
           <a:p>
             <a:pPr lvl="1"/>
             <a:r>
-              <a:rPr lang="es-US" dirty="0" smtClean="0"/>
+              <a:rPr lang="es-US" dirty="0" smtClean="0">
+                <a:latin typeface="+mj-lt"/>
+              </a:rPr>
               <a:t>Elimina la necesidad de recorrer largas distancias buscando mejores olas.</a:t>
             </a:r>
           </a:p>
           <a:p>
             <a:pPr lvl="1"/>
             <a:r>
-              <a:rPr lang="es-US" dirty="0" smtClean="0"/>
+              <a:rPr lang="es-US" dirty="0" smtClean="0">
+                <a:latin typeface="+mj-lt"/>
+              </a:rPr>
               <a:t>Pronostica olas en cualquier lugar del mundo.</a:t>
             </a:r>
           </a:p>
           <a:p>
             <a:pPr lvl="1"/>
             <a:r>
-              <a:rPr lang="es-US" dirty="0" smtClean="0"/>
+              <a:rPr lang="es-US" dirty="0" smtClean="0">
+                <a:latin typeface="+mj-lt"/>
+              </a:rPr>
               <a:t>Ofrece una herramienta para comparar olas.</a:t>
             </a:r>
           </a:p>
@@ -16473,125 +16890,185 @@
           <a:lstStyle/>
           <a:p>
             <a:r>
-              <a:rPr lang="en-US" dirty="0" err="1" smtClean="0"/>
+              <a:rPr lang="en-US" dirty="0" err="1" smtClean="0">
+                <a:latin typeface="+mj-lt"/>
+              </a:rPr>
               <a:t>Motivación</a:t>
             </a:r>
             <a:r>
-              <a:rPr lang="en-US" dirty="0" smtClean="0"/>
+              <a:rPr lang="en-US" dirty="0" smtClean="0">
+                <a:latin typeface="+mj-lt"/>
+              </a:rPr>
               <a:t> (</a:t>
             </a:r>
             <a:r>
-              <a:rPr lang="en-US" dirty="0" err="1" smtClean="0"/>
+              <a:rPr lang="en-US" dirty="0" err="1" smtClean="0">
+                <a:latin typeface="+mj-lt"/>
+              </a:rPr>
               <a:t>Contexto</a:t>
             </a:r>
             <a:r>
-              <a:rPr lang="en-US" dirty="0" smtClean="0"/>
+              <a:rPr lang="en-US" dirty="0" smtClean="0">
+                <a:latin typeface="+mj-lt"/>
+              </a:rPr>
               <a:t> y </a:t>
             </a:r>
             <a:r>
-              <a:rPr lang="en-US" dirty="0" err="1" smtClean="0"/>
+              <a:rPr lang="en-US" dirty="0" err="1" smtClean="0">
+                <a:latin typeface="+mj-lt"/>
+              </a:rPr>
               <a:t>Desventajas</a:t>
             </a:r>
             <a:r>
-              <a:rPr lang="en-US" dirty="0" smtClean="0"/>
+              <a:rPr lang="en-US" dirty="0" smtClean="0">
+                <a:latin typeface="+mj-lt"/>
+              </a:rPr>
               <a:t> de lo </a:t>
             </a:r>
             <a:r>
-              <a:rPr lang="en-US" dirty="0" err="1" smtClean="0"/>
+              <a:rPr lang="en-US" dirty="0" err="1" smtClean="0">
+                <a:latin typeface="+mj-lt"/>
+              </a:rPr>
               <a:t>que</a:t>
             </a:r>
             <a:r>
-              <a:rPr lang="en-US" dirty="0" smtClean="0"/>
+              <a:rPr lang="en-US" dirty="0" smtClean="0">
+                <a:latin typeface="+mj-lt"/>
+              </a:rPr>
               <a:t> </a:t>
             </a:r>
             <a:r>
-              <a:rPr lang="en-US" dirty="0" err="1" smtClean="0"/>
+              <a:rPr lang="en-US" dirty="0" err="1" smtClean="0">
+                <a:latin typeface="+mj-lt"/>
+              </a:rPr>
               <a:t>existe</a:t>
             </a:r>
             <a:r>
-              <a:rPr lang="en-US" dirty="0" smtClean="0"/>
+              <a:rPr lang="en-US" dirty="0" smtClean="0">
+                <a:latin typeface="+mj-lt"/>
+              </a:rPr>
               <a:t>)</a:t>
             </a:r>
           </a:p>
           <a:p>
             <a:r>
-              <a:rPr lang="en-US" dirty="0" err="1" smtClean="0"/>
+              <a:rPr lang="en-US" dirty="0" err="1" smtClean="0">
+                <a:latin typeface="+mj-lt"/>
+              </a:rPr>
               <a:t>Propuesta</a:t>
             </a:r>
             <a:r>
-              <a:rPr lang="en-US" dirty="0" smtClean="0"/>
+              <a:rPr lang="en-US" dirty="0" smtClean="0">
+                <a:latin typeface="+mj-lt"/>
+              </a:rPr>
               <a:t> (Lo </a:t>
             </a:r>
             <a:r>
-              <a:rPr lang="en-US" dirty="0" err="1" smtClean="0"/>
+              <a:rPr lang="en-US" dirty="0" err="1" smtClean="0">
+                <a:latin typeface="+mj-lt"/>
+              </a:rPr>
               <a:t>que</a:t>
             </a:r>
             <a:r>
-              <a:rPr lang="en-US" dirty="0" smtClean="0"/>
+              <a:rPr lang="en-US" dirty="0" smtClean="0">
+                <a:latin typeface="+mj-lt"/>
+              </a:rPr>
               <a:t> </a:t>
             </a:r>
             <a:r>
-              <a:rPr lang="en-US" dirty="0" err="1" smtClean="0"/>
+              <a:rPr lang="en-US" dirty="0" err="1" smtClean="0">
+                <a:latin typeface="+mj-lt"/>
+              </a:rPr>
               <a:t>queremos</a:t>
             </a:r>
             <a:r>
-              <a:rPr lang="en-US" dirty="0" smtClean="0"/>
+              <a:rPr lang="en-US" dirty="0" smtClean="0">
+                <a:latin typeface="+mj-lt"/>
+              </a:rPr>
               <a:t> </a:t>
             </a:r>
             <a:r>
-              <a:rPr lang="en-US" dirty="0" err="1" smtClean="0"/>
+              <a:rPr lang="en-US" dirty="0" err="1" smtClean="0">
+                <a:latin typeface="+mj-lt"/>
+              </a:rPr>
               <a:t>hacer</a:t>
             </a:r>
             <a:r>
-              <a:rPr lang="en-US" dirty="0" smtClean="0"/>
+              <a:rPr lang="en-US" dirty="0" smtClean="0">
+                <a:latin typeface="+mj-lt"/>
+              </a:rPr>
               <a:t>)</a:t>
             </a:r>
           </a:p>
           <a:p>
             <a:r>
-              <a:rPr lang="en-US" dirty="0" err="1" smtClean="0"/>
+              <a:rPr lang="en-US" dirty="0" err="1" smtClean="0">
+                <a:latin typeface="+mj-lt"/>
+              </a:rPr>
               <a:t>Trabajos</a:t>
             </a:r>
             <a:r>
-              <a:rPr lang="en-US" dirty="0" smtClean="0"/>
+              <a:rPr lang="en-US" dirty="0" smtClean="0">
+                <a:latin typeface="+mj-lt"/>
+              </a:rPr>
               <a:t> </a:t>
             </a:r>
             <a:r>
-              <a:rPr lang="en-US" dirty="0" err="1" smtClean="0"/>
+              <a:rPr lang="en-US" dirty="0" err="1" smtClean="0">
+                <a:latin typeface="+mj-lt"/>
+              </a:rPr>
               <a:t>Relacionados</a:t>
             </a:r>
-            <a:endParaRPr lang="en-US" dirty="0" smtClean="0"/>
-          </a:p>
-          <a:p>
-            <a:r>
-              <a:rPr lang="en-US" dirty="0" err="1" smtClean="0"/>
+            <a:endParaRPr lang="en-US" dirty="0" smtClean="0">
+              <a:latin typeface="+mj-lt"/>
+            </a:endParaRPr>
+          </a:p>
+          <a:p>
+            <a:r>
+              <a:rPr lang="en-US" dirty="0" err="1" smtClean="0">
+                <a:latin typeface="+mj-lt"/>
+              </a:rPr>
               <a:t>Métodos</a:t>
             </a:r>
             <a:r>
-              <a:rPr lang="en-US" dirty="0" smtClean="0"/>
+              <a:rPr lang="en-US" dirty="0" smtClean="0">
+                <a:latin typeface="+mj-lt"/>
+              </a:rPr>
               <a:t> de </a:t>
             </a:r>
             <a:r>
-              <a:rPr lang="en-US" dirty="0" err="1" smtClean="0"/>
+              <a:rPr lang="en-US" dirty="0" err="1" smtClean="0">
+                <a:latin typeface="+mj-lt"/>
+              </a:rPr>
               <a:t>aprendizaje</a:t>
             </a:r>
             <a:r>
-              <a:rPr lang="en-US" dirty="0" smtClean="0"/>
+              <a:rPr lang="en-US" dirty="0" smtClean="0">
+                <a:latin typeface="+mj-lt"/>
+              </a:rPr>
               <a:t> de </a:t>
             </a:r>
             <a:r>
-              <a:rPr lang="en-US" dirty="0" err="1" smtClean="0"/>
+              <a:rPr lang="en-US" dirty="0" err="1" smtClean="0">
+                <a:latin typeface="+mj-lt"/>
+              </a:rPr>
               <a:t>máquina</a:t>
             </a:r>
-            <a:endParaRPr lang="en-US" dirty="0" smtClean="0"/>
-          </a:p>
-          <a:p>
-            <a:r>
-              <a:rPr lang="en-US" dirty="0" err="1" smtClean="0"/>
+            <a:endParaRPr lang="en-US" dirty="0" smtClean="0">
+              <a:latin typeface="+mj-lt"/>
+            </a:endParaRPr>
+          </a:p>
+          <a:p>
+            <a:r>
+              <a:rPr lang="en-US" dirty="0" err="1" smtClean="0">
+                <a:latin typeface="+mj-lt"/>
+              </a:rPr>
               <a:t>WaveWatch</a:t>
             </a:r>
             <a:r>
-              <a:rPr lang="en-US" dirty="0" smtClean="0"/>
+              <a:rPr lang="en-US" dirty="0" smtClean="0">
+                <a:latin typeface="+mj-lt"/>
+              </a:rPr>
               <a:t> III</a:t>
             </a:r>
           </a:p>
@@ -16603,8 +17080,9 @@
                     <a:lumMod val="25000"/>
                   </a:schemeClr>
                 </a:solidFill>
+                <a:latin typeface="+mj-lt"/>
               </a:rPr>
-              <a:t>Experimentacion</a:t>
+              <a:t>Experimentación</a:t>
             </a:r>
             <a:endParaRPr lang="en-US" dirty="0" smtClean="0">
               <a:solidFill>
@@ -16612,20 +17090,27 @@
                   <a:lumMod val="25000"/>
                 </a:schemeClr>
               </a:solidFill>
+              <a:latin typeface="+mj-lt"/>
             </a:endParaRPr>
           </a:p>
           <a:p>
             <a:r>
-              <a:rPr lang="en-US" dirty="0" smtClean="0"/>
+              <a:rPr lang="en-US" dirty="0" smtClean="0">
+                <a:latin typeface="+mj-lt"/>
+              </a:rPr>
               <a:t>Surf-Forecaster</a:t>
             </a:r>
           </a:p>
           <a:p>
             <a:r>
-              <a:rPr lang="en-US" dirty="0" err="1" smtClean="0"/>
+              <a:rPr lang="en-US" dirty="0" err="1" smtClean="0">
+                <a:latin typeface="+mj-lt"/>
+              </a:rPr>
               <a:t>Conclusiones</a:t>
             </a:r>
-            <a:endParaRPr lang="en-US" dirty="0" smtClean="0"/>
+            <a:endParaRPr lang="en-US" dirty="0" smtClean="0">
+              <a:latin typeface="+mj-lt"/>
+            </a:endParaRPr>
           </a:p>
           <a:p>
             <a:endParaRPr lang="es-ES" dirty="0"/>
@@ -16736,38 +17221,50 @@
           <a:lstStyle/>
           <a:p>
             <a:r>
-              <a:rPr lang="es-US" dirty="0" smtClean="0"/>
+              <a:rPr lang="es-US" dirty="0" smtClean="0">
+                <a:latin typeface="+mj-lt"/>
+              </a:rPr>
               <a:t>Limitaciones</a:t>
             </a:r>
           </a:p>
           <a:p>
             <a:pPr lvl="1"/>
             <a:r>
-              <a:rPr lang="es-US" dirty="0" smtClean="0"/>
+              <a:rPr lang="es-US" dirty="0" smtClean="0">
+                <a:latin typeface="+mj-lt"/>
+              </a:rPr>
               <a:t>Solo predice la altura de la ola deseada.</a:t>
             </a:r>
           </a:p>
           <a:p>
             <a:pPr lvl="1"/>
             <a:r>
-              <a:rPr lang="es-US" dirty="0" smtClean="0"/>
+              <a:rPr lang="es-US" dirty="0" smtClean="0">
+                <a:latin typeface="+mj-lt"/>
+              </a:rPr>
               <a:t>Historia de al menos 60 observaciones visuales.</a:t>
             </a:r>
           </a:p>
           <a:p>
             <a:pPr lvl="1"/>
             <a:r>
-              <a:rPr lang="es-US" dirty="0" smtClean="0"/>
+              <a:rPr lang="es-US" dirty="0" smtClean="0">
+                <a:latin typeface="+mj-lt"/>
+              </a:rPr>
               <a:t>En algunos casos depende de la geografía o arquitectura de la zona.</a:t>
             </a:r>
           </a:p>
           <a:p>
             <a:pPr lvl="1"/>
             <a:r>
-              <a:rPr lang="es-US" dirty="0" smtClean="0"/>
+              <a:rPr lang="es-US" dirty="0" smtClean="0">
+                <a:latin typeface="+mj-lt"/>
+              </a:rPr>
               <a:t>Hardware con grandes capacidades de almacenamiento.</a:t>
             </a:r>
-            <a:endParaRPr lang="es-ES" dirty="0"/>
+            <a:endParaRPr lang="es-ES" dirty="0">
+              <a:latin typeface="+mj-lt"/>
+            </a:endParaRPr>
           </a:p>
         </p:txBody>
       </p:sp>
@@ -16940,7 +17437,19 @@
               <a:rPr lang="es-AR" dirty="0" smtClean="0">
                 <a:latin typeface="+mj-lt"/>
               </a:rPr>
-              <a:t>Encontrar la combinación óptima [algoritmo de aprendizaje de maquina / modelo de instancia].</a:t>
+              <a:t>Encontrar la combinación óptima [algoritmo de aprendizaje de </a:t>
+            </a:r>
+            <a:r>
+              <a:rPr lang="es-AR" dirty="0" smtClean="0">
+                <a:latin typeface="+mj-lt"/>
+              </a:rPr>
+              <a:t>máquina </a:t>
+            </a:r>
+            <a:r>
+              <a:rPr lang="es-AR" dirty="0" smtClean="0">
+                <a:latin typeface="+mj-lt"/>
+              </a:rPr>
+              <a:t>/ modelo de instancia].</a:t>
             </a:r>
           </a:p>
           <a:p>
@@ -16952,17 +17461,8 @@
               <a:rPr lang="es-AR" dirty="0" smtClean="0">
                 <a:latin typeface="+mj-lt"/>
               </a:rPr>
-              <a:t>Evaluar el desempeño del clasificador </a:t>
-            </a:r>
-            <a:r>
-              <a:rPr lang="es-AR" dirty="0" smtClean="0">
-                <a:latin typeface="+mj-lt"/>
-              </a:rPr>
-              <a:t> resultante.</a:t>
-            </a:r>
-            <a:endParaRPr lang="es-AR" dirty="0" smtClean="0">
-              <a:latin typeface="+mj-lt"/>
-            </a:endParaRPr>
+              <a:t>Evaluar el desempeño del clasificador  resultante.</a:t>
+            </a:r>
           </a:p>
           <a:p>
             <a:endParaRPr lang="es-AR" dirty="0" smtClean="0">
@@ -16998,16 +17498,16 @@
           <a:p>
             <a:pPr lvl="1"/>
             <a:r>
-              <a:rPr lang="es-AR" dirty="0" err="1" smtClean="0">
-                <a:latin typeface="+mj-lt"/>
-              </a:rPr>
-              <a:t>Parametrizacion</a:t>
-            </a:r>
-            <a:r>
               <a:rPr lang="es-AR" dirty="0" smtClean="0">
                 <a:latin typeface="+mj-lt"/>
               </a:rPr>
-              <a:t> de los algoritmos</a:t>
+              <a:t>Parametrización </a:t>
+            </a:r>
+            <a:r>
+              <a:rPr lang="es-AR" dirty="0" smtClean="0">
+                <a:latin typeface="+mj-lt"/>
+              </a:rPr>
+              <a:t>de los algoritmos</a:t>
             </a:r>
           </a:p>
           <a:p>
@@ -17125,64 +17625,92 @@
           <a:lstStyle/>
           <a:p>
             <a:r>
-              <a:rPr lang="es-US" dirty="0" err="1" smtClean="0"/>
-              <a:t>Tecnica</a:t>
-            </a:r>
-            <a:r>
-              <a:rPr lang="es-US" dirty="0" smtClean="0"/>
-              <a:t> de </a:t>
-            </a:r>
-            <a:r>
-              <a:rPr lang="es-US" dirty="0" err="1" smtClean="0"/>
-              <a:t>validacion</a:t>
-            </a:r>
-            <a:r>
-              <a:rPr lang="es-US" dirty="0" smtClean="0"/>
-              <a:t> cruzada de 10 conjuntos</a:t>
-            </a:r>
-          </a:p>
-          <a:p>
-            <a:endParaRPr lang="es-US" dirty="0" smtClean="0"/>
-          </a:p>
-          <a:p>
-            <a:r>
-              <a:rPr lang="es-US" dirty="0" smtClean="0"/>
+              <a:rPr lang="es-US" dirty="0" smtClean="0">
+                <a:latin typeface="+mj-lt"/>
+              </a:rPr>
+              <a:t>Técnica </a:t>
+            </a:r>
+            <a:r>
+              <a:rPr lang="es-US" dirty="0" smtClean="0">
+                <a:latin typeface="+mj-lt"/>
+              </a:rPr>
+              <a:t>de </a:t>
+            </a:r>
+            <a:r>
+              <a:rPr lang="es-US" dirty="0" smtClean="0">
+                <a:latin typeface="+mj-lt"/>
+              </a:rPr>
+              <a:t>validación </a:t>
+            </a:r>
+            <a:r>
+              <a:rPr lang="es-US" dirty="0" smtClean="0">
+                <a:latin typeface="+mj-lt"/>
+              </a:rPr>
+              <a:t>cruzada de 10 conjuntos</a:t>
+            </a:r>
+          </a:p>
+          <a:p>
+            <a:endParaRPr lang="es-US" dirty="0" smtClean="0">
+              <a:latin typeface="+mj-lt"/>
+            </a:endParaRPr>
+          </a:p>
+          <a:p>
+            <a:r>
+              <a:rPr lang="es-US" dirty="0" smtClean="0">
+                <a:latin typeface="+mj-lt"/>
+              </a:rPr>
               <a:t>Métricas de </a:t>
             </a:r>
             <a:r>
-              <a:rPr lang="es-US" dirty="0" err="1" smtClean="0"/>
-              <a:t>evaluacion</a:t>
-            </a:r>
-            <a:r>
-              <a:rPr lang="es-US" dirty="0" smtClean="0"/>
-              <a:t>:</a:t>
-            </a:r>
+              <a:rPr lang="es-US" dirty="0" smtClean="0">
+                <a:latin typeface="+mj-lt"/>
+              </a:rPr>
+              <a:t>evaluación:</a:t>
+            </a:r>
+            <a:endParaRPr lang="es-US" dirty="0" smtClean="0">
+              <a:latin typeface="+mj-lt"/>
+            </a:endParaRPr>
           </a:p>
           <a:p>
             <a:pPr lvl="1"/>
             <a:r>
-              <a:rPr lang="es-US" dirty="0" smtClean="0"/>
+              <a:rPr lang="es-US" dirty="0" smtClean="0">
+                <a:latin typeface="+mj-lt"/>
+              </a:rPr>
               <a:t>Correlación -&gt; [-1, 1]</a:t>
             </a:r>
           </a:p>
           <a:p>
             <a:pPr lvl="1"/>
             <a:r>
-              <a:rPr lang="es-US" dirty="0" smtClean="0"/>
-              <a:t>Error absoluto promedio (MAE) [mts</a:t>
-            </a:r>
-            <a:r>
-              <a:rPr lang="es-US" dirty="0" smtClean="0"/>
-              <a:t>.]</a:t>
-            </a:r>
-            <a:endParaRPr lang="es-US" dirty="0" smtClean="0"/>
-          </a:p>
-          <a:p>
-            <a:endParaRPr lang="es-US" dirty="0" smtClean="0"/>
-          </a:p>
-          <a:p>
-            <a:r>
-              <a:rPr lang="es-US" dirty="0" smtClean="0"/>
+              <a:rPr lang="es-US" dirty="0" smtClean="0">
+                <a:latin typeface="+mj-lt"/>
+              </a:rPr>
+              <a:t>Error </a:t>
+            </a:r>
+            <a:r>
+              <a:rPr lang="es-US" dirty="0" smtClean="0">
+                <a:latin typeface="+mj-lt"/>
+              </a:rPr>
+              <a:t>absoluto promedio </a:t>
+            </a:r>
+            <a:r>
+              <a:rPr lang="es-US" dirty="0" smtClean="0">
+                <a:latin typeface="+mj-lt"/>
+              </a:rPr>
+              <a:t>(MAE) [mts.]</a:t>
+            </a:r>
+          </a:p>
+          <a:p>
+            <a:endParaRPr lang="es-US" dirty="0" smtClean="0">
+              <a:latin typeface="+mj-lt"/>
+            </a:endParaRPr>
+          </a:p>
+          <a:p>
+            <a:r>
+              <a:rPr lang="es-US" dirty="0" smtClean="0">
+                <a:latin typeface="+mj-lt"/>
+              </a:rPr>
               <a:t>Modelos de instancia</a:t>
             </a:r>
           </a:p>
@@ -17286,13 +17814,20 @@
             <p:ph idx="1"/>
           </p:nvPr>
         </p:nvSpPr>
-        <p:spPr/>
+        <p:spPr>
+          <a:xfrm>
+            <a:off x="457200" y="1935480"/>
+            <a:ext cx="8229600" cy="493388"/>
+          </a:xfrm>
+        </p:spPr>
         <p:txBody>
           <a:bodyPr/>
           <a:lstStyle/>
           <a:p>
             <a:r>
-              <a:rPr lang="es-US" dirty="0" smtClean="0"/>
+              <a:rPr lang="es-US" dirty="0" smtClean="0">
+                <a:latin typeface="+mj-lt"/>
+              </a:rPr>
               <a:t>Selección de puntos del modelo WAVEWATCH III.</a:t>
             </a:r>
           </a:p>
@@ -23133,30 +23668,77 @@
           <a:lstStyle/>
           <a:p>
             <a:r>
-              <a:rPr lang="es-US" dirty="0" smtClean="0"/>
+              <a:rPr lang="es-US" dirty="0" smtClean="0">
+                <a:latin typeface="+mj-lt"/>
+              </a:rPr>
               <a:t>Tamaño del conjunto de entrenamiento</a:t>
             </a:r>
           </a:p>
           <a:p>
             <a:pPr lvl="1"/>
             <a:r>
-              <a:rPr lang="es-US" dirty="0" smtClean="0"/>
-              <a:t>Se probaron conjuntos desde 5 hasta 2400 instancias</a:t>
-            </a:r>
+              <a:rPr lang="es-US" dirty="0" smtClean="0">
+                <a:latin typeface="+mj-lt"/>
+              </a:rPr>
+              <a:t>Se probaron conjuntos desde 5 hasta 2400 </a:t>
+            </a:r>
+            <a:r>
+              <a:rPr lang="es-US" dirty="0" smtClean="0">
+                <a:latin typeface="+mj-lt"/>
+              </a:rPr>
+              <a:t>instancias.</a:t>
+            </a:r>
+            <a:endParaRPr lang="es-US" dirty="0" smtClean="0">
+              <a:latin typeface="+mj-lt"/>
+            </a:endParaRPr>
           </a:p>
           <a:p>
             <a:pPr lvl="1"/>
             <a:r>
-              <a:rPr lang="es-US" dirty="0" smtClean="0"/>
-              <a:t>Se entreno un clasificador por cada uno</a:t>
-            </a:r>
+              <a:rPr lang="es-US" dirty="0" smtClean="0">
+                <a:latin typeface="+mj-lt"/>
+              </a:rPr>
+              <a:t>Se </a:t>
+            </a:r>
+            <a:r>
+              <a:rPr lang="es-US" dirty="0" smtClean="0">
+                <a:latin typeface="+mj-lt"/>
+              </a:rPr>
+              <a:t>entrenó </a:t>
+            </a:r>
+            <a:r>
+              <a:rPr lang="es-US" dirty="0" smtClean="0">
+                <a:latin typeface="+mj-lt"/>
+              </a:rPr>
+              <a:t>un clasificador por cada </a:t>
+            </a:r>
+            <a:r>
+              <a:rPr lang="es-US" dirty="0" smtClean="0">
+                <a:latin typeface="+mj-lt"/>
+              </a:rPr>
+              <a:t>uno.</a:t>
+            </a:r>
+            <a:endParaRPr lang="es-US" dirty="0" smtClean="0">
+              <a:latin typeface="+mj-lt"/>
+            </a:endParaRPr>
           </a:p>
           <a:p>
             <a:pPr lvl="1"/>
             <a:r>
-              <a:rPr lang="es-US" dirty="0" smtClean="0"/>
-              <a:t>Se evaluó correlación y MAE de cada clasificador </a:t>
-            </a:r>
+              <a:rPr lang="es-US" dirty="0" smtClean="0">
+                <a:latin typeface="+mj-lt"/>
+              </a:rPr>
+              <a:t>Se evaluó correlación y MAE de cada </a:t>
+            </a:r>
+            <a:r>
+              <a:rPr lang="es-US" dirty="0" smtClean="0">
+                <a:latin typeface="+mj-lt"/>
+              </a:rPr>
+              <a:t>clasificador. </a:t>
+            </a:r>
+            <a:endParaRPr lang="es-US" dirty="0" smtClean="0">
+              <a:latin typeface="+mj-lt"/>
+            </a:endParaRPr>
           </a:p>
         </p:txBody>
       </p:sp>
@@ -23324,98 +23906,185 @@
           <a:lstStyle/>
           <a:p>
             <a:r>
-              <a:rPr lang="es-US" dirty="0" smtClean="0"/>
+              <a:rPr lang="es-US" dirty="0" smtClean="0">
+                <a:latin typeface="+mj-lt"/>
+              </a:rPr>
               <a:t>Resultados generales</a:t>
             </a:r>
-            <a:endParaRPr lang="es-ES" dirty="0" smtClean="0"/>
+            <a:endParaRPr lang="es-ES" dirty="0" smtClean="0">
+              <a:latin typeface="+mj-lt"/>
+            </a:endParaRPr>
           </a:p>
           <a:p>
             <a:pPr lvl="1"/>
             <a:r>
-              <a:rPr lang="es-US" dirty="0" smtClean="0"/>
+              <a:rPr lang="es-US" dirty="0" smtClean="0">
+                <a:latin typeface="+mj-lt"/>
+              </a:rPr>
               <a:t>Basados en:</a:t>
             </a:r>
           </a:p>
           <a:p>
             <a:pPr lvl="2"/>
             <a:r>
-              <a:rPr lang="es-US" dirty="0" smtClean="0"/>
+              <a:rPr lang="es-US" dirty="0" smtClean="0">
+                <a:latin typeface="+mj-lt"/>
+              </a:rPr>
               <a:t>Olas a estudiar (Oahu - </a:t>
             </a:r>
             <a:r>
-              <a:rPr lang="es-US" dirty="0" err="1" smtClean="0"/>
-              <a:t>Hawai</a:t>
-            </a:r>
-            <a:r>
-              <a:rPr lang="es-US" dirty="0" smtClean="0"/>
-              <a:t>)</a:t>
-            </a:r>
+              <a:rPr lang="es-US" dirty="0" smtClean="0">
+                <a:latin typeface="+mj-lt"/>
+              </a:rPr>
+              <a:t>Hawái)</a:t>
+            </a:r>
+            <a:endParaRPr lang="es-US" dirty="0" smtClean="0">
+              <a:latin typeface="+mj-lt"/>
+            </a:endParaRPr>
           </a:p>
           <a:p>
             <a:pPr lvl="2"/>
             <a:r>
-              <a:rPr lang="es-US" dirty="0" smtClean="0"/>
-              <a:t>Algoritmos de aprendizaje de maquina</a:t>
-            </a:r>
+              <a:rPr lang="es-US" dirty="0" smtClean="0">
+                <a:latin typeface="+mj-lt"/>
+              </a:rPr>
+              <a:t>Algoritmos de aprendizaje de </a:t>
+            </a:r>
+            <a:r>
+              <a:rPr lang="es-US" dirty="0" smtClean="0">
+                <a:latin typeface="+mj-lt"/>
+              </a:rPr>
+              <a:t>máquina</a:t>
+            </a:r>
+            <a:endParaRPr lang="es-US" dirty="0" smtClean="0">
+              <a:latin typeface="+mj-lt"/>
+            </a:endParaRPr>
           </a:p>
           <a:p>
             <a:pPr lvl="2"/>
             <a:r>
-              <a:rPr lang="es-US" dirty="0" smtClean="0"/>
+              <a:rPr lang="es-US" dirty="0" smtClean="0">
+                <a:latin typeface="+mj-lt"/>
+              </a:rPr>
               <a:t>Modelos de instancia</a:t>
             </a:r>
           </a:p>
           <a:p>
             <a:pPr lvl="2"/>
             <a:r>
-              <a:rPr lang="es-US" dirty="0" err="1" smtClean="0"/>
-              <a:t>Metricas</a:t>
-            </a:r>
-            <a:r>
-              <a:rPr lang="es-US" dirty="0" smtClean="0"/>
-              <a:t> de </a:t>
-            </a:r>
-            <a:r>
-              <a:rPr lang="es-US" dirty="0" err="1" smtClean="0"/>
-              <a:t>evaluacion</a:t>
-            </a:r>
-            <a:r>
-              <a:rPr lang="es-US" dirty="0" smtClean="0"/>
-              <a:t> de clasificadores</a:t>
+              <a:rPr lang="es-US" dirty="0" smtClean="0">
+                <a:latin typeface="+mj-lt"/>
+              </a:rPr>
+              <a:t>Métricas </a:t>
+            </a:r>
+            <a:r>
+              <a:rPr lang="es-US" dirty="0" smtClean="0">
+                <a:latin typeface="+mj-lt"/>
+              </a:rPr>
+              <a:t>de </a:t>
+            </a:r>
+            <a:r>
+              <a:rPr lang="es-US" dirty="0" smtClean="0">
+                <a:latin typeface="+mj-lt"/>
+              </a:rPr>
+              <a:t>evaluación </a:t>
+            </a:r>
+            <a:r>
+              <a:rPr lang="es-US" dirty="0" smtClean="0">
+                <a:latin typeface="+mj-lt"/>
+              </a:rPr>
+              <a:t>de clasificadores</a:t>
             </a:r>
           </a:p>
           <a:p>
             <a:pPr lvl="2"/>
             <a:r>
-              <a:rPr lang="es-US" dirty="0" smtClean="0"/>
+              <a:rPr lang="es-US" dirty="0" smtClean="0">
+                <a:latin typeface="+mj-lt"/>
+              </a:rPr>
               <a:t>GridPoint WW3 óptimo para cada ola</a:t>
             </a:r>
           </a:p>
           <a:p>
             <a:pPr lvl="2"/>
             <a:r>
-              <a:rPr lang="es-US" dirty="0" smtClean="0"/>
+              <a:rPr lang="es-US" dirty="0" smtClean="0">
+                <a:latin typeface="+mj-lt"/>
+              </a:rPr>
               <a:t>Tamaño de conjunto de entrenamiento óptimo</a:t>
             </a:r>
           </a:p>
           <a:p>
             <a:pPr lvl="2"/>
-            <a:endParaRPr lang="es-US" dirty="0" smtClean="0"/>
+            <a:endParaRPr lang="es-US" dirty="0" smtClean="0">
+              <a:latin typeface="+mj-lt"/>
+            </a:endParaRPr>
           </a:p>
           <a:p>
             <a:pPr lvl="1"/>
             <a:r>
-              <a:rPr lang="es-US" dirty="0" smtClean="0"/>
+              <a:rPr lang="es-US" dirty="0" smtClean="0">
+                <a:latin typeface="+mj-lt"/>
+              </a:rPr>
               <a:t>Obtenemos la </a:t>
             </a:r>
             <a:r>
-              <a:rPr lang="es-US" dirty="0" err="1" smtClean="0"/>
-              <a:t>combinacion</a:t>
-            </a:r>
-            <a:r>
-              <a:rPr lang="es-US" dirty="0" smtClean="0"/>
-              <a:t> óptima clasificador/modelo de instancia</a:t>
-            </a:r>
+              <a:rPr lang="es-US" dirty="0" smtClean="0">
+                <a:latin typeface="+mj-lt"/>
+              </a:rPr>
+              <a:t>combinación </a:t>
+            </a:r>
+            <a:r>
+              <a:rPr lang="es-US" dirty="0" smtClean="0">
+                <a:latin typeface="+mj-lt"/>
+              </a:rPr>
+              <a:t>óptima </a:t>
+            </a:r>
+            <a:r>
+              <a:rPr lang="es-US" dirty="0" smtClean="0">
+                <a:latin typeface="+mj-lt"/>
+              </a:rPr>
+              <a:t>[</a:t>
+            </a:r>
+            <a:r>
+              <a:rPr lang="es-US" dirty="0" err="1" smtClean="0">
+                <a:latin typeface="+mj-lt"/>
+              </a:rPr>
+              <a:t>alg</a:t>
+            </a:r>
+            <a:r>
+              <a:rPr lang="es-US" dirty="0" smtClean="0">
+                <a:latin typeface="+mj-lt"/>
+              </a:rPr>
+              <a:t>. </a:t>
+            </a:r>
+            <a:r>
+              <a:rPr lang="es-US" dirty="0" smtClean="0">
+                <a:latin typeface="+mj-lt"/>
+              </a:rPr>
+              <a:t>de aprendizaje de máquina </a:t>
+            </a:r>
+            <a:r>
+              <a:rPr lang="es-US" dirty="0" smtClean="0">
+                <a:latin typeface="+mj-lt"/>
+              </a:rPr>
+              <a:t>/ modelo </a:t>
+            </a:r>
+            <a:r>
+              <a:rPr lang="es-US" dirty="0" smtClean="0">
+                <a:latin typeface="+mj-lt"/>
+              </a:rPr>
+              <a:t>de </a:t>
+            </a:r>
+            <a:r>
+              <a:rPr lang="es-US" dirty="0" smtClean="0">
+                <a:latin typeface="+mj-lt"/>
+              </a:rPr>
+              <a:t>instancia]</a:t>
+            </a:r>
+            <a:endParaRPr lang="es-US" dirty="0" smtClean="0">
+              <a:latin typeface="+mj-lt"/>
+            </a:endParaRPr>
           </a:p>
           <a:p>
             <a:pPr lvl="2"/>

--- a/trunk/neuralito/ArfGen/docs/Entregas/Informe Final/presentacion/maxi.pptx
+++ b/trunk/neuralito/ArfGen/docs/Entregas/Informe Final/presentacion/maxi.pptx
@@ -237,19 +237,19 @@
                   <c:v>0.82116824635668784</c:v>
                 </c:pt>
                 <c:pt idx="3">
-                  <c:v>0.84278473777508223</c:v>
+                  <c:v>0.84278473777508234</c:v>
                 </c:pt>
                 <c:pt idx="4">
-                  <c:v>0.84383865537210834</c:v>
+                  <c:v>0.84383865537210845</c:v>
                 </c:pt>
                 <c:pt idx="5">
                   <c:v>0.85894670929201788</c:v>
                 </c:pt>
                 <c:pt idx="6">
-                  <c:v>0.84967487574973044</c:v>
+                  <c:v>0.84967487574973055</c:v>
                 </c:pt>
                 <c:pt idx="7">
-                  <c:v>0.87199747639294833</c:v>
+                  <c:v>0.87199747639294845</c:v>
                 </c:pt>
                 <c:pt idx="8">
                   <c:v>0.87308657275405044</c:v>
@@ -258,10 +258,10 @@
                   <c:v>0.8805672244799716</c:v>
                 </c:pt>
                 <c:pt idx="10">
-                  <c:v>0.8842540232480407</c:v>
+                  <c:v>0.88425402324804081</c:v>
                 </c:pt>
                 <c:pt idx="11">
-                  <c:v>0.88378998114559204</c:v>
+                  <c:v>0.88378998114559215</c:v>
                 </c:pt>
                 <c:pt idx="12">
                   <c:v>0.88710112017025267</c:v>
@@ -270,13 +270,13 @@
                   <c:v>0.88859349505985463</c:v>
                 </c:pt>
                 <c:pt idx="14">
-                  <c:v>0.88932515639249454</c:v>
+                  <c:v>0.88932515639249476</c:v>
                 </c:pt>
                 <c:pt idx="15">
-                  <c:v>0.88979442278916754</c:v>
+                  <c:v>0.88979442278916776</c:v>
                 </c:pt>
                 <c:pt idx="16">
-                  <c:v>0.89050470137757332</c:v>
+                  <c:v>0.89050470137757343</c:v>
                 </c:pt>
                 <c:pt idx="17">
                   <c:v>0.8911387747292826</c:v>
@@ -378,10 +378,10 @@
                   <c:v>0.45195561849074034</c:v>
                 </c:pt>
                 <c:pt idx="1">
-                  <c:v>0.57215581949427785</c:v>
+                  <c:v>0.57215581949427796</c:v>
                 </c:pt>
                 <c:pt idx="2">
-                  <c:v>0.624500990682895</c:v>
+                  <c:v>0.62450099068289511</c:v>
                 </c:pt>
                 <c:pt idx="3">
                   <c:v>0.66411572966000465</c:v>
@@ -390,7 +390,7 @@
                   <c:v>0.74483311690120912</c:v>
                 </c:pt>
                 <c:pt idx="5">
-                  <c:v>0.74913092370987466</c:v>
+                  <c:v>0.74913092370987477</c:v>
                 </c:pt>
                 <c:pt idx="6">
                   <c:v>0.7507812790712286</c:v>
@@ -399,7 +399,7 @@
                   <c:v>0.74615794410022251</c:v>
                 </c:pt>
                 <c:pt idx="8">
-                  <c:v>0.76473712742558908</c:v>
+                  <c:v>0.7647371274255893</c:v>
                 </c:pt>
                 <c:pt idx="9">
                   <c:v>0.78030975508297951</c:v>
@@ -414,7 +414,7 @@
                   <c:v>0.79454547384463925</c:v>
                 </c:pt>
                 <c:pt idx="13">
-                  <c:v>0.80275073868567903</c:v>
+                  <c:v>0.80275073868567914</c:v>
                 </c:pt>
                 <c:pt idx="14">
                   <c:v>0.8070254483799697</c:v>
@@ -423,10 +423,10 @@
                   <c:v>0.80758714251854524</c:v>
                 </c:pt>
                 <c:pt idx="16">
-                  <c:v>0.81189884836444048</c:v>
+                  <c:v>0.81189884836444071</c:v>
                 </c:pt>
                 <c:pt idx="17">
-                  <c:v>0.81267156633446325</c:v>
+                  <c:v>0.81267156633446336</c:v>
                 </c:pt>
                 <c:pt idx="18">
                   <c:v>0.81495442086601244</c:v>
@@ -518,49 +518,49 @@
                 <c:formatCode>0.00</c:formatCode>
                 <c:ptCount val="19"/>
                 <c:pt idx="0">
-                  <c:v>9.21641992115909E-2</c:v>
+                  <c:v>9.2164199211590928E-2</c:v>
                 </c:pt>
                 <c:pt idx="1">
                   <c:v>0.10918893085792125</c:v>
                 </c:pt>
                 <c:pt idx="2">
-                  <c:v>2.2061880915201514E-2</c:v>
+                  <c:v>2.2061880915201518E-2</c:v>
                 </c:pt>
                 <c:pt idx="3">
-                  <c:v>0.16744350433735858</c:v>
+                  <c:v>0.16744350433735863</c:v>
                 </c:pt>
                 <c:pt idx="4">
-                  <c:v>0.19606871899944509</c:v>
+                  <c:v>0.19606871899944511</c:v>
                 </c:pt>
                 <c:pt idx="5">
-                  <c:v>0.19883932721616632</c:v>
+                  <c:v>0.19883932721616637</c:v>
                 </c:pt>
                 <c:pt idx="6">
                   <c:v>0.21852557439483689</c:v>
                 </c:pt>
                 <c:pt idx="7">
-                  <c:v>0.18963030437506243</c:v>
+                  <c:v>0.18963030437506245</c:v>
                 </c:pt>
                 <c:pt idx="8">
-                  <c:v>0.31329234492981056</c:v>
+                  <c:v>0.31329234492981062</c:v>
                 </c:pt>
                 <c:pt idx="9">
                   <c:v>0.30854195458238609</c:v>
                 </c:pt>
                 <c:pt idx="10">
-                  <c:v>0.33996429339252776</c:v>
+                  <c:v>0.33996429339252793</c:v>
                 </c:pt>
                 <c:pt idx="11">
-                  <c:v>0.39000788763685518</c:v>
+                  <c:v>0.39000788763685529</c:v>
                 </c:pt>
                 <c:pt idx="12">
-                  <c:v>0.37452278792340343</c:v>
+                  <c:v>0.3745227879234036</c:v>
                 </c:pt>
                 <c:pt idx="13">
-                  <c:v>0.39639657365579611</c:v>
+                  <c:v>0.39639657365579622</c:v>
                 </c:pt>
                 <c:pt idx="14">
-                  <c:v>0.45661986014735212</c:v>
+                  <c:v>0.45661986014735217</c:v>
                 </c:pt>
                 <c:pt idx="15">
                   <c:v>0.48000000000000032</c:v>
@@ -665,19 +665,19 @@
                 <c:formatCode>0.00</c:formatCode>
                 <c:ptCount val="18"/>
                 <c:pt idx="0">
-                  <c:v>6.3837399085048596E-2</c:v>
+                  <c:v>6.383739908504861E-2</c:v>
                 </c:pt>
                 <c:pt idx="1">
-                  <c:v>0.10509372944250694</c:v>
+                  <c:v>0.10509372944250697</c:v>
                 </c:pt>
                 <c:pt idx="2">
                   <c:v>0.12395822380363669</c:v>
                 </c:pt>
                 <c:pt idx="3">
-                  <c:v>0.17533238646771626</c:v>
+                  <c:v>0.17533238646771629</c:v>
                 </c:pt>
                 <c:pt idx="4">
-                  <c:v>0.18994629844945013</c:v>
+                  <c:v>0.18994629844945021</c:v>
                 </c:pt>
                 <c:pt idx="5">
                   <c:v>0.22687270194889519</c:v>
@@ -686,34 +686,34 @@
                   <c:v>0.23790997736954461</c:v>
                 </c:pt>
                 <c:pt idx="7">
-                  <c:v>0.23411148955336958</c:v>
+                  <c:v>0.23411148955336963</c:v>
                 </c:pt>
                 <c:pt idx="8">
                   <c:v>0.25778608542670911</c:v>
                 </c:pt>
                 <c:pt idx="9">
-                  <c:v>0.31056299933227366</c:v>
+                  <c:v>0.31056299933227383</c:v>
                 </c:pt>
                 <c:pt idx="10">
-                  <c:v>0.33877739342409252</c:v>
+                  <c:v>0.33877739342409258</c:v>
                 </c:pt>
                 <c:pt idx="11">
                   <c:v>0.35225259726803532</c:v>
                 </c:pt>
                 <c:pt idx="12">
-                  <c:v>0.35947445565100428</c:v>
+                  <c:v>0.35947445565100433</c:v>
                 </c:pt>
                 <c:pt idx="13">
-                  <c:v>0.39000000000000234</c:v>
+                  <c:v>0.3900000000000024</c:v>
                 </c:pt>
                 <c:pt idx="14">
-                  <c:v>0.39000000000000234</c:v>
+                  <c:v>0.3900000000000024</c:v>
                 </c:pt>
                 <c:pt idx="15">
                   <c:v>0.4</c:v>
                 </c:pt>
                 <c:pt idx="16">
-                  <c:v>0.40041490630404547</c:v>
+                  <c:v>0.40041490630404558</c:v>
                 </c:pt>
                 <c:pt idx="17">
                   <c:v>0.4</c:v>
@@ -805,7 +805,7 @@
                 <c:formatCode>General</c:formatCode>
                 <c:ptCount val="19"/>
                 <c:pt idx="0">
-                  <c:v>0.28931899175148718</c:v>
+                  <c:v>0.28931899175148729</c:v>
                 </c:pt>
                 <c:pt idx="1">
                   <c:v>0.30427205718078232</c:v>
@@ -814,46 +814,46 @@
                   <c:v>0.28833535935117605</c:v>
                 </c:pt>
                 <c:pt idx="3">
-                  <c:v>0.50673831628888732</c:v>
+                  <c:v>0.50673831628888755</c:v>
                 </c:pt>
                 <c:pt idx="4">
-                  <c:v>0.58986811562939179</c:v>
+                  <c:v>0.5898681156293919</c:v>
                 </c:pt>
                 <c:pt idx="5">
-                  <c:v>0.60174244358029016</c:v>
+                  <c:v>0.60174244358029039</c:v>
                 </c:pt>
                 <c:pt idx="6">
                   <c:v>0.62230234655114092</c:v>
                 </c:pt>
                 <c:pt idx="7">
-                  <c:v>0.64892172802499792</c:v>
+                  <c:v>0.64892172802499803</c:v>
                 </c:pt>
                 <c:pt idx="8">
                   <c:v>0.60213497372141267</c:v>
                 </c:pt>
                 <c:pt idx="9">
-                  <c:v>0.6592939871985245</c:v>
+                  <c:v>0.65929398719852472</c:v>
                 </c:pt>
                 <c:pt idx="10">
-                  <c:v>0.63740945216596412</c:v>
+                  <c:v>0.63740945216596423</c:v>
                 </c:pt>
                 <c:pt idx="11">
-                  <c:v>0.66496829605747743</c:v>
+                  <c:v>0.66496829605747765</c:v>
                 </c:pt>
                 <c:pt idx="12">
-                  <c:v>0.68587643695393974</c:v>
+                  <c:v>0.68587643695393985</c:v>
                 </c:pt>
                 <c:pt idx="13">
-                  <c:v>0.70280463859163644</c:v>
+                  <c:v>0.70280463859163655</c:v>
                 </c:pt>
                 <c:pt idx="14">
-                  <c:v>0.68555591749742306</c:v>
+                  <c:v>0.68555591749742328</c:v>
                 </c:pt>
                 <c:pt idx="15">
-                  <c:v>0.71798687616048751</c:v>
+                  <c:v>0.71798687616048773</c:v>
                 </c:pt>
                 <c:pt idx="16">
-                  <c:v>0.72902988600000618</c:v>
+                  <c:v>0.7290298860000064</c:v>
                 </c:pt>
                 <c:pt idx="17">
                   <c:v>0.73331457600000005</c:v>
@@ -866,11 +866,11 @@
           </c:yVal>
           <c:smooth val="1"/>
         </c:ser>
-        <c:axId val="60275328"/>
-        <c:axId val="63308544"/>
+        <c:axId val="63027840"/>
+        <c:axId val="63374080"/>
       </c:scatterChart>
       <c:valAx>
-        <c:axId val="60275328"/>
+        <c:axId val="63027840"/>
         <c:scaling>
           <c:orientation val="minMax"/>
           <c:max val="1000"/>
@@ -896,7 +896,7 @@
             <c:manualLayout>
               <c:xMode val="edge"/>
               <c:yMode val="edge"/>
-              <c:x val="0.38494599693816778"/>
+              <c:x val="0.38494599693816783"/>
               <c:y val="0.85101357098414687"/>
             </c:manualLayout>
           </c:layout>
@@ -913,12 +913,12 @@
             <a:endParaRPr lang="es-ES"/>
           </a:p>
         </c:txPr>
-        <c:crossAx val="63308544"/>
+        <c:crossAx val="63374080"/>
         <c:crosses val="autoZero"/>
         <c:crossBetween val="midCat"/>
       </c:valAx>
       <c:valAx>
-        <c:axId val="63308544"/>
+        <c:axId val="63374080"/>
         <c:scaling>
           <c:orientation val="minMax"/>
           <c:min val="0"/>
@@ -955,7 +955,7 @@
             <a:endParaRPr lang="es-ES"/>
           </a:p>
         </c:txPr>
-        <c:crossAx val="60275328"/>
+        <c:crossAx val="63027840"/>
         <c:crosses val="autoZero"/>
         <c:crossBetween val="midCat"/>
         <c:minorUnit val="0.2"/>
@@ -1097,19 +1097,19 @@
                   <c:v>1.0330390684786552</c:v>
                 </c:pt>
                 <c:pt idx="6">
-                  <c:v>1.0302429519403209</c:v>
+                  <c:v>1.0302429519403211</c:v>
                 </c:pt>
                 <c:pt idx="7">
                   <c:v>0.94738273200566459</c:v>
                 </c:pt>
                 <c:pt idx="8">
-                  <c:v>0.92793801360197659</c:v>
+                  <c:v>0.92793801360197681</c:v>
                 </c:pt>
                 <c:pt idx="9">
                   <c:v>0.92012906293872665</c:v>
                 </c:pt>
                 <c:pt idx="10">
-                  <c:v>0.88481716181109638</c:v>
+                  <c:v>0.88481716181109626</c:v>
                 </c:pt>
                 <c:pt idx="11">
                   <c:v>0.88417424754272178</c:v>
@@ -1121,7 +1121,7 @@
                   <c:v>0.85063806565684563</c:v>
                 </c:pt>
                 <c:pt idx="14">
-                  <c:v>0.84777133793555814</c:v>
+                  <c:v>0.84777133793555826</c:v>
                 </c:pt>
                 <c:pt idx="15">
                   <c:v>0.8445144923789446</c:v>
@@ -1130,7 +1130,7 @@
                   <c:v>0.83725594840038564</c:v>
                 </c:pt>
                 <c:pt idx="17">
-                  <c:v>0.8346170314191893</c:v>
+                  <c:v>0.83461703141918953</c:v>
                 </c:pt>
               </c:numCache>
             </c:numRef>
@@ -1229,7 +1229,7 @@
                   <c:v>0.9387309603633297</c:v>
                 </c:pt>
                 <c:pt idx="1">
-                  <c:v>0.89153277738271186</c:v>
+                  <c:v>0.89153277738271175</c:v>
                 </c:pt>
                 <c:pt idx="2">
                   <c:v>0.82301056544373608</c:v>
@@ -1241,22 +1241,22 @@
                   <c:v>0.75252199659024765</c:v>
                 </c:pt>
                 <c:pt idx="5">
-                  <c:v>0.742123733312817</c:v>
+                  <c:v>0.74212373331281711</c:v>
                 </c:pt>
                 <c:pt idx="6">
                   <c:v>0.73688717786732749</c:v>
                 </c:pt>
                 <c:pt idx="7">
-                  <c:v>0.72860146352750488</c:v>
+                  <c:v>0.7286014635275051</c:v>
                 </c:pt>
                 <c:pt idx="8">
-                  <c:v>0.70577785559581219</c:v>
+                  <c:v>0.70577785559581241</c:v>
                 </c:pt>
                 <c:pt idx="9">
                   <c:v>0.69274686371956962</c:v>
                 </c:pt>
                 <c:pt idx="10">
-                  <c:v>0.6793016141404663</c:v>
+                  <c:v>0.67930161414046653</c:v>
                 </c:pt>
                 <c:pt idx="11">
                   <c:v>0.67228263477634131</c:v>
@@ -1265,22 +1265,22 @@
                   <c:v>0.68022471453120004</c:v>
                 </c:pt>
                 <c:pt idx="13">
-                  <c:v>0.66398503161852207</c:v>
+                  <c:v>0.6639850316185224</c:v>
                 </c:pt>
                 <c:pt idx="14">
                   <c:v>0.6640628299517749</c:v>
                 </c:pt>
                 <c:pt idx="15">
-                  <c:v>0.66308558009337804</c:v>
+                  <c:v>0.66308558009337815</c:v>
                 </c:pt>
                 <c:pt idx="16">
                   <c:v>0.65656511915425986</c:v>
                 </c:pt>
                 <c:pt idx="17">
-                  <c:v>0.65158141257238777</c:v>
+                  <c:v>0.651581412572388</c:v>
                 </c:pt>
                 <c:pt idx="18">
-                  <c:v>0.65187548701494724</c:v>
+                  <c:v>0.65187548701494735</c:v>
                 </c:pt>
               </c:numCache>
             </c:numRef>
@@ -1369,7 +1369,7 @@
                 <c:formatCode>General</c:formatCode>
                 <c:ptCount val="19"/>
                 <c:pt idx="0">
-                  <c:v>0.66149732049012655</c:v>
+                  <c:v>0.66149732049012666</c:v>
                 </c:pt>
                 <c:pt idx="1">
                   <c:v>0.6001326027033127</c:v>
@@ -1378,13 +1378,13 @@
                   <c:v>0.55639887771499263</c:v>
                 </c:pt>
                 <c:pt idx="3">
-                  <c:v>0.62284472485511222</c:v>
+                  <c:v>0.62284472485511233</c:v>
                 </c:pt>
                 <c:pt idx="4">
                   <c:v>0.55351605829049677</c:v>
                 </c:pt>
                 <c:pt idx="5">
-                  <c:v>0.58846095302595702</c:v>
+                  <c:v>0.5884609530259568</c:v>
                 </c:pt>
                 <c:pt idx="6">
                   <c:v>0.57298820383188065</c:v>
@@ -1396,7 +1396,7 @@
                   <c:v>0.55636349504129456</c:v>
                 </c:pt>
                 <c:pt idx="9">
-                  <c:v>0.56175580469495001</c:v>
+                  <c:v>0.56175580469495012</c:v>
                 </c:pt>
                 <c:pt idx="10">
                   <c:v>0.54619756290876298</c:v>
@@ -1516,7 +1516,7 @@
                 <c:formatCode>General</c:formatCode>
                 <c:ptCount val="18"/>
                 <c:pt idx="0">
-                  <c:v>0.63237080268503676</c:v>
+                  <c:v>0.63237080268503698</c:v>
                 </c:pt>
                 <c:pt idx="1">
                   <c:v>0.58374227027070569</c:v>
@@ -1525,7 +1525,7 @@
                   <c:v>0.59186681564330168</c:v>
                 </c:pt>
                 <c:pt idx="3">
-                  <c:v>0.56326543263149953</c:v>
+                  <c:v>0.56326543263149975</c:v>
                 </c:pt>
                 <c:pt idx="4">
                   <c:v>0.57183044589207288</c:v>
@@ -1540,7 +1540,7 @@
                   <c:v>0.53802118949602251</c:v>
                 </c:pt>
                 <c:pt idx="8">
-                  <c:v>0.53450509736819263</c:v>
+                  <c:v>0.53450509736819274</c:v>
                 </c:pt>
                 <c:pt idx="9">
                   <c:v>0.52829897414829863</c:v>
@@ -1564,7 +1564,7 @@
                   <c:v>0.50670323954628771</c:v>
                 </c:pt>
                 <c:pt idx="16">
-                  <c:v>0.50238192552660299</c:v>
+                  <c:v>0.50238192552660288</c:v>
                 </c:pt>
                 <c:pt idx="17">
                   <c:v>0.49463977381829932</c:v>
@@ -1656,31 +1656,31 @@
                 <c:formatCode>General</c:formatCode>
                 <c:ptCount val="19"/>
                 <c:pt idx="0">
-                  <c:v>0.77289983769923754</c:v>
+                  <c:v>0.77289983769923787</c:v>
                 </c:pt>
                 <c:pt idx="1">
                   <c:v>0.74632356481168916</c:v>
                 </c:pt>
                 <c:pt idx="2">
-                  <c:v>0.78634361659647511</c:v>
+                  <c:v>0.78634361659647534</c:v>
                 </c:pt>
                 <c:pt idx="3">
-                  <c:v>0.68296121733003556</c:v>
+                  <c:v>0.68296121733003579</c:v>
                 </c:pt>
                 <c:pt idx="4">
-                  <c:v>0.66450739252953783</c:v>
+                  <c:v>0.66450739252953794</c:v>
                 </c:pt>
                 <c:pt idx="5">
-                  <c:v>0.61644319255847702</c:v>
+                  <c:v>0.61644319255847724</c:v>
                 </c:pt>
                 <c:pt idx="6">
                   <c:v>0.6102724059818817</c:v>
                 </c:pt>
                 <c:pt idx="7">
-                  <c:v>0.60925823106012278</c:v>
+                  <c:v>0.60925823106012289</c:v>
                 </c:pt>
                 <c:pt idx="8">
-                  <c:v>0.6285123964672501</c:v>
+                  <c:v>0.62851239646724999</c:v>
                 </c:pt>
                 <c:pt idx="9">
                   <c:v>0.60456332932399459</c:v>
@@ -1689,10 +1689,10 @@
                   <c:v>0.59800801508451062</c:v>
                 </c:pt>
                 <c:pt idx="11">
-                  <c:v>0.59484127138609499</c:v>
+                  <c:v>0.59484127138609511</c:v>
                 </c:pt>
                 <c:pt idx="12">
-                  <c:v>0.57774424327942175</c:v>
+                  <c:v>0.57774424327942187</c:v>
                 </c:pt>
                 <c:pt idx="13">
                   <c:v>0.57412911597622418</c:v>
@@ -1707,7 +1707,7 @@
                   <c:v>0.56487792557592453</c:v>
                 </c:pt>
                 <c:pt idx="17">
-                  <c:v>0.55704303471989591</c:v>
+                  <c:v>0.55704303471989602</c:v>
                 </c:pt>
                 <c:pt idx="18">
                   <c:v>0.55532457683742076</c:v>
@@ -1717,11 +1717,11 @@
           </c:yVal>
           <c:smooth val="1"/>
         </c:ser>
-        <c:axId val="63348096"/>
-        <c:axId val="63354368"/>
+        <c:axId val="63413632"/>
+        <c:axId val="63419904"/>
       </c:scatterChart>
       <c:valAx>
-        <c:axId val="63348096"/>
+        <c:axId val="63413632"/>
         <c:scaling>
           <c:orientation val="minMax"/>
           <c:max val="1000"/>
@@ -1757,12 +1757,12 @@
             <a:endParaRPr lang="es-ES"/>
           </a:p>
         </c:txPr>
-        <c:crossAx val="63354368"/>
+        <c:crossAx val="63419904"/>
         <c:crosses val="autoZero"/>
         <c:crossBetween val="midCat"/>
       </c:valAx>
       <c:valAx>
-        <c:axId val="63354368"/>
+        <c:axId val="63419904"/>
         <c:scaling>
           <c:orientation val="minMax"/>
           <c:min val="0.4"/>
@@ -1799,7 +1799,7 @@
             <a:endParaRPr lang="es-ES"/>
           </a:p>
         </c:txPr>
-        <c:crossAx val="63348096"/>
+        <c:crossAx val="63413632"/>
         <c:crosses val="autoZero"/>
         <c:crossBetween val="midCat"/>
       </c:valAx>
@@ -1876,7 +1876,7 @@
           <c:x val="5.0128971669717602E-2"/>
           <c:y val="0.16285573489051136"/>
           <c:w val="0.91229087688864363"/>
-          <c:h val="0.4284466752376247"/>
+          <c:h val="0.42844667523762486"/>
         </c:manualLayout>
       </c:layout>
       <c:scatterChart>
@@ -2097,7 +2097,7 @@
                   <c:v>0</c:v>
                 </c:pt>
                 <c:pt idx="1">
-                  <c:v>1.2189999999999901</c:v>
+                  <c:v>1.2189999999999896</c:v>
                 </c:pt>
                 <c:pt idx="2">
                   <c:v>2.4379999999999997</c:v>
@@ -2109,19 +2109,19 @@
                   <c:v>1.829</c:v>
                 </c:pt>
                 <c:pt idx="5">
-                  <c:v>1.2189999999999901</c:v>
+                  <c:v>1.2189999999999896</c:v>
                 </c:pt>
                 <c:pt idx="6">
-                  <c:v>1.2189999999999901</c:v>
+                  <c:v>1.2189999999999896</c:v>
                 </c:pt>
                 <c:pt idx="7">
-                  <c:v>1.2189999999999901</c:v>
+                  <c:v>1.2189999999999896</c:v>
                 </c:pt>
                 <c:pt idx="8">
                   <c:v>2.4379999999999997</c:v>
                 </c:pt>
                 <c:pt idx="9">
-                  <c:v>1.2189999999999901</c:v>
+                  <c:v>1.2189999999999896</c:v>
                 </c:pt>
                 <c:pt idx="10">
                   <c:v>0.61000000000000065</c:v>
@@ -2130,22 +2130,22 @@
                   <c:v>3.048</c:v>
                 </c:pt>
                 <c:pt idx="12">
-                  <c:v>1.2189999999999901</c:v>
+                  <c:v>1.2189999999999896</c:v>
                 </c:pt>
                 <c:pt idx="13">
                   <c:v>0.61000000000000065</c:v>
                 </c:pt>
                 <c:pt idx="14">
-                  <c:v>1.2189999999999901</c:v>
+                  <c:v>1.2189999999999896</c:v>
                 </c:pt>
                 <c:pt idx="15">
                   <c:v>2.4379999999999997</c:v>
                 </c:pt>
                 <c:pt idx="16">
-                  <c:v>1.2189999999999901</c:v>
+                  <c:v>1.2189999999999896</c:v>
                 </c:pt>
                 <c:pt idx="17">
-                  <c:v>1.2189999999999901</c:v>
+                  <c:v>1.2189999999999896</c:v>
                 </c:pt>
                 <c:pt idx="18">
                   <c:v>0.61000000000000065</c:v>
@@ -2163,7 +2163,7 @@
                   <c:v>3.048</c:v>
                 </c:pt>
                 <c:pt idx="23">
-                  <c:v>1.2189999999999901</c:v>
+                  <c:v>1.2189999999999896</c:v>
                 </c:pt>
                 <c:pt idx="24">
                   <c:v>1.829</c:v>
@@ -2187,34 +2187,34 @@
                   <c:v>0.61000000000000065</c:v>
                 </c:pt>
                 <c:pt idx="31">
-                  <c:v>1.2189999999999901</c:v>
+                  <c:v>1.2189999999999896</c:v>
                 </c:pt>
                 <c:pt idx="32">
-                  <c:v>1.2189999999999901</c:v>
+                  <c:v>1.2189999999999896</c:v>
                 </c:pt>
                 <c:pt idx="33">
-                  <c:v>1.2189999999999901</c:v>
+                  <c:v>1.2189999999999896</c:v>
                 </c:pt>
                 <c:pt idx="34">
-                  <c:v>1.2189999999999901</c:v>
+                  <c:v>1.2189999999999896</c:v>
                 </c:pt>
                 <c:pt idx="35">
-                  <c:v>1.2189999999999901</c:v>
+                  <c:v>1.2189999999999896</c:v>
                 </c:pt>
                 <c:pt idx="36">
                   <c:v>3.048</c:v>
                 </c:pt>
                 <c:pt idx="37">
-                  <c:v>1.2189999999999901</c:v>
+                  <c:v>1.2189999999999896</c:v>
                 </c:pt>
                 <c:pt idx="38">
                   <c:v>0.61000000000000065</c:v>
                 </c:pt>
                 <c:pt idx="39">
-                  <c:v>1.2189999999999901</c:v>
+                  <c:v>1.2189999999999896</c:v>
                 </c:pt>
                 <c:pt idx="40">
-                  <c:v>1.2189999999999901</c:v>
+                  <c:v>1.2189999999999896</c:v>
                 </c:pt>
                 <c:pt idx="41">
                   <c:v>2.4379999999999997</c:v>
@@ -2229,7 +2229,7 @@
                   <c:v>0.61000000000000065</c:v>
                 </c:pt>
                 <c:pt idx="45">
-                  <c:v>1.2189999999999901</c:v>
+                  <c:v>1.2189999999999896</c:v>
                 </c:pt>
                 <c:pt idx="46">
                   <c:v>4.8769999999999998</c:v>
@@ -2238,34 +2238,34 @@
                   <c:v>0.61000000000000065</c:v>
                 </c:pt>
                 <c:pt idx="48">
-                  <c:v>1.2189999999999901</c:v>
+                  <c:v>1.2189999999999896</c:v>
                 </c:pt>
                 <c:pt idx="49">
                   <c:v>7.3149999999999755</c:v>
                 </c:pt>
                 <c:pt idx="50">
-                  <c:v>1.2189999999999901</c:v>
+                  <c:v>1.2189999999999896</c:v>
                 </c:pt>
                 <c:pt idx="51">
-                  <c:v>1.2189999999999901</c:v>
+                  <c:v>1.2189999999999896</c:v>
                 </c:pt>
                 <c:pt idx="52">
                   <c:v>0.61000000000000065</c:v>
                 </c:pt>
                 <c:pt idx="53">
-                  <c:v>1.2189999999999901</c:v>
+                  <c:v>1.2189999999999896</c:v>
                 </c:pt>
                 <c:pt idx="54">
-                  <c:v>1.2189999999999901</c:v>
+                  <c:v>1.2189999999999896</c:v>
                 </c:pt>
                 <c:pt idx="55">
-                  <c:v>1.2189999999999901</c:v>
+                  <c:v>1.2189999999999896</c:v>
                 </c:pt>
                 <c:pt idx="56">
                   <c:v>2.4379999999999997</c:v>
                 </c:pt>
                 <c:pt idx="57">
-                  <c:v>1.2189999999999901</c:v>
+                  <c:v>1.2189999999999896</c:v>
                 </c:pt>
                 <c:pt idx="58">
                   <c:v>4.8769999999999998</c:v>
@@ -2277,7 +2277,7 @@
                   <c:v>2.4379999999999997</c:v>
                 </c:pt>
                 <c:pt idx="61">
-                  <c:v>1.2189999999999901</c:v>
+                  <c:v>1.2189999999999896</c:v>
                 </c:pt>
                 <c:pt idx="62">
                   <c:v>0.61000000000000065</c:v>
@@ -2537,13 +2537,13 @@
                   <c:v>1.87</c:v>
                 </c:pt>
                 <c:pt idx="8">
-                  <c:v>1.9500000000000079</c:v>
+                  <c:v>1.9500000000000082</c:v>
                 </c:pt>
                 <c:pt idx="9">
                   <c:v>2.4899999999999998</c:v>
                 </c:pt>
                 <c:pt idx="10">
-                  <c:v>1.6800000000000079</c:v>
+                  <c:v>1.6800000000000082</c:v>
                 </c:pt>
                 <c:pt idx="11">
                   <c:v>2.98</c:v>
@@ -2561,7 +2561,7 @@
                   <c:v>3.3099999999999987</c:v>
                 </c:pt>
                 <c:pt idx="16">
-                  <c:v>1.9500000000000079</c:v>
+                  <c:v>1.9500000000000082</c:v>
                 </c:pt>
                 <c:pt idx="17">
                   <c:v>1.4</c:v>
@@ -2591,7 +2591,7 @@
                   <c:v>1.45</c:v>
                 </c:pt>
                 <c:pt idx="26">
-                  <c:v>1.9900000000000089</c:v>
+                  <c:v>1.9900000000000091</c:v>
                 </c:pt>
                 <c:pt idx="27">
                   <c:v>3</c:v>
@@ -2633,7 +2633,7 @@
                   <c:v>2.04</c:v>
                 </c:pt>
                 <c:pt idx="40">
-                  <c:v>1.960000000000008</c:v>
+                  <c:v>1.9600000000000082</c:v>
                 </c:pt>
                 <c:pt idx="41">
                   <c:v>3.09</c:v>
@@ -2708,11 +2708,11 @@
             </c:numRef>
           </c:yVal>
         </c:ser>
-        <c:axId val="64817408"/>
-        <c:axId val="64852352"/>
+        <c:axId val="66062592"/>
+        <c:axId val="66097536"/>
       </c:scatterChart>
       <c:valAx>
-        <c:axId val="64817408"/>
+        <c:axId val="66062592"/>
         <c:scaling>
           <c:orientation val="minMax"/>
         </c:scaling>
@@ -2748,13 +2748,13 @@
             <a:endParaRPr lang="es-ES"/>
           </a:p>
         </c:txPr>
-        <c:crossAx val="64852352"/>
+        <c:crossAx val="66097536"/>
         <c:crosses val="autoZero"/>
         <c:crossBetween val="midCat"/>
         <c:majorUnit val="5"/>
       </c:valAx>
       <c:valAx>
-        <c:axId val="64852352"/>
+        <c:axId val="66097536"/>
         <c:scaling>
           <c:orientation val="minMax"/>
         </c:scaling>
@@ -2798,7 +2798,7 @@
             <a:endParaRPr lang="es-ES"/>
           </a:p>
         </c:txPr>
-        <c:crossAx val="64817408"/>
+        <c:crossAx val="66062592"/>
         <c:crosses val="autoZero"/>
         <c:crossBetween val="midCat"/>
       </c:valAx>
@@ -2811,7 +2811,7 @@
           <c:yMode val="edge"/>
           <c:x val="0.74133589770230268"/>
           <c:y val="0.71233526043915962"/>
-          <c:w val="0.24201434347572562"/>
+          <c:w val="0.2420143434757257"/>
           <c:h val="0.16317756172635517"/>
         </c:manualLayout>
       </c:layout>
@@ -2866,7 +2866,7 @@
           <c:x val="5.0128971669717602E-2"/>
           <c:y val="0.16285573489051136"/>
           <c:w val="0.91229087688864363"/>
-          <c:h val="0.42844667523762442"/>
+          <c:h val="0.42844667523762453"/>
         </c:manualLayout>
       </c:layout>
       <c:scatterChart>
@@ -3087,7 +3087,7 @@
                   <c:v>0</c:v>
                 </c:pt>
                 <c:pt idx="1">
-                  <c:v>1.2189999999999901</c:v>
+                  <c:v>1.2189999999999896</c:v>
                 </c:pt>
                 <c:pt idx="2">
                   <c:v>2.4379999999999997</c:v>
@@ -3099,19 +3099,19 @@
                   <c:v>1.829</c:v>
                 </c:pt>
                 <c:pt idx="5">
-                  <c:v>1.2189999999999901</c:v>
+                  <c:v>1.2189999999999896</c:v>
                 </c:pt>
                 <c:pt idx="6">
-                  <c:v>1.2189999999999901</c:v>
+                  <c:v>1.2189999999999896</c:v>
                 </c:pt>
                 <c:pt idx="7">
-                  <c:v>1.2189999999999901</c:v>
+                  <c:v>1.2189999999999896</c:v>
                 </c:pt>
                 <c:pt idx="8">
                   <c:v>2.4379999999999997</c:v>
                 </c:pt>
                 <c:pt idx="9">
-                  <c:v>1.2189999999999901</c:v>
+                  <c:v>1.2189999999999896</c:v>
                 </c:pt>
                 <c:pt idx="10">
                   <c:v>0.61000000000000065</c:v>
@@ -3120,22 +3120,22 @@
                   <c:v>3.048</c:v>
                 </c:pt>
                 <c:pt idx="12">
-                  <c:v>1.2189999999999901</c:v>
+                  <c:v>1.2189999999999896</c:v>
                 </c:pt>
                 <c:pt idx="13">
                   <c:v>0.61000000000000065</c:v>
                 </c:pt>
                 <c:pt idx="14">
-                  <c:v>1.2189999999999901</c:v>
+                  <c:v>1.2189999999999896</c:v>
                 </c:pt>
                 <c:pt idx="15">
                   <c:v>2.4379999999999997</c:v>
                 </c:pt>
                 <c:pt idx="16">
-                  <c:v>1.2189999999999901</c:v>
+                  <c:v>1.2189999999999896</c:v>
                 </c:pt>
                 <c:pt idx="17">
-                  <c:v>1.2189999999999901</c:v>
+                  <c:v>1.2189999999999896</c:v>
                 </c:pt>
                 <c:pt idx="18">
                   <c:v>0.61000000000000065</c:v>
@@ -3153,7 +3153,7 @@
                   <c:v>3.048</c:v>
                 </c:pt>
                 <c:pt idx="23">
-                  <c:v>1.2189999999999901</c:v>
+                  <c:v>1.2189999999999896</c:v>
                 </c:pt>
                 <c:pt idx="24">
                   <c:v>1.829</c:v>
@@ -3177,34 +3177,34 @@
                   <c:v>0.61000000000000065</c:v>
                 </c:pt>
                 <c:pt idx="31">
-                  <c:v>1.2189999999999901</c:v>
+                  <c:v>1.2189999999999896</c:v>
                 </c:pt>
                 <c:pt idx="32">
-                  <c:v>1.2189999999999901</c:v>
+                  <c:v>1.2189999999999896</c:v>
                 </c:pt>
                 <c:pt idx="33">
-                  <c:v>1.2189999999999901</c:v>
+                  <c:v>1.2189999999999896</c:v>
                 </c:pt>
                 <c:pt idx="34">
-                  <c:v>1.2189999999999901</c:v>
+                  <c:v>1.2189999999999896</c:v>
                 </c:pt>
                 <c:pt idx="35">
-                  <c:v>1.2189999999999901</c:v>
+                  <c:v>1.2189999999999896</c:v>
                 </c:pt>
                 <c:pt idx="36">
                   <c:v>3.048</c:v>
                 </c:pt>
                 <c:pt idx="37">
-                  <c:v>1.2189999999999901</c:v>
+                  <c:v>1.2189999999999896</c:v>
                 </c:pt>
                 <c:pt idx="38">
                   <c:v>0.61000000000000065</c:v>
                 </c:pt>
                 <c:pt idx="39">
-                  <c:v>1.2189999999999901</c:v>
+                  <c:v>1.2189999999999896</c:v>
                 </c:pt>
                 <c:pt idx="40">
-                  <c:v>1.2189999999999901</c:v>
+                  <c:v>1.2189999999999896</c:v>
                 </c:pt>
                 <c:pt idx="41">
                   <c:v>2.4379999999999997</c:v>
@@ -3219,7 +3219,7 @@
                   <c:v>0.61000000000000065</c:v>
                 </c:pt>
                 <c:pt idx="45">
-                  <c:v>1.2189999999999901</c:v>
+                  <c:v>1.2189999999999896</c:v>
                 </c:pt>
                 <c:pt idx="46">
                   <c:v>4.8769999999999998</c:v>
@@ -3228,34 +3228,34 @@
                   <c:v>0.61000000000000065</c:v>
                 </c:pt>
                 <c:pt idx="48">
-                  <c:v>1.2189999999999901</c:v>
+                  <c:v>1.2189999999999896</c:v>
                 </c:pt>
                 <c:pt idx="49">
                   <c:v>7.3149999999999755</c:v>
                 </c:pt>
                 <c:pt idx="50">
-                  <c:v>1.2189999999999901</c:v>
+                  <c:v>1.2189999999999896</c:v>
                 </c:pt>
                 <c:pt idx="51">
-                  <c:v>1.2189999999999901</c:v>
+                  <c:v>1.2189999999999896</c:v>
                 </c:pt>
                 <c:pt idx="52">
                   <c:v>0.61000000000000065</c:v>
                 </c:pt>
                 <c:pt idx="53">
-                  <c:v>1.2189999999999901</c:v>
+                  <c:v>1.2189999999999896</c:v>
                 </c:pt>
                 <c:pt idx="54">
-                  <c:v>1.2189999999999901</c:v>
+                  <c:v>1.2189999999999896</c:v>
                 </c:pt>
                 <c:pt idx="55">
-                  <c:v>1.2189999999999901</c:v>
+                  <c:v>1.2189999999999896</c:v>
                 </c:pt>
                 <c:pt idx="56">
                   <c:v>2.4379999999999997</c:v>
                 </c:pt>
                 <c:pt idx="57">
-                  <c:v>1.2189999999999901</c:v>
+                  <c:v>1.2189999999999896</c:v>
                 </c:pt>
                 <c:pt idx="58">
                   <c:v>4.8769999999999998</c:v>
@@ -3267,7 +3267,7 @@
                   <c:v>2.4379999999999997</c:v>
                 </c:pt>
                 <c:pt idx="61">
-                  <c:v>1.2189999999999901</c:v>
+                  <c:v>1.2189999999999896</c:v>
                 </c:pt>
                 <c:pt idx="62">
                   <c:v>0.61000000000000065</c:v>
@@ -3545,7 +3545,7 @@
                   <c:v>0.96900000000000064</c:v>
                 </c:pt>
                 <c:pt idx="14">
-                  <c:v>1.276999999999991</c:v>
+                  <c:v>1.2769999999999908</c:v>
                 </c:pt>
                 <c:pt idx="15">
                   <c:v>3.0789999999999997</c:v>
@@ -3557,13 +3557,13 @@
                   <c:v>1.1990000000000001</c:v>
                 </c:pt>
                 <c:pt idx="18">
-                  <c:v>1.024999999999991</c:v>
+                  <c:v>1.0249999999999908</c:v>
                 </c:pt>
                 <c:pt idx="19">
-                  <c:v>1.0409999999999917</c:v>
+                  <c:v>1.0409999999999915</c:v>
                 </c:pt>
                 <c:pt idx="20">
-                  <c:v>1.9940000000000089</c:v>
+                  <c:v>1.9940000000000091</c:v>
                 </c:pt>
                 <c:pt idx="21">
                   <c:v>2.6759999999999997</c:v>
@@ -3596,7 +3596,7 @@
                   <c:v>1.127</c:v>
                 </c:pt>
                 <c:pt idx="31">
-                  <c:v>1.1619999999999913</c:v>
+                  <c:v>1.161999999999991</c:v>
                 </c:pt>
                 <c:pt idx="32">
                   <c:v>1.175</c:v>
@@ -3611,7 +3611,7 @@
                   <c:v>2.0880000000000001</c:v>
                 </c:pt>
                 <c:pt idx="36">
-                  <c:v>1.954000000000008</c:v>
+                  <c:v>1.9540000000000082</c:v>
                 </c:pt>
                 <c:pt idx="37">
                   <c:v>1.073</c:v>
@@ -3620,7 +3620,7 @@
                   <c:v>0.93200000000000005</c:v>
                 </c:pt>
                 <c:pt idx="39">
-                  <c:v>1.2209999999999901</c:v>
+                  <c:v>1.2209999999999896</c:v>
                 </c:pt>
                 <c:pt idx="40">
                   <c:v>1.081</c:v>
@@ -3635,7 +3635,7 @@
                   <c:v>1.538</c:v>
                 </c:pt>
                 <c:pt idx="44">
-                  <c:v>1.0569999999999919</c:v>
+                  <c:v>1.0569999999999917</c:v>
                 </c:pt>
                 <c:pt idx="45">
                   <c:v>1.028</c:v>
@@ -3653,10 +3653,10 @@
                   <c:v>6.8039999999999985</c:v>
                 </c:pt>
                 <c:pt idx="50">
-                  <c:v>1.0489999999999919</c:v>
+                  <c:v>1.0489999999999917</c:v>
                 </c:pt>
                 <c:pt idx="51">
-                  <c:v>1.4489999999999899</c:v>
+                  <c:v>1.4489999999999896</c:v>
                 </c:pt>
                 <c:pt idx="52">
                   <c:v>0.91600000000000004</c:v>
@@ -3686,7 +3686,7 @@
                   <c:v>1.599</c:v>
                 </c:pt>
                 <c:pt idx="61">
-                  <c:v>1.562999999999992</c:v>
+                  <c:v>1.5629999999999917</c:v>
                 </c:pt>
                 <c:pt idx="62">
                   <c:v>0.99199999999999999</c:v>
@@ -3698,11 +3698,11 @@
             </c:numRef>
           </c:yVal>
         </c:ser>
-        <c:axId val="64869504"/>
-        <c:axId val="64871424"/>
+        <c:axId val="66114688"/>
+        <c:axId val="66116608"/>
       </c:scatterChart>
       <c:valAx>
-        <c:axId val="64869504"/>
+        <c:axId val="66114688"/>
         <c:scaling>
           <c:orientation val="minMax"/>
         </c:scaling>
@@ -3738,13 +3738,13 @@
             <a:endParaRPr lang="es-ES"/>
           </a:p>
         </c:txPr>
-        <c:crossAx val="64871424"/>
+        <c:crossAx val="66116608"/>
         <c:crosses val="autoZero"/>
         <c:crossBetween val="midCat"/>
         <c:majorUnit val="5"/>
       </c:valAx>
       <c:valAx>
-        <c:axId val="64871424"/>
+        <c:axId val="66116608"/>
         <c:scaling>
           <c:orientation val="minMax"/>
         </c:scaling>
@@ -3788,7 +3788,7 @@
             <a:endParaRPr lang="es-ES"/>
           </a:p>
         </c:txPr>
-        <c:crossAx val="64869504"/>
+        <c:crossAx val="66114688"/>
         <c:crosses val="autoZero"/>
         <c:crossBetween val="midCat"/>
       </c:valAx>
@@ -3801,7 +3801,7 @@
           <c:yMode val="edge"/>
           <c:x val="0.74133589770230268"/>
           <c:y val="0.71233526043915962"/>
-          <c:w val="0.24201434347572551"/>
+          <c:w val="0.24201434347572556"/>
           <c:h val="0.16317756172635517"/>
         </c:manualLayout>
       </c:layout>
@@ -3837,7 +3837,7 @@
           <c:x val="0.10048349150099888"/>
           <c:y val="4.1238940589567646E-2"/>
           <c:w val="0.87042860499284569"/>
-          <c:h val="0.75935138208448716"/>
+          <c:h val="0.75935138208448738"/>
         </c:manualLayout>
       </c:layout>
       <c:scatterChart>
@@ -3881,13 +3881,13 @@
                   <c:v>1.87</c:v>
                 </c:pt>
                 <c:pt idx="7">
-                  <c:v>1.9500000000000079</c:v>
+                  <c:v>1.9500000000000082</c:v>
                 </c:pt>
                 <c:pt idx="8">
                   <c:v>2.4899999999999998</c:v>
                 </c:pt>
                 <c:pt idx="9">
-                  <c:v>1.6800000000000079</c:v>
+                  <c:v>1.6800000000000082</c:v>
                 </c:pt>
                 <c:pt idx="10">
                   <c:v>2.98</c:v>
@@ -3905,7 +3905,7 @@
                   <c:v>3.3099999999999987</c:v>
                 </c:pt>
                 <c:pt idx="15">
-                  <c:v>1.9500000000000079</c:v>
+                  <c:v>1.9500000000000082</c:v>
                 </c:pt>
                 <c:pt idx="16">
                   <c:v>1.4</c:v>
@@ -3935,7 +3935,7 @@
                   <c:v>1.45</c:v>
                 </c:pt>
                 <c:pt idx="25">
-                  <c:v>1.9900000000000089</c:v>
+                  <c:v>1.9900000000000091</c:v>
                 </c:pt>
                 <c:pt idx="26">
                   <c:v>3</c:v>
@@ -3977,7 +3977,7 @@
                   <c:v>2.04</c:v>
                 </c:pt>
                 <c:pt idx="39">
-                  <c:v>1.960000000000008</c:v>
+                  <c:v>1.9600000000000082</c:v>
                 </c:pt>
                 <c:pt idx="40">
                   <c:v>3.09</c:v>
@@ -4061,7 +4061,7 @@
                 <c:formatCode>General</c:formatCode>
                 <c:ptCount val="64"/>
                 <c:pt idx="0">
-                  <c:v>1.2189999999999901</c:v>
+                  <c:v>1.2189999999999896</c:v>
                 </c:pt>
                 <c:pt idx="1">
                   <c:v>2.4379999999999997</c:v>
@@ -4073,19 +4073,19 @@
                   <c:v>1.829</c:v>
                 </c:pt>
                 <c:pt idx="4">
-                  <c:v>1.2189999999999901</c:v>
+                  <c:v>1.2189999999999896</c:v>
                 </c:pt>
                 <c:pt idx="5">
-                  <c:v>1.2189999999999901</c:v>
+                  <c:v>1.2189999999999896</c:v>
                 </c:pt>
                 <c:pt idx="6">
-                  <c:v>1.2189999999999901</c:v>
+                  <c:v>1.2189999999999896</c:v>
                 </c:pt>
                 <c:pt idx="7">
                   <c:v>2.4379999999999997</c:v>
                 </c:pt>
                 <c:pt idx="8">
-                  <c:v>1.2189999999999901</c:v>
+                  <c:v>1.2189999999999896</c:v>
                 </c:pt>
                 <c:pt idx="9">
                   <c:v>0.61000000000000065</c:v>
@@ -4094,22 +4094,22 @@
                   <c:v>3.048</c:v>
                 </c:pt>
                 <c:pt idx="11">
-                  <c:v>1.2189999999999901</c:v>
+                  <c:v>1.2189999999999896</c:v>
                 </c:pt>
                 <c:pt idx="12">
                   <c:v>0.61000000000000065</c:v>
                 </c:pt>
                 <c:pt idx="13">
-                  <c:v>1.2189999999999901</c:v>
+                  <c:v>1.2189999999999896</c:v>
                 </c:pt>
                 <c:pt idx="14">
                   <c:v>2.4379999999999997</c:v>
                 </c:pt>
                 <c:pt idx="15">
-                  <c:v>1.2189999999999901</c:v>
+                  <c:v>1.2189999999999896</c:v>
                 </c:pt>
                 <c:pt idx="16">
-                  <c:v>1.2189999999999901</c:v>
+                  <c:v>1.2189999999999896</c:v>
                 </c:pt>
                 <c:pt idx="17">
                   <c:v>0.61000000000000065</c:v>
@@ -4127,7 +4127,7 @@
                   <c:v>3.048</c:v>
                 </c:pt>
                 <c:pt idx="22">
-                  <c:v>1.2189999999999901</c:v>
+                  <c:v>1.2189999999999896</c:v>
                 </c:pt>
                 <c:pt idx="23">
                   <c:v>1.829</c:v>
@@ -4151,34 +4151,34 @@
                   <c:v>0.61000000000000065</c:v>
                 </c:pt>
                 <c:pt idx="30">
-                  <c:v>1.2189999999999901</c:v>
+                  <c:v>1.2189999999999896</c:v>
                 </c:pt>
                 <c:pt idx="31">
-                  <c:v>1.2189999999999901</c:v>
+                  <c:v>1.2189999999999896</c:v>
                 </c:pt>
                 <c:pt idx="32">
-                  <c:v>1.2189999999999901</c:v>
+                  <c:v>1.2189999999999896</c:v>
                 </c:pt>
                 <c:pt idx="33">
-                  <c:v>1.2189999999999901</c:v>
+                  <c:v>1.2189999999999896</c:v>
                 </c:pt>
                 <c:pt idx="34">
-                  <c:v>1.2189999999999901</c:v>
+                  <c:v>1.2189999999999896</c:v>
                 </c:pt>
                 <c:pt idx="35">
                   <c:v>3.048</c:v>
                 </c:pt>
                 <c:pt idx="36">
-                  <c:v>1.2189999999999901</c:v>
+                  <c:v>1.2189999999999896</c:v>
                 </c:pt>
                 <c:pt idx="37">
                   <c:v>0.61000000000000065</c:v>
                 </c:pt>
                 <c:pt idx="38">
-                  <c:v>1.2189999999999901</c:v>
+                  <c:v>1.2189999999999896</c:v>
                 </c:pt>
                 <c:pt idx="39">
-                  <c:v>1.2189999999999901</c:v>
+                  <c:v>1.2189999999999896</c:v>
                 </c:pt>
                 <c:pt idx="40">
                   <c:v>2.4379999999999997</c:v>
@@ -4193,7 +4193,7 @@
                   <c:v>0.61000000000000065</c:v>
                 </c:pt>
                 <c:pt idx="44">
-                  <c:v>1.2189999999999901</c:v>
+                  <c:v>1.2189999999999896</c:v>
                 </c:pt>
                 <c:pt idx="45">
                   <c:v>4.8769999999999998</c:v>
@@ -4202,34 +4202,34 @@
                   <c:v>0.61000000000000065</c:v>
                 </c:pt>
                 <c:pt idx="47">
-                  <c:v>1.2189999999999901</c:v>
+                  <c:v>1.2189999999999896</c:v>
                 </c:pt>
                 <c:pt idx="48">
                   <c:v>7.3149999999999755</c:v>
                 </c:pt>
                 <c:pt idx="49">
-                  <c:v>1.2189999999999901</c:v>
+                  <c:v>1.2189999999999896</c:v>
                 </c:pt>
                 <c:pt idx="50">
-                  <c:v>1.2189999999999901</c:v>
+                  <c:v>1.2189999999999896</c:v>
                 </c:pt>
                 <c:pt idx="51">
                   <c:v>0.61000000000000065</c:v>
                 </c:pt>
                 <c:pt idx="52">
-                  <c:v>1.2189999999999901</c:v>
+                  <c:v>1.2189999999999896</c:v>
                 </c:pt>
                 <c:pt idx="53">
-                  <c:v>1.2189999999999901</c:v>
+                  <c:v>1.2189999999999896</c:v>
                 </c:pt>
                 <c:pt idx="54">
-                  <c:v>1.2189999999999901</c:v>
+                  <c:v>1.2189999999999896</c:v>
                 </c:pt>
                 <c:pt idx="55">
                   <c:v>2.4379999999999997</c:v>
                 </c:pt>
                 <c:pt idx="56">
-                  <c:v>1.2189999999999901</c:v>
+                  <c:v>1.2189999999999896</c:v>
                 </c:pt>
                 <c:pt idx="57">
                   <c:v>4.8769999999999998</c:v>
@@ -4241,7 +4241,7 @@
                   <c:v>2.4379999999999997</c:v>
                 </c:pt>
                 <c:pt idx="60">
-                  <c:v>1.2189999999999901</c:v>
+                  <c:v>1.2189999999999896</c:v>
                 </c:pt>
                 <c:pt idx="61">
                   <c:v>0.61000000000000065</c:v>
@@ -4250,7 +4250,7 @@
                   <c:v>3.048</c:v>
                 </c:pt>
                 <c:pt idx="63">
-                  <c:v>1.2189999999999901</c:v>
+                  <c:v>1.2189999999999896</c:v>
                 </c:pt>
               </c:numCache>
             </c:numRef>
@@ -4357,11 +4357,11 @@
             </c:numRef>
           </c:yVal>
         </c:ser>
-        <c:axId val="63730432"/>
-        <c:axId val="63732352"/>
+        <c:axId val="66024192"/>
+        <c:axId val="66026112"/>
       </c:scatterChart>
       <c:valAx>
-        <c:axId val="63730432"/>
+        <c:axId val="66024192"/>
         <c:scaling>
           <c:orientation val="minMax"/>
           <c:max val="8"/>
@@ -4403,13 +4403,13 @@
             <a:endParaRPr lang="es-ES"/>
           </a:p>
         </c:txPr>
-        <c:crossAx val="63732352"/>
+        <c:crossAx val="66026112"/>
         <c:crosses val="autoZero"/>
         <c:crossBetween val="midCat"/>
         <c:majorUnit val="2"/>
       </c:valAx>
       <c:valAx>
-        <c:axId val="63732352"/>
+        <c:axId val="66026112"/>
         <c:scaling>
           <c:orientation val="minMax"/>
         </c:scaling>
@@ -4454,7 +4454,7 @@
             <a:endParaRPr lang="es-ES"/>
           </a:p>
         </c:txPr>
-        <c:crossAx val="63730432"/>
+        <c:crossAx val="66024192"/>
         <c:crosses val="autoZero"/>
         <c:crossBetween val="midCat"/>
       </c:valAx>
@@ -4480,7 +4480,7 @@
           <c:x val="0.10048349150099888"/>
           <c:y val="4.1238940589567646E-2"/>
           <c:w val="0.87042860499284569"/>
-          <c:h val="0.75935138208448694"/>
+          <c:h val="0.75935138208448705"/>
         </c:manualLayout>
       </c:layout>
       <c:scatterChart>
@@ -4542,7 +4542,7 @@
                   <c:v>0.96900000000000064</c:v>
                 </c:pt>
                 <c:pt idx="13">
-                  <c:v>1.276999999999991</c:v>
+                  <c:v>1.2769999999999908</c:v>
                 </c:pt>
                 <c:pt idx="14">
                   <c:v>3.0789999999999997</c:v>
@@ -4554,13 +4554,13 @@
                   <c:v>1.1990000000000001</c:v>
                 </c:pt>
                 <c:pt idx="17">
-                  <c:v>1.024999999999991</c:v>
+                  <c:v>1.0249999999999908</c:v>
                 </c:pt>
                 <c:pt idx="18">
-                  <c:v>1.0409999999999917</c:v>
+                  <c:v>1.0409999999999915</c:v>
                 </c:pt>
                 <c:pt idx="19">
-                  <c:v>1.9940000000000089</c:v>
+                  <c:v>1.9940000000000091</c:v>
                 </c:pt>
                 <c:pt idx="20">
                   <c:v>2.6759999999999997</c:v>
@@ -4593,7 +4593,7 @@
                   <c:v>1.127</c:v>
                 </c:pt>
                 <c:pt idx="30">
-                  <c:v>1.1619999999999913</c:v>
+                  <c:v>1.161999999999991</c:v>
                 </c:pt>
                 <c:pt idx="31">
                   <c:v>1.175</c:v>
@@ -4608,7 +4608,7 @@
                   <c:v>2.0880000000000001</c:v>
                 </c:pt>
                 <c:pt idx="35">
-                  <c:v>1.954000000000008</c:v>
+                  <c:v>1.9540000000000082</c:v>
                 </c:pt>
                 <c:pt idx="36">
                   <c:v>1.073</c:v>
@@ -4617,7 +4617,7 @@
                   <c:v>0.93200000000000005</c:v>
                 </c:pt>
                 <c:pt idx="38">
-                  <c:v>1.2209999999999901</c:v>
+                  <c:v>1.2209999999999896</c:v>
                 </c:pt>
                 <c:pt idx="39">
                   <c:v>1.081</c:v>
@@ -4632,7 +4632,7 @@
                   <c:v>1.538</c:v>
                 </c:pt>
                 <c:pt idx="43">
-                  <c:v>1.0569999999999919</c:v>
+                  <c:v>1.0569999999999917</c:v>
                 </c:pt>
                 <c:pt idx="44">
                   <c:v>1.028</c:v>
@@ -4650,10 +4650,10 @@
                   <c:v>6.8039999999999985</c:v>
                 </c:pt>
                 <c:pt idx="49">
-                  <c:v>1.0489999999999919</c:v>
+                  <c:v>1.0489999999999917</c:v>
                 </c:pt>
                 <c:pt idx="50">
-                  <c:v>1.4489999999999899</c:v>
+                  <c:v>1.4489999999999896</c:v>
                 </c:pt>
                 <c:pt idx="51">
                   <c:v>0.91600000000000004</c:v>
@@ -4683,7 +4683,7 @@
                   <c:v>1.599</c:v>
                 </c:pt>
                 <c:pt idx="60">
-                  <c:v>1.562999999999992</c:v>
+                  <c:v>1.5629999999999917</c:v>
                 </c:pt>
                 <c:pt idx="61">
                   <c:v>0.99199999999999999</c:v>
@@ -4704,7 +4704,7 @@
                 <c:formatCode>General</c:formatCode>
                 <c:ptCount val="64"/>
                 <c:pt idx="0">
-                  <c:v>1.2189999999999901</c:v>
+                  <c:v>1.2189999999999896</c:v>
                 </c:pt>
                 <c:pt idx="1">
                   <c:v>2.4379999999999997</c:v>
@@ -4716,19 +4716,19 @@
                   <c:v>1.829</c:v>
                 </c:pt>
                 <c:pt idx="4">
-                  <c:v>1.2189999999999901</c:v>
+                  <c:v>1.2189999999999896</c:v>
                 </c:pt>
                 <c:pt idx="5">
-                  <c:v>1.2189999999999901</c:v>
+                  <c:v>1.2189999999999896</c:v>
                 </c:pt>
                 <c:pt idx="6">
-                  <c:v>1.2189999999999901</c:v>
+                  <c:v>1.2189999999999896</c:v>
                 </c:pt>
                 <c:pt idx="7">
                   <c:v>2.4379999999999997</c:v>
                 </c:pt>
                 <c:pt idx="8">
-                  <c:v>1.2189999999999901</c:v>
+                  <c:v>1.2189999999999896</c:v>
                 </c:pt>
                 <c:pt idx="9">
                   <c:v>0.61000000000000065</c:v>
@@ -4737,22 +4737,22 @@
                   <c:v>3.048</c:v>
                 </c:pt>
                 <c:pt idx="11">
-                  <c:v>1.2189999999999901</c:v>
+                  <c:v>1.2189999999999896</c:v>
                 </c:pt>
                 <c:pt idx="12">
                   <c:v>0.61000000000000065</c:v>
                 </c:pt>
                 <c:pt idx="13">
-                  <c:v>1.2189999999999901</c:v>
+                  <c:v>1.2189999999999896</c:v>
                 </c:pt>
                 <c:pt idx="14">
                   <c:v>2.4379999999999997</c:v>
                 </c:pt>
                 <c:pt idx="15">
-                  <c:v>1.2189999999999901</c:v>
+                  <c:v>1.2189999999999896</c:v>
                 </c:pt>
                 <c:pt idx="16">
-                  <c:v>1.2189999999999901</c:v>
+                  <c:v>1.2189999999999896</c:v>
                 </c:pt>
                 <c:pt idx="17">
                   <c:v>0.61000000000000065</c:v>
@@ -4770,7 +4770,7 @@
                   <c:v>3.048</c:v>
                 </c:pt>
                 <c:pt idx="22">
-                  <c:v>1.2189999999999901</c:v>
+                  <c:v>1.2189999999999896</c:v>
                 </c:pt>
                 <c:pt idx="23">
                   <c:v>1.829</c:v>
@@ -4794,34 +4794,34 @@
                   <c:v>0.61000000000000065</c:v>
                 </c:pt>
                 <c:pt idx="30">
-                  <c:v>1.2189999999999901</c:v>
+                  <c:v>1.2189999999999896</c:v>
                 </c:pt>
                 <c:pt idx="31">
-                  <c:v>1.2189999999999901</c:v>
+                  <c:v>1.2189999999999896</c:v>
                 </c:pt>
                 <c:pt idx="32">
-                  <c:v>1.2189999999999901</c:v>
+                  <c:v>1.2189999999999896</c:v>
                 </c:pt>
                 <c:pt idx="33">
-                  <c:v>1.2189999999999901</c:v>
+                  <c:v>1.2189999999999896</c:v>
                 </c:pt>
                 <c:pt idx="34">
-                  <c:v>1.2189999999999901</c:v>
+                  <c:v>1.2189999999999896</c:v>
                 </c:pt>
                 <c:pt idx="35">
                   <c:v>3.048</c:v>
                 </c:pt>
                 <c:pt idx="36">
-                  <c:v>1.2189999999999901</c:v>
+                  <c:v>1.2189999999999896</c:v>
                 </c:pt>
                 <c:pt idx="37">
                   <c:v>0.61000000000000065</c:v>
                 </c:pt>
                 <c:pt idx="38">
-                  <c:v>1.2189999999999901</c:v>
+                  <c:v>1.2189999999999896</c:v>
                 </c:pt>
                 <c:pt idx="39">
-                  <c:v>1.2189999999999901</c:v>
+                  <c:v>1.2189999999999896</c:v>
                 </c:pt>
                 <c:pt idx="40">
                   <c:v>2.4379999999999997</c:v>
@@ -4836,7 +4836,7 @@
                   <c:v>0.61000000000000065</c:v>
                 </c:pt>
                 <c:pt idx="44">
-                  <c:v>1.2189999999999901</c:v>
+                  <c:v>1.2189999999999896</c:v>
                 </c:pt>
                 <c:pt idx="45">
                   <c:v>4.8769999999999998</c:v>
@@ -4845,34 +4845,34 @@
                   <c:v>0.61000000000000065</c:v>
                 </c:pt>
                 <c:pt idx="47">
-                  <c:v>1.2189999999999901</c:v>
+                  <c:v>1.2189999999999896</c:v>
                 </c:pt>
                 <c:pt idx="48">
                   <c:v>7.3149999999999755</c:v>
                 </c:pt>
                 <c:pt idx="49">
-                  <c:v>1.2189999999999901</c:v>
+                  <c:v>1.2189999999999896</c:v>
                 </c:pt>
                 <c:pt idx="50">
-                  <c:v>1.2189999999999901</c:v>
+                  <c:v>1.2189999999999896</c:v>
                 </c:pt>
                 <c:pt idx="51">
                   <c:v>0.61000000000000065</c:v>
                 </c:pt>
                 <c:pt idx="52">
-                  <c:v>1.2189999999999901</c:v>
+                  <c:v>1.2189999999999896</c:v>
                 </c:pt>
                 <c:pt idx="53">
-                  <c:v>1.2189999999999901</c:v>
+                  <c:v>1.2189999999999896</c:v>
                 </c:pt>
                 <c:pt idx="54">
-                  <c:v>1.2189999999999901</c:v>
+                  <c:v>1.2189999999999896</c:v>
                 </c:pt>
                 <c:pt idx="55">
                   <c:v>2.4379999999999997</c:v>
                 </c:pt>
                 <c:pt idx="56">
-                  <c:v>1.2189999999999901</c:v>
+                  <c:v>1.2189999999999896</c:v>
                 </c:pt>
                 <c:pt idx="57">
                   <c:v>4.8769999999999998</c:v>
@@ -4884,7 +4884,7 @@
                   <c:v>2.4379999999999997</c:v>
                 </c:pt>
                 <c:pt idx="60">
-                  <c:v>1.2189999999999901</c:v>
+                  <c:v>1.2189999999999896</c:v>
                 </c:pt>
                 <c:pt idx="61">
                   <c:v>0.61000000000000065</c:v>
@@ -4893,7 +4893,7 @@
                   <c:v>3.048</c:v>
                 </c:pt>
                 <c:pt idx="63">
-                  <c:v>1.2189999999999901</c:v>
+                  <c:v>1.2189999999999896</c:v>
                 </c:pt>
               </c:numCache>
             </c:numRef>
@@ -5000,11 +5000,11 @@
             </c:numRef>
           </c:yVal>
         </c:ser>
-        <c:axId val="63765120"/>
-        <c:axId val="64885504"/>
+        <c:axId val="66058880"/>
+        <c:axId val="66130688"/>
       </c:scatterChart>
       <c:valAx>
-        <c:axId val="63765120"/>
+        <c:axId val="66058880"/>
         <c:scaling>
           <c:orientation val="minMax"/>
           <c:max val="8"/>
@@ -5045,13 +5045,13 @@
             <a:endParaRPr lang="es-ES"/>
           </a:p>
         </c:txPr>
-        <c:crossAx val="64885504"/>
+        <c:crossAx val="66130688"/>
         <c:crosses val="autoZero"/>
         <c:crossBetween val="midCat"/>
         <c:majorUnit val="2"/>
       </c:valAx>
       <c:valAx>
-        <c:axId val="64885504"/>
+        <c:axId val="66130688"/>
         <c:scaling>
           <c:orientation val="minMax"/>
         </c:scaling>
@@ -5088,7 +5088,7 @@
             <a:endParaRPr lang="es-ES"/>
           </a:p>
         </c:txPr>
-        <c:crossAx val="63765120"/>
+        <c:crossAx val="66058880"/>
         <c:crosses val="autoZero"/>
         <c:crossBetween val="midCat"/>
       </c:valAx>
@@ -5155,10 +5155,10 @@
                 <c:formatCode>0%</c:formatCode>
                 <c:ptCount val="5"/>
                 <c:pt idx="0">
-                  <c:v>0.66000000000000014</c:v>
+                  <c:v>0.66000000000000025</c:v>
                 </c:pt>
                 <c:pt idx="1">
-                  <c:v>0.82000000000000006</c:v>
+                  <c:v>0.82000000000000017</c:v>
                 </c:pt>
                 <c:pt idx="2">
                   <c:v>0</c:v>
@@ -5222,7 +5222,7 @@
                 <c:formatCode>0%</c:formatCode>
                 <c:ptCount val="5"/>
                 <c:pt idx="0">
-                  <c:v>0.82000000000000006</c:v>
+                  <c:v>0.82000000000000017</c:v>
                 </c:pt>
                 <c:pt idx="1">
                   <c:v>0.89</c:v>
@@ -5231,7 +5231,7 @@
                   <c:v>0.5</c:v>
                 </c:pt>
                 <c:pt idx="3">
-                  <c:v>0.48000000000000004</c:v>
+                  <c:v>0.48000000000000009</c:v>
                 </c:pt>
                 <c:pt idx="4">
                   <c:v>0.79</c:v>
@@ -5241,25 +5241,25 @@
           </c:val>
         </c:ser>
         <c:shape val="box"/>
-        <c:axId val="64913792"/>
-        <c:axId val="64915328"/>
+        <c:axId val="66163072"/>
+        <c:axId val="66164608"/>
         <c:axId val="0"/>
       </c:bar3DChart>
       <c:catAx>
-        <c:axId val="64913792"/>
+        <c:axId val="66163072"/>
         <c:scaling>
           <c:orientation val="minMax"/>
         </c:scaling>
         <c:axPos val="b"/>
         <c:tickLblPos val="nextTo"/>
-        <c:crossAx val="64915328"/>
+        <c:crossAx val="66164608"/>
         <c:crosses val="autoZero"/>
         <c:auto val="1"/>
         <c:lblAlgn val="ctr"/>
         <c:lblOffset val="100"/>
       </c:catAx>
       <c:valAx>
-        <c:axId val="64915328"/>
+        <c:axId val="66164608"/>
         <c:scaling>
           <c:orientation val="minMax"/>
         </c:scaling>
@@ -5267,7 +5267,7 @@
         <c:majorGridlines/>
         <c:numFmt formatCode="0%" sourceLinked="1"/>
         <c:tickLblPos val="nextTo"/>
-        <c:crossAx val="64913792"/>
+        <c:crossAx val="66163072"/>
         <c:crosses val="autoZero"/>
         <c:crossBetween val="between"/>
       </c:valAx>
@@ -5339,13 +5339,13 @@
                 <c:formatCode>General</c:formatCode>
                 <c:ptCount val="5"/>
                 <c:pt idx="0">
-                  <c:v>0.96000000000000008</c:v>
+                  <c:v>0.96000000000000019</c:v>
                 </c:pt>
                 <c:pt idx="1">
                   <c:v>1.35</c:v>
                 </c:pt>
                 <c:pt idx="2">
-                  <c:v>1.1800000000000002</c:v>
+                  <c:v>1.1800000000000004</c:v>
                 </c:pt>
                 <c:pt idx="3">
                   <c:v>0.99</c:v>
@@ -5406,44 +5406,44 @@
                 <c:formatCode>General</c:formatCode>
                 <c:ptCount val="5"/>
                 <c:pt idx="0">
-                  <c:v>0.6100000000000001</c:v>
+                  <c:v>0.61000000000000021</c:v>
                 </c:pt>
                 <c:pt idx="1">
-                  <c:v>0.82000000000000006</c:v>
+                  <c:v>0.82000000000000017</c:v>
                 </c:pt>
                 <c:pt idx="2">
                   <c:v>0.46</c:v>
                 </c:pt>
                 <c:pt idx="3">
-                  <c:v>0.47000000000000003</c:v>
+                  <c:v>0.47000000000000008</c:v>
                 </c:pt>
                 <c:pt idx="4">
-                  <c:v>0.47000000000000003</c:v>
+                  <c:v>0.47000000000000008</c:v>
                 </c:pt>
               </c:numCache>
             </c:numRef>
           </c:val>
         </c:ser>
         <c:shape val="cylinder"/>
-        <c:axId val="64944384"/>
-        <c:axId val="63639552"/>
+        <c:axId val="66189568"/>
+        <c:axId val="63442944"/>
         <c:axId val="0"/>
       </c:bar3DChart>
       <c:catAx>
-        <c:axId val="64944384"/>
+        <c:axId val="66189568"/>
         <c:scaling>
           <c:orientation val="minMax"/>
         </c:scaling>
         <c:axPos val="b"/>
         <c:tickLblPos val="nextTo"/>
-        <c:crossAx val="63639552"/>
+        <c:crossAx val="63442944"/>
         <c:crosses val="autoZero"/>
         <c:auto val="1"/>
         <c:lblAlgn val="ctr"/>
         <c:lblOffset val="100"/>
       </c:catAx>
       <c:valAx>
-        <c:axId val="63639552"/>
+        <c:axId val="63442944"/>
         <c:scaling>
           <c:orientation val="minMax"/>
         </c:scaling>
@@ -5451,7 +5451,7 @@
         <c:majorGridlines/>
         <c:numFmt formatCode="General" sourceLinked="1"/>
         <c:tickLblPos val="nextTo"/>
-        <c:crossAx val="64944384"/>
+        <c:crossAx val="66189568"/>
         <c:crosses val="autoZero"/>
         <c:crossBetween val="between"/>
       </c:valAx>
@@ -5549,7 +5549,7 @@
             <a:fld id="{6F7DFDAF-273A-4B14-B585-9A1EB6FB1D1C}" type="datetimeFigureOut">
               <a:rPr lang="es-ES" smtClean="0"/>
               <a:pPr/>
-              <a:t>18/08/2010</a:t>
+              <a:t>19/08/2010</a:t>
             </a:fld>
             <a:endParaRPr lang="es-ES"/>
           </a:p>
@@ -7959,7 +7959,7 @@
             <a:fld id="{3841DEE1-7CBC-4AC5-8CB0-36222882615A}" type="datetimeFigureOut">
               <a:rPr lang="es-AR" smtClean="0"/>
               <a:pPr/>
-              <a:t>18/08/2010</a:t>
+              <a:t>19/08/2010</a:t>
             </a:fld>
             <a:endParaRPr lang="es-AR"/>
           </a:p>
@@ -8126,7 +8126,7 @@
             <a:fld id="{3841DEE1-7CBC-4AC5-8CB0-36222882615A}" type="datetimeFigureOut">
               <a:rPr lang="es-AR" smtClean="0"/>
               <a:pPr/>
-              <a:t>18/08/2010</a:t>
+              <a:t>19/08/2010</a:t>
             </a:fld>
             <a:endParaRPr lang="es-AR"/>
           </a:p>
@@ -8303,7 +8303,7 @@
             <a:fld id="{3841DEE1-7CBC-4AC5-8CB0-36222882615A}" type="datetimeFigureOut">
               <a:rPr lang="es-AR" smtClean="0"/>
               <a:pPr/>
-              <a:t>18/08/2010</a:t>
+              <a:t>19/08/2010</a:t>
             </a:fld>
             <a:endParaRPr lang="es-AR"/>
           </a:p>
@@ -8470,7 +8470,7 @@
             <a:fld id="{3841DEE1-7CBC-4AC5-8CB0-36222882615A}" type="datetimeFigureOut">
               <a:rPr lang="es-AR" smtClean="0"/>
               <a:pPr/>
-              <a:t>18/08/2010</a:t>
+              <a:t>19/08/2010</a:t>
             </a:fld>
             <a:endParaRPr lang="es-AR"/>
           </a:p>
@@ -8714,7 +8714,7 @@
             <a:fld id="{3841DEE1-7CBC-4AC5-8CB0-36222882615A}" type="datetimeFigureOut">
               <a:rPr lang="es-AR" smtClean="0"/>
               <a:pPr/>
-              <a:t>18/08/2010</a:t>
+              <a:t>19/08/2010</a:t>
             </a:fld>
             <a:endParaRPr lang="es-AR"/>
           </a:p>
@@ -8980,7 +8980,7 @@
             <a:fld id="{3841DEE1-7CBC-4AC5-8CB0-36222882615A}" type="datetimeFigureOut">
               <a:rPr lang="es-AR" smtClean="0"/>
               <a:pPr/>
-              <a:t>18/08/2010</a:t>
+              <a:t>19/08/2010</a:t>
             </a:fld>
             <a:endParaRPr lang="es-AR"/>
           </a:p>
@@ -9360,7 +9360,7 @@
             <a:fld id="{3841DEE1-7CBC-4AC5-8CB0-36222882615A}" type="datetimeFigureOut">
               <a:rPr lang="es-AR" smtClean="0"/>
               <a:pPr/>
-              <a:t>18/08/2010</a:t>
+              <a:t>19/08/2010</a:t>
             </a:fld>
             <a:endParaRPr lang="es-AR"/>
           </a:p>
@@ -9512,7 +9512,7 @@
             <a:fld id="{3841DEE1-7CBC-4AC5-8CB0-36222882615A}" type="datetimeFigureOut">
               <a:rPr lang="es-AR" smtClean="0"/>
               <a:pPr/>
-              <a:t>18/08/2010</a:t>
+              <a:t>19/08/2010</a:t>
             </a:fld>
             <a:endParaRPr lang="es-AR"/>
           </a:p>
@@ -9604,7 +9604,7 @@
             <a:fld id="{3841DEE1-7CBC-4AC5-8CB0-36222882615A}" type="datetimeFigureOut">
               <a:rPr lang="es-AR" smtClean="0"/>
               <a:pPr/>
-              <a:t>18/08/2010</a:t>
+              <a:t>19/08/2010</a:t>
             </a:fld>
             <a:endParaRPr lang="es-AR"/>
           </a:p>
@@ -9867,7 +9867,7 @@
             <a:fld id="{3841DEE1-7CBC-4AC5-8CB0-36222882615A}" type="datetimeFigureOut">
               <a:rPr lang="es-AR" smtClean="0"/>
               <a:pPr/>
-              <a:t>18/08/2010</a:t>
+              <a:t>19/08/2010</a:t>
             </a:fld>
             <a:endParaRPr lang="es-AR"/>
           </a:p>
@@ -10157,7 +10157,7 @@
             <a:fld id="{3841DEE1-7CBC-4AC5-8CB0-36222882615A}" type="datetimeFigureOut">
               <a:rPr lang="es-AR" smtClean="0"/>
               <a:pPr/>
-              <a:t>18/08/2010</a:t>
+              <a:t>19/08/2010</a:t>
             </a:fld>
             <a:endParaRPr lang="es-AR"/>
           </a:p>
@@ -10930,7 +10930,7 @@
             <a:fld id="{3841DEE1-7CBC-4AC5-8CB0-36222882615A}" type="datetimeFigureOut">
               <a:rPr lang="es-AR" smtClean="0"/>
               <a:pPr/>
-              <a:t>18/08/2010</a:t>
+              <a:t>19/08/2010</a:t>
             </a:fld>
             <a:endParaRPr lang="es-AR"/>
           </a:p>
@@ -11599,13 +11599,7 @@
               <a:rPr lang="es-ES_tradnl" dirty="0" smtClean="0">
                 <a:latin typeface="+mj-lt"/>
               </a:rPr>
-              <a:t>Un enfoque para predicción del oleaje basado en análisis de regresión con técnicas de aprendizaje </a:t>
-            </a:r>
-            <a:r>
-              <a:rPr lang="es-ES_tradnl" dirty="0" smtClean="0">
-                <a:latin typeface="+mj-lt"/>
-              </a:rPr>
-              <a:t>supervisado</a:t>
+              <a:t>Un enfoque para predicción del oleaje basado en análisis de regresión con técnicas de aprendizaje supervisado</a:t>
             </a:r>
             <a:r>
               <a:rPr lang="en-US" dirty="0" smtClean="0">
@@ -11903,17 +11897,8 @@
               <a:rPr lang="es-US" dirty="0" smtClean="0">
                 <a:latin typeface="+mj-lt"/>
               </a:rPr>
-              <a:t>Resultados detallados para la ola “Makaha</a:t>
-            </a:r>
-            <a:r>
-              <a:rPr lang="es-US" dirty="0" smtClean="0">
-                <a:latin typeface="+mj-lt"/>
-              </a:rPr>
-              <a:t>”</a:t>
-            </a:r>
-            <a:endParaRPr lang="es-US" dirty="0" smtClean="0">
-              <a:latin typeface="+mj-lt"/>
-            </a:endParaRPr>
+              <a:t>Resultados detallados para la ola “Makaha”</a:t>
+            </a:r>
           </a:p>
         </p:txBody>
       </p:sp>
@@ -13491,131 +13476,56 @@
               <a:rPr lang="es-US" dirty="0" smtClean="0">
                 <a:latin typeface="+mj-lt"/>
               </a:rPr>
-              <a:t>Sistema web para el </a:t>
-            </a:r>
+              <a:t>Sistema web para el pronóstico de olas.</a:t>
+            </a:r>
+          </a:p>
+          <a:p>
+            <a:pPr lvl="1"/>
             <a:r>
               <a:rPr lang="es-US" dirty="0" smtClean="0">
                 <a:latin typeface="+mj-lt"/>
               </a:rPr>
-              <a:t>pronóstico </a:t>
-            </a:r>
+              <a:t>Logra pronosticar olas de todo el mundo.</a:t>
+            </a:r>
+          </a:p>
+          <a:p>
+            <a:pPr lvl="1"/>
             <a:r>
               <a:rPr lang="es-US" dirty="0" smtClean="0">
                 <a:latin typeface="+mj-lt"/>
               </a:rPr>
-              <a:t>de </a:t>
-            </a:r>
+              <a:t>Utiliza como entrada pronósticos de WAVEWATCH III.</a:t>
+            </a:r>
+          </a:p>
+          <a:p>
+            <a:pPr lvl="1"/>
             <a:r>
               <a:rPr lang="es-US" dirty="0" smtClean="0">
                 <a:latin typeface="+mj-lt"/>
               </a:rPr>
-              <a:t>olas.</a:t>
-            </a:r>
+              <a:t>Ofrece un comparador de olas.</a:t>
+            </a:r>
+          </a:p>
+          <a:p>
+            <a:pPr lvl="1"/>
+            <a:r>
+              <a:rPr lang="es-US" dirty="0" smtClean="0">
+                <a:latin typeface="+mj-lt"/>
+              </a:rPr>
+              <a:t>Usuarios registrados pueden persistir sus propias olas.</a:t>
+            </a:r>
+          </a:p>
+          <a:p>
             <a:endParaRPr lang="es-US" dirty="0" smtClean="0">
               <a:latin typeface="+mj-lt"/>
             </a:endParaRPr>
           </a:p>
           <a:p>
-            <a:pPr lvl="1"/>
             <a:r>
               <a:rPr lang="es-US" dirty="0" smtClean="0">
                 <a:latin typeface="+mj-lt"/>
               </a:rPr>
-              <a:t>Logra pronosticar olas de todo el </a:t>
-            </a:r>
-            <a:r>
-              <a:rPr lang="es-US" dirty="0" smtClean="0">
-                <a:latin typeface="+mj-lt"/>
-              </a:rPr>
-              <a:t>mundo.</a:t>
-            </a:r>
-            <a:endParaRPr lang="es-US" dirty="0" smtClean="0">
-              <a:latin typeface="+mj-lt"/>
-            </a:endParaRPr>
-          </a:p>
-          <a:p>
-            <a:pPr lvl="1"/>
-            <a:r>
-              <a:rPr lang="es-US" dirty="0" smtClean="0">
-                <a:latin typeface="+mj-lt"/>
-              </a:rPr>
-              <a:t>Utiliza como entrada </a:t>
-            </a:r>
-            <a:r>
-              <a:rPr lang="es-US" dirty="0" smtClean="0">
-                <a:latin typeface="+mj-lt"/>
-              </a:rPr>
-              <a:t>pronósticos </a:t>
-            </a:r>
-            <a:r>
-              <a:rPr lang="es-US" dirty="0" smtClean="0">
-                <a:latin typeface="+mj-lt"/>
-              </a:rPr>
-              <a:t>de WAVEWATCH </a:t>
-            </a:r>
-            <a:r>
-              <a:rPr lang="es-US" dirty="0" smtClean="0">
-                <a:latin typeface="+mj-lt"/>
-              </a:rPr>
-              <a:t>III.</a:t>
-            </a:r>
-            <a:endParaRPr lang="es-US" dirty="0" smtClean="0">
-              <a:latin typeface="+mj-lt"/>
-            </a:endParaRPr>
-          </a:p>
-          <a:p>
-            <a:pPr lvl="1"/>
-            <a:r>
-              <a:rPr lang="es-US" dirty="0" smtClean="0">
-                <a:latin typeface="+mj-lt"/>
-              </a:rPr>
-              <a:t>Ofrece un comparador de </a:t>
-            </a:r>
-            <a:r>
-              <a:rPr lang="es-US" dirty="0" smtClean="0">
-                <a:latin typeface="+mj-lt"/>
-              </a:rPr>
-              <a:t>olas.</a:t>
-            </a:r>
-            <a:endParaRPr lang="es-US" dirty="0" smtClean="0">
-              <a:latin typeface="+mj-lt"/>
-            </a:endParaRPr>
-          </a:p>
-          <a:p>
-            <a:pPr lvl="1"/>
-            <a:r>
-              <a:rPr lang="es-US" dirty="0" smtClean="0">
-                <a:latin typeface="+mj-lt"/>
-              </a:rPr>
-              <a:t>Usuarios registrados pueden persistir sus propias </a:t>
-            </a:r>
-            <a:r>
-              <a:rPr lang="es-US" dirty="0" smtClean="0">
-                <a:latin typeface="+mj-lt"/>
-              </a:rPr>
-              <a:t>olas.</a:t>
-            </a:r>
-            <a:endParaRPr lang="es-US" dirty="0" smtClean="0">
-              <a:latin typeface="+mj-lt"/>
-            </a:endParaRPr>
-          </a:p>
-          <a:p>
-            <a:endParaRPr lang="es-US" dirty="0" smtClean="0">
-              <a:latin typeface="+mj-lt"/>
-            </a:endParaRPr>
-          </a:p>
-          <a:p>
-            <a:r>
-              <a:rPr lang="es-US" dirty="0" smtClean="0">
-                <a:latin typeface="+mj-lt"/>
-              </a:rPr>
-              <a:t>¿</a:t>
-            </a:r>
-            <a:r>
-              <a:rPr lang="es-US" dirty="0" smtClean="0">
-                <a:latin typeface="+mj-lt"/>
-              </a:rPr>
-              <a:t>Qué lo diferencia de otros pronosticadores existentes?</a:t>
+              <a:t>¿Qué lo diferencia de otros pronosticadores existentes?</a:t>
             </a:r>
           </a:p>
           <a:p>
@@ -14375,35 +14285,17 @@
               <a:rPr lang="es-US" dirty="0" smtClean="0">
                 <a:latin typeface="+mj-lt"/>
               </a:rPr>
-              <a:t>Usuario no registrado u </a:t>
-            </a:r>
+              <a:t>Usuario no registrado u anónimo.</a:t>
+            </a:r>
+          </a:p>
+          <a:p>
+            <a:pPr lvl="1"/>
             <a:r>
               <a:rPr lang="es-US" dirty="0" smtClean="0">
                 <a:latin typeface="+mj-lt"/>
               </a:rPr>
-              <a:t>anónimo.</a:t>
-            </a:r>
-            <a:endParaRPr lang="es-US" dirty="0" smtClean="0">
-              <a:latin typeface="+mj-lt"/>
-            </a:endParaRPr>
-          </a:p>
-          <a:p>
-            <a:pPr lvl="1"/>
-            <a:r>
-              <a:rPr lang="es-US" dirty="0" smtClean="0">
-                <a:latin typeface="+mj-lt"/>
-              </a:rPr>
-              <a:t>Usuario </a:t>
-            </a:r>
-            <a:r>
-              <a:rPr lang="es-US" dirty="0" smtClean="0">
-                <a:latin typeface="+mj-lt"/>
-              </a:rPr>
-              <a:t>registrado.</a:t>
-            </a:r>
-            <a:endParaRPr lang="es-US" dirty="0" smtClean="0">
-              <a:latin typeface="+mj-lt"/>
-            </a:endParaRPr>
+              <a:t>Usuario registrado.</a:t>
+            </a:r>
           </a:p>
           <a:p>
             <a:pPr lvl="1"/>
@@ -14413,9 +14305,6 @@
               </a:rPr>
               <a:t>Administrador.</a:t>
             </a:r>
-            <a:endParaRPr lang="es-US" dirty="0" smtClean="0">
-              <a:latin typeface="+mj-lt"/>
-            </a:endParaRPr>
           </a:p>
           <a:p>
             <a:pPr lvl="1"/>
@@ -15597,7 +15486,19 @@
               <a:rPr lang="es-US" sz="2000" dirty="0" smtClean="0">
                 <a:latin typeface="+mj-lt"/>
               </a:rPr>
-              <a:t>Nueva ola (solo usuarios registrados) (1)</a:t>
+              <a:t>Nueva ola (</a:t>
+            </a:r>
+            <a:r>
+              <a:rPr lang="es-US" sz="2000" dirty="0" smtClean="0">
+                <a:latin typeface="+mj-lt"/>
+              </a:rPr>
+              <a:t>sólo </a:t>
+            </a:r>
+            <a:r>
+              <a:rPr lang="es-US" sz="2000" dirty="0" smtClean="0">
+                <a:latin typeface="+mj-lt"/>
+              </a:rPr>
+              <a:t>usuarios registrados) (1)</a:t>
             </a:r>
             <a:endParaRPr lang="es-ES" sz="2000" dirty="0">
               <a:latin typeface="+mj-lt"/>
@@ -15724,7 +15625,19 @@
               <a:rPr lang="es-US" sz="2000" dirty="0" smtClean="0">
                 <a:latin typeface="+mj-lt"/>
               </a:rPr>
-              <a:t>Nueva ola (solo usuarios registrados) (2)</a:t>
+              <a:t>Nueva ola (</a:t>
+            </a:r>
+            <a:r>
+              <a:rPr lang="es-US" sz="2000" dirty="0" smtClean="0">
+                <a:latin typeface="+mj-lt"/>
+              </a:rPr>
+              <a:t>sólo </a:t>
+            </a:r>
+            <a:r>
+              <a:rPr lang="es-US" sz="2000" dirty="0" smtClean="0">
+                <a:latin typeface="+mj-lt"/>
+              </a:rPr>
+              <a:t>usuarios registrados) (2)</a:t>
             </a:r>
             <a:endParaRPr lang="es-ES" sz="2000" dirty="0" smtClean="0">
               <a:latin typeface="+mj-lt"/>
@@ -16011,7 +15924,19 @@
               <a:rPr lang="es-US" sz="2000" dirty="0" smtClean="0">
                 <a:latin typeface="+mj-lt"/>
               </a:rPr>
-              <a:t>Mis olas (solo usuarios registrados)</a:t>
+              <a:t>Mis olas (</a:t>
+            </a:r>
+            <a:r>
+              <a:rPr lang="es-US" sz="2000" dirty="0" smtClean="0">
+                <a:latin typeface="+mj-lt"/>
+              </a:rPr>
+              <a:t>sólo </a:t>
+            </a:r>
+            <a:r>
+              <a:rPr lang="es-US" sz="2000" dirty="0" smtClean="0">
+                <a:latin typeface="+mj-lt"/>
+              </a:rPr>
+              <a:t>usuarios registrados)</a:t>
             </a:r>
             <a:endParaRPr lang="es-ES" sz="2000" dirty="0">
               <a:latin typeface="+mj-lt"/>
@@ -17233,7 +17158,13 @@
               <a:rPr lang="es-US" dirty="0" smtClean="0">
                 <a:latin typeface="+mj-lt"/>
               </a:rPr>
-              <a:t>Solo predice la altura de la ola deseada.</a:t>
+              <a:t>Sólo </a:t>
+            </a:r>
+            <a:r>
+              <a:rPr lang="es-US" dirty="0" smtClean="0">
+                <a:latin typeface="+mj-lt"/>
+              </a:rPr>
+              <a:t>predice la altura de la ola deseada.</a:t>
             </a:r>
           </a:p>
           <a:p>
@@ -17437,19 +17368,7 @@
               <a:rPr lang="es-AR" dirty="0" smtClean="0">
                 <a:latin typeface="+mj-lt"/>
               </a:rPr>
-              <a:t>Encontrar la combinación óptima [algoritmo de aprendizaje de </a:t>
-            </a:r>
-            <a:r>
-              <a:rPr lang="es-AR" dirty="0" smtClean="0">
-                <a:latin typeface="+mj-lt"/>
-              </a:rPr>
-              <a:t>máquina </a:t>
-            </a:r>
-            <a:r>
-              <a:rPr lang="es-AR" dirty="0" smtClean="0">
-                <a:latin typeface="+mj-lt"/>
-              </a:rPr>
-              <a:t>/ modelo de instancia].</a:t>
+              <a:t>Encontrar la combinación óptima [algoritmo de aprendizaje de máquina / modelo de instancia].</a:t>
             </a:r>
           </a:p>
           <a:p>
@@ -17501,13 +17420,7 @@
               <a:rPr lang="es-AR" dirty="0" smtClean="0">
                 <a:latin typeface="+mj-lt"/>
               </a:rPr>
-              <a:t>Parametrización </a:t>
-            </a:r>
-            <a:r>
-              <a:rPr lang="es-AR" dirty="0" smtClean="0">
-                <a:latin typeface="+mj-lt"/>
-              </a:rPr>
-              <a:t>de los algoritmos</a:t>
+              <a:t>Parametrización de los algoritmos</a:t>
             </a:r>
           </a:p>
           <a:p>
@@ -17628,48 +17541,21 @@
               <a:rPr lang="es-US" dirty="0" smtClean="0">
                 <a:latin typeface="+mj-lt"/>
               </a:rPr>
-              <a:t>Técnica </a:t>
-            </a:r>
+              <a:t>Técnica de validación cruzada de 10 conjuntos</a:t>
+            </a:r>
+          </a:p>
+          <a:p>
+            <a:endParaRPr lang="es-US" dirty="0" smtClean="0">
+              <a:latin typeface="+mj-lt"/>
+            </a:endParaRPr>
+          </a:p>
+          <a:p>
             <a:r>
               <a:rPr lang="es-US" dirty="0" smtClean="0">
                 <a:latin typeface="+mj-lt"/>
               </a:rPr>
-              <a:t>de </a:t>
-            </a:r>
-            <a:r>
-              <a:rPr lang="es-US" dirty="0" smtClean="0">
-                <a:latin typeface="+mj-lt"/>
-              </a:rPr>
-              <a:t>validación </a:t>
-            </a:r>
-            <a:r>
-              <a:rPr lang="es-US" dirty="0" smtClean="0">
-                <a:latin typeface="+mj-lt"/>
-              </a:rPr>
-              <a:t>cruzada de 10 conjuntos</a:t>
-            </a:r>
-          </a:p>
-          <a:p>
-            <a:endParaRPr lang="es-US" dirty="0" smtClean="0">
-              <a:latin typeface="+mj-lt"/>
-            </a:endParaRPr>
-          </a:p>
-          <a:p>
-            <a:r>
-              <a:rPr lang="es-US" dirty="0" smtClean="0">
-                <a:latin typeface="+mj-lt"/>
-              </a:rPr>
-              <a:t>Métricas de </a:t>
-            </a:r>
-            <a:r>
-              <a:rPr lang="es-US" dirty="0" smtClean="0">
-                <a:latin typeface="+mj-lt"/>
-              </a:rPr>
-              <a:t>evaluación:</a:t>
-            </a:r>
-            <a:endParaRPr lang="es-US" dirty="0" smtClean="0">
-              <a:latin typeface="+mj-lt"/>
-            </a:endParaRPr>
+              <a:t>Métricas de evaluación:</a:t>
+            </a:r>
           </a:p>
           <a:p>
             <a:pPr lvl="1"/>
@@ -17686,19 +17572,7 @@
               <a:rPr lang="es-US" dirty="0" smtClean="0">
                 <a:latin typeface="+mj-lt"/>
               </a:rPr>
-              <a:t>Error </a:t>
-            </a:r>
-            <a:r>
-              <a:rPr lang="es-US" dirty="0" smtClean="0">
-                <a:latin typeface="+mj-lt"/>
-              </a:rPr>
-              <a:t>absoluto promedio </a:t>
-            </a:r>
-            <a:r>
-              <a:rPr lang="es-US" dirty="0" smtClean="0">
-                <a:latin typeface="+mj-lt"/>
-              </a:rPr>
-              <a:t>(MAE) [mts.]</a:t>
+              <a:t>Error absoluto promedio (MAE) [mts.]</a:t>
             </a:r>
           </a:p>
           <a:p>
@@ -23680,17 +23554,17 @@
               <a:rPr lang="es-US" dirty="0" smtClean="0">
                 <a:latin typeface="+mj-lt"/>
               </a:rPr>
-              <a:t>Se probaron conjuntos desde 5 hasta 2400 </a:t>
-            </a:r>
+              <a:t>Se probaron conjuntos desde 5 hasta 2400 instancias.</a:t>
+            </a:r>
+          </a:p>
+          <a:p>
+            <a:pPr lvl="1"/>
             <a:r>
               <a:rPr lang="es-US" dirty="0" smtClean="0">
                 <a:latin typeface="+mj-lt"/>
               </a:rPr>
-              <a:t>instancias.</a:t>
-            </a:r>
-            <a:endParaRPr lang="es-US" dirty="0" smtClean="0">
-              <a:latin typeface="+mj-lt"/>
-            </a:endParaRPr>
+              <a:t>Se entrenó un clasificador por cada uno.</a:t>
+            </a:r>
           </a:p>
           <a:p>
             <a:pPr lvl="1"/>
@@ -23698,47 +23572,8 @@
               <a:rPr lang="es-US" dirty="0" smtClean="0">
                 <a:latin typeface="+mj-lt"/>
               </a:rPr>
-              <a:t>Se </a:t>
-            </a:r>
-            <a:r>
-              <a:rPr lang="es-US" dirty="0" smtClean="0">
-                <a:latin typeface="+mj-lt"/>
-              </a:rPr>
-              <a:t>entrenó </a:t>
-            </a:r>
-            <a:r>
-              <a:rPr lang="es-US" dirty="0" smtClean="0">
-                <a:latin typeface="+mj-lt"/>
-              </a:rPr>
-              <a:t>un clasificador por cada </a:t>
-            </a:r>
-            <a:r>
-              <a:rPr lang="es-US" dirty="0" smtClean="0">
-                <a:latin typeface="+mj-lt"/>
-              </a:rPr>
-              <a:t>uno.</a:t>
-            </a:r>
-            <a:endParaRPr lang="es-US" dirty="0" smtClean="0">
-              <a:latin typeface="+mj-lt"/>
-            </a:endParaRPr>
-          </a:p>
-          <a:p>
-            <a:pPr lvl="1"/>
-            <a:r>
-              <a:rPr lang="es-US" dirty="0" smtClean="0">
-                <a:latin typeface="+mj-lt"/>
-              </a:rPr>
-              <a:t>Se evaluó correlación y MAE de cada </a:t>
-            </a:r>
-            <a:r>
-              <a:rPr lang="es-US" dirty="0" smtClean="0">
-                <a:latin typeface="+mj-lt"/>
-              </a:rPr>
-              <a:t>clasificador. </a:t>
-            </a:r>
-            <a:endParaRPr lang="es-US" dirty="0" smtClean="0">
-              <a:latin typeface="+mj-lt"/>
-            </a:endParaRPr>
+              <a:t>Se evaluó correlación y MAE de cada clasificador. </a:t>
+            </a:r>
           </a:p>
         </p:txBody>
       </p:sp>
@@ -23930,35 +23765,17 @@
               <a:rPr lang="es-US" dirty="0" smtClean="0">
                 <a:latin typeface="+mj-lt"/>
               </a:rPr>
-              <a:t>Olas a estudiar (Oahu - </a:t>
-            </a:r>
+              <a:t>Olas a estudiar (Oahu - Hawái)</a:t>
+            </a:r>
+          </a:p>
+          <a:p>
+            <a:pPr lvl="2"/>
             <a:r>
               <a:rPr lang="es-US" dirty="0" smtClean="0">
                 <a:latin typeface="+mj-lt"/>
               </a:rPr>
-              <a:t>Hawái)</a:t>
-            </a:r>
-            <a:endParaRPr lang="es-US" dirty="0" smtClean="0">
-              <a:latin typeface="+mj-lt"/>
-            </a:endParaRPr>
-          </a:p>
-          <a:p>
-            <a:pPr lvl="2"/>
-            <a:r>
-              <a:rPr lang="es-US" dirty="0" smtClean="0">
-                <a:latin typeface="+mj-lt"/>
-              </a:rPr>
-              <a:t>Algoritmos de aprendizaje de </a:t>
-            </a:r>
-            <a:r>
-              <a:rPr lang="es-US" dirty="0" smtClean="0">
-                <a:latin typeface="+mj-lt"/>
-              </a:rPr>
-              <a:t>máquina</a:t>
-            </a:r>
-            <a:endParaRPr lang="es-US" dirty="0" smtClean="0">
-              <a:latin typeface="+mj-lt"/>
-            </a:endParaRPr>
+              <a:t>Algoritmos de aprendizaje de máquina</a:t>
+            </a:r>
           </a:p>
           <a:p>
             <a:pPr lvl="2"/>
@@ -23975,25 +23792,7 @@
               <a:rPr lang="es-US" dirty="0" smtClean="0">
                 <a:latin typeface="+mj-lt"/>
               </a:rPr>
-              <a:t>Métricas </a:t>
-            </a:r>
-            <a:r>
-              <a:rPr lang="es-US" dirty="0" smtClean="0">
-                <a:latin typeface="+mj-lt"/>
-              </a:rPr>
-              <a:t>de </a:t>
-            </a:r>
-            <a:r>
-              <a:rPr lang="es-US" dirty="0" smtClean="0">
-                <a:latin typeface="+mj-lt"/>
-              </a:rPr>
-              <a:t>evaluación </a:t>
-            </a:r>
-            <a:r>
-              <a:rPr lang="es-US" dirty="0" smtClean="0">
-                <a:latin typeface="+mj-lt"/>
-              </a:rPr>
-              <a:t>de clasificadores</a:t>
+              <a:t>Métricas de evaluación de clasificadores</a:t>
             </a:r>
           </a:p>
           <a:p>
@@ -24026,25 +23825,7 @@
               <a:rPr lang="es-US" dirty="0" smtClean="0">
                 <a:latin typeface="+mj-lt"/>
               </a:rPr>
-              <a:t>Obtenemos la </a:t>
-            </a:r>
-            <a:r>
-              <a:rPr lang="es-US" dirty="0" smtClean="0">
-                <a:latin typeface="+mj-lt"/>
-              </a:rPr>
-              <a:t>combinación </a:t>
-            </a:r>
-            <a:r>
-              <a:rPr lang="es-US" dirty="0" smtClean="0">
-                <a:latin typeface="+mj-lt"/>
-              </a:rPr>
-              <a:t>óptima </a:t>
-            </a:r>
-            <a:r>
-              <a:rPr lang="es-US" dirty="0" smtClean="0">
-                <a:latin typeface="+mj-lt"/>
-              </a:rPr>
-              <a:t>[</a:t>
+              <a:t>Obtenemos la combinación óptima [</a:t>
             </a:r>
             <a:r>
               <a:rPr lang="es-US" dirty="0" err="1" smtClean="0">
@@ -24056,35 +23837,8 @@
               <a:rPr lang="es-US" dirty="0" smtClean="0">
                 <a:latin typeface="+mj-lt"/>
               </a:rPr>
-              <a:t>. </a:t>
-            </a:r>
-            <a:r>
-              <a:rPr lang="es-US" dirty="0" smtClean="0">
-                <a:latin typeface="+mj-lt"/>
-              </a:rPr>
-              <a:t>de aprendizaje de máquina </a:t>
-            </a:r>
-            <a:r>
-              <a:rPr lang="es-US" dirty="0" smtClean="0">
-                <a:latin typeface="+mj-lt"/>
-              </a:rPr>
-              <a:t>/ modelo </a:t>
-            </a:r>
-            <a:r>
-              <a:rPr lang="es-US" dirty="0" smtClean="0">
-                <a:latin typeface="+mj-lt"/>
-              </a:rPr>
-              <a:t>de </a:t>
-            </a:r>
-            <a:r>
-              <a:rPr lang="es-US" dirty="0" smtClean="0">
-                <a:latin typeface="+mj-lt"/>
-              </a:rPr>
-              <a:t>instancia]</a:t>
-            </a:r>
-            <a:endParaRPr lang="es-US" dirty="0" smtClean="0">
-              <a:latin typeface="+mj-lt"/>
-            </a:endParaRPr>
+              <a:t>. de aprendizaje de máquina / modelo de instancia]</a:t>
+            </a:r>
           </a:p>
           <a:p>
             <a:pPr lvl="2"/>
